--- a/project.pptx
+++ b/project.pptx
@@ -115,6 +115,11 @@
       </a:defRPr>
     </a:lvl9pPr>
   </p:defaultTextStyle>
+  <p:extLst>
+    <p:ext uri="{EFAFB233-063F-42B5-8137-9DF3F51BA10A}">
+      <p15:sldGuideLst xmlns:p15="http://schemas.microsoft.com/office/powerpoint/2012/main"/>
+    </p:ext>
+  </p:extLst>
 </p:presentation>
 </file>
 

--- a/project.pptx
+++ b/project.pptx
@@ -5,7 +5,7 @@
     <p:sldMasterId id="2147483660" r:id="rId1"/>
   </p:sldMasterIdLst>
   <p:notesMasterIdLst>
-    <p:notesMasterId r:id="rId11"/>
+    <p:notesMasterId r:id="rId16"/>
   </p:notesMasterIdLst>
   <p:sldIdLst>
     <p:sldId id="256" r:id="rId2"/>
@@ -17,6 +17,11 @@
     <p:sldId id="264" r:id="rId8"/>
     <p:sldId id="262" r:id="rId9"/>
     <p:sldId id="263" r:id="rId10"/>
+    <p:sldId id="265" r:id="rId11"/>
+    <p:sldId id="266" r:id="rId12"/>
+    <p:sldId id="267" r:id="rId13"/>
+    <p:sldId id="268" r:id="rId14"/>
+    <p:sldId id="269" r:id="rId15"/>
   </p:sldIdLst>
   <p:sldSz cx="12192000" cy="6858000"/>
   <p:notesSz cx="6858000" cy="9144000"/>
@@ -4113,6 +4118,801 @@
     <p:extLst>
       <p:ext uri="{BB962C8B-B14F-4D97-AF65-F5344CB8AC3E}">
         <p14:creationId xmlns:p14="http://schemas.microsoft.com/office/powerpoint/2010/main" val="569202765"/>
+      </p:ext>
+    </p:extLst>
+  </p:cSld>
+  <p:clrMapOvr>
+    <a:masterClrMapping/>
+  </p:clrMapOvr>
+</p:sld>
+</file>
+
+<file path=ppt/slides/slide10.xml><?xml version="1.0" encoding="utf-8"?>
+<p:sld xmlns:a="http://schemas.openxmlformats.org/drawingml/2006/main" xmlns:r="http://schemas.openxmlformats.org/officeDocument/2006/relationships" xmlns:p="http://schemas.openxmlformats.org/presentationml/2006/main">
+  <p:cSld>
+    <p:spTree>
+      <p:nvGrpSpPr>
+        <p:cNvPr id="1" name=""/>
+        <p:cNvGrpSpPr/>
+        <p:nvPr/>
+      </p:nvGrpSpPr>
+      <p:grpSpPr>
+        <a:xfrm>
+          <a:off x="0" y="0"/>
+          <a:ext cx="0" cy="0"/>
+          <a:chOff x="0" y="0"/>
+          <a:chExt cx="0" cy="0"/>
+        </a:xfrm>
+      </p:grpSpPr>
+      <p:sp>
+        <p:nvSpPr>
+          <p:cNvPr id="2" name="Title 1">
+            <a:extLst>
+              <a:ext uri="{FF2B5EF4-FFF2-40B4-BE49-F238E27FC236}">
+                <a16:creationId xmlns:a16="http://schemas.microsoft.com/office/drawing/2014/main" id="{4E136526-8B60-4B8E-8B6C-1D495824882E}"/>
+              </a:ext>
+            </a:extLst>
+          </p:cNvPr>
+          <p:cNvSpPr>
+            <a:spLocks noGrp="1"/>
+          </p:cNvSpPr>
+          <p:nvPr>
+            <p:ph type="title"/>
+          </p:nvPr>
+        </p:nvSpPr>
+        <p:spPr/>
+        <p:txBody>
+          <a:bodyPr/>
+          <a:lstStyle/>
+          <a:p>
+            <a:r>
+              <a:rPr lang="en-US" dirty="0"/>
+              <a:t>Synchronizing words</a:t>
+            </a:r>
+          </a:p>
+        </p:txBody>
+      </p:sp>
+      <p:sp>
+        <p:nvSpPr>
+          <p:cNvPr id="3" name="Content Placeholder 2">
+            <a:extLst>
+              <a:ext uri="{FF2B5EF4-FFF2-40B4-BE49-F238E27FC236}">
+                <a16:creationId xmlns:a16="http://schemas.microsoft.com/office/drawing/2014/main" id="{3EB6BCDC-57D3-4744-B892-7A436654A29C}"/>
+              </a:ext>
+            </a:extLst>
+          </p:cNvPr>
+          <p:cNvSpPr>
+            <a:spLocks noGrp="1"/>
+          </p:cNvSpPr>
+          <p:nvPr>
+            <p:ph idx="1"/>
+          </p:nvPr>
+        </p:nvSpPr>
+        <p:spPr/>
+        <p:txBody>
+          <a:bodyPr/>
+          <a:lstStyle/>
+          <a:p>
+            <a:r>
+              <a:rPr lang="en-US" dirty="0"/>
+              <a:t>As seen in the previous example, series of symbols can return two values:</a:t>
+            </a:r>
+          </a:p>
+          <a:p>
+            <a:pPr lvl="1"/>
+            <a:r>
+              <a:rPr lang="en-US" dirty="0"/>
+              <a:t>If we return to the starting state – True </a:t>
+            </a:r>
+          </a:p>
+          <a:p>
+            <a:pPr lvl="1"/>
+            <a:r>
+              <a:rPr lang="en-US" dirty="0"/>
+              <a:t>If we don’t return to the starting state – False</a:t>
+            </a:r>
+          </a:p>
+          <a:p>
+            <a:r>
+              <a:rPr lang="en-US" dirty="0"/>
+              <a:t>A series of symbols [words] that returns True is considered synchronizing.</a:t>
+            </a:r>
+          </a:p>
+          <a:p>
+            <a:r>
+              <a:rPr lang="en-US" dirty="0"/>
+              <a:t>Also as seen in the previous example, synchronizing words can be of variable length</a:t>
+            </a:r>
+          </a:p>
+          <a:p>
+            <a:pPr lvl="1"/>
+            <a:endParaRPr lang="en-US" dirty="0"/>
+          </a:p>
+        </p:txBody>
+      </p:sp>
+    </p:spTree>
+    <p:extLst>
+      <p:ext uri="{BB962C8B-B14F-4D97-AF65-F5344CB8AC3E}">
+        <p14:creationId xmlns:p14="http://schemas.microsoft.com/office/powerpoint/2010/main" val="998234888"/>
+      </p:ext>
+    </p:extLst>
+  </p:cSld>
+  <p:clrMapOvr>
+    <a:masterClrMapping/>
+  </p:clrMapOvr>
+</p:sld>
+</file>
+
+<file path=ppt/slides/slide11.xml><?xml version="1.0" encoding="utf-8"?>
+<p:sld xmlns:a="http://schemas.openxmlformats.org/drawingml/2006/main" xmlns:r="http://schemas.openxmlformats.org/officeDocument/2006/relationships" xmlns:p="http://schemas.openxmlformats.org/presentationml/2006/main">
+  <p:cSld>
+    <p:spTree>
+      <p:nvGrpSpPr>
+        <p:cNvPr id="1" name=""/>
+        <p:cNvGrpSpPr/>
+        <p:nvPr/>
+      </p:nvGrpSpPr>
+      <p:grpSpPr>
+        <a:xfrm>
+          <a:off x="0" y="0"/>
+          <a:ext cx="0" cy="0"/>
+          <a:chOff x="0" y="0"/>
+          <a:chExt cx="0" cy="0"/>
+        </a:xfrm>
+      </p:grpSpPr>
+      <p:sp>
+        <p:nvSpPr>
+          <p:cNvPr id="2" name="Title 1">
+            <a:extLst>
+              <a:ext uri="{FF2B5EF4-FFF2-40B4-BE49-F238E27FC236}">
+                <a16:creationId xmlns:a16="http://schemas.microsoft.com/office/drawing/2014/main" id="{CA6AD2FA-5246-4078-83E2-983BEF74181C}"/>
+              </a:ext>
+            </a:extLst>
+          </p:cNvPr>
+          <p:cNvSpPr>
+            <a:spLocks noGrp="1"/>
+          </p:cNvSpPr>
+          <p:nvPr>
+            <p:ph type="title"/>
+          </p:nvPr>
+        </p:nvSpPr>
+        <p:spPr/>
+        <p:txBody>
+          <a:bodyPr/>
+          <a:lstStyle/>
+          <a:p>
+            <a:r>
+              <a:rPr lang="en-US" dirty="0"/>
+              <a:t>Weighted synchronizing words</a:t>
+            </a:r>
+          </a:p>
+        </p:txBody>
+      </p:sp>
+      <p:sp>
+        <p:nvSpPr>
+          <p:cNvPr id="3" name="Content Placeholder 2">
+            <a:extLst>
+              <a:ext uri="{FF2B5EF4-FFF2-40B4-BE49-F238E27FC236}">
+                <a16:creationId xmlns:a16="http://schemas.microsoft.com/office/drawing/2014/main" id="{2661A8D2-D59B-4A2E-975E-CCA4F5A5FC5B}"/>
+              </a:ext>
+            </a:extLst>
+          </p:cNvPr>
+          <p:cNvSpPr>
+            <a:spLocks noGrp="1"/>
+          </p:cNvSpPr>
+          <p:nvPr>
+            <p:ph idx="1"/>
+          </p:nvPr>
+        </p:nvSpPr>
+        <p:spPr/>
+        <p:txBody>
+          <a:bodyPr/>
+          <a:lstStyle/>
+          <a:p>
+            <a:r>
+              <a:rPr lang="en-US" dirty="0"/>
+              <a:t>Adding weights to symbols allows us to determine the weight of a given synchronizing word.</a:t>
+            </a:r>
+          </a:p>
+          <a:p>
+            <a:pPr marL="0" indent="0">
+              <a:buNone/>
+            </a:pPr>
+            <a:endParaRPr lang="en-US" dirty="0"/>
+          </a:p>
+          <a:p>
+            <a:pPr marL="0" indent="0">
+              <a:buNone/>
+            </a:pPr>
+            <a:endParaRPr lang="en-US" dirty="0"/>
+          </a:p>
+          <a:p>
+            <a:pPr marL="0" indent="0">
+              <a:buNone/>
+            </a:pPr>
+            <a:r>
+              <a:rPr lang="en-US" dirty="0"/>
+              <a:t>So now we are able to state the goal of the algorithm</a:t>
+            </a:r>
+          </a:p>
+          <a:p>
+            <a:r>
+              <a:rPr lang="en-US" dirty="0"/>
+              <a:t>The goal of the algorithm is to find the shortest and “lightest” synchronizing word.</a:t>
+            </a:r>
+          </a:p>
+        </p:txBody>
+      </p:sp>
+    </p:spTree>
+    <p:extLst>
+      <p:ext uri="{BB962C8B-B14F-4D97-AF65-F5344CB8AC3E}">
+        <p14:creationId xmlns:p14="http://schemas.microsoft.com/office/powerpoint/2010/main" val="1488385387"/>
+      </p:ext>
+    </p:extLst>
+  </p:cSld>
+  <p:clrMapOvr>
+    <a:masterClrMapping/>
+  </p:clrMapOvr>
+</p:sld>
+</file>
+
+<file path=ppt/slides/slide12.xml><?xml version="1.0" encoding="utf-8"?>
+<p:sld xmlns:a="http://schemas.openxmlformats.org/drawingml/2006/main" xmlns:r="http://schemas.openxmlformats.org/officeDocument/2006/relationships" xmlns:p="http://schemas.openxmlformats.org/presentationml/2006/main">
+  <p:cSld>
+    <p:spTree>
+      <p:nvGrpSpPr>
+        <p:cNvPr id="1" name=""/>
+        <p:cNvGrpSpPr/>
+        <p:nvPr/>
+      </p:nvGrpSpPr>
+      <p:grpSpPr>
+        <a:xfrm>
+          <a:off x="0" y="0"/>
+          <a:ext cx="0" cy="0"/>
+          <a:chOff x="0" y="0"/>
+          <a:chExt cx="0" cy="0"/>
+        </a:xfrm>
+      </p:grpSpPr>
+      <p:sp>
+        <p:nvSpPr>
+          <p:cNvPr id="2" name="Title 1">
+            <a:extLst>
+              <a:ext uri="{FF2B5EF4-FFF2-40B4-BE49-F238E27FC236}">
+                <a16:creationId xmlns:a16="http://schemas.microsoft.com/office/drawing/2014/main" id="{9D903FB9-2070-4C2F-A87B-051159A413A9}"/>
+              </a:ext>
+            </a:extLst>
+          </p:cNvPr>
+          <p:cNvSpPr>
+            <a:spLocks noGrp="1"/>
+          </p:cNvSpPr>
+          <p:nvPr>
+            <p:ph type="title"/>
+          </p:nvPr>
+        </p:nvSpPr>
+        <p:spPr/>
+        <p:txBody>
+          <a:bodyPr/>
+          <a:lstStyle/>
+          <a:p>
+            <a:r>
+              <a:rPr lang="en-US" dirty="0"/>
+              <a:t>Algorithm</a:t>
+            </a:r>
+          </a:p>
+        </p:txBody>
+      </p:sp>
+      <p:sp>
+        <p:nvSpPr>
+          <p:cNvPr id="3" name="Text Placeholder 2">
+            <a:extLst>
+              <a:ext uri="{FF2B5EF4-FFF2-40B4-BE49-F238E27FC236}">
+                <a16:creationId xmlns:a16="http://schemas.microsoft.com/office/drawing/2014/main" id="{68E5159D-8E32-43B7-B0BB-7FEE798F0035}"/>
+              </a:ext>
+            </a:extLst>
+          </p:cNvPr>
+          <p:cNvSpPr>
+            <a:spLocks noGrp="1"/>
+          </p:cNvSpPr>
+          <p:nvPr>
+            <p:ph type="body" idx="1"/>
+          </p:nvPr>
+        </p:nvSpPr>
+        <p:spPr/>
+        <p:txBody>
+          <a:bodyPr/>
+          <a:lstStyle/>
+          <a:p>
+            <a:r>
+              <a:rPr lang="en-US" dirty="0"/>
+              <a:t>Analysis of the algorithm</a:t>
+            </a:r>
+          </a:p>
+        </p:txBody>
+      </p:sp>
+    </p:spTree>
+    <p:extLst>
+      <p:ext uri="{BB962C8B-B14F-4D97-AF65-F5344CB8AC3E}">
+        <p14:creationId xmlns:p14="http://schemas.microsoft.com/office/powerpoint/2010/main" val="3975223732"/>
+      </p:ext>
+    </p:extLst>
+  </p:cSld>
+  <p:clrMapOvr>
+    <a:masterClrMapping/>
+  </p:clrMapOvr>
+</p:sld>
+</file>
+
+<file path=ppt/slides/slide13.xml><?xml version="1.0" encoding="utf-8"?>
+<p:sld xmlns:a="http://schemas.openxmlformats.org/drawingml/2006/main" xmlns:r="http://schemas.openxmlformats.org/officeDocument/2006/relationships" xmlns:p="http://schemas.openxmlformats.org/presentationml/2006/main">
+  <p:cSld>
+    <p:spTree>
+      <p:nvGrpSpPr>
+        <p:cNvPr id="1" name=""/>
+        <p:cNvGrpSpPr/>
+        <p:nvPr/>
+      </p:nvGrpSpPr>
+      <p:grpSpPr>
+        <a:xfrm>
+          <a:off x="0" y="0"/>
+          <a:ext cx="0" cy="0"/>
+          <a:chOff x="0" y="0"/>
+          <a:chExt cx="0" cy="0"/>
+        </a:xfrm>
+      </p:grpSpPr>
+      <p:sp>
+        <p:nvSpPr>
+          <p:cNvPr id="2" name="Title 1">
+            <a:extLst>
+              <a:ext uri="{FF2B5EF4-FFF2-40B4-BE49-F238E27FC236}">
+                <a16:creationId xmlns:a16="http://schemas.microsoft.com/office/drawing/2014/main" id="{8B9165A5-9035-4067-98EA-3AECC7B2BE37}"/>
+              </a:ext>
+            </a:extLst>
+          </p:cNvPr>
+          <p:cNvSpPr>
+            <a:spLocks noGrp="1"/>
+          </p:cNvSpPr>
+          <p:nvPr>
+            <p:ph type="title"/>
+          </p:nvPr>
+        </p:nvSpPr>
+        <p:spPr/>
+        <p:txBody>
+          <a:bodyPr/>
+          <a:lstStyle/>
+          <a:p>
+            <a:r>
+              <a:rPr lang="en-US" dirty="0"/>
+              <a:t>Compute words</a:t>
+            </a:r>
+          </a:p>
+        </p:txBody>
+      </p:sp>
+      <p:pic>
+        <p:nvPicPr>
+          <p:cNvPr id="9" name="Content Placeholder 8" descr="Text&#10;&#10;Description automatically generated">
+            <a:extLst>
+              <a:ext uri="{FF2B5EF4-FFF2-40B4-BE49-F238E27FC236}">
+                <a16:creationId xmlns:a16="http://schemas.microsoft.com/office/drawing/2014/main" id="{CC471801-D2AE-45AB-98ED-9E1C8B59DECD}"/>
+              </a:ext>
+            </a:extLst>
+          </p:cNvPr>
+          <p:cNvPicPr>
+            <a:picLocks noGrp="1" noChangeAspect="1"/>
+          </p:cNvPicPr>
+          <p:nvPr>
+            <p:ph idx="1"/>
+          </p:nvPr>
+        </p:nvPicPr>
+        <p:blipFill>
+          <a:blip r:embed="rId2">
+            <a:extLst>
+              <a:ext uri="{28A0092B-C50C-407E-A947-70E740481C1C}">
+                <a14:useLocalDpi xmlns:a14="http://schemas.microsoft.com/office/drawing/2010/main" val="0"/>
+              </a:ext>
+            </a:extLst>
+          </a:blip>
+          <a:stretch>
+            <a:fillRect/>
+          </a:stretch>
+        </p:blipFill>
+        <p:spPr>
+          <a:xfrm>
+            <a:off x="5276699" y="2179314"/>
+            <a:ext cx="6762630" cy="4206875"/>
+          </a:xfrm>
+        </p:spPr>
+      </p:pic>
+      <p:sp>
+        <p:nvSpPr>
+          <p:cNvPr id="10" name="TextBox 9">
+            <a:extLst>
+              <a:ext uri="{FF2B5EF4-FFF2-40B4-BE49-F238E27FC236}">
+                <a16:creationId xmlns:a16="http://schemas.microsoft.com/office/drawing/2014/main" id="{6B56B39A-A216-43B2-8E5D-E6F8184A8079}"/>
+              </a:ext>
+            </a:extLst>
+          </p:cNvPr>
+          <p:cNvSpPr txBox="1"/>
+          <p:nvPr/>
+        </p:nvSpPr>
+        <p:spPr>
+          <a:xfrm>
+            <a:off x="298580" y="2179314"/>
+            <a:ext cx="4640423" cy="4247317"/>
+          </a:xfrm>
+          <a:prstGeom prst="rect">
+            <a:avLst/>
+          </a:prstGeom>
+          <a:noFill/>
+        </p:spPr>
+        <p:txBody>
+          <a:bodyPr wrap="square" rtlCol="0">
+            <a:spAutoFit/>
+          </a:bodyPr>
+          <a:lstStyle/>
+          <a:p>
+            <a:r>
+              <a:rPr lang="en-US" dirty="0"/>
+              <a:t>Compute words takes a WFA </a:t>
+            </a:r>
+            <a:r>
+              <a:rPr lang="en-US" i="1" dirty="0"/>
+              <a:t>A</a:t>
+            </a:r>
+            <a:r>
+              <a:rPr lang="en-US" dirty="0"/>
+              <a:t> and maximum subsets </a:t>
+            </a:r>
+            <a:r>
+              <a:rPr lang="en-US" i="1" dirty="0"/>
+              <a:t>m</a:t>
+            </a:r>
+            <a:r>
+              <a:rPr lang="en-US" dirty="0"/>
+              <a:t> as input and returns </a:t>
+            </a:r>
+            <a:r>
+              <a:rPr lang="en-US" i="1" dirty="0"/>
+              <a:t>W.</a:t>
+            </a:r>
+          </a:p>
+          <a:p>
+            <a:endParaRPr lang="en-US" i="1" dirty="0"/>
+          </a:p>
+          <a:p>
+            <a:r>
+              <a:rPr lang="en-US" i="1" dirty="0"/>
+              <a:t>Q</a:t>
+            </a:r>
+            <a:r>
+              <a:rPr lang="en-US" dirty="0"/>
+              <a:t> is a finite set of states.</a:t>
+            </a:r>
+          </a:p>
+          <a:p>
+            <a:r>
+              <a:rPr lang="en-US" i="1" dirty="0"/>
+              <a:t>Σ </a:t>
+            </a:r>
+            <a:r>
+              <a:rPr lang="en-US" dirty="0"/>
+              <a:t>is a finite alphabet.</a:t>
+            </a:r>
+          </a:p>
+          <a:p>
+            <a:r>
+              <a:rPr lang="en-US" i="1" dirty="0"/>
+              <a:t>δ </a:t>
+            </a:r>
+            <a:r>
+              <a:rPr lang="en-US" dirty="0"/>
+              <a:t>is the transition function: </a:t>
+            </a:r>
+            <a:r>
+              <a:rPr lang="en-US" i="1" dirty="0"/>
+              <a:t>Q</a:t>
+            </a:r>
+            <a:r>
+              <a:rPr lang="en-US" dirty="0"/>
+              <a:t> x </a:t>
+            </a:r>
+            <a:r>
+              <a:rPr lang="en-US" i="1" dirty="0"/>
+              <a:t>Σ</a:t>
+            </a:r>
+            <a:r>
+              <a:rPr lang="en-US" dirty="0"/>
+              <a:t> → </a:t>
+            </a:r>
+            <a:r>
+              <a:rPr lang="en-US" i="1" dirty="0"/>
+              <a:t>Q</a:t>
+            </a:r>
+            <a:r>
+              <a:rPr lang="en-US" dirty="0"/>
+              <a:t> </a:t>
+            </a:r>
+          </a:p>
+          <a:p>
+            <a:r>
+              <a:rPr lang="en-US" i="1" dirty="0"/>
+              <a:t>γ </a:t>
+            </a:r>
+            <a:r>
+              <a:rPr lang="en-US" dirty="0"/>
+              <a:t>is the weight function: </a:t>
+            </a:r>
+            <a:r>
+              <a:rPr lang="en-US" i="1" dirty="0"/>
+              <a:t>Σ</a:t>
+            </a:r>
+            <a:r>
+              <a:rPr lang="en-US" dirty="0"/>
+              <a:t> → </a:t>
+            </a:r>
+            <a:r>
+              <a:rPr lang="en-US" i="1" dirty="0"/>
+              <a:t>N</a:t>
+            </a:r>
+          </a:p>
+          <a:p>
+            <a:endParaRPr lang="en-US" i="1" dirty="0"/>
+          </a:p>
+          <a:p>
+            <a:r>
+              <a:rPr lang="en-US" i="1" dirty="0"/>
+              <a:t>W </a:t>
+            </a:r>
+            <a:r>
+              <a:rPr lang="en-US" dirty="0"/>
+              <a:t>is a set containing the shortest synchronizing words for </a:t>
+            </a:r>
+            <a:r>
+              <a:rPr lang="en-US" i="1" dirty="0"/>
+              <a:t>Q’</a:t>
+            </a:r>
+            <a:r>
+              <a:rPr lang="en-US" dirty="0"/>
+              <a:t>, where </a:t>
+            </a:r>
+            <a:r>
+              <a:rPr lang="en-US" i="1" dirty="0"/>
+              <a:t>Q’</a:t>
+            </a:r>
+            <a:r>
+              <a:rPr lang="en-US" dirty="0"/>
+              <a:t> is up to </a:t>
+            </a:r>
+            <a:r>
+              <a:rPr lang="en-US" i="1" dirty="0"/>
+              <a:t>m </a:t>
+            </a:r>
+            <a:r>
+              <a:rPr lang="en-US" dirty="0"/>
+              <a:t>subsets of </a:t>
+            </a:r>
+            <a:r>
+              <a:rPr lang="en-US" i="1" dirty="0"/>
+              <a:t>Q.</a:t>
+            </a:r>
+          </a:p>
+          <a:p>
+            <a:endParaRPr lang="en-US" dirty="0"/>
+          </a:p>
+          <a:p>
+            <a:r>
+              <a:rPr lang="en-US" dirty="0"/>
+              <a:t>This algorithm is used to generate a set of short synchronizing words to weigh for any power automaton of </a:t>
+            </a:r>
+            <a:r>
+              <a:rPr lang="en-US" i="1" dirty="0"/>
+              <a:t>A</a:t>
+            </a:r>
+            <a:r>
+              <a:rPr lang="en-US" dirty="0"/>
+              <a:t>.   </a:t>
+            </a:r>
+          </a:p>
+        </p:txBody>
+      </p:sp>
+    </p:spTree>
+    <p:extLst>
+      <p:ext uri="{BB962C8B-B14F-4D97-AF65-F5344CB8AC3E}">
+        <p14:creationId xmlns:p14="http://schemas.microsoft.com/office/powerpoint/2010/main" val="1691876225"/>
+      </p:ext>
+    </p:extLst>
+  </p:cSld>
+  <p:clrMapOvr>
+    <a:masterClrMapping/>
+  </p:clrMapOvr>
+</p:sld>
+</file>
+
+<file path=ppt/slides/slide14.xml><?xml version="1.0" encoding="utf-8"?>
+<p:sld xmlns:a="http://schemas.openxmlformats.org/drawingml/2006/main" xmlns:r="http://schemas.openxmlformats.org/officeDocument/2006/relationships" xmlns:p="http://schemas.openxmlformats.org/presentationml/2006/main">
+  <p:cSld>
+    <p:spTree>
+      <p:nvGrpSpPr>
+        <p:cNvPr id="1" name=""/>
+        <p:cNvGrpSpPr/>
+        <p:nvPr/>
+      </p:nvGrpSpPr>
+      <p:grpSpPr>
+        <a:xfrm>
+          <a:off x="0" y="0"/>
+          <a:ext cx="0" cy="0"/>
+          <a:chOff x="0" y="0"/>
+          <a:chExt cx="0" cy="0"/>
+        </a:xfrm>
+      </p:grpSpPr>
+      <p:sp>
+        <p:nvSpPr>
+          <p:cNvPr id="2" name="Title 1">
+            <a:extLst>
+              <a:ext uri="{FF2B5EF4-FFF2-40B4-BE49-F238E27FC236}">
+                <a16:creationId xmlns:a16="http://schemas.microsoft.com/office/drawing/2014/main" id="{8B9165A5-9035-4067-98EA-3AECC7B2BE37}"/>
+              </a:ext>
+            </a:extLst>
+          </p:cNvPr>
+          <p:cNvSpPr>
+            <a:spLocks noGrp="1"/>
+          </p:cNvSpPr>
+          <p:nvPr>
+            <p:ph type="title"/>
+          </p:nvPr>
+        </p:nvSpPr>
+        <p:spPr/>
+        <p:txBody>
+          <a:bodyPr/>
+          <a:lstStyle/>
+          <a:p>
+            <a:r>
+              <a:rPr lang="en-US" dirty="0"/>
+              <a:t>Approximate weight </a:t>
+            </a:r>
+            <a:r>
+              <a:rPr lang="en-US" sz="2800" dirty="0"/>
+              <a:t>of </a:t>
+            </a:r>
+            <a:r>
+              <a:rPr lang="en-US" dirty="0"/>
+              <a:t>synchronizing words</a:t>
+            </a:r>
+          </a:p>
+        </p:txBody>
+      </p:sp>
+      <p:sp>
+        <p:nvSpPr>
+          <p:cNvPr id="10" name="TextBox 9">
+            <a:extLst>
+              <a:ext uri="{FF2B5EF4-FFF2-40B4-BE49-F238E27FC236}">
+                <a16:creationId xmlns:a16="http://schemas.microsoft.com/office/drawing/2014/main" id="{6B56B39A-A216-43B2-8E5D-E6F8184A8079}"/>
+              </a:ext>
+            </a:extLst>
+          </p:cNvPr>
+          <p:cNvSpPr txBox="1"/>
+          <p:nvPr/>
+        </p:nvSpPr>
+        <p:spPr>
+          <a:xfrm>
+            <a:off x="191192" y="2409469"/>
+            <a:ext cx="4640423" cy="3416320"/>
+          </a:xfrm>
+          <a:prstGeom prst="rect">
+            <a:avLst/>
+          </a:prstGeom>
+          <a:noFill/>
+        </p:spPr>
+        <p:txBody>
+          <a:bodyPr wrap="square" rtlCol="0">
+            <a:spAutoFit/>
+          </a:bodyPr>
+          <a:lstStyle/>
+          <a:p>
+            <a:r>
+              <a:rPr lang="en-US" dirty="0"/>
+              <a:t>Approximate weight synch takes a WFA </a:t>
+            </a:r>
+            <a:r>
+              <a:rPr lang="en-US" i="1" dirty="0"/>
+              <a:t>A</a:t>
+            </a:r>
+            <a:r>
+              <a:rPr lang="en-US" dirty="0"/>
+              <a:t> and maximum subsets </a:t>
+            </a:r>
+            <a:r>
+              <a:rPr lang="en-US" i="1" dirty="0"/>
+              <a:t>m</a:t>
+            </a:r>
+            <a:r>
+              <a:rPr lang="en-US" dirty="0"/>
+              <a:t> as input and returns </a:t>
+            </a:r>
+            <a:r>
+              <a:rPr lang="en-US" i="1" dirty="0"/>
+              <a:t>W.</a:t>
+            </a:r>
+          </a:p>
+          <a:p>
+            <a:endParaRPr lang="en-US" i="1" dirty="0"/>
+          </a:p>
+          <a:p>
+            <a:endParaRPr lang="en-US" i="1" dirty="0"/>
+          </a:p>
+          <a:p>
+            <a:r>
+              <a:rPr lang="en-US" i="1" dirty="0"/>
+              <a:t>W </a:t>
+            </a:r>
+            <a:r>
+              <a:rPr lang="en-US" dirty="0"/>
+              <a:t>is a set containing the shortest synchronizing words reaching state </a:t>
+            </a:r>
+            <a:r>
+              <a:rPr lang="en-US" i="1" dirty="0"/>
+              <a:t>m</a:t>
+            </a:r>
+            <a:r>
+              <a:rPr lang="en-US" dirty="0"/>
+              <a:t>. </a:t>
+            </a:r>
+          </a:p>
+          <a:p>
+            <a:endParaRPr lang="en-US" dirty="0"/>
+          </a:p>
+          <a:p>
+            <a:endParaRPr lang="en-US" dirty="0"/>
+          </a:p>
+          <a:p>
+            <a:endParaRPr lang="en-US" dirty="0"/>
+          </a:p>
+          <a:p>
+            <a:r>
+              <a:rPr lang="en-US" dirty="0"/>
+              <a:t>This algorithm is used to generate a set of short synchronizing words to weigh from any given WFA and starting state in the WFA.   </a:t>
+            </a:r>
+          </a:p>
+        </p:txBody>
+      </p:sp>
+      <p:pic>
+        <p:nvPicPr>
+          <p:cNvPr id="6" name="Content Placeholder 5" descr="Graphical user interface, text, email&#10;&#10;Description automatically generated">
+            <a:extLst>
+              <a:ext uri="{FF2B5EF4-FFF2-40B4-BE49-F238E27FC236}">
+                <a16:creationId xmlns:a16="http://schemas.microsoft.com/office/drawing/2014/main" id="{9D2E593B-DB4C-4A2B-8E0C-E05670C1F14A}"/>
+              </a:ext>
+            </a:extLst>
+          </p:cNvPr>
+          <p:cNvPicPr>
+            <a:picLocks noGrp="1" noChangeAspect="1"/>
+          </p:cNvPicPr>
+          <p:nvPr>
+            <p:ph idx="1"/>
+          </p:nvPr>
+        </p:nvPicPr>
+        <p:blipFill>
+          <a:blip r:embed="rId2">
+            <a:extLst>
+              <a:ext uri="{28A0092B-C50C-407E-A947-70E740481C1C}">
+                <a14:useLocalDpi xmlns:a14="http://schemas.microsoft.com/office/drawing/2010/main" val="0"/>
+              </a:ext>
+            </a:extLst>
+          </a:blip>
+          <a:stretch>
+            <a:fillRect/>
+          </a:stretch>
+        </p:blipFill>
+        <p:spPr>
+          <a:xfrm>
+            <a:off x="4831615" y="2565692"/>
+            <a:ext cx="7253736" cy="3416320"/>
+          </a:xfrm>
+        </p:spPr>
+      </p:pic>
+    </p:spTree>
+    <p:extLst>
+      <p:ext uri="{BB962C8B-B14F-4D97-AF65-F5344CB8AC3E}">
+        <p14:creationId xmlns:p14="http://schemas.microsoft.com/office/powerpoint/2010/main" val="1341889767"/>
       </p:ext>
     </p:extLst>
   </p:cSld>

--- a/project.pptx
+++ b/project.pptx
@@ -5,7 +5,7 @@
     <p:sldMasterId id="2147483660" r:id="rId1"/>
   </p:sldMasterIdLst>
   <p:notesMasterIdLst>
-    <p:notesMasterId r:id="rId16"/>
+    <p:notesMasterId r:id="rId22"/>
   </p:notesMasterIdLst>
   <p:sldIdLst>
     <p:sldId id="256" r:id="rId2"/>
@@ -13,15 +13,21 @@
     <p:sldId id="258" r:id="rId4"/>
     <p:sldId id="259" r:id="rId5"/>
     <p:sldId id="260" r:id="rId6"/>
-    <p:sldId id="261" r:id="rId7"/>
-    <p:sldId id="264" r:id="rId8"/>
-    <p:sldId id="262" r:id="rId9"/>
-    <p:sldId id="263" r:id="rId10"/>
-    <p:sldId id="265" r:id="rId11"/>
-    <p:sldId id="266" r:id="rId12"/>
-    <p:sldId id="267" r:id="rId13"/>
-    <p:sldId id="268" r:id="rId14"/>
-    <p:sldId id="269" r:id="rId15"/>
+    <p:sldId id="264" r:id="rId7"/>
+    <p:sldId id="262" r:id="rId8"/>
+    <p:sldId id="263" r:id="rId9"/>
+    <p:sldId id="265" r:id="rId10"/>
+    <p:sldId id="266" r:id="rId11"/>
+    <p:sldId id="267" r:id="rId12"/>
+    <p:sldId id="268" r:id="rId13"/>
+    <p:sldId id="269" r:id="rId14"/>
+    <p:sldId id="270" r:id="rId15"/>
+    <p:sldId id="271" r:id="rId16"/>
+    <p:sldId id="272" r:id="rId17"/>
+    <p:sldId id="273" r:id="rId18"/>
+    <p:sldId id="274" r:id="rId19"/>
+    <p:sldId id="275" r:id="rId20"/>
+    <p:sldId id="276" r:id="rId21"/>
   </p:sldIdLst>
   <p:sldSz cx="12192000" cy="6858000"/>
   <p:notesSz cx="6858000" cy="9144000"/>
@@ -551,7 +557,7 @@
     </p:spTree>
     <p:extLst>
       <p:ext uri="{BB962C8B-B14F-4D97-AF65-F5344CB8AC3E}">
-        <p14:creationId xmlns:p14="http://schemas.microsoft.com/office/powerpoint/2010/main" val="317974215"/>
+        <p14:creationId xmlns:p14="http://schemas.microsoft.com/office/powerpoint/2010/main" val="522974963"/>
       </p:ext>
     </p:extLst>
   </p:cSld>
@@ -635,7 +641,7 @@
     </p:spTree>
     <p:extLst>
       <p:ext uri="{BB962C8B-B14F-4D97-AF65-F5344CB8AC3E}">
-        <p14:creationId xmlns:p14="http://schemas.microsoft.com/office/powerpoint/2010/main" val="522974963"/>
+        <p14:creationId xmlns:p14="http://schemas.microsoft.com/office/powerpoint/2010/main" val="2035680499"/>
       </p:ext>
     </p:extLst>
   </p:cSld>
@@ -719,7 +725,7 @@
     </p:spTree>
     <p:extLst>
       <p:ext uri="{BB962C8B-B14F-4D97-AF65-F5344CB8AC3E}">
-        <p14:creationId xmlns:p14="http://schemas.microsoft.com/office/powerpoint/2010/main" val="2035680499"/>
+        <p14:creationId xmlns:p14="http://schemas.microsoft.com/office/powerpoint/2010/main" val="2084703539"/>
       </p:ext>
     </p:extLst>
   </p:cSld>
@@ -794,7 +800,7 @@
           <a:p>
             <a:fld id="{881FCCE4-283F-4621-9454-1613896DD231}" type="slidenum">
               <a:rPr lang="en-US" smtClean="0"/>
-              <a:t>9</a:t>
+              <a:t>13</a:t>
             </a:fld>
             <a:endParaRPr lang="en-US"/>
           </a:p>
@@ -803,7 +809,7 @@
     </p:spTree>
     <p:extLst>
       <p:ext uri="{BB962C8B-B14F-4D97-AF65-F5344CB8AC3E}">
-        <p14:creationId xmlns:p14="http://schemas.microsoft.com/office/powerpoint/2010/main" val="2084703539"/>
+        <p14:creationId xmlns:p14="http://schemas.microsoft.com/office/powerpoint/2010/main" val="1007892921"/>
       </p:ext>
     </p:extLst>
   </p:cSld>
@@ -4074,7 +4080,7 @@
           <a:p>
             <a:r>
               <a:rPr lang="en-US" dirty="0"/>
-              <a:t>finding the shortest synchronizing word in a WFA</a:t>
+              <a:t>approximating the shortest synchronizing word in a WFA</a:t>
             </a:r>
           </a:p>
         </p:txBody>
@@ -4149,122 +4155,6 @@
           <p:cNvPr id="2" name="Title 1">
             <a:extLst>
               <a:ext uri="{FF2B5EF4-FFF2-40B4-BE49-F238E27FC236}">
-                <a16:creationId xmlns:a16="http://schemas.microsoft.com/office/drawing/2014/main" id="{4E136526-8B60-4B8E-8B6C-1D495824882E}"/>
-              </a:ext>
-            </a:extLst>
-          </p:cNvPr>
-          <p:cNvSpPr>
-            <a:spLocks noGrp="1"/>
-          </p:cNvSpPr>
-          <p:nvPr>
-            <p:ph type="title"/>
-          </p:nvPr>
-        </p:nvSpPr>
-        <p:spPr/>
-        <p:txBody>
-          <a:bodyPr/>
-          <a:lstStyle/>
-          <a:p>
-            <a:r>
-              <a:rPr lang="en-US" dirty="0"/>
-              <a:t>Synchronizing words</a:t>
-            </a:r>
-          </a:p>
-        </p:txBody>
-      </p:sp>
-      <p:sp>
-        <p:nvSpPr>
-          <p:cNvPr id="3" name="Content Placeholder 2">
-            <a:extLst>
-              <a:ext uri="{FF2B5EF4-FFF2-40B4-BE49-F238E27FC236}">
-                <a16:creationId xmlns:a16="http://schemas.microsoft.com/office/drawing/2014/main" id="{3EB6BCDC-57D3-4744-B892-7A436654A29C}"/>
-              </a:ext>
-            </a:extLst>
-          </p:cNvPr>
-          <p:cNvSpPr>
-            <a:spLocks noGrp="1"/>
-          </p:cNvSpPr>
-          <p:nvPr>
-            <p:ph idx="1"/>
-          </p:nvPr>
-        </p:nvSpPr>
-        <p:spPr/>
-        <p:txBody>
-          <a:bodyPr/>
-          <a:lstStyle/>
-          <a:p>
-            <a:r>
-              <a:rPr lang="en-US" dirty="0"/>
-              <a:t>As seen in the previous example, series of symbols can return two values:</a:t>
-            </a:r>
-          </a:p>
-          <a:p>
-            <a:pPr lvl="1"/>
-            <a:r>
-              <a:rPr lang="en-US" dirty="0"/>
-              <a:t>If we return to the starting state – True </a:t>
-            </a:r>
-          </a:p>
-          <a:p>
-            <a:pPr lvl="1"/>
-            <a:r>
-              <a:rPr lang="en-US" dirty="0"/>
-              <a:t>If we don’t return to the starting state – False</a:t>
-            </a:r>
-          </a:p>
-          <a:p>
-            <a:r>
-              <a:rPr lang="en-US" dirty="0"/>
-              <a:t>A series of symbols [words] that returns True is considered synchronizing.</a:t>
-            </a:r>
-          </a:p>
-          <a:p>
-            <a:r>
-              <a:rPr lang="en-US" dirty="0"/>
-              <a:t>Also as seen in the previous example, synchronizing words can be of variable length</a:t>
-            </a:r>
-          </a:p>
-          <a:p>
-            <a:pPr lvl="1"/>
-            <a:endParaRPr lang="en-US" dirty="0"/>
-          </a:p>
-        </p:txBody>
-      </p:sp>
-    </p:spTree>
-    <p:extLst>
-      <p:ext uri="{BB962C8B-B14F-4D97-AF65-F5344CB8AC3E}">
-        <p14:creationId xmlns:p14="http://schemas.microsoft.com/office/powerpoint/2010/main" val="998234888"/>
-      </p:ext>
-    </p:extLst>
-  </p:cSld>
-  <p:clrMapOvr>
-    <a:masterClrMapping/>
-  </p:clrMapOvr>
-</p:sld>
-</file>
-
-<file path=ppt/slides/slide11.xml><?xml version="1.0" encoding="utf-8"?>
-<p:sld xmlns:a="http://schemas.openxmlformats.org/drawingml/2006/main" xmlns:r="http://schemas.openxmlformats.org/officeDocument/2006/relationships" xmlns:p="http://schemas.openxmlformats.org/presentationml/2006/main">
-  <p:cSld>
-    <p:spTree>
-      <p:nvGrpSpPr>
-        <p:cNvPr id="1" name=""/>
-        <p:cNvGrpSpPr/>
-        <p:nvPr/>
-      </p:nvGrpSpPr>
-      <p:grpSpPr>
-        <a:xfrm>
-          <a:off x="0" y="0"/>
-          <a:ext cx="0" cy="0"/>
-          <a:chOff x="0" y="0"/>
-          <a:chExt cx="0" cy="0"/>
-        </a:xfrm>
-      </p:grpSpPr>
-      <p:sp>
-        <p:nvSpPr>
-          <p:cNvPr id="2" name="Title 1">
-            <a:extLst>
-              <a:ext uri="{FF2B5EF4-FFF2-40B4-BE49-F238E27FC236}">
                 <a16:creationId xmlns:a16="http://schemas.microsoft.com/office/drawing/2014/main" id="{CA6AD2FA-5246-4078-83E2-983BEF74181C}"/>
               </a:ext>
             </a:extLst>
@@ -4356,7 +4246,7 @@
 </p:sld>
 </file>
 
-<file path=ppt/slides/slide12.xml><?xml version="1.0" encoding="utf-8"?>
+<file path=ppt/slides/slide11.xml><?xml version="1.0" encoding="utf-8"?>
 <p:sld xmlns:a="http://schemas.openxmlformats.org/drawingml/2006/main" xmlns:r="http://schemas.openxmlformats.org/officeDocument/2006/relationships" xmlns:p="http://schemas.openxmlformats.org/presentationml/2006/main">
   <p:cSld>
     <p:spTree>
@@ -4442,7 +4332,7 @@
 </p:sld>
 </file>
 
-<file path=ppt/slides/slide13.xml><?xml version="1.0" encoding="utf-8"?>
+<file path=ppt/slides/slide12.xml><?xml version="1.0" encoding="utf-8"?>
 <p:sld xmlns:a="http://schemas.openxmlformats.org/drawingml/2006/main" xmlns:r="http://schemas.openxmlformats.org/officeDocument/2006/relationships" xmlns:p="http://schemas.openxmlformats.org/presentationml/2006/main">
   <p:cSld>
     <p:spTree>
@@ -4701,7 +4591,7 @@
           <a:p>
             <a:r>
               <a:rPr lang="en-US" dirty="0"/>
-              <a:t>This algorithm is used to generate a set of short synchronizing words to weigh for any power automaton of </a:t>
+              <a:t>This algorithm is used to generate a set of weighted short synchronizing words for any power automaton of </a:t>
             </a:r>
             <a:r>
               <a:rPr lang="en-US" i="1" dirty="0"/>
@@ -4727,7 +4617,7 @@
 </p:sld>
 </file>
 
-<file path=ppt/slides/slide14.xml><?xml version="1.0" encoding="utf-8"?>
+<file path=ppt/slides/slide13.xml><?xml version="1.0" encoding="utf-8"?>
 <p:sld xmlns:a="http://schemas.openxmlformats.org/drawingml/2006/main" xmlns:r="http://schemas.openxmlformats.org/officeDocument/2006/relationships" xmlns:p="http://schemas.openxmlformats.org/presentationml/2006/main">
   <p:cSld>
     <p:spTree>
@@ -4795,7 +4685,7 @@
         <p:spPr>
           <a:xfrm>
             <a:off x="191192" y="2409469"/>
-            <a:ext cx="4640423" cy="3416320"/>
+            <a:ext cx="4640423" cy="3693319"/>
           </a:xfrm>
           <a:prstGeom prst="rect">
             <a:avLst/>
@@ -4830,7 +4720,7 @@
             </a:r>
             <a:r>
               <a:rPr lang="en-US" i="1" dirty="0"/>
-              <a:t>W.</a:t>
+              <a:t>u.</a:t>
             </a:r>
           </a:p>
           <a:p>
@@ -4842,34 +4732,55 @@
           <a:p>
             <a:r>
               <a:rPr lang="en-US" i="1" dirty="0"/>
-              <a:t>W </a:t>
+              <a:t>u </a:t>
             </a:r>
             <a:r>
               <a:rPr lang="en-US" dirty="0"/>
-              <a:t>is a set containing the shortest synchronizing words reaching state </a:t>
+              <a:t>is the approximate shortest and “lightest” synchronizing word or NULL if there is no synchronizing word.</a:t>
+            </a:r>
+          </a:p>
+          <a:p>
+            <a:endParaRPr lang="en-US" dirty="0"/>
+          </a:p>
+          <a:p>
+            <a:endParaRPr lang="en-US" dirty="0"/>
+          </a:p>
+          <a:p>
+            <a:r>
+              <a:rPr lang="en-US" dirty="0"/>
+              <a:t>This algorithm uses the previous compute words algorithm to generate words, then evaluates each word with </a:t>
             </a:r>
             <a:r>
               <a:rPr lang="en-US" i="1" dirty="0"/>
-              <a:t>m</a:t>
+              <a:t>t </a:t>
             </a:r>
             <a:r>
               <a:rPr lang="en-US" dirty="0"/>
-              <a:t>. </a:t>
-            </a:r>
-          </a:p>
-          <a:p>
-            <a:endParaRPr lang="en-US" dirty="0"/>
-          </a:p>
-          <a:p>
-            <a:endParaRPr lang="en-US" dirty="0"/>
-          </a:p>
-          <a:p>
-            <a:endParaRPr lang="en-US" dirty="0"/>
-          </a:p>
-          <a:p>
+              <a:t>and </a:t>
+            </a:r>
+            <a:r>
+              <a:rPr lang="en-US" i="1" dirty="0"/>
+              <a:t>h</a:t>
+            </a:r>
             <a:r>
               <a:rPr lang="en-US" dirty="0"/>
-              <a:t>This algorithm is used to generate a set of short synchronizing words to weigh from any given WFA and starting state in the WFA.   </a:t>
+              <a:t>, returning the word which satisfies </a:t>
+            </a:r>
+            <a:r>
+              <a:rPr lang="en-US" i="1" dirty="0"/>
+              <a:t>t </a:t>
+            </a:r>
+            <a:r>
+              <a:rPr lang="en-US" dirty="0"/>
+              <a:t>and minimizes </a:t>
+            </a:r>
+            <a:r>
+              <a:rPr lang="en-US" i="1" dirty="0"/>
+              <a:t>h </a:t>
+            </a:r>
+            <a:r>
+              <a:rPr lang="en-US" dirty="0"/>
+              <a:t>.   </a:t>
             </a:r>
           </a:p>
         </p:txBody>
@@ -4891,7 +4802,7 @@
           </p:nvPr>
         </p:nvPicPr>
         <p:blipFill>
-          <a:blip r:embed="rId2">
+          <a:blip r:embed="rId3">
             <a:extLst>
               <a:ext uri="{28A0092B-C50C-407E-A947-70E740481C1C}">
                 <a14:useLocalDpi xmlns:a14="http://schemas.microsoft.com/office/drawing/2010/main" val="0"/>
@@ -4913,6 +4824,2000 @@
     <p:extLst>
       <p:ext uri="{BB962C8B-B14F-4D97-AF65-F5344CB8AC3E}">
         <p14:creationId xmlns:p14="http://schemas.microsoft.com/office/powerpoint/2010/main" val="1341889767"/>
+      </p:ext>
+    </p:extLst>
+  </p:cSld>
+  <p:clrMapOvr>
+    <a:masterClrMapping/>
+  </p:clrMapOvr>
+</p:sld>
+</file>
+
+<file path=ppt/slides/slide14.xml><?xml version="1.0" encoding="utf-8"?>
+<p:sld xmlns:a="http://schemas.openxmlformats.org/drawingml/2006/main" xmlns:r="http://schemas.openxmlformats.org/officeDocument/2006/relationships" xmlns:p="http://schemas.openxmlformats.org/presentationml/2006/main">
+  <p:cSld>
+    <p:spTree>
+      <p:nvGrpSpPr>
+        <p:cNvPr id="1" name=""/>
+        <p:cNvGrpSpPr/>
+        <p:nvPr/>
+      </p:nvGrpSpPr>
+      <p:grpSpPr>
+        <a:xfrm>
+          <a:off x="0" y="0"/>
+          <a:ext cx="0" cy="0"/>
+          <a:chOff x="0" y="0"/>
+          <a:chExt cx="0" cy="0"/>
+        </a:xfrm>
+      </p:grpSpPr>
+      <p:sp>
+        <p:nvSpPr>
+          <p:cNvPr id="2" name="Title 1">
+            <a:extLst>
+              <a:ext uri="{FF2B5EF4-FFF2-40B4-BE49-F238E27FC236}">
+                <a16:creationId xmlns:a16="http://schemas.microsoft.com/office/drawing/2014/main" id="{A3B565C3-EE69-4F7D-BF97-0B2BB4C0214C}"/>
+              </a:ext>
+            </a:extLst>
+          </p:cNvPr>
+          <p:cNvSpPr>
+            <a:spLocks noGrp="1"/>
+          </p:cNvSpPr>
+          <p:nvPr>
+            <p:ph type="title"/>
+          </p:nvPr>
+        </p:nvSpPr>
+        <p:spPr/>
+        <p:txBody>
+          <a:bodyPr/>
+          <a:lstStyle/>
+          <a:p>
+            <a:r>
+              <a:rPr lang="en-US" dirty="0"/>
+              <a:t>Heuristics</a:t>
+            </a:r>
+          </a:p>
+        </p:txBody>
+      </p:sp>
+      <p:sp>
+        <p:nvSpPr>
+          <p:cNvPr id="3" name="Text Placeholder 2">
+            <a:extLst>
+              <a:ext uri="{FF2B5EF4-FFF2-40B4-BE49-F238E27FC236}">
+                <a16:creationId xmlns:a16="http://schemas.microsoft.com/office/drawing/2014/main" id="{4EDC9833-A820-4C12-B5C6-DA04E2990016}"/>
+              </a:ext>
+            </a:extLst>
+          </p:cNvPr>
+          <p:cNvSpPr>
+            <a:spLocks noGrp="1"/>
+          </p:cNvSpPr>
+          <p:nvPr>
+            <p:ph type="body" idx="1"/>
+          </p:nvPr>
+        </p:nvSpPr>
+        <p:spPr/>
+        <p:txBody>
+          <a:bodyPr/>
+          <a:lstStyle/>
+          <a:p>
+            <a:r>
+              <a:rPr lang="en-US" dirty="0"/>
+              <a:t>Definitions for </a:t>
+            </a:r>
+            <a:r>
+              <a:rPr lang="en-US" i="1" dirty="0"/>
+              <a:t>h</a:t>
+            </a:r>
+            <a:r>
+              <a:rPr lang="en-US" dirty="0"/>
+              <a:t> and </a:t>
+            </a:r>
+            <a:r>
+              <a:rPr lang="en-US" i="1" dirty="0"/>
+              <a:t>t</a:t>
+            </a:r>
+            <a:endParaRPr lang="en-US" dirty="0"/>
+          </a:p>
+        </p:txBody>
+      </p:sp>
+    </p:spTree>
+    <p:extLst>
+      <p:ext uri="{BB962C8B-B14F-4D97-AF65-F5344CB8AC3E}">
+        <p14:creationId xmlns:p14="http://schemas.microsoft.com/office/powerpoint/2010/main" val="1616769097"/>
+      </p:ext>
+    </p:extLst>
+  </p:cSld>
+  <p:clrMapOvr>
+    <a:masterClrMapping/>
+  </p:clrMapOvr>
+</p:sld>
+</file>
+
+<file path=ppt/slides/slide15.xml><?xml version="1.0" encoding="utf-8"?>
+<p:sld xmlns:a="http://schemas.openxmlformats.org/drawingml/2006/main" xmlns:r="http://schemas.openxmlformats.org/officeDocument/2006/relationships" xmlns:p="http://schemas.openxmlformats.org/presentationml/2006/main">
+  <p:cSld>
+    <p:spTree>
+      <p:nvGrpSpPr>
+        <p:cNvPr id="1" name=""/>
+        <p:cNvGrpSpPr/>
+        <p:nvPr/>
+      </p:nvGrpSpPr>
+      <p:grpSpPr>
+        <a:xfrm>
+          <a:off x="0" y="0"/>
+          <a:ext cx="0" cy="0"/>
+          <a:chOff x="0" y="0"/>
+          <a:chExt cx="0" cy="0"/>
+        </a:xfrm>
+      </p:grpSpPr>
+      <p:sp>
+        <p:nvSpPr>
+          <p:cNvPr id="2" name="Title 1">
+            <a:extLst>
+              <a:ext uri="{FF2B5EF4-FFF2-40B4-BE49-F238E27FC236}">
+                <a16:creationId xmlns:a16="http://schemas.microsoft.com/office/drawing/2014/main" id="{60435BAE-0319-4995-920E-6E9AFFF38C23}"/>
+              </a:ext>
+            </a:extLst>
+          </p:cNvPr>
+          <p:cNvSpPr>
+            <a:spLocks noGrp="1"/>
+          </p:cNvSpPr>
+          <p:nvPr>
+            <p:ph type="title"/>
+          </p:nvPr>
+        </p:nvSpPr>
+        <p:spPr/>
+        <p:txBody>
+          <a:bodyPr/>
+          <a:lstStyle/>
+          <a:p>
+            <a:r>
+              <a:rPr lang="en-US" dirty="0"/>
+              <a:t>Heuristics</a:t>
+            </a:r>
+          </a:p>
+        </p:txBody>
+      </p:sp>
+      <mc:AlternateContent xmlns:mc="http://schemas.openxmlformats.org/markup-compatibility/2006">
+        <mc:Choice xmlns:a14="http://schemas.microsoft.com/office/drawing/2010/main" Requires="a14">
+          <p:sp>
+            <p:nvSpPr>
+              <p:cNvPr id="3" name="Content Placeholder 2">
+                <a:extLst>
+                  <a:ext uri="{FF2B5EF4-FFF2-40B4-BE49-F238E27FC236}">
+                    <a16:creationId xmlns:a16="http://schemas.microsoft.com/office/drawing/2014/main" id="{2ED2037D-8D7A-4941-A080-8D2340BFBFE8}"/>
+                  </a:ext>
+                </a:extLst>
+              </p:cNvPr>
+              <p:cNvSpPr>
+                <a:spLocks noGrp="1"/>
+              </p:cNvSpPr>
+              <p:nvPr>
+                <p:ph idx="1"/>
+              </p:nvPr>
+            </p:nvSpPr>
+            <p:spPr/>
+            <p:txBody>
+              <a:bodyPr>
+                <a:normAutofit/>
+              </a:bodyPr>
+              <a:lstStyle/>
+              <a:p>
+                <a:r>
+                  <a:rPr lang="en-US" dirty="0"/>
+                  <a:t>As stated in the title of the second algorithm, we are approximating the best synchronizing word.</a:t>
+                </a:r>
+              </a:p>
+              <a:p>
+                <a:r>
+                  <a:rPr lang="en-US" dirty="0"/>
+                  <a:t> We are trying to balance the length of the word and the weight of the word</a:t>
+                </a:r>
+              </a:p>
+              <a:p>
+                <a:r>
+                  <a:rPr lang="en-US" dirty="0"/>
+                  <a:t>Each </a:t>
+                </a:r>
+                <a:r>
+                  <a:rPr lang="en-US" i="1" dirty="0"/>
+                  <a:t>h </a:t>
+                </a:r>
+                <a:r>
+                  <a:rPr lang="en-US" dirty="0"/>
+                  <a:t>and </a:t>
+                </a:r>
+                <a:r>
+                  <a:rPr lang="en-US" i="1" dirty="0"/>
+                  <a:t>t</a:t>
+                </a:r>
+                <a:r>
+                  <a:rPr lang="en-US" dirty="0"/>
+                  <a:t> uses a different approach to approximate the best synchronizing word.</a:t>
+                </a:r>
+              </a:p>
+              <a:p>
+                <a:endParaRPr lang="en-US" dirty="0"/>
+              </a:p>
+              <a:p>
+                <a:r>
+                  <a:rPr lang="en-US" dirty="0"/>
+                  <a:t>Heuristic 1:						</a:t>
+                </a:r>
+                <a:r>
+                  <a:rPr lang="en-US" i="1" dirty="0"/>
+                  <a:t>P</a:t>
+                </a:r>
+                <a:r>
+                  <a:rPr lang="en-US" dirty="0"/>
+                  <a:t> is the set containing</a:t>
+                </a:r>
+              </a:p>
+              <a:p>
+                <a:pPr marL="0" indent="0">
+                  <a:buNone/>
+                </a:pPr>
+                <a:r>
+                  <a:rPr lang="en-US" i="1" dirty="0"/>
+                  <a:t>t</a:t>
+                </a:r>
+                <a:r>
+                  <a:rPr lang="en-US" baseline="-25000" dirty="0"/>
+                  <a:t>1</a:t>
+                </a:r>
+                <a:r>
+                  <a:rPr lang="en-US" dirty="0"/>
+                  <a:t>(</a:t>
+                </a:r>
+                <a:r>
+                  <a:rPr lang="en-US" i="1" dirty="0"/>
+                  <a:t>P</a:t>
+                </a:r>
+                <a:r>
+                  <a:rPr lang="en-US" dirty="0"/>
+                  <a:t>,</a:t>
+                </a:r>
+                <a:r>
+                  <a:rPr lang="en-US" i="1" dirty="0"/>
+                  <a:t>T</a:t>
+                </a:r>
+                <a:r>
+                  <a:rPr lang="en-US" dirty="0"/>
+                  <a:t>)</a:t>
+                </a:r>
+                <a:r>
+                  <a:rPr lang="en-US" i="1" dirty="0"/>
+                  <a:t> </a:t>
+                </a:r>
+                <a:r>
+                  <a:rPr lang="en-US" dirty="0"/>
+                  <a:t>≡ </a:t>
+                </a:r>
+                <a14:m>
+                  <m:oMath xmlns:m="http://schemas.openxmlformats.org/officeDocument/2006/math">
+                    <m:r>
+                      <a:rPr lang="en-US" b="0" i="1" smtClean="0">
+                        <a:latin typeface="Cambria Math" panose="02040503050406030204" pitchFamily="18" charset="0"/>
+                      </a:rPr>
+                      <m:t>(</m:t>
+                    </m:r>
+                    <m:r>
+                      <a:rPr lang="en-US" b="0" i="1" smtClean="0">
+                        <a:latin typeface="Cambria Math" panose="02040503050406030204" pitchFamily="18" charset="0"/>
+                      </a:rPr>
+                      <m:t>𝑃</m:t>
+                    </m:r>
+                    <m:r>
+                      <a:rPr lang="en-US" b="0" i="1" smtClean="0">
+                        <a:latin typeface="Cambria Math" panose="02040503050406030204" pitchFamily="18" charset="0"/>
+                      </a:rPr>
+                      <m:t> ⊆</m:t>
+                    </m:r>
+                    <m:r>
+                      <a:rPr lang="en-US" b="0" i="1" smtClean="0">
+                        <a:latin typeface="Cambria Math" panose="02040503050406030204" pitchFamily="18" charset="0"/>
+                        <a:ea typeface="Cambria Math" panose="02040503050406030204" pitchFamily="18" charset="0"/>
+                      </a:rPr>
+                      <m:t>𝑇</m:t>
+                    </m:r>
+                    <m:r>
+                      <a:rPr lang="en-US" b="0" i="1" smtClean="0">
+                        <a:latin typeface="Cambria Math" panose="02040503050406030204" pitchFamily="18" charset="0"/>
+                        <a:ea typeface="Cambria Math" panose="02040503050406030204" pitchFamily="18" charset="0"/>
+                      </a:rPr>
+                      <m:t> ∧ </m:t>
+                    </m:r>
+                    <m:d>
+                      <m:dPr>
+                        <m:begChr m:val="|"/>
+                        <m:endChr m:val="|"/>
+                        <m:ctrlPr>
+                          <a:rPr lang="en-US" b="0" i="1" smtClean="0">
+                            <a:latin typeface="Cambria Math" panose="02040503050406030204" pitchFamily="18" charset="0"/>
+                            <a:ea typeface="Cambria Math" panose="02040503050406030204" pitchFamily="18" charset="0"/>
+                          </a:rPr>
+                        </m:ctrlPr>
+                      </m:dPr>
+                      <m:e>
+                        <m:r>
+                          <a:rPr lang="en-US" b="0" i="1" smtClean="0">
+                            <a:latin typeface="Cambria Math" panose="02040503050406030204" pitchFamily="18" charset="0"/>
+                            <a:ea typeface="Cambria Math" panose="02040503050406030204" pitchFamily="18" charset="0"/>
+                          </a:rPr>
+                          <m:t>𝑃</m:t>
+                        </m:r>
+                      </m:e>
+                    </m:d>
+                    <m:r>
+                      <a:rPr lang="en-US" b="0" i="1" smtClean="0">
+                        <a:latin typeface="Cambria Math" panose="02040503050406030204" pitchFamily="18" charset="0"/>
+                        <a:ea typeface="Cambria Math" panose="02040503050406030204" pitchFamily="18" charset="0"/>
+                      </a:rPr>
+                      <m:t>&gt;1)</m:t>
+                    </m:r>
+                  </m:oMath>
+                </a14:m>
+                <a:r>
+                  <a:rPr lang="en-US" i="1" dirty="0"/>
+                  <a:t>				</a:t>
+                </a:r>
+                <a:r>
+                  <a:rPr lang="en-US" dirty="0"/>
+                  <a:t>all the remaining paths</a:t>
+                </a:r>
+                <a:endParaRPr lang="en-US" i="1" dirty="0"/>
+              </a:p>
+              <a:p>
+                <a:pPr marL="0" indent="0">
+                  <a:buNone/>
+                </a:pPr>
+                <a:r>
+                  <a:rPr lang="en-US" i="1" dirty="0"/>
+                  <a:t>h</a:t>
+                </a:r>
+                <a:r>
+                  <a:rPr lang="en-US" baseline="-25000" dirty="0"/>
+                  <a:t>1</a:t>
+                </a:r>
+                <a:r>
+                  <a:rPr lang="en-US" dirty="0"/>
+                  <a:t>(</a:t>
+                </a:r>
+                <a:r>
+                  <a:rPr lang="en-US" i="1" dirty="0" err="1"/>
+                  <a:t>P</a:t>
+                </a:r>
+                <a:r>
+                  <a:rPr lang="en-US" dirty="0" err="1"/>
+                  <a:t>,</a:t>
+                </a:r>
+                <a:r>
+                  <a:rPr lang="en-US" i="1" dirty="0" err="1"/>
+                  <a:t>T</a:t>
+                </a:r>
+                <a:r>
+                  <a:rPr lang="en-US" dirty="0" err="1"/>
+                  <a:t>,</a:t>
+                </a:r>
+                <a:r>
+                  <a:rPr lang="en-US" i="1" dirty="0" err="1"/>
+                  <a:t>w</a:t>
+                </a:r>
+                <a:r>
+                  <a:rPr lang="en-US" dirty="0"/>
+                  <a:t>) ≡ </a:t>
+                </a:r>
+                <a14:m>
+                  <m:oMath xmlns:m="http://schemas.openxmlformats.org/officeDocument/2006/math">
+                    <m:f>
+                      <m:fPr>
+                        <m:ctrlPr>
+                          <a:rPr lang="en-US" i="1" smtClean="0">
+                            <a:latin typeface="Cambria Math" panose="02040503050406030204" pitchFamily="18" charset="0"/>
+                          </a:rPr>
+                        </m:ctrlPr>
+                      </m:fPr>
+                      <m:num>
+                        <m:r>
+                          <a:rPr lang="en-US" i="1" smtClean="0">
+                            <a:latin typeface="Cambria Math" panose="02040503050406030204" pitchFamily="18" charset="0"/>
+                            <a:ea typeface="Cambria Math" panose="02040503050406030204" pitchFamily="18" charset="0"/>
+                          </a:rPr>
+                          <m:t>𝛾</m:t>
+                        </m:r>
+                        <m:r>
+                          <a:rPr lang="en-US" b="0" i="1" smtClean="0">
+                            <a:latin typeface="Cambria Math" panose="02040503050406030204" pitchFamily="18" charset="0"/>
+                            <a:ea typeface="Cambria Math" panose="02040503050406030204" pitchFamily="18" charset="0"/>
+                          </a:rPr>
+                          <m:t>(</m:t>
+                        </m:r>
+                        <m:r>
+                          <a:rPr lang="en-US" b="0" i="1" smtClean="0">
+                            <a:latin typeface="Cambria Math" panose="02040503050406030204" pitchFamily="18" charset="0"/>
+                            <a:ea typeface="Cambria Math" panose="02040503050406030204" pitchFamily="18" charset="0"/>
+                          </a:rPr>
+                          <m:t>𝑤</m:t>
+                        </m:r>
+                        <m:r>
+                          <a:rPr lang="en-US" b="0" i="1" smtClean="0">
+                            <a:latin typeface="Cambria Math" panose="02040503050406030204" pitchFamily="18" charset="0"/>
+                            <a:ea typeface="Cambria Math" panose="02040503050406030204" pitchFamily="18" charset="0"/>
+                          </a:rPr>
+                          <m:t>)</m:t>
+                        </m:r>
+                      </m:num>
+                      <m:den>
+                        <m:d>
+                          <m:dPr>
+                            <m:begChr m:val="|"/>
+                            <m:endChr m:val="|"/>
+                            <m:ctrlPr>
+                              <a:rPr lang="en-US" i="1" smtClean="0">
+                                <a:latin typeface="Cambria Math" panose="02040503050406030204" pitchFamily="18" charset="0"/>
+                              </a:rPr>
+                            </m:ctrlPr>
+                          </m:dPr>
+                          <m:e>
+                            <m:r>
+                              <a:rPr lang="en-US" b="0" i="1" smtClean="0">
+                                <a:latin typeface="Cambria Math" panose="02040503050406030204" pitchFamily="18" charset="0"/>
+                              </a:rPr>
+                              <m:t>𝑃</m:t>
+                            </m:r>
+                          </m:e>
+                        </m:d>
+                        <m:r>
+                          <a:rPr lang="en-US" b="0" i="1" smtClean="0">
+                            <a:latin typeface="Cambria Math" panose="02040503050406030204" pitchFamily="18" charset="0"/>
+                          </a:rPr>
+                          <m:t>−</m:t>
+                        </m:r>
+                        <m:d>
+                          <m:dPr>
+                            <m:begChr m:val="|"/>
+                            <m:endChr m:val="|"/>
+                            <m:ctrlPr>
+                              <a:rPr lang="en-US" b="0" i="1" smtClean="0">
+                                <a:latin typeface="Cambria Math" panose="02040503050406030204" pitchFamily="18" charset="0"/>
+                              </a:rPr>
+                            </m:ctrlPr>
+                          </m:dPr>
+                          <m:e>
+                            <m:r>
+                              <a:rPr lang="en-US" b="0" i="1" smtClean="0">
+                                <a:latin typeface="Cambria Math" panose="02040503050406030204" pitchFamily="18" charset="0"/>
+                              </a:rPr>
+                              <m:t>𝑃</m:t>
+                            </m:r>
+                            <m:r>
+                              <a:rPr lang="en-US" b="0" i="1" smtClean="0">
+                                <a:latin typeface="Cambria Math" panose="02040503050406030204" pitchFamily="18" charset="0"/>
+                              </a:rPr>
+                              <m:t>.</m:t>
+                            </m:r>
+                            <m:r>
+                              <a:rPr lang="en-US" b="0" i="1" smtClean="0">
+                                <a:latin typeface="Cambria Math" panose="02040503050406030204" pitchFamily="18" charset="0"/>
+                              </a:rPr>
+                              <m:t>𝑤</m:t>
+                            </m:r>
+                          </m:e>
+                        </m:d>
+                      </m:den>
+                    </m:f>
+                  </m:oMath>
+                </a14:m>
+                <a:r>
+                  <a:rPr lang="en-US" i="1" dirty="0"/>
+                  <a:t>					T</a:t>
+                </a:r>
+                <a:r>
+                  <a:rPr lang="en-US" dirty="0"/>
+                  <a:t> is the set of all paths</a:t>
+                </a:r>
+                <a:endParaRPr lang="en-US" i="1" dirty="0"/>
+              </a:p>
+              <a:p>
+                <a:pPr marL="0" indent="0">
+                  <a:buNone/>
+                </a:pPr>
+                <a:endParaRPr lang="en-US" i="1" dirty="0"/>
+              </a:p>
+            </p:txBody>
+          </p:sp>
+        </mc:Choice>
+        <mc:Fallback>
+          <p:sp>
+            <p:nvSpPr>
+              <p:cNvPr id="3" name="Content Placeholder 2">
+                <a:extLst>
+                  <a:ext uri="{FF2B5EF4-FFF2-40B4-BE49-F238E27FC236}">
+                    <a16:creationId xmlns:a16="http://schemas.microsoft.com/office/drawing/2014/main" id="{2ED2037D-8D7A-4941-A080-8D2340BFBFE8}"/>
+                  </a:ext>
+                </a:extLst>
+              </p:cNvPr>
+              <p:cNvSpPr>
+                <a:spLocks noGrp="1" noRot="1" noChangeAspect="1" noMove="1" noResize="1" noEditPoints="1" noAdjustHandles="1" noChangeArrowheads="1" noChangeShapeType="1" noTextEdit="1"/>
+              </p:cNvSpPr>
+              <p:nvPr>
+                <p:ph idx="1"/>
+              </p:nvPr>
+            </p:nvSpPr>
+            <p:spPr>
+              <a:blipFill>
+                <a:blip r:embed="rId2"/>
+                <a:stretch>
+                  <a:fillRect l="-810" t="-1884"/>
+                </a:stretch>
+              </a:blipFill>
+            </p:spPr>
+            <p:txBody>
+              <a:bodyPr/>
+              <a:lstStyle/>
+              <a:p>
+                <a:r>
+                  <a:rPr lang="en-US">
+                    <a:noFill/>
+                  </a:rPr>
+                  <a:t> </a:t>
+                </a:r>
+              </a:p>
+            </p:txBody>
+          </p:sp>
+        </mc:Fallback>
+      </mc:AlternateContent>
+    </p:spTree>
+    <p:extLst>
+      <p:ext uri="{BB962C8B-B14F-4D97-AF65-F5344CB8AC3E}">
+        <p14:creationId xmlns:p14="http://schemas.microsoft.com/office/powerpoint/2010/main" val="2516517855"/>
+      </p:ext>
+    </p:extLst>
+  </p:cSld>
+  <p:clrMapOvr>
+    <a:masterClrMapping/>
+  </p:clrMapOvr>
+</p:sld>
+</file>
+
+<file path=ppt/slides/slide16.xml><?xml version="1.0" encoding="utf-8"?>
+<p:sld xmlns:a="http://schemas.openxmlformats.org/drawingml/2006/main" xmlns:r="http://schemas.openxmlformats.org/officeDocument/2006/relationships" xmlns:p="http://schemas.openxmlformats.org/presentationml/2006/main">
+  <p:cSld>
+    <p:spTree>
+      <p:nvGrpSpPr>
+        <p:cNvPr id="1" name=""/>
+        <p:cNvGrpSpPr/>
+        <p:nvPr/>
+      </p:nvGrpSpPr>
+      <p:grpSpPr>
+        <a:xfrm>
+          <a:off x="0" y="0"/>
+          <a:ext cx="0" cy="0"/>
+          <a:chOff x="0" y="0"/>
+          <a:chExt cx="0" cy="0"/>
+        </a:xfrm>
+      </p:grpSpPr>
+      <p:sp>
+        <p:nvSpPr>
+          <p:cNvPr id="2" name="Title 1">
+            <a:extLst>
+              <a:ext uri="{FF2B5EF4-FFF2-40B4-BE49-F238E27FC236}">
+                <a16:creationId xmlns:a16="http://schemas.microsoft.com/office/drawing/2014/main" id="{D5789F06-5F69-4454-911A-18399895DBCB}"/>
+              </a:ext>
+            </a:extLst>
+          </p:cNvPr>
+          <p:cNvSpPr>
+            <a:spLocks noGrp="1"/>
+          </p:cNvSpPr>
+          <p:nvPr>
+            <p:ph type="title"/>
+          </p:nvPr>
+        </p:nvSpPr>
+        <p:spPr/>
+        <p:txBody>
+          <a:bodyPr/>
+          <a:lstStyle/>
+          <a:p>
+            <a:r>
+              <a:rPr lang="en-US" dirty="0"/>
+              <a:t>Additional heuristics</a:t>
+            </a:r>
+          </a:p>
+        </p:txBody>
+      </p:sp>
+      <mc:AlternateContent xmlns:mc="http://schemas.openxmlformats.org/markup-compatibility/2006">
+        <mc:Choice xmlns:a14="http://schemas.microsoft.com/office/drawing/2010/main" Requires="a14">
+          <p:sp>
+            <p:nvSpPr>
+              <p:cNvPr id="3" name="Content Placeholder 2">
+                <a:extLst>
+                  <a:ext uri="{FF2B5EF4-FFF2-40B4-BE49-F238E27FC236}">
+                    <a16:creationId xmlns:a16="http://schemas.microsoft.com/office/drawing/2014/main" id="{E19A1DEC-FFD9-4D7F-B477-11F57C94BACD}"/>
+                  </a:ext>
+                </a:extLst>
+              </p:cNvPr>
+              <p:cNvSpPr>
+                <a:spLocks noGrp="1"/>
+              </p:cNvSpPr>
+              <p:nvPr>
+                <p:ph idx="1"/>
+              </p:nvPr>
+            </p:nvSpPr>
+            <p:spPr/>
+            <p:txBody>
+              <a:bodyPr/>
+              <a:lstStyle/>
+              <a:p>
+                <a:r>
+                  <a:rPr lang="en-US" dirty="0"/>
+                  <a:t>Heuristic 2:</a:t>
+                </a:r>
+              </a:p>
+              <a:p>
+                <a:pPr marL="0" indent="0">
+                  <a:buNone/>
+                </a:pPr>
+                <a:r>
+                  <a:rPr lang="en-US" i="1" dirty="0"/>
+                  <a:t>t</a:t>
+                </a:r>
+                <a:r>
+                  <a:rPr lang="en-US" baseline="-25000" dirty="0"/>
+                  <a:t>2</a:t>
+                </a:r>
+                <a:r>
+                  <a:rPr lang="en-US" dirty="0"/>
+                  <a:t>(</a:t>
+                </a:r>
+                <a:r>
+                  <a:rPr lang="en-US" i="1" dirty="0"/>
+                  <a:t>P</a:t>
+                </a:r>
+                <a:r>
+                  <a:rPr lang="en-US" dirty="0"/>
+                  <a:t>,</a:t>
+                </a:r>
+                <a:r>
+                  <a:rPr lang="en-US" i="1" dirty="0"/>
+                  <a:t>T</a:t>
+                </a:r>
+                <a:r>
+                  <a:rPr lang="en-US" dirty="0"/>
+                  <a:t>)</a:t>
+                </a:r>
+                <a:r>
+                  <a:rPr lang="en-US" i="1" dirty="0"/>
+                  <a:t> </a:t>
+                </a:r>
+                <a:r>
+                  <a:rPr lang="en-US" dirty="0"/>
+                  <a:t>≡ </a:t>
+                </a:r>
+                <a14:m>
+                  <m:oMath xmlns:m="http://schemas.openxmlformats.org/officeDocument/2006/math">
+                    <m:r>
+                      <a:rPr lang="en-US" b="0" i="1" smtClean="0">
+                        <a:latin typeface="Cambria Math" panose="02040503050406030204" pitchFamily="18" charset="0"/>
+                      </a:rPr>
+                      <m:t>(</m:t>
+                    </m:r>
+                    <m:r>
+                      <a:rPr lang="en-US" b="0" i="1" smtClean="0">
+                        <a:latin typeface="Cambria Math" panose="02040503050406030204" pitchFamily="18" charset="0"/>
+                      </a:rPr>
+                      <m:t>𝑃</m:t>
+                    </m:r>
+                    <m:r>
+                      <a:rPr lang="en-US" b="0" i="1" smtClean="0">
+                        <a:latin typeface="Cambria Math" panose="02040503050406030204" pitchFamily="18" charset="0"/>
+                      </a:rPr>
+                      <m:t> ⊆</m:t>
+                    </m:r>
+                    <m:r>
+                      <a:rPr lang="en-US" b="0" i="1" smtClean="0">
+                        <a:latin typeface="Cambria Math" panose="02040503050406030204" pitchFamily="18" charset="0"/>
+                        <a:ea typeface="Cambria Math" panose="02040503050406030204" pitchFamily="18" charset="0"/>
+                      </a:rPr>
+                      <m:t>𝑇</m:t>
+                    </m:r>
+                    <m:r>
+                      <a:rPr lang="en-US" b="0" i="1" smtClean="0">
+                        <a:latin typeface="Cambria Math" panose="02040503050406030204" pitchFamily="18" charset="0"/>
+                        <a:ea typeface="Cambria Math" panose="02040503050406030204" pitchFamily="18" charset="0"/>
+                      </a:rPr>
+                      <m:t> ∧ </m:t>
+                    </m:r>
+                    <m:d>
+                      <m:dPr>
+                        <m:begChr m:val="|"/>
+                        <m:endChr m:val="|"/>
+                        <m:ctrlPr>
+                          <a:rPr lang="en-US" b="0" i="1" smtClean="0">
+                            <a:latin typeface="Cambria Math" panose="02040503050406030204" pitchFamily="18" charset="0"/>
+                            <a:ea typeface="Cambria Math" panose="02040503050406030204" pitchFamily="18" charset="0"/>
+                          </a:rPr>
+                        </m:ctrlPr>
+                      </m:dPr>
+                      <m:e>
+                        <m:r>
+                          <a:rPr lang="en-US" b="0" i="1" smtClean="0">
+                            <a:latin typeface="Cambria Math" panose="02040503050406030204" pitchFamily="18" charset="0"/>
+                            <a:ea typeface="Cambria Math" panose="02040503050406030204" pitchFamily="18" charset="0"/>
+                          </a:rPr>
+                          <m:t>𝑃</m:t>
+                        </m:r>
+                      </m:e>
+                    </m:d>
+                    <m:r>
+                      <a:rPr lang="en-US" b="0" i="1" smtClean="0">
+                        <a:latin typeface="Cambria Math" panose="02040503050406030204" pitchFamily="18" charset="0"/>
+                        <a:ea typeface="Cambria Math" panose="02040503050406030204" pitchFamily="18" charset="0"/>
+                      </a:rPr>
+                      <m:t>&gt;1)</m:t>
+                    </m:r>
+                  </m:oMath>
+                </a14:m>
+                <a:endParaRPr lang="en-US" dirty="0"/>
+              </a:p>
+              <a:p>
+                <a:pPr marL="0" indent="0">
+                  <a:buNone/>
+                </a:pPr>
+                <a:r>
+                  <a:rPr lang="en-US" i="1" dirty="0"/>
+                  <a:t>h</a:t>
+                </a:r>
+                <a:r>
+                  <a:rPr lang="en-US" baseline="-25000" dirty="0"/>
+                  <a:t>2</a:t>
+                </a:r>
+                <a:r>
+                  <a:rPr lang="en-US" dirty="0"/>
+                  <a:t>(</a:t>
+                </a:r>
+                <a:r>
+                  <a:rPr lang="en-US" i="1" dirty="0" err="1"/>
+                  <a:t>T</a:t>
+                </a:r>
+                <a:r>
+                  <a:rPr lang="en-US" dirty="0" err="1"/>
+                  <a:t>,</a:t>
+                </a:r>
+                <a:r>
+                  <a:rPr lang="en-US" i="1" dirty="0" err="1"/>
+                  <a:t>w</a:t>
+                </a:r>
+                <a:r>
+                  <a:rPr lang="en-US" dirty="0"/>
+                  <a:t>) ≡ </a:t>
+                </a:r>
+                <a14:m>
+                  <m:oMath xmlns:m="http://schemas.openxmlformats.org/officeDocument/2006/math">
+                    <m:f>
+                      <m:fPr>
+                        <m:ctrlPr>
+                          <a:rPr lang="en-US" i="1" smtClean="0">
+                            <a:latin typeface="Cambria Math" panose="02040503050406030204" pitchFamily="18" charset="0"/>
+                          </a:rPr>
+                        </m:ctrlPr>
+                      </m:fPr>
+                      <m:num>
+                        <m:r>
+                          <a:rPr lang="en-US" i="1" smtClean="0">
+                            <a:latin typeface="Cambria Math" panose="02040503050406030204" pitchFamily="18" charset="0"/>
+                            <a:ea typeface="Cambria Math" panose="02040503050406030204" pitchFamily="18" charset="0"/>
+                          </a:rPr>
+                          <m:t>𝛾</m:t>
+                        </m:r>
+                        <m:r>
+                          <a:rPr lang="en-US" b="0" i="1" smtClean="0">
+                            <a:latin typeface="Cambria Math" panose="02040503050406030204" pitchFamily="18" charset="0"/>
+                            <a:ea typeface="Cambria Math" panose="02040503050406030204" pitchFamily="18" charset="0"/>
+                          </a:rPr>
+                          <m:t>(</m:t>
+                        </m:r>
+                        <m:r>
+                          <a:rPr lang="en-US" b="0" i="1" smtClean="0">
+                            <a:latin typeface="Cambria Math" panose="02040503050406030204" pitchFamily="18" charset="0"/>
+                            <a:ea typeface="Cambria Math" panose="02040503050406030204" pitchFamily="18" charset="0"/>
+                          </a:rPr>
+                          <m:t>𝑤</m:t>
+                        </m:r>
+                        <m:r>
+                          <a:rPr lang="en-US" b="0" i="1" smtClean="0">
+                            <a:latin typeface="Cambria Math" panose="02040503050406030204" pitchFamily="18" charset="0"/>
+                            <a:ea typeface="Cambria Math" panose="02040503050406030204" pitchFamily="18" charset="0"/>
+                          </a:rPr>
+                          <m:t>)</m:t>
+                        </m:r>
+                      </m:num>
+                      <m:den>
+                        <m:d>
+                          <m:dPr>
+                            <m:begChr m:val="|"/>
+                            <m:endChr m:val="|"/>
+                            <m:ctrlPr>
+                              <a:rPr lang="en-US" i="1" smtClean="0">
+                                <a:latin typeface="Cambria Math" panose="02040503050406030204" pitchFamily="18" charset="0"/>
+                              </a:rPr>
+                            </m:ctrlPr>
+                          </m:dPr>
+                          <m:e>
+                            <m:r>
+                              <a:rPr lang="en-US" b="0" i="1" smtClean="0">
+                                <a:latin typeface="Cambria Math" panose="02040503050406030204" pitchFamily="18" charset="0"/>
+                              </a:rPr>
+                              <m:t>𝑇</m:t>
+                            </m:r>
+                          </m:e>
+                        </m:d>
+                        <m:r>
+                          <a:rPr lang="en-US" b="0" i="1" smtClean="0">
+                            <a:latin typeface="Cambria Math" panose="02040503050406030204" pitchFamily="18" charset="0"/>
+                          </a:rPr>
+                          <m:t>−</m:t>
+                        </m:r>
+                        <m:d>
+                          <m:dPr>
+                            <m:begChr m:val="|"/>
+                            <m:endChr m:val="|"/>
+                            <m:ctrlPr>
+                              <a:rPr lang="en-US" b="0" i="1" smtClean="0">
+                                <a:latin typeface="Cambria Math" panose="02040503050406030204" pitchFamily="18" charset="0"/>
+                              </a:rPr>
+                            </m:ctrlPr>
+                          </m:dPr>
+                          <m:e>
+                            <m:r>
+                              <a:rPr lang="en-US" b="0" i="1" smtClean="0">
+                                <a:latin typeface="Cambria Math" panose="02040503050406030204" pitchFamily="18" charset="0"/>
+                              </a:rPr>
+                              <m:t>𝑇</m:t>
+                            </m:r>
+                            <m:r>
+                              <a:rPr lang="en-US" b="0" i="1" smtClean="0">
+                                <a:latin typeface="Cambria Math" panose="02040503050406030204" pitchFamily="18" charset="0"/>
+                              </a:rPr>
+                              <m:t>.</m:t>
+                            </m:r>
+                            <m:r>
+                              <a:rPr lang="en-US" b="0" i="1" smtClean="0">
+                                <a:latin typeface="Cambria Math" panose="02040503050406030204" pitchFamily="18" charset="0"/>
+                              </a:rPr>
+                              <m:t>𝑤</m:t>
+                            </m:r>
+                          </m:e>
+                        </m:d>
+                      </m:den>
+                    </m:f>
+                  </m:oMath>
+                </a14:m>
+                <a:endParaRPr lang="en-US" dirty="0"/>
+              </a:p>
+              <a:p>
+                <a:pPr marL="0" indent="0">
+                  <a:buNone/>
+                </a:pPr>
+                <a:endParaRPr lang="en-US" dirty="0"/>
+              </a:p>
+              <a:p>
+                <a:pPr marL="0" indent="0">
+                  <a:buNone/>
+                </a:pPr>
+                <a:r>
+                  <a:rPr lang="en-US" dirty="0"/>
+                  <a:t>This approach uses the same </a:t>
+                </a:r>
+                <a:r>
+                  <a:rPr lang="en-US" i="1" dirty="0"/>
+                  <a:t>t</a:t>
+                </a:r>
+                <a:r>
+                  <a:rPr lang="en-US" dirty="0"/>
+                  <a:t> from H</a:t>
+                </a:r>
+                <a:r>
+                  <a:rPr lang="en-US" baseline="-25000" dirty="0"/>
+                  <a:t>1</a:t>
+                </a:r>
+                <a:r>
+                  <a:rPr lang="en-US" dirty="0"/>
+                  <a:t> but uses </a:t>
+                </a:r>
+                <a:r>
+                  <a:rPr lang="en-US" i="1" dirty="0"/>
+                  <a:t>T</a:t>
+                </a:r>
+                <a:r>
+                  <a:rPr lang="en-US" dirty="0"/>
+                  <a:t> instead of </a:t>
+                </a:r>
+                <a:r>
+                  <a:rPr lang="en-US" i="1" dirty="0"/>
+                  <a:t>P</a:t>
+                </a:r>
+                <a:r>
+                  <a:rPr lang="en-US" dirty="0"/>
+                  <a:t> for </a:t>
+                </a:r>
+                <a:r>
+                  <a:rPr lang="en-US" i="1" dirty="0"/>
+                  <a:t>h</a:t>
+                </a:r>
+                <a:r>
+                  <a:rPr lang="en-US" dirty="0"/>
+                  <a:t>.</a:t>
+                </a:r>
+              </a:p>
+              <a:p>
+                <a:pPr marL="0" indent="0">
+                  <a:buNone/>
+                </a:pPr>
+                <a:r>
+                  <a:rPr lang="en-US" i="1" dirty="0"/>
+                  <a:t>h</a:t>
+                </a:r>
+                <a:r>
+                  <a:rPr lang="en-US" baseline="-25000" dirty="0"/>
+                  <a:t>2 </a:t>
+                </a:r>
+                <a:r>
+                  <a:rPr lang="en-US" dirty="0"/>
+                  <a:t>prioritizes words that reduce the remaining paths needed to be calculated over words with less weight. </a:t>
+                </a:r>
+              </a:p>
+            </p:txBody>
+          </p:sp>
+        </mc:Choice>
+        <mc:Fallback>
+          <p:sp>
+            <p:nvSpPr>
+              <p:cNvPr id="3" name="Content Placeholder 2">
+                <a:extLst>
+                  <a:ext uri="{FF2B5EF4-FFF2-40B4-BE49-F238E27FC236}">
+                    <a16:creationId xmlns:a16="http://schemas.microsoft.com/office/drawing/2014/main" id="{E19A1DEC-FFD9-4D7F-B477-11F57C94BACD}"/>
+                  </a:ext>
+                </a:extLst>
+              </p:cNvPr>
+              <p:cNvSpPr>
+                <a:spLocks noGrp="1" noRot="1" noChangeAspect="1" noMove="1" noResize="1" noEditPoints="1" noAdjustHandles="1" noChangeArrowheads="1" noChangeShapeType="1" noTextEdit="1"/>
+              </p:cNvSpPr>
+              <p:nvPr>
+                <p:ph idx="1"/>
+              </p:nvPr>
+            </p:nvSpPr>
+            <p:spPr>
+              <a:blipFill>
+                <a:blip r:embed="rId2"/>
+                <a:stretch>
+                  <a:fillRect l="-810" t="-1884"/>
+                </a:stretch>
+              </a:blipFill>
+            </p:spPr>
+            <p:txBody>
+              <a:bodyPr/>
+              <a:lstStyle/>
+              <a:p>
+                <a:r>
+                  <a:rPr lang="en-US">
+                    <a:noFill/>
+                  </a:rPr>
+                  <a:t> </a:t>
+                </a:r>
+              </a:p>
+            </p:txBody>
+          </p:sp>
+        </mc:Fallback>
+      </mc:AlternateContent>
+    </p:spTree>
+    <p:extLst>
+      <p:ext uri="{BB962C8B-B14F-4D97-AF65-F5344CB8AC3E}">
+        <p14:creationId xmlns:p14="http://schemas.microsoft.com/office/powerpoint/2010/main" val="344409356"/>
+      </p:ext>
+    </p:extLst>
+  </p:cSld>
+  <p:clrMapOvr>
+    <a:masterClrMapping/>
+  </p:clrMapOvr>
+</p:sld>
+</file>
+
+<file path=ppt/slides/slide17.xml><?xml version="1.0" encoding="utf-8"?>
+<p:sld xmlns:a="http://schemas.openxmlformats.org/drawingml/2006/main" xmlns:r="http://schemas.openxmlformats.org/officeDocument/2006/relationships" xmlns:p="http://schemas.openxmlformats.org/presentationml/2006/main">
+  <p:cSld>
+    <p:spTree>
+      <p:nvGrpSpPr>
+        <p:cNvPr id="1" name=""/>
+        <p:cNvGrpSpPr/>
+        <p:nvPr/>
+      </p:nvGrpSpPr>
+      <p:grpSpPr>
+        <a:xfrm>
+          <a:off x="0" y="0"/>
+          <a:ext cx="0" cy="0"/>
+          <a:chOff x="0" y="0"/>
+          <a:chExt cx="0" cy="0"/>
+        </a:xfrm>
+      </p:grpSpPr>
+      <p:sp>
+        <p:nvSpPr>
+          <p:cNvPr id="2" name="Title 1">
+            <a:extLst>
+              <a:ext uri="{FF2B5EF4-FFF2-40B4-BE49-F238E27FC236}">
+                <a16:creationId xmlns:a16="http://schemas.microsoft.com/office/drawing/2014/main" id="{D5789F06-5F69-4454-911A-18399895DBCB}"/>
+              </a:ext>
+            </a:extLst>
+          </p:cNvPr>
+          <p:cNvSpPr>
+            <a:spLocks noGrp="1"/>
+          </p:cNvSpPr>
+          <p:nvPr>
+            <p:ph type="title"/>
+          </p:nvPr>
+        </p:nvSpPr>
+        <p:spPr/>
+        <p:txBody>
+          <a:bodyPr/>
+          <a:lstStyle/>
+          <a:p>
+            <a:r>
+              <a:rPr lang="en-US" dirty="0"/>
+              <a:t>Additional heuristics</a:t>
+            </a:r>
+          </a:p>
+        </p:txBody>
+      </p:sp>
+      <mc:AlternateContent xmlns:mc="http://schemas.openxmlformats.org/markup-compatibility/2006">
+        <mc:Choice xmlns:a14="http://schemas.microsoft.com/office/drawing/2010/main" Requires="a14">
+          <p:sp>
+            <p:nvSpPr>
+              <p:cNvPr id="3" name="Content Placeholder 2">
+                <a:extLst>
+                  <a:ext uri="{FF2B5EF4-FFF2-40B4-BE49-F238E27FC236}">
+                    <a16:creationId xmlns:a16="http://schemas.microsoft.com/office/drawing/2014/main" id="{E19A1DEC-FFD9-4D7F-B477-11F57C94BACD}"/>
+                  </a:ext>
+                </a:extLst>
+              </p:cNvPr>
+              <p:cNvSpPr>
+                <a:spLocks noGrp="1"/>
+              </p:cNvSpPr>
+              <p:nvPr>
+                <p:ph idx="1"/>
+              </p:nvPr>
+            </p:nvSpPr>
+            <p:spPr/>
+            <p:txBody>
+              <a:bodyPr/>
+              <a:lstStyle/>
+              <a:p>
+                <a:r>
+                  <a:rPr lang="en-US" dirty="0"/>
+                  <a:t>Heuristic 3:</a:t>
+                </a:r>
+              </a:p>
+              <a:p>
+                <a:pPr marL="0" indent="0">
+                  <a:buNone/>
+                </a:pPr>
+                <a:r>
+                  <a:rPr lang="en-US" i="1" dirty="0"/>
+                  <a:t>t</a:t>
+                </a:r>
+                <a:r>
+                  <a:rPr lang="en-US" baseline="-25000" dirty="0"/>
+                  <a:t>3</a:t>
+                </a:r>
+                <a:r>
+                  <a:rPr lang="en-US" dirty="0"/>
+                  <a:t>(</a:t>
+                </a:r>
+                <a:r>
+                  <a:rPr lang="en-US" i="1" dirty="0" err="1"/>
+                  <a:t>P</a:t>
+                </a:r>
+                <a:r>
+                  <a:rPr lang="en-US" dirty="0" err="1"/>
+                  <a:t>,</a:t>
+                </a:r>
+                <a:r>
+                  <a:rPr lang="en-US" i="1" dirty="0" err="1"/>
+                  <a:t>T,m</a:t>
+                </a:r>
+                <a:r>
+                  <a:rPr lang="en-US" i="1" dirty="0"/>
+                  <a:t>) </a:t>
+                </a:r>
+                <a:r>
+                  <a:rPr lang="en-US" dirty="0"/>
+                  <a:t>≡ </a:t>
+                </a:r>
+                <a14:m>
+                  <m:oMath xmlns:m="http://schemas.openxmlformats.org/officeDocument/2006/math">
+                    <m:r>
+                      <a:rPr lang="en-US" b="0" i="1" smtClean="0">
+                        <a:latin typeface="Cambria Math" panose="02040503050406030204" pitchFamily="18" charset="0"/>
+                      </a:rPr>
+                      <m:t>(</m:t>
+                    </m:r>
+                    <m:r>
+                      <a:rPr lang="en-US" b="0" i="1" smtClean="0">
+                        <a:latin typeface="Cambria Math" panose="02040503050406030204" pitchFamily="18" charset="0"/>
+                      </a:rPr>
+                      <m:t>𝑃</m:t>
+                    </m:r>
+                    <m:r>
+                      <a:rPr lang="en-US" b="0" i="1" smtClean="0">
+                        <a:latin typeface="Cambria Math" panose="02040503050406030204" pitchFamily="18" charset="0"/>
+                      </a:rPr>
+                      <m:t> ⊆</m:t>
+                    </m:r>
+                    <m:r>
+                      <a:rPr lang="en-US" b="0" i="1" smtClean="0">
+                        <a:latin typeface="Cambria Math" panose="02040503050406030204" pitchFamily="18" charset="0"/>
+                        <a:ea typeface="Cambria Math" panose="02040503050406030204" pitchFamily="18" charset="0"/>
+                      </a:rPr>
+                      <m:t>𝑇</m:t>
+                    </m:r>
+                    <m:r>
+                      <a:rPr lang="en-US" b="0" i="1" smtClean="0">
+                        <a:latin typeface="Cambria Math" panose="02040503050406030204" pitchFamily="18" charset="0"/>
+                        <a:ea typeface="Cambria Math" panose="02040503050406030204" pitchFamily="18" charset="0"/>
+                      </a:rPr>
+                      <m:t> ∧ </m:t>
+                    </m:r>
+                    <m:d>
+                      <m:dPr>
+                        <m:begChr m:val="|"/>
+                        <m:endChr m:val="|"/>
+                        <m:ctrlPr>
+                          <a:rPr lang="en-US" b="0" i="1" smtClean="0">
+                            <a:latin typeface="Cambria Math" panose="02040503050406030204" pitchFamily="18" charset="0"/>
+                            <a:ea typeface="Cambria Math" panose="02040503050406030204" pitchFamily="18" charset="0"/>
+                          </a:rPr>
+                        </m:ctrlPr>
+                      </m:dPr>
+                      <m:e>
+                        <m:r>
+                          <a:rPr lang="en-US" b="0" i="1" smtClean="0">
+                            <a:latin typeface="Cambria Math" panose="02040503050406030204" pitchFamily="18" charset="0"/>
+                            <a:ea typeface="Cambria Math" panose="02040503050406030204" pitchFamily="18" charset="0"/>
+                          </a:rPr>
+                          <m:t>𝑃</m:t>
+                        </m:r>
+                      </m:e>
+                    </m:d>
+                    <m:r>
+                      <a:rPr lang="en-US" b="0" i="1" smtClean="0">
+                        <a:latin typeface="Cambria Math" panose="02040503050406030204" pitchFamily="18" charset="0"/>
+                        <a:ea typeface="Cambria Math" panose="02040503050406030204" pitchFamily="18" charset="0"/>
+                      </a:rPr>
+                      <m:t>=</m:t>
+                    </m:r>
+                    <m:r>
+                      <m:rPr>
+                        <m:sty m:val="p"/>
+                      </m:rPr>
+                      <a:rPr lang="en-US" b="0" i="0" smtClean="0">
+                        <a:latin typeface="Cambria Math" panose="02040503050406030204" pitchFamily="18" charset="0"/>
+                        <a:ea typeface="Cambria Math" panose="02040503050406030204" pitchFamily="18" charset="0"/>
+                      </a:rPr>
+                      <m:t>min</m:t>
+                    </m:r>
+                    <m:r>
+                      <a:rPr lang="en-US" b="0" i="1" smtClean="0">
+                        <a:latin typeface="Cambria Math" panose="02040503050406030204" pitchFamily="18" charset="0"/>
+                        <a:ea typeface="Cambria Math" panose="02040503050406030204" pitchFamily="18" charset="0"/>
+                      </a:rPr>
+                      <m:t>⁡(</m:t>
+                    </m:r>
+                    <m:r>
+                      <a:rPr lang="en-US" b="0" i="1" smtClean="0">
+                        <a:latin typeface="Cambria Math" panose="02040503050406030204" pitchFamily="18" charset="0"/>
+                        <a:ea typeface="Cambria Math" panose="02040503050406030204" pitchFamily="18" charset="0"/>
+                      </a:rPr>
+                      <m:t>𝑚</m:t>
+                    </m:r>
+                    <m:r>
+                      <a:rPr lang="en-US" b="0" i="1" smtClean="0">
+                        <a:latin typeface="Cambria Math" panose="02040503050406030204" pitchFamily="18" charset="0"/>
+                        <a:ea typeface="Cambria Math" panose="02040503050406030204" pitchFamily="18" charset="0"/>
+                      </a:rPr>
+                      <m:t>,</m:t>
+                    </m:r>
+                    <m:d>
+                      <m:dPr>
+                        <m:begChr m:val="|"/>
+                        <m:endChr m:val="|"/>
+                        <m:ctrlPr>
+                          <a:rPr lang="en-US" b="0" i="1" smtClean="0">
+                            <a:latin typeface="Cambria Math" panose="02040503050406030204" pitchFamily="18" charset="0"/>
+                            <a:ea typeface="Cambria Math" panose="02040503050406030204" pitchFamily="18" charset="0"/>
+                          </a:rPr>
+                        </m:ctrlPr>
+                      </m:dPr>
+                      <m:e>
+                        <m:r>
+                          <a:rPr lang="en-US" b="0" i="1" smtClean="0">
+                            <a:latin typeface="Cambria Math" panose="02040503050406030204" pitchFamily="18" charset="0"/>
+                            <a:ea typeface="Cambria Math" panose="02040503050406030204" pitchFamily="18" charset="0"/>
+                          </a:rPr>
+                          <m:t>𝑇</m:t>
+                        </m:r>
+                      </m:e>
+                    </m:d>
+                    <m:r>
+                      <a:rPr lang="en-US" b="0" i="1" smtClean="0">
+                        <a:latin typeface="Cambria Math" panose="02040503050406030204" pitchFamily="18" charset="0"/>
+                        <a:ea typeface="Cambria Math" panose="02040503050406030204" pitchFamily="18" charset="0"/>
+                      </a:rPr>
+                      <m:t>)</m:t>
+                    </m:r>
+                    <m:r>
+                      <a:rPr lang="en-US" b="0" i="1" smtClean="0">
+                        <a:latin typeface="Cambria Math" panose="02040503050406030204" pitchFamily="18" charset="0"/>
+                        <a:ea typeface="Cambria Math" panose="02040503050406030204" pitchFamily="18" charset="0"/>
+                      </a:rPr>
+                      <m:t>)</m:t>
+                    </m:r>
+                  </m:oMath>
+                </a14:m>
+                <a:endParaRPr lang="en-US" dirty="0"/>
+              </a:p>
+              <a:p>
+                <a:pPr marL="0" indent="0">
+                  <a:buNone/>
+                </a:pPr>
+                <a:r>
+                  <a:rPr lang="en-US" i="1" dirty="0"/>
+                  <a:t>h</a:t>
+                </a:r>
+                <a:r>
+                  <a:rPr lang="en-US" baseline="-25000" dirty="0"/>
+                  <a:t>3</a:t>
+                </a:r>
+                <a:r>
+                  <a:rPr lang="en-US" dirty="0"/>
+                  <a:t>(</a:t>
+                </a:r>
+                <a:r>
+                  <a:rPr lang="en-US" i="1" dirty="0"/>
+                  <a:t>w</a:t>
+                </a:r>
+                <a:r>
+                  <a:rPr lang="en-US" dirty="0"/>
+                  <a:t>) ≡ </a:t>
+                </a:r>
+                <a14:m>
+                  <m:oMath xmlns:m="http://schemas.openxmlformats.org/officeDocument/2006/math">
+                    <m:r>
+                      <a:rPr lang="en-US" i="1" smtClean="0">
+                        <a:latin typeface="Cambria Math" panose="02040503050406030204" pitchFamily="18" charset="0"/>
+                        <a:ea typeface="Cambria Math" panose="02040503050406030204" pitchFamily="18" charset="0"/>
+                      </a:rPr>
+                      <m:t>𝛾</m:t>
+                    </m:r>
+                    <m:r>
+                      <a:rPr lang="en-US" b="0" i="1" smtClean="0">
+                        <a:latin typeface="Cambria Math" panose="02040503050406030204" pitchFamily="18" charset="0"/>
+                        <a:ea typeface="Cambria Math" panose="02040503050406030204" pitchFamily="18" charset="0"/>
+                      </a:rPr>
+                      <m:t>(</m:t>
+                    </m:r>
+                    <m:r>
+                      <a:rPr lang="en-US" b="0" i="1" smtClean="0">
+                        <a:latin typeface="Cambria Math" panose="02040503050406030204" pitchFamily="18" charset="0"/>
+                        <a:ea typeface="Cambria Math" panose="02040503050406030204" pitchFamily="18" charset="0"/>
+                      </a:rPr>
+                      <m:t>𝑤</m:t>
+                    </m:r>
+                    <m:r>
+                      <a:rPr lang="en-US" b="0" i="1" smtClean="0">
+                        <a:latin typeface="Cambria Math" panose="02040503050406030204" pitchFamily="18" charset="0"/>
+                        <a:ea typeface="Cambria Math" panose="02040503050406030204" pitchFamily="18" charset="0"/>
+                      </a:rPr>
+                      <m:t>)</m:t>
+                    </m:r>
+                  </m:oMath>
+                </a14:m>
+                <a:endParaRPr lang="en-US" dirty="0"/>
+              </a:p>
+              <a:p>
+                <a:pPr marL="0" indent="0">
+                  <a:buNone/>
+                </a:pPr>
+                <a:endParaRPr lang="en-US" dirty="0"/>
+              </a:p>
+              <a:p>
+                <a:pPr marL="0" indent="0">
+                  <a:buNone/>
+                </a:pPr>
+                <a:r>
+                  <a:rPr lang="en-US" dirty="0"/>
+                  <a:t>This approach uses </a:t>
+                </a:r>
+                <a:r>
+                  <a:rPr lang="en-US" dirty="0" err="1"/>
+                  <a:t>Eppsiten’s</a:t>
+                </a:r>
+                <a:r>
+                  <a:rPr lang="en-US" dirty="0"/>
+                  <a:t> heuristic algorithm for DFAs</a:t>
+                </a:r>
+              </a:p>
+              <a:p>
+                <a:pPr marL="0" indent="0">
+                  <a:buNone/>
+                </a:pPr>
+                <a:r>
+                  <a:rPr lang="en-US" i="1" dirty="0"/>
+                  <a:t>t</a:t>
+                </a:r>
+                <a:r>
+                  <a:rPr lang="en-US" baseline="-25000" dirty="0"/>
+                  <a:t>3 </a:t>
+                </a:r>
+                <a:r>
+                  <a:rPr lang="en-US" dirty="0"/>
+                  <a:t>checks if </a:t>
+                </a:r>
+                <a:r>
+                  <a:rPr lang="en-US" i="1" dirty="0"/>
+                  <a:t>P</a:t>
+                </a:r>
+                <a:r>
+                  <a:rPr lang="en-US" dirty="0"/>
+                  <a:t> is a subset of </a:t>
+                </a:r>
+                <a:r>
+                  <a:rPr lang="en-US" i="1" dirty="0"/>
+                  <a:t>T</a:t>
+                </a:r>
+                <a:r>
+                  <a:rPr lang="en-US" dirty="0"/>
+                  <a:t> and if </a:t>
+                </a:r>
+                <a:r>
+                  <a:rPr lang="en-US" i="1" dirty="0"/>
+                  <a:t>P </a:t>
+                </a:r>
+                <a:r>
+                  <a:rPr lang="en-US" dirty="0"/>
+                  <a:t>is the shortest path.</a:t>
+                </a:r>
+              </a:p>
+              <a:p>
+                <a:pPr marL="0" indent="0">
+                  <a:buNone/>
+                </a:pPr>
+                <a:r>
+                  <a:rPr lang="en-US" i="1" dirty="0"/>
+                  <a:t>h</a:t>
+                </a:r>
+                <a:r>
+                  <a:rPr lang="en-US" baseline="-25000" dirty="0"/>
+                  <a:t>3 </a:t>
+                </a:r>
+                <a:r>
+                  <a:rPr lang="en-US" dirty="0"/>
+                  <a:t>simply returns the weight of the word.</a:t>
+                </a:r>
+              </a:p>
+            </p:txBody>
+          </p:sp>
+        </mc:Choice>
+        <mc:Fallback>
+          <p:sp>
+            <p:nvSpPr>
+              <p:cNvPr id="3" name="Content Placeholder 2">
+                <a:extLst>
+                  <a:ext uri="{FF2B5EF4-FFF2-40B4-BE49-F238E27FC236}">
+                    <a16:creationId xmlns:a16="http://schemas.microsoft.com/office/drawing/2014/main" id="{E19A1DEC-FFD9-4D7F-B477-11F57C94BACD}"/>
+                  </a:ext>
+                </a:extLst>
+              </p:cNvPr>
+              <p:cNvSpPr>
+                <a:spLocks noGrp="1" noRot="1" noChangeAspect="1" noMove="1" noResize="1" noEditPoints="1" noAdjustHandles="1" noChangeArrowheads="1" noChangeShapeType="1" noTextEdit="1"/>
+              </p:cNvSpPr>
+              <p:nvPr>
+                <p:ph idx="1"/>
+              </p:nvPr>
+            </p:nvSpPr>
+            <p:spPr>
+              <a:blipFill>
+                <a:blip r:embed="rId2"/>
+                <a:stretch>
+                  <a:fillRect l="-810" t="-1884"/>
+                </a:stretch>
+              </a:blipFill>
+            </p:spPr>
+            <p:txBody>
+              <a:bodyPr/>
+              <a:lstStyle/>
+              <a:p>
+                <a:r>
+                  <a:rPr lang="en-US">
+                    <a:noFill/>
+                  </a:rPr>
+                  <a:t> </a:t>
+                </a:r>
+              </a:p>
+            </p:txBody>
+          </p:sp>
+        </mc:Fallback>
+      </mc:AlternateContent>
+    </p:spTree>
+    <p:extLst>
+      <p:ext uri="{BB962C8B-B14F-4D97-AF65-F5344CB8AC3E}">
+        <p14:creationId xmlns:p14="http://schemas.microsoft.com/office/powerpoint/2010/main" val="1169042056"/>
+      </p:ext>
+    </p:extLst>
+  </p:cSld>
+  <p:clrMapOvr>
+    <a:masterClrMapping/>
+  </p:clrMapOvr>
+</p:sld>
+</file>
+
+<file path=ppt/slides/slide18.xml><?xml version="1.0" encoding="utf-8"?>
+<p:sld xmlns:a="http://schemas.openxmlformats.org/drawingml/2006/main" xmlns:r="http://schemas.openxmlformats.org/officeDocument/2006/relationships" xmlns:p="http://schemas.openxmlformats.org/presentationml/2006/main">
+  <p:cSld>
+    <p:spTree>
+      <p:nvGrpSpPr>
+        <p:cNvPr id="1" name=""/>
+        <p:cNvGrpSpPr/>
+        <p:nvPr/>
+      </p:nvGrpSpPr>
+      <p:grpSpPr>
+        <a:xfrm>
+          <a:off x="0" y="0"/>
+          <a:ext cx="0" cy="0"/>
+          <a:chOff x="0" y="0"/>
+          <a:chExt cx="0" cy="0"/>
+        </a:xfrm>
+      </p:grpSpPr>
+      <p:sp>
+        <p:nvSpPr>
+          <p:cNvPr id="2" name="Title 1">
+            <a:extLst>
+              <a:ext uri="{FF2B5EF4-FFF2-40B4-BE49-F238E27FC236}">
+                <a16:creationId xmlns:a16="http://schemas.microsoft.com/office/drawing/2014/main" id="{D5789F06-5F69-4454-911A-18399895DBCB}"/>
+              </a:ext>
+            </a:extLst>
+          </p:cNvPr>
+          <p:cNvSpPr>
+            <a:spLocks noGrp="1"/>
+          </p:cNvSpPr>
+          <p:nvPr>
+            <p:ph type="title"/>
+          </p:nvPr>
+        </p:nvSpPr>
+        <p:spPr/>
+        <p:txBody>
+          <a:bodyPr/>
+          <a:lstStyle/>
+          <a:p>
+            <a:r>
+              <a:rPr lang="en-US" dirty="0"/>
+              <a:t>Additional heuristics</a:t>
+            </a:r>
+          </a:p>
+        </p:txBody>
+      </p:sp>
+      <mc:AlternateContent xmlns:mc="http://schemas.openxmlformats.org/markup-compatibility/2006">
+        <mc:Choice xmlns:a14="http://schemas.microsoft.com/office/drawing/2010/main" Requires="a14">
+          <p:sp>
+            <p:nvSpPr>
+              <p:cNvPr id="3" name="Content Placeholder 2">
+                <a:extLst>
+                  <a:ext uri="{FF2B5EF4-FFF2-40B4-BE49-F238E27FC236}">
+                    <a16:creationId xmlns:a16="http://schemas.microsoft.com/office/drawing/2014/main" id="{E19A1DEC-FFD9-4D7F-B477-11F57C94BACD}"/>
+                  </a:ext>
+                </a:extLst>
+              </p:cNvPr>
+              <p:cNvSpPr>
+                <a:spLocks noGrp="1"/>
+              </p:cNvSpPr>
+              <p:nvPr>
+                <p:ph idx="1"/>
+              </p:nvPr>
+            </p:nvSpPr>
+            <p:spPr/>
+            <p:txBody>
+              <a:bodyPr>
+                <a:normAutofit/>
+              </a:bodyPr>
+              <a:lstStyle/>
+              <a:p>
+                <a:r>
+                  <a:rPr lang="en-US" dirty="0"/>
+                  <a:t>Heuristic 4:</a:t>
+                </a:r>
+              </a:p>
+              <a:p>
+                <a:pPr marL="0" indent="0">
+                  <a:buNone/>
+                </a:pPr>
+                <a:r>
+                  <a:rPr lang="en-US" i="1" dirty="0"/>
+                  <a:t>t</a:t>
+                </a:r>
+                <a:r>
+                  <a:rPr lang="en-US" baseline="-25000" dirty="0"/>
+                  <a:t>4</a:t>
+                </a:r>
+                <a:r>
+                  <a:rPr lang="en-US" dirty="0"/>
+                  <a:t>(</a:t>
+                </a:r>
+                <a:r>
+                  <a:rPr lang="en-US" i="1" dirty="0"/>
+                  <a:t>P</a:t>
+                </a:r>
+                <a:r>
+                  <a:rPr lang="en-US" dirty="0"/>
+                  <a:t>,</a:t>
+                </a:r>
+                <a:r>
+                  <a:rPr lang="en-US" i="1" dirty="0"/>
+                  <a:t>T</a:t>
+                </a:r>
+                <a:r>
+                  <a:rPr lang="en-US" dirty="0"/>
+                  <a:t>)</a:t>
+                </a:r>
+                <a:r>
+                  <a:rPr lang="en-US" i="1" dirty="0"/>
+                  <a:t> </a:t>
+                </a:r>
+                <a:r>
+                  <a:rPr lang="en-US" dirty="0"/>
+                  <a:t>≡ </a:t>
+                </a:r>
+                <a14:m>
+                  <m:oMath xmlns:m="http://schemas.openxmlformats.org/officeDocument/2006/math">
+                    <m:r>
+                      <a:rPr lang="en-US" b="0" i="1" smtClean="0">
+                        <a:latin typeface="Cambria Math" panose="02040503050406030204" pitchFamily="18" charset="0"/>
+                      </a:rPr>
+                      <m:t>(</m:t>
+                    </m:r>
+                    <m:r>
+                      <a:rPr lang="en-US" b="0" i="1" smtClean="0">
+                        <a:latin typeface="Cambria Math" panose="02040503050406030204" pitchFamily="18" charset="0"/>
+                      </a:rPr>
+                      <m:t>𝑃</m:t>
+                    </m:r>
+                    <m:r>
+                      <a:rPr lang="en-US" b="0" i="1" smtClean="0">
+                        <a:latin typeface="Cambria Math" panose="02040503050406030204" pitchFamily="18" charset="0"/>
+                      </a:rPr>
+                      <m:t> ⊆</m:t>
+                    </m:r>
+                    <m:r>
+                      <a:rPr lang="en-US" b="0" i="1" smtClean="0">
+                        <a:latin typeface="Cambria Math" panose="02040503050406030204" pitchFamily="18" charset="0"/>
+                        <a:ea typeface="Cambria Math" panose="02040503050406030204" pitchFamily="18" charset="0"/>
+                      </a:rPr>
+                      <m:t>𝑇</m:t>
+                    </m:r>
+                    <m:r>
+                      <a:rPr lang="en-US" b="0" i="1" smtClean="0">
+                        <a:latin typeface="Cambria Math" panose="02040503050406030204" pitchFamily="18" charset="0"/>
+                        <a:ea typeface="Cambria Math" panose="02040503050406030204" pitchFamily="18" charset="0"/>
+                      </a:rPr>
+                      <m:t> ∧ </m:t>
+                    </m:r>
+                    <m:d>
+                      <m:dPr>
+                        <m:begChr m:val="|"/>
+                        <m:endChr m:val="|"/>
+                        <m:ctrlPr>
+                          <a:rPr lang="en-US" b="0" i="1" smtClean="0">
+                            <a:latin typeface="Cambria Math" panose="02040503050406030204" pitchFamily="18" charset="0"/>
+                            <a:ea typeface="Cambria Math" panose="02040503050406030204" pitchFamily="18" charset="0"/>
+                          </a:rPr>
+                        </m:ctrlPr>
+                      </m:dPr>
+                      <m:e>
+                        <m:r>
+                          <a:rPr lang="en-US" b="0" i="1" smtClean="0">
+                            <a:latin typeface="Cambria Math" panose="02040503050406030204" pitchFamily="18" charset="0"/>
+                            <a:ea typeface="Cambria Math" panose="02040503050406030204" pitchFamily="18" charset="0"/>
+                          </a:rPr>
+                          <m:t>𝑃</m:t>
+                        </m:r>
+                      </m:e>
+                    </m:d>
+                    <m:r>
+                      <a:rPr lang="en-US" b="0" i="1" smtClean="0">
+                        <a:latin typeface="Cambria Math" panose="02040503050406030204" pitchFamily="18" charset="0"/>
+                        <a:ea typeface="Cambria Math" panose="02040503050406030204" pitchFamily="18" charset="0"/>
+                      </a:rPr>
+                      <m:t>&gt;1)</m:t>
+                    </m:r>
+                  </m:oMath>
+                </a14:m>
+                <a:endParaRPr lang="en-US" dirty="0"/>
+              </a:p>
+              <a:p>
+                <a:pPr marL="0" indent="0">
+                  <a:buNone/>
+                </a:pPr>
+                <a:r>
+                  <a:rPr lang="en-US" i="1" dirty="0"/>
+                  <a:t>h</a:t>
+                </a:r>
+                <a:r>
+                  <a:rPr lang="en-US" baseline="-25000" dirty="0"/>
+                  <a:t>4</a:t>
+                </a:r>
+                <a:r>
+                  <a:rPr lang="en-US" dirty="0"/>
+                  <a:t>(</a:t>
+                </a:r>
+                <a:r>
+                  <a:rPr lang="en-US" i="1" dirty="0" err="1"/>
+                  <a:t>P</a:t>
+                </a:r>
+                <a:r>
+                  <a:rPr lang="en-US" dirty="0" err="1"/>
+                  <a:t>,</a:t>
+                </a:r>
+                <a:r>
+                  <a:rPr lang="en-US" i="1" dirty="0" err="1"/>
+                  <a:t>T</a:t>
+                </a:r>
+                <a:r>
+                  <a:rPr lang="en-US" dirty="0" err="1"/>
+                  <a:t>,</a:t>
+                </a:r>
+                <a:r>
+                  <a:rPr lang="en-US" i="1" dirty="0" err="1"/>
+                  <a:t>w</a:t>
+                </a:r>
+                <a:r>
+                  <a:rPr lang="en-US" dirty="0"/>
+                  <a:t>) ≡ </a:t>
+                </a:r>
+                <a14:m>
+                  <m:oMath xmlns:m="http://schemas.openxmlformats.org/officeDocument/2006/math">
+                    <m:f>
+                      <m:fPr>
+                        <m:ctrlPr>
+                          <a:rPr lang="en-US" i="1" smtClean="0">
+                            <a:latin typeface="Cambria Math" panose="02040503050406030204" pitchFamily="18" charset="0"/>
+                          </a:rPr>
+                        </m:ctrlPr>
+                      </m:fPr>
+                      <m:num>
+                        <m:r>
+                          <a:rPr lang="en-US" i="1" smtClean="0">
+                            <a:latin typeface="Cambria Math" panose="02040503050406030204" pitchFamily="18" charset="0"/>
+                            <a:ea typeface="Cambria Math" panose="02040503050406030204" pitchFamily="18" charset="0"/>
+                          </a:rPr>
+                          <m:t>𝛾</m:t>
+                        </m:r>
+                        <m:r>
+                          <a:rPr lang="en-US" b="0" i="1" smtClean="0">
+                            <a:latin typeface="Cambria Math" panose="02040503050406030204" pitchFamily="18" charset="0"/>
+                            <a:ea typeface="Cambria Math" panose="02040503050406030204" pitchFamily="18" charset="0"/>
+                          </a:rPr>
+                          <m:t>(</m:t>
+                        </m:r>
+                        <m:r>
+                          <a:rPr lang="en-US" b="0" i="1" smtClean="0">
+                            <a:latin typeface="Cambria Math" panose="02040503050406030204" pitchFamily="18" charset="0"/>
+                            <a:ea typeface="Cambria Math" panose="02040503050406030204" pitchFamily="18" charset="0"/>
+                          </a:rPr>
+                          <m:t>𝑤</m:t>
+                        </m:r>
+                        <m:r>
+                          <a:rPr lang="en-US" b="0" i="1" smtClean="0">
+                            <a:latin typeface="Cambria Math" panose="02040503050406030204" pitchFamily="18" charset="0"/>
+                            <a:ea typeface="Cambria Math" panose="02040503050406030204" pitchFamily="18" charset="0"/>
+                          </a:rPr>
+                          <m:t>)</m:t>
+                        </m:r>
+                      </m:num>
+                      <m:den>
+                        <m:sSup>
+                          <m:sSupPr>
+                            <m:ctrlPr>
+                              <a:rPr lang="en-US" b="0" i="1" smtClean="0">
+                                <a:latin typeface="Cambria Math" panose="02040503050406030204" pitchFamily="18" charset="0"/>
+                                <a:ea typeface="Cambria Math" panose="02040503050406030204" pitchFamily="18" charset="0"/>
+                              </a:rPr>
+                            </m:ctrlPr>
+                          </m:sSupPr>
+                          <m:e>
+                            <m:r>
+                              <a:rPr lang="en-US" b="0" i="1" smtClean="0">
+                                <a:latin typeface="Cambria Math" panose="02040503050406030204" pitchFamily="18" charset="0"/>
+                                <a:ea typeface="Cambria Math" panose="02040503050406030204" pitchFamily="18" charset="0"/>
+                              </a:rPr>
+                              <m:t>(</m:t>
+                            </m:r>
+                            <m:d>
+                              <m:dPr>
+                                <m:begChr m:val="|"/>
+                                <m:endChr m:val="|"/>
+                                <m:ctrlPr>
+                                  <a:rPr lang="en-US" i="1">
+                                    <a:latin typeface="Cambria Math" panose="02040503050406030204" pitchFamily="18" charset="0"/>
+                                  </a:rPr>
+                                </m:ctrlPr>
+                              </m:dPr>
+                              <m:e>
+                                <m:r>
+                                  <a:rPr lang="en-US" i="1">
+                                    <a:latin typeface="Cambria Math" panose="02040503050406030204" pitchFamily="18" charset="0"/>
+                                  </a:rPr>
+                                  <m:t>𝑇</m:t>
+                                </m:r>
+                              </m:e>
+                            </m:d>
+                            <m:r>
+                              <a:rPr lang="en-US" i="1">
+                                <a:latin typeface="Cambria Math" panose="02040503050406030204" pitchFamily="18" charset="0"/>
+                              </a:rPr>
+                              <m:t>−</m:t>
+                            </m:r>
+                            <m:d>
+                              <m:dPr>
+                                <m:begChr m:val="|"/>
+                                <m:endChr m:val="|"/>
+                                <m:ctrlPr>
+                                  <a:rPr lang="en-US" i="1">
+                                    <a:latin typeface="Cambria Math" panose="02040503050406030204" pitchFamily="18" charset="0"/>
+                                  </a:rPr>
+                                </m:ctrlPr>
+                              </m:dPr>
+                              <m:e>
+                                <m:r>
+                                  <a:rPr lang="en-US" i="1">
+                                    <a:latin typeface="Cambria Math" panose="02040503050406030204" pitchFamily="18" charset="0"/>
+                                  </a:rPr>
+                                  <m:t>𝑇</m:t>
+                                </m:r>
+                                <m:r>
+                                  <a:rPr lang="en-US" i="1">
+                                    <a:latin typeface="Cambria Math" panose="02040503050406030204" pitchFamily="18" charset="0"/>
+                                  </a:rPr>
+                                  <m:t>.</m:t>
+                                </m:r>
+                                <m:r>
+                                  <a:rPr lang="en-US" i="1">
+                                    <a:latin typeface="Cambria Math" panose="02040503050406030204" pitchFamily="18" charset="0"/>
+                                  </a:rPr>
+                                  <m:t>𝑤</m:t>
+                                </m:r>
+                              </m:e>
+                            </m:d>
+                            <m:r>
+                              <a:rPr lang="en-US" b="0" i="1" smtClean="0">
+                                <a:latin typeface="Cambria Math" panose="02040503050406030204" pitchFamily="18" charset="0"/>
+                              </a:rPr>
+                              <m:t>)</m:t>
+                            </m:r>
+                          </m:e>
+                          <m:sup>
+                            <m:r>
+                              <a:rPr lang="en-US" b="0" i="1" smtClean="0">
+                                <a:latin typeface="Cambria Math" panose="02040503050406030204" pitchFamily="18" charset="0"/>
+                                <a:ea typeface="Cambria Math" panose="02040503050406030204" pitchFamily="18" charset="0"/>
+                              </a:rPr>
+                              <m:t>2</m:t>
+                            </m:r>
+                          </m:sup>
+                        </m:sSup>
+                      </m:den>
+                    </m:f>
+                  </m:oMath>
+                </a14:m>
+                <a:endParaRPr lang="en-US" dirty="0"/>
+              </a:p>
+              <a:p>
+                <a:pPr marL="0" indent="0">
+                  <a:buNone/>
+                </a:pPr>
+                <a:endParaRPr lang="en-US" dirty="0"/>
+              </a:p>
+              <a:p>
+                <a:pPr marL="0" indent="0">
+                  <a:buNone/>
+                </a:pPr>
+                <a:r>
+                  <a:rPr lang="en-US" dirty="0"/>
+                  <a:t>This approach uses the same </a:t>
+                </a:r>
+                <a:r>
+                  <a:rPr lang="en-US" i="1" dirty="0"/>
+                  <a:t>t</a:t>
+                </a:r>
+                <a:r>
+                  <a:rPr lang="en-US" dirty="0"/>
+                  <a:t> and </a:t>
+                </a:r>
+                <a:r>
+                  <a:rPr lang="en-US" i="1" dirty="0"/>
+                  <a:t>h </a:t>
+                </a:r>
+                <a:r>
+                  <a:rPr lang="en-US" dirty="0"/>
+                  <a:t>from H</a:t>
+                </a:r>
+                <a:r>
+                  <a:rPr lang="en-US" baseline="-25000" dirty="0"/>
+                  <a:t>2</a:t>
+                </a:r>
+                <a:r>
+                  <a:rPr lang="en-US" dirty="0"/>
+                  <a:t> but squares the denominator.</a:t>
+                </a:r>
+              </a:p>
+              <a:p>
+                <a:pPr marL="0" indent="0">
+                  <a:buNone/>
+                </a:pPr>
+                <a:r>
+                  <a:rPr lang="en-US" dirty="0"/>
+                  <a:t>H</a:t>
+                </a:r>
+                <a:r>
+                  <a:rPr lang="en-US" baseline="-25000" dirty="0"/>
+                  <a:t>1-3</a:t>
+                </a:r>
+                <a:r>
+                  <a:rPr lang="en-US" dirty="0"/>
+                  <a:t> might not choose paths which use heavier symbols in the first iteration which could lead to inefficient paths.</a:t>
+                </a:r>
+              </a:p>
+              <a:p>
+                <a:pPr marL="0" indent="0">
+                  <a:buNone/>
+                </a:pPr>
+                <a:r>
+                  <a:rPr lang="en-US" i="1" dirty="0"/>
+                  <a:t>h</a:t>
+                </a:r>
+                <a:r>
+                  <a:rPr lang="en-US" baseline="-25000" dirty="0"/>
+                  <a:t>4 </a:t>
+                </a:r>
+                <a:r>
+                  <a:rPr lang="en-US" dirty="0"/>
+                  <a:t>highly prioritizes words that reduce the remaining paths needed to be calculated over words with less weight.</a:t>
+                </a:r>
+              </a:p>
+            </p:txBody>
+          </p:sp>
+        </mc:Choice>
+        <mc:Fallback>
+          <p:sp>
+            <p:nvSpPr>
+              <p:cNvPr id="3" name="Content Placeholder 2">
+                <a:extLst>
+                  <a:ext uri="{FF2B5EF4-FFF2-40B4-BE49-F238E27FC236}">
+                    <a16:creationId xmlns:a16="http://schemas.microsoft.com/office/drawing/2014/main" id="{E19A1DEC-FFD9-4D7F-B477-11F57C94BACD}"/>
+                  </a:ext>
+                </a:extLst>
+              </p:cNvPr>
+              <p:cNvSpPr>
+                <a:spLocks noGrp="1" noRot="1" noChangeAspect="1" noMove="1" noResize="1" noEditPoints="1" noAdjustHandles="1" noChangeArrowheads="1" noChangeShapeType="1" noTextEdit="1"/>
+              </p:cNvSpPr>
+              <p:nvPr>
+                <p:ph idx="1"/>
+              </p:nvPr>
+            </p:nvSpPr>
+            <p:spPr>
+              <a:blipFill>
+                <a:blip r:embed="rId2"/>
+                <a:stretch>
+                  <a:fillRect l="-810" t="-1884" r="-374"/>
+                </a:stretch>
+              </a:blipFill>
+            </p:spPr>
+            <p:txBody>
+              <a:bodyPr/>
+              <a:lstStyle/>
+              <a:p>
+                <a:r>
+                  <a:rPr lang="en-US">
+                    <a:noFill/>
+                  </a:rPr>
+                  <a:t> </a:t>
+                </a:r>
+              </a:p>
+            </p:txBody>
+          </p:sp>
+        </mc:Fallback>
+      </mc:AlternateContent>
+    </p:spTree>
+    <p:extLst>
+      <p:ext uri="{BB962C8B-B14F-4D97-AF65-F5344CB8AC3E}">
+        <p14:creationId xmlns:p14="http://schemas.microsoft.com/office/powerpoint/2010/main" val="2875268701"/>
+      </p:ext>
+    </p:extLst>
+  </p:cSld>
+  <p:clrMapOvr>
+    <a:masterClrMapping/>
+  </p:clrMapOvr>
+</p:sld>
+</file>
+
+<file path=ppt/slides/slide19.xml><?xml version="1.0" encoding="utf-8"?>
+<p:sld xmlns:a="http://schemas.openxmlformats.org/drawingml/2006/main" xmlns:r="http://schemas.openxmlformats.org/officeDocument/2006/relationships" xmlns:p="http://schemas.openxmlformats.org/presentationml/2006/main">
+  <p:cSld>
+    <p:spTree>
+      <p:nvGrpSpPr>
+        <p:cNvPr id="1" name=""/>
+        <p:cNvGrpSpPr/>
+        <p:nvPr/>
+      </p:nvGrpSpPr>
+      <p:grpSpPr>
+        <a:xfrm>
+          <a:off x="0" y="0"/>
+          <a:ext cx="0" cy="0"/>
+          <a:chOff x="0" y="0"/>
+          <a:chExt cx="0" cy="0"/>
+        </a:xfrm>
+      </p:grpSpPr>
+      <p:sp>
+        <p:nvSpPr>
+          <p:cNvPr id="2" name="Title 1">
+            <a:extLst>
+              <a:ext uri="{FF2B5EF4-FFF2-40B4-BE49-F238E27FC236}">
+                <a16:creationId xmlns:a16="http://schemas.microsoft.com/office/drawing/2014/main" id="{E22C5187-99F7-4FBA-8A1D-EB8E52077EED}"/>
+              </a:ext>
+            </a:extLst>
+          </p:cNvPr>
+          <p:cNvSpPr>
+            <a:spLocks noGrp="1"/>
+          </p:cNvSpPr>
+          <p:nvPr>
+            <p:ph type="title"/>
+          </p:nvPr>
+        </p:nvSpPr>
+        <p:spPr/>
+        <p:txBody>
+          <a:bodyPr/>
+          <a:lstStyle/>
+          <a:p>
+            <a:r>
+              <a:rPr lang="en-US" dirty="0"/>
+              <a:t>My additions</a:t>
+            </a:r>
+          </a:p>
+        </p:txBody>
+      </p:sp>
+      <p:sp>
+        <p:nvSpPr>
+          <p:cNvPr id="3" name="Text Placeholder 2">
+            <a:extLst>
+              <a:ext uri="{FF2B5EF4-FFF2-40B4-BE49-F238E27FC236}">
+                <a16:creationId xmlns:a16="http://schemas.microsoft.com/office/drawing/2014/main" id="{2501AE1D-96D5-47B9-B279-DE9643C0BF0B}"/>
+              </a:ext>
+            </a:extLst>
+          </p:cNvPr>
+          <p:cNvSpPr>
+            <a:spLocks noGrp="1"/>
+          </p:cNvSpPr>
+          <p:nvPr>
+            <p:ph type="body" idx="1"/>
+          </p:nvPr>
+        </p:nvSpPr>
+        <p:spPr/>
+        <p:txBody>
+          <a:bodyPr/>
+          <a:lstStyle/>
+          <a:p>
+            <a:endParaRPr lang="en-US"/>
+          </a:p>
+        </p:txBody>
+      </p:sp>
+    </p:spTree>
+    <p:extLst>
+      <p:ext uri="{BB962C8B-B14F-4D97-AF65-F5344CB8AC3E}">
+        <p14:creationId xmlns:p14="http://schemas.microsoft.com/office/powerpoint/2010/main" val="188527863"/>
       </p:ext>
     </p:extLst>
   </p:cSld>
@@ -4999,6 +6904,150 @@
     <p:extLst>
       <p:ext uri="{BB962C8B-B14F-4D97-AF65-F5344CB8AC3E}">
         <p14:creationId xmlns:p14="http://schemas.microsoft.com/office/powerpoint/2010/main" val="1635053864"/>
+      </p:ext>
+    </p:extLst>
+  </p:cSld>
+  <p:clrMapOvr>
+    <a:masterClrMapping/>
+  </p:clrMapOvr>
+</p:sld>
+</file>
+
+<file path=ppt/slides/slide20.xml><?xml version="1.0" encoding="utf-8"?>
+<p:sld xmlns:a="http://schemas.openxmlformats.org/drawingml/2006/main" xmlns:r="http://schemas.openxmlformats.org/officeDocument/2006/relationships" xmlns:p="http://schemas.openxmlformats.org/presentationml/2006/main">
+  <p:cSld>
+    <p:spTree>
+      <p:nvGrpSpPr>
+        <p:cNvPr id="1" name=""/>
+        <p:cNvGrpSpPr/>
+        <p:nvPr/>
+      </p:nvGrpSpPr>
+      <p:grpSpPr>
+        <a:xfrm>
+          <a:off x="0" y="0"/>
+          <a:ext cx="0" cy="0"/>
+          <a:chOff x="0" y="0"/>
+          <a:chExt cx="0" cy="0"/>
+        </a:xfrm>
+      </p:grpSpPr>
+      <p:sp>
+        <p:nvSpPr>
+          <p:cNvPr id="2" name="Title 1">
+            <a:extLst>
+              <a:ext uri="{FF2B5EF4-FFF2-40B4-BE49-F238E27FC236}">
+                <a16:creationId xmlns:a16="http://schemas.microsoft.com/office/drawing/2014/main" id="{D75ABDFB-764F-4D7C-9706-5F49AAFA9216}"/>
+              </a:ext>
+            </a:extLst>
+          </p:cNvPr>
+          <p:cNvSpPr>
+            <a:spLocks noGrp="1"/>
+          </p:cNvSpPr>
+          <p:nvPr>
+            <p:ph type="title"/>
+          </p:nvPr>
+        </p:nvSpPr>
+        <p:spPr/>
+        <p:txBody>
+          <a:bodyPr/>
+          <a:lstStyle/>
+          <a:p>
+            <a:r>
+              <a:rPr lang="en-US" dirty="0"/>
+              <a:t>New Additions</a:t>
+            </a:r>
+          </a:p>
+        </p:txBody>
+      </p:sp>
+      <p:sp>
+        <p:nvSpPr>
+          <p:cNvPr id="3" name="Content Placeholder 2">
+            <a:extLst>
+              <a:ext uri="{FF2B5EF4-FFF2-40B4-BE49-F238E27FC236}">
+                <a16:creationId xmlns:a16="http://schemas.microsoft.com/office/drawing/2014/main" id="{55A83D2C-83ED-4C9B-8651-3E3DE6997E18}"/>
+              </a:ext>
+            </a:extLst>
+          </p:cNvPr>
+          <p:cNvSpPr>
+            <a:spLocks noGrp="1"/>
+          </p:cNvSpPr>
+          <p:nvPr>
+            <p:ph idx="1"/>
+          </p:nvPr>
+        </p:nvSpPr>
+        <p:spPr/>
+        <p:txBody>
+          <a:bodyPr/>
+          <a:lstStyle/>
+          <a:p>
+            <a:r>
+              <a:rPr lang="en-US" dirty="0"/>
+              <a:t>Heuristics</a:t>
+            </a:r>
+          </a:p>
+          <a:p>
+            <a:pPr lvl="1"/>
+            <a:r>
+              <a:rPr lang="en-US" dirty="0"/>
+              <a:t>Implementing new heuristics to possibly find better synchronizing words.</a:t>
+            </a:r>
+          </a:p>
+          <a:p>
+            <a:pPr lvl="1"/>
+            <a:r>
+              <a:rPr lang="en-US" dirty="0"/>
+              <a:t>Modifying current heuristics to possibly improve their results</a:t>
+            </a:r>
+          </a:p>
+          <a:p>
+            <a:r>
+              <a:rPr lang="en-US" dirty="0"/>
+              <a:t>Automata</a:t>
+            </a:r>
+          </a:p>
+          <a:p>
+            <a:pPr lvl="1"/>
+            <a:r>
+              <a:rPr lang="en-US" dirty="0"/>
+              <a:t>Testing the algorithm on more automata</a:t>
+            </a:r>
+          </a:p>
+          <a:p>
+            <a:pPr lvl="1"/>
+            <a:r>
+              <a:rPr lang="en-US" dirty="0"/>
+              <a:t>Comparing results from each automata</a:t>
+            </a:r>
+          </a:p>
+          <a:p>
+            <a:r>
+              <a:rPr lang="en-US" dirty="0"/>
+              <a:t>Timing</a:t>
+            </a:r>
+          </a:p>
+          <a:p>
+            <a:pPr lvl="1"/>
+            <a:r>
+              <a:rPr lang="en-US" dirty="0"/>
+              <a:t>Timing the computation time for each heuristic</a:t>
+            </a:r>
+          </a:p>
+          <a:p>
+            <a:pPr lvl="1"/>
+            <a:r>
+              <a:rPr lang="en-US" dirty="0"/>
+              <a:t>Comparing heuristic timing </a:t>
+            </a:r>
+          </a:p>
+          <a:p>
+            <a:pPr lvl="1"/>
+            <a:endParaRPr lang="en-US" dirty="0"/>
+          </a:p>
+        </p:txBody>
+      </p:sp>
+    </p:spTree>
+    <p:extLst>
+      <p:ext uri="{BB962C8B-B14F-4D97-AF65-F5344CB8AC3E}">
+        <p14:creationId xmlns:p14="http://schemas.microsoft.com/office/powerpoint/2010/main" val="2807317633"/>
       </p:ext>
     </p:extLst>
   </p:cSld>
@@ -5263,35 +7312,9 @@
             </a:r>
           </a:p>
           <a:p>
-            <a:endParaRPr lang="en-US" dirty="0"/>
-          </a:p>
-          <a:p>
             <a:pPr marL="0" indent="0">
               <a:buNone/>
             </a:pPr>
-            <a:r>
-              <a:rPr lang="en-US" dirty="0"/>
-              <a:t>If you are paying attention, you might be wondering how WFAs know the weight of each symbol.</a:t>
-            </a:r>
-          </a:p>
-          <a:p>
-            <a:pPr marL="0" indent="0">
-              <a:buNone/>
-            </a:pPr>
-            <a:r>
-              <a:rPr lang="en-US" dirty="0"/>
-              <a:t>There are other ways to inform WFAs of symbol weight, </a:t>
-            </a:r>
-            <a:r>
-              <a:rPr lang="en-US" dirty="0" err="1"/>
-              <a:t>i.e</a:t>
-            </a:r>
-            <a:r>
-              <a:rPr lang="en-US" dirty="0"/>
-              <a:t> Dictionaries, but for this algorithm we are simply giving the WFA a weight function. </a:t>
-            </a:r>
-          </a:p>
-          <a:p>
             <a:endParaRPr lang="en-US" dirty="0"/>
           </a:p>
         </p:txBody>
@@ -5393,2161 +7416,6 @@
 </file>
 
 <file path=ppt/slides/slide6.xml><?xml version="1.0" encoding="utf-8"?>
-<p:sld xmlns:a="http://schemas.openxmlformats.org/drawingml/2006/main" xmlns:r="http://schemas.openxmlformats.org/officeDocument/2006/relationships" xmlns:p="http://schemas.openxmlformats.org/presentationml/2006/main">
-  <p:cSld>
-    <p:spTree>
-      <p:nvGrpSpPr>
-        <p:cNvPr id="1" name=""/>
-        <p:cNvGrpSpPr/>
-        <p:nvPr/>
-      </p:nvGrpSpPr>
-      <p:grpSpPr>
-        <a:xfrm>
-          <a:off x="0" y="0"/>
-          <a:ext cx="0" cy="0"/>
-          <a:chOff x="0" y="0"/>
-          <a:chExt cx="0" cy="0"/>
-        </a:xfrm>
-      </p:grpSpPr>
-      <p:sp>
-        <p:nvSpPr>
-          <p:cNvPr id="2" name="Rectangle 1">
-            <a:extLst>
-              <a:ext uri="{FF2B5EF4-FFF2-40B4-BE49-F238E27FC236}">
-                <a16:creationId xmlns:a16="http://schemas.microsoft.com/office/drawing/2014/main" id="{51278FB1-3F45-4F6C-92E4-D944FFA88E81}"/>
-              </a:ext>
-            </a:extLst>
-          </p:cNvPr>
-          <p:cNvSpPr/>
-          <p:nvPr/>
-        </p:nvSpPr>
-        <p:spPr>
-          <a:xfrm>
-            <a:off x="-115077" y="297025"/>
-            <a:ext cx="12422154" cy="6263951"/>
-          </a:xfrm>
-          <a:prstGeom prst="rect">
-            <a:avLst/>
-          </a:prstGeom>
-          <a:solidFill>
-            <a:schemeClr val="tx1"/>
-          </a:solidFill>
-          <a:ln>
-            <a:solidFill>
-              <a:schemeClr val="tx1"/>
-            </a:solidFill>
-          </a:ln>
-        </p:spPr>
-        <p:style>
-          <a:lnRef idx="2">
-            <a:schemeClr val="accent1">
-              <a:shade val="50000"/>
-            </a:schemeClr>
-          </a:lnRef>
-          <a:fillRef idx="1">
-            <a:schemeClr val="accent1"/>
-          </a:fillRef>
-          <a:effectRef idx="0">
-            <a:schemeClr val="accent1"/>
-          </a:effectRef>
-          <a:fontRef idx="minor">
-            <a:schemeClr val="lt1"/>
-          </a:fontRef>
-        </p:style>
-        <p:txBody>
-          <a:bodyPr rtlCol="0" anchor="ctr"/>
-          <a:lstStyle/>
-          <a:p>
-            <a:pPr algn="ctr"/>
-            <a:endParaRPr lang="en-US" dirty="0"/>
-          </a:p>
-        </p:txBody>
-      </p:sp>
-      <p:grpSp>
-        <p:nvGrpSpPr>
-          <p:cNvPr id="31" name="Group 30">
-            <a:extLst>
-              <a:ext uri="{FF2B5EF4-FFF2-40B4-BE49-F238E27FC236}">
-                <a16:creationId xmlns:a16="http://schemas.microsoft.com/office/drawing/2014/main" id="{C7AB50E5-6A2C-4E51-9029-FA8D94D4D136}"/>
-              </a:ext>
-            </a:extLst>
-          </p:cNvPr>
-          <p:cNvGrpSpPr/>
-          <p:nvPr/>
-        </p:nvGrpSpPr>
-        <p:grpSpPr>
-          <a:xfrm>
-            <a:off x="2864285" y="3429000"/>
-            <a:ext cx="6463429" cy="2393414"/>
-            <a:chOff x="2509890" y="3000183"/>
-            <a:chExt cx="6463429" cy="2393414"/>
-          </a:xfrm>
-        </p:grpSpPr>
-        <p:grpSp>
-          <p:nvGrpSpPr>
-            <p:cNvPr id="6" name="Group 5">
-              <a:extLst>
-                <a:ext uri="{FF2B5EF4-FFF2-40B4-BE49-F238E27FC236}">
-                  <a16:creationId xmlns:a16="http://schemas.microsoft.com/office/drawing/2014/main" id="{60F4C95D-3F4E-4CEF-BF78-3FAA7F437BCF}"/>
-                </a:ext>
-              </a:extLst>
-            </p:cNvPr>
-            <p:cNvGrpSpPr/>
-            <p:nvPr/>
-          </p:nvGrpSpPr>
-          <p:grpSpPr>
-            <a:xfrm>
-              <a:off x="2954694" y="3819331"/>
-              <a:ext cx="5536163" cy="901959"/>
-              <a:chOff x="1026367" y="2768082"/>
-              <a:chExt cx="5536163" cy="901959"/>
-            </a:xfrm>
-          </p:grpSpPr>
-          <p:sp>
-            <p:nvSpPr>
-              <p:cNvPr id="3" name="Oval 2">
-                <a:extLst>
-                  <a:ext uri="{FF2B5EF4-FFF2-40B4-BE49-F238E27FC236}">
-                    <a16:creationId xmlns:a16="http://schemas.microsoft.com/office/drawing/2014/main" id="{CF11FAAC-ADDB-4716-B616-131B6B75E045}"/>
-                  </a:ext>
-                </a:extLst>
-              </p:cNvPr>
-              <p:cNvSpPr/>
-              <p:nvPr/>
-            </p:nvSpPr>
-            <p:spPr>
-              <a:xfrm>
-                <a:off x="1026367" y="2768082"/>
-                <a:ext cx="933061" cy="901959"/>
-              </a:xfrm>
-              <a:prstGeom prst="ellipse">
-                <a:avLst/>
-              </a:prstGeom>
-              <a:solidFill>
-                <a:schemeClr val="tx1">
-                  <a:lumMod val="85000"/>
-                </a:schemeClr>
-              </a:solidFill>
-              <a:ln>
-                <a:solidFill>
-                  <a:schemeClr val="bg2">
-                    <a:lumMod val="50000"/>
-                  </a:schemeClr>
-                </a:solidFill>
-              </a:ln>
-            </p:spPr>
-            <p:style>
-              <a:lnRef idx="2">
-                <a:schemeClr val="accent1">
-                  <a:shade val="50000"/>
-                </a:schemeClr>
-              </a:lnRef>
-              <a:fillRef idx="1">
-                <a:schemeClr val="accent1"/>
-              </a:fillRef>
-              <a:effectRef idx="0">
-                <a:schemeClr val="accent1"/>
-              </a:effectRef>
-              <a:fontRef idx="minor">
-                <a:schemeClr val="lt1"/>
-              </a:fontRef>
-            </p:style>
-            <p:txBody>
-              <a:bodyPr rtlCol="0" anchor="ctr"/>
-              <a:lstStyle/>
-              <a:p>
-                <a:pPr algn="ctr"/>
-                <a:r>
-                  <a:rPr lang="en-US" dirty="0"/>
-                  <a:t>S</a:t>
-                </a:r>
-                <a:r>
-                  <a:rPr lang="en-US" baseline="-25000" dirty="0"/>
-                  <a:t>0</a:t>
-                </a:r>
-              </a:p>
-            </p:txBody>
-          </p:sp>
-          <p:sp>
-            <p:nvSpPr>
-              <p:cNvPr id="4" name="Oval 3">
-                <a:extLst>
-                  <a:ext uri="{FF2B5EF4-FFF2-40B4-BE49-F238E27FC236}">
-                    <a16:creationId xmlns:a16="http://schemas.microsoft.com/office/drawing/2014/main" id="{093F3303-18E5-4DB5-9349-E32106A7D240}"/>
-                  </a:ext>
-                </a:extLst>
-              </p:cNvPr>
-              <p:cNvSpPr/>
-              <p:nvPr/>
-            </p:nvSpPr>
-            <p:spPr>
-              <a:xfrm>
-                <a:off x="3327918" y="2768082"/>
-                <a:ext cx="933061" cy="901959"/>
-              </a:xfrm>
-              <a:prstGeom prst="ellipse">
-                <a:avLst/>
-              </a:prstGeom>
-              <a:solidFill>
-                <a:schemeClr val="tx1">
-                  <a:lumMod val="85000"/>
-                </a:schemeClr>
-              </a:solidFill>
-              <a:ln>
-                <a:solidFill>
-                  <a:schemeClr val="bg2">
-                    <a:lumMod val="50000"/>
-                  </a:schemeClr>
-                </a:solidFill>
-              </a:ln>
-            </p:spPr>
-            <p:style>
-              <a:lnRef idx="2">
-                <a:schemeClr val="accent1">
-                  <a:shade val="50000"/>
-                </a:schemeClr>
-              </a:lnRef>
-              <a:fillRef idx="1">
-                <a:schemeClr val="accent1"/>
-              </a:fillRef>
-              <a:effectRef idx="0">
-                <a:schemeClr val="accent1"/>
-              </a:effectRef>
-              <a:fontRef idx="minor">
-                <a:schemeClr val="lt1"/>
-              </a:fontRef>
-            </p:style>
-            <p:txBody>
-              <a:bodyPr rtlCol="0" anchor="ctr"/>
-              <a:lstStyle/>
-              <a:p>
-                <a:pPr algn="ctr"/>
-                <a:r>
-                  <a:rPr lang="en-US" dirty="0"/>
-                  <a:t>S</a:t>
-                </a:r>
-                <a:r>
-                  <a:rPr lang="en-US" baseline="-25000" dirty="0"/>
-                  <a:t>1</a:t>
-                </a:r>
-              </a:p>
-            </p:txBody>
-          </p:sp>
-          <p:sp>
-            <p:nvSpPr>
-              <p:cNvPr id="5" name="Oval 4">
-                <a:extLst>
-                  <a:ext uri="{FF2B5EF4-FFF2-40B4-BE49-F238E27FC236}">
-                    <a16:creationId xmlns:a16="http://schemas.microsoft.com/office/drawing/2014/main" id="{7EB040DD-6BE9-428C-9665-D2EDB6FD13C0}"/>
-                  </a:ext>
-                </a:extLst>
-              </p:cNvPr>
-              <p:cNvSpPr/>
-              <p:nvPr/>
-            </p:nvSpPr>
-            <p:spPr>
-              <a:xfrm>
-                <a:off x="5629469" y="2768082"/>
-                <a:ext cx="933061" cy="901959"/>
-              </a:xfrm>
-              <a:prstGeom prst="ellipse">
-                <a:avLst/>
-              </a:prstGeom>
-              <a:solidFill>
-                <a:schemeClr val="tx1">
-                  <a:lumMod val="85000"/>
-                </a:schemeClr>
-              </a:solidFill>
-              <a:ln>
-                <a:solidFill>
-                  <a:schemeClr val="bg2">
-                    <a:lumMod val="50000"/>
-                  </a:schemeClr>
-                </a:solidFill>
-              </a:ln>
-            </p:spPr>
-            <p:style>
-              <a:lnRef idx="2">
-                <a:schemeClr val="accent1">
-                  <a:shade val="50000"/>
-                </a:schemeClr>
-              </a:lnRef>
-              <a:fillRef idx="1">
-                <a:schemeClr val="accent1"/>
-              </a:fillRef>
-              <a:effectRef idx="0">
-                <a:schemeClr val="accent1"/>
-              </a:effectRef>
-              <a:fontRef idx="minor">
-                <a:schemeClr val="lt1"/>
-              </a:fontRef>
-            </p:style>
-            <p:txBody>
-              <a:bodyPr rtlCol="0" anchor="ctr"/>
-              <a:lstStyle/>
-              <a:p>
-                <a:pPr algn="ctr"/>
-                <a:r>
-                  <a:rPr lang="en-US" dirty="0"/>
-                  <a:t>S</a:t>
-                </a:r>
-                <a:r>
-                  <a:rPr lang="en-US" baseline="-25000" dirty="0"/>
-                  <a:t>2</a:t>
-                </a:r>
-              </a:p>
-            </p:txBody>
-          </p:sp>
-        </p:grpSp>
-        <p:cxnSp>
-          <p:nvCxnSpPr>
-            <p:cNvPr id="8" name="Connector: Curved 7">
-              <a:extLst>
-                <a:ext uri="{FF2B5EF4-FFF2-40B4-BE49-F238E27FC236}">
-                  <a16:creationId xmlns:a16="http://schemas.microsoft.com/office/drawing/2014/main" id="{ABCD9547-2B86-40A2-8FEA-8A4765ED754A}"/>
-                </a:ext>
-              </a:extLst>
-            </p:cNvPr>
-            <p:cNvCxnSpPr>
-              <a:stCxn id="3" idx="7"/>
-              <a:endCxn id="4" idx="1"/>
-            </p:cNvCxnSpPr>
-            <p:nvPr/>
-          </p:nvCxnSpPr>
-          <p:spPr>
-            <a:xfrm rot="5400000" flipH="1" flipV="1">
-              <a:off x="4572000" y="3130531"/>
-              <a:ext cx="12700" cy="1641778"/>
-            </a:xfrm>
-            <a:prstGeom prst="curvedConnector3">
-              <a:avLst>
-                <a:gd name="adj1" fmla="val 2840071"/>
-              </a:avLst>
-            </a:prstGeom>
-            <a:ln w="19050">
-              <a:solidFill>
-                <a:schemeClr val="bg2">
-                  <a:lumMod val="60000"/>
-                  <a:lumOff val="40000"/>
-                </a:schemeClr>
-              </a:solidFill>
-              <a:tailEnd type="triangle"/>
-            </a:ln>
-          </p:spPr>
-          <p:style>
-            <a:lnRef idx="1">
-              <a:schemeClr val="accent1"/>
-            </a:lnRef>
-            <a:fillRef idx="0">
-              <a:schemeClr val="accent1"/>
-            </a:fillRef>
-            <a:effectRef idx="0">
-              <a:schemeClr val="accent1"/>
-            </a:effectRef>
-            <a:fontRef idx="minor">
-              <a:schemeClr val="tx1"/>
-            </a:fontRef>
-          </p:style>
-        </p:cxnSp>
-        <p:cxnSp>
-          <p:nvCxnSpPr>
-            <p:cNvPr id="12" name="Connector: Curved 11">
-              <a:extLst>
-                <a:ext uri="{FF2B5EF4-FFF2-40B4-BE49-F238E27FC236}">
-                  <a16:creationId xmlns:a16="http://schemas.microsoft.com/office/drawing/2014/main" id="{112C7B29-CB09-439E-8881-57D9D8E72C32}"/>
-                </a:ext>
-              </a:extLst>
-            </p:cNvPr>
-            <p:cNvCxnSpPr>
-              <a:stCxn id="4" idx="7"/>
-              <a:endCxn id="5" idx="1"/>
-            </p:cNvCxnSpPr>
-            <p:nvPr/>
-          </p:nvCxnSpPr>
-          <p:spPr>
-            <a:xfrm rot="5400000" flipH="1" flipV="1">
-              <a:off x="6873551" y="3130531"/>
-              <a:ext cx="12700" cy="1641778"/>
-            </a:xfrm>
-            <a:prstGeom prst="curvedConnector3">
-              <a:avLst>
-                <a:gd name="adj1" fmla="val 2840071"/>
-              </a:avLst>
-            </a:prstGeom>
-            <a:ln w="19050">
-              <a:solidFill>
-                <a:schemeClr val="bg2">
-                  <a:lumMod val="60000"/>
-                  <a:lumOff val="40000"/>
-                </a:schemeClr>
-              </a:solidFill>
-              <a:tailEnd type="triangle"/>
-            </a:ln>
-          </p:spPr>
-          <p:style>
-            <a:lnRef idx="1">
-              <a:schemeClr val="accent1"/>
-            </a:lnRef>
-            <a:fillRef idx="0">
-              <a:schemeClr val="accent1"/>
-            </a:fillRef>
-            <a:effectRef idx="0">
-              <a:schemeClr val="accent1"/>
-            </a:effectRef>
-            <a:fontRef idx="minor">
-              <a:schemeClr val="tx1"/>
-            </a:fontRef>
-          </p:style>
-        </p:cxnSp>
-        <p:cxnSp>
-          <p:nvCxnSpPr>
-            <p:cNvPr id="14" name="Connector: Curved 13">
-              <a:extLst>
-                <a:ext uri="{FF2B5EF4-FFF2-40B4-BE49-F238E27FC236}">
-                  <a16:creationId xmlns:a16="http://schemas.microsoft.com/office/drawing/2014/main" id="{C3AF8516-FBC7-43F7-B639-62F326A59907}"/>
-                </a:ext>
-              </a:extLst>
-            </p:cNvPr>
-            <p:cNvCxnSpPr>
-              <a:stCxn id="5" idx="3"/>
-              <a:endCxn id="4" idx="5"/>
-            </p:cNvCxnSpPr>
-            <p:nvPr/>
-          </p:nvCxnSpPr>
-          <p:spPr>
-            <a:xfrm rot="5400000">
-              <a:off x="6873551" y="3768312"/>
-              <a:ext cx="12700" cy="1641778"/>
-            </a:xfrm>
-            <a:prstGeom prst="curvedConnector3">
-              <a:avLst>
-                <a:gd name="adj1" fmla="val 2840071"/>
-              </a:avLst>
-            </a:prstGeom>
-            <a:ln w="19050">
-              <a:solidFill>
-                <a:schemeClr val="bg2">
-                  <a:lumMod val="60000"/>
-                  <a:lumOff val="40000"/>
-                </a:schemeClr>
-              </a:solidFill>
-              <a:tailEnd type="triangle"/>
-            </a:ln>
-          </p:spPr>
-          <p:style>
-            <a:lnRef idx="1">
-              <a:schemeClr val="accent1"/>
-            </a:lnRef>
-            <a:fillRef idx="0">
-              <a:schemeClr val="accent1"/>
-            </a:fillRef>
-            <a:effectRef idx="0">
-              <a:schemeClr val="accent1"/>
-            </a:effectRef>
-            <a:fontRef idx="minor">
-              <a:schemeClr val="tx1"/>
-            </a:fontRef>
-          </p:style>
-        </p:cxnSp>
-        <p:cxnSp>
-          <p:nvCxnSpPr>
-            <p:cNvPr id="16" name="Connector: Curved 15">
-              <a:extLst>
-                <a:ext uri="{FF2B5EF4-FFF2-40B4-BE49-F238E27FC236}">
-                  <a16:creationId xmlns:a16="http://schemas.microsoft.com/office/drawing/2014/main" id="{B5347DFB-6435-4B6D-948C-9A96D3C10021}"/>
-                </a:ext>
-              </a:extLst>
-            </p:cNvPr>
-            <p:cNvCxnSpPr>
-              <a:stCxn id="4" idx="3"/>
-              <a:endCxn id="3" idx="5"/>
-            </p:cNvCxnSpPr>
-            <p:nvPr/>
-          </p:nvCxnSpPr>
-          <p:spPr>
-            <a:xfrm rot="5400000">
-              <a:off x="4572000" y="3768312"/>
-              <a:ext cx="12700" cy="1641778"/>
-            </a:xfrm>
-            <a:prstGeom prst="curvedConnector3">
-              <a:avLst>
-                <a:gd name="adj1" fmla="val 2840071"/>
-              </a:avLst>
-            </a:prstGeom>
-            <a:ln w="19050">
-              <a:solidFill>
-                <a:schemeClr val="bg2">
-                  <a:lumMod val="60000"/>
-                  <a:lumOff val="40000"/>
-                </a:schemeClr>
-              </a:solidFill>
-              <a:tailEnd type="triangle"/>
-            </a:ln>
-          </p:spPr>
-          <p:style>
-            <a:lnRef idx="1">
-              <a:schemeClr val="accent1"/>
-            </a:lnRef>
-            <a:fillRef idx="0">
-              <a:schemeClr val="accent1"/>
-            </a:fillRef>
-            <a:effectRef idx="0">
-              <a:schemeClr val="accent1"/>
-            </a:effectRef>
-            <a:fontRef idx="minor">
-              <a:schemeClr val="tx1"/>
-            </a:fontRef>
-          </p:style>
-        </p:cxnSp>
-        <p:cxnSp>
-          <p:nvCxnSpPr>
-            <p:cNvPr id="18" name="Connector: Curved 17">
-              <a:extLst>
-                <a:ext uri="{FF2B5EF4-FFF2-40B4-BE49-F238E27FC236}">
-                  <a16:creationId xmlns:a16="http://schemas.microsoft.com/office/drawing/2014/main" id="{21BE83A7-C458-4D54-BA6F-47A707C34A73}"/>
-                </a:ext>
-              </a:extLst>
-            </p:cNvPr>
-            <p:cNvCxnSpPr>
-              <a:stCxn id="3" idx="1"/>
-              <a:endCxn id="3" idx="0"/>
-            </p:cNvCxnSpPr>
-            <p:nvPr/>
-          </p:nvCxnSpPr>
-          <p:spPr>
-            <a:xfrm rot="5400000" flipH="1" flipV="1">
-              <a:off x="3190237" y="3720433"/>
-              <a:ext cx="132089" cy="329887"/>
-            </a:xfrm>
-            <a:prstGeom prst="curvedConnector3">
-              <a:avLst>
-                <a:gd name="adj1" fmla="val 376669"/>
-              </a:avLst>
-            </a:prstGeom>
-            <a:ln w="19050">
-              <a:solidFill>
-                <a:schemeClr val="bg2">
-                  <a:lumMod val="60000"/>
-                  <a:lumOff val="40000"/>
-                </a:schemeClr>
-              </a:solidFill>
-              <a:tailEnd type="triangle"/>
-            </a:ln>
-          </p:spPr>
-          <p:style>
-            <a:lnRef idx="1">
-              <a:schemeClr val="accent1"/>
-            </a:lnRef>
-            <a:fillRef idx="0">
-              <a:schemeClr val="accent1"/>
-            </a:fillRef>
-            <a:effectRef idx="0">
-              <a:schemeClr val="accent1"/>
-            </a:effectRef>
-            <a:fontRef idx="minor">
-              <a:schemeClr val="tx1"/>
-            </a:fontRef>
-          </p:style>
-        </p:cxnSp>
-        <p:cxnSp>
-          <p:nvCxnSpPr>
-            <p:cNvPr id="21" name="Connector: Curved 20">
-              <a:extLst>
-                <a:ext uri="{FF2B5EF4-FFF2-40B4-BE49-F238E27FC236}">
-                  <a16:creationId xmlns:a16="http://schemas.microsoft.com/office/drawing/2014/main" id="{8B5FC949-58FF-4940-A020-B9F2DBD0CB0B}"/>
-                </a:ext>
-              </a:extLst>
-            </p:cNvPr>
-            <p:cNvCxnSpPr>
-              <a:stCxn id="5" idx="7"/>
-              <a:endCxn id="5" idx="5"/>
-            </p:cNvCxnSpPr>
-            <p:nvPr/>
-          </p:nvCxnSpPr>
-          <p:spPr>
-            <a:xfrm rot="16200000" flipH="1">
-              <a:off x="8035322" y="4270310"/>
-              <a:ext cx="637781" cy="12700"/>
-            </a:xfrm>
-            <a:prstGeom prst="curvedConnector5">
-              <a:avLst>
-                <a:gd name="adj1" fmla="val -35843"/>
-                <a:gd name="adj2" fmla="val 8071000"/>
-                <a:gd name="adj3" fmla="val 135843"/>
-              </a:avLst>
-            </a:prstGeom>
-            <a:ln w="19050">
-              <a:solidFill>
-                <a:schemeClr val="bg2">
-                  <a:lumMod val="60000"/>
-                  <a:lumOff val="40000"/>
-                </a:schemeClr>
-              </a:solidFill>
-              <a:tailEnd type="triangle"/>
-            </a:ln>
-          </p:spPr>
-          <p:style>
-            <a:lnRef idx="1">
-              <a:schemeClr val="accent1"/>
-            </a:lnRef>
-            <a:fillRef idx="0">
-              <a:schemeClr val="accent1"/>
-            </a:fillRef>
-            <a:effectRef idx="0">
-              <a:schemeClr val="accent1"/>
-            </a:effectRef>
-            <a:fontRef idx="minor">
-              <a:schemeClr val="tx1"/>
-            </a:fontRef>
-          </p:style>
-        </p:cxnSp>
-        <p:sp>
-          <p:nvSpPr>
-            <p:cNvPr id="22" name="TextBox 21">
-              <a:extLst>
-                <a:ext uri="{FF2B5EF4-FFF2-40B4-BE49-F238E27FC236}">
-                  <a16:creationId xmlns:a16="http://schemas.microsoft.com/office/drawing/2014/main" id="{289E0AC4-4F48-49B7-BD31-8A60100FD78E}"/>
-                </a:ext>
-              </a:extLst>
-            </p:cNvPr>
-            <p:cNvSpPr txBox="1"/>
-            <p:nvPr/>
-          </p:nvSpPr>
-          <p:spPr>
-            <a:xfrm>
-              <a:off x="4421095" y="3184849"/>
-              <a:ext cx="314510" cy="369332"/>
-            </a:xfrm>
-            <a:prstGeom prst="rect">
-              <a:avLst/>
-            </a:prstGeom>
-            <a:noFill/>
-          </p:spPr>
-          <p:txBody>
-            <a:bodyPr wrap="none" rtlCol="0">
-              <a:spAutoFit/>
-            </a:bodyPr>
-            <a:lstStyle/>
-            <a:p>
-              <a:r>
-                <a:rPr lang="el-GR" dirty="0">
-                  <a:solidFill>
-                    <a:schemeClr val="bg1">
-                      <a:lumMod val="75000"/>
-                      <a:lumOff val="25000"/>
-                    </a:schemeClr>
-                  </a:solidFill>
-                </a:rPr>
-                <a:t>α</a:t>
-              </a:r>
-              <a:endParaRPr lang="en-US" dirty="0">
-                <a:solidFill>
-                  <a:schemeClr val="bg1">
-                    <a:lumMod val="75000"/>
-                    <a:lumOff val="25000"/>
-                  </a:schemeClr>
-                </a:solidFill>
-              </a:endParaRPr>
-            </a:p>
-          </p:txBody>
-        </p:sp>
-        <p:sp>
-          <p:nvSpPr>
-            <p:cNvPr id="23" name="TextBox 22">
-              <a:extLst>
-                <a:ext uri="{FF2B5EF4-FFF2-40B4-BE49-F238E27FC236}">
-                  <a16:creationId xmlns:a16="http://schemas.microsoft.com/office/drawing/2014/main" id="{EEFDD2D8-C1AE-491E-8781-FD909CC60DBB}"/>
-                </a:ext>
-              </a:extLst>
-            </p:cNvPr>
-            <p:cNvSpPr txBox="1"/>
-            <p:nvPr/>
-          </p:nvSpPr>
-          <p:spPr>
-            <a:xfrm>
-              <a:off x="4421095" y="5024265"/>
-              <a:ext cx="314510" cy="369332"/>
-            </a:xfrm>
-            <a:prstGeom prst="rect">
-              <a:avLst/>
-            </a:prstGeom>
-            <a:noFill/>
-          </p:spPr>
-          <p:txBody>
-            <a:bodyPr wrap="none" rtlCol="0">
-              <a:spAutoFit/>
-            </a:bodyPr>
-            <a:lstStyle/>
-            <a:p>
-              <a:r>
-                <a:rPr lang="el-GR" dirty="0">
-                  <a:solidFill>
-                    <a:schemeClr val="bg1">
-                      <a:lumMod val="75000"/>
-                      <a:lumOff val="25000"/>
-                    </a:schemeClr>
-                  </a:solidFill>
-                </a:rPr>
-                <a:t>α</a:t>
-              </a:r>
-              <a:endParaRPr lang="en-US" dirty="0">
-                <a:solidFill>
-                  <a:schemeClr val="bg1">
-                    <a:lumMod val="75000"/>
-                    <a:lumOff val="25000"/>
-                  </a:schemeClr>
-                </a:solidFill>
-              </a:endParaRPr>
-            </a:p>
-          </p:txBody>
-        </p:sp>
-        <p:sp>
-          <p:nvSpPr>
-            <p:cNvPr id="24" name="TextBox 23">
-              <a:extLst>
-                <a:ext uri="{FF2B5EF4-FFF2-40B4-BE49-F238E27FC236}">
-                  <a16:creationId xmlns:a16="http://schemas.microsoft.com/office/drawing/2014/main" id="{5E50B6DE-36DE-4302-9C07-1E5EB613E34D}"/>
-                </a:ext>
-              </a:extLst>
-            </p:cNvPr>
-            <p:cNvSpPr txBox="1"/>
-            <p:nvPr/>
-          </p:nvSpPr>
-          <p:spPr>
-            <a:xfrm>
-              <a:off x="8658809" y="3184849"/>
-              <a:ext cx="314510" cy="369332"/>
-            </a:xfrm>
-            <a:prstGeom prst="rect">
-              <a:avLst/>
-            </a:prstGeom>
-            <a:noFill/>
-          </p:spPr>
-          <p:txBody>
-            <a:bodyPr wrap="none" rtlCol="0">
-              <a:spAutoFit/>
-            </a:bodyPr>
-            <a:lstStyle/>
-            <a:p>
-              <a:r>
-                <a:rPr lang="el-GR" dirty="0">
-                  <a:solidFill>
-                    <a:schemeClr val="bg1">
-                      <a:lumMod val="75000"/>
-                      <a:lumOff val="25000"/>
-                    </a:schemeClr>
-                  </a:solidFill>
-                </a:rPr>
-                <a:t>α</a:t>
-              </a:r>
-              <a:endParaRPr lang="en-US" dirty="0">
-                <a:solidFill>
-                  <a:schemeClr val="bg1">
-                    <a:lumMod val="75000"/>
-                    <a:lumOff val="25000"/>
-                  </a:schemeClr>
-                </a:solidFill>
-              </a:endParaRPr>
-            </a:p>
-          </p:txBody>
-        </p:sp>
-        <p:sp>
-          <p:nvSpPr>
-            <p:cNvPr id="25" name="TextBox 24">
-              <a:extLst>
-                <a:ext uri="{FF2B5EF4-FFF2-40B4-BE49-F238E27FC236}">
-                  <a16:creationId xmlns:a16="http://schemas.microsoft.com/office/drawing/2014/main" id="{6978D842-1C2F-45C4-B8F9-38FC6594668D}"/>
-                </a:ext>
-              </a:extLst>
-            </p:cNvPr>
-            <p:cNvSpPr txBox="1"/>
-            <p:nvPr/>
-          </p:nvSpPr>
-          <p:spPr>
-            <a:xfrm>
-              <a:off x="6722646" y="3184849"/>
-              <a:ext cx="314510" cy="369332"/>
-            </a:xfrm>
-            <a:prstGeom prst="rect">
-              <a:avLst/>
-            </a:prstGeom>
-            <a:noFill/>
-          </p:spPr>
-          <p:txBody>
-            <a:bodyPr wrap="none" rtlCol="0">
-              <a:spAutoFit/>
-            </a:bodyPr>
-            <a:lstStyle/>
-            <a:p>
-              <a:r>
-                <a:rPr lang="el-GR" dirty="0">
-                  <a:solidFill>
-                    <a:schemeClr val="bg1">
-                      <a:lumMod val="75000"/>
-                      <a:lumOff val="25000"/>
-                    </a:schemeClr>
-                  </a:solidFill>
-                </a:rPr>
-                <a:t>β</a:t>
-              </a:r>
-              <a:endParaRPr lang="en-US" dirty="0">
-                <a:solidFill>
-                  <a:schemeClr val="bg1">
-                    <a:lumMod val="75000"/>
-                    <a:lumOff val="25000"/>
-                  </a:schemeClr>
-                </a:solidFill>
-              </a:endParaRPr>
-            </a:p>
-          </p:txBody>
-        </p:sp>
-        <p:sp>
-          <p:nvSpPr>
-            <p:cNvPr id="26" name="TextBox 25">
-              <a:extLst>
-                <a:ext uri="{FF2B5EF4-FFF2-40B4-BE49-F238E27FC236}">
-                  <a16:creationId xmlns:a16="http://schemas.microsoft.com/office/drawing/2014/main" id="{BB9BBC21-306E-4FC4-A6AD-6CAC7D1DD344}"/>
-                </a:ext>
-              </a:extLst>
-            </p:cNvPr>
-            <p:cNvSpPr txBox="1"/>
-            <p:nvPr/>
-          </p:nvSpPr>
-          <p:spPr>
-            <a:xfrm>
-              <a:off x="6722646" y="5024265"/>
-              <a:ext cx="314510" cy="369332"/>
-            </a:xfrm>
-            <a:prstGeom prst="rect">
-              <a:avLst/>
-            </a:prstGeom>
-            <a:noFill/>
-          </p:spPr>
-          <p:txBody>
-            <a:bodyPr wrap="none" rtlCol="0">
-              <a:spAutoFit/>
-            </a:bodyPr>
-            <a:lstStyle/>
-            <a:p>
-              <a:r>
-                <a:rPr lang="el-GR" dirty="0">
-                  <a:solidFill>
-                    <a:schemeClr val="bg1">
-                      <a:lumMod val="75000"/>
-                      <a:lumOff val="25000"/>
-                    </a:schemeClr>
-                  </a:solidFill>
-                </a:rPr>
-                <a:t>β</a:t>
-              </a:r>
-              <a:endParaRPr lang="en-US" dirty="0">
-                <a:solidFill>
-                  <a:schemeClr val="bg1">
-                    <a:lumMod val="75000"/>
-                    <a:lumOff val="25000"/>
-                  </a:schemeClr>
-                </a:solidFill>
-              </a:endParaRPr>
-            </a:p>
-          </p:txBody>
-        </p:sp>
-        <p:sp>
-          <p:nvSpPr>
-            <p:cNvPr id="27" name="TextBox 26">
-              <a:extLst>
-                <a:ext uri="{FF2B5EF4-FFF2-40B4-BE49-F238E27FC236}">
-                  <a16:creationId xmlns:a16="http://schemas.microsoft.com/office/drawing/2014/main" id="{DBB12D37-3411-4228-817B-162657AD43E0}"/>
-                </a:ext>
-              </a:extLst>
-            </p:cNvPr>
-            <p:cNvSpPr txBox="1"/>
-            <p:nvPr/>
-          </p:nvSpPr>
-          <p:spPr>
-            <a:xfrm>
-              <a:off x="3099026" y="3000183"/>
-              <a:ext cx="314510" cy="369332"/>
-            </a:xfrm>
-            <a:prstGeom prst="rect">
-              <a:avLst/>
-            </a:prstGeom>
-            <a:noFill/>
-          </p:spPr>
-          <p:txBody>
-            <a:bodyPr wrap="none" rtlCol="0">
-              <a:spAutoFit/>
-            </a:bodyPr>
-            <a:lstStyle/>
-            <a:p>
-              <a:r>
-                <a:rPr lang="el-GR" dirty="0">
-                  <a:solidFill>
-                    <a:schemeClr val="bg1">
-                      <a:lumMod val="75000"/>
-                      <a:lumOff val="25000"/>
-                    </a:schemeClr>
-                  </a:solidFill>
-                </a:rPr>
-                <a:t>β</a:t>
-              </a:r>
-              <a:endParaRPr lang="en-US" dirty="0">
-                <a:solidFill>
-                  <a:schemeClr val="bg1">
-                    <a:lumMod val="75000"/>
-                    <a:lumOff val="25000"/>
-                  </a:schemeClr>
-                </a:solidFill>
-              </a:endParaRPr>
-            </a:p>
-          </p:txBody>
-        </p:sp>
-        <p:cxnSp>
-          <p:nvCxnSpPr>
-            <p:cNvPr id="29" name="Straight Arrow Connector 28">
-              <a:extLst>
-                <a:ext uri="{FF2B5EF4-FFF2-40B4-BE49-F238E27FC236}">
-                  <a16:creationId xmlns:a16="http://schemas.microsoft.com/office/drawing/2014/main" id="{8B2F38D9-E578-4E41-8024-11E067A06E1C}"/>
-                </a:ext>
-              </a:extLst>
-            </p:cNvPr>
-            <p:cNvCxnSpPr>
-              <a:endCxn id="3" idx="2"/>
-            </p:cNvCxnSpPr>
-            <p:nvPr/>
-          </p:nvCxnSpPr>
-          <p:spPr>
-            <a:xfrm flipV="1">
-              <a:off x="2513045" y="4270311"/>
-              <a:ext cx="441649" cy="6349"/>
-            </a:xfrm>
-            <a:prstGeom prst="straightConnector1">
-              <a:avLst/>
-            </a:prstGeom>
-            <a:ln w="57150">
-              <a:solidFill>
-                <a:srgbClr val="FF0000"/>
-              </a:solidFill>
-              <a:tailEnd type="triangle"/>
-            </a:ln>
-          </p:spPr>
-          <p:style>
-            <a:lnRef idx="1">
-              <a:schemeClr val="accent1"/>
-            </a:lnRef>
-            <a:fillRef idx="0">
-              <a:schemeClr val="accent1"/>
-            </a:fillRef>
-            <a:effectRef idx="0">
-              <a:schemeClr val="accent1"/>
-            </a:effectRef>
-            <a:fontRef idx="minor">
-              <a:schemeClr val="tx1"/>
-            </a:fontRef>
-          </p:style>
-        </p:cxnSp>
-        <p:sp>
-          <p:nvSpPr>
-            <p:cNvPr id="30" name="TextBox 29">
-              <a:extLst>
-                <a:ext uri="{FF2B5EF4-FFF2-40B4-BE49-F238E27FC236}">
-                  <a16:creationId xmlns:a16="http://schemas.microsoft.com/office/drawing/2014/main" id="{C2953A10-675E-485A-8F68-2E540C6F573E}"/>
-                </a:ext>
-              </a:extLst>
-            </p:cNvPr>
-            <p:cNvSpPr txBox="1"/>
-            <p:nvPr/>
-          </p:nvSpPr>
-          <p:spPr>
-            <a:xfrm>
-              <a:off x="2509890" y="3856783"/>
-              <a:ext cx="296876" cy="369332"/>
-            </a:xfrm>
-            <a:prstGeom prst="rect">
-              <a:avLst/>
-            </a:prstGeom>
-            <a:noFill/>
-          </p:spPr>
-          <p:txBody>
-            <a:bodyPr wrap="none" rtlCol="0">
-              <a:spAutoFit/>
-            </a:bodyPr>
-            <a:lstStyle/>
-            <a:p>
-              <a:r>
-                <a:rPr lang="el-GR" dirty="0">
-                  <a:solidFill>
-                    <a:schemeClr val="bg1">
-                      <a:lumMod val="75000"/>
-                      <a:lumOff val="25000"/>
-                    </a:schemeClr>
-                  </a:solidFill>
-                </a:rPr>
-                <a:t>γ</a:t>
-              </a:r>
-              <a:endParaRPr lang="en-US" dirty="0">
-                <a:solidFill>
-                  <a:schemeClr val="bg1">
-                    <a:lumMod val="75000"/>
-                    <a:lumOff val="25000"/>
-                  </a:schemeClr>
-                </a:solidFill>
-              </a:endParaRPr>
-            </a:p>
-          </p:txBody>
-        </p:sp>
-      </p:grpSp>
-      <p:sp>
-        <p:nvSpPr>
-          <p:cNvPr id="32" name="TextBox 31">
-            <a:extLst>
-              <a:ext uri="{FF2B5EF4-FFF2-40B4-BE49-F238E27FC236}">
-                <a16:creationId xmlns:a16="http://schemas.microsoft.com/office/drawing/2014/main" id="{F85582F1-E074-43B0-86F9-6C19D4EF5DE2}"/>
-              </a:ext>
-            </a:extLst>
-          </p:cNvPr>
-          <p:cNvSpPr txBox="1"/>
-          <p:nvPr/>
-        </p:nvSpPr>
-        <p:spPr>
-          <a:xfrm>
-            <a:off x="932848" y="761739"/>
-            <a:ext cx="1008609" cy="369332"/>
-          </a:xfrm>
-          <a:prstGeom prst="rect">
-            <a:avLst/>
-          </a:prstGeom>
-          <a:noFill/>
-        </p:spPr>
-        <p:txBody>
-          <a:bodyPr wrap="none" rtlCol="0">
-            <a:spAutoFit/>
-          </a:bodyPr>
-          <a:lstStyle/>
-          <a:p>
-            <a:r>
-              <a:rPr lang="el-GR" dirty="0">
-                <a:solidFill>
-                  <a:schemeClr val="bg1">
-                    <a:lumMod val="75000"/>
-                    <a:lumOff val="25000"/>
-                  </a:schemeClr>
-                </a:solidFill>
-              </a:rPr>
-              <a:t>γ</a:t>
-            </a:r>
-            <a:r>
-              <a:rPr lang="en-US" dirty="0">
-                <a:solidFill>
-                  <a:schemeClr val="bg1">
-                    <a:lumMod val="75000"/>
-                    <a:lumOff val="25000"/>
-                  </a:schemeClr>
-                </a:solidFill>
-              </a:rPr>
-              <a:t> = Input</a:t>
-            </a:r>
-          </a:p>
-        </p:txBody>
-      </p:sp>
-      <p:sp>
-        <p:nvSpPr>
-          <p:cNvPr id="33" name="TextBox 32">
-            <a:extLst>
-              <a:ext uri="{FF2B5EF4-FFF2-40B4-BE49-F238E27FC236}">
-                <a16:creationId xmlns:a16="http://schemas.microsoft.com/office/drawing/2014/main" id="{3CA7FE67-1ED0-45E5-92D0-00E2FC17A2C7}"/>
-              </a:ext>
-            </a:extLst>
-          </p:cNvPr>
-          <p:cNvSpPr txBox="1"/>
-          <p:nvPr/>
-        </p:nvSpPr>
-        <p:spPr>
-          <a:xfrm>
-            <a:off x="932848" y="1168002"/>
-            <a:ext cx="1728358" cy="369332"/>
-          </a:xfrm>
-          <a:prstGeom prst="rect">
-            <a:avLst/>
-          </a:prstGeom>
-          <a:noFill/>
-        </p:spPr>
-        <p:txBody>
-          <a:bodyPr wrap="none" rtlCol="0">
-            <a:spAutoFit/>
-          </a:bodyPr>
-          <a:lstStyle/>
-          <a:p>
-            <a:r>
-              <a:rPr lang="en-US" dirty="0">
-                <a:solidFill>
-                  <a:schemeClr val="bg1">
-                    <a:lumMod val="75000"/>
-                    <a:lumOff val="25000"/>
-                  </a:schemeClr>
-                </a:solidFill>
-              </a:rPr>
-              <a:t>Alphabet = {</a:t>
-            </a:r>
-            <a:r>
-              <a:rPr lang="el-GR" dirty="0">
-                <a:solidFill>
-                  <a:schemeClr val="bg1">
-                    <a:lumMod val="75000"/>
-                    <a:lumOff val="25000"/>
-                  </a:schemeClr>
-                </a:solidFill>
-              </a:rPr>
-              <a:t>α</a:t>
-            </a:r>
-            <a:r>
-              <a:rPr lang="en-US" dirty="0">
-                <a:solidFill>
-                  <a:schemeClr val="bg1">
-                    <a:lumMod val="75000"/>
-                    <a:lumOff val="25000"/>
-                  </a:schemeClr>
-                </a:solidFill>
-              </a:rPr>
-              <a:t>,</a:t>
-            </a:r>
-            <a:r>
-              <a:rPr lang="el-GR" dirty="0">
-                <a:solidFill>
-                  <a:schemeClr val="bg1">
-                    <a:lumMod val="75000"/>
-                    <a:lumOff val="25000"/>
-                  </a:schemeClr>
-                </a:solidFill>
-              </a:rPr>
-              <a:t>β</a:t>
-            </a:r>
-            <a:r>
-              <a:rPr lang="en-US" dirty="0">
-                <a:solidFill>
-                  <a:schemeClr val="bg1">
-                    <a:lumMod val="75000"/>
-                    <a:lumOff val="25000"/>
-                  </a:schemeClr>
-                </a:solidFill>
-              </a:rPr>
-              <a:t>}</a:t>
-            </a:r>
-          </a:p>
-        </p:txBody>
-      </p:sp>
-      <p:sp>
-        <p:nvSpPr>
-          <p:cNvPr id="34" name="TextBox 33">
-            <a:extLst>
-              <a:ext uri="{FF2B5EF4-FFF2-40B4-BE49-F238E27FC236}">
-                <a16:creationId xmlns:a16="http://schemas.microsoft.com/office/drawing/2014/main" id="{F8C5459A-6A2F-4228-9D81-CAAC823E5F8C}"/>
-              </a:ext>
-            </a:extLst>
-          </p:cNvPr>
-          <p:cNvSpPr txBox="1"/>
-          <p:nvPr/>
-        </p:nvSpPr>
-        <p:spPr>
-          <a:xfrm>
-            <a:off x="932847" y="1537334"/>
-            <a:ext cx="1715534" cy="369332"/>
-          </a:xfrm>
-          <a:prstGeom prst="rect">
-            <a:avLst/>
-          </a:prstGeom>
-          <a:noFill/>
-        </p:spPr>
-        <p:txBody>
-          <a:bodyPr wrap="none" rtlCol="0">
-            <a:spAutoFit/>
-          </a:bodyPr>
-          <a:lstStyle/>
-          <a:p>
-            <a:r>
-              <a:rPr lang="el-GR" dirty="0">
-                <a:solidFill>
-                  <a:schemeClr val="bg1">
-                    <a:lumMod val="75000"/>
-                    <a:lumOff val="25000"/>
-                  </a:schemeClr>
-                </a:solidFill>
-              </a:rPr>
-              <a:t>γ</a:t>
-            </a:r>
-            <a:r>
-              <a:rPr lang="en-US" baseline="-25000" dirty="0">
-                <a:solidFill>
-                  <a:schemeClr val="bg1">
-                    <a:lumMod val="75000"/>
-                    <a:lumOff val="25000"/>
-                  </a:schemeClr>
-                </a:solidFill>
-              </a:rPr>
-              <a:t>0</a:t>
-            </a:r>
-            <a:r>
-              <a:rPr lang="en-US" dirty="0">
-                <a:solidFill>
-                  <a:schemeClr val="bg1">
-                    <a:lumMod val="75000"/>
-                    <a:lumOff val="25000"/>
-                  </a:schemeClr>
-                </a:solidFill>
-              </a:rPr>
-              <a:t> = “</a:t>
-            </a:r>
-            <a:r>
-              <a:rPr lang="el-GR" dirty="0">
-                <a:solidFill>
-                  <a:schemeClr val="bg1">
-                    <a:lumMod val="75000"/>
-                    <a:lumOff val="25000"/>
-                  </a:schemeClr>
-                </a:solidFill>
-              </a:rPr>
-              <a:t>αβααβαβ</a:t>
-            </a:r>
-            <a:r>
-              <a:rPr lang="en-US" dirty="0">
-                <a:solidFill>
-                  <a:schemeClr val="bg1">
-                    <a:lumMod val="75000"/>
-                    <a:lumOff val="25000"/>
-                  </a:schemeClr>
-                </a:solidFill>
-              </a:rPr>
-              <a:t>” </a:t>
-            </a:r>
-          </a:p>
-        </p:txBody>
-      </p:sp>
-      <p:sp>
-        <p:nvSpPr>
-          <p:cNvPr id="35" name="TextBox 34">
-            <a:extLst>
-              <a:ext uri="{FF2B5EF4-FFF2-40B4-BE49-F238E27FC236}">
-                <a16:creationId xmlns:a16="http://schemas.microsoft.com/office/drawing/2014/main" id="{D4A98B1E-BF2A-4767-8F18-F3D36B20E04E}"/>
-              </a:ext>
-            </a:extLst>
-          </p:cNvPr>
-          <p:cNvSpPr txBox="1"/>
-          <p:nvPr/>
-        </p:nvSpPr>
-        <p:spPr>
-          <a:xfrm>
-            <a:off x="932847" y="1906666"/>
-            <a:ext cx="1832553" cy="369332"/>
-          </a:xfrm>
-          <a:prstGeom prst="rect">
-            <a:avLst/>
-          </a:prstGeom>
-          <a:noFill/>
-        </p:spPr>
-        <p:txBody>
-          <a:bodyPr wrap="none" rtlCol="0">
-            <a:spAutoFit/>
-          </a:bodyPr>
-          <a:lstStyle/>
-          <a:p>
-            <a:r>
-              <a:rPr lang="el-GR" dirty="0">
-                <a:solidFill>
-                  <a:schemeClr val="bg1">
-                    <a:lumMod val="75000"/>
-                    <a:lumOff val="25000"/>
-                  </a:schemeClr>
-                </a:solidFill>
-              </a:rPr>
-              <a:t>γ</a:t>
-            </a:r>
-            <a:r>
-              <a:rPr lang="en-US" baseline="-25000" dirty="0">
-                <a:solidFill>
-                  <a:schemeClr val="bg1">
-                    <a:lumMod val="75000"/>
-                    <a:lumOff val="25000"/>
-                  </a:schemeClr>
-                </a:solidFill>
-              </a:rPr>
-              <a:t>1</a:t>
-            </a:r>
-            <a:r>
-              <a:rPr lang="en-US" dirty="0">
-                <a:solidFill>
-                  <a:schemeClr val="bg1">
-                    <a:lumMod val="75000"/>
-                    <a:lumOff val="25000"/>
-                  </a:schemeClr>
-                </a:solidFill>
-              </a:rPr>
-              <a:t> = “</a:t>
-            </a:r>
-            <a:r>
-              <a:rPr lang="el-GR" dirty="0">
-                <a:solidFill>
-                  <a:schemeClr val="bg1">
-                    <a:lumMod val="75000"/>
-                    <a:lumOff val="25000"/>
-                  </a:schemeClr>
-                </a:solidFill>
-              </a:rPr>
-              <a:t>βααβαββα</a:t>
-            </a:r>
-            <a:r>
-              <a:rPr lang="en-US" dirty="0">
-                <a:solidFill>
-                  <a:schemeClr val="bg1">
-                    <a:lumMod val="75000"/>
-                    <a:lumOff val="25000"/>
-                  </a:schemeClr>
-                </a:solidFill>
-              </a:rPr>
-              <a:t>” </a:t>
-            </a:r>
-          </a:p>
-        </p:txBody>
-      </p:sp>
-      <p:sp>
-        <p:nvSpPr>
-          <p:cNvPr id="55" name="TextBox 54">
-            <a:extLst>
-              <a:ext uri="{FF2B5EF4-FFF2-40B4-BE49-F238E27FC236}">
-                <a16:creationId xmlns:a16="http://schemas.microsoft.com/office/drawing/2014/main" id="{F07F55E5-D129-44BD-AC08-C0DEE43327F7}"/>
-              </a:ext>
-            </a:extLst>
-          </p:cNvPr>
-          <p:cNvSpPr txBox="1"/>
-          <p:nvPr/>
-        </p:nvSpPr>
-        <p:spPr>
-          <a:xfrm>
-            <a:off x="931334" y="2275998"/>
-            <a:ext cx="1585690" cy="369332"/>
-          </a:xfrm>
-          <a:prstGeom prst="rect">
-            <a:avLst/>
-          </a:prstGeom>
-          <a:noFill/>
-        </p:spPr>
-        <p:txBody>
-          <a:bodyPr wrap="none" rtlCol="0">
-            <a:spAutoFit/>
-          </a:bodyPr>
-          <a:lstStyle/>
-          <a:p>
-            <a:r>
-              <a:rPr lang="el-GR" dirty="0">
-                <a:solidFill>
-                  <a:schemeClr val="bg1">
-                    <a:lumMod val="75000"/>
-                    <a:lumOff val="25000"/>
-                  </a:schemeClr>
-                </a:solidFill>
-              </a:rPr>
-              <a:t>γ</a:t>
-            </a:r>
-            <a:r>
-              <a:rPr lang="en-US" baseline="-25000" dirty="0">
-                <a:solidFill>
-                  <a:schemeClr val="bg1">
-                    <a:lumMod val="75000"/>
-                    <a:lumOff val="25000"/>
-                  </a:schemeClr>
-                </a:solidFill>
-              </a:rPr>
-              <a:t>2</a:t>
-            </a:r>
-            <a:r>
-              <a:rPr lang="en-US" dirty="0">
-                <a:solidFill>
-                  <a:schemeClr val="bg1">
-                    <a:lumMod val="75000"/>
-                    <a:lumOff val="25000"/>
-                  </a:schemeClr>
-                </a:solidFill>
-              </a:rPr>
-              <a:t> = “</a:t>
-            </a:r>
-            <a:r>
-              <a:rPr lang="el-GR" dirty="0">
-                <a:solidFill>
-                  <a:schemeClr val="bg1">
-                    <a:lumMod val="75000"/>
-                    <a:lumOff val="25000"/>
-                  </a:schemeClr>
-                </a:solidFill>
-              </a:rPr>
-              <a:t>αβαββα</a:t>
-            </a:r>
-            <a:r>
-              <a:rPr lang="en-US" dirty="0">
-                <a:solidFill>
-                  <a:schemeClr val="bg1">
-                    <a:lumMod val="75000"/>
-                    <a:lumOff val="25000"/>
-                  </a:schemeClr>
-                </a:solidFill>
-              </a:rPr>
-              <a:t>” </a:t>
-            </a:r>
-          </a:p>
-        </p:txBody>
-      </p:sp>
-      <p:grpSp>
-        <p:nvGrpSpPr>
-          <p:cNvPr id="60" name="Group 59">
-            <a:extLst>
-              <a:ext uri="{FF2B5EF4-FFF2-40B4-BE49-F238E27FC236}">
-                <a16:creationId xmlns:a16="http://schemas.microsoft.com/office/drawing/2014/main" id="{F2B08CA7-9FDA-48E8-A97B-111B106278C8}"/>
-              </a:ext>
-            </a:extLst>
-          </p:cNvPr>
-          <p:cNvGrpSpPr/>
-          <p:nvPr/>
-        </p:nvGrpSpPr>
-        <p:grpSpPr>
-          <a:xfrm>
-            <a:off x="8251158" y="1539120"/>
-            <a:ext cx="4062331" cy="1106210"/>
-            <a:chOff x="8449693" y="1538227"/>
-            <a:chExt cx="4062331" cy="1106210"/>
-          </a:xfrm>
-        </p:grpSpPr>
-        <p:sp>
-          <p:nvSpPr>
-            <p:cNvPr id="56" name="TextBox 55">
-              <a:extLst>
-                <a:ext uri="{FF2B5EF4-FFF2-40B4-BE49-F238E27FC236}">
-                  <a16:creationId xmlns:a16="http://schemas.microsoft.com/office/drawing/2014/main" id="{C253E133-2F98-40C8-8550-29F774864B84}"/>
-                </a:ext>
-              </a:extLst>
-            </p:cNvPr>
-            <p:cNvSpPr txBox="1"/>
-            <p:nvPr/>
-          </p:nvSpPr>
-          <p:spPr>
-            <a:xfrm>
-              <a:off x="8449693" y="1538227"/>
-              <a:ext cx="3742307" cy="369332"/>
-            </a:xfrm>
-            <a:prstGeom prst="rect">
-              <a:avLst/>
-            </a:prstGeom>
-            <a:noFill/>
-          </p:spPr>
-          <p:txBody>
-            <a:bodyPr wrap="none" rtlCol="0">
-              <a:spAutoFit/>
-            </a:bodyPr>
-            <a:lstStyle/>
-            <a:p>
-              <a:r>
-                <a:rPr lang="el-GR" dirty="0">
-                  <a:solidFill>
-                    <a:schemeClr val="bg1">
-                      <a:lumMod val="75000"/>
-                      <a:lumOff val="25000"/>
-                    </a:schemeClr>
-                  </a:solidFill>
-                </a:rPr>
-                <a:t>γ</a:t>
-              </a:r>
-              <a:r>
-                <a:rPr lang="en-US" baseline="-25000" dirty="0">
-                  <a:solidFill>
-                    <a:schemeClr val="bg1">
-                      <a:lumMod val="75000"/>
-                      <a:lumOff val="25000"/>
-                    </a:schemeClr>
-                  </a:solidFill>
-                </a:rPr>
-                <a:t>0</a:t>
-              </a:r>
-              <a:r>
-                <a:rPr lang="en-US" dirty="0">
-                  <a:solidFill>
-                    <a:schemeClr val="bg1">
-                      <a:lumMod val="75000"/>
-                      <a:lumOff val="25000"/>
-                    </a:schemeClr>
-                  </a:solidFill>
-                </a:rPr>
-                <a:t> = {S</a:t>
-              </a:r>
-              <a:r>
-                <a:rPr lang="en-US" baseline="-25000" dirty="0">
-                  <a:solidFill>
-                    <a:schemeClr val="bg1">
-                      <a:lumMod val="75000"/>
-                      <a:lumOff val="25000"/>
-                    </a:schemeClr>
-                  </a:solidFill>
-                </a:rPr>
-                <a:t>0</a:t>
-              </a:r>
-              <a:r>
-                <a:rPr lang="en-US" dirty="0">
-                  <a:solidFill>
-                    <a:schemeClr val="bg1">
-                      <a:lumMod val="75000"/>
-                      <a:lumOff val="25000"/>
-                    </a:schemeClr>
-                  </a:solidFill>
-                </a:rPr>
-                <a:t>, S</a:t>
-              </a:r>
-              <a:r>
-                <a:rPr lang="en-US" baseline="-25000" dirty="0">
-                  <a:solidFill>
-                    <a:schemeClr val="bg1">
-                      <a:lumMod val="75000"/>
-                      <a:lumOff val="25000"/>
-                    </a:schemeClr>
-                  </a:solidFill>
-                </a:rPr>
-                <a:t>1</a:t>
-              </a:r>
-              <a:r>
-                <a:rPr lang="en-US" dirty="0">
-                  <a:solidFill>
-                    <a:schemeClr val="bg1">
-                      <a:lumMod val="75000"/>
-                      <a:lumOff val="25000"/>
-                    </a:schemeClr>
-                  </a:solidFill>
-                </a:rPr>
-                <a:t>, S</a:t>
-              </a:r>
-              <a:r>
-                <a:rPr lang="en-US" baseline="-25000" dirty="0">
-                  <a:solidFill>
-                    <a:schemeClr val="bg1">
-                      <a:lumMod val="75000"/>
-                      <a:lumOff val="25000"/>
-                    </a:schemeClr>
-                  </a:solidFill>
-                </a:rPr>
-                <a:t>2</a:t>
-              </a:r>
-              <a:r>
-                <a:rPr lang="en-US" dirty="0">
-                  <a:solidFill>
-                    <a:schemeClr val="bg1">
-                      <a:lumMod val="75000"/>
-                      <a:lumOff val="25000"/>
-                    </a:schemeClr>
-                  </a:solidFill>
-                </a:rPr>
-                <a:t>, S</a:t>
-              </a:r>
-              <a:r>
-                <a:rPr lang="en-US" baseline="-25000" dirty="0">
-                  <a:solidFill>
-                    <a:schemeClr val="bg1">
-                      <a:lumMod val="75000"/>
-                      <a:lumOff val="25000"/>
-                    </a:schemeClr>
-                  </a:solidFill>
-                </a:rPr>
-                <a:t>2</a:t>
-              </a:r>
-              <a:r>
-                <a:rPr lang="en-US" dirty="0">
-                  <a:solidFill>
-                    <a:schemeClr val="bg1">
-                      <a:lumMod val="75000"/>
-                      <a:lumOff val="25000"/>
-                    </a:schemeClr>
-                  </a:solidFill>
-                </a:rPr>
-                <a:t>, S</a:t>
-              </a:r>
-              <a:r>
-                <a:rPr lang="en-US" baseline="-25000" dirty="0">
-                  <a:solidFill>
-                    <a:schemeClr val="bg1">
-                      <a:lumMod val="75000"/>
-                      <a:lumOff val="25000"/>
-                    </a:schemeClr>
-                  </a:solidFill>
-                </a:rPr>
-                <a:t>2</a:t>
-              </a:r>
-              <a:r>
-                <a:rPr lang="en-US" dirty="0">
-                  <a:solidFill>
-                    <a:schemeClr val="bg1">
-                      <a:lumMod val="75000"/>
-                      <a:lumOff val="25000"/>
-                    </a:schemeClr>
-                  </a:solidFill>
-                </a:rPr>
-                <a:t>, S</a:t>
-              </a:r>
-              <a:r>
-                <a:rPr lang="en-US" baseline="-25000" dirty="0">
-                  <a:solidFill>
-                    <a:schemeClr val="bg1">
-                      <a:lumMod val="75000"/>
-                      <a:lumOff val="25000"/>
-                    </a:schemeClr>
-                  </a:solidFill>
-                </a:rPr>
-                <a:t>1</a:t>
-              </a:r>
-              <a:r>
-                <a:rPr lang="en-US" dirty="0">
-                  <a:solidFill>
-                    <a:schemeClr val="bg1">
-                      <a:lumMod val="75000"/>
-                      <a:lumOff val="25000"/>
-                    </a:schemeClr>
-                  </a:solidFill>
-                </a:rPr>
-                <a:t>, S</a:t>
-              </a:r>
-              <a:r>
-                <a:rPr lang="en-US" baseline="-25000" dirty="0">
-                  <a:solidFill>
-                    <a:schemeClr val="bg1">
-                      <a:lumMod val="75000"/>
-                      <a:lumOff val="25000"/>
-                    </a:schemeClr>
-                  </a:solidFill>
-                </a:rPr>
-                <a:t>0</a:t>
-              </a:r>
-              <a:r>
-                <a:rPr lang="en-US" dirty="0">
-                  <a:solidFill>
-                    <a:schemeClr val="bg1">
-                      <a:lumMod val="75000"/>
-                      <a:lumOff val="25000"/>
-                    </a:schemeClr>
-                  </a:solidFill>
-                </a:rPr>
-                <a:t>, S</a:t>
-              </a:r>
-              <a:r>
-                <a:rPr lang="en-US" baseline="-25000" dirty="0">
-                  <a:solidFill>
-                    <a:schemeClr val="bg1">
-                      <a:lumMod val="75000"/>
-                      <a:lumOff val="25000"/>
-                    </a:schemeClr>
-                  </a:solidFill>
-                </a:rPr>
-                <a:t>0</a:t>
-              </a:r>
-              <a:r>
-                <a:rPr lang="en-US" dirty="0">
-                  <a:solidFill>
-                    <a:schemeClr val="bg1">
-                      <a:lumMod val="75000"/>
-                      <a:lumOff val="25000"/>
-                    </a:schemeClr>
-                  </a:solidFill>
-                </a:rPr>
-                <a:t>} = True </a:t>
-              </a:r>
-            </a:p>
-          </p:txBody>
-        </p:sp>
-        <p:sp>
-          <p:nvSpPr>
-            <p:cNvPr id="57" name="TextBox 56">
-              <a:extLst>
-                <a:ext uri="{FF2B5EF4-FFF2-40B4-BE49-F238E27FC236}">
-                  <a16:creationId xmlns:a16="http://schemas.microsoft.com/office/drawing/2014/main" id="{8D6671CD-6343-467E-98B6-46AFDC34BC89}"/>
-                </a:ext>
-              </a:extLst>
-            </p:cNvPr>
-            <p:cNvSpPr txBox="1"/>
-            <p:nvPr/>
-          </p:nvSpPr>
-          <p:spPr>
-            <a:xfrm>
-              <a:off x="8449693" y="1906666"/>
-              <a:ext cx="4062331" cy="369332"/>
-            </a:xfrm>
-            <a:prstGeom prst="rect">
-              <a:avLst/>
-            </a:prstGeom>
-            <a:noFill/>
-          </p:spPr>
-          <p:txBody>
-            <a:bodyPr wrap="none" rtlCol="0">
-              <a:spAutoFit/>
-            </a:bodyPr>
-            <a:lstStyle/>
-            <a:p>
-              <a:r>
-                <a:rPr lang="el-GR" dirty="0">
-                  <a:solidFill>
-                    <a:schemeClr val="bg1">
-                      <a:lumMod val="75000"/>
-                      <a:lumOff val="25000"/>
-                    </a:schemeClr>
-                  </a:solidFill>
-                </a:rPr>
-                <a:t>γ</a:t>
-              </a:r>
-              <a:r>
-                <a:rPr lang="en-US" baseline="-25000" dirty="0">
-                  <a:solidFill>
-                    <a:schemeClr val="bg1">
-                      <a:lumMod val="75000"/>
-                      <a:lumOff val="25000"/>
-                    </a:schemeClr>
-                  </a:solidFill>
-                </a:rPr>
-                <a:t>1</a:t>
-              </a:r>
-              <a:r>
-                <a:rPr lang="en-US" dirty="0">
-                  <a:solidFill>
-                    <a:schemeClr val="bg1">
-                      <a:lumMod val="75000"/>
-                      <a:lumOff val="25000"/>
-                    </a:schemeClr>
-                  </a:solidFill>
-                </a:rPr>
-                <a:t> = {S</a:t>
-              </a:r>
-              <a:r>
-                <a:rPr lang="en-US" baseline="-25000" dirty="0">
-                  <a:solidFill>
-                    <a:schemeClr val="bg1">
-                      <a:lumMod val="75000"/>
-                      <a:lumOff val="25000"/>
-                    </a:schemeClr>
-                  </a:solidFill>
-                </a:rPr>
-                <a:t>0</a:t>
-              </a:r>
-              <a:r>
-                <a:rPr lang="en-US" dirty="0">
-                  <a:solidFill>
-                    <a:schemeClr val="bg1">
-                      <a:lumMod val="75000"/>
-                      <a:lumOff val="25000"/>
-                    </a:schemeClr>
-                  </a:solidFill>
-                </a:rPr>
-                <a:t>, S</a:t>
-              </a:r>
-              <a:r>
-                <a:rPr lang="en-US" baseline="-25000" dirty="0">
-                  <a:solidFill>
-                    <a:schemeClr val="bg1">
-                      <a:lumMod val="75000"/>
-                      <a:lumOff val="25000"/>
-                    </a:schemeClr>
-                  </a:solidFill>
-                </a:rPr>
-                <a:t>0</a:t>
-              </a:r>
-              <a:r>
-                <a:rPr lang="en-US" dirty="0">
-                  <a:solidFill>
-                    <a:schemeClr val="bg1">
-                      <a:lumMod val="75000"/>
-                      <a:lumOff val="25000"/>
-                    </a:schemeClr>
-                  </a:solidFill>
-                </a:rPr>
-                <a:t>, S</a:t>
-              </a:r>
-              <a:r>
-                <a:rPr lang="en-US" baseline="-25000" dirty="0">
-                  <a:solidFill>
-                    <a:schemeClr val="bg1">
-                      <a:lumMod val="75000"/>
-                      <a:lumOff val="25000"/>
-                    </a:schemeClr>
-                  </a:solidFill>
-                </a:rPr>
-                <a:t>1</a:t>
-              </a:r>
-              <a:r>
-                <a:rPr lang="en-US" dirty="0">
-                  <a:solidFill>
-                    <a:schemeClr val="bg1">
-                      <a:lumMod val="75000"/>
-                      <a:lumOff val="25000"/>
-                    </a:schemeClr>
-                  </a:solidFill>
-                </a:rPr>
-                <a:t>, S</a:t>
-              </a:r>
-              <a:r>
-                <a:rPr lang="en-US" baseline="-25000" dirty="0">
-                  <a:solidFill>
-                    <a:schemeClr val="bg1">
-                      <a:lumMod val="75000"/>
-                      <a:lumOff val="25000"/>
-                    </a:schemeClr>
-                  </a:solidFill>
-                </a:rPr>
-                <a:t>0</a:t>
-              </a:r>
-              <a:r>
-                <a:rPr lang="en-US" dirty="0">
-                  <a:solidFill>
-                    <a:schemeClr val="bg1">
-                      <a:lumMod val="75000"/>
-                      <a:lumOff val="25000"/>
-                    </a:schemeClr>
-                  </a:solidFill>
-                </a:rPr>
-                <a:t>, S</a:t>
-              </a:r>
-              <a:r>
-                <a:rPr lang="en-US" baseline="-25000" dirty="0">
-                  <a:solidFill>
-                    <a:schemeClr val="bg1">
-                      <a:lumMod val="75000"/>
-                      <a:lumOff val="25000"/>
-                    </a:schemeClr>
-                  </a:solidFill>
-                </a:rPr>
-                <a:t>0</a:t>
-              </a:r>
-              <a:r>
-                <a:rPr lang="en-US" dirty="0">
-                  <a:solidFill>
-                    <a:schemeClr val="bg1">
-                      <a:lumMod val="75000"/>
-                      <a:lumOff val="25000"/>
-                    </a:schemeClr>
-                  </a:solidFill>
-                </a:rPr>
-                <a:t>, S</a:t>
-              </a:r>
-              <a:r>
-                <a:rPr lang="en-US" baseline="-25000" dirty="0">
-                  <a:solidFill>
-                    <a:schemeClr val="bg1">
-                      <a:lumMod val="75000"/>
-                      <a:lumOff val="25000"/>
-                    </a:schemeClr>
-                  </a:solidFill>
-                </a:rPr>
-                <a:t>1</a:t>
-              </a:r>
-              <a:r>
-                <a:rPr lang="en-US" dirty="0">
-                  <a:solidFill>
-                    <a:schemeClr val="bg1">
-                      <a:lumMod val="75000"/>
-                      <a:lumOff val="25000"/>
-                    </a:schemeClr>
-                  </a:solidFill>
-                </a:rPr>
-                <a:t>, S</a:t>
-              </a:r>
-              <a:r>
-                <a:rPr lang="en-US" baseline="-25000" dirty="0">
-                  <a:solidFill>
-                    <a:schemeClr val="bg1">
-                      <a:lumMod val="75000"/>
-                      <a:lumOff val="25000"/>
-                    </a:schemeClr>
-                  </a:solidFill>
-                </a:rPr>
-                <a:t>2</a:t>
-              </a:r>
-              <a:r>
-                <a:rPr lang="en-US" dirty="0">
-                  <a:solidFill>
-                    <a:schemeClr val="bg1">
-                      <a:lumMod val="75000"/>
-                      <a:lumOff val="25000"/>
-                    </a:schemeClr>
-                  </a:solidFill>
-                </a:rPr>
-                <a:t>, S</a:t>
-              </a:r>
-              <a:r>
-                <a:rPr lang="en-US" baseline="-25000" dirty="0">
-                  <a:solidFill>
-                    <a:schemeClr val="bg1">
-                      <a:lumMod val="75000"/>
-                      <a:lumOff val="25000"/>
-                    </a:schemeClr>
-                  </a:solidFill>
-                </a:rPr>
-                <a:t>1 </a:t>
-              </a:r>
-              <a:r>
-                <a:rPr lang="en-US" dirty="0">
-                  <a:solidFill>
-                    <a:schemeClr val="bg1">
-                      <a:lumMod val="75000"/>
-                      <a:lumOff val="25000"/>
-                    </a:schemeClr>
-                  </a:solidFill>
-                </a:rPr>
-                <a:t>,S</a:t>
-              </a:r>
-              <a:r>
-                <a:rPr lang="en-US" baseline="-25000" dirty="0">
-                  <a:solidFill>
-                    <a:schemeClr val="bg1">
-                      <a:lumMod val="75000"/>
-                      <a:lumOff val="25000"/>
-                    </a:schemeClr>
-                  </a:solidFill>
-                </a:rPr>
-                <a:t>0</a:t>
-              </a:r>
-              <a:r>
-                <a:rPr lang="en-US" dirty="0">
-                  <a:solidFill>
-                    <a:schemeClr val="bg1">
-                      <a:lumMod val="75000"/>
-                      <a:lumOff val="25000"/>
-                    </a:schemeClr>
-                  </a:solidFill>
-                </a:rPr>
-                <a:t>} = True </a:t>
-              </a:r>
-            </a:p>
-          </p:txBody>
-        </p:sp>
-        <p:sp>
-          <p:nvSpPr>
-            <p:cNvPr id="58" name="TextBox 57">
-              <a:extLst>
-                <a:ext uri="{FF2B5EF4-FFF2-40B4-BE49-F238E27FC236}">
-                  <a16:creationId xmlns:a16="http://schemas.microsoft.com/office/drawing/2014/main" id="{18E32FA9-082F-4F62-AC76-1AC015BCAF5D}"/>
-                </a:ext>
-              </a:extLst>
-            </p:cNvPr>
-            <p:cNvSpPr txBox="1"/>
-            <p:nvPr/>
-          </p:nvSpPr>
-          <p:spPr>
-            <a:xfrm>
-              <a:off x="8449693" y="2275105"/>
-              <a:ext cx="3517117" cy="369332"/>
-            </a:xfrm>
-            <a:prstGeom prst="rect">
-              <a:avLst/>
-            </a:prstGeom>
-            <a:noFill/>
-          </p:spPr>
-          <p:txBody>
-            <a:bodyPr wrap="none" rtlCol="0">
-              <a:spAutoFit/>
-            </a:bodyPr>
-            <a:lstStyle/>
-            <a:p>
-              <a:r>
-                <a:rPr lang="el-GR" dirty="0">
-                  <a:solidFill>
-                    <a:schemeClr val="bg1">
-                      <a:lumMod val="75000"/>
-                      <a:lumOff val="25000"/>
-                    </a:schemeClr>
-                  </a:solidFill>
-                </a:rPr>
-                <a:t>γ</a:t>
-              </a:r>
-              <a:r>
-                <a:rPr lang="en-US" baseline="-25000" dirty="0">
-                  <a:solidFill>
-                    <a:schemeClr val="bg1">
-                      <a:lumMod val="75000"/>
-                      <a:lumOff val="25000"/>
-                    </a:schemeClr>
-                  </a:solidFill>
-                </a:rPr>
-                <a:t>2</a:t>
-              </a:r>
-              <a:r>
-                <a:rPr lang="en-US" dirty="0">
-                  <a:solidFill>
-                    <a:schemeClr val="bg1">
-                      <a:lumMod val="75000"/>
-                      <a:lumOff val="25000"/>
-                    </a:schemeClr>
-                  </a:solidFill>
-                </a:rPr>
-                <a:t> = {S</a:t>
-              </a:r>
-              <a:r>
-                <a:rPr lang="en-US" baseline="-25000" dirty="0">
-                  <a:solidFill>
-                    <a:schemeClr val="bg1">
-                      <a:lumMod val="75000"/>
-                      <a:lumOff val="25000"/>
-                    </a:schemeClr>
-                  </a:solidFill>
-                </a:rPr>
-                <a:t>0</a:t>
-              </a:r>
-              <a:r>
-                <a:rPr lang="en-US" dirty="0">
-                  <a:solidFill>
-                    <a:schemeClr val="bg1">
-                      <a:lumMod val="75000"/>
-                      <a:lumOff val="25000"/>
-                    </a:schemeClr>
-                  </a:solidFill>
-                </a:rPr>
-                <a:t>, S</a:t>
-              </a:r>
-              <a:r>
-                <a:rPr lang="en-US" baseline="-25000" dirty="0">
-                  <a:solidFill>
-                    <a:schemeClr val="bg1">
-                      <a:lumMod val="75000"/>
-                      <a:lumOff val="25000"/>
-                    </a:schemeClr>
-                  </a:solidFill>
-                </a:rPr>
-                <a:t>1</a:t>
-              </a:r>
-              <a:r>
-                <a:rPr lang="en-US" dirty="0">
-                  <a:solidFill>
-                    <a:schemeClr val="bg1">
-                      <a:lumMod val="75000"/>
-                      <a:lumOff val="25000"/>
-                    </a:schemeClr>
-                  </a:solidFill>
-                </a:rPr>
-                <a:t>, S</a:t>
-              </a:r>
-              <a:r>
-                <a:rPr lang="en-US" baseline="-25000" dirty="0">
-                  <a:solidFill>
-                    <a:schemeClr val="bg1">
-                      <a:lumMod val="75000"/>
-                      <a:lumOff val="25000"/>
-                    </a:schemeClr>
-                  </a:solidFill>
-                </a:rPr>
-                <a:t>2</a:t>
-              </a:r>
-              <a:r>
-                <a:rPr lang="en-US" dirty="0">
-                  <a:solidFill>
-                    <a:schemeClr val="bg1">
-                      <a:lumMod val="75000"/>
-                      <a:lumOff val="25000"/>
-                    </a:schemeClr>
-                  </a:solidFill>
-                </a:rPr>
-                <a:t>, S</a:t>
-              </a:r>
-              <a:r>
-                <a:rPr lang="en-US" baseline="-25000" dirty="0">
-                  <a:solidFill>
-                    <a:schemeClr val="bg1">
-                      <a:lumMod val="75000"/>
-                      <a:lumOff val="25000"/>
-                    </a:schemeClr>
-                  </a:solidFill>
-                </a:rPr>
-                <a:t>2</a:t>
-              </a:r>
-              <a:r>
-                <a:rPr lang="en-US" dirty="0">
-                  <a:solidFill>
-                    <a:schemeClr val="bg1">
-                      <a:lumMod val="75000"/>
-                      <a:lumOff val="25000"/>
-                    </a:schemeClr>
-                  </a:solidFill>
-                </a:rPr>
-                <a:t>, S</a:t>
-              </a:r>
-              <a:r>
-                <a:rPr lang="en-US" baseline="-25000" dirty="0">
-                  <a:solidFill>
-                    <a:schemeClr val="bg1">
-                      <a:lumMod val="75000"/>
-                      <a:lumOff val="25000"/>
-                    </a:schemeClr>
-                  </a:solidFill>
-                </a:rPr>
-                <a:t>1</a:t>
-              </a:r>
-              <a:r>
-                <a:rPr lang="en-US" dirty="0">
-                  <a:solidFill>
-                    <a:schemeClr val="bg1">
-                      <a:lumMod val="75000"/>
-                      <a:lumOff val="25000"/>
-                    </a:schemeClr>
-                  </a:solidFill>
-                </a:rPr>
-                <a:t>, S</a:t>
-              </a:r>
-              <a:r>
-                <a:rPr lang="en-US" baseline="-25000" dirty="0">
-                  <a:solidFill>
-                    <a:schemeClr val="bg1">
-                      <a:lumMod val="75000"/>
-                      <a:lumOff val="25000"/>
-                    </a:schemeClr>
-                  </a:solidFill>
-                </a:rPr>
-                <a:t>2</a:t>
-              </a:r>
-              <a:r>
-                <a:rPr lang="en-US" dirty="0">
-                  <a:solidFill>
-                    <a:schemeClr val="bg1">
-                      <a:lumMod val="75000"/>
-                      <a:lumOff val="25000"/>
-                    </a:schemeClr>
-                  </a:solidFill>
-                </a:rPr>
-                <a:t>, S</a:t>
-              </a:r>
-              <a:r>
-                <a:rPr lang="en-US" baseline="-25000" dirty="0">
-                  <a:solidFill>
-                    <a:schemeClr val="bg1">
-                      <a:lumMod val="75000"/>
-                      <a:lumOff val="25000"/>
-                    </a:schemeClr>
-                  </a:solidFill>
-                </a:rPr>
-                <a:t>2</a:t>
-              </a:r>
-              <a:r>
-                <a:rPr lang="en-US" dirty="0">
-                  <a:solidFill>
-                    <a:schemeClr val="bg1">
-                      <a:lumMod val="75000"/>
-                      <a:lumOff val="25000"/>
-                    </a:schemeClr>
-                  </a:solidFill>
-                </a:rPr>
-                <a:t>} = False </a:t>
-              </a:r>
-            </a:p>
-          </p:txBody>
-        </p:sp>
-      </p:grpSp>
-    </p:spTree>
-    <p:extLst>
-      <p:ext uri="{BB962C8B-B14F-4D97-AF65-F5344CB8AC3E}">
-        <p14:creationId xmlns:p14="http://schemas.microsoft.com/office/powerpoint/2010/main" val="87606153"/>
-      </p:ext>
-    </p:extLst>
-  </p:cSld>
-  <p:clrMapOvr>
-    <a:masterClrMapping/>
-  </p:clrMapOvr>
-</p:sld>
-</file>
-
-<file path=ppt/slides/slide7.xml><?xml version="1.0" encoding="utf-8"?>
 <p:sld xmlns:a="http://schemas.openxmlformats.org/drawingml/2006/main" xmlns:r="http://schemas.openxmlformats.org/officeDocument/2006/relationships" xmlns:p="http://schemas.openxmlformats.org/presentationml/2006/main">
   <p:cSld>
     <p:spTree>
@@ -9050,7 +8918,7 @@
 </p:sld>
 </file>
 
-<file path=ppt/slides/slide8.xml><?xml version="1.0" encoding="utf-8"?>
+<file path=ppt/slides/slide7.xml><?xml version="1.0" encoding="utf-8"?>
 <p:sld xmlns:a="http://schemas.openxmlformats.org/drawingml/2006/main" xmlns:r="http://schemas.openxmlformats.org/officeDocument/2006/relationships" xmlns:p="http://schemas.openxmlformats.org/presentationml/2006/main">
   <p:cSld>
     <p:spTree>
@@ -10436,7 +10304,7 @@
 </p:sld>
 </file>
 
-<file path=ppt/slides/slide9.xml><?xml version="1.0" encoding="utf-8"?>
+<file path=ppt/slides/slide8.xml><?xml version="1.0" encoding="utf-8"?>
 <p:sld xmlns:a="http://schemas.openxmlformats.org/drawingml/2006/main" xmlns:r="http://schemas.openxmlformats.org/officeDocument/2006/relationships" xmlns:p="http://schemas.openxmlformats.org/presentationml/2006/main">
   <p:cSld>
     <p:spTree>
@@ -11778,6 +11646,122 @@
 </p:sld>
 </file>
 
+<file path=ppt/slides/slide9.xml><?xml version="1.0" encoding="utf-8"?>
+<p:sld xmlns:a="http://schemas.openxmlformats.org/drawingml/2006/main" xmlns:r="http://schemas.openxmlformats.org/officeDocument/2006/relationships" xmlns:p="http://schemas.openxmlformats.org/presentationml/2006/main">
+  <p:cSld>
+    <p:spTree>
+      <p:nvGrpSpPr>
+        <p:cNvPr id="1" name=""/>
+        <p:cNvGrpSpPr/>
+        <p:nvPr/>
+      </p:nvGrpSpPr>
+      <p:grpSpPr>
+        <a:xfrm>
+          <a:off x="0" y="0"/>
+          <a:ext cx="0" cy="0"/>
+          <a:chOff x="0" y="0"/>
+          <a:chExt cx="0" cy="0"/>
+        </a:xfrm>
+      </p:grpSpPr>
+      <p:sp>
+        <p:nvSpPr>
+          <p:cNvPr id="2" name="Title 1">
+            <a:extLst>
+              <a:ext uri="{FF2B5EF4-FFF2-40B4-BE49-F238E27FC236}">
+                <a16:creationId xmlns:a16="http://schemas.microsoft.com/office/drawing/2014/main" id="{4E136526-8B60-4B8E-8B6C-1D495824882E}"/>
+              </a:ext>
+            </a:extLst>
+          </p:cNvPr>
+          <p:cNvSpPr>
+            <a:spLocks noGrp="1"/>
+          </p:cNvSpPr>
+          <p:nvPr>
+            <p:ph type="title"/>
+          </p:nvPr>
+        </p:nvSpPr>
+        <p:spPr/>
+        <p:txBody>
+          <a:bodyPr/>
+          <a:lstStyle/>
+          <a:p>
+            <a:r>
+              <a:rPr lang="en-US" dirty="0"/>
+              <a:t>Synchronizing words</a:t>
+            </a:r>
+          </a:p>
+        </p:txBody>
+      </p:sp>
+      <p:sp>
+        <p:nvSpPr>
+          <p:cNvPr id="3" name="Content Placeholder 2">
+            <a:extLst>
+              <a:ext uri="{FF2B5EF4-FFF2-40B4-BE49-F238E27FC236}">
+                <a16:creationId xmlns:a16="http://schemas.microsoft.com/office/drawing/2014/main" id="{3EB6BCDC-57D3-4744-B892-7A436654A29C}"/>
+              </a:ext>
+            </a:extLst>
+          </p:cNvPr>
+          <p:cNvSpPr>
+            <a:spLocks noGrp="1"/>
+          </p:cNvSpPr>
+          <p:nvPr>
+            <p:ph idx="1"/>
+          </p:nvPr>
+        </p:nvSpPr>
+        <p:spPr/>
+        <p:txBody>
+          <a:bodyPr/>
+          <a:lstStyle/>
+          <a:p>
+            <a:r>
+              <a:rPr lang="en-US" dirty="0"/>
+              <a:t>As seen in the previous example, series of symbols can return two values:</a:t>
+            </a:r>
+          </a:p>
+          <a:p>
+            <a:pPr lvl="1"/>
+            <a:r>
+              <a:rPr lang="en-US" dirty="0"/>
+              <a:t>If we return to the starting state – True </a:t>
+            </a:r>
+          </a:p>
+          <a:p>
+            <a:pPr lvl="1"/>
+            <a:r>
+              <a:rPr lang="en-US" dirty="0"/>
+              <a:t>If we don’t return to the starting state – False</a:t>
+            </a:r>
+          </a:p>
+          <a:p>
+            <a:r>
+              <a:rPr lang="en-US" dirty="0"/>
+              <a:t>A series of symbols [words] that returns True is considered synchronizing.</a:t>
+            </a:r>
+          </a:p>
+          <a:p>
+            <a:r>
+              <a:rPr lang="en-US" dirty="0"/>
+              <a:t>Also as seen in the previous example, synchronizing words can be of variable length</a:t>
+            </a:r>
+          </a:p>
+          <a:p>
+            <a:pPr lvl="1"/>
+            <a:endParaRPr lang="en-US" dirty="0"/>
+          </a:p>
+        </p:txBody>
+      </p:sp>
+    </p:spTree>
+    <p:extLst>
+      <p:ext uri="{BB962C8B-B14F-4D97-AF65-F5344CB8AC3E}">
+        <p14:creationId xmlns:p14="http://schemas.microsoft.com/office/powerpoint/2010/main" val="998234888"/>
+      </p:ext>
+    </p:extLst>
+  </p:cSld>
+  <p:clrMapOvr>
+    <a:masterClrMapping/>
+  </p:clrMapOvr>
+</p:sld>
+</file>
+
 <file path=ppt/theme/theme1.xml><?xml version="1.0" encoding="utf-8"?>
 <a:theme xmlns:a="http://schemas.openxmlformats.org/drawingml/2006/main" name="Banded">
   <a:themeElements>

--- a/project.pptx
+++ b/project.pptx
@@ -13,7 +13,7 @@
     <p:sldId id="258" r:id="rId4"/>
     <p:sldId id="259" r:id="rId5"/>
     <p:sldId id="260" r:id="rId6"/>
-    <p:sldId id="264" r:id="rId7"/>
+    <p:sldId id="277" r:id="rId7"/>
     <p:sldId id="262" r:id="rId8"/>
     <p:sldId id="263" r:id="rId9"/>
     <p:sldId id="265" r:id="rId10"/>
@@ -216,7 +216,7 @@
           <a:p>
             <a:fld id="{7A3ADE21-563B-4639-8C0E-9C6D492494E5}" type="datetimeFigureOut">
               <a:rPr lang="en-US" smtClean="0"/>
-              <a:t>4/11/2021</a:t>
+              <a:t>4/12/2021</a:t>
             </a:fld>
             <a:endParaRPr lang="en-US"/>
           </a:p>
@@ -557,7 +557,7 @@
     </p:spTree>
     <p:extLst>
       <p:ext uri="{BB962C8B-B14F-4D97-AF65-F5344CB8AC3E}">
-        <p14:creationId xmlns:p14="http://schemas.microsoft.com/office/powerpoint/2010/main" val="522974963"/>
+        <p14:creationId xmlns:p14="http://schemas.microsoft.com/office/powerpoint/2010/main" val="2247797010"/>
       </p:ext>
     </p:extLst>
   </p:cSld>
@@ -995,7 +995,7 @@
           <a:p>
             <a:fld id="{1EA177B0-755E-40F8-87BF-30E6A8219060}" type="datetimeFigureOut">
               <a:rPr lang="en-US" smtClean="0"/>
-              <a:t>4/11/2021</a:t>
+              <a:t>4/12/2021</a:t>
             </a:fld>
             <a:endParaRPr lang="en-US"/>
           </a:p>
@@ -1165,7 +1165,7 @@
           <a:p>
             <a:fld id="{1EA177B0-755E-40F8-87BF-30E6A8219060}" type="datetimeFigureOut">
               <a:rPr lang="en-US" smtClean="0"/>
-              <a:t>4/11/2021</a:t>
+              <a:t>4/12/2021</a:t>
             </a:fld>
             <a:endParaRPr lang="en-US"/>
           </a:p>
@@ -1388,7 +1388,7 @@
           <a:p>
             <a:fld id="{1EA177B0-755E-40F8-87BF-30E6A8219060}" type="datetimeFigureOut">
               <a:rPr lang="en-US" smtClean="0"/>
-              <a:t>4/11/2021</a:t>
+              <a:t>4/12/2021</a:t>
             </a:fld>
             <a:endParaRPr lang="en-US"/>
           </a:p>
@@ -1568,7 +1568,7 @@
           <a:p>
             <a:fld id="{1EA177B0-755E-40F8-87BF-30E6A8219060}" type="datetimeFigureOut">
               <a:rPr lang="en-US" smtClean="0"/>
-              <a:t>4/11/2021</a:t>
+              <a:t>4/12/2021</a:t>
             </a:fld>
             <a:endParaRPr lang="en-US"/>
           </a:p>
@@ -1874,7 +1874,7 @@
           <a:p>
             <a:fld id="{1EA177B0-755E-40F8-87BF-30E6A8219060}" type="datetimeFigureOut">
               <a:rPr lang="en-US" smtClean="0"/>
-              <a:t>4/11/2021</a:t>
+              <a:t>4/12/2021</a:t>
             </a:fld>
             <a:endParaRPr lang="en-US"/>
           </a:p>
@@ -2178,7 +2178,7 @@
           <a:p>
             <a:fld id="{1EA177B0-755E-40F8-87BF-30E6A8219060}" type="datetimeFigureOut">
               <a:rPr lang="en-US" smtClean="0"/>
-              <a:t>4/11/2021</a:t>
+              <a:t>4/12/2021</a:t>
             </a:fld>
             <a:endParaRPr lang="en-US"/>
           </a:p>
@@ -2600,7 +2600,7 @@
           <a:p>
             <a:fld id="{1EA177B0-755E-40F8-87BF-30E6A8219060}" type="datetimeFigureOut">
               <a:rPr lang="en-US" smtClean="0"/>
-              <a:t>4/11/2021</a:t>
+              <a:t>4/12/2021</a:t>
             </a:fld>
             <a:endParaRPr lang="en-US"/>
           </a:p>
@@ -2718,7 +2718,7 @@
           <a:p>
             <a:fld id="{1EA177B0-755E-40F8-87BF-30E6A8219060}" type="datetimeFigureOut">
               <a:rPr lang="en-US" smtClean="0"/>
-              <a:t>4/11/2021</a:t>
+              <a:t>4/12/2021</a:t>
             </a:fld>
             <a:endParaRPr lang="en-US"/>
           </a:p>
@@ -2813,7 +2813,7 @@
           <a:p>
             <a:fld id="{1EA177B0-755E-40F8-87BF-30E6A8219060}" type="datetimeFigureOut">
               <a:rPr lang="en-US" smtClean="0"/>
-              <a:t>4/11/2021</a:t>
+              <a:t>4/12/2021</a:t>
             </a:fld>
             <a:endParaRPr lang="en-US"/>
           </a:p>
@@ -3086,7 +3086,7 @@
           <a:p>
             <a:fld id="{1EA177B0-755E-40F8-87BF-30E6A8219060}" type="datetimeFigureOut">
               <a:rPr lang="en-US" smtClean="0"/>
-              <a:t>4/11/2021</a:t>
+              <a:t>4/12/2021</a:t>
             </a:fld>
             <a:endParaRPr lang="en-US"/>
           </a:p>
@@ -3351,7 +3351,7 @@
           <a:p>
             <a:fld id="{1EA177B0-755E-40F8-87BF-30E6A8219060}" type="datetimeFigureOut">
               <a:rPr lang="en-US" smtClean="0"/>
-              <a:t>4/11/2021</a:t>
+              <a:t>4/12/2021</a:t>
             </a:fld>
             <a:endParaRPr lang="en-US"/>
           </a:p>
@@ -3600,7 +3600,7 @@
           <a:p>
             <a:fld id="{1EA177B0-755E-40F8-87BF-30E6A8219060}" type="datetimeFigureOut">
               <a:rPr lang="en-US" smtClean="0"/>
-              <a:t>4/11/2021</a:t>
+              <a:t>4/12/2021</a:t>
             </a:fld>
             <a:endParaRPr lang="en-US"/>
           </a:p>
@@ -4228,7 +4228,7 @@
           <a:p>
             <a:r>
               <a:rPr lang="en-US" dirty="0"/>
-              <a:t>The goal of the algorithm is to find the shortest and “lightest” synchronizing word.</a:t>
+              <a:t>The goal of the algorithm is to approximate the shortest and “lightest” synchronizing word.</a:t>
             </a:r>
           </a:p>
         </p:txBody>
@@ -4998,7 +4998,7 @@
             <p:spPr/>
             <p:txBody>
               <a:bodyPr>
-                <a:normAutofit/>
+                <a:normAutofit fontScale="92500"/>
               </a:bodyPr>
               <a:lstStyle/>
               <a:p>
@@ -5049,7 +5049,7 @@
                 </a:r>
                 <a:r>
                   <a:rPr lang="en-US" dirty="0"/>
-                  <a:t> is the set containing</a:t>
+                  <a:t> is a potential path through</a:t>
                 </a:r>
               </a:p>
               <a:p>
@@ -5162,7 +5162,7 @@
                 </a:r>
                 <a:r>
                   <a:rPr lang="en-US" dirty="0"/>
-                  <a:t>all the remaining paths</a:t>
+                  <a:t>the remaining states.</a:t>
                 </a:r>
                 <a:endParaRPr lang="en-US" i="1" dirty="0"/>
               </a:p>
@@ -5313,7 +5313,7 @@
                 </a:r>
                 <a:r>
                   <a:rPr lang="en-US" dirty="0"/>
-                  <a:t> is the set of all paths</a:t>
+                  <a:t> is the set of all								 	remaining states.</a:t>
                 </a:r>
                 <a:endParaRPr lang="en-US" i="1" dirty="0"/>
               </a:p>
@@ -5347,7 +5347,7 @@
               <a:blipFill>
                 <a:blip r:embed="rId2"/>
                 <a:stretch>
-                  <a:fillRect l="-810" t="-1884"/>
+                  <a:fillRect l="-623" t="-1449"/>
                 </a:stretch>
               </a:blipFill>
             </p:spPr>
@@ -5762,7 +5762,7 @@
                 </a:r>
                 <a:r>
                   <a:rPr lang="en-US" dirty="0"/>
-                  <a:t>prioritizes words that reduce the remaining paths needed to be calculated over words with less weight. </a:t>
+                  <a:t>prioritizes words that reduce the remaining states needed to be calculated over words with less weight. </a:t>
                 </a:r>
               </a:p>
             </p:txBody>
@@ -6049,14 +6049,7 @@
                         <a:latin typeface="Cambria Math" panose="02040503050406030204" pitchFamily="18" charset="0"/>
                         <a:ea typeface="Cambria Math" panose="02040503050406030204" pitchFamily="18" charset="0"/>
                       </a:rPr>
-                      <m:t>)</m:t>
-                    </m:r>
-                    <m:r>
-                      <a:rPr lang="en-US" b="0" i="1" smtClean="0">
-                        <a:latin typeface="Cambria Math" panose="02040503050406030204" pitchFamily="18" charset="0"/>
-                        <a:ea typeface="Cambria Math" panose="02040503050406030204" pitchFamily="18" charset="0"/>
-                      </a:rPr>
-                      <m:t>)</m:t>
+                      <m:t>))</m:t>
                     </m:r>
                   </m:oMath>
                 </a14:m>
@@ -6132,7 +6125,7 @@
                 </a:pPr>
                 <a:r>
                   <a:rPr lang="en-US" dirty="0"/>
-                  <a:t>This approach uses </a:t>
+                  <a:t>This approach is modeled off </a:t>
                 </a:r>
                 <a:r>
                   <a:rPr lang="en-US" dirty="0" err="1"/>
@@ -6140,7 +6133,15 @@
                 </a:r>
                 <a:r>
                   <a:rPr lang="en-US" dirty="0"/>
-                  <a:t> heuristic algorithm for DFAs</a:t>
+                  <a:t> breadth-first heuristic algorithm for DFAs which checks all paths up to depth </a:t>
+                </a:r>
+                <a:r>
+                  <a:rPr lang="en-US" i="1" dirty="0"/>
+                  <a:t>m </a:t>
+                </a:r>
+                <a:r>
+                  <a:rPr lang="en-US" dirty="0"/>
+                  <a:t>for each state.</a:t>
                 </a:r>
               </a:p>
               <a:p>
@@ -6181,7 +6182,15 @@
                 </a:r>
                 <a:r>
                   <a:rPr lang="en-US" dirty="0"/>
-                  <a:t>is the shortest path.</a:t>
+                  <a:t>is equal to </a:t>
+                </a:r>
+                <a:r>
+                  <a:rPr lang="en-US" i="1" dirty="0"/>
+                  <a:t>m </a:t>
+                </a:r>
+                <a:r>
+                  <a:rPr lang="en-US" dirty="0"/>
+                  <a:t>which is number of “branches” we can path down.</a:t>
                 </a:r>
               </a:p>
               <a:p>
@@ -7300,10 +7309,22 @@
             </a:r>
           </a:p>
           <a:p>
+            <a:endParaRPr lang="en-US" dirty="0"/>
+          </a:p>
+          <a:p>
+            <a:endParaRPr lang="en-US" dirty="0"/>
+          </a:p>
+          <a:p>
             <a:r>
               <a:rPr lang="en-US" dirty="0"/>
               <a:t>Weighted Deterministic Finite Automaton assign weight to each symbol.</a:t>
             </a:r>
+          </a:p>
+          <a:p>
+            <a:endParaRPr lang="en-US" dirty="0"/>
+          </a:p>
+          <a:p>
+            <a:endParaRPr lang="en-US" dirty="0"/>
           </a:p>
           <a:p>
             <a:r>
@@ -7446,7 +7467,7 @@
         </p:nvSpPr>
         <p:spPr>
           <a:xfrm>
-            <a:off x="-115077" y="297025"/>
+            <a:off x="-115077" y="297024"/>
             <a:ext cx="12422154" cy="6263951"/>
           </a:xfrm>
           <a:prstGeom prst="rect">
@@ -7488,939 +7509,6 @@
       </p:sp>
       <p:grpSp>
         <p:nvGrpSpPr>
-          <p:cNvPr id="31" name="Group 30">
-            <a:extLst>
-              <a:ext uri="{FF2B5EF4-FFF2-40B4-BE49-F238E27FC236}">
-                <a16:creationId xmlns:a16="http://schemas.microsoft.com/office/drawing/2014/main" id="{C7AB50E5-6A2C-4E51-9029-FA8D94D4D136}"/>
-              </a:ext>
-            </a:extLst>
-          </p:cNvPr>
-          <p:cNvGrpSpPr/>
-          <p:nvPr/>
-        </p:nvGrpSpPr>
-        <p:grpSpPr>
-          <a:xfrm>
-            <a:off x="2864285" y="3429000"/>
-            <a:ext cx="6463429" cy="2393414"/>
-            <a:chOff x="2509890" y="3000183"/>
-            <a:chExt cx="6463429" cy="2393414"/>
-          </a:xfrm>
-        </p:grpSpPr>
-        <p:grpSp>
-          <p:nvGrpSpPr>
-            <p:cNvPr id="6" name="Group 5">
-              <a:extLst>
-                <a:ext uri="{FF2B5EF4-FFF2-40B4-BE49-F238E27FC236}">
-                  <a16:creationId xmlns:a16="http://schemas.microsoft.com/office/drawing/2014/main" id="{60F4C95D-3F4E-4CEF-BF78-3FAA7F437BCF}"/>
-                </a:ext>
-              </a:extLst>
-            </p:cNvPr>
-            <p:cNvGrpSpPr/>
-            <p:nvPr/>
-          </p:nvGrpSpPr>
-          <p:grpSpPr>
-            <a:xfrm>
-              <a:off x="2954694" y="3819331"/>
-              <a:ext cx="5536163" cy="901959"/>
-              <a:chOff x="1026367" y="2768082"/>
-              <a:chExt cx="5536163" cy="901959"/>
-            </a:xfrm>
-          </p:grpSpPr>
-          <p:sp>
-            <p:nvSpPr>
-              <p:cNvPr id="3" name="Oval 2">
-                <a:extLst>
-                  <a:ext uri="{FF2B5EF4-FFF2-40B4-BE49-F238E27FC236}">
-                    <a16:creationId xmlns:a16="http://schemas.microsoft.com/office/drawing/2014/main" id="{CF11FAAC-ADDB-4716-B616-131B6B75E045}"/>
-                  </a:ext>
-                </a:extLst>
-              </p:cNvPr>
-              <p:cNvSpPr/>
-              <p:nvPr/>
-            </p:nvSpPr>
-            <p:spPr>
-              <a:xfrm>
-                <a:off x="1026367" y="2768082"/>
-                <a:ext cx="933061" cy="901959"/>
-              </a:xfrm>
-              <a:prstGeom prst="ellipse">
-                <a:avLst/>
-              </a:prstGeom>
-              <a:solidFill>
-                <a:schemeClr val="tx1">
-                  <a:lumMod val="85000"/>
-                </a:schemeClr>
-              </a:solidFill>
-              <a:ln>
-                <a:solidFill>
-                  <a:schemeClr val="bg2">
-                    <a:lumMod val="50000"/>
-                  </a:schemeClr>
-                </a:solidFill>
-              </a:ln>
-            </p:spPr>
-            <p:style>
-              <a:lnRef idx="2">
-                <a:schemeClr val="accent1">
-                  <a:shade val="50000"/>
-                </a:schemeClr>
-              </a:lnRef>
-              <a:fillRef idx="1">
-                <a:schemeClr val="accent1"/>
-              </a:fillRef>
-              <a:effectRef idx="0">
-                <a:schemeClr val="accent1"/>
-              </a:effectRef>
-              <a:fontRef idx="minor">
-                <a:schemeClr val="lt1"/>
-              </a:fontRef>
-            </p:style>
-            <p:txBody>
-              <a:bodyPr rtlCol="0" anchor="ctr"/>
-              <a:lstStyle/>
-              <a:p>
-                <a:pPr algn="ctr"/>
-                <a:r>
-                  <a:rPr lang="en-US" dirty="0"/>
-                  <a:t>S</a:t>
-                </a:r>
-                <a:r>
-                  <a:rPr lang="en-US" baseline="-25000" dirty="0"/>
-                  <a:t>0</a:t>
-                </a:r>
-              </a:p>
-            </p:txBody>
-          </p:sp>
-          <p:sp>
-            <p:nvSpPr>
-              <p:cNvPr id="4" name="Oval 3">
-                <a:extLst>
-                  <a:ext uri="{FF2B5EF4-FFF2-40B4-BE49-F238E27FC236}">
-                    <a16:creationId xmlns:a16="http://schemas.microsoft.com/office/drawing/2014/main" id="{093F3303-18E5-4DB5-9349-E32106A7D240}"/>
-                  </a:ext>
-                </a:extLst>
-              </p:cNvPr>
-              <p:cNvSpPr/>
-              <p:nvPr/>
-            </p:nvSpPr>
-            <p:spPr>
-              <a:xfrm>
-                <a:off x="3327918" y="2768082"/>
-                <a:ext cx="933061" cy="901959"/>
-              </a:xfrm>
-              <a:prstGeom prst="ellipse">
-                <a:avLst/>
-              </a:prstGeom>
-              <a:solidFill>
-                <a:schemeClr val="tx1">
-                  <a:lumMod val="85000"/>
-                </a:schemeClr>
-              </a:solidFill>
-              <a:ln>
-                <a:solidFill>
-                  <a:schemeClr val="bg2">
-                    <a:lumMod val="50000"/>
-                  </a:schemeClr>
-                </a:solidFill>
-              </a:ln>
-            </p:spPr>
-            <p:style>
-              <a:lnRef idx="2">
-                <a:schemeClr val="accent1">
-                  <a:shade val="50000"/>
-                </a:schemeClr>
-              </a:lnRef>
-              <a:fillRef idx="1">
-                <a:schemeClr val="accent1"/>
-              </a:fillRef>
-              <a:effectRef idx="0">
-                <a:schemeClr val="accent1"/>
-              </a:effectRef>
-              <a:fontRef idx="minor">
-                <a:schemeClr val="lt1"/>
-              </a:fontRef>
-            </p:style>
-            <p:txBody>
-              <a:bodyPr rtlCol="0" anchor="ctr"/>
-              <a:lstStyle/>
-              <a:p>
-                <a:pPr algn="ctr"/>
-                <a:r>
-                  <a:rPr lang="en-US" dirty="0"/>
-                  <a:t>S</a:t>
-                </a:r>
-                <a:r>
-                  <a:rPr lang="en-US" baseline="-25000" dirty="0"/>
-                  <a:t>1</a:t>
-                </a:r>
-              </a:p>
-            </p:txBody>
-          </p:sp>
-          <p:sp>
-            <p:nvSpPr>
-              <p:cNvPr id="5" name="Oval 4">
-                <a:extLst>
-                  <a:ext uri="{FF2B5EF4-FFF2-40B4-BE49-F238E27FC236}">
-                    <a16:creationId xmlns:a16="http://schemas.microsoft.com/office/drawing/2014/main" id="{7EB040DD-6BE9-428C-9665-D2EDB6FD13C0}"/>
-                  </a:ext>
-                </a:extLst>
-              </p:cNvPr>
-              <p:cNvSpPr/>
-              <p:nvPr/>
-            </p:nvSpPr>
-            <p:spPr>
-              <a:xfrm>
-                <a:off x="5629469" y="2768082"/>
-                <a:ext cx="933061" cy="901959"/>
-              </a:xfrm>
-              <a:prstGeom prst="ellipse">
-                <a:avLst/>
-              </a:prstGeom>
-              <a:solidFill>
-                <a:schemeClr val="tx1">
-                  <a:lumMod val="85000"/>
-                </a:schemeClr>
-              </a:solidFill>
-              <a:ln>
-                <a:solidFill>
-                  <a:schemeClr val="bg2">
-                    <a:lumMod val="50000"/>
-                  </a:schemeClr>
-                </a:solidFill>
-              </a:ln>
-            </p:spPr>
-            <p:style>
-              <a:lnRef idx="2">
-                <a:schemeClr val="accent1">
-                  <a:shade val="50000"/>
-                </a:schemeClr>
-              </a:lnRef>
-              <a:fillRef idx="1">
-                <a:schemeClr val="accent1"/>
-              </a:fillRef>
-              <a:effectRef idx="0">
-                <a:schemeClr val="accent1"/>
-              </a:effectRef>
-              <a:fontRef idx="minor">
-                <a:schemeClr val="lt1"/>
-              </a:fontRef>
-            </p:style>
-            <p:txBody>
-              <a:bodyPr rtlCol="0" anchor="ctr"/>
-              <a:lstStyle/>
-              <a:p>
-                <a:pPr algn="ctr"/>
-                <a:r>
-                  <a:rPr lang="en-US" dirty="0"/>
-                  <a:t>S</a:t>
-                </a:r>
-                <a:r>
-                  <a:rPr lang="en-US" baseline="-25000" dirty="0"/>
-                  <a:t>2</a:t>
-                </a:r>
-              </a:p>
-            </p:txBody>
-          </p:sp>
-        </p:grpSp>
-        <p:cxnSp>
-          <p:nvCxnSpPr>
-            <p:cNvPr id="8" name="Connector: Curved 7">
-              <a:extLst>
-                <a:ext uri="{FF2B5EF4-FFF2-40B4-BE49-F238E27FC236}">
-                  <a16:creationId xmlns:a16="http://schemas.microsoft.com/office/drawing/2014/main" id="{ABCD9547-2B86-40A2-8FEA-8A4765ED754A}"/>
-                </a:ext>
-              </a:extLst>
-            </p:cNvPr>
-            <p:cNvCxnSpPr>
-              <a:stCxn id="3" idx="7"/>
-              <a:endCxn id="4" idx="1"/>
-            </p:cNvCxnSpPr>
-            <p:nvPr/>
-          </p:nvCxnSpPr>
-          <p:spPr>
-            <a:xfrm rot="5400000" flipH="1" flipV="1">
-              <a:off x="4572000" y="3130531"/>
-              <a:ext cx="12700" cy="1641778"/>
-            </a:xfrm>
-            <a:prstGeom prst="curvedConnector3">
-              <a:avLst>
-                <a:gd name="adj1" fmla="val 2840071"/>
-              </a:avLst>
-            </a:prstGeom>
-            <a:ln w="19050">
-              <a:solidFill>
-                <a:schemeClr val="bg2">
-                  <a:lumMod val="60000"/>
-                  <a:lumOff val="40000"/>
-                </a:schemeClr>
-              </a:solidFill>
-              <a:tailEnd type="triangle"/>
-            </a:ln>
-          </p:spPr>
-          <p:style>
-            <a:lnRef idx="1">
-              <a:schemeClr val="accent1"/>
-            </a:lnRef>
-            <a:fillRef idx="0">
-              <a:schemeClr val="accent1"/>
-            </a:fillRef>
-            <a:effectRef idx="0">
-              <a:schemeClr val="accent1"/>
-            </a:effectRef>
-            <a:fontRef idx="minor">
-              <a:schemeClr val="tx1"/>
-            </a:fontRef>
-          </p:style>
-        </p:cxnSp>
-        <p:cxnSp>
-          <p:nvCxnSpPr>
-            <p:cNvPr id="12" name="Connector: Curved 11">
-              <a:extLst>
-                <a:ext uri="{FF2B5EF4-FFF2-40B4-BE49-F238E27FC236}">
-                  <a16:creationId xmlns:a16="http://schemas.microsoft.com/office/drawing/2014/main" id="{112C7B29-CB09-439E-8881-57D9D8E72C32}"/>
-                </a:ext>
-              </a:extLst>
-            </p:cNvPr>
-            <p:cNvCxnSpPr>
-              <a:stCxn id="4" idx="7"/>
-              <a:endCxn id="5" idx="1"/>
-            </p:cNvCxnSpPr>
-            <p:nvPr/>
-          </p:nvCxnSpPr>
-          <p:spPr>
-            <a:xfrm rot="5400000" flipH="1" flipV="1">
-              <a:off x="6873551" y="3130531"/>
-              <a:ext cx="12700" cy="1641778"/>
-            </a:xfrm>
-            <a:prstGeom prst="curvedConnector3">
-              <a:avLst>
-                <a:gd name="adj1" fmla="val 2840071"/>
-              </a:avLst>
-            </a:prstGeom>
-            <a:ln w="19050">
-              <a:solidFill>
-                <a:schemeClr val="bg2">
-                  <a:lumMod val="60000"/>
-                  <a:lumOff val="40000"/>
-                </a:schemeClr>
-              </a:solidFill>
-              <a:tailEnd type="triangle"/>
-            </a:ln>
-          </p:spPr>
-          <p:style>
-            <a:lnRef idx="1">
-              <a:schemeClr val="accent1"/>
-            </a:lnRef>
-            <a:fillRef idx="0">
-              <a:schemeClr val="accent1"/>
-            </a:fillRef>
-            <a:effectRef idx="0">
-              <a:schemeClr val="accent1"/>
-            </a:effectRef>
-            <a:fontRef idx="minor">
-              <a:schemeClr val="tx1"/>
-            </a:fontRef>
-          </p:style>
-        </p:cxnSp>
-        <p:cxnSp>
-          <p:nvCxnSpPr>
-            <p:cNvPr id="14" name="Connector: Curved 13">
-              <a:extLst>
-                <a:ext uri="{FF2B5EF4-FFF2-40B4-BE49-F238E27FC236}">
-                  <a16:creationId xmlns:a16="http://schemas.microsoft.com/office/drawing/2014/main" id="{C3AF8516-FBC7-43F7-B639-62F326A59907}"/>
-                </a:ext>
-              </a:extLst>
-            </p:cNvPr>
-            <p:cNvCxnSpPr>
-              <a:stCxn id="5" idx="3"/>
-              <a:endCxn id="4" idx="5"/>
-            </p:cNvCxnSpPr>
-            <p:nvPr/>
-          </p:nvCxnSpPr>
-          <p:spPr>
-            <a:xfrm rot="5400000">
-              <a:off x="6873551" y="3768312"/>
-              <a:ext cx="12700" cy="1641778"/>
-            </a:xfrm>
-            <a:prstGeom prst="curvedConnector3">
-              <a:avLst>
-                <a:gd name="adj1" fmla="val 2840071"/>
-              </a:avLst>
-            </a:prstGeom>
-            <a:ln w="19050">
-              <a:solidFill>
-                <a:schemeClr val="bg2">
-                  <a:lumMod val="60000"/>
-                  <a:lumOff val="40000"/>
-                </a:schemeClr>
-              </a:solidFill>
-              <a:tailEnd type="triangle"/>
-            </a:ln>
-          </p:spPr>
-          <p:style>
-            <a:lnRef idx="1">
-              <a:schemeClr val="accent1"/>
-            </a:lnRef>
-            <a:fillRef idx="0">
-              <a:schemeClr val="accent1"/>
-            </a:fillRef>
-            <a:effectRef idx="0">
-              <a:schemeClr val="accent1"/>
-            </a:effectRef>
-            <a:fontRef idx="minor">
-              <a:schemeClr val="tx1"/>
-            </a:fontRef>
-          </p:style>
-        </p:cxnSp>
-        <p:cxnSp>
-          <p:nvCxnSpPr>
-            <p:cNvPr id="16" name="Connector: Curved 15">
-              <a:extLst>
-                <a:ext uri="{FF2B5EF4-FFF2-40B4-BE49-F238E27FC236}">
-                  <a16:creationId xmlns:a16="http://schemas.microsoft.com/office/drawing/2014/main" id="{B5347DFB-6435-4B6D-948C-9A96D3C10021}"/>
-                </a:ext>
-              </a:extLst>
-            </p:cNvPr>
-            <p:cNvCxnSpPr>
-              <a:stCxn id="4" idx="3"/>
-              <a:endCxn id="3" idx="5"/>
-            </p:cNvCxnSpPr>
-            <p:nvPr/>
-          </p:nvCxnSpPr>
-          <p:spPr>
-            <a:xfrm rot="5400000">
-              <a:off x="4572000" y="3768312"/>
-              <a:ext cx="12700" cy="1641778"/>
-            </a:xfrm>
-            <a:prstGeom prst="curvedConnector3">
-              <a:avLst>
-                <a:gd name="adj1" fmla="val 2840071"/>
-              </a:avLst>
-            </a:prstGeom>
-            <a:ln w="19050">
-              <a:solidFill>
-                <a:schemeClr val="bg2">
-                  <a:lumMod val="60000"/>
-                  <a:lumOff val="40000"/>
-                </a:schemeClr>
-              </a:solidFill>
-              <a:tailEnd type="triangle"/>
-            </a:ln>
-          </p:spPr>
-          <p:style>
-            <a:lnRef idx="1">
-              <a:schemeClr val="accent1"/>
-            </a:lnRef>
-            <a:fillRef idx="0">
-              <a:schemeClr val="accent1"/>
-            </a:fillRef>
-            <a:effectRef idx="0">
-              <a:schemeClr val="accent1"/>
-            </a:effectRef>
-            <a:fontRef idx="minor">
-              <a:schemeClr val="tx1"/>
-            </a:fontRef>
-          </p:style>
-        </p:cxnSp>
-        <p:cxnSp>
-          <p:nvCxnSpPr>
-            <p:cNvPr id="18" name="Connector: Curved 17">
-              <a:extLst>
-                <a:ext uri="{FF2B5EF4-FFF2-40B4-BE49-F238E27FC236}">
-                  <a16:creationId xmlns:a16="http://schemas.microsoft.com/office/drawing/2014/main" id="{21BE83A7-C458-4D54-BA6F-47A707C34A73}"/>
-                </a:ext>
-              </a:extLst>
-            </p:cNvPr>
-            <p:cNvCxnSpPr>
-              <a:stCxn id="3" idx="1"/>
-              <a:endCxn id="3" idx="0"/>
-            </p:cNvCxnSpPr>
-            <p:nvPr/>
-          </p:nvCxnSpPr>
-          <p:spPr>
-            <a:xfrm rot="5400000" flipH="1" flipV="1">
-              <a:off x="3190237" y="3720433"/>
-              <a:ext cx="132089" cy="329887"/>
-            </a:xfrm>
-            <a:prstGeom prst="curvedConnector3">
-              <a:avLst>
-                <a:gd name="adj1" fmla="val 376669"/>
-              </a:avLst>
-            </a:prstGeom>
-            <a:ln w="19050">
-              <a:solidFill>
-                <a:schemeClr val="bg2">
-                  <a:lumMod val="60000"/>
-                  <a:lumOff val="40000"/>
-                </a:schemeClr>
-              </a:solidFill>
-              <a:tailEnd type="triangle"/>
-            </a:ln>
-          </p:spPr>
-          <p:style>
-            <a:lnRef idx="1">
-              <a:schemeClr val="accent1"/>
-            </a:lnRef>
-            <a:fillRef idx="0">
-              <a:schemeClr val="accent1"/>
-            </a:fillRef>
-            <a:effectRef idx="0">
-              <a:schemeClr val="accent1"/>
-            </a:effectRef>
-            <a:fontRef idx="minor">
-              <a:schemeClr val="tx1"/>
-            </a:fontRef>
-          </p:style>
-        </p:cxnSp>
-        <p:cxnSp>
-          <p:nvCxnSpPr>
-            <p:cNvPr id="21" name="Connector: Curved 20">
-              <a:extLst>
-                <a:ext uri="{FF2B5EF4-FFF2-40B4-BE49-F238E27FC236}">
-                  <a16:creationId xmlns:a16="http://schemas.microsoft.com/office/drawing/2014/main" id="{8B5FC949-58FF-4940-A020-B9F2DBD0CB0B}"/>
-                </a:ext>
-              </a:extLst>
-            </p:cNvPr>
-            <p:cNvCxnSpPr>
-              <a:stCxn id="5" idx="7"/>
-              <a:endCxn id="5" idx="5"/>
-            </p:cNvCxnSpPr>
-            <p:nvPr/>
-          </p:nvCxnSpPr>
-          <p:spPr>
-            <a:xfrm rot="16200000" flipH="1">
-              <a:off x="8035322" y="4270310"/>
-              <a:ext cx="637781" cy="12700"/>
-            </a:xfrm>
-            <a:prstGeom prst="curvedConnector5">
-              <a:avLst>
-                <a:gd name="adj1" fmla="val -35843"/>
-                <a:gd name="adj2" fmla="val 8071000"/>
-                <a:gd name="adj3" fmla="val 135843"/>
-              </a:avLst>
-            </a:prstGeom>
-            <a:ln w="19050">
-              <a:solidFill>
-                <a:schemeClr val="bg2">
-                  <a:lumMod val="60000"/>
-                  <a:lumOff val="40000"/>
-                </a:schemeClr>
-              </a:solidFill>
-              <a:tailEnd type="triangle"/>
-            </a:ln>
-          </p:spPr>
-          <p:style>
-            <a:lnRef idx="1">
-              <a:schemeClr val="accent1"/>
-            </a:lnRef>
-            <a:fillRef idx="0">
-              <a:schemeClr val="accent1"/>
-            </a:fillRef>
-            <a:effectRef idx="0">
-              <a:schemeClr val="accent1"/>
-            </a:effectRef>
-            <a:fontRef idx="minor">
-              <a:schemeClr val="tx1"/>
-            </a:fontRef>
-          </p:style>
-        </p:cxnSp>
-        <p:sp>
-          <p:nvSpPr>
-            <p:cNvPr id="22" name="TextBox 21">
-              <a:extLst>
-                <a:ext uri="{FF2B5EF4-FFF2-40B4-BE49-F238E27FC236}">
-                  <a16:creationId xmlns:a16="http://schemas.microsoft.com/office/drawing/2014/main" id="{289E0AC4-4F48-49B7-BD31-8A60100FD78E}"/>
-                </a:ext>
-              </a:extLst>
-            </p:cNvPr>
-            <p:cNvSpPr txBox="1"/>
-            <p:nvPr/>
-          </p:nvSpPr>
-          <p:spPr>
-            <a:xfrm>
-              <a:off x="4421095" y="3184849"/>
-              <a:ext cx="314510" cy="369332"/>
-            </a:xfrm>
-            <a:prstGeom prst="rect">
-              <a:avLst/>
-            </a:prstGeom>
-            <a:noFill/>
-          </p:spPr>
-          <p:txBody>
-            <a:bodyPr wrap="none" rtlCol="0">
-              <a:spAutoFit/>
-            </a:bodyPr>
-            <a:lstStyle/>
-            <a:p>
-              <a:r>
-                <a:rPr lang="el-GR" dirty="0">
-                  <a:solidFill>
-                    <a:schemeClr val="bg1">
-                      <a:lumMod val="75000"/>
-                      <a:lumOff val="25000"/>
-                    </a:schemeClr>
-                  </a:solidFill>
-                </a:rPr>
-                <a:t>α</a:t>
-              </a:r>
-              <a:endParaRPr lang="en-US" dirty="0">
-                <a:solidFill>
-                  <a:schemeClr val="bg1">
-                    <a:lumMod val="75000"/>
-                    <a:lumOff val="25000"/>
-                  </a:schemeClr>
-                </a:solidFill>
-              </a:endParaRPr>
-            </a:p>
-          </p:txBody>
-        </p:sp>
-        <p:sp>
-          <p:nvSpPr>
-            <p:cNvPr id="23" name="TextBox 22">
-              <a:extLst>
-                <a:ext uri="{FF2B5EF4-FFF2-40B4-BE49-F238E27FC236}">
-                  <a16:creationId xmlns:a16="http://schemas.microsoft.com/office/drawing/2014/main" id="{EEFDD2D8-C1AE-491E-8781-FD909CC60DBB}"/>
-                </a:ext>
-              </a:extLst>
-            </p:cNvPr>
-            <p:cNvSpPr txBox="1"/>
-            <p:nvPr/>
-          </p:nvSpPr>
-          <p:spPr>
-            <a:xfrm>
-              <a:off x="4421095" y="5024265"/>
-              <a:ext cx="314510" cy="369332"/>
-            </a:xfrm>
-            <a:prstGeom prst="rect">
-              <a:avLst/>
-            </a:prstGeom>
-            <a:noFill/>
-          </p:spPr>
-          <p:txBody>
-            <a:bodyPr wrap="none" rtlCol="0">
-              <a:spAutoFit/>
-            </a:bodyPr>
-            <a:lstStyle/>
-            <a:p>
-              <a:r>
-                <a:rPr lang="el-GR" dirty="0">
-                  <a:solidFill>
-                    <a:schemeClr val="bg1">
-                      <a:lumMod val="75000"/>
-                      <a:lumOff val="25000"/>
-                    </a:schemeClr>
-                  </a:solidFill>
-                </a:rPr>
-                <a:t>α</a:t>
-              </a:r>
-              <a:endParaRPr lang="en-US" dirty="0">
-                <a:solidFill>
-                  <a:schemeClr val="bg1">
-                    <a:lumMod val="75000"/>
-                    <a:lumOff val="25000"/>
-                  </a:schemeClr>
-                </a:solidFill>
-              </a:endParaRPr>
-            </a:p>
-          </p:txBody>
-        </p:sp>
-        <p:sp>
-          <p:nvSpPr>
-            <p:cNvPr id="24" name="TextBox 23">
-              <a:extLst>
-                <a:ext uri="{FF2B5EF4-FFF2-40B4-BE49-F238E27FC236}">
-                  <a16:creationId xmlns:a16="http://schemas.microsoft.com/office/drawing/2014/main" id="{5E50B6DE-36DE-4302-9C07-1E5EB613E34D}"/>
-                </a:ext>
-              </a:extLst>
-            </p:cNvPr>
-            <p:cNvSpPr txBox="1"/>
-            <p:nvPr/>
-          </p:nvSpPr>
-          <p:spPr>
-            <a:xfrm>
-              <a:off x="8658809" y="3184849"/>
-              <a:ext cx="314510" cy="369332"/>
-            </a:xfrm>
-            <a:prstGeom prst="rect">
-              <a:avLst/>
-            </a:prstGeom>
-            <a:noFill/>
-          </p:spPr>
-          <p:txBody>
-            <a:bodyPr wrap="none" rtlCol="0">
-              <a:spAutoFit/>
-            </a:bodyPr>
-            <a:lstStyle/>
-            <a:p>
-              <a:r>
-                <a:rPr lang="el-GR" dirty="0">
-                  <a:solidFill>
-                    <a:schemeClr val="bg1">
-                      <a:lumMod val="75000"/>
-                      <a:lumOff val="25000"/>
-                    </a:schemeClr>
-                  </a:solidFill>
-                </a:rPr>
-                <a:t>α</a:t>
-              </a:r>
-              <a:endParaRPr lang="en-US" dirty="0">
-                <a:solidFill>
-                  <a:schemeClr val="bg1">
-                    <a:lumMod val="75000"/>
-                    <a:lumOff val="25000"/>
-                  </a:schemeClr>
-                </a:solidFill>
-              </a:endParaRPr>
-            </a:p>
-          </p:txBody>
-        </p:sp>
-        <p:sp>
-          <p:nvSpPr>
-            <p:cNvPr id="25" name="TextBox 24">
-              <a:extLst>
-                <a:ext uri="{FF2B5EF4-FFF2-40B4-BE49-F238E27FC236}">
-                  <a16:creationId xmlns:a16="http://schemas.microsoft.com/office/drawing/2014/main" id="{6978D842-1C2F-45C4-B8F9-38FC6594668D}"/>
-                </a:ext>
-              </a:extLst>
-            </p:cNvPr>
-            <p:cNvSpPr txBox="1"/>
-            <p:nvPr/>
-          </p:nvSpPr>
-          <p:spPr>
-            <a:xfrm>
-              <a:off x="6722646" y="3184849"/>
-              <a:ext cx="314510" cy="369332"/>
-            </a:xfrm>
-            <a:prstGeom prst="rect">
-              <a:avLst/>
-            </a:prstGeom>
-            <a:noFill/>
-          </p:spPr>
-          <p:txBody>
-            <a:bodyPr wrap="none" rtlCol="0">
-              <a:spAutoFit/>
-            </a:bodyPr>
-            <a:lstStyle/>
-            <a:p>
-              <a:r>
-                <a:rPr lang="el-GR" dirty="0">
-                  <a:solidFill>
-                    <a:schemeClr val="bg1">
-                      <a:lumMod val="75000"/>
-                      <a:lumOff val="25000"/>
-                    </a:schemeClr>
-                  </a:solidFill>
-                </a:rPr>
-                <a:t>β</a:t>
-              </a:r>
-              <a:endParaRPr lang="en-US" dirty="0">
-                <a:solidFill>
-                  <a:schemeClr val="bg1">
-                    <a:lumMod val="75000"/>
-                    <a:lumOff val="25000"/>
-                  </a:schemeClr>
-                </a:solidFill>
-              </a:endParaRPr>
-            </a:p>
-          </p:txBody>
-        </p:sp>
-        <p:sp>
-          <p:nvSpPr>
-            <p:cNvPr id="26" name="TextBox 25">
-              <a:extLst>
-                <a:ext uri="{FF2B5EF4-FFF2-40B4-BE49-F238E27FC236}">
-                  <a16:creationId xmlns:a16="http://schemas.microsoft.com/office/drawing/2014/main" id="{BB9BBC21-306E-4FC4-A6AD-6CAC7D1DD344}"/>
-                </a:ext>
-              </a:extLst>
-            </p:cNvPr>
-            <p:cNvSpPr txBox="1"/>
-            <p:nvPr/>
-          </p:nvSpPr>
-          <p:spPr>
-            <a:xfrm>
-              <a:off x="6722646" y="5024265"/>
-              <a:ext cx="314510" cy="369332"/>
-            </a:xfrm>
-            <a:prstGeom prst="rect">
-              <a:avLst/>
-            </a:prstGeom>
-            <a:noFill/>
-          </p:spPr>
-          <p:txBody>
-            <a:bodyPr wrap="none" rtlCol="0">
-              <a:spAutoFit/>
-            </a:bodyPr>
-            <a:lstStyle/>
-            <a:p>
-              <a:r>
-                <a:rPr lang="el-GR" dirty="0">
-                  <a:solidFill>
-                    <a:schemeClr val="bg1">
-                      <a:lumMod val="75000"/>
-                      <a:lumOff val="25000"/>
-                    </a:schemeClr>
-                  </a:solidFill>
-                </a:rPr>
-                <a:t>β</a:t>
-              </a:r>
-              <a:endParaRPr lang="en-US" dirty="0">
-                <a:solidFill>
-                  <a:schemeClr val="bg1">
-                    <a:lumMod val="75000"/>
-                    <a:lumOff val="25000"/>
-                  </a:schemeClr>
-                </a:solidFill>
-              </a:endParaRPr>
-            </a:p>
-          </p:txBody>
-        </p:sp>
-        <p:sp>
-          <p:nvSpPr>
-            <p:cNvPr id="27" name="TextBox 26">
-              <a:extLst>
-                <a:ext uri="{FF2B5EF4-FFF2-40B4-BE49-F238E27FC236}">
-                  <a16:creationId xmlns:a16="http://schemas.microsoft.com/office/drawing/2014/main" id="{DBB12D37-3411-4228-817B-162657AD43E0}"/>
-                </a:ext>
-              </a:extLst>
-            </p:cNvPr>
-            <p:cNvSpPr txBox="1"/>
-            <p:nvPr/>
-          </p:nvSpPr>
-          <p:spPr>
-            <a:xfrm>
-              <a:off x="3099026" y="3000183"/>
-              <a:ext cx="314510" cy="369332"/>
-            </a:xfrm>
-            <a:prstGeom prst="rect">
-              <a:avLst/>
-            </a:prstGeom>
-            <a:noFill/>
-          </p:spPr>
-          <p:txBody>
-            <a:bodyPr wrap="none" rtlCol="0">
-              <a:spAutoFit/>
-            </a:bodyPr>
-            <a:lstStyle/>
-            <a:p>
-              <a:r>
-                <a:rPr lang="el-GR" dirty="0">
-                  <a:solidFill>
-                    <a:schemeClr val="bg1">
-                      <a:lumMod val="75000"/>
-                      <a:lumOff val="25000"/>
-                    </a:schemeClr>
-                  </a:solidFill>
-                </a:rPr>
-                <a:t>β</a:t>
-              </a:r>
-              <a:endParaRPr lang="en-US" dirty="0">
-                <a:solidFill>
-                  <a:schemeClr val="bg1">
-                    <a:lumMod val="75000"/>
-                    <a:lumOff val="25000"/>
-                  </a:schemeClr>
-                </a:solidFill>
-              </a:endParaRPr>
-            </a:p>
-          </p:txBody>
-        </p:sp>
-        <p:cxnSp>
-          <p:nvCxnSpPr>
-            <p:cNvPr id="29" name="Straight Arrow Connector 28">
-              <a:extLst>
-                <a:ext uri="{FF2B5EF4-FFF2-40B4-BE49-F238E27FC236}">
-                  <a16:creationId xmlns:a16="http://schemas.microsoft.com/office/drawing/2014/main" id="{8B2F38D9-E578-4E41-8024-11E067A06E1C}"/>
-                </a:ext>
-              </a:extLst>
-            </p:cNvPr>
-            <p:cNvCxnSpPr>
-              <a:endCxn id="3" idx="2"/>
-            </p:cNvCxnSpPr>
-            <p:nvPr/>
-          </p:nvCxnSpPr>
-          <p:spPr>
-            <a:xfrm flipV="1">
-              <a:off x="2513045" y="4270311"/>
-              <a:ext cx="441649" cy="6349"/>
-            </a:xfrm>
-            <a:prstGeom prst="straightConnector1">
-              <a:avLst/>
-            </a:prstGeom>
-            <a:ln w="57150">
-              <a:solidFill>
-                <a:srgbClr val="FF0000"/>
-              </a:solidFill>
-              <a:tailEnd type="triangle"/>
-            </a:ln>
-          </p:spPr>
-          <p:style>
-            <a:lnRef idx="1">
-              <a:schemeClr val="accent1"/>
-            </a:lnRef>
-            <a:fillRef idx="0">
-              <a:schemeClr val="accent1"/>
-            </a:fillRef>
-            <a:effectRef idx="0">
-              <a:schemeClr val="accent1"/>
-            </a:effectRef>
-            <a:fontRef idx="minor">
-              <a:schemeClr val="tx1"/>
-            </a:fontRef>
-          </p:style>
-        </p:cxnSp>
-        <p:sp>
-          <p:nvSpPr>
-            <p:cNvPr id="30" name="TextBox 29">
-              <a:extLst>
-                <a:ext uri="{FF2B5EF4-FFF2-40B4-BE49-F238E27FC236}">
-                  <a16:creationId xmlns:a16="http://schemas.microsoft.com/office/drawing/2014/main" id="{C2953A10-675E-485A-8F68-2E540C6F573E}"/>
-                </a:ext>
-              </a:extLst>
-            </p:cNvPr>
-            <p:cNvSpPr txBox="1"/>
-            <p:nvPr/>
-          </p:nvSpPr>
-          <p:spPr>
-            <a:xfrm>
-              <a:off x="2509890" y="3856783"/>
-              <a:ext cx="296876" cy="369332"/>
-            </a:xfrm>
-            <a:prstGeom prst="rect">
-              <a:avLst/>
-            </a:prstGeom>
-            <a:noFill/>
-          </p:spPr>
-          <p:txBody>
-            <a:bodyPr wrap="none" rtlCol="0">
-              <a:spAutoFit/>
-            </a:bodyPr>
-            <a:lstStyle/>
-            <a:p>
-              <a:r>
-                <a:rPr lang="el-GR" dirty="0">
-                  <a:solidFill>
-                    <a:schemeClr val="bg1">
-                      <a:lumMod val="75000"/>
-                      <a:lumOff val="25000"/>
-                    </a:schemeClr>
-                  </a:solidFill>
-                </a:rPr>
-                <a:t>γ</a:t>
-              </a:r>
-              <a:endParaRPr lang="en-US" dirty="0">
-                <a:solidFill>
-                  <a:schemeClr val="bg1">
-                    <a:lumMod val="75000"/>
-                    <a:lumOff val="25000"/>
-                  </a:schemeClr>
-                </a:solidFill>
-              </a:endParaRPr>
-            </a:p>
-          </p:txBody>
-        </p:sp>
-      </p:grpSp>
-      <p:grpSp>
-        <p:nvGrpSpPr>
           <p:cNvPr id="7" name="Group 6">
             <a:extLst>
               <a:ext uri="{FF2B5EF4-FFF2-40B4-BE49-F238E27FC236}">
@@ -8434,9 +7522,9 @@
         <p:grpSpPr>
           <a:xfrm>
             <a:off x="565691" y="761739"/>
-            <a:ext cx="11060618" cy="1146713"/>
+            <a:ext cx="10126965" cy="1146713"/>
             <a:chOff x="932847" y="761739"/>
-            <a:chExt cx="11060618" cy="1146713"/>
+            <a:chExt cx="10126965" cy="1146713"/>
           </a:xfrm>
         </p:grpSpPr>
         <p:sp>
@@ -8593,7 +7681,7 @@
           <p:spPr>
             <a:xfrm>
               <a:off x="932847" y="1537334"/>
-              <a:ext cx="1715534" cy="369332"/>
+              <a:ext cx="1455848" cy="369332"/>
             </a:xfrm>
             <a:prstGeom prst="rect">
               <a:avLst/>
@@ -8648,7 +7736,7 @@
                     </a:schemeClr>
                   </a:solidFill>
                 </a:rPr>
-                <a:t>αβααβαβ</a:t>
+                <a:t>βαββα</a:t>
               </a:r>
               <a:r>
                 <a:rPr lang="en-US" dirty="0">
@@ -8679,7 +7767,7 @@
           <p:spPr>
             <a:xfrm>
               <a:off x="8251158" y="1539120"/>
-              <a:ext cx="3742307" cy="369332"/>
+              <a:ext cx="2808654" cy="369332"/>
             </a:xfrm>
             <a:prstGeom prst="rect">
               <a:avLst/>
@@ -8800,51 +7888,7 @@
                     </a:schemeClr>
                   </a:solidFill>
                 </a:rPr>
-                <a:t>2</a:t>
-              </a:r>
-              <a:r>
-                <a:rPr lang="en-US" dirty="0">
-                  <a:solidFill>
-                    <a:schemeClr val="bg1">
-                      <a:lumMod val="75000"/>
-                      <a:lumOff val="25000"/>
-                    </a:schemeClr>
-                  </a:solidFill>
-                </a:rPr>
-                <a:t>, S</a:t>
-              </a:r>
-              <a:r>
-                <a:rPr lang="en-US" baseline="-25000" dirty="0">
-                  <a:solidFill>
-                    <a:schemeClr val="bg1">
-                      <a:lumMod val="75000"/>
-                      <a:lumOff val="25000"/>
-                    </a:schemeClr>
-                  </a:solidFill>
-                </a:rPr>
-                <a:t>2</a:t>
-              </a:r>
-              <a:r>
-                <a:rPr lang="en-US" dirty="0">
-                  <a:solidFill>
-                    <a:schemeClr val="bg1">
-                      <a:lumMod val="75000"/>
-                      <a:lumOff val="25000"/>
-                    </a:schemeClr>
-                  </a:solidFill>
-                </a:rPr>
-                <a:t>, S</a:t>
-              </a:r>
-              <a:r>
-                <a:rPr lang="en-US" baseline="-25000" dirty="0">
-                  <a:solidFill>
-                    <a:schemeClr val="bg1">
-                      <a:lumMod val="75000"/>
-                      <a:lumOff val="25000"/>
-                    </a:schemeClr>
-                  </a:solidFill>
-                </a:rPr>
-                <a:t>1</a:t>
+                <a:t>3</a:t>
               </a:r>
               <a:r>
                 <a:rPr lang="en-US" dirty="0">
@@ -8877,18 +7921,18 @@
                     </a:schemeClr>
                   </a:solidFill>
                 </a:rPr>
-                <a:t>, S</a:t>
+                <a:t>} = </a:t>
               </a:r>
               <a:r>
-                <a:rPr lang="en-US" baseline="-25000" dirty="0">
+                <a:rPr lang="en-US" dirty="0">
                   <a:solidFill>
-                    <a:schemeClr val="bg1">
-                      <a:lumMod val="75000"/>
-                      <a:lumOff val="25000"/>
+                    <a:schemeClr val="accent3">
+                      <a:lumMod val="60000"/>
+                      <a:lumOff val="40000"/>
                     </a:schemeClr>
                   </a:solidFill>
                 </a:rPr>
-                <a:t>0</a:t>
+                <a:t>True</a:t>
               </a:r>
               <a:r>
                 <a:rPr lang="en-US" dirty="0">
@@ -8899,8 +7943,1232 @@
                     </a:schemeClr>
                   </a:solidFill>
                 </a:rPr>
-                <a:t>} = True </a:t>
+                <a:t> </a:t>
               </a:r>
+            </a:p>
+          </p:txBody>
+        </p:sp>
+      </p:grpSp>
+      <p:grpSp>
+        <p:nvGrpSpPr>
+          <p:cNvPr id="51" name="Group 50">
+            <a:extLst>
+              <a:ext uri="{FF2B5EF4-FFF2-40B4-BE49-F238E27FC236}">
+                <a16:creationId xmlns:a16="http://schemas.microsoft.com/office/drawing/2014/main" id="{BB863C9B-D5A2-44E7-9CCA-743ECB8E031B}"/>
+              </a:ext>
+            </a:extLst>
+          </p:cNvPr>
+          <p:cNvGrpSpPr/>
+          <p:nvPr/>
+        </p:nvGrpSpPr>
+        <p:grpSpPr>
+          <a:xfrm>
+            <a:off x="3205732" y="2232293"/>
+            <a:ext cx="4398496" cy="3625906"/>
+            <a:chOff x="3205732" y="2232293"/>
+            <a:chExt cx="4398496" cy="3625906"/>
+          </a:xfrm>
+        </p:grpSpPr>
+        <p:grpSp>
+          <p:nvGrpSpPr>
+            <p:cNvPr id="31" name="Group 30">
+              <a:extLst>
+                <a:ext uri="{FF2B5EF4-FFF2-40B4-BE49-F238E27FC236}">
+                  <a16:creationId xmlns:a16="http://schemas.microsoft.com/office/drawing/2014/main" id="{C7AB50E5-6A2C-4E51-9029-FA8D94D4D136}"/>
+                </a:ext>
+              </a:extLst>
+            </p:cNvPr>
+            <p:cNvGrpSpPr/>
+            <p:nvPr/>
+          </p:nvGrpSpPr>
+          <p:grpSpPr>
+            <a:xfrm>
+              <a:off x="3291726" y="2232293"/>
+              <a:ext cx="4312502" cy="3478894"/>
+              <a:chOff x="2509890" y="3000183"/>
+              <a:chExt cx="4312502" cy="3478894"/>
+            </a:xfrm>
+          </p:grpSpPr>
+          <p:grpSp>
+            <p:nvGrpSpPr>
+              <p:cNvPr id="6" name="Group 5">
+                <a:extLst>
+                  <a:ext uri="{FF2B5EF4-FFF2-40B4-BE49-F238E27FC236}">
+                    <a16:creationId xmlns:a16="http://schemas.microsoft.com/office/drawing/2014/main" id="{60F4C95D-3F4E-4CEF-BF78-3FAA7F437BCF}"/>
+                  </a:ext>
+                </a:extLst>
+              </p:cNvPr>
+              <p:cNvGrpSpPr/>
+              <p:nvPr/>
+            </p:nvGrpSpPr>
+            <p:grpSpPr>
+              <a:xfrm>
+                <a:off x="2954694" y="3819331"/>
+                <a:ext cx="3234612" cy="2659746"/>
+                <a:chOff x="1026367" y="2768082"/>
+                <a:chExt cx="3234612" cy="2659746"/>
+              </a:xfrm>
+            </p:grpSpPr>
+            <p:sp>
+              <p:nvSpPr>
+                <p:cNvPr id="3" name="Oval 2">
+                  <a:extLst>
+                    <a:ext uri="{FF2B5EF4-FFF2-40B4-BE49-F238E27FC236}">
+                      <a16:creationId xmlns:a16="http://schemas.microsoft.com/office/drawing/2014/main" id="{CF11FAAC-ADDB-4716-B616-131B6B75E045}"/>
+                    </a:ext>
+                  </a:extLst>
+                </p:cNvPr>
+                <p:cNvSpPr/>
+                <p:nvPr/>
+              </p:nvSpPr>
+              <p:spPr>
+                <a:xfrm>
+                  <a:off x="1026367" y="2768082"/>
+                  <a:ext cx="933061" cy="901959"/>
+                </a:xfrm>
+                <a:prstGeom prst="ellipse">
+                  <a:avLst/>
+                </a:prstGeom>
+                <a:solidFill>
+                  <a:schemeClr val="tx1">
+                    <a:lumMod val="85000"/>
+                  </a:schemeClr>
+                </a:solidFill>
+                <a:ln>
+                  <a:solidFill>
+                    <a:schemeClr val="bg2">
+                      <a:lumMod val="50000"/>
+                    </a:schemeClr>
+                  </a:solidFill>
+                </a:ln>
+              </p:spPr>
+              <p:style>
+                <a:lnRef idx="2">
+                  <a:schemeClr val="accent1">
+                    <a:shade val="50000"/>
+                  </a:schemeClr>
+                </a:lnRef>
+                <a:fillRef idx="1">
+                  <a:schemeClr val="accent1"/>
+                </a:fillRef>
+                <a:effectRef idx="0">
+                  <a:schemeClr val="accent1"/>
+                </a:effectRef>
+                <a:fontRef idx="minor">
+                  <a:schemeClr val="lt1"/>
+                </a:fontRef>
+              </p:style>
+              <p:txBody>
+                <a:bodyPr rtlCol="0" anchor="ctr"/>
+                <a:lstStyle/>
+                <a:p>
+                  <a:pPr algn="ctr"/>
+                  <a:r>
+                    <a:rPr lang="en-US" dirty="0"/>
+                    <a:t>S</a:t>
+                  </a:r>
+                  <a:r>
+                    <a:rPr lang="en-US" baseline="-25000" dirty="0"/>
+                    <a:t>0</a:t>
+                  </a:r>
+                </a:p>
+              </p:txBody>
+            </p:sp>
+            <p:sp>
+              <p:nvSpPr>
+                <p:cNvPr id="4" name="Oval 3">
+                  <a:extLst>
+                    <a:ext uri="{FF2B5EF4-FFF2-40B4-BE49-F238E27FC236}">
+                      <a16:creationId xmlns:a16="http://schemas.microsoft.com/office/drawing/2014/main" id="{093F3303-18E5-4DB5-9349-E32106A7D240}"/>
+                    </a:ext>
+                  </a:extLst>
+                </p:cNvPr>
+                <p:cNvSpPr/>
+                <p:nvPr/>
+              </p:nvSpPr>
+              <p:spPr>
+                <a:xfrm>
+                  <a:off x="3327918" y="2768082"/>
+                  <a:ext cx="933061" cy="901959"/>
+                </a:xfrm>
+                <a:prstGeom prst="ellipse">
+                  <a:avLst/>
+                </a:prstGeom>
+                <a:solidFill>
+                  <a:schemeClr val="tx1">
+                    <a:lumMod val="85000"/>
+                  </a:schemeClr>
+                </a:solidFill>
+                <a:ln>
+                  <a:solidFill>
+                    <a:schemeClr val="bg2">
+                      <a:lumMod val="50000"/>
+                    </a:schemeClr>
+                  </a:solidFill>
+                </a:ln>
+              </p:spPr>
+              <p:style>
+                <a:lnRef idx="2">
+                  <a:schemeClr val="accent1">
+                    <a:shade val="50000"/>
+                  </a:schemeClr>
+                </a:lnRef>
+                <a:fillRef idx="1">
+                  <a:schemeClr val="accent1"/>
+                </a:fillRef>
+                <a:effectRef idx="0">
+                  <a:schemeClr val="accent1"/>
+                </a:effectRef>
+                <a:fontRef idx="minor">
+                  <a:schemeClr val="lt1"/>
+                </a:fontRef>
+              </p:style>
+              <p:txBody>
+                <a:bodyPr rtlCol="0" anchor="ctr"/>
+                <a:lstStyle/>
+                <a:p>
+                  <a:pPr algn="ctr"/>
+                  <a:r>
+                    <a:rPr lang="en-US" dirty="0"/>
+                    <a:t>S</a:t>
+                  </a:r>
+                  <a:r>
+                    <a:rPr lang="en-US" baseline="-25000" dirty="0"/>
+                    <a:t>1</a:t>
+                  </a:r>
+                </a:p>
+              </p:txBody>
+            </p:sp>
+            <p:sp>
+              <p:nvSpPr>
+                <p:cNvPr id="5" name="Oval 4">
+                  <a:extLst>
+                    <a:ext uri="{FF2B5EF4-FFF2-40B4-BE49-F238E27FC236}">
+                      <a16:creationId xmlns:a16="http://schemas.microsoft.com/office/drawing/2014/main" id="{7EB040DD-6BE9-428C-9665-D2EDB6FD13C0}"/>
+                    </a:ext>
+                  </a:extLst>
+                </p:cNvPr>
+                <p:cNvSpPr/>
+                <p:nvPr/>
+              </p:nvSpPr>
+              <p:spPr>
+                <a:xfrm>
+                  <a:off x="3327917" y="4525869"/>
+                  <a:ext cx="933061" cy="901959"/>
+                </a:xfrm>
+                <a:prstGeom prst="ellipse">
+                  <a:avLst/>
+                </a:prstGeom>
+                <a:solidFill>
+                  <a:schemeClr val="tx1">
+                    <a:lumMod val="85000"/>
+                  </a:schemeClr>
+                </a:solidFill>
+                <a:ln>
+                  <a:solidFill>
+                    <a:schemeClr val="bg2">
+                      <a:lumMod val="50000"/>
+                    </a:schemeClr>
+                  </a:solidFill>
+                </a:ln>
+              </p:spPr>
+              <p:style>
+                <a:lnRef idx="2">
+                  <a:schemeClr val="accent1">
+                    <a:shade val="50000"/>
+                  </a:schemeClr>
+                </a:lnRef>
+                <a:fillRef idx="1">
+                  <a:schemeClr val="accent1"/>
+                </a:fillRef>
+                <a:effectRef idx="0">
+                  <a:schemeClr val="accent1"/>
+                </a:effectRef>
+                <a:fontRef idx="minor">
+                  <a:schemeClr val="lt1"/>
+                </a:fontRef>
+              </p:style>
+              <p:txBody>
+                <a:bodyPr rtlCol="0" anchor="ctr"/>
+                <a:lstStyle/>
+                <a:p>
+                  <a:pPr algn="ctr"/>
+                  <a:r>
+                    <a:rPr lang="en-US" dirty="0"/>
+                    <a:t>S</a:t>
+                  </a:r>
+                  <a:r>
+                    <a:rPr lang="en-US" baseline="-25000" dirty="0"/>
+                    <a:t>2</a:t>
+                  </a:r>
+                </a:p>
+              </p:txBody>
+            </p:sp>
+          </p:grpSp>
+          <p:cxnSp>
+            <p:nvCxnSpPr>
+              <p:cNvPr id="8" name="Connector: Curved 7">
+                <a:extLst>
+                  <a:ext uri="{FF2B5EF4-FFF2-40B4-BE49-F238E27FC236}">
+                    <a16:creationId xmlns:a16="http://schemas.microsoft.com/office/drawing/2014/main" id="{ABCD9547-2B86-40A2-8FEA-8A4765ED754A}"/>
+                  </a:ext>
+                </a:extLst>
+              </p:cNvPr>
+              <p:cNvCxnSpPr>
+                <a:stCxn id="3" idx="7"/>
+                <a:endCxn id="4" idx="1"/>
+              </p:cNvCxnSpPr>
+              <p:nvPr/>
+            </p:nvCxnSpPr>
+            <p:spPr>
+              <a:xfrm rot="5400000" flipH="1" flipV="1">
+                <a:off x="4572000" y="3130531"/>
+                <a:ext cx="12700" cy="1641778"/>
+              </a:xfrm>
+              <a:prstGeom prst="curvedConnector3">
+                <a:avLst>
+                  <a:gd name="adj1" fmla="val 2840071"/>
+                </a:avLst>
+              </a:prstGeom>
+              <a:ln w="19050">
+                <a:solidFill>
+                  <a:schemeClr val="bg2">
+                    <a:lumMod val="60000"/>
+                    <a:lumOff val="40000"/>
+                  </a:schemeClr>
+                </a:solidFill>
+                <a:tailEnd type="triangle"/>
+              </a:ln>
+            </p:spPr>
+            <p:style>
+              <a:lnRef idx="1">
+                <a:schemeClr val="accent1"/>
+              </a:lnRef>
+              <a:fillRef idx="0">
+                <a:schemeClr val="accent1"/>
+              </a:fillRef>
+              <a:effectRef idx="0">
+                <a:schemeClr val="accent1"/>
+              </a:effectRef>
+              <a:fontRef idx="minor">
+                <a:schemeClr val="tx1"/>
+              </a:fontRef>
+            </p:style>
+          </p:cxnSp>
+          <p:cxnSp>
+            <p:nvCxnSpPr>
+              <p:cNvPr id="12" name="Connector: Curved 11">
+                <a:extLst>
+                  <a:ext uri="{FF2B5EF4-FFF2-40B4-BE49-F238E27FC236}">
+                    <a16:creationId xmlns:a16="http://schemas.microsoft.com/office/drawing/2014/main" id="{112C7B29-CB09-439E-8881-57D9D8E72C32}"/>
+                  </a:ext>
+                </a:extLst>
+              </p:cNvPr>
+              <p:cNvCxnSpPr>
+                <a:cxnSpLocks/>
+                <a:stCxn id="4" idx="0"/>
+                <a:endCxn id="4" idx="7"/>
+              </p:cNvCxnSpPr>
+              <p:nvPr/>
+            </p:nvCxnSpPr>
+            <p:spPr>
+              <a:xfrm rot="16200000" flipH="1">
+                <a:off x="5821674" y="3720432"/>
+                <a:ext cx="132089" cy="329886"/>
+              </a:xfrm>
+              <a:prstGeom prst="curvedConnector3">
+                <a:avLst>
+                  <a:gd name="adj1" fmla="val -271960"/>
+                </a:avLst>
+              </a:prstGeom>
+              <a:ln w="19050">
+                <a:solidFill>
+                  <a:schemeClr val="bg2">
+                    <a:lumMod val="60000"/>
+                    <a:lumOff val="40000"/>
+                  </a:schemeClr>
+                </a:solidFill>
+                <a:tailEnd type="triangle"/>
+              </a:ln>
+            </p:spPr>
+            <p:style>
+              <a:lnRef idx="1">
+                <a:schemeClr val="accent1"/>
+              </a:lnRef>
+              <a:fillRef idx="0">
+                <a:schemeClr val="accent1"/>
+              </a:fillRef>
+              <a:effectRef idx="0">
+                <a:schemeClr val="accent1"/>
+              </a:effectRef>
+              <a:fontRef idx="minor">
+                <a:schemeClr val="tx1"/>
+              </a:fontRef>
+            </p:style>
+          </p:cxnSp>
+          <p:cxnSp>
+            <p:nvCxnSpPr>
+              <p:cNvPr id="14" name="Connector: Curved 13">
+                <a:extLst>
+                  <a:ext uri="{FF2B5EF4-FFF2-40B4-BE49-F238E27FC236}">
+                    <a16:creationId xmlns:a16="http://schemas.microsoft.com/office/drawing/2014/main" id="{C3AF8516-FBC7-43F7-B639-62F326A59907}"/>
+                  </a:ext>
+                </a:extLst>
+              </p:cNvPr>
+              <p:cNvCxnSpPr>
+                <a:cxnSpLocks/>
+                <a:stCxn id="5" idx="3"/>
+                <a:endCxn id="35" idx="5"/>
+              </p:cNvCxnSpPr>
+              <p:nvPr/>
+            </p:nvCxnSpPr>
+            <p:spPr>
+              <a:xfrm rot="5400000">
+                <a:off x="4570416" y="5527684"/>
+                <a:ext cx="3169" cy="1641777"/>
+              </a:xfrm>
+              <a:prstGeom prst="curvedConnector3">
+                <a:avLst>
+                  <a:gd name="adj1" fmla="val 11481792"/>
+                </a:avLst>
+              </a:prstGeom>
+              <a:ln w="19050">
+                <a:solidFill>
+                  <a:schemeClr val="bg2">
+                    <a:lumMod val="60000"/>
+                    <a:lumOff val="40000"/>
+                  </a:schemeClr>
+                </a:solidFill>
+                <a:tailEnd type="triangle"/>
+              </a:ln>
+            </p:spPr>
+            <p:style>
+              <a:lnRef idx="1">
+                <a:schemeClr val="accent1"/>
+              </a:lnRef>
+              <a:fillRef idx="0">
+                <a:schemeClr val="accent1"/>
+              </a:fillRef>
+              <a:effectRef idx="0">
+                <a:schemeClr val="accent1"/>
+              </a:effectRef>
+              <a:fontRef idx="minor">
+                <a:schemeClr val="tx1"/>
+              </a:fontRef>
+            </p:style>
+          </p:cxnSp>
+          <p:cxnSp>
+            <p:nvCxnSpPr>
+              <p:cNvPr id="16" name="Connector: Curved 15">
+                <a:extLst>
+                  <a:ext uri="{FF2B5EF4-FFF2-40B4-BE49-F238E27FC236}">
+                    <a16:creationId xmlns:a16="http://schemas.microsoft.com/office/drawing/2014/main" id="{B5347DFB-6435-4B6D-948C-9A96D3C10021}"/>
+                  </a:ext>
+                </a:extLst>
+              </p:cNvPr>
+              <p:cNvCxnSpPr>
+                <a:cxnSpLocks/>
+                <a:stCxn id="4" idx="2"/>
+                <a:endCxn id="5" idx="2"/>
+              </p:cNvCxnSpPr>
+              <p:nvPr/>
+            </p:nvCxnSpPr>
+            <p:spPr>
+              <a:xfrm rot="10800000" flipV="1">
+                <a:off x="5256245" y="4270310"/>
+                <a:ext cx="1" cy="1757787"/>
+              </a:xfrm>
+              <a:prstGeom prst="curvedConnector3">
+                <a:avLst>
+                  <a:gd name="adj1" fmla="val 22860100000"/>
+                </a:avLst>
+              </a:prstGeom>
+              <a:ln w="19050">
+                <a:solidFill>
+                  <a:schemeClr val="bg2">
+                    <a:lumMod val="60000"/>
+                    <a:lumOff val="40000"/>
+                  </a:schemeClr>
+                </a:solidFill>
+                <a:tailEnd type="triangle"/>
+              </a:ln>
+            </p:spPr>
+            <p:style>
+              <a:lnRef idx="1">
+                <a:schemeClr val="accent1"/>
+              </a:lnRef>
+              <a:fillRef idx="0">
+                <a:schemeClr val="accent1"/>
+              </a:fillRef>
+              <a:effectRef idx="0">
+                <a:schemeClr val="accent1"/>
+              </a:effectRef>
+              <a:fontRef idx="minor">
+                <a:schemeClr val="tx1"/>
+              </a:fontRef>
+            </p:style>
+          </p:cxnSp>
+          <p:cxnSp>
+            <p:nvCxnSpPr>
+              <p:cNvPr id="18" name="Connector: Curved 17">
+                <a:extLst>
+                  <a:ext uri="{FF2B5EF4-FFF2-40B4-BE49-F238E27FC236}">
+                    <a16:creationId xmlns:a16="http://schemas.microsoft.com/office/drawing/2014/main" id="{21BE83A7-C458-4D54-BA6F-47A707C34A73}"/>
+                  </a:ext>
+                </a:extLst>
+              </p:cNvPr>
+              <p:cNvCxnSpPr>
+                <a:stCxn id="3" idx="1"/>
+                <a:endCxn id="3" idx="0"/>
+              </p:cNvCxnSpPr>
+              <p:nvPr/>
+            </p:nvCxnSpPr>
+            <p:spPr>
+              <a:xfrm rot="5400000" flipH="1" flipV="1">
+                <a:off x="3190237" y="3720433"/>
+                <a:ext cx="132089" cy="329887"/>
+              </a:xfrm>
+              <a:prstGeom prst="curvedConnector3">
+                <a:avLst>
+                  <a:gd name="adj1" fmla="val 376669"/>
+                </a:avLst>
+              </a:prstGeom>
+              <a:ln w="19050">
+                <a:solidFill>
+                  <a:schemeClr val="bg2">
+                    <a:lumMod val="60000"/>
+                    <a:lumOff val="40000"/>
+                  </a:schemeClr>
+                </a:solidFill>
+                <a:tailEnd type="triangle"/>
+              </a:ln>
+            </p:spPr>
+            <p:style>
+              <a:lnRef idx="1">
+                <a:schemeClr val="accent1"/>
+              </a:lnRef>
+              <a:fillRef idx="0">
+                <a:schemeClr val="accent1"/>
+              </a:fillRef>
+              <a:effectRef idx="0">
+                <a:schemeClr val="accent1"/>
+              </a:effectRef>
+              <a:fontRef idx="minor">
+                <a:schemeClr val="tx1"/>
+              </a:fontRef>
+            </p:style>
+          </p:cxnSp>
+          <p:cxnSp>
+            <p:nvCxnSpPr>
+              <p:cNvPr id="21" name="Connector: Curved 20">
+                <a:extLst>
+                  <a:ext uri="{FF2B5EF4-FFF2-40B4-BE49-F238E27FC236}">
+                    <a16:creationId xmlns:a16="http://schemas.microsoft.com/office/drawing/2014/main" id="{8B5FC949-58FF-4940-A020-B9F2DBD0CB0B}"/>
+                  </a:ext>
+                </a:extLst>
+              </p:cNvPr>
+              <p:cNvCxnSpPr>
+                <a:cxnSpLocks/>
+                <a:stCxn id="5" idx="6"/>
+                <a:endCxn id="4" idx="6"/>
+              </p:cNvCxnSpPr>
+              <p:nvPr/>
+            </p:nvCxnSpPr>
+            <p:spPr>
+              <a:xfrm flipV="1">
+                <a:off x="6189305" y="4270311"/>
+                <a:ext cx="1" cy="1757787"/>
+              </a:xfrm>
+              <a:prstGeom prst="curvedConnector3">
+                <a:avLst>
+                  <a:gd name="adj1" fmla="val 22860100000"/>
+                </a:avLst>
+              </a:prstGeom>
+              <a:ln w="19050">
+                <a:solidFill>
+                  <a:schemeClr val="bg2">
+                    <a:lumMod val="60000"/>
+                    <a:lumOff val="40000"/>
+                  </a:schemeClr>
+                </a:solidFill>
+                <a:tailEnd type="triangle"/>
+              </a:ln>
+            </p:spPr>
+            <p:style>
+              <a:lnRef idx="1">
+                <a:schemeClr val="accent1"/>
+              </a:lnRef>
+              <a:fillRef idx="0">
+                <a:schemeClr val="accent1"/>
+              </a:fillRef>
+              <a:effectRef idx="0">
+                <a:schemeClr val="accent1"/>
+              </a:effectRef>
+              <a:fontRef idx="minor">
+                <a:schemeClr val="tx1"/>
+              </a:fontRef>
+            </p:style>
+          </p:cxnSp>
+          <p:sp>
+            <p:nvSpPr>
+              <p:cNvPr id="22" name="TextBox 21">
+                <a:extLst>
+                  <a:ext uri="{FF2B5EF4-FFF2-40B4-BE49-F238E27FC236}">
+                    <a16:creationId xmlns:a16="http://schemas.microsoft.com/office/drawing/2014/main" id="{289E0AC4-4F48-49B7-BD31-8A60100FD78E}"/>
+                  </a:ext>
+                </a:extLst>
+              </p:cNvPr>
+              <p:cNvSpPr txBox="1"/>
+              <p:nvPr/>
+            </p:nvSpPr>
+            <p:spPr>
+              <a:xfrm>
+                <a:off x="4421095" y="3184849"/>
+                <a:ext cx="314510" cy="369332"/>
+              </a:xfrm>
+              <a:prstGeom prst="rect">
+                <a:avLst/>
+              </a:prstGeom>
+              <a:noFill/>
+            </p:spPr>
+            <p:txBody>
+              <a:bodyPr wrap="none" rtlCol="0">
+                <a:spAutoFit/>
+              </a:bodyPr>
+              <a:lstStyle/>
+              <a:p>
+                <a:r>
+                  <a:rPr lang="el-GR" dirty="0">
+                    <a:solidFill>
+                      <a:schemeClr val="bg1">
+                        <a:lumMod val="75000"/>
+                        <a:lumOff val="25000"/>
+                      </a:schemeClr>
+                    </a:solidFill>
+                  </a:rPr>
+                  <a:t>α</a:t>
+                </a:r>
+                <a:endParaRPr lang="en-US" dirty="0">
+                  <a:solidFill>
+                    <a:schemeClr val="bg1">
+                      <a:lumMod val="75000"/>
+                      <a:lumOff val="25000"/>
+                    </a:schemeClr>
+                  </a:solidFill>
+                </a:endParaRPr>
+              </a:p>
+            </p:txBody>
+          </p:sp>
+          <p:sp>
+            <p:nvSpPr>
+              <p:cNvPr id="23" name="TextBox 22">
+                <a:extLst>
+                  <a:ext uri="{FF2B5EF4-FFF2-40B4-BE49-F238E27FC236}">
+                    <a16:creationId xmlns:a16="http://schemas.microsoft.com/office/drawing/2014/main" id="{EEFDD2D8-C1AE-491E-8781-FD909CC60DBB}"/>
+                  </a:ext>
+                </a:extLst>
+              </p:cNvPr>
+              <p:cNvSpPr txBox="1"/>
+              <p:nvPr/>
+            </p:nvSpPr>
+            <p:spPr>
+              <a:xfrm>
+                <a:off x="3455237" y="4975549"/>
+                <a:ext cx="314510" cy="369332"/>
+              </a:xfrm>
+              <a:prstGeom prst="rect">
+                <a:avLst/>
+              </a:prstGeom>
+              <a:noFill/>
+            </p:spPr>
+            <p:txBody>
+              <a:bodyPr wrap="none" rtlCol="0">
+                <a:spAutoFit/>
+              </a:bodyPr>
+              <a:lstStyle/>
+              <a:p>
+                <a:r>
+                  <a:rPr lang="el-GR" dirty="0">
+                    <a:solidFill>
+                      <a:schemeClr val="bg1">
+                        <a:lumMod val="75000"/>
+                        <a:lumOff val="25000"/>
+                      </a:schemeClr>
+                    </a:solidFill>
+                  </a:rPr>
+                  <a:t>α</a:t>
+                </a:r>
+                <a:endParaRPr lang="en-US" dirty="0">
+                  <a:solidFill>
+                    <a:schemeClr val="bg1">
+                      <a:lumMod val="75000"/>
+                      <a:lumOff val="25000"/>
+                    </a:schemeClr>
+                  </a:solidFill>
+                </a:endParaRPr>
+              </a:p>
+            </p:txBody>
+          </p:sp>
+          <p:sp>
+            <p:nvSpPr>
+              <p:cNvPr id="24" name="TextBox 23">
+                <a:extLst>
+                  <a:ext uri="{FF2B5EF4-FFF2-40B4-BE49-F238E27FC236}">
+                    <a16:creationId xmlns:a16="http://schemas.microsoft.com/office/drawing/2014/main" id="{5E50B6DE-36DE-4302-9C07-1E5EB613E34D}"/>
+                  </a:ext>
+                </a:extLst>
+              </p:cNvPr>
+              <p:cNvSpPr txBox="1"/>
+              <p:nvPr/>
+            </p:nvSpPr>
+            <p:spPr>
+              <a:xfrm>
+                <a:off x="6507882" y="4972473"/>
+                <a:ext cx="314510" cy="369332"/>
+              </a:xfrm>
+              <a:prstGeom prst="rect">
+                <a:avLst/>
+              </a:prstGeom>
+              <a:noFill/>
+            </p:spPr>
+            <p:txBody>
+              <a:bodyPr wrap="none" rtlCol="0">
+                <a:spAutoFit/>
+              </a:bodyPr>
+              <a:lstStyle/>
+              <a:p>
+                <a:r>
+                  <a:rPr lang="el-GR" dirty="0">
+                    <a:solidFill>
+                      <a:schemeClr val="bg1">
+                        <a:lumMod val="75000"/>
+                        <a:lumOff val="25000"/>
+                      </a:schemeClr>
+                    </a:solidFill>
+                  </a:rPr>
+                  <a:t>α</a:t>
+                </a:r>
+                <a:endParaRPr lang="en-US" dirty="0">
+                  <a:solidFill>
+                    <a:schemeClr val="bg1">
+                      <a:lumMod val="75000"/>
+                      <a:lumOff val="25000"/>
+                    </a:schemeClr>
+                  </a:solidFill>
+                </a:endParaRPr>
+              </a:p>
+            </p:txBody>
+          </p:sp>
+          <p:sp>
+            <p:nvSpPr>
+              <p:cNvPr id="26" name="TextBox 25">
+                <a:extLst>
+                  <a:ext uri="{FF2B5EF4-FFF2-40B4-BE49-F238E27FC236}">
+                    <a16:creationId xmlns:a16="http://schemas.microsoft.com/office/drawing/2014/main" id="{BB9BBC21-306E-4FC4-A6AD-6CAC7D1DD344}"/>
+                  </a:ext>
+                </a:extLst>
+              </p:cNvPr>
+              <p:cNvSpPr txBox="1"/>
+              <p:nvPr/>
+            </p:nvSpPr>
+            <p:spPr>
+              <a:xfrm>
+                <a:off x="4702807" y="4975549"/>
+                <a:ext cx="314510" cy="369332"/>
+              </a:xfrm>
+              <a:prstGeom prst="rect">
+                <a:avLst/>
+              </a:prstGeom>
+              <a:noFill/>
+            </p:spPr>
+            <p:txBody>
+              <a:bodyPr wrap="none" rtlCol="0">
+                <a:spAutoFit/>
+              </a:bodyPr>
+              <a:lstStyle/>
+              <a:p>
+                <a:r>
+                  <a:rPr lang="el-GR" dirty="0">
+                    <a:solidFill>
+                      <a:schemeClr val="bg1">
+                        <a:lumMod val="75000"/>
+                        <a:lumOff val="25000"/>
+                      </a:schemeClr>
+                    </a:solidFill>
+                  </a:rPr>
+                  <a:t>β</a:t>
+                </a:r>
+                <a:endParaRPr lang="en-US" dirty="0">
+                  <a:solidFill>
+                    <a:schemeClr val="bg1">
+                      <a:lumMod val="75000"/>
+                      <a:lumOff val="25000"/>
+                    </a:schemeClr>
+                  </a:solidFill>
+                </a:endParaRPr>
+              </a:p>
+            </p:txBody>
+          </p:sp>
+          <p:sp>
+            <p:nvSpPr>
+              <p:cNvPr id="27" name="TextBox 26">
+                <a:extLst>
+                  <a:ext uri="{FF2B5EF4-FFF2-40B4-BE49-F238E27FC236}">
+                    <a16:creationId xmlns:a16="http://schemas.microsoft.com/office/drawing/2014/main" id="{DBB12D37-3411-4228-817B-162657AD43E0}"/>
+                  </a:ext>
+                </a:extLst>
+              </p:cNvPr>
+              <p:cNvSpPr txBox="1"/>
+              <p:nvPr/>
+            </p:nvSpPr>
+            <p:spPr>
+              <a:xfrm>
+                <a:off x="3099026" y="3000183"/>
+                <a:ext cx="314510" cy="369332"/>
+              </a:xfrm>
+              <a:prstGeom prst="rect">
+                <a:avLst/>
+              </a:prstGeom>
+              <a:noFill/>
+            </p:spPr>
+            <p:txBody>
+              <a:bodyPr wrap="none" rtlCol="0">
+                <a:spAutoFit/>
+              </a:bodyPr>
+              <a:lstStyle/>
+              <a:p>
+                <a:r>
+                  <a:rPr lang="el-GR" dirty="0">
+                    <a:solidFill>
+                      <a:schemeClr val="bg1">
+                        <a:lumMod val="75000"/>
+                        <a:lumOff val="25000"/>
+                      </a:schemeClr>
+                    </a:solidFill>
+                  </a:rPr>
+                  <a:t>β</a:t>
+                </a:r>
+                <a:endParaRPr lang="en-US" dirty="0">
+                  <a:solidFill>
+                    <a:schemeClr val="bg1">
+                      <a:lumMod val="75000"/>
+                      <a:lumOff val="25000"/>
+                    </a:schemeClr>
+                  </a:solidFill>
+                </a:endParaRPr>
+              </a:p>
+            </p:txBody>
+          </p:sp>
+          <p:cxnSp>
+            <p:nvCxnSpPr>
+              <p:cNvPr id="29" name="Straight Arrow Connector 28">
+                <a:extLst>
+                  <a:ext uri="{FF2B5EF4-FFF2-40B4-BE49-F238E27FC236}">
+                    <a16:creationId xmlns:a16="http://schemas.microsoft.com/office/drawing/2014/main" id="{8B2F38D9-E578-4E41-8024-11E067A06E1C}"/>
+                  </a:ext>
+                </a:extLst>
+              </p:cNvPr>
+              <p:cNvCxnSpPr>
+                <a:endCxn id="3" idx="2"/>
+              </p:cNvCxnSpPr>
+              <p:nvPr/>
+            </p:nvCxnSpPr>
+            <p:spPr>
+              <a:xfrm flipV="1">
+                <a:off x="2513045" y="4270311"/>
+                <a:ext cx="441649" cy="6349"/>
+              </a:xfrm>
+              <a:prstGeom prst="straightConnector1">
+                <a:avLst/>
+              </a:prstGeom>
+              <a:ln w="57150">
+                <a:solidFill>
+                  <a:srgbClr val="FF0000"/>
+                </a:solidFill>
+                <a:tailEnd type="triangle"/>
+              </a:ln>
+            </p:spPr>
+            <p:style>
+              <a:lnRef idx="1">
+                <a:schemeClr val="accent1"/>
+              </a:lnRef>
+              <a:fillRef idx="0">
+                <a:schemeClr val="accent1"/>
+              </a:fillRef>
+              <a:effectRef idx="0">
+                <a:schemeClr val="accent1"/>
+              </a:effectRef>
+              <a:fontRef idx="minor">
+                <a:schemeClr val="tx1"/>
+              </a:fontRef>
+            </p:style>
+          </p:cxnSp>
+          <p:sp>
+            <p:nvSpPr>
+              <p:cNvPr id="30" name="TextBox 29">
+                <a:extLst>
+                  <a:ext uri="{FF2B5EF4-FFF2-40B4-BE49-F238E27FC236}">
+                    <a16:creationId xmlns:a16="http://schemas.microsoft.com/office/drawing/2014/main" id="{C2953A10-675E-485A-8F68-2E540C6F573E}"/>
+                  </a:ext>
+                </a:extLst>
+              </p:cNvPr>
+              <p:cNvSpPr txBox="1"/>
+              <p:nvPr/>
+            </p:nvSpPr>
+            <p:spPr>
+              <a:xfrm>
+                <a:off x="2509890" y="3856783"/>
+                <a:ext cx="296876" cy="369332"/>
+              </a:xfrm>
+              <a:prstGeom prst="rect">
+                <a:avLst/>
+              </a:prstGeom>
+              <a:noFill/>
+            </p:spPr>
+            <p:txBody>
+              <a:bodyPr wrap="none" rtlCol="0">
+                <a:spAutoFit/>
+              </a:bodyPr>
+              <a:lstStyle/>
+              <a:p>
+                <a:r>
+                  <a:rPr lang="el-GR" dirty="0">
+                    <a:solidFill>
+                      <a:schemeClr val="bg1">
+                        <a:lumMod val="75000"/>
+                        <a:lumOff val="25000"/>
+                      </a:schemeClr>
+                    </a:solidFill>
+                  </a:rPr>
+                  <a:t>γ</a:t>
+                </a:r>
+                <a:endParaRPr lang="en-US" dirty="0">
+                  <a:solidFill>
+                    <a:schemeClr val="bg1">
+                      <a:lumMod val="75000"/>
+                      <a:lumOff val="25000"/>
+                    </a:schemeClr>
+                  </a:solidFill>
+                </a:endParaRPr>
+              </a:p>
+            </p:txBody>
+          </p:sp>
+        </p:grpSp>
+        <p:sp>
+          <p:nvSpPr>
+            <p:cNvPr id="35" name="Oval 34">
+              <a:extLst>
+                <a:ext uri="{FF2B5EF4-FFF2-40B4-BE49-F238E27FC236}">
+                  <a16:creationId xmlns:a16="http://schemas.microsoft.com/office/drawing/2014/main" id="{2CC16787-6017-472E-95D3-5C463A489053}"/>
+                </a:ext>
+              </a:extLst>
+            </p:cNvPr>
+            <p:cNvSpPr/>
+            <p:nvPr/>
+          </p:nvSpPr>
+          <p:spPr>
+            <a:xfrm>
+              <a:off x="3736530" y="4812397"/>
+              <a:ext cx="933061" cy="901959"/>
+            </a:xfrm>
+            <a:prstGeom prst="ellipse">
+              <a:avLst/>
+            </a:prstGeom>
+            <a:solidFill>
+              <a:schemeClr val="tx1">
+                <a:lumMod val="85000"/>
+              </a:schemeClr>
+            </a:solidFill>
+            <a:ln>
+              <a:solidFill>
+                <a:schemeClr val="bg2">
+                  <a:lumMod val="50000"/>
+                </a:schemeClr>
+              </a:solidFill>
+            </a:ln>
+          </p:spPr>
+          <p:style>
+            <a:lnRef idx="2">
+              <a:schemeClr val="accent1">
+                <a:shade val="50000"/>
+              </a:schemeClr>
+            </a:lnRef>
+            <a:fillRef idx="1">
+              <a:schemeClr val="accent1"/>
+            </a:fillRef>
+            <a:effectRef idx="0">
+              <a:schemeClr val="accent1"/>
+            </a:effectRef>
+            <a:fontRef idx="minor">
+              <a:schemeClr val="lt1"/>
+            </a:fontRef>
+          </p:style>
+          <p:txBody>
+            <a:bodyPr rtlCol="0" anchor="ctr"/>
+            <a:lstStyle/>
+            <a:p>
+              <a:pPr algn="ctr"/>
+              <a:r>
+                <a:rPr lang="en-US" dirty="0"/>
+                <a:t>S</a:t>
+              </a:r>
+              <a:r>
+                <a:rPr lang="en-US" baseline="-25000" dirty="0"/>
+                <a:t>3</a:t>
+              </a:r>
+            </a:p>
+          </p:txBody>
+        </p:sp>
+        <p:cxnSp>
+          <p:nvCxnSpPr>
+            <p:cNvPr id="38" name="Connector: Curved 37">
+              <a:extLst>
+                <a:ext uri="{FF2B5EF4-FFF2-40B4-BE49-F238E27FC236}">
+                  <a16:creationId xmlns:a16="http://schemas.microsoft.com/office/drawing/2014/main" id="{3D57251F-4C18-4A8B-9A2E-0AAEEE90B14D}"/>
+                </a:ext>
+              </a:extLst>
+            </p:cNvPr>
+            <p:cNvCxnSpPr>
+              <a:cxnSpLocks/>
+              <a:stCxn id="35" idx="0"/>
+              <a:endCxn id="3" idx="4"/>
+            </p:cNvCxnSpPr>
+            <p:nvPr/>
+          </p:nvCxnSpPr>
+          <p:spPr>
+            <a:xfrm rot="5400000" flipH="1" flipV="1">
+              <a:off x="3773563" y="4382899"/>
+              <a:ext cx="858997" cy="12700"/>
+            </a:xfrm>
+            <a:prstGeom prst="curvedConnector3">
+              <a:avLst>
+                <a:gd name="adj1" fmla="val 50000"/>
+              </a:avLst>
+            </a:prstGeom>
+            <a:ln w="19050">
+              <a:solidFill>
+                <a:schemeClr val="bg2">
+                  <a:lumMod val="60000"/>
+                  <a:lumOff val="40000"/>
+                </a:schemeClr>
+              </a:solidFill>
+              <a:tailEnd type="triangle"/>
+            </a:ln>
+          </p:spPr>
+          <p:style>
+            <a:lnRef idx="1">
+              <a:schemeClr val="accent1"/>
+            </a:lnRef>
+            <a:fillRef idx="0">
+              <a:schemeClr val="accent1"/>
+            </a:fillRef>
+            <a:effectRef idx="0">
+              <a:schemeClr val="accent1"/>
+            </a:effectRef>
+            <a:fontRef idx="minor">
+              <a:schemeClr val="tx1"/>
+            </a:fontRef>
+          </p:style>
+        </p:cxnSp>
+        <p:cxnSp>
+          <p:nvCxnSpPr>
+            <p:cNvPr id="48" name="Connector: Curved 47">
+              <a:extLst>
+                <a:ext uri="{FF2B5EF4-FFF2-40B4-BE49-F238E27FC236}">
+                  <a16:creationId xmlns:a16="http://schemas.microsoft.com/office/drawing/2014/main" id="{CBA7DF4C-A53E-4295-A48F-27A71B58A4B6}"/>
+                </a:ext>
+              </a:extLst>
+            </p:cNvPr>
+            <p:cNvCxnSpPr>
+              <a:cxnSpLocks/>
+              <a:stCxn id="35" idx="4"/>
+              <a:endCxn id="35" idx="2"/>
+            </p:cNvCxnSpPr>
+            <p:nvPr/>
+          </p:nvCxnSpPr>
+          <p:spPr>
+            <a:xfrm rot="5400000" flipH="1">
+              <a:off x="3744306" y="5255602"/>
+              <a:ext cx="450979" cy="466531"/>
+            </a:xfrm>
+            <a:prstGeom prst="curvedConnector4">
+              <a:avLst>
+                <a:gd name="adj1" fmla="val -50690"/>
+                <a:gd name="adj2" fmla="val 149000"/>
+              </a:avLst>
+            </a:prstGeom>
+            <a:ln w="19050">
+              <a:solidFill>
+                <a:schemeClr val="bg2">
+                  <a:lumMod val="60000"/>
+                  <a:lumOff val="40000"/>
+                </a:schemeClr>
+              </a:solidFill>
+              <a:tailEnd type="triangle"/>
+            </a:ln>
+          </p:spPr>
+          <p:style>
+            <a:lnRef idx="1">
+              <a:schemeClr val="accent1"/>
+            </a:lnRef>
+            <a:fillRef idx="0">
+              <a:schemeClr val="accent1"/>
+            </a:fillRef>
+            <a:effectRef idx="0">
+              <a:schemeClr val="accent1"/>
+            </a:effectRef>
+            <a:fontRef idx="minor">
+              <a:schemeClr val="tx1"/>
+            </a:fontRef>
+          </p:style>
+        </p:cxnSp>
+        <p:sp>
+          <p:nvSpPr>
+            <p:cNvPr id="52" name="TextBox 51">
+              <a:extLst>
+                <a:ext uri="{FF2B5EF4-FFF2-40B4-BE49-F238E27FC236}">
+                  <a16:creationId xmlns:a16="http://schemas.microsoft.com/office/drawing/2014/main" id="{C53100D9-EAF3-4448-A309-1593E22063A1}"/>
+                </a:ext>
+              </a:extLst>
+            </p:cNvPr>
+            <p:cNvSpPr txBox="1"/>
+            <p:nvPr/>
+          </p:nvSpPr>
+          <p:spPr>
+            <a:xfrm>
+              <a:off x="6504610" y="2232293"/>
+              <a:ext cx="314510" cy="369332"/>
+            </a:xfrm>
+            <a:prstGeom prst="rect">
+              <a:avLst/>
+            </a:prstGeom>
+            <a:noFill/>
+          </p:spPr>
+          <p:txBody>
+            <a:bodyPr wrap="none" rtlCol="0">
+              <a:spAutoFit/>
+            </a:bodyPr>
+            <a:lstStyle/>
+            <a:p>
+              <a:r>
+                <a:rPr lang="el-GR" dirty="0">
+                  <a:solidFill>
+                    <a:schemeClr val="bg1">
+                      <a:lumMod val="75000"/>
+                      <a:lumOff val="25000"/>
+                    </a:schemeClr>
+                  </a:solidFill>
+                </a:rPr>
+                <a:t>α</a:t>
+              </a:r>
+              <a:endParaRPr lang="en-US" dirty="0">
+                <a:solidFill>
+                  <a:schemeClr val="bg1">
+                    <a:lumMod val="75000"/>
+                    <a:lumOff val="25000"/>
+                  </a:schemeClr>
+                </a:solidFill>
+              </a:endParaRPr>
+            </a:p>
+          </p:txBody>
+        </p:sp>
+        <p:sp>
+          <p:nvSpPr>
+            <p:cNvPr id="53" name="TextBox 52">
+              <a:extLst>
+                <a:ext uri="{FF2B5EF4-FFF2-40B4-BE49-F238E27FC236}">
+                  <a16:creationId xmlns:a16="http://schemas.microsoft.com/office/drawing/2014/main" id="{AA9D1138-B8A4-4BD9-9C63-E68DD3B183D8}"/>
+                </a:ext>
+              </a:extLst>
+            </p:cNvPr>
+            <p:cNvSpPr txBox="1"/>
+            <p:nvPr/>
+          </p:nvSpPr>
+          <p:spPr>
+            <a:xfrm>
+              <a:off x="5202931" y="5488867"/>
+              <a:ext cx="314510" cy="369332"/>
+            </a:xfrm>
+            <a:prstGeom prst="rect">
+              <a:avLst/>
+            </a:prstGeom>
+            <a:noFill/>
+          </p:spPr>
+          <p:txBody>
+            <a:bodyPr wrap="none" rtlCol="0">
+              <a:spAutoFit/>
+            </a:bodyPr>
+            <a:lstStyle/>
+            <a:p>
+              <a:r>
+                <a:rPr lang="el-GR" dirty="0">
+                  <a:solidFill>
+                    <a:schemeClr val="bg1">
+                      <a:lumMod val="75000"/>
+                      <a:lumOff val="25000"/>
+                    </a:schemeClr>
+                  </a:solidFill>
+                </a:rPr>
+                <a:t>β</a:t>
+              </a:r>
+              <a:endParaRPr lang="en-US" dirty="0">
+                <a:solidFill>
+                  <a:schemeClr val="bg1">
+                    <a:lumMod val="75000"/>
+                    <a:lumOff val="25000"/>
+                  </a:schemeClr>
+                </a:solidFill>
+              </a:endParaRPr>
+            </a:p>
+          </p:txBody>
+        </p:sp>
+        <p:sp>
+          <p:nvSpPr>
+            <p:cNvPr id="54" name="TextBox 53">
+              <a:extLst>
+                <a:ext uri="{FF2B5EF4-FFF2-40B4-BE49-F238E27FC236}">
+                  <a16:creationId xmlns:a16="http://schemas.microsoft.com/office/drawing/2014/main" id="{D74FBDFF-F11F-4257-90CF-0BABAC179FC9}"/>
+                </a:ext>
+              </a:extLst>
+            </p:cNvPr>
+            <p:cNvSpPr txBox="1"/>
+            <p:nvPr/>
+          </p:nvSpPr>
+          <p:spPr>
+            <a:xfrm>
+              <a:off x="3205732" y="5488867"/>
+              <a:ext cx="314510" cy="369332"/>
+            </a:xfrm>
+            <a:prstGeom prst="rect">
+              <a:avLst/>
+            </a:prstGeom>
+            <a:noFill/>
+          </p:spPr>
+          <p:txBody>
+            <a:bodyPr wrap="none" rtlCol="0">
+              <a:spAutoFit/>
+            </a:bodyPr>
+            <a:lstStyle/>
+            <a:p>
+              <a:r>
+                <a:rPr lang="el-GR" dirty="0">
+                  <a:solidFill>
+                    <a:schemeClr val="bg1">
+                      <a:lumMod val="75000"/>
+                      <a:lumOff val="25000"/>
+                    </a:schemeClr>
+                  </a:solidFill>
+                </a:rPr>
+                <a:t>β</a:t>
+              </a:r>
+              <a:endParaRPr lang="en-US" dirty="0">
+                <a:solidFill>
+                  <a:schemeClr val="bg1">
+                    <a:lumMod val="75000"/>
+                    <a:lumOff val="25000"/>
+                  </a:schemeClr>
+                </a:solidFill>
+              </a:endParaRPr>
             </a:p>
           </p:txBody>
         </p:sp>
@@ -8908,7 +9176,7 @@
     </p:spTree>
     <p:extLst>
       <p:ext uri="{BB962C8B-B14F-4D97-AF65-F5344CB8AC3E}">
-        <p14:creationId xmlns:p14="http://schemas.microsoft.com/office/powerpoint/2010/main" val="3257677037"/>
+        <p14:creationId xmlns:p14="http://schemas.microsoft.com/office/powerpoint/2010/main" val="799517247"/>
       </p:ext>
     </p:extLst>
   </p:cSld>
@@ -8991,939 +9259,6 @@
       </p:sp>
       <p:grpSp>
         <p:nvGrpSpPr>
-          <p:cNvPr id="31" name="Group 30">
-            <a:extLst>
-              <a:ext uri="{FF2B5EF4-FFF2-40B4-BE49-F238E27FC236}">
-                <a16:creationId xmlns:a16="http://schemas.microsoft.com/office/drawing/2014/main" id="{C7AB50E5-6A2C-4E51-9029-FA8D94D4D136}"/>
-              </a:ext>
-            </a:extLst>
-          </p:cNvPr>
-          <p:cNvGrpSpPr/>
-          <p:nvPr/>
-        </p:nvGrpSpPr>
-        <p:grpSpPr>
-          <a:xfrm>
-            <a:off x="2864285" y="3429000"/>
-            <a:ext cx="6463429" cy="2393414"/>
-            <a:chOff x="2509890" y="3000183"/>
-            <a:chExt cx="6463429" cy="2393414"/>
-          </a:xfrm>
-        </p:grpSpPr>
-        <p:grpSp>
-          <p:nvGrpSpPr>
-            <p:cNvPr id="6" name="Group 5">
-              <a:extLst>
-                <a:ext uri="{FF2B5EF4-FFF2-40B4-BE49-F238E27FC236}">
-                  <a16:creationId xmlns:a16="http://schemas.microsoft.com/office/drawing/2014/main" id="{60F4C95D-3F4E-4CEF-BF78-3FAA7F437BCF}"/>
-                </a:ext>
-              </a:extLst>
-            </p:cNvPr>
-            <p:cNvGrpSpPr/>
-            <p:nvPr/>
-          </p:nvGrpSpPr>
-          <p:grpSpPr>
-            <a:xfrm>
-              <a:off x="2954694" y="3819331"/>
-              <a:ext cx="5536163" cy="901959"/>
-              <a:chOff x="1026367" y="2768082"/>
-              <a:chExt cx="5536163" cy="901959"/>
-            </a:xfrm>
-          </p:grpSpPr>
-          <p:sp>
-            <p:nvSpPr>
-              <p:cNvPr id="3" name="Oval 2">
-                <a:extLst>
-                  <a:ext uri="{FF2B5EF4-FFF2-40B4-BE49-F238E27FC236}">
-                    <a16:creationId xmlns:a16="http://schemas.microsoft.com/office/drawing/2014/main" id="{CF11FAAC-ADDB-4716-B616-131B6B75E045}"/>
-                  </a:ext>
-                </a:extLst>
-              </p:cNvPr>
-              <p:cNvSpPr/>
-              <p:nvPr/>
-            </p:nvSpPr>
-            <p:spPr>
-              <a:xfrm>
-                <a:off x="1026367" y="2768082"/>
-                <a:ext cx="933061" cy="901959"/>
-              </a:xfrm>
-              <a:prstGeom prst="ellipse">
-                <a:avLst/>
-              </a:prstGeom>
-              <a:solidFill>
-                <a:schemeClr val="tx1">
-                  <a:lumMod val="85000"/>
-                </a:schemeClr>
-              </a:solidFill>
-              <a:ln>
-                <a:solidFill>
-                  <a:schemeClr val="bg2">
-                    <a:lumMod val="50000"/>
-                  </a:schemeClr>
-                </a:solidFill>
-              </a:ln>
-            </p:spPr>
-            <p:style>
-              <a:lnRef idx="2">
-                <a:schemeClr val="accent1">
-                  <a:shade val="50000"/>
-                </a:schemeClr>
-              </a:lnRef>
-              <a:fillRef idx="1">
-                <a:schemeClr val="accent1"/>
-              </a:fillRef>
-              <a:effectRef idx="0">
-                <a:schemeClr val="accent1"/>
-              </a:effectRef>
-              <a:fontRef idx="minor">
-                <a:schemeClr val="lt1"/>
-              </a:fontRef>
-            </p:style>
-            <p:txBody>
-              <a:bodyPr rtlCol="0" anchor="ctr"/>
-              <a:lstStyle/>
-              <a:p>
-                <a:pPr algn="ctr"/>
-                <a:r>
-                  <a:rPr lang="en-US" dirty="0"/>
-                  <a:t>S</a:t>
-                </a:r>
-                <a:r>
-                  <a:rPr lang="en-US" baseline="-25000" dirty="0"/>
-                  <a:t>0</a:t>
-                </a:r>
-              </a:p>
-            </p:txBody>
-          </p:sp>
-          <p:sp>
-            <p:nvSpPr>
-              <p:cNvPr id="4" name="Oval 3">
-                <a:extLst>
-                  <a:ext uri="{FF2B5EF4-FFF2-40B4-BE49-F238E27FC236}">
-                    <a16:creationId xmlns:a16="http://schemas.microsoft.com/office/drawing/2014/main" id="{093F3303-18E5-4DB5-9349-E32106A7D240}"/>
-                  </a:ext>
-                </a:extLst>
-              </p:cNvPr>
-              <p:cNvSpPr/>
-              <p:nvPr/>
-            </p:nvSpPr>
-            <p:spPr>
-              <a:xfrm>
-                <a:off x="3327918" y="2768082"/>
-                <a:ext cx="933061" cy="901959"/>
-              </a:xfrm>
-              <a:prstGeom prst="ellipse">
-                <a:avLst/>
-              </a:prstGeom>
-              <a:solidFill>
-                <a:schemeClr val="tx1">
-                  <a:lumMod val="85000"/>
-                </a:schemeClr>
-              </a:solidFill>
-              <a:ln>
-                <a:solidFill>
-                  <a:schemeClr val="bg2">
-                    <a:lumMod val="50000"/>
-                  </a:schemeClr>
-                </a:solidFill>
-              </a:ln>
-            </p:spPr>
-            <p:style>
-              <a:lnRef idx="2">
-                <a:schemeClr val="accent1">
-                  <a:shade val="50000"/>
-                </a:schemeClr>
-              </a:lnRef>
-              <a:fillRef idx="1">
-                <a:schemeClr val="accent1"/>
-              </a:fillRef>
-              <a:effectRef idx="0">
-                <a:schemeClr val="accent1"/>
-              </a:effectRef>
-              <a:fontRef idx="minor">
-                <a:schemeClr val="lt1"/>
-              </a:fontRef>
-            </p:style>
-            <p:txBody>
-              <a:bodyPr rtlCol="0" anchor="ctr"/>
-              <a:lstStyle/>
-              <a:p>
-                <a:pPr algn="ctr"/>
-                <a:r>
-                  <a:rPr lang="en-US" dirty="0"/>
-                  <a:t>S</a:t>
-                </a:r>
-                <a:r>
-                  <a:rPr lang="en-US" baseline="-25000" dirty="0"/>
-                  <a:t>1</a:t>
-                </a:r>
-              </a:p>
-            </p:txBody>
-          </p:sp>
-          <p:sp>
-            <p:nvSpPr>
-              <p:cNvPr id="5" name="Oval 4">
-                <a:extLst>
-                  <a:ext uri="{FF2B5EF4-FFF2-40B4-BE49-F238E27FC236}">
-                    <a16:creationId xmlns:a16="http://schemas.microsoft.com/office/drawing/2014/main" id="{7EB040DD-6BE9-428C-9665-D2EDB6FD13C0}"/>
-                  </a:ext>
-                </a:extLst>
-              </p:cNvPr>
-              <p:cNvSpPr/>
-              <p:nvPr/>
-            </p:nvSpPr>
-            <p:spPr>
-              <a:xfrm>
-                <a:off x="5629469" y="2768082"/>
-                <a:ext cx="933061" cy="901959"/>
-              </a:xfrm>
-              <a:prstGeom prst="ellipse">
-                <a:avLst/>
-              </a:prstGeom>
-              <a:solidFill>
-                <a:schemeClr val="tx1">
-                  <a:lumMod val="85000"/>
-                </a:schemeClr>
-              </a:solidFill>
-              <a:ln>
-                <a:solidFill>
-                  <a:schemeClr val="bg2">
-                    <a:lumMod val="50000"/>
-                  </a:schemeClr>
-                </a:solidFill>
-              </a:ln>
-            </p:spPr>
-            <p:style>
-              <a:lnRef idx="2">
-                <a:schemeClr val="accent1">
-                  <a:shade val="50000"/>
-                </a:schemeClr>
-              </a:lnRef>
-              <a:fillRef idx="1">
-                <a:schemeClr val="accent1"/>
-              </a:fillRef>
-              <a:effectRef idx="0">
-                <a:schemeClr val="accent1"/>
-              </a:effectRef>
-              <a:fontRef idx="minor">
-                <a:schemeClr val="lt1"/>
-              </a:fontRef>
-            </p:style>
-            <p:txBody>
-              <a:bodyPr rtlCol="0" anchor="ctr"/>
-              <a:lstStyle/>
-              <a:p>
-                <a:pPr algn="ctr"/>
-                <a:r>
-                  <a:rPr lang="en-US" dirty="0"/>
-                  <a:t>S</a:t>
-                </a:r>
-                <a:r>
-                  <a:rPr lang="en-US" baseline="-25000" dirty="0"/>
-                  <a:t>2</a:t>
-                </a:r>
-              </a:p>
-            </p:txBody>
-          </p:sp>
-        </p:grpSp>
-        <p:cxnSp>
-          <p:nvCxnSpPr>
-            <p:cNvPr id="8" name="Connector: Curved 7">
-              <a:extLst>
-                <a:ext uri="{FF2B5EF4-FFF2-40B4-BE49-F238E27FC236}">
-                  <a16:creationId xmlns:a16="http://schemas.microsoft.com/office/drawing/2014/main" id="{ABCD9547-2B86-40A2-8FEA-8A4765ED754A}"/>
-                </a:ext>
-              </a:extLst>
-            </p:cNvPr>
-            <p:cNvCxnSpPr>
-              <a:stCxn id="3" idx="7"/>
-              <a:endCxn id="4" idx="1"/>
-            </p:cNvCxnSpPr>
-            <p:nvPr/>
-          </p:nvCxnSpPr>
-          <p:spPr>
-            <a:xfrm rot="5400000" flipH="1" flipV="1">
-              <a:off x="4572000" y="3130531"/>
-              <a:ext cx="12700" cy="1641778"/>
-            </a:xfrm>
-            <a:prstGeom prst="curvedConnector3">
-              <a:avLst>
-                <a:gd name="adj1" fmla="val 2840071"/>
-              </a:avLst>
-            </a:prstGeom>
-            <a:ln w="19050">
-              <a:solidFill>
-                <a:schemeClr val="bg2">
-                  <a:lumMod val="60000"/>
-                  <a:lumOff val="40000"/>
-                </a:schemeClr>
-              </a:solidFill>
-              <a:tailEnd type="triangle"/>
-            </a:ln>
-          </p:spPr>
-          <p:style>
-            <a:lnRef idx="1">
-              <a:schemeClr val="accent1"/>
-            </a:lnRef>
-            <a:fillRef idx="0">
-              <a:schemeClr val="accent1"/>
-            </a:fillRef>
-            <a:effectRef idx="0">
-              <a:schemeClr val="accent1"/>
-            </a:effectRef>
-            <a:fontRef idx="minor">
-              <a:schemeClr val="tx1"/>
-            </a:fontRef>
-          </p:style>
-        </p:cxnSp>
-        <p:cxnSp>
-          <p:nvCxnSpPr>
-            <p:cNvPr id="12" name="Connector: Curved 11">
-              <a:extLst>
-                <a:ext uri="{FF2B5EF4-FFF2-40B4-BE49-F238E27FC236}">
-                  <a16:creationId xmlns:a16="http://schemas.microsoft.com/office/drawing/2014/main" id="{112C7B29-CB09-439E-8881-57D9D8E72C32}"/>
-                </a:ext>
-              </a:extLst>
-            </p:cNvPr>
-            <p:cNvCxnSpPr>
-              <a:stCxn id="4" idx="7"/>
-              <a:endCxn id="5" idx="1"/>
-            </p:cNvCxnSpPr>
-            <p:nvPr/>
-          </p:nvCxnSpPr>
-          <p:spPr>
-            <a:xfrm rot="5400000" flipH="1" flipV="1">
-              <a:off x="6873551" y="3130531"/>
-              <a:ext cx="12700" cy="1641778"/>
-            </a:xfrm>
-            <a:prstGeom prst="curvedConnector3">
-              <a:avLst>
-                <a:gd name="adj1" fmla="val 2840071"/>
-              </a:avLst>
-            </a:prstGeom>
-            <a:ln w="19050">
-              <a:solidFill>
-                <a:schemeClr val="bg2">
-                  <a:lumMod val="60000"/>
-                  <a:lumOff val="40000"/>
-                </a:schemeClr>
-              </a:solidFill>
-              <a:tailEnd type="triangle"/>
-            </a:ln>
-          </p:spPr>
-          <p:style>
-            <a:lnRef idx="1">
-              <a:schemeClr val="accent1"/>
-            </a:lnRef>
-            <a:fillRef idx="0">
-              <a:schemeClr val="accent1"/>
-            </a:fillRef>
-            <a:effectRef idx="0">
-              <a:schemeClr val="accent1"/>
-            </a:effectRef>
-            <a:fontRef idx="minor">
-              <a:schemeClr val="tx1"/>
-            </a:fontRef>
-          </p:style>
-        </p:cxnSp>
-        <p:cxnSp>
-          <p:nvCxnSpPr>
-            <p:cNvPr id="14" name="Connector: Curved 13">
-              <a:extLst>
-                <a:ext uri="{FF2B5EF4-FFF2-40B4-BE49-F238E27FC236}">
-                  <a16:creationId xmlns:a16="http://schemas.microsoft.com/office/drawing/2014/main" id="{C3AF8516-FBC7-43F7-B639-62F326A59907}"/>
-                </a:ext>
-              </a:extLst>
-            </p:cNvPr>
-            <p:cNvCxnSpPr>
-              <a:stCxn id="5" idx="3"/>
-              <a:endCxn id="4" idx="5"/>
-            </p:cNvCxnSpPr>
-            <p:nvPr/>
-          </p:nvCxnSpPr>
-          <p:spPr>
-            <a:xfrm rot="5400000">
-              <a:off x="6873551" y="3768312"/>
-              <a:ext cx="12700" cy="1641778"/>
-            </a:xfrm>
-            <a:prstGeom prst="curvedConnector3">
-              <a:avLst>
-                <a:gd name="adj1" fmla="val 2840071"/>
-              </a:avLst>
-            </a:prstGeom>
-            <a:ln w="19050">
-              <a:solidFill>
-                <a:schemeClr val="bg2">
-                  <a:lumMod val="60000"/>
-                  <a:lumOff val="40000"/>
-                </a:schemeClr>
-              </a:solidFill>
-              <a:tailEnd type="triangle"/>
-            </a:ln>
-          </p:spPr>
-          <p:style>
-            <a:lnRef idx="1">
-              <a:schemeClr val="accent1"/>
-            </a:lnRef>
-            <a:fillRef idx="0">
-              <a:schemeClr val="accent1"/>
-            </a:fillRef>
-            <a:effectRef idx="0">
-              <a:schemeClr val="accent1"/>
-            </a:effectRef>
-            <a:fontRef idx="minor">
-              <a:schemeClr val="tx1"/>
-            </a:fontRef>
-          </p:style>
-        </p:cxnSp>
-        <p:cxnSp>
-          <p:nvCxnSpPr>
-            <p:cNvPr id="16" name="Connector: Curved 15">
-              <a:extLst>
-                <a:ext uri="{FF2B5EF4-FFF2-40B4-BE49-F238E27FC236}">
-                  <a16:creationId xmlns:a16="http://schemas.microsoft.com/office/drawing/2014/main" id="{B5347DFB-6435-4B6D-948C-9A96D3C10021}"/>
-                </a:ext>
-              </a:extLst>
-            </p:cNvPr>
-            <p:cNvCxnSpPr>
-              <a:stCxn id="4" idx="3"/>
-              <a:endCxn id="3" idx="5"/>
-            </p:cNvCxnSpPr>
-            <p:nvPr/>
-          </p:nvCxnSpPr>
-          <p:spPr>
-            <a:xfrm rot="5400000">
-              <a:off x="4572000" y="3768312"/>
-              <a:ext cx="12700" cy="1641778"/>
-            </a:xfrm>
-            <a:prstGeom prst="curvedConnector3">
-              <a:avLst>
-                <a:gd name="adj1" fmla="val 2840071"/>
-              </a:avLst>
-            </a:prstGeom>
-            <a:ln w="19050">
-              <a:solidFill>
-                <a:schemeClr val="bg2">
-                  <a:lumMod val="60000"/>
-                  <a:lumOff val="40000"/>
-                </a:schemeClr>
-              </a:solidFill>
-              <a:tailEnd type="triangle"/>
-            </a:ln>
-          </p:spPr>
-          <p:style>
-            <a:lnRef idx="1">
-              <a:schemeClr val="accent1"/>
-            </a:lnRef>
-            <a:fillRef idx="0">
-              <a:schemeClr val="accent1"/>
-            </a:fillRef>
-            <a:effectRef idx="0">
-              <a:schemeClr val="accent1"/>
-            </a:effectRef>
-            <a:fontRef idx="minor">
-              <a:schemeClr val="tx1"/>
-            </a:fontRef>
-          </p:style>
-        </p:cxnSp>
-        <p:cxnSp>
-          <p:nvCxnSpPr>
-            <p:cNvPr id="18" name="Connector: Curved 17">
-              <a:extLst>
-                <a:ext uri="{FF2B5EF4-FFF2-40B4-BE49-F238E27FC236}">
-                  <a16:creationId xmlns:a16="http://schemas.microsoft.com/office/drawing/2014/main" id="{21BE83A7-C458-4D54-BA6F-47A707C34A73}"/>
-                </a:ext>
-              </a:extLst>
-            </p:cNvPr>
-            <p:cNvCxnSpPr>
-              <a:stCxn id="3" idx="1"/>
-              <a:endCxn id="3" idx="0"/>
-            </p:cNvCxnSpPr>
-            <p:nvPr/>
-          </p:nvCxnSpPr>
-          <p:spPr>
-            <a:xfrm rot="5400000" flipH="1" flipV="1">
-              <a:off x="3190237" y="3720433"/>
-              <a:ext cx="132089" cy="329887"/>
-            </a:xfrm>
-            <a:prstGeom prst="curvedConnector3">
-              <a:avLst>
-                <a:gd name="adj1" fmla="val 376669"/>
-              </a:avLst>
-            </a:prstGeom>
-            <a:ln w="19050">
-              <a:solidFill>
-                <a:schemeClr val="bg2">
-                  <a:lumMod val="60000"/>
-                  <a:lumOff val="40000"/>
-                </a:schemeClr>
-              </a:solidFill>
-              <a:tailEnd type="triangle"/>
-            </a:ln>
-          </p:spPr>
-          <p:style>
-            <a:lnRef idx="1">
-              <a:schemeClr val="accent1"/>
-            </a:lnRef>
-            <a:fillRef idx="0">
-              <a:schemeClr val="accent1"/>
-            </a:fillRef>
-            <a:effectRef idx="0">
-              <a:schemeClr val="accent1"/>
-            </a:effectRef>
-            <a:fontRef idx="minor">
-              <a:schemeClr val="tx1"/>
-            </a:fontRef>
-          </p:style>
-        </p:cxnSp>
-        <p:cxnSp>
-          <p:nvCxnSpPr>
-            <p:cNvPr id="21" name="Connector: Curved 20">
-              <a:extLst>
-                <a:ext uri="{FF2B5EF4-FFF2-40B4-BE49-F238E27FC236}">
-                  <a16:creationId xmlns:a16="http://schemas.microsoft.com/office/drawing/2014/main" id="{8B5FC949-58FF-4940-A020-B9F2DBD0CB0B}"/>
-                </a:ext>
-              </a:extLst>
-            </p:cNvPr>
-            <p:cNvCxnSpPr>
-              <a:stCxn id="5" idx="7"/>
-              <a:endCxn id="5" idx="5"/>
-            </p:cNvCxnSpPr>
-            <p:nvPr/>
-          </p:nvCxnSpPr>
-          <p:spPr>
-            <a:xfrm rot="16200000" flipH="1">
-              <a:off x="8035322" y="4270310"/>
-              <a:ext cx="637781" cy="12700"/>
-            </a:xfrm>
-            <a:prstGeom prst="curvedConnector5">
-              <a:avLst>
-                <a:gd name="adj1" fmla="val -35843"/>
-                <a:gd name="adj2" fmla="val 8071000"/>
-                <a:gd name="adj3" fmla="val 135843"/>
-              </a:avLst>
-            </a:prstGeom>
-            <a:ln w="19050">
-              <a:solidFill>
-                <a:schemeClr val="bg2">
-                  <a:lumMod val="60000"/>
-                  <a:lumOff val="40000"/>
-                </a:schemeClr>
-              </a:solidFill>
-              <a:tailEnd type="triangle"/>
-            </a:ln>
-          </p:spPr>
-          <p:style>
-            <a:lnRef idx="1">
-              <a:schemeClr val="accent1"/>
-            </a:lnRef>
-            <a:fillRef idx="0">
-              <a:schemeClr val="accent1"/>
-            </a:fillRef>
-            <a:effectRef idx="0">
-              <a:schemeClr val="accent1"/>
-            </a:effectRef>
-            <a:fontRef idx="minor">
-              <a:schemeClr val="tx1"/>
-            </a:fontRef>
-          </p:style>
-        </p:cxnSp>
-        <p:sp>
-          <p:nvSpPr>
-            <p:cNvPr id="22" name="TextBox 21">
-              <a:extLst>
-                <a:ext uri="{FF2B5EF4-FFF2-40B4-BE49-F238E27FC236}">
-                  <a16:creationId xmlns:a16="http://schemas.microsoft.com/office/drawing/2014/main" id="{289E0AC4-4F48-49B7-BD31-8A60100FD78E}"/>
-                </a:ext>
-              </a:extLst>
-            </p:cNvPr>
-            <p:cNvSpPr txBox="1"/>
-            <p:nvPr/>
-          </p:nvSpPr>
-          <p:spPr>
-            <a:xfrm>
-              <a:off x="4421095" y="3184849"/>
-              <a:ext cx="314510" cy="369332"/>
-            </a:xfrm>
-            <a:prstGeom prst="rect">
-              <a:avLst/>
-            </a:prstGeom>
-            <a:noFill/>
-          </p:spPr>
-          <p:txBody>
-            <a:bodyPr wrap="none" rtlCol="0">
-              <a:spAutoFit/>
-            </a:bodyPr>
-            <a:lstStyle/>
-            <a:p>
-              <a:r>
-                <a:rPr lang="el-GR" dirty="0">
-                  <a:solidFill>
-                    <a:schemeClr val="bg1">
-                      <a:lumMod val="75000"/>
-                      <a:lumOff val="25000"/>
-                    </a:schemeClr>
-                  </a:solidFill>
-                </a:rPr>
-                <a:t>α</a:t>
-              </a:r>
-              <a:endParaRPr lang="en-US" dirty="0">
-                <a:solidFill>
-                  <a:schemeClr val="bg1">
-                    <a:lumMod val="75000"/>
-                    <a:lumOff val="25000"/>
-                  </a:schemeClr>
-                </a:solidFill>
-              </a:endParaRPr>
-            </a:p>
-          </p:txBody>
-        </p:sp>
-        <p:sp>
-          <p:nvSpPr>
-            <p:cNvPr id="23" name="TextBox 22">
-              <a:extLst>
-                <a:ext uri="{FF2B5EF4-FFF2-40B4-BE49-F238E27FC236}">
-                  <a16:creationId xmlns:a16="http://schemas.microsoft.com/office/drawing/2014/main" id="{EEFDD2D8-C1AE-491E-8781-FD909CC60DBB}"/>
-                </a:ext>
-              </a:extLst>
-            </p:cNvPr>
-            <p:cNvSpPr txBox="1"/>
-            <p:nvPr/>
-          </p:nvSpPr>
-          <p:spPr>
-            <a:xfrm>
-              <a:off x="4421095" y="5024265"/>
-              <a:ext cx="314510" cy="369332"/>
-            </a:xfrm>
-            <a:prstGeom prst="rect">
-              <a:avLst/>
-            </a:prstGeom>
-            <a:noFill/>
-          </p:spPr>
-          <p:txBody>
-            <a:bodyPr wrap="none" rtlCol="0">
-              <a:spAutoFit/>
-            </a:bodyPr>
-            <a:lstStyle/>
-            <a:p>
-              <a:r>
-                <a:rPr lang="el-GR" dirty="0">
-                  <a:solidFill>
-                    <a:schemeClr val="bg1">
-                      <a:lumMod val="75000"/>
-                      <a:lumOff val="25000"/>
-                    </a:schemeClr>
-                  </a:solidFill>
-                </a:rPr>
-                <a:t>α</a:t>
-              </a:r>
-              <a:endParaRPr lang="en-US" dirty="0">
-                <a:solidFill>
-                  <a:schemeClr val="bg1">
-                    <a:lumMod val="75000"/>
-                    <a:lumOff val="25000"/>
-                  </a:schemeClr>
-                </a:solidFill>
-              </a:endParaRPr>
-            </a:p>
-          </p:txBody>
-        </p:sp>
-        <p:sp>
-          <p:nvSpPr>
-            <p:cNvPr id="24" name="TextBox 23">
-              <a:extLst>
-                <a:ext uri="{FF2B5EF4-FFF2-40B4-BE49-F238E27FC236}">
-                  <a16:creationId xmlns:a16="http://schemas.microsoft.com/office/drawing/2014/main" id="{5E50B6DE-36DE-4302-9C07-1E5EB613E34D}"/>
-                </a:ext>
-              </a:extLst>
-            </p:cNvPr>
-            <p:cNvSpPr txBox="1"/>
-            <p:nvPr/>
-          </p:nvSpPr>
-          <p:spPr>
-            <a:xfrm>
-              <a:off x="8658809" y="3184849"/>
-              <a:ext cx="314510" cy="369332"/>
-            </a:xfrm>
-            <a:prstGeom prst="rect">
-              <a:avLst/>
-            </a:prstGeom>
-            <a:noFill/>
-          </p:spPr>
-          <p:txBody>
-            <a:bodyPr wrap="none" rtlCol="0">
-              <a:spAutoFit/>
-            </a:bodyPr>
-            <a:lstStyle/>
-            <a:p>
-              <a:r>
-                <a:rPr lang="el-GR" dirty="0">
-                  <a:solidFill>
-                    <a:schemeClr val="bg1">
-                      <a:lumMod val="75000"/>
-                      <a:lumOff val="25000"/>
-                    </a:schemeClr>
-                  </a:solidFill>
-                </a:rPr>
-                <a:t>α</a:t>
-              </a:r>
-              <a:endParaRPr lang="en-US" dirty="0">
-                <a:solidFill>
-                  <a:schemeClr val="bg1">
-                    <a:lumMod val="75000"/>
-                    <a:lumOff val="25000"/>
-                  </a:schemeClr>
-                </a:solidFill>
-              </a:endParaRPr>
-            </a:p>
-          </p:txBody>
-        </p:sp>
-        <p:sp>
-          <p:nvSpPr>
-            <p:cNvPr id="25" name="TextBox 24">
-              <a:extLst>
-                <a:ext uri="{FF2B5EF4-FFF2-40B4-BE49-F238E27FC236}">
-                  <a16:creationId xmlns:a16="http://schemas.microsoft.com/office/drawing/2014/main" id="{6978D842-1C2F-45C4-B8F9-38FC6594668D}"/>
-                </a:ext>
-              </a:extLst>
-            </p:cNvPr>
-            <p:cNvSpPr txBox="1"/>
-            <p:nvPr/>
-          </p:nvSpPr>
-          <p:spPr>
-            <a:xfrm>
-              <a:off x="6722646" y="3184849"/>
-              <a:ext cx="314510" cy="369332"/>
-            </a:xfrm>
-            <a:prstGeom prst="rect">
-              <a:avLst/>
-            </a:prstGeom>
-            <a:noFill/>
-          </p:spPr>
-          <p:txBody>
-            <a:bodyPr wrap="none" rtlCol="0">
-              <a:spAutoFit/>
-            </a:bodyPr>
-            <a:lstStyle/>
-            <a:p>
-              <a:r>
-                <a:rPr lang="el-GR" dirty="0">
-                  <a:solidFill>
-                    <a:schemeClr val="bg1">
-                      <a:lumMod val="75000"/>
-                      <a:lumOff val="25000"/>
-                    </a:schemeClr>
-                  </a:solidFill>
-                </a:rPr>
-                <a:t>β</a:t>
-              </a:r>
-              <a:endParaRPr lang="en-US" dirty="0">
-                <a:solidFill>
-                  <a:schemeClr val="bg1">
-                    <a:lumMod val="75000"/>
-                    <a:lumOff val="25000"/>
-                  </a:schemeClr>
-                </a:solidFill>
-              </a:endParaRPr>
-            </a:p>
-          </p:txBody>
-        </p:sp>
-        <p:sp>
-          <p:nvSpPr>
-            <p:cNvPr id="26" name="TextBox 25">
-              <a:extLst>
-                <a:ext uri="{FF2B5EF4-FFF2-40B4-BE49-F238E27FC236}">
-                  <a16:creationId xmlns:a16="http://schemas.microsoft.com/office/drawing/2014/main" id="{BB9BBC21-306E-4FC4-A6AD-6CAC7D1DD344}"/>
-                </a:ext>
-              </a:extLst>
-            </p:cNvPr>
-            <p:cNvSpPr txBox="1"/>
-            <p:nvPr/>
-          </p:nvSpPr>
-          <p:spPr>
-            <a:xfrm>
-              <a:off x="6722646" y="5024265"/>
-              <a:ext cx="314510" cy="369332"/>
-            </a:xfrm>
-            <a:prstGeom prst="rect">
-              <a:avLst/>
-            </a:prstGeom>
-            <a:noFill/>
-          </p:spPr>
-          <p:txBody>
-            <a:bodyPr wrap="none" rtlCol="0">
-              <a:spAutoFit/>
-            </a:bodyPr>
-            <a:lstStyle/>
-            <a:p>
-              <a:r>
-                <a:rPr lang="el-GR" dirty="0">
-                  <a:solidFill>
-                    <a:schemeClr val="bg1">
-                      <a:lumMod val="75000"/>
-                      <a:lumOff val="25000"/>
-                    </a:schemeClr>
-                  </a:solidFill>
-                </a:rPr>
-                <a:t>β</a:t>
-              </a:r>
-              <a:endParaRPr lang="en-US" dirty="0">
-                <a:solidFill>
-                  <a:schemeClr val="bg1">
-                    <a:lumMod val="75000"/>
-                    <a:lumOff val="25000"/>
-                  </a:schemeClr>
-                </a:solidFill>
-              </a:endParaRPr>
-            </a:p>
-          </p:txBody>
-        </p:sp>
-        <p:sp>
-          <p:nvSpPr>
-            <p:cNvPr id="27" name="TextBox 26">
-              <a:extLst>
-                <a:ext uri="{FF2B5EF4-FFF2-40B4-BE49-F238E27FC236}">
-                  <a16:creationId xmlns:a16="http://schemas.microsoft.com/office/drawing/2014/main" id="{DBB12D37-3411-4228-817B-162657AD43E0}"/>
-                </a:ext>
-              </a:extLst>
-            </p:cNvPr>
-            <p:cNvSpPr txBox="1"/>
-            <p:nvPr/>
-          </p:nvSpPr>
-          <p:spPr>
-            <a:xfrm>
-              <a:off x="3099026" y="3000183"/>
-              <a:ext cx="314510" cy="369332"/>
-            </a:xfrm>
-            <a:prstGeom prst="rect">
-              <a:avLst/>
-            </a:prstGeom>
-            <a:noFill/>
-          </p:spPr>
-          <p:txBody>
-            <a:bodyPr wrap="none" rtlCol="0">
-              <a:spAutoFit/>
-            </a:bodyPr>
-            <a:lstStyle/>
-            <a:p>
-              <a:r>
-                <a:rPr lang="el-GR" dirty="0">
-                  <a:solidFill>
-                    <a:schemeClr val="bg1">
-                      <a:lumMod val="75000"/>
-                      <a:lumOff val="25000"/>
-                    </a:schemeClr>
-                  </a:solidFill>
-                </a:rPr>
-                <a:t>β</a:t>
-              </a:r>
-              <a:endParaRPr lang="en-US" dirty="0">
-                <a:solidFill>
-                  <a:schemeClr val="bg1">
-                    <a:lumMod val="75000"/>
-                    <a:lumOff val="25000"/>
-                  </a:schemeClr>
-                </a:solidFill>
-              </a:endParaRPr>
-            </a:p>
-          </p:txBody>
-        </p:sp>
-        <p:cxnSp>
-          <p:nvCxnSpPr>
-            <p:cNvPr id="29" name="Straight Arrow Connector 28">
-              <a:extLst>
-                <a:ext uri="{FF2B5EF4-FFF2-40B4-BE49-F238E27FC236}">
-                  <a16:creationId xmlns:a16="http://schemas.microsoft.com/office/drawing/2014/main" id="{8B2F38D9-E578-4E41-8024-11E067A06E1C}"/>
-                </a:ext>
-              </a:extLst>
-            </p:cNvPr>
-            <p:cNvCxnSpPr>
-              <a:endCxn id="3" idx="2"/>
-            </p:cNvCxnSpPr>
-            <p:nvPr/>
-          </p:nvCxnSpPr>
-          <p:spPr>
-            <a:xfrm flipV="1">
-              <a:off x="2513045" y="4270311"/>
-              <a:ext cx="441649" cy="6349"/>
-            </a:xfrm>
-            <a:prstGeom prst="straightConnector1">
-              <a:avLst/>
-            </a:prstGeom>
-            <a:ln w="57150">
-              <a:solidFill>
-                <a:srgbClr val="FF0000"/>
-              </a:solidFill>
-              <a:tailEnd type="triangle"/>
-            </a:ln>
-          </p:spPr>
-          <p:style>
-            <a:lnRef idx="1">
-              <a:schemeClr val="accent1"/>
-            </a:lnRef>
-            <a:fillRef idx="0">
-              <a:schemeClr val="accent1"/>
-            </a:fillRef>
-            <a:effectRef idx="0">
-              <a:schemeClr val="accent1"/>
-            </a:effectRef>
-            <a:fontRef idx="minor">
-              <a:schemeClr val="tx1"/>
-            </a:fontRef>
-          </p:style>
-        </p:cxnSp>
-        <p:sp>
-          <p:nvSpPr>
-            <p:cNvPr id="30" name="TextBox 29">
-              <a:extLst>
-                <a:ext uri="{FF2B5EF4-FFF2-40B4-BE49-F238E27FC236}">
-                  <a16:creationId xmlns:a16="http://schemas.microsoft.com/office/drawing/2014/main" id="{C2953A10-675E-485A-8F68-2E540C6F573E}"/>
-                </a:ext>
-              </a:extLst>
-            </p:cNvPr>
-            <p:cNvSpPr txBox="1"/>
-            <p:nvPr/>
-          </p:nvSpPr>
-          <p:spPr>
-            <a:xfrm>
-              <a:off x="2509890" y="3856783"/>
-              <a:ext cx="296876" cy="369332"/>
-            </a:xfrm>
-            <a:prstGeom prst="rect">
-              <a:avLst/>
-            </a:prstGeom>
-            <a:noFill/>
-          </p:spPr>
-          <p:txBody>
-            <a:bodyPr wrap="none" rtlCol="0">
-              <a:spAutoFit/>
-            </a:bodyPr>
-            <a:lstStyle/>
-            <a:p>
-              <a:r>
-                <a:rPr lang="el-GR" dirty="0">
-                  <a:solidFill>
-                    <a:schemeClr val="bg1">
-                      <a:lumMod val="75000"/>
-                      <a:lumOff val="25000"/>
-                    </a:schemeClr>
-                  </a:solidFill>
-                </a:rPr>
-                <a:t>γ</a:t>
-              </a:r>
-              <a:endParaRPr lang="en-US" dirty="0">
-                <a:solidFill>
-                  <a:schemeClr val="bg1">
-                    <a:lumMod val="75000"/>
-                    <a:lumOff val="25000"/>
-                  </a:schemeClr>
-                </a:solidFill>
-              </a:endParaRPr>
-            </a:p>
-          </p:txBody>
-        </p:sp>
-      </p:grpSp>
-      <p:grpSp>
-        <p:nvGrpSpPr>
           <p:cNvPr id="9" name="Group 8">
             <a:extLst>
               <a:ext uri="{FF2B5EF4-FFF2-40B4-BE49-F238E27FC236}">
@@ -9937,9 +9272,9 @@
         <p:grpSpPr>
           <a:xfrm>
             <a:off x="348236" y="805653"/>
-            <a:ext cx="11495528" cy="369332"/>
+            <a:ext cx="11444039" cy="369332"/>
             <a:chOff x="696472" y="805653"/>
-            <a:chExt cx="11495528" cy="369332"/>
+            <a:chExt cx="11444039" cy="369332"/>
           </a:xfrm>
         </p:grpSpPr>
         <p:sp>
@@ -9957,7 +9292,7 @@
           <p:spPr>
             <a:xfrm>
               <a:off x="696472" y="805653"/>
-              <a:ext cx="1832553" cy="369332"/>
+              <a:ext cx="1959191" cy="369332"/>
             </a:xfrm>
             <a:prstGeom prst="rect">
               <a:avLst/>
@@ -10012,7 +9347,7 @@
                     </a:schemeClr>
                   </a:solidFill>
                 </a:rPr>
-                <a:t>βααβαββα</a:t>
+                <a:t>βααβαβββα</a:t>
               </a:r>
               <a:r>
                 <a:rPr lang="en-US" dirty="0">
@@ -10043,7 +9378,7 @@
           <p:spPr>
             <a:xfrm>
               <a:off x="8129669" y="805653"/>
-              <a:ext cx="4062331" cy="369332"/>
+              <a:ext cx="4010842" cy="369332"/>
             </a:xfrm>
             <a:prstGeom prst="rect">
               <a:avLst/>
@@ -10120,73 +9455,7 @@
                     </a:schemeClr>
                   </a:solidFill>
                 </a:rPr>
-                <a:t>0</a:t>
-              </a:r>
-              <a:r>
-                <a:rPr lang="en-US" dirty="0">
-                  <a:solidFill>
-                    <a:schemeClr val="bg1">
-                      <a:lumMod val="75000"/>
-                      <a:lumOff val="25000"/>
-                    </a:schemeClr>
-                  </a:solidFill>
-                </a:rPr>
-                <a:t>, S</a:t>
-              </a:r>
-              <a:r>
-                <a:rPr lang="en-US" baseline="-25000" dirty="0">
-                  <a:solidFill>
-                    <a:schemeClr val="bg1">
-                      <a:lumMod val="75000"/>
-                      <a:lumOff val="25000"/>
-                    </a:schemeClr>
-                  </a:solidFill>
-                </a:rPr>
                 <a:t>1</a:t>
-              </a:r>
-              <a:r>
-                <a:rPr lang="en-US" dirty="0">
-                  <a:solidFill>
-                    <a:schemeClr val="bg1">
-                      <a:lumMod val="75000"/>
-                      <a:lumOff val="25000"/>
-                    </a:schemeClr>
-                  </a:solidFill>
-                </a:rPr>
-                <a:t>, S</a:t>
-              </a:r>
-              <a:r>
-                <a:rPr lang="en-US" baseline="-25000" dirty="0">
-                  <a:solidFill>
-                    <a:schemeClr val="bg1">
-                      <a:lumMod val="75000"/>
-                      <a:lumOff val="25000"/>
-                    </a:schemeClr>
-                  </a:solidFill>
-                </a:rPr>
-                <a:t>0</a:t>
-              </a:r>
-              <a:r>
-                <a:rPr lang="en-US" dirty="0">
-                  <a:solidFill>
-                    <a:schemeClr val="bg1">
-                      <a:lumMod val="75000"/>
-                      <a:lumOff val="25000"/>
-                    </a:schemeClr>
-                  </a:solidFill>
-                </a:rPr>
-                <a:t>, S</a:t>
-              </a:r>
-              <a:r>
-                <a:rPr lang="en-US" baseline="-25000" dirty="0">
-                  <a:solidFill>
-                    <a:schemeClr val="bg1">
-                      <a:lumMod val="75000"/>
-                      <a:lumOff val="25000"/>
-                    </a:schemeClr>
-                  </a:solidFill>
-                </a:rPr>
-                <a:t>0</a:t>
               </a:r>
               <a:r>
                 <a:rPr lang="en-US" dirty="0">
@@ -10252,7 +9521,51 @@
                     </a:schemeClr>
                   </a:solidFill>
                 </a:rPr>
-                <a:t>1 </a:t>
+                <a:t>1</a:t>
+              </a:r>
+              <a:r>
+                <a:rPr lang="en-US" dirty="0">
+                  <a:solidFill>
+                    <a:schemeClr val="bg1">
+                      <a:lumMod val="75000"/>
+                      <a:lumOff val="25000"/>
+                    </a:schemeClr>
+                  </a:solidFill>
+                </a:rPr>
+                <a:t>, S</a:t>
+              </a:r>
+              <a:r>
+                <a:rPr lang="en-US" baseline="-25000" dirty="0">
+                  <a:solidFill>
+                    <a:schemeClr val="bg1">
+                      <a:lumMod val="75000"/>
+                      <a:lumOff val="25000"/>
+                    </a:schemeClr>
+                  </a:solidFill>
+                </a:rPr>
+                <a:t>2</a:t>
+              </a:r>
+              <a:r>
+                <a:rPr lang="en-US" dirty="0">
+                  <a:solidFill>
+                    <a:schemeClr val="bg1">
+                      <a:lumMod val="75000"/>
+                      <a:lumOff val="25000"/>
+                    </a:schemeClr>
+                  </a:solidFill>
+                </a:rPr>
+                <a:t>, S</a:t>
+              </a:r>
+              <a:r>
+                <a:rPr lang="en-US" baseline="-25000" dirty="0">
+                  <a:solidFill>
+                    <a:schemeClr val="bg1">
+                      <a:lumMod val="75000"/>
+                      <a:lumOff val="25000"/>
+                    </a:schemeClr>
+                  </a:solidFill>
+                </a:rPr>
+                <a:t>3 </a:t>
               </a:r>
               <a:r>
                 <a:rPr lang="en-US" dirty="0">
@@ -10274,6 +9587,28 @@
                     </a:schemeClr>
                   </a:solidFill>
                 </a:rPr>
+                <a:t>3</a:t>
+              </a:r>
+              <a:r>
+                <a:rPr lang="en-US" dirty="0">
+                  <a:solidFill>
+                    <a:schemeClr val="bg1">
+                      <a:lumMod val="75000"/>
+                      <a:lumOff val="25000"/>
+                    </a:schemeClr>
+                  </a:solidFill>
+                </a:rPr>
+                <a:t> ,S</a:t>
+              </a:r>
+              <a:r>
+                <a:rPr lang="en-US" baseline="-25000" dirty="0">
+                  <a:solidFill>
+                    <a:schemeClr val="bg1">
+                      <a:lumMod val="75000"/>
+                      <a:lumOff val="25000"/>
+                    </a:schemeClr>
+                  </a:solidFill>
+                </a:rPr>
                 <a:t>0</a:t>
               </a:r>
               <a:r>
@@ -10285,8 +9620,1254 @@
                     </a:schemeClr>
                   </a:solidFill>
                 </a:rPr>
-                <a:t>} = True </a:t>
+                <a:t>} = </a:t>
               </a:r>
+              <a:r>
+                <a:rPr lang="en-US" dirty="0">
+                  <a:solidFill>
+                    <a:schemeClr val="accent3">
+                      <a:lumMod val="60000"/>
+                      <a:lumOff val="40000"/>
+                    </a:schemeClr>
+                  </a:solidFill>
+                </a:rPr>
+                <a:t>True</a:t>
+              </a:r>
+              <a:r>
+                <a:rPr lang="en-US" dirty="0">
+                  <a:solidFill>
+                    <a:schemeClr val="bg1">
+                      <a:lumMod val="75000"/>
+                      <a:lumOff val="25000"/>
+                    </a:schemeClr>
+                  </a:solidFill>
+                </a:rPr>
+                <a:t> </a:t>
+              </a:r>
+            </a:p>
+          </p:txBody>
+        </p:sp>
+      </p:grpSp>
+      <p:grpSp>
+        <p:nvGrpSpPr>
+          <p:cNvPr id="28" name="Group 27">
+            <a:extLst>
+              <a:ext uri="{FF2B5EF4-FFF2-40B4-BE49-F238E27FC236}">
+                <a16:creationId xmlns:a16="http://schemas.microsoft.com/office/drawing/2014/main" id="{BB3025BE-C1CC-4FE0-9E01-9A0C8C78EFC6}"/>
+              </a:ext>
+            </a:extLst>
+          </p:cNvPr>
+          <p:cNvGrpSpPr/>
+          <p:nvPr/>
+        </p:nvGrpSpPr>
+        <p:grpSpPr>
+          <a:xfrm>
+            <a:off x="3261715" y="2089224"/>
+            <a:ext cx="4398496" cy="3625906"/>
+            <a:chOff x="3205732" y="2232293"/>
+            <a:chExt cx="4398496" cy="3625906"/>
+          </a:xfrm>
+        </p:grpSpPr>
+        <p:grpSp>
+          <p:nvGrpSpPr>
+            <p:cNvPr id="32" name="Group 31">
+              <a:extLst>
+                <a:ext uri="{FF2B5EF4-FFF2-40B4-BE49-F238E27FC236}">
+                  <a16:creationId xmlns:a16="http://schemas.microsoft.com/office/drawing/2014/main" id="{DDC86770-134B-4B82-86EA-ED31DD898557}"/>
+                </a:ext>
+              </a:extLst>
+            </p:cNvPr>
+            <p:cNvGrpSpPr/>
+            <p:nvPr/>
+          </p:nvGrpSpPr>
+          <p:grpSpPr>
+            <a:xfrm>
+              <a:off x="3291726" y="2232293"/>
+              <a:ext cx="4312502" cy="3478894"/>
+              <a:chOff x="2509890" y="3000183"/>
+              <a:chExt cx="4312502" cy="3478894"/>
+            </a:xfrm>
+          </p:grpSpPr>
+          <p:grpSp>
+            <p:nvGrpSpPr>
+              <p:cNvPr id="40" name="Group 39">
+                <a:extLst>
+                  <a:ext uri="{FF2B5EF4-FFF2-40B4-BE49-F238E27FC236}">
+                    <a16:creationId xmlns:a16="http://schemas.microsoft.com/office/drawing/2014/main" id="{1E24FD64-66C0-4B7C-BEF2-D71B790E33BD}"/>
+                  </a:ext>
+                </a:extLst>
+              </p:cNvPr>
+              <p:cNvGrpSpPr/>
+              <p:nvPr/>
+            </p:nvGrpSpPr>
+            <p:grpSpPr>
+              <a:xfrm>
+                <a:off x="2954694" y="3819331"/>
+                <a:ext cx="3234612" cy="2659746"/>
+                <a:chOff x="1026367" y="2768082"/>
+                <a:chExt cx="3234612" cy="2659746"/>
+              </a:xfrm>
+            </p:grpSpPr>
+            <p:sp>
+              <p:nvSpPr>
+                <p:cNvPr id="54" name="Oval 53">
+                  <a:extLst>
+                    <a:ext uri="{FF2B5EF4-FFF2-40B4-BE49-F238E27FC236}">
+                      <a16:creationId xmlns:a16="http://schemas.microsoft.com/office/drawing/2014/main" id="{E7D0E324-1C52-44A9-AE68-995500CFFFAD}"/>
+                    </a:ext>
+                  </a:extLst>
+                </p:cNvPr>
+                <p:cNvSpPr/>
+                <p:nvPr/>
+              </p:nvSpPr>
+              <p:spPr>
+                <a:xfrm>
+                  <a:off x="1026367" y="2768082"/>
+                  <a:ext cx="933061" cy="901959"/>
+                </a:xfrm>
+                <a:prstGeom prst="ellipse">
+                  <a:avLst/>
+                </a:prstGeom>
+                <a:solidFill>
+                  <a:schemeClr val="tx1">
+                    <a:lumMod val="85000"/>
+                  </a:schemeClr>
+                </a:solidFill>
+                <a:ln>
+                  <a:solidFill>
+                    <a:schemeClr val="bg2">
+                      <a:lumMod val="50000"/>
+                    </a:schemeClr>
+                  </a:solidFill>
+                </a:ln>
+              </p:spPr>
+              <p:style>
+                <a:lnRef idx="2">
+                  <a:schemeClr val="accent1">
+                    <a:shade val="50000"/>
+                  </a:schemeClr>
+                </a:lnRef>
+                <a:fillRef idx="1">
+                  <a:schemeClr val="accent1"/>
+                </a:fillRef>
+                <a:effectRef idx="0">
+                  <a:schemeClr val="accent1"/>
+                </a:effectRef>
+                <a:fontRef idx="minor">
+                  <a:schemeClr val="lt1"/>
+                </a:fontRef>
+              </p:style>
+              <p:txBody>
+                <a:bodyPr rtlCol="0" anchor="ctr"/>
+                <a:lstStyle/>
+                <a:p>
+                  <a:pPr algn="ctr"/>
+                  <a:r>
+                    <a:rPr lang="en-US" dirty="0"/>
+                    <a:t>S</a:t>
+                  </a:r>
+                  <a:r>
+                    <a:rPr lang="en-US" baseline="-25000" dirty="0"/>
+                    <a:t>0</a:t>
+                  </a:r>
+                </a:p>
+              </p:txBody>
+            </p:sp>
+            <p:sp>
+              <p:nvSpPr>
+                <p:cNvPr id="55" name="Oval 54">
+                  <a:extLst>
+                    <a:ext uri="{FF2B5EF4-FFF2-40B4-BE49-F238E27FC236}">
+                      <a16:creationId xmlns:a16="http://schemas.microsoft.com/office/drawing/2014/main" id="{B723CE0E-2F76-4A2F-8C4C-C7E1386D1F88}"/>
+                    </a:ext>
+                  </a:extLst>
+                </p:cNvPr>
+                <p:cNvSpPr/>
+                <p:nvPr/>
+              </p:nvSpPr>
+              <p:spPr>
+                <a:xfrm>
+                  <a:off x="3327918" y="2768082"/>
+                  <a:ext cx="933061" cy="901959"/>
+                </a:xfrm>
+                <a:prstGeom prst="ellipse">
+                  <a:avLst/>
+                </a:prstGeom>
+                <a:solidFill>
+                  <a:schemeClr val="tx1">
+                    <a:lumMod val="85000"/>
+                  </a:schemeClr>
+                </a:solidFill>
+                <a:ln>
+                  <a:solidFill>
+                    <a:schemeClr val="bg2">
+                      <a:lumMod val="50000"/>
+                    </a:schemeClr>
+                  </a:solidFill>
+                </a:ln>
+              </p:spPr>
+              <p:style>
+                <a:lnRef idx="2">
+                  <a:schemeClr val="accent1">
+                    <a:shade val="50000"/>
+                  </a:schemeClr>
+                </a:lnRef>
+                <a:fillRef idx="1">
+                  <a:schemeClr val="accent1"/>
+                </a:fillRef>
+                <a:effectRef idx="0">
+                  <a:schemeClr val="accent1"/>
+                </a:effectRef>
+                <a:fontRef idx="minor">
+                  <a:schemeClr val="lt1"/>
+                </a:fontRef>
+              </p:style>
+              <p:txBody>
+                <a:bodyPr rtlCol="0" anchor="ctr"/>
+                <a:lstStyle/>
+                <a:p>
+                  <a:pPr algn="ctr"/>
+                  <a:r>
+                    <a:rPr lang="en-US" dirty="0"/>
+                    <a:t>S</a:t>
+                  </a:r>
+                  <a:r>
+                    <a:rPr lang="en-US" baseline="-25000" dirty="0"/>
+                    <a:t>1</a:t>
+                  </a:r>
+                </a:p>
+              </p:txBody>
+            </p:sp>
+            <p:sp>
+              <p:nvSpPr>
+                <p:cNvPr id="56" name="Oval 55">
+                  <a:extLst>
+                    <a:ext uri="{FF2B5EF4-FFF2-40B4-BE49-F238E27FC236}">
+                      <a16:creationId xmlns:a16="http://schemas.microsoft.com/office/drawing/2014/main" id="{94A56C81-AC44-4D8D-B947-72945C15F79F}"/>
+                    </a:ext>
+                  </a:extLst>
+                </p:cNvPr>
+                <p:cNvSpPr/>
+                <p:nvPr/>
+              </p:nvSpPr>
+              <p:spPr>
+                <a:xfrm>
+                  <a:off x="3327917" y="4525869"/>
+                  <a:ext cx="933061" cy="901959"/>
+                </a:xfrm>
+                <a:prstGeom prst="ellipse">
+                  <a:avLst/>
+                </a:prstGeom>
+                <a:solidFill>
+                  <a:schemeClr val="tx1">
+                    <a:lumMod val="85000"/>
+                  </a:schemeClr>
+                </a:solidFill>
+                <a:ln>
+                  <a:solidFill>
+                    <a:schemeClr val="bg2">
+                      <a:lumMod val="50000"/>
+                    </a:schemeClr>
+                  </a:solidFill>
+                </a:ln>
+              </p:spPr>
+              <p:style>
+                <a:lnRef idx="2">
+                  <a:schemeClr val="accent1">
+                    <a:shade val="50000"/>
+                  </a:schemeClr>
+                </a:lnRef>
+                <a:fillRef idx="1">
+                  <a:schemeClr val="accent1"/>
+                </a:fillRef>
+                <a:effectRef idx="0">
+                  <a:schemeClr val="accent1"/>
+                </a:effectRef>
+                <a:fontRef idx="minor">
+                  <a:schemeClr val="lt1"/>
+                </a:fontRef>
+              </p:style>
+              <p:txBody>
+                <a:bodyPr rtlCol="0" anchor="ctr"/>
+                <a:lstStyle/>
+                <a:p>
+                  <a:pPr algn="ctr"/>
+                  <a:r>
+                    <a:rPr lang="en-US" dirty="0"/>
+                    <a:t>S</a:t>
+                  </a:r>
+                  <a:r>
+                    <a:rPr lang="en-US" baseline="-25000" dirty="0"/>
+                    <a:t>2</a:t>
+                  </a:r>
+                </a:p>
+              </p:txBody>
+            </p:sp>
+          </p:grpSp>
+          <p:cxnSp>
+            <p:nvCxnSpPr>
+              <p:cNvPr id="41" name="Connector: Curved 40">
+                <a:extLst>
+                  <a:ext uri="{FF2B5EF4-FFF2-40B4-BE49-F238E27FC236}">
+                    <a16:creationId xmlns:a16="http://schemas.microsoft.com/office/drawing/2014/main" id="{CC1578C8-AB23-4783-B90D-C7E331FC8B21}"/>
+                  </a:ext>
+                </a:extLst>
+              </p:cNvPr>
+              <p:cNvCxnSpPr>
+                <a:stCxn id="54" idx="7"/>
+                <a:endCxn id="55" idx="1"/>
+              </p:cNvCxnSpPr>
+              <p:nvPr/>
+            </p:nvCxnSpPr>
+            <p:spPr>
+              <a:xfrm rot="5400000" flipH="1" flipV="1">
+                <a:off x="4572000" y="3130531"/>
+                <a:ext cx="12700" cy="1641778"/>
+              </a:xfrm>
+              <a:prstGeom prst="curvedConnector3">
+                <a:avLst>
+                  <a:gd name="adj1" fmla="val 2840071"/>
+                </a:avLst>
+              </a:prstGeom>
+              <a:ln w="19050">
+                <a:solidFill>
+                  <a:schemeClr val="bg2">
+                    <a:lumMod val="60000"/>
+                    <a:lumOff val="40000"/>
+                  </a:schemeClr>
+                </a:solidFill>
+                <a:tailEnd type="triangle"/>
+              </a:ln>
+            </p:spPr>
+            <p:style>
+              <a:lnRef idx="1">
+                <a:schemeClr val="accent1"/>
+              </a:lnRef>
+              <a:fillRef idx="0">
+                <a:schemeClr val="accent1"/>
+              </a:fillRef>
+              <a:effectRef idx="0">
+                <a:schemeClr val="accent1"/>
+              </a:effectRef>
+              <a:fontRef idx="minor">
+                <a:schemeClr val="tx1"/>
+              </a:fontRef>
+            </p:style>
+          </p:cxnSp>
+          <p:cxnSp>
+            <p:nvCxnSpPr>
+              <p:cNvPr id="42" name="Connector: Curved 41">
+                <a:extLst>
+                  <a:ext uri="{FF2B5EF4-FFF2-40B4-BE49-F238E27FC236}">
+                    <a16:creationId xmlns:a16="http://schemas.microsoft.com/office/drawing/2014/main" id="{24C8A469-105E-4FE2-8F2D-33480D68CB79}"/>
+                  </a:ext>
+                </a:extLst>
+              </p:cNvPr>
+              <p:cNvCxnSpPr>
+                <a:cxnSpLocks/>
+                <a:stCxn id="55" idx="0"/>
+                <a:endCxn id="55" idx="7"/>
+              </p:cNvCxnSpPr>
+              <p:nvPr/>
+            </p:nvCxnSpPr>
+            <p:spPr>
+              <a:xfrm rot="16200000" flipH="1">
+                <a:off x="5821674" y="3720432"/>
+                <a:ext cx="132089" cy="329886"/>
+              </a:xfrm>
+              <a:prstGeom prst="curvedConnector3">
+                <a:avLst>
+                  <a:gd name="adj1" fmla="val -271960"/>
+                </a:avLst>
+              </a:prstGeom>
+              <a:ln w="19050">
+                <a:solidFill>
+                  <a:schemeClr val="bg2">
+                    <a:lumMod val="60000"/>
+                    <a:lumOff val="40000"/>
+                  </a:schemeClr>
+                </a:solidFill>
+                <a:tailEnd type="triangle"/>
+              </a:ln>
+            </p:spPr>
+            <p:style>
+              <a:lnRef idx="1">
+                <a:schemeClr val="accent1"/>
+              </a:lnRef>
+              <a:fillRef idx="0">
+                <a:schemeClr val="accent1"/>
+              </a:fillRef>
+              <a:effectRef idx="0">
+                <a:schemeClr val="accent1"/>
+              </a:effectRef>
+              <a:fontRef idx="minor">
+                <a:schemeClr val="tx1"/>
+              </a:fontRef>
+            </p:style>
+          </p:cxnSp>
+          <p:cxnSp>
+            <p:nvCxnSpPr>
+              <p:cNvPr id="43" name="Connector: Curved 42">
+                <a:extLst>
+                  <a:ext uri="{FF2B5EF4-FFF2-40B4-BE49-F238E27FC236}">
+                    <a16:creationId xmlns:a16="http://schemas.microsoft.com/office/drawing/2014/main" id="{A85D3472-366C-4BE8-B457-A0A05A56CA67}"/>
+                  </a:ext>
+                </a:extLst>
+              </p:cNvPr>
+              <p:cNvCxnSpPr>
+                <a:cxnSpLocks/>
+                <a:stCxn id="56" idx="3"/>
+                <a:endCxn id="33" idx="5"/>
+              </p:cNvCxnSpPr>
+              <p:nvPr/>
+            </p:nvCxnSpPr>
+            <p:spPr>
+              <a:xfrm rot="5400000">
+                <a:off x="4570416" y="5527684"/>
+                <a:ext cx="3169" cy="1641777"/>
+              </a:xfrm>
+              <a:prstGeom prst="curvedConnector3">
+                <a:avLst>
+                  <a:gd name="adj1" fmla="val 11481792"/>
+                </a:avLst>
+              </a:prstGeom>
+              <a:ln w="19050">
+                <a:solidFill>
+                  <a:schemeClr val="bg2">
+                    <a:lumMod val="60000"/>
+                    <a:lumOff val="40000"/>
+                  </a:schemeClr>
+                </a:solidFill>
+                <a:tailEnd type="triangle"/>
+              </a:ln>
+            </p:spPr>
+            <p:style>
+              <a:lnRef idx="1">
+                <a:schemeClr val="accent1"/>
+              </a:lnRef>
+              <a:fillRef idx="0">
+                <a:schemeClr val="accent1"/>
+              </a:fillRef>
+              <a:effectRef idx="0">
+                <a:schemeClr val="accent1"/>
+              </a:effectRef>
+              <a:fontRef idx="minor">
+                <a:schemeClr val="tx1"/>
+              </a:fontRef>
+            </p:style>
+          </p:cxnSp>
+          <p:cxnSp>
+            <p:nvCxnSpPr>
+              <p:cNvPr id="44" name="Connector: Curved 43">
+                <a:extLst>
+                  <a:ext uri="{FF2B5EF4-FFF2-40B4-BE49-F238E27FC236}">
+                    <a16:creationId xmlns:a16="http://schemas.microsoft.com/office/drawing/2014/main" id="{7817522F-F6DE-4805-AA4B-C1E23CA30E5A}"/>
+                  </a:ext>
+                </a:extLst>
+              </p:cNvPr>
+              <p:cNvCxnSpPr>
+                <a:cxnSpLocks/>
+                <a:stCxn id="55" idx="2"/>
+                <a:endCxn id="56" idx="2"/>
+              </p:cNvCxnSpPr>
+              <p:nvPr/>
+            </p:nvCxnSpPr>
+            <p:spPr>
+              <a:xfrm rot="10800000" flipV="1">
+                <a:off x="5256245" y="4270310"/>
+                <a:ext cx="1" cy="1757787"/>
+              </a:xfrm>
+              <a:prstGeom prst="curvedConnector3">
+                <a:avLst>
+                  <a:gd name="adj1" fmla="val 22860100000"/>
+                </a:avLst>
+              </a:prstGeom>
+              <a:ln w="19050">
+                <a:solidFill>
+                  <a:schemeClr val="bg2">
+                    <a:lumMod val="60000"/>
+                    <a:lumOff val="40000"/>
+                  </a:schemeClr>
+                </a:solidFill>
+                <a:tailEnd type="triangle"/>
+              </a:ln>
+            </p:spPr>
+            <p:style>
+              <a:lnRef idx="1">
+                <a:schemeClr val="accent1"/>
+              </a:lnRef>
+              <a:fillRef idx="0">
+                <a:schemeClr val="accent1"/>
+              </a:fillRef>
+              <a:effectRef idx="0">
+                <a:schemeClr val="accent1"/>
+              </a:effectRef>
+              <a:fontRef idx="minor">
+                <a:schemeClr val="tx1"/>
+              </a:fontRef>
+            </p:style>
+          </p:cxnSp>
+          <p:cxnSp>
+            <p:nvCxnSpPr>
+              <p:cNvPr id="45" name="Connector: Curved 44">
+                <a:extLst>
+                  <a:ext uri="{FF2B5EF4-FFF2-40B4-BE49-F238E27FC236}">
+                    <a16:creationId xmlns:a16="http://schemas.microsoft.com/office/drawing/2014/main" id="{37311BE2-97CB-43A2-A9E9-7003E117763D}"/>
+                  </a:ext>
+                </a:extLst>
+              </p:cNvPr>
+              <p:cNvCxnSpPr>
+                <a:stCxn id="54" idx="1"/>
+                <a:endCxn id="54" idx="0"/>
+              </p:cNvCxnSpPr>
+              <p:nvPr/>
+            </p:nvCxnSpPr>
+            <p:spPr>
+              <a:xfrm rot="5400000" flipH="1" flipV="1">
+                <a:off x="3190237" y="3720433"/>
+                <a:ext cx="132089" cy="329887"/>
+              </a:xfrm>
+              <a:prstGeom prst="curvedConnector3">
+                <a:avLst>
+                  <a:gd name="adj1" fmla="val 376669"/>
+                </a:avLst>
+              </a:prstGeom>
+              <a:ln w="19050">
+                <a:solidFill>
+                  <a:schemeClr val="bg2">
+                    <a:lumMod val="60000"/>
+                    <a:lumOff val="40000"/>
+                  </a:schemeClr>
+                </a:solidFill>
+                <a:tailEnd type="triangle"/>
+              </a:ln>
+            </p:spPr>
+            <p:style>
+              <a:lnRef idx="1">
+                <a:schemeClr val="accent1"/>
+              </a:lnRef>
+              <a:fillRef idx="0">
+                <a:schemeClr val="accent1"/>
+              </a:fillRef>
+              <a:effectRef idx="0">
+                <a:schemeClr val="accent1"/>
+              </a:effectRef>
+              <a:fontRef idx="minor">
+                <a:schemeClr val="tx1"/>
+              </a:fontRef>
+            </p:style>
+          </p:cxnSp>
+          <p:cxnSp>
+            <p:nvCxnSpPr>
+              <p:cNvPr id="46" name="Connector: Curved 45">
+                <a:extLst>
+                  <a:ext uri="{FF2B5EF4-FFF2-40B4-BE49-F238E27FC236}">
+                    <a16:creationId xmlns:a16="http://schemas.microsoft.com/office/drawing/2014/main" id="{3E1A74C5-261B-4AC2-94CC-857730A93DA6}"/>
+                  </a:ext>
+                </a:extLst>
+              </p:cNvPr>
+              <p:cNvCxnSpPr>
+                <a:cxnSpLocks/>
+                <a:stCxn id="56" idx="6"/>
+                <a:endCxn id="55" idx="6"/>
+              </p:cNvCxnSpPr>
+              <p:nvPr/>
+            </p:nvCxnSpPr>
+            <p:spPr>
+              <a:xfrm flipV="1">
+                <a:off x="6189305" y="4270311"/>
+                <a:ext cx="1" cy="1757787"/>
+              </a:xfrm>
+              <a:prstGeom prst="curvedConnector3">
+                <a:avLst>
+                  <a:gd name="adj1" fmla="val 22860100000"/>
+                </a:avLst>
+              </a:prstGeom>
+              <a:ln w="19050">
+                <a:solidFill>
+                  <a:schemeClr val="bg2">
+                    <a:lumMod val="60000"/>
+                    <a:lumOff val="40000"/>
+                  </a:schemeClr>
+                </a:solidFill>
+                <a:tailEnd type="triangle"/>
+              </a:ln>
+            </p:spPr>
+            <p:style>
+              <a:lnRef idx="1">
+                <a:schemeClr val="accent1"/>
+              </a:lnRef>
+              <a:fillRef idx="0">
+                <a:schemeClr val="accent1"/>
+              </a:fillRef>
+              <a:effectRef idx="0">
+                <a:schemeClr val="accent1"/>
+              </a:effectRef>
+              <a:fontRef idx="minor">
+                <a:schemeClr val="tx1"/>
+              </a:fontRef>
+            </p:style>
+          </p:cxnSp>
+          <p:sp>
+            <p:nvSpPr>
+              <p:cNvPr id="47" name="TextBox 46">
+                <a:extLst>
+                  <a:ext uri="{FF2B5EF4-FFF2-40B4-BE49-F238E27FC236}">
+                    <a16:creationId xmlns:a16="http://schemas.microsoft.com/office/drawing/2014/main" id="{F4B6FAB4-98FC-44E4-9A6E-8789BD6BB5FA}"/>
+                  </a:ext>
+                </a:extLst>
+              </p:cNvPr>
+              <p:cNvSpPr txBox="1"/>
+              <p:nvPr/>
+            </p:nvSpPr>
+            <p:spPr>
+              <a:xfrm>
+                <a:off x="4421095" y="3184849"/>
+                <a:ext cx="314510" cy="369332"/>
+              </a:xfrm>
+              <a:prstGeom prst="rect">
+                <a:avLst/>
+              </a:prstGeom>
+              <a:noFill/>
+            </p:spPr>
+            <p:txBody>
+              <a:bodyPr wrap="none" rtlCol="0">
+                <a:spAutoFit/>
+              </a:bodyPr>
+              <a:lstStyle/>
+              <a:p>
+                <a:r>
+                  <a:rPr lang="el-GR" dirty="0">
+                    <a:solidFill>
+                      <a:schemeClr val="bg1">
+                        <a:lumMod val="75000"/>
+                        <a:lumOff val="25000"/>
+                      </a:schemeClr>
+                    </a:solidFill>
+                  </a:rPr>
+                  <a:t>α</a:t>
+                </a:r>
+                <a:endParaRPr lang="en-US" dirty="0">
+                  <a:solidFill>
+                    <a:schemeClr val="bg1">
+                      <a:lumMod val="75000"/>
+                      <a:lumOff val="25000"/>
+                    </a:schemeClr>
+                  </a:solidFill>
+                </a:endParaRPr>
+              </a:p>
+            </p:txBody>
+          </p:sp>
+          <p:sp>
+            <p:nvSpPr>
+              <p:cNvPr id="48" name="TextBox 47">
+                <a:extLst>
+                  <a:ext uri="{FF2B5EF4-FFF2-40B4-BE49-F238E27FC236}">
+                    <a16:creationId xmlns:a16="http://schemas.microsoft.com/office/drawing/2014/main" id="{5A6F714A-4081-499B-9A84-F8EC41D0A68E}"/>
+                  </a:ext>
+                </a:extLst>
+              </p:cNvPr>
+              <p:cNvSpPr txBox="1"/>
+              <p:nvPr/>
+            </p:nvSpPr>
+            <p:spPr>
+              <a:xfrm>
+                <a:off x="3455237" y="4975549"/>
+                <a:ext cx="314510" cy="369332"/>
+              </a:xfrm>
+              <a:prstGeom prst="rect">
+                <a:avLst/>
+              </a:prstGeom>
+              <a:noFill/>
+            </p:spPr>
+            <p:txBody>
+              <a:bodyPr wrap="none" rtlCol="0">
+                <a:spAutoFit/>
+              </a:bodyPr>
+              <a:lstStyle/>
+              <a:p>
+                <a:r>
+                  <a:rPr lang="el-GR" dirty="0">
+                    <a:solidFill>
+                      <a:schemeClr val="bg1">
+                        <a:lumMod val="75000"/>
+                        <a:lumOff val="25000"/>
+                      </a:schemeClr>
+                    </a:solidFill>
+                  </a:rPr>
+                  <a:t>α</a:t>
+                </a:r>
+                <a:endParaRPr lang="en-US" dirty="0">
+                  <a:solidFill>
+                    <a:schemeClr val="bg1">
+                      <a:lumMod val="75000"/>
+                      <a:lumOff val="25000"/>
+                    </a:schemeClr>
+                  </a:solidFill>
+                </a:endParaRPr>
+              </a:p>
+            </p:txBody>
+          </p:sp>
+          <p:sp>
+            <p:nvSpPr>
+              <p:cNvPr id="49" name="TextBox 48">
+                <a:extLst>
+                  <a:ext uri="{FF2B5EF4-FFF2-40B4-BE49-F238E27FC236}">
+                    <a16:creationId xmlns:a16="http://schemas.microsoft.com/office/drawing/2014/main" id="{9A21A529-C79B-4AB4-BEC1-06646094190B}"/>
+                  </a:ext>
+                </a:extLst>
+              </p:cNvPr>
+              <p:cNvSpPr txBox="1"/>
+              <p:nvPr/>
+            </p:nvSpPr>
+            <p:spPr>
+              <a:xfrm>
+                <a:off x="6507882" y="4972473"/>
+                <a:ext cx="314510" cy="369332"/>
+              </a:xfrm>
+              <a:prstGeom prst="rect">
+                <a:avLst/>
+              </a:prstGeom>
+              <a:noFill/>
+            </p:spPr>
+            <p:txBody>
+              <a:bodyPr wrap="none" rtlCol="0">
+                <a:spAutoFit/>
+              </a:bodyPr>
+              <a:lstStyle/>
+              <a:p>
+                <a:r>
+                  <a:rPr lang="el-GR" dirty="0">
+                    <a:solidFill>
+                      <a:schemeClr val="bg1">
+                        <a:lumMod val="75000"/>
+                        <a:lumOff val="25000"/>
+                      </a:schemeClr>
+                    </a:solidFill>
+                  </a:rPr>
+                  <a:t>α</a:t>
+                </a:r>
+                <a:endParaRPr lang="en-US" dirty="0">
+                  <a:solidFill>
+                    <a:schemeClr val="bg1">
+                      <a:lumMod val="75000"/>
+                      <a:lumOff val="25000"/>
+                    </a:schemeClr>
+                  </a:solidFill>
+                </a:endParaRPr>
+              </a:p>
+            </p:txBody>
+          </p:sp>
+          <p:sp>
+            <p:nvSpPr>
+              <p:cNvPr id="50" name="TextBox 49">
+                <a:extLst>
+                  <a:ext uri="{FF2B5EF4-FFF2-40B4-BE49-F238E27FC236}">
+                    <a16:creationId xmlns:a16="http://schemas.microsoft.com/office/drawing/2014/main" id="{2CAD0883-23EF-4E12-B25A-310AEDB78FC8}"/>
+                  </a:ext>
+                </a:extLst>
+              </p:cNvPr>
+              <p:cNvSpPr txBox="1"/>
+              <p:nvPr/>
+            </p:nvSpPr>
+            <p:spPr>
+              <a:xfrm>
+                <a:off x="4702807" y="4975549"/>
+                <a:ext cx="314510" cy="369332"/>
+              </a:xfrm>
+              <a:prstGeom prst="rect">
+                <a:avLst/>
+              </a:prstGeom>
+              <a:noFill/>
+            </p:spPr>
+            <p:txBody>
+              <a:bodyPr wrap="none" rtlCol="0">
+                <a:spAutoFit/>
+              </a:bodyPr>
+              <a:lstStyle/>
+              <a:p>
+                <a:r>
+                  <a:rPr lang="el-GR" dirty="0">
+                    <a:solidFill>
+                      <a:schemeClr val="bg1">
+                        <a:lumMod val="75000"/>
+                        <a:lumOff val="25000"/>
+                      </a:schemeClr>
+                    </a:solidFill>
+                  </a:rPr>
+                  <a:t>β</a:t>
+                </a:r>
+                <a:endParaRPr lang="en-US" dirty="0">
+                  <a:solidFill>
+                    <a:schemeClr val="bg1">
+                      <a:lumMod val="75000"/>
+                      <a:lumOff val="25000"/>
+                    </a:schemeClr>
+                  </a:solidFill>
+                </a:endParaRPr>
+              </a:p>
+            </p:txBody>
+          </p:sp>
+          <p:sp>
+            <p:nvSpPr>
+              <p:cNvPr id="51" name="TextBox 50">
+                <a:extLst>
+                  <a:ext uri="{FF2B5EF4-FFF2-40B4-BE49-F238E27FC236}">
+                    <a16:creationId xmlns:a16="http://schemas.microsoft.com/office/drawing/2014/main" id="{9C748B3D-83C3-4253-845B-56C881527CEE}"/>
+                  </a:ext>
+                </a:extLst>
+              </p:cNvPr>
+              <p:cNvSpPr txBox="1"/>
+              <p:nvPr/>
+            </p:nvSpPr>
+            <p:spPr>
+              <a:xfrm>
+                <a:off x="3099026" y="3000183"/>
+                <a:ext cx="314510" cy="369332"/>
+              </a:xfrm>
+              <a:prstGeom prst="rect">
+                <a:avLst/>
+              </a:prstGeom>
+              <a:noFill/>
+            </p:spPr>
+            <p:txBody>
+              <a:bodyPr wrap="none" rtlCol="0">
+                <a:spAutoFit/>
+              </a:bodyPr>
+              <a:lstStyle/>
+              <a:p>
+                <a:r>
+                  <a:rPr lang="el-GR" dirty="0">
+                    <a:solidFill>
+                      <a:schemeClr val="bg1">
+                        <a:lumMod val="75000"/>
+                        <a:lumOff val="25000"/>
+                      </a:schemeClr>
+                    </a:solidFill>
+                  </a:rPr>
+                  <a:t>β</a:t>
+                </a:r>
+                <a:endParaRPr lang="en-US" dirty="0">
+                  <a:solidFill>
+                    <a:schemeClr val="bg1">
+                      <a:lumMod val="75000"/>
+                      <a:lumOff val="25000"/>
+                    </a:schemeClr>
+                  </a:solidFill>
+                </a:endParaRPr>
+              </a:p>
+            </p:txBody>
+          </p:sp>
+          <p:cxnSp>
+            <p:nvCxnSpPr>
+              <p:cNvPr id="52" name="Straight Arrow Connector 51">
+                <a:extLst>
+                  <a:ext uri="{FF2B5EF4-FFF2-40B4-BE49-F238E27FC236}">
+                    <a16:creationId xmlns:a16="http://schemas.microsoft.com/office/drawing/2014/main" id="{F742DFF2-4C00-4C33-ADE2-21D9EA6C6FDA}"/>
+                  </a:ext>
+                </a:extLst>
+              </p:cNvPr>
+              <p:cNvCxnSpPr>
+                <a:endCxn id="54" idx="2"/>
+              </p:cNvCxnSpPr>
+              <p:nvPr/>
+            </p:nvCxnSpPr>
+            <p:spPr>
+              <a:xfrm flipV="1">
+                <a:off x="2513045" y="4270311"/>
+                <a:ext cx="441649" cy="6349"/>
+              </a:xfrm>
+              <a:prstGeom prst="straightConnector1">
+                <a:avLst/>
+              </a:prstGeom>
+              <a:ln w="57150">
+                <a:solidFill>
+                  <a:srgbClr val="FF0000"/>
+                </a:solidFill>
+                <a:tailEnd type="triangle"/>
+              </a:ln>
+            </p:spPr>
+            <p:style>
+              <a:lnRef idx="1">
+                <a:schemeClr val="accent1"/>
+              </a:lnRef>
+              <a:fillRef idx="0">
+                <a:schemeClr val="accent1"/>
+              </a:fillRef>
+              <a:effectRef idx="0">
+                <a:schemeClr val="accent1"/>
+              </a:effectRef>
+              <a:fontRef idx="minor">
+                <a:schemeClr val="tx1"/>
+              </a:fontRef>
+            </p:style>
+          </p:cxnSp>
+          <p:sp>
+            <p:nvSpPr>
+              <p:cNvPr id="53" name="TextBox 52">
+                <a:extLst>
+                  <a:ext uri="{FF2B5EF4-FFF2-40B4-BE49-F238E27FC236}">
+                    <a16:creationId xmlns:a16="http://schemas.microsoft.com/office/drawing/2014/main" id="{D35289A5-FBAD-46F4-8526-B3BA8C9E1462}"/>
+                  </a:ext>
+                </a:extLst>
+              </p:cNvPr>
+              <p:cNvSpPr txBox="1"/>
+              <p:nvPr/>
+            </p:nvSpPr>
+            <p:spPr>
+              <a:xfrm>
+                <a:off x="2509890" y="3856783"/>
+                <a:ext cx="296876" cy="369332"/>
+              </a:xfrm>
+              <a:prstGeom prst="rect">
+                <a:avLst/>
+              </a:prstGeom>
+              <a:noFill/>
+            </p:spPr>
+            <p:txBody>
+              <a:bodyPr wrap="none" rtlCol="0">
+                <a:spAutoFit/>
+              </a:bodyPr>
+              <a:lstStyle/>
+              <a:p>
+                <a:r>
+                  <a:rPr lang="el-GR" dirty="0">
+                    <a:solidFill>
+                      <a:schemeClr val="bg1">
+                        <a:lumMod val="75000"/>
+                        <a:lumOff val="25000"/>
+                      </a:schemeClr>
+                    </a:solidFill>
+                  </a:rPr>
+                  <a:t>γ</a:t>
+                </a:r>
+                <a:endParaRPr lang="en-US" dirty="0">
+                  <a:solidFill>
+                    <a:schemeClr val="bg1">
+                      <a:lumMod val="75000"/>
+                      <a:lumOff val="25000"/>
+                    </a:schemeClr>
+                  </a:solidFill>
+                </a:endParaRPr>
+              </a:p>
+            </p:txBody>
+          </p:sp>
+        </p:grpSp>
+        <p:sp>
+          <p:nvSpPr>
+            <p:cNvPr id="33" name="Oval 32">
+              <a:extLst>
+                <a:ext uri="{FF2B5EF4-FFF2-40B4-BE49-F238E27FC236}">
+                  <a16:creationId xmlns:a16="http://schemas.microsoft.com/office/drawing/2014/main" id="{6F164376-5D75-43DE-A104-C916DDCFE0A3}"/>
+                </a:ext>
+              </a:extLst>
+            </p:cNvPr>
+            <p:cNvSpPr/>
+            <p:nvPr/>
+          </p:nvSpPr>
+          <p:spPr>
+            <a:xfrm>
+              <a:off x="3736530" y="4812397"/>
+              <a:ext cx="933061" cy="901959"/>
+            </a:xfrm>
+            <a:prstGeom prst="ellipse">
+              <a:avLst/>
+            </a:prstGeom>
+            <a:solidFill>
+              <a:schemeClr val="tx1">
+                <a:lumMod val="85000"/>
+              </a:schemeClr>
+            </a:solidFill>
+            <a:ln>
+              <a:solidFill>
+                <a:schemeClr val="bg2">
+                  <a:lumMod val="50000"/>
+                </a:schemeClr>
+              </a:solidFill>
+            </a:ln>
+          </p:spPr>
+          <p:style>
+            <a:lnRef idx="2">
+              <a:schemeClr val="accent1">
+                <a:shade val="50000"/>
+              </a:schemeClr>
+            </a:lnRef>
+            <a:fillRef idx="1">
+              <a:schemeClr val="accent1"/>
+            </a:fillRef>
+            <a:effectRef idx="0">
+              <a:schemeClr val="accent1"/>
+            </a:effectRef>
+            <a:fontRef idx="minor">
+              <a:schemeClr val="lt1"/>
+            </a:fontRef>
+          </p:style>
+          <p:txBody>
+            <a:bodyPr rtlCol="0" anchor="ctr"/>
+            <a:lstStyle/>
+            <a:p>
+              <a:pPr algn="ctr"/>
+              <a:r>
+                <a:rPr lang="en-US" dirty="0"/>
+                <a:t>S</a:t>
+              </a:r>
+              <a:r>
+                <a:rPr lang="en-US" baseline="-25000" dirty="0"/>
+                <a:t>3</a:t>
+              </a:r>
+            </a:p>
+          </p:txBody>
+        </p:sp>
+        <p:cxnSp>
+          <p:nvCxnSpPr>
+            <p:cNvPr id="34" name="Connector: Curved 33">
+              <a:extLst>
+                <a:ext uri="{FF2B5EF4-FFF2-40B4-BE49-F238E27FC236}">
+                  <a16:creationId xmlns:a16="http://schemas.microsoft.com/office/drawing/2014/main" id="{9992816D-5CEB-47DE-A956-9B6CB65C82DB}"/>
+                </a:ext>
+              </a:extLst>
+            </p:cNvPr>
+            <p:cNvCxnSpPr>
+              <a:cxnSpLocks/>
+              <a:stCxn id="33" idx="0"/>
+              <a:endCxn id="54" idx="4"/>
+            </p:cNvCxnSpPr>
+            <p:nvPr/>
+          </p:nvCxnSpPr>
+          <p:spPr>
+            <a:xfrm rot="5400000" flipH="1" flipV="1">
+              <a:off x="3773563" y="4382899"/>
+              <a:ext cx="858997" cy="12700"/>
+            </a:xfrm>
+            <a:prstGeom prst="curvedConnector3">
+              <a:avLst>
+                <a:gd name="adj1" fmla="val 50000"/>
+              </a:avLst>
+            </a:prstGeom>
+            <a:ln w="19050">
+              <a:solidFill>
+                <a:schemeClr val="bg2">
+                  <a:lumMod val="60000"/>
+                  <a:lumOff val="40000"/>
+                </a:schemeClr>
+              </a:solidFill>
+              <a:tailEnd type="triangle"/>
+            </a:ln>
+          </p:spPr>
+          <p:style>
+            <a:lnRef idx="1">
+              <a:schemeClr val="accent1"/>
+            </a:lnRef>
+            <a:fillRef idx="0">
+              <a:schemeClr val="accent1"/>
+            </a:fillRef>
+            <a:effectRef idx="0">
+              <a:schemeClr val="accent1"/>
+            </a:effectRef>
+            <a:fontRef idx="minor">
+              <a:schemeClr val="tx1"/>
+            </a:fontRef>
+          </p:style>
+        </p:cxnSp>
+        <p:cxnSp>
+          <p:nvCxnSpPr>
+            <p:cNvPr id="36" name="Connector: Curved 35">
+              <a:extLst>
+                <a:ext uri="{FF2B5EF4-FFF2-40B4-BE49-F238E27FC236}">
+                  <a16:creationId xmlns:a16="http://schemas.microsoft.com/office/drawing/2014/main" id="{A432E00A-3772-4344-8FA3-B7F65993BF01}"/>
+                </a:ext>
+              </a:extLst>
+            </p:cNvPr>
+            <p:cNvCxnSpPr>
+              <a:cxnSpLocks/>
+              <a:stCxn id="33" idx="4"/>
+              <a:endCxn id="33" idx="2"/>
+            </p:cNvCxnSpPr>
+            <p:nvPr/>
+          </p:nvCxnSpPr>
+          <p:spPr>
+            <a:xfrm rot="5400000" flipH="1">
+              <a:off x="3744306" y="5255602"/>
+              <a:ext cx="450979" cy="466531"/>
+            </a:xfrm>
+            <a:prstGeom prst="curvedConnector4">
+              <a:avLst>
+                <a:gd name="adj1" fmla="val -50690"/>
+                <a:gd name="adj2" fmla="val 149000"/>
+              </a:avLst>
+            </a:prstGeom>
+            <a:ln w="19050">
+              <a:solidFill>
+                <a:schemeClr val="bg2">
+                  <a:lumMod val="60000"/>
+                  <a:lumOff val="40000"/>
+                </a:schemeClr>
+              </a:solidFill>
+              <a:tailEnd type="triangle"/>
+            </a:ln>
+          </p:spPr>
+          <p:style>
+            <a:lnRef idx="1">
+              <a:schemeClr val="accent1"/>
+            </a:lnRef>
+            <a:fillRef idx="0">
+              <a:schemeClr val="accent1"/>
+            </a:fillRef>
+            <a:effectRef idx="0">
+              <a:schemeClr val="accent1"/>
+            </a:effectRef>
+            <a:fontRef idx="minor">
+              <a:schemeClr val="tx1"/>
+            </a:fontRef>
+          </p:style>
+        </p:cxnSp>
+        <p:sp>
+          <p:nvSpPr>
+            <p:cNvPr id="37" name="TextBox 36">
+              <a:extLst>
+                <a:ext uri="{FF2B5EF4-FFF2-40B4-BE49-F238E27FC236}">
+                  <a16:creationId xmlns:a16="http://schemas.microsoft.com/office/drawing/2014/main" id="{59203938-D9DF-4229-AF00-1A9A14DB0F51}"/>
+                </a:ext>
+              </a:extLst>
+            </p:cNvPr>
+            <p:cNvSpPr txBox="1"/>
+            <p:nvPr/>
+          </p:nvSpPr>
+          <p:spPr>
+            <a:xfrm>
+              <a:off x="6504610" y="2232293"/>
+              <a:ext cx="314510" cy="369332"/>
+            </a:xfrm>
+            <a:prstGeom prst="rect">
+              <a:avLst/>
+            </a:prstGeom>
+            <a:noFill/>
+          </p:spPr>
+          <p:txBody>
+            <a:bodyPr wrap="none" rtlCol="0">
+              <a:spAutoFit/>
+            </a:bodyPr>
+            <a:lstStyle/>
+            <a:p>
+              <a:r>
+                <a:rPr lang="el-GR" dirty="0">
+                  <a:solidFill>
+                    <a:schemeClr val="bg1">
+                      <a:lumMod val="75000"/>
+                      <a:lumOff val="25000"/>
+                    </a:schemeClr>
+                  </a:solidFill>
+                </a:rPr>
+                <a:t>α</a:t>
+              </a:r>
+              <a:endParaRPr lang="en-US" dirty="0">
+                <a:solidFill>
+                  <a:schemeClr val="bg1">
+                    <a:lumMod val="75000"/>
+                    <a:lumOff val="25000"/>
+                  </a:schemeClr>
+                </a:solidFill>
+              </a:endParaRPr>
+            </a:p>
+          </p:txBody>
+        </p:sp>
+        <p:sp>
+          <p:nvSpPr>
+            <p:cNvPr id="38" name="TextBox 37">
+              <a:extLst>
+                <a:ext uri="{FF2B5EF4-FFF2-40B4-BE49-F238E27FC236}">
+                  <a16:creationId xmlns:a16="http://schemas.microsoft.com/office/drawing/2014/main" id="{28519F73-A8B1-4BD2-962D-B94441150DCD}"/>
+                </a:ext>
+              </a:extLst>
+            </p:cNvPr>
+            <p:cNvSpPr txBox="1"/>
+            <p:nvPr/>
+          </p:nvSpPr>
+          <p:spPr>
+            <a:xfrm>
+              <a:off x="5202931" y="5488867"/>
+              <a:ext cx="314510" cy="369332"/>
+            </a:xfrm>
+            <a:prstGeom prst="rect">
+              <a:avLst/>
+            </a:prstGeom>
+            <a:noFill/>
+          </p:spPr>
+          <p:txBody>
+            <a:bodyPr wrap="none" rtlCol="0">
+              <a:spAutoFit/>
+            </a:bodyPr>
+            <a:lstStyle/>
+            <a:p>
+              <a:r>
+                <a:rPr lang="el-GR" dirty="0">
+                  <a:solidFill>
+                    <a:schemeClr val="bg1">
+                      <a:lumMod val="75000"/>
+                      <a:lumOff val="25000"/>
+                    </a:schemeClr>
+                  </a:solidFill>
+                </a:rPr>
+                <a:t>β</a:t>
+              </a:r>
+              <a:endParaRPr lang="en-US" dirty="0">
+                <a:solidFill>
+                  <a:schemeClr val="bg1">
+                    <a:lumMod val="75000"/>
+                    <a:lumOff val="25000"/>
+                  </a:schemeClr>
+                </a:solidFill>
+              </a:endParaRPr>
+            </a:p>
+          </p:txBody>
+        </p:sp>
+        <p:sp>
+          <p:nvSpPr>
+            <p:cNvPr id="39" name="TextBox 38">
+              <a:extLst>
+                <a:ext uri="{FF2B5EF4-FFF2-40B4-BE49-F238E27FC236}">
+                  <a16:creationId xmlns:a16="http://schemas.microsoft.com/office/drawing/2014/main" id="{4B13BD84-34AC-4AED-BCDC-0E2EEAB1CD6E}"/>
+                </a:ext>
+              </a:extLst>
+            </p:cNvPr>
+            <p:cNvSpPr txBox="1"/>
+            <p:nvPr/>
+          </p:nvSpPr>
+          <p:spPr>
+            <a:xfrm>
+              <a:off x="3205732" y="5488867"/>
+              <a:ext cx="314510" cy="369332"/>
+            </a:xfrm>
+            <a:prstGeom prst="rect">
+              <a:avLst/>
+            </a:prstGeom>
+            <a:noFill/>
+          </p:spPr>
+          <p:txBody>
+            <a:bodyPr wrap="none" rtlCol="0">
+              <a:spAutoFit/>
+            </a:bodyPr>
+            <a:lstStyle/>
+            <a:p>
+              <a:r>
+                <a:rPr lang="el-GR" dirty="0">
+                  <a:solidFill>
+                    <a:schemeClr val="bg1">
+                      <a:lumMod val="75000"/>
+                      <a:lumOff val="25000"/>
+                    </a:schemeClr>
+                  </a:solidFill>
+                </a:rPr>
+                <a:t>β</a:t>
+              </a:r>
+              <a:endParaRPr lang="en-US" dirty="0">
+                <a:solidFill>
+                  <a:schemeClr val="bg1">
+                    <a:lumMod val="75000"/>
+                    <a:lumOff val="25000"/>
+                  </a:schemeClr>
+                </a:solidFill>
+              </a:endParaRPr>
             </a:p>
           </p:txBody>
         </p:sp>
@@ -10377,939 +10958,6 @@
       </p:sp>
       <p:grpSp>
         <p:nvGrpSpPr>
-          <p:cNvPr id="31" name="Group 30">
-            <a:extLst>
-              <a:ext uri="{FF2B5EF4-FFF2-40B4-BE49-F238E27FC236}">
-                <a16:creationId xmlns:a16="http://schemas.microsoft.com/office/drawing/2014/main" id="{C7AB50E5-6A2C-4E51-9029-FA8D94D4D136}"/>
-              </a:ext>
-            </a:extLst>
-          </p:cNvPr>
-          <p:cNvGrpSpPr/>
-          <p:nvPr/>
-        </p:nvGrpSpPr>
-        <p:grpSpPr>
-          <a:xfrm>
-            <a:off x="2864285" y="3429000"/>
-            <a:ext cx="6463429" cy="2393414"/>
-            <a:chOff x="2509890" y="3000183"/>
-            <a:chExt cx="6463429" cy="2393414"/>
-          </a:xfrm>
-        </p:grpSpPr>
-        <p:grpSp>
-          <p:nvGrpSpPr>
-            <p:cNvPr id="6" name="Group 5">
-              <a:extLst>
-                <a:ext uri="{FF2B5EF4-FFF2-40B4-BE49-F238E27FC236}">
-                  <a16:creationId xmlns:a16="http://schemas.microsoft.com/office/drawing/2014/main" id="{60F4C95D-3F4E-4CEF-BF78-3FAA7F437BCF}"/>
-                </a:ext>
-              </a:extLst>
-            </p:cNvPr>
-            <p:cNvGrpSpPr/>
-            <p:nvPr/>
-          </p:nvGrpSpPr>
-          <p:grpSpPr>
-            <a:xfrm>
-              <a:off x="2954694" y="3819331"/>
-              <a:ext cx="5536163" cy="901959"/>
-              <a:chOff x="1026367" y="2768082"/>
-              <a:chExt cx="5536163" cy="901959"/>
-            </a:xfrm>
-          </p:grpSpPr>
-          <p:sp>
-            <p:nvSpPr>
-              <p:cNvPr id="3" name="Oval 2">
-                <a:extLst>
-                  <a:ext uri="{FF2B5EF4-FFF2-40B4-BE49-F238E27FC236}">
-                    <a16:creationId xmlns:a16="http://schemas.microsoft.com/office/drawing/2014/main" id="{CF11FAAC-ADDB-4716-B616-131B6B75E045}"/>
-                  </a:ext>
-                </a:extLst>
-              </p:cNvPr>
-              <p:cNvSpPr/>
-              <p:nvPr/>
-            </p:nvSpPr>
-            <p:spPr>
-              <a:xfrm>
-                <a:off x="1026367" y="2768082"/>
-                <a:ext cx="933061" cy="901959"/>
-              </a:xfrm>
-              <a:prstGeom prst="ellipse">
-                <a:avLst/>
-              </a:prstGeom>
-              <a:solidFill>
-                <a:schemeClr val="tx1">
-                  <a:lumMod val="85000"/>
-                </a:schemeClr>
-              </a:solidFill>
-              <a:ln>
-                <a:solidFill>
-                  <a:schemeClr val="bg2">
-                    <a:lumMod val="50000"/>
-                  </a:schemeClr>
-                </a:solidFill>
-              </a:ln>
-            </p:spPr>
-            <p:style>
-              <a:lnRef idx="2">
-                <a:schemeClr val="accent1">
-                  <a:shade val="50000"/>
-                </a:schemeClr>
-              </a:lnRef>
-              <a:fillRef idx="1">
-                <a:schemeClr val="accent1"/>
-              </a:fillRef>
-              <a:effectRef idx="0">
-                <a:schemeClr val="accent1"/>
-              </a:effectRef>
-              <a:fontRef idx="minor">
-                <a:schemeClr val="lt1"/>
-              </a:fontRef>
-            </p:style>
-            <p:txBody>
-              <a:bodyPr rtlCol="0" anchor="ctr"/>
-              <a:lstStyle/>
-              <a:p>
-                <a:pPr algn="ctr"/>
-                <a:r>
-                  <a:rPr lang="en-US" dirty="0"/>
-                  <a:t>S</a:t>
-                </a:r>
-                <a:r>
-                  <a:rPr lang="en-US" baseline="-25000" dirty="0"/>
-                  <a:t>0</a:t>
-                </a:r>
-              </a:p>
-            </p:txBody>
-          </p:sp>
-          <p:sp>
-            <p:nvSpPr>
-              <p:cNvPr id="4" name="Oval 3">
-                <a:extLst>
-                  <a:ext uri="{FF2B5EF4-FFF2-40B4-BE49-F238E27FC236}">
-                    <a16:creationId xmlns:a16="http://schemas.microsoft.com/office/drawing/2014/main" id="{093F3303-18E5-4DB5-9349-E32106A7D240}"/>
-                  </a:ext>
-                </a:extLst>
-              </p:cNvPr>
-              <p:cNvSpPr/>
-              <p:nvPr/>
-            </p:nvSpPr>
-            <p:spPr>
-              <a:xfrm>
-                <a:off x="3327918" y="2768082"/>
-                <a:ext cx="933061" cy="901959"/>
-              </a:xfrm>
-              <a:prstGeom prst="ellipse">
-                <a:avLst/>
-              </a:prstGeom>
-              <a:solidFill>
-                <a:schemeClr val="tx1">
-                  <a:lumMod val="85000"/>
-                </a:schemeClr>
-              </a:solidFill>
-              <a:ln>
-                <a:solidFill>
-                  <a:schemeClr val="bg2">
-                    <a:lumMod val="50000"/>
-                  </a:schemeClr>
-                </a:solidFill>
-              </a:ln>
-            </p:spPr>
-            <p:style>
-              <a:lnRef idx="2">
-                <a:schemeClr val="accent1">
-                  <a:shade val="50000"/>
-                </a:schemeClr>
-              </a:lnRef>
-              <a:fillRef idx="1">
-                <a:schemeClr val="accent1"/>
-              </a:fillRef>
-              <a:effectRef idx="0">
-                <a:schemeClr val="accent1"/>
-              </a:effectRef>
-              <a:fontRef idx="minor">
-                <a:schemeClr val="lt1"/>
-              </a:fontRef>
-            </p:style>
-            <p:txBody>
-              <a:bodyPr rtlCol="0" anchor="ctr"/>
-              <a:lstStyle/>
-              <a:p>
-                <a:pPr algn="ctr"/>
-                <a:r>
-                  <a:rPr lang="en-US" dirty="0"/>
-                  <a:t>S</a:t>
-                </a:r>
-                <a:r>
-                  <a:rPr lang="en-US" baseline="-25000" dirty="0"/>
-                  <a:t>1</a:t>
-                </a:r>
-              </a:p>
-            </p:txBody>
-          </p:sp>
-          <p:sp>
-            <p:nvSpPr>
-              <p:cNvPr id="5" name="Oval 4">
-                <a:extLst>
-                  <a:ext uri="{FF2B5EF4-FFF2-40B4-BE49-F238E27FC236}">
-                    <a16:creationId xmlns:a16="http://schemas.microsoft.com/office/drawing/2014/main" id="{7EB040DD-6BE9-428C-9665-D2EDB6FD13C0}"/>
-                  </a:ext>
-                </a:extLst>
-              </p:cNvPr>
-              <p:cNvSpPr/>
-              <p:nvPr/>
-            </p:nvSpPr>
-            <p:spPr>
-              <a:xfrm>
-                <a:off x="5629469" y="2768082"/>
-                <a:ext cx="933061" cy="901959"/>
-              </a:xfrm>
-              <a:prstGeom prst="ellipse">
-                <a:avLst/>
-              </a:prstGeom>
-              <a:solidFill>
-                <a:schemeClr val="tx1">
-                  <a:lumMod val="85000"/>
-                </a:schemeClr>
-              </a:solidFill>
-              <a:ln>
-                <a:solidFill>
-                  <a:schemeClr val="bg2">
-                    <a:lumMod val="50000"/>
-                  </a:schemeClr>
-                </a:solidFill>
-              </a:ln>
-            </p:spPr>
-            <p:style>
-              <a:lnRef idx="2">
-                <a:schemeClr val="accent1">
-                  <a:shade val="50000"/>
-                </a:schemeClr>
-              </a:lnRef>
-              <a:fillRef idx="1">
-                <a:schemeClr val="accent1"/>
-              </a:fillRef>
-              <a:effectRef idx="0">
-                <a:schemeClr val="accent1"/>
-              </a:effectRef>
-              <a:fontRef idx="minor">
-                <a:schemeClr val="lt1"/>
-              </a:fontRef>
-            </p:style>
-            <p:txBody>
-              <a:bodyPr rtlCol="0" anchor="ctr"/>
-              <a:lstStyle/>
-              <a:p>
-                <a:pPr algn="ctr"/>
-                <a:r>
-                  <a:rPr lang="en-US" dirty="0"/>
-                  <a:t>S</a:t>
-                </a:r>
-                <a:r>
-                  <a:rPr lang="en-US" baseline="-25000" dirty="0"/>
-                  <a:t>2</a:t>
-                </a:r>
-              </a:p>
-            </p:txBody>
-          </p:sp>
-        </p:grpSp>
-        <p:cxnSp>
-          <p:nvCxnSpPr>
-            <p:cNvPr id="8" name="Connector: Curved 7">
-              <a:extLst>
-                <a:ext uri="{FF2B5EF4-FFF2-40B4-BE49-F238E27FC236}">
-                  <a16:creationId xmlns:a16="http://schemas.microsoft.com/office/drawing/2014/main" id="{ABCD9547-2B86-40A2-8FEA-8A4765ED754A}"/>
-                </a:ext>
-              </a:extLst>
-            </p:cNvPr>
-            <p:cNvCxnSpPr>
-              <a:stCxn id="3" idx="7"/>
-              <a:endCxn id="4" idx="1"/>
-            </p:cNvCxnSpPr>
-            <p:nvPr/>
-          </p:nvCxnSpPr>
-          <p:spPr>
-            <a:xfrm rot="5400000" flipH="1" flipV="1">
-              <a:off x="4572000" y="3130531"/>
-              <a:ext cx="12700" cy="1641778"/>
-            </a:xfrm>
-            <a:prstGeom prst="curvedConnector3">
-              <a:avLst>
-                <a:gd name="adj1" fmla="val 2840071"/>
-              </a:avLst>
-            </a:prstGeom>
-            <a:ln w="19050">
-              <a:solidFill>
-                <a:schemeClr val="bg2">
-                  <a:lumMod val="60000"/>
-                  <a:lumOff val="40000"/>
-                </a:schemeClr>
-              </a:solidFill>
-              <a:tailEnd type="triangle"/>
-            </a:ln>
-          </p:spPr>
-          <p:style>
-            <a:lnRef idx="1">
-              <a:schemeClr val="accent1"/>
-            </a:lnRef>
-            <a:fillRef idx="0">
-              <a:schemeClr val="accent1"/>
-            </a:fillRef>
-            <a:effectRef idx="0">
-              <a:schemeClr val="accent1"/>
-            </a:effectRef>
-            <a:fontRef idx="minor">
-              <a:schemeClr val="tx1"/>
-            </a:fontRef>
-          </p:style>
-        </p:cxnSp>
-        <p:cxnSp>
-          <p:nvCxnSpPr>
-            <p:cNvPr id="12" name="Connector: Curved 11">
-              <a:extLst>
-                <a:ext uri="{FF2B5EF4-FFF2-40B4-BE49-F238E27FC236}">
-                  <a16:creationId xmlns:a16="http://schemas.microsoft.com/office/drawing/2014/main" id="{112C7B29-CB09-439E-8881-57D9D8E72C32}"/>
-                </a:ext>
-              </a:extLst>
-            </p:cNvPr>
-            <p:cNvCxnSpPr>
-              <a:stCxn id="4" idx="7"/>
-              <a:endCxn id="5" idx="1"/>
-            </p:cNvCxnSpPr>
-            <p:nvPr/>
-          </p:nvCxnSpPr>
-          <p:spPr>
-            <a:xfrm rot="5400000" flipH="1" flipV="1">
-              <a:off x="6873551" y="3130531"/>
-              <a:ext cx="12700" cy="1641778"/>
-            </a:xfrm>
-            <a:prstGeom prst="curvedConnector3">
-              <a:avLst>
-                <a:gd name="adj1" fmla="val 2840071"/>
-              </a:avLst>
-            </a:prstGeom>
-            <a:ln w="19050">
-              <a:solidFill>
-                <a:schemeClr val="bg2">
-                  <a:lumMod val="60000"/>
-                  <a:lumOff val="40000"/>
-                </a:schemeClr>
-              </a:solidFill>
-              <a:tailEnd type="triangle"/>
-            </a:ln>
-          </p:spPr>
-          <p:style>
-            <a:lnRef idx="1">
-              <a:schemeClr val="accent1"/>
-            </a:lnRef>
-            <a:fillRef idx="0">
-              <a:schemeClr val="accent1"/>
-            </a:fillRef>
-            <a:effectRef idx="0">
-              <a:schemeClr val="accent1"/>
-            </a:effectRef>
-            <a:fontRef idx="minor">
-              <a:schemeClr val="tx1"/>
-            </a:fontRef>
-          </p:style>
-        </p:cxnSp>
-        <p:cxnSp>
-          <p:nvCxnSpPr>
-            <p:cNvPr id="14" name="Connector: Curved 13">
-              <a:extLst>
-                <a:ext uri="{FF2B5EF4-FFF2-40B4-BE49-F238E27FC236}">
-                  <a16:creationId xmlns:a16="http://schemas.microsoft.com/office/drawing/2014/main" id="{C3AF8516-FBC7-43F7-B639-62F326A59907}"/>
-                </a:ext>
-              </a:extLst>
-            </p:cNvPr>
-            <p:cNvCxnSpPr>
-              <a:stCxn id="5" idx="3"/>
-              <a:endCxn id="4" idx="5"/>
-            </p:cNvCxnSpPr>
-            <p:nvPr/>
-          </p:nvCxnSpPr>
-          <p:spPr>
-            <a:xfrm rot="5400000">
-              <a:off x="6873551" y="3768312"/>
-              <a:ext cx="12700" cy="1641778"/>
-            </a:xfrm>
-            <a:prstGeom prst="curvedConnector3">
-              <a:avLst>
-                <a:gd name="adj1" fmla="val 2840071"/>
-              </a:avLst>
-            </a:prstGeom>
-            <a:ln w="19050">
-              <a:solidFill>
-                <a:schemeClr val="bg2">
-                  <a:lumMod val="60000"/>
-                  <a:lumOff val="40000"/>
-                </a:schemeClr>
-              </a:solidFill>
-              <a:tailEnd type="triangle"/>
-            </a:ln>
-          </p:spPr>
-          <p:style>
-            <a:lnRef idx="1">
-              <a:schemeClr val="accent1"/>
-            </a:lnRef>
-            <a:fillRef idx="0">
-              <a:schemeClr val="accent1"/>
-            </a:fillRef>
-            <a:effectRef idx="0">
-              <a:schemeClr val="accent1"/>
-            </a:effectRef>
-            <a:fontRef idx="minor">
-              <a:schemeClr val="tx1"/>
-            </a:fontRef>
-          </p:style>
-        </p:cxnSp>
-        <p:cxnSp>
-          <p:nvCxnSpPr>
-            <p:cNvPr id="16" name="Connector: Curved 15">
-              <a:extLst>
-                <a:ext uri="{FF2B5EF4-FFF2-40B4-BE49-F238E27FC236}">
-                  <a16:creationId xmlns:a16="http://schemas.microsoft.com/office/drawing/2014/main" id="{B5347DFB-6435-4B6D-948C-9A96D3C10021}"/>
-                </a:ext>
-              </a:extLst>
-            </p:cNvPr>
-            <p:cNvCxnSpPr>
-              <a:stCxn id="4" idx="3"/>
-              <a:endCxn id="3" idx="5"/>
-            </p:cNvCxnSpPr>
-            <p:nvPr/>
-          </p:nvCxnSpPr>
-          <p:spPr>
-            <a:xfrm rot="5400000">
-              <a:off x="4572000" y="3768312"/>
-              <a:ext cx="12700" cy="1641778"/>
-            </a:xfrm>
-            <a:prstGeom prst="curvedConnector3">
-              <a:avLst>
-                <a:gd name="adj1" fmla="val 2840071"/>
-              </a:avLst>
-            </a:prstGeom>
-            <a:ln w="19050">
-              <a:solidFill>
-                <a:schemeClr val="bg2">
-                  <a:lumMod val="60000"/>
-                  <a:lumOff val="40000"/>
-                </a:schemeClr>
-              </a:solidFill>
-              <a:tailEnd type="triangle"/>
-            </a:ln>
-          </p:spPr>
-          <p:style>
-            <a:lnRef idx="1">
-              <a:schemeClr val="accent1"/>
-            </a:lnRef>
-            <a:fillRef idx="0">
-              <a:schemeClr val="accent1"/>
-            </a:fillRef>
-            <a:effectRef idx="0">
-              <a:schemeClr val="accent1"/>
-            </a:effectRef>
-            <a:fontRef idx="minor">
-              <a:schemeClr val="tx1"/>
-            </a:fontRef>
-          </p:style>
-        </p:cxnSp>
-        <p:cxnSp>
-          <p:nvCxnSpPr>
-            <p:cNvPr id="18" name="Connector: Curved 17">
-              <a:extLst>
-                <a:ext uri="{FF2B5EF4-FFF2-40B4-BE49-F238E27FC236}">
-                  <a16:creationId xmlns:a16="http://schemas.microsoft.com/office/drawing/2014/main" id="{21BE83A7-C458-4D54-BA6F-47A707C34A73}"/>
-                </a:ext>
-              </a:extLst>
-            </p:cNvPr>
-            <p:cNvCxnSpPr>
-              <a:stCxn id="3" idx="1"/>
-              <a:endCxn id="3" idx="0"/>
-            </p:cNvCxnSpPr>
-            <p:nvPr/>
-          </p:nvCxnSpPr>
-          <p:spPr>
-            <a:xfrm rot="5400000" flipH="1" flipV="1">
-              <a:off x="3190237" y="3720433"/>
-              <a:ext cx="132089" cy="329887"/>
-            </a:xfrm>
-            <a:prstGeom prst="curvedConnector3">
-              <a:avLst>
-                <a:gd name="adj1" fmla="val 376669"/>
-              </a:avLst>
-            </a:prstGeom>
-            <a:ln w="19050">
-              <a:solidFill>
-                <a:schemeClr val="bg2">
-                  <a:lumMod val="60000"/>
-                  <a:lumOff val="40000"/>
-                </a:schemeClr>
-              </a:solidFill>
-              <a:tailEnd type="triangle"/>
-            </a:ln>
-          </p:spPr>
-          <p:style>
-            <a:lnRef idx="1">
-              <a:schemeClr val="accent1"/>
-            </a:lnRef>
-            <a:fillRef idx="0">
-              <a:schemeClr val="accent1"/>
-            </a:fillRef>
-            <a:effectRef idx="0">
-              <a:schemeClr val="accent1"/>
-            </a:effectRef>
-            <a:fontRef idx="minor">
-              <a:schemeClr val="tx1"/>
-            </a:fontRef>
-          </p:style>
-        </p:cxnSp>
-        <p:cxnSp>
-          <p:nvCxnSpPr>
-            <p:cNvPr id="21" name="Connector: Curved 20">
-              <a:extLst>
-                <a:ext uri="{FF2B5EF4-FFF2-40B4-BE49-F238E27FC236}">
-                  <a16:creationId xmlns:a16="http://schemas.microsoft.com/office/drawing/2014/main" id="{8B5FC949-58FF-4940-A020-B9F2DBD0CB0B}"/>
-                </a:ext>
-              </a:extLst>
-            </p:cNvPr>
-            <p:cNvCxnSpPr>
-              <a:stCxn id="5" idx="7"/>
-              <a:endCxn id="5" idx="5"/>
-            </p:cNvCxnSpPr>
-            <p:nvPr/>
-          </p:nvCxnSpPr>
-          <p:spPr>
-            <a:xfrm rot="16200000" flipH="1">
-              <a:off x="8035322" y="4270310"/>
-              <a:ext cx="637781" cy="12700"/>
-            </a:xfrm>
-            <a:prstGeom prst="curvedConnector5">
-              <a:avLst>
-                <a:gd name="adj1" fmla="val -35843"/>
-                <a:gd name="adj2" fmla="val 8071000"/>
-                <a:gd name="adj3" fmla="val 135843"/>
-              </a:avLst>
-            </a:prstGeom>
-            <a:ln w="19050">
-              <a:solidFill>
-                <a:schemeClr val="bg2">
-                  <a:lumMod val="60000"/>
-                  <a:lumOff val="40000"/>
-                </a:schemeClr>
-              </a:solidFill>
-              <a:tailEnd type="triangle"/>
-            </a:ln>
-          </p:spPr>
-          <p:style>
-            <a:lnRef idx="1">
-              <a:schemeClr val="accent1"/>
-            </a:lnRef>
-            <a:fillRef idx="0">
-              <a:schemeClr val="accent1"/>
-            </a:fillRef>
-            <a:effectRef idx="0">
-              <a:schemeClr val="accent1"/>
-            </a:effectRef>
-            <a:fontRef idx="minor">
-              <a:schemeClr val="tx1"/>
-            </a:fontRef>
-          </p:style>
-        </p:cxnSp>
-        <p:sp>
-          <p:nvSpPr>
-            <p:cNvPr id="22" name="TextBox 21">
-              <a:extLst>
-                <a:ext uri="{FF2B5EF4-FFF2-40B4-BE49-F238E27FC236}">
-                  <a16:creationId xmlns:a16="http://schemas.microsoft.com/office/drawing/2014/main" id="{289E0AC4-4F48-49B7-BD31-8A60100FD78E}"/>
-                </a:ext>
-              </a:extLst>
-            </p:cNvPr>
-            <p:cNvSpPr txBox="1"/>
-            <p:nvPr/>
-          </p:nvSpPr>
-          <p:spPr>
-            <a:xfrm>
-              <a:off x="4421095" y="3184849"/>
-              <a:ext cx="314510" cy="369332"/>
-            </a:xfrm>
-            <a:prstGeom prst="rect">
-              <a:avLst/>
-            </a:prstGeom>
-            <a:noFill/>
-          </p:spPr>
-          <p:txBody>
-            <a:bodyPr wrap="none" rtlCol="0">
-              <a:spAutoFit/>
-            </a:bodyPr>
-            <a:lstStyle/>
-            <a:p>
-              <a:r>
-                <a:rPr lang="el-GR" dirty="0">
-                  <a:solidFill>
-                    <a:schemeClr val="bg1">
-                      <a:lumMod val="75000"/>
-                      <a:lumOff val="25000"/>
-                    </a:schemeClr>
-                  </a:solidFill>
-                </a:rPr>
-                <a:t>α</a:t>
-              </a:r>
-              <a:endParaRPr lang="en-US" dirty="0">
-                <a:solidFill>
-                  <a:schemeClr val="bg1">
-                    <a:lumMod val="75000"/>
-                    <a:lumOff val="25000"/>
-                  </a:schemeClr>
-                </a:solidFill>
-              </a:endParaRPr>
-            </a:p>
-          </p:txBody>
-        </p:sp>
-        <p:sp>
-          <p:nvSpPr>
-            <p:cNvPr id="23" name="TextBox 22">
-              <a:extLst>
-                <a:ext uri="{FF2B5EF4-FFF2-40B4-BE49-F238E27FC236}">
-                  <a16:creationId xmlns:a16="http://schemas.microsoft.com/office/drawing/2014/main" id="{EEFDD2D8-C1AE-491E-8781-FD909CC60DBB}"/>
-                </a:ext>
-              </a:extLst>
-            </p:cNvPr>
-            <p:cNvSpPr txBox="1"/>
-            <p:nvPr/>
-          </p:nvSpPr>
-          <p:spPr>
-            <a:xfrm>
-              <a:off x="4421095" y="5024265"/>
-              <a:ext cx="314510" cy="369332"/>
-            </a:xfrm>
-            <a:prstGeom prst="rect">
-              <a:avLst/>
-            </a:prstGeom>
-            <a:noFill/>
-          </p:spPr>
-          <p:txBody>
-            <a:bodyPr wrap="none" rtlCol="0">
-              <a:spAutoFit/>
-            </a:bodyPr>
-            <a:lstStyle/>
-            <a:p>
-              <a:r>
-                <a:rPr lang="el-GR" dirty="0">
-                  <a:solidFill>
-                    <a:schemeClr val="bg1">
-                      <a:lumMod val="75000"/>
-                      <a:lumOff val="25000"/>
-                    </a:schemeClr>
-                  </a:solidFill>
-                </a:rPr>
-                <a:t>α</a:t>
-              </a:r>
-              <a:endParaRPr lang="en-US" dirty="0">
-                <a:solidFill>
-                  <a:schemeClr val="bg1">
-                    <a:lumMod val="75000"/>
-                    <a:lumOff val="25000"/>
-                  </a:schemeClr>
-                </a:solidFill>
-              </a:endParaRPr>
-            </a:p>
-          </p:txBody>
-        </p:sp>
-        <p:sp>
-          <p:nvSpPr>
-            <p:cNvPr id="24" name="TextBox 23">
-              <a:extLst>
-                <a:ext uri="{FF2B5EF4-FFF2-40B4-BE49-F238E27FC236}">
-                  <a16:creationId xmlns:a16="http://schemas.microsoft.com/office/drawing/2014/main" id="{5E50B6DE-36DE-4302-9C07-1E5EB613E34D}"/>
-                </a:ext>
-              </a:extLst>
-            </p:cNvPr>
-            <p:cNvSpPr txBox="1"/>
-            <p:nvPr/>
-          </p:nvSpPr>
-          <p:spPr>
-            <a:xfrm>
-              <a:off x="8658809" y="3184849"/>
-              <a:ext cx="314510" cy="369332"/>
-            </a:xfrm>
-            <a:prstGeom prst="rect">
-              <a:avLst/>
-            </a:prstGeom>
-            <a:noFill/>
-          </p:spPr>
-          <p:txBody>
-            <a:bodyPr wrap="none" rtlCol="0">
-              <a:spAutoFit/>
-            </a:bodyPr>
-            <a:lstStyle/>
-            <a:p>
-              <a:r>
-                <a:rPr lang="el-GR" dirty="0">
-                  <a:solidFill>
-                    <a:schemeClr val="bg1">
-                      <a:lumMod val="75000"/>
-                      <a:lumOff val="25000"/>
-                    </a:schemeClr>
-                  </a:solidFill>
-                </a:rPr>
-                <a:t>α</a:t>
-              </a:r>
-              <a:endParaRPr lang="en-US" dirty="0">
-                <a:solidFill>
-                  <a:schemeClr val="bg1">
-                    <a:lumMod val="75000"/>
-                    <a:lumOff val="25000"/>
-                  </a:schemeClr>
-                </a:solidFill>
-              </a:endParaRPr>
-            </a:p>
-          </p:txBody>
-        </p:sp>
-        <p:sp>
-          <p:nvSpPr>
-            <p:cNvPr id="25" name="TextBox 24">
-              <a:extLst>
-                <a:ext uri="{FF2B5EF4-FFF2-40B4-BE49-F238E27FC236}">
-                  <a16:creationId xmlns:a16="http://schemas.microsoft.com/office/drawing/2014/main" id="{6978D842-1C2F-45C4-B8F9-38FC6594668D}"/>
-                </a:ext>
-              </a:extLst>
-            </p:cNvPr>
-            <p:cNvSpPr txBox="1"/>
-            <p:nvPr/>
-          </p:nvSpPr>
-          <p:spPr>
-            <a:xfrm>
-              <a:off x="6722646" y="3184849"/>
-              <a:ext cx="314510" cy="369332"/>
-            </a:xfrm>
-            <a:prstGeom prst="rect">
-              <a:avLst/>
-            </a:prstGeom>
-            <a:noFill/>
-          </p:spPr>
-          <p:txBody>
-            <a:bodyPr wrap="none" rtlCol="0">
-              <a:spAutoFit/>
-            </a:bodyPr>
-            <a:lstStyle/>
-            <a:p>
-              <a:r>
-                <a:rPr lang="el-GR" dirty="0">
-                  <a:solidFill>
-                    <a:schemeClr val="bg1">
-                      <a:lumMod val="75000"/>
-                      <a:lumOff val="25000"/>
-                    </a:schemeClr>
-                  </a:solidFill>
-                </a:rPr>
-                <a:t>β</a:t>
-              </a:r>
-              <a:endParaRPr lang="en-US" dirty="0">
-                <a:solidFill>
-                  <a:schemeClr val="bg1">
-                    <a:lumMod val="75000"/>
-                    <a:lumOff val="25000"/>
-                  </a:schemeClr>
-                </a:solidFill>
-              </a:endParaRPr>
-            </a:p>
-          </p:txBody>
-        </p:sp>
-        <p:sp>
-          <p:nvSpPr>
-            <p:cNvPr id="26" name="TextBox 25">
-              <a:extLst>
-                <a:ext uri="{FF2B5EF4-FFF2-40B4-BE49-F238E27FC236}">
-                  <a16:creationId xmlns:a16="http://schemas.microsoft.com/office/drawing/2014/main" id="{BB9BBC21-306E-4FC4-A6AD-6CAC7D1DD344}"/>
-                </a:ext>
-              </a:extLst>
-            </p:cNvPr>
-            <p:cNvSpPr txBox="1"/>
-            <p:nvPr/>
-          </p:nvSpPr>
-          <p:spPr>
-            <a:xfrm>
-              <a:off x="6722646" y="5024265"/>
-              <a:ext cx="314510" cy="369332"/>
-            </a:xfrm>
-            <a:prstGeom prst="rect">
-              <a:avLst/>
-            </a:prstGeom>
-            <a:noFill/>
-          </p:spPr>
-          <p:txBody>
-            <a:bodyPr wrap="none" rtlCol="0">
-              <a:spAutoFit/>
-            </a:bodyPr>
-            <a:lstStyle/>
-            <a:p>
-              <a:r>
-                <a:rPr lang="el-GR" dirty="0">
-                  <a:solidFill>
-                    <a:schemeClr val="bg1">
-                      <a:lumMod val="75000"/>
-                      <a:lumOff val="25000"/>
-                    </a:schemeClr>
-                  </a:solidFill>
-                </a:rPr>
-                <a:t>β</a:t>
-              </a:r>
-              <a:endParaRPr lang="en-US" dirty="0">
-                <a:solidFill>
-                  <a:schemeClr val="bg1">
-                    <a:lumMod val="75000"/>
-                    <a:lumOff val="25000"/>
-                  </a:schemeClr>
-                </a:solidFill>
-              </a:endParaRPr>
-            </a:p>
-          </p:txBody>
-        </p:sp>
-        <p:sp>
-          <p:nvSpPr>
-            <p:cNvPr id="27" name="TextBox 26">
-              <a:extLst>
-                <a:ext uri="{FF2B5EF4-FFF2-40B4-BE49-F238E27FC236}">
-                  <a16:creationId xmlns:a16="http://schemas.microsoft.com/office/drawing/2014/main" id="{DBB12D37-3411-4228-817B-162657AD43E0}"/>
-                </a:ext>
-              </a:extLst>
-            </p:cNvPr>
-            <p:cNvSpPr txBox="1"/>
-            <p:nvPr/>
-          </p:nvSpPr>
-          <p:spPr>
-            <a:xfrm>
-              <a:off x="3099026" y="3000183"/>
-              <a:ext cx="314510" cy="369332"/>
-            </a:xfrm>
-            <a:prstGeom prst="rect">
-              <a:avLst/>
-            </a:prstGeom>
-            <a:noFill/>
-          </p:spPr>
-          <p:txBody>
-            <a:bodyPr wrap="none" rtlCol="0">
-              <a:spAutoFit/>
-            </a:bodyPr>
-            <a:lstStyle/>
-            <a:p>
-              <a:r>
-                <a:rPr lang="el-GR" dirty="0">
-                  <a:solidFill>
-                    <a:schemeClr val="bg1">
-                      <a:lumMod val="75000"/>
-                      <a:lumOff val="25000"/>
-                    </a:schemeClr>
-                  </a:solidFill>
-                </a:rPr>
-                <a:t>β</a:t>
-              </a:r>
-              <a:endParaRPr lang="en-US" dirty="0">
-                <a:solidFill>
-                  <a:schemeClr val="bg1">
-                    <a:lumMod val="75000"/>
-                    <a:lumOff val="25000"/>
-                  </a:schemeClr>
-                </a:solidFill>
-              </a:endParaRPr>
-            </a:p>
-          </p:txBody>
-        </p:sp>
-        <p:cxnSp>
-          <p:nvCxnSpPr>
-            <p:cNvPr id="29" name="Straight Arrow Connector 28">
-              <a:extLst>
-                <a:ext uri="{FF2B5EF4-FFF2-40B4-BE49-F238E27FC236}">
-                  <a16:creationId xmlns:a16="http://schemas.microsoft.com/office/drawing/2014/main" id="{8B2F38D9-E578-4E41-8024-11E067A06E1C}"/>
-                </a:ext>
-              </a:extLst>
-            </p:cNvPr>
-            <p:cNvCxnSpPr>
-              <a:endCxn id="3" idx="2"/>
-            </p:cNvCxnSpPr>
-            <p:nvPr/>
-          </p:nvCxnSpPr>
-          <p:spPr>
-            <a:xfrm flipV="1">
-              <a:off x="2513045" y="4270311"/>
-              <a:ext cx="441649" cy="6349"/>
-            </a:xfrm>
-            <a:prstGeom prst="straightConnector1">
-              <a:avLst/>
-            </a:prstGeom>
-            <a:ln w="57150">
-              <a:solidFill>
-                <a:srgbClr val="FF0000"/>
-              </a:solidFill>
-              <a:tailEnd type="triangle"/>
-            </a:ln>
-          </p:spPr>
-          <p:style>
-            <a:lnRef idx="1">
-              <a:schemeClr val="accent1"/>
-            </a:lnRef>
-            <a:fillRef idx="0">
-              <a:schemeClr val="accent1"/>
-            </a:fillRef>
-            <a:effectRef idx="0">
-              <a:schemeClr val="accent1"/>
-            </a:effectRef>
-            <a:fontRef idx="minor">
-              <a:schemeClr val="tx1"/>
-            </a:fontRef>
-          </p:style>
-        </p:cxnSp>
-        <p:sp>
-          <p:nvSpPr>
-            <p:cNvPr id="30" name="TextBox 29">
-              <a:extLst>
-                <a:ext uri="{FF2B5EF4-FFF2-40B4-BE49-F238E27FC236}">
-                  <a16:creationId xmlns:a16="http://schemas.microsoft.com/office/drawing/2014/main" id="{C2953A10-675E-485A-8F68-2E540C6F573E}"/>
-                </a:ext>
-              </a:extLst>
-            </p:cNvPr>
-            <p:cNvSpPr txBox="1"/>
-            <p:nvPr/>
-          </p:nvSpPr>
-          <p:spPr>
-            <a:xfrm>
-              <a:off x="2509890" y="3856783"/>
-              <a:ext cx="296876" cy="369332"/>
-            </a:xfrm>
-            <a:prstGeom prst="rect">
-              <a:avLst/>
-            </a:prstGeom>
-            <a:noFill/>
-          </p:spPr>
-          <p:txBody>
-            <a:bodyPr wrap="none" rtlCol="0">
-              <a:spAutoFit/>
-            </a:bodyPr>
-            <a:lstStyle/>
-            <a:p>
-              <a:r>
-                <a:rPr lang="el-GR" dirty="0">
-                  <a:solidFill>
-                    <a:schemeClr val="bg1">
-                      <a:lumMod val="75000"/>
-                      <a:lumOff val="25000"/>
-                    </a:schemeClr>
-                  </a:solidFill>
-                </a:rPr>
-                <a:t>γ</a:t>
-              </a:r>
-              <a:endParaRPr lang="en-US" dirty="0">
-                <a:solidFill>
-                  <a:schemeClr val="bg1">
-                    <a:lumMod val="75000"/>
-                    <a:lumOff val="25000"/>
-                  </a:schemeClr>
-                </a:solidFill>
-              </a:endParaRPr>
-            </a:p>
-          </p:txBody>
-        </p:sp>
-      </p:grpSp>
-      <p:grpSp>
-        <p:nvGrpSpPr>
           <p:cNvPr id="7" name="Group 6">
             <a:extLst>
               <a:ext uri="{FF2B5EF4-FFF2-40B4-BE49-F238E27FC236}">
@@ -11323,9 +10971,9 @@
         <p:grpSpPr>
           <a:xfrm>
             <a:off x="677530" y="836571"/>
-            <a:ext cx="10836941" cy="369332"/>
+            <a:ext cx="10505953" cy="369332"/>
             <a:chOff x="931334" y="2275998"/>
-            <a:chExt cx="10836941" cy="369332"/>
+            <a:chExt cx="10505953" cy="369332"/>
           </a:xfrm>
         </p:grpSpPr>
         <p:sp>
@@ -11398,7 +11046,7 @@
                     </a:schemeClr>
                   </a:solidFill>
                 </a:rPr>
-                <a:t>αβαββα</a:t>
+                <a:t>βαβαβα</a:t>
               </a:r>
               <a:r>
                 <a:rPr lang="en-US" dirty="0">
@@ -11429,7 +11077,7 @@
           <p:spPr>
             <a:xfrm>
               <a:off x="8251158" y="2275998"/>
-              <a:ext cx="3517117" cy="369332"/>
+              <a:ext cx="3186129" cy="369332"/>
             </a:xfrm>
             <a:prstGeom prst="rect">
               <a:avLst/>
@@ -11550,28 +11198,6 @@
                     </a:schemeClr>
                   </a:solidFill>
                 </a:rPr>
-                <a:t>2</a:t>
-              </a:r>
-              <a:r>
-                <a:rPr lang="en-US" dirty="0">
-                  <a:solidFill>
-                    <a:schemeClr val="bg1">
-                      <a:lumMod val="75000"/>
-                      <a:lumOff val="25000"/>
-                    </a:schemeClr>
-                  </a:solidFill>
-                </a:rPr>
-                <a:t>, S</a:t>
-              </a:r>
-              <a:r>
-                <a:rPr lang="en-US" baseline="-25000" dirty="0">
-                  <a:solidFill>
-                    <a:schemeClr val="bg1">
-                      <a:lumMod val="75000"/>
-                      <a:lumOff val="25000"/>
-                    </a:schemeClr>
-                  </a:solidFill>
-                </a:rPr>
                 <a:t>1</a:t>
               </a:r>
               <a:r>
@@ -11616,7 +11242,7 @@
                     </a:schemeClr>
                   </a:solidFill>
                 </a:rPr>
-                <a:t>2</a:t>
+                <a:t>1</a:t>
               </a:r>
               <a:r>
                 <a:rPr lang="en-US" dirty="0">
@@ -11627,8 +11253,1253 @@
                     </a:schemeClr>
                   </a:solidFill>
                 </a:rPr>
-                <a:t>} = False </a:t>
+                <a:t>} = </a:t>
               </a:r>
+              <a:r>
+                <a:rPr lang="en-US" dirty="0">
+                  <a:solidFill>
+                    <a:schemeClr val="accent4">
+                      <a:lumMod val="50000"/>
+                    </a:schemeClr>
+                  </a:solidFill>
+                </a:rPr>
+                <a:t>False</a:t>
+              </a:r>
+              <a:r>
+                <a:rPr lang="en-US" dirty="0">
+                  <a:solidFill>
+                    <a:schemeClr val="bg1">
+                      <a:lumMod val="75000"/>
+                      <a:lumOff val="25000"/>
+                    </a:schemeClr>
+                  </a:solidFill>
+                </a:rPr>
+                <a:t> </a:t>
+              </a:r>
+            </a:p>
+          </p:txBody>
+        </p:sp>
+      </p:grpSp>
+      <p:grpSp>
+        <p:nvGrpSpPr>
+          <p:cNvPr id="28" name="Group 27">
+            <a:extLst>
+              <a:ext uri="{FF2B5EF4-FFF2-40B4-BE49-F238E27FC236}">
+                <a16:creationId xmlns:a16="http://schemas.microsoft.com/office/drawing/2014/main" id="{C6017965-43C6-40DA-BCF3-B7C01EF41E12}"/>
+              </a:ext>
+            </a:extLst>
+          </p:cNvPr>
+          <p:cNvGrpSpPr/>
+          <p:nvPr/>
+        </p:nvGrpSpPr>
+        <p:grpSpPr>
+          <a:xfrm>
+            <a:off x="3261715" y="2089224"/>
+            <a:ext cx="4398496" cy="3625906"/>
+            <a:chOff x="3205732" y="2232293"/>
+            <a:chExt cx="4398496" cy="3625906"/>
+          </a:xfrm>
+        </p:grpSpPr>
+        <p:grpSp>
+          <p:nvGrpSpPr>
+            <p:cNvPr id="32" name="Group 31">
+              <a:extLst>
+                <a:ext uri="{FF2B5EF4-FFF2-40B4-BE49-F238E27FC236}">
+                  <a16:creationId xmlns:a16="http://schemas.microsoft.com/office/drawing/2014/main" id="{E688C53E-08AD-412A-9F8A-4BFEDFC1F417}"/>
+                </a:ext>
+              </a:extLst>
+            </p:cNvPr>
+            <p:cNvGrpSpPr/>
+            <p:nvPr/>
+          </p:nvGrpSpPr>
+          <p:grpSpPr>
+            <a:xfrm>
+              <a:off x="3291726" y="2232293"/>
+              <a:ext cx="4312502" cy="3478894"/>
+              <a:chOff x="2509890" y="3000183"/>
+              <a:chExt cx="4312502" cy="3478894"/>
+            </a:xfrm>
+          </p:grpSpPr>
+          <p:grpSp>
+            <p:nvGrpSpPr>
+              <p:cNvPr id="39" name="Group 38">
+                <a:extLst>
+                  <a:ext uri="{FF2B5EF4-FFF2-40B4-BE49-F238E27FC236}">
+                    <a16:creationId xmlns:a16="http://schemas.microsoft.com/office/drawing/2014/main" id="{C087DC55-C954-423E-A9D7-9F83D09BFAEB}"/>
+                  </a:ext>
+                </a:extLst>
+              </p:cNvPr>
+              <p:cNvGrpSpPr/>
+              <p:nvPr/>
+            </p:nvGrpSpPr>
+            <p:grpSpPr>
+              <a:xfrm>
+                <a:off x="2954694" y="3819331"/>
+                <a:ext cx="3234612" cy="2659746"/>
+                <a:chOff x="1026367" y="2768082"/>
+                <a:chExt cx="3234612" cy="2659746"/>
+              </a:xfrm>
+            </p:grpSpPr>
+            <p:sp>
+              <p:nvSpPr>
+                <p:cNvPr id="53" name="Oval 52">
+                  <a:extLst>
+                    <a:ext uri="{FF2B5EF4-FFF2-40B4-BE49-F238E27FC236}">
+                      <a16:creationId xmlns:a16="http://schemas.microsoft.com/office/drawing/2014/main" id="{F30BF11E-F88E-484A-88DD-94086012FE2C}"/>
+                    </a:ext>
+                  </a:extLst>
+                </p:cNvPr>
+                <p:cNvSpPr/>
+                <p:nvPr/>
+              </p:nvSpPr>
+              <p:spPr>
+                <a:xfrm>
+                  <a:off x="1026367" y="2768082"/>
+                  <a:ext cx="933061" cy="901959"/>
+                </a:xfrm>
+                <a:prstGeom prst="ellipse">
+                  <a:avLst/>
+                </a:prstGeom>
+                <a:solidFill>
+                  <a:schemeClr val="tx1">
+                    <a:lumMod val="85000"/>
+                  </a:schemeClr>
+                </a:solidFill>
+                <a:ln>
+                  <a:solidFill>
+                    <a:schemeClr val="bg2">
+                      <a:lumMod val="50000"/>
+                    </a:schemeClr>
+                  </a:solidFill>
+                </a:ln>
+              </p:spPr>
+              <p:style>
+                <a:lnRef idx="2">
+                  <a:schemeClr val="accent1">
+                    <a:shade val="50000"/>
+                  </a:schemeClr>
+                </a:lnRef>
+                <a:fillRef idx="1">
+                  <a:schemeClr val="accent1"/>
+                </a:fillRef>
+                <a:effectRef idx="0">
+                  <a:schemeClr val="accent1"/>
+                </a:effectRef>
+                <a:fontRef idx="minor">
+                  <a:schemeClr val="lt1"/>
+                </a:fontRef>
+              </p:style>
+              <p:txBody>
+                <a:bodyPr rtlCol="0" anchor="ctr"/>
+                <a:lstStyle/>
+                <a:p>
+                  <a:pPr algn="ctr"/>
+                  <a:r>
+                    <a:rPr lang="en-US" dirty="0"/>
+                    <a:t>S</a:t>
+                  </a:r>
+                  <a:r>
+                    <a:rPr lang="en-US" baseline="-25000" dirty="0"/>
+                    <a:t>0</a:t>
+                  </a:r>
+                </a:p>
+              </p:txBody>
+            </p:sp>
+            <p:sp>
+              <p:nvSpPr>
+                <p:cNvPr id="54" name="Oval 53">
+                  <a:extLst>
+                    <a:ext uri="{FF2B5EF4-FFF2-40B4-BE49-F238E27FC236}">
+                      <a16:creationId xmlns:a16="http://schemas.microsoft.com/office/drawing/2014/main" id="{2967C33D-B1D3-4F2B-879E-D3CDF12A6407}"/>
+                    </a:ext>
+                  </a:extLst>
+                </p:cNvPr>
+                <p:cNvSpPr/>
+                <p:nvPr/>
+              </p:nvSpPr>
+              <p:spPr>
+                <a:xfrm>
+                  <a:off x="3327918" y="2768082"/>
+                  <a:ext cx="933061" cy="901959"/>
+                </a:xfrm>
+                <a:prstGeom prst="ellipse">
+                  <a:avLst/>
+                </a:prstGeom>
+                <a:solidFill>
+                  <a:schemeClr val="tx1">
+                    <a:lumMod val="85000"/>
+                  </a:schemeClr>
+                </a:solidFill>
+                <a:ln>
+                  <a:solidFill>
+                    <a:schemeClr val="bg2">
+                      <a:lumMod val="50000"/>
+                    </a:schemeClr>
+                  </a:solidFill>
+                </a:ln>
+              </p:spPr>
+              <p:style>
+                <a:lnRef idx="2">
+                  <a:schemeClr val="accent1">
+                    <a:shade val="50000"/>
+                  </a:schemeClr>
+                </a:lnRef>
+                <a:fillRef idx="1">
+                  <a:schemeClr val="accent1"/>
+                </a:fillRef>
+                <a:effectRef idx="0">
+                  <a:schemeClr val="accent1"/>
+                </a:effectRef>
+                <a:fontRef idx="minor">
+                  <a:schemeClr val="lt1"/>
+                </a:fontRef>
+              </p:style>
+              <p:txBody>
+                <a:bodyPr rtlCol="0" anchor="ctr"/>
+                <a:lstStyle/>
+                <a:p>
+                  <a:pPr algn="ctr"/>
+                  <a:r>
+                    <a:rPr lang="en-US" dirty="0"/>
+                    <a:t>S</a:t>
+                  </a:r>
+                  <a:r>
+                    <a:rPr lang="en-US" baseline="-25000" dirty="0"/>
+                    <a:t>1</a:t>
+                  </a:r>
+                </a:p>
+              </p:txBody>
+            </p:sp>
+            <p:sp>
+              <p:nvSpPr>
+                <p:cNvPr id="56" name="Oval 55">
+                  <a:extLst>
+                    <a:ext uri="{FF2B5EF4-FFF2-40B4-BE49-F238E27FC236}">
+                      <a16:creationId xmlns:a16="http://schemas.microsoft.com/office/drawing/2014/main" id="{328CD09D-679E-4FF4-B601-A443D9A5A37A}"/>
+                    </a:ext>
+                  </a:extLst>
+                </p:cNvPr>
+                <p:cNvSpPr/>
+                <p:nvPr/>
+              </p:nvSpPr>
+              <p:spPr>
+                <a:xfrm>
+                  <a:off x="3327917" y="4525869"/>
+                  <a:ext cx="933061" cy="901959"/>
+                </a:xfrm>
+                <a:prstGeom prst="ellipse">
+                  <a:avLst/>
+                </a:prstGeom>
+                <a:solidFill>
+                  <a:schemeClr val="tx1">
+                    <a:lumMod val="85000"/>
+                  </a:schemeClr>
+                </a:solidFill>
+                <a:ln>
+                  <a:solidFill>
+                    <a:schemeClr val="bg2">
+                      <a:lumMod val="50000"/>
+                    </a:schemeClr>
+                  </a:solidFill>
+                </a:ln>
+              </p:spPr>
+              <p:style>
+                <a:lnRef idx="2">
+                  <a:schemeClr val="accent1">
+                    <a:shade val="50000"/>
+                  </a:schemeClr>
+                </a:lnRef>
+                <a:fillRef idx="1">
+                  <a:schemeClr val="accent1"/>
+                </a:fillRef>
+                <a:effectRef idx="0">
+                  <a:schemeClr val="accent1"/>
+                </a:effectRef>
+                <a:fontRef idx="minor">
+                  <a:schemeClr val="lt1"/>
+                </a:fontRef>
+              </p:style>
+              <p:txBody>
+                <a:bodyPr rtlCol="0" anchor="ctr"/>
+                <a:lstStyle/>
+                <a:p>
+                  <a:pPr algn="ctr"/>
+                  <a:r>
+                    <a:rPr lang="en-US" dirty="0"/>
+                    <a:t>S</a:t>
+                  </a:r>
+                  <a:r>
+                    <a:rPr lang="en-US" baseline="-25000" dirty="0"/>
+                    <a:t>2</a:t>
+                  </a:r>
+                </a:p>
+              </p:txBody>
+            </p:sp>
+          </p:grpSp>
+          <p:cxnSp>
+            <p:nvCxnSpPr>
+              <p:cNvPr id="40" name="Connector: Curved 39">
+                <a:extLst>
+                  <a:ext uri="{FF2B5EF4-FFF2-40B4-BE49-F238E27FC236}">
+                    <a16:creationId xmlns:a16="http://schemas.microsoft.com/office/drawing/2014/main" id="{97503CF0-8894-436F-B8A4-6CBB11421514}"/>
+                  </a:ext>
+                </a:extLst>
+              </p:cNvPr>
+              <p:cNvCxnSpPr>
+                <a:stCxn id="53" idx="7"/>
+                <a:endCxn id="54" idx="1"/>
+              </p:cNvCxnSpPr>
+              <p:nvPr/>
+            </p:nvCxnSpPr>
+            <p:spPr>
+              <a:xfrm rot="5400000" flipH="1" flipV="1">
+                <a:off x="4572000" y="3130531"/>
+                <a:ext cx="12700" cy="1641778"/>
+              </a:xfrm>
+              <a:prstGeom prst="curvedConnector3">
+                <a:avLst>
+                  <a:gd name="adj1" fmla="val 2840071"/>
+                </a:avLst>
+              </a:prstGeom>
+              <a:ln w="19050">
+                <a:solidFill>
+                  <a:schemeClr val="bg2">
+                    <a:lumMod val="60000"/>
+                    <a:lumOff val="40000"/>
+                  </a:schemeClr>
+                </a:solidFill>
+                <a:tailEnd type="triangle"/>
+              </a:ln>
+            </p:spPr>
+            <p:style>
+              <a:lnRef idx="1">
+                <a:schemeClr val="accent1"/>
+              </a:lnRef>
+              <a:fillRef idx="0">
+                <a:schemeClr val="accent1"/>
+              </a:fillRef>
+              <a:effectRef idx="0">
+                <a:schemeClr val="accent1"/>
+              </a:effectRef>
+              <a:fontRef idx="minor">
+                <a:schemeClr val="tx1"/>
+              </a:fontRef>
+            </p:style>
+          </p:cxnSp>
+          <p:cxnSp>
+            <p:nvCxnSpPr>
+              <p:cNvPr id="41" name="Connector: Curved 40">
+                <a:extLst>
+                  <a:ext uri="{FF2B5EF4-FFF2-40B4-BE49-F238E27FC236}">
+                    <a16:creationId xmlns:a16="http://schemas.microsoft.com/office/drawing/2014/main" id="{F0406DEA-4B43-4024-A171-99EC868858AC}"/>
+                  </a:ext>
+                </a:extLst>
+              </p:cNvPr>
+              <p:cNvCxnSpPr>
+                <a:cxnSpLocks/>
+                <a:stCxn id="54" idx="0"/>
+                <a:endCxn id="54" idx="7"/>
+              </p:cNvCxnSpPr>
+              <p:nvPr/>
+            </p:nvCxnSpPr>
+            <p:spPr>
+              <a:xfrm rot="16200000" flipH="1">
+                <a:off x="5821674" y="3720432"/>
+                <a:ext cx="132089" cy="329886"/>
+              </a:xfrm>
+              <a:prstGeom prst="curvedConnector3">
+                <a:avLst>
+                  <a:gd name="adj1" fmla="val -271960"/>
+                </a:avLst>
+              </a:prstGeom>
+              <a:ln w="19050">
+                <a:solidFill>
+                  <a:schemeClr val="bg2">
+                    <a:lumMod val="60000"/>
+                    <a:lumOff val="40000"/>
+                  </a:schemeClr>
+                </a:solidFill>
+                <a:tailEnd type="triangle"/>
+              </a:ln>
+            </p:spPr>
+            <p:style>
+              <a:lnRef idx="1">
+                <a:schemeClr val="accent1"/>
+              </a:lnRef>
+              <a:fillRef idx="0">
+                <a:schemeClr val="accent1"/>
+              </a:fillRef>
+              <a:effectRef idx="0">
+                <a:schemeClr val="accent1"/>
+              </a:effectRef>
+              <a:fontRef idx="minor">
+                <a:schemeClr val="tx1"/>
+              </a:fontRef>
+            </p:style>
+          </p:cxnSp>
+          <p:cxnSp>
+            <p:nvCxnSpPr>
+              <p:cNvPr id="42" name="Connector: Curved 41">
+                <a:extLst>
+                  <a:ext uri="{FF2B5EF4-FFF2-40B4-BE49-F238E27FC236}">
+                    <a16:creationId xmlns:a16="http://schemas.microsoft.com/office/drawing/2014/main" id="{5D9CBFEB-DD90-4E4B-87C2-9538647D15DB}"/>
+                  </a:ext>
+                </a:extLst>
+              </p:cNvPr>
+              <p:cNvCxnSpPr>
+                <a:cxnSpLocks/>
+                <a:stCxn id="56" idx="3"/>
+                <a:endCxn id="33" idx="5"/>
+              </p:cNvCxnSpPr>
+              <p:nvPr/>
+            </p:nvCxnSpPr>
+            <p:spPr>
+              <a:xfrm rot="5400000">
+                <a:off x="4570416" y="5527684"/>
+                <a:ext cx="3169" cy="1641777"/>
+              </a:xfrm>
+              <a:prstGeom prst="curvedConnector3">
+                <a:avLst>
+                  <a:gd name="adj1" fmla="val 11481792"/>
+                </a:avLst>
+              </a:prstGeom>
+              <a:ln w="19050">
+                <a:solidFill>
+                  <a:schemeClr val="bg2">
+                    <a:lumMod val="60000"/>
+                    <a:lumOff val="40000"/>
+                  </a:schemeClr>
+                </a:solidFill>
+                <a:tailEnd type="triangle"/>
+              </a:ln>
+            </p:spPr>
+            <p:style>
+              <a:lnRef idx="1">
+                <a:schemeClr val="accent1"/>
+              </a:lnRef>
+              <a:fillRef idx="0">
+                <a:schemeClr val="accent1"/>
+              </a:fillRef>
+              <a:effectRef idx="0">
+                <a:schemeClr val="accent1"/>
+              </a:effectRef>
+              <a:fontRef idx="minor">
+                <a:schemeClr val="tx1"/>
+              </a:fontRef>
+            </p:style>
+          </p:cxnSp>
+          <p:cxnSp>
+            <p:nvCxnSpPr>
+              <p:cNvPr id="43" name="Connector: Curved 42">
+                <a:extLst>
+                  <a:ext uri="{FF2B5EF4-FFF2-40B4-BE49-F238E27FC236}">
+                    <a16:creationId xmlns:a16="http://schemas.microsoft.com/office/drawing/2014/main" id="{7CA13DD7-DD3A-4195-A303-F1EE94B719FE}"/>
+                  </a:ext>
+                </a:extLst>
+              </p:cNvPr>
+              <p:cNvCxnSpPr>
+                <a:cxnSpLocks/>
+                <a:stCxn id="54" idx="2"/>
+                <a:endCxn id="56" idx="2"/>
+              </p:cNvCxnSpPr>
+              <p:nvPr/>
+            </p:nvCxnSpPr>
+            <p:spPr>
+              <a:xfrm rot="10800000" flipV="1">
+                <a:off x="5256245" y="4270310"/>
+                <a:ext cx="1" cy="1757787"/>
+              </a:xfrm>
+              <a:prstGeom prst="curvedConnector3">
+                <a:avLst>
+                  <a:gd name="adj1" fmla="val 22860100000"/>
+                </a:avLst>
+              </a:prstGeom>
+              <a:ln w="19050">
+                <a:solidFill>
+                  <a:schemeClr val="bg2">
+                    <a:lumMod val="60000"/>
+                    <a:lumOff val="40000"/>
+                  </a:schemeClr>
+                </a:solidFill>
+                <a:tailEnd type="triangle"/>
+              </a:ln>
+            </p:spPr>
+            <p:style>
+              <a:lnRef idx="1">
+                <a:schemeClr val="accent1"/>
+              </a:lnRef>
+              <a:fillRef idx="0">
+                <a:schemeClr val="accent1"/>
+              </a:fillRef>
+              <a:effectRef idx="0">
+                <a:schemeClr val="accent1"/>
+              </a:effectRef>
+              <a:fontRef idx="minor">
+                <a:schemeClr val="tx1"/>
+              </a:fontRef>
+            </p:style>
+          </p:cxnSp>
+          <p:cxnSp>
+            <p:nvCxnSpPr>
+              <p:cNvPr id="44" name="Connector: Curved 43">
+                <a:extLst>
+                  <a:ext uri="{FF2B5EF4-FFF2-40B4-BE49-F238E27FC236}">
+                    <a16:creationId xmlns:a16="http://schemas.microsoft.com/office/drawing/2014/main" id="{D6FE213C-FBC1-4493-B22D-6CD37E4962BE}"/>
+                  </a:ext>
+                </a:extLst>
+              </p:cNvPr>
+              <p:cNvCxnSpPr>
+                <a:stCxn id="53" idx="1"/>
+                <a:endCxn id="53" idx="0"/>
+              </p:cNvCxnSpPr>
+              <p:nvPr/>
+            </p:nvCxnSpPr>
+            <p:spPr>
+              <a:xfrm rot="5400000" flipH="1" flipV="1">
+                <a:off x="3190237" y="3720433"/>
+                <a:ext cx="132089" cy="329887"/>
+              </a:xfrm>
+              <a:prstGeom prst="curvedConnector3">
+                <a:avLst>
+                  <a:gd name="adj1" fmla="val 376669"/>
+                </a:avLst>
+              </a:prstGeom>
+              <a:ln w="19050">
+                <a:solidFill>
+                  <a:schemeClr val="bg2">
+                    <a:lumMod val="60000"/>
+                    <a:lumOff val="40000"/>
+                  </a:schemeClr>
+                </a:solidFill>
+                <a:tailEnd type="triangle"/>
+              </a:ln>
+            </p:spPr>
+            <p:style>
+              <a:lnRef idx="1">
+                <a:schemeClr val="accent1"/>
+              </a:lnRef>
+              <a:fillRef idx="0">
+                <a:schemeClr val="accent1"/>
+              </a:fillRef>
+              <a:effectRef idx="0">
+                <a:schemeClr val="accent1"/>
+              </a:effectRef>
+              <a:fontRef idx="minor">
+                <a:schemeClr val="tx1"/>
+              </a:fontRef>
+            </p:style>
+          </p:cxnSp>
+          <p:cxnSp>
+            <p:nvCxnSpPr>
+              <p:cNvPr id="45" name="Connector: Curved 44">
+                <a:extLst>
+                  <a:ext uri="{FF2B5EF4-FFF2-40B4-BE49-F238E27FC236}">
+                    <a16:creationId xmlns:a16="http://schemas.microsoft.com/office/drawing/2014/main" id="{A5EA44F6-37B9-422A-BEED-5FDCF0728C15}"/>
+                  </a:ext>
+                </a:extLst>
+              </p:cNvPr>
+              <p:cNvCxnSpPr>
+                <a:cxnSpLocks/>
+                <a:stCxn id="56" idx="6"/>
+                <a:endCxn id="54" idx="6"/>
+              </p:cNvCxnSpPr>
+              <p:nvPr/>
+            </p:nvCxnSpPr>
+            <p:spPr>
+              <a:xfrm flipV="1">
+                <a:off x="6189305" y="4270311"/>
+                <a:ext cx="1" cy="1757787"/>
+              </a:xfrm>
+              <a:prstGeom prst="curvedConnector3">
+                <a:avLst>
+                  <a:gd name="adj1" fmla="val 22860100000"/>
+                </a:avLst>
+              </a:prstGeom>
+              <a:ln w="19050">
+                <a:solidFill>
+                  <a:schemeClr val="bg2">
+                    <a:lumMod val="60000"/>
+                    <a:lumOff val="40000"/>
+                  </a:schemeClr>
+                </a:solidFill>
+                <a:tailEnd type="triangle"/>
+              </a:ln>
+            </p:spPr>
+            <p:style>
+              <a:lnRef idx="1">
+                <a:schemeClr val="accent1"/>
+              </a:lnRef>
+              <a:fillRef idx="0">
+                <a:schemeClr val="accent1"/>
+              </a:fillRef>
+              <a:effectRef idx="0">
+                <a:schemeClr val="accent1"/>
+              </a:effectRef>
+              <a:fontRef idx="minor">
+                <a:schemeClr val="tx1"/>
+              </a:fontRef>
+            </p:style>
+          </p:cxnSp>
+          <p:sp>
+            <p:nvSpPr>
+              <p:cNvPr id="46" name="TextBox 45">
+                <a:extLst>
+                  <a:ext uri="{FF2B5EF4-FFF2-40B4-BE49-F238E27FC236}">
+                    <a16:creationId xmlns:a16="http://schemas.microsoft.com/office/drawing/2014/main" id="{131FBB6C-B834-408F-A702-65484DEC1E61}"/>
+                  </a:ext>
+                </a:extLst>
+              </p:cNvPr>
+              <p:cNvSpPr txBox="1"/>
+              <p:nvPr/>
+            </p:nvSpPr>
+            <p:spPr>
+              <a:xfrm>
+                <a:off x="4421095" y="3184849"/>
+                <a:ext cx="314510" cy="369332"/>
+              </a:xfrm>
+              <a:prstGeom prst="rect">
+                <a:avLst/>
+              </a:prstGeom>
+              <a:noFill/>
+            </p:spPr>
+            <p:txBody>
+              <a:bodyPr wrap="none" rtlCol="0">
+                <a:spAutoFit/>
+              </a:bodyPr>
+              <a:lstStyle/>
+              <a:p>
+                <a:r>
+                  <a:rPr lang="el-GR" dirty="0">
+                    <a:solidFill>
+                      <a:schemeClr val="bg1">
+                        <a:lumMod val="75000"/>
+                        <a:lumOff val="25000"/>
+                      </a:schemeClr>
+                    </a:solidFill>
+                  </a:rPr>
+                  <a:t>α</a:t>
+                </a:r>
+                <a:endParaRPr lang="en-US" dirty="0">
+                  <a:solidFill>
+                    <a:schemeClr val="bg1">
+                      <a:lumMod val="75000"/>
+                      <a:lumOff val="25000"/>
+                    </a:schemeClr>
+                  </a:solidFill>
+                </a:endParaRPr>
+              </a:p>
+            </p:txBody>
+          </p:sp>
+          <p:sp>
+            <p:nvSpPr>
+              <p:cNvPr id="47" name="TextBox 46">
+                <a:extLst>
+                  <a:ext uri="{FF2B5EF4-FFF2-40B4-BE49-F238E27FC236}">
+                    <a16:creationId xmlns:a16="http://schemas.microsoft.com/office/drawing/2014/main" id="{368F415D-78F3-44AA-AF06-9751897E7BA8}"/>
+                  </a:ext>
+                </a:extLst>
+              </p:cNvPr>
+              <p:cNvSpPr txBox="1"/>
+              <p:nvPr/>
+            </p:nvSpPr>
+            <p:spPr>
+              <a:xfrm>
+                <a:off x="3455237" y="4975549"/>
+                <a:ext cx="314510" cy="369332"/>
+              </a:xfrm>
+              <a:prstGeom prst="rect">
+                <a:avLst/>
+              </a:prstGeom>
+              <a:noFill/>
+            </p:spPr>
+            <p:txBody>
+              <a:bodyPr wrap="none" rtlCol="0">
+                <a:spAutoFit/>
+              </a:bodyPr>
+              <a:lstStyle/>
+              <a:p>
+                <a:r>
+                  <a:rPr lang="el-GR" dirty="0">
+                    <a:solidFill>
+                      <a:schemeClr val="bg1">
+                        <a:lumMod val="75000"/>
+                        <a:lumOff val="25000"/>
+                      </a:schemeClr>
+                    </a:solidFill>
+                  </a:rPr>
+                  <a:t>α</a:t>
+                </a:r>
+                <a:endParaRPr lang="en-US" dirty="0">
+                  <a:solidFill>
+                    <a:schemeClr val="bg1">
+                      <a:lumMod val="75000"/>
+                      <a:lumOff val="25000"/>
+                    </a:schemeClr>
+                  </a:solidFill>
+                </a:endParaRPr>
+              </a:p>
+            </p:txBody>
+          </p:sp>
+          <p:sp>
+            <p:nvSpPr>
+              <p:cNvPr id="48" name="TextBox 47">
+                <a:extLst>
+                  <a:ext uri="{FF2B5EF4-FFF2-40B4-BE49-F238E27FC236}">
+                    <a16:creationId xmlns:a16="http://schemas.microsoft.com/office/drawing/2014/main" id="{D7D4616B-667A-40AA-A3FB-01ED826927F9}"/>
+                  </a:ext>
+                </a:extLst>
+              </p:cNvPr>
+              <p:cNvSpPr txBox="1"/>
+              <p:nvPr/>
+            </p:nvSpPr>
+            <p:spPr>
+              <a:xfrm>
+                <a:off x="6507882" y="4972473"/>
+                <a:ext cx="314510" cy="369332"/>
+              </a:xfrm>
+              <a:prstGeom prst="rect">
+                <a:avLst/>
+              </a:prstGeom>
+              <a:noFill/>
+            </p:spPr>
+            <p:txBody>
+              <a:bodyPr wrap="none" rtlCol="0">
+                <a:spAutoFit/>
+              </a:bodyPr>
+              <a:lstStyle/>
+              <a:p>
+                <a:r>
+                  <a:rPr lang="el-GR" dirty="0">
+                    <a:solidFill>
+                      <a:schemeClr val="bg1">
+                        <a:lumMod val="75000"/>
+                        <a:lumOff val="25000"/>
+                      </a:schemeClr>
+                    </a:solidFill>
+                  </a:rPr>
+                  <a:t>α</a:t>
+                </a:r>
+                <a:endParaRPr lang="en-US" dirty="0">
+                  <a:solidFill>
+                    <a:schemeClr val="bg1">
+                      <a:lumMod val="75000"/>
+                      <a:lumOff val="25000"/>
+                    </a:schemeClr>
+                  </a:solidFill>
+                </a:endParaRPr>
+              </a:p>
+            </p:txBody>
+          </p:sp>
+          <p:sp>
+            <p:nvSpPr>
+              <p:cNvPr id="49" name="TextBox 48">
+                <a:extLst>
+                  <a:ext uri="{FF2B5EF4-FFF2-40B4-BE49-F238E27FC236}">
+                    <a16:creationId xmlns:a16="http://schemas.microsoft.com/office/drawing/2014/main" id="{F79CB5BA-117A-4EBC-97C5-727F365A89CA}"/>
+                  </a:ext>
+                </a:extLst>
+              </p:cNvPr>
+              <p:cNvSpPr txBox="1"/>
+              <p:nvPr/>
+            </p:nvSpPr>
+            <p:spPr>
+              <a:xfrm>
+                <a:off x="4702807" y="4975549"/>
+                <a:ext cx="314510" cy="369332"/>
+              </a:xfrm>
+              <a:prstGeom prst="rect">
+                <a:avLst/>
+              </a:prstGeom>
+              <a:noFill/>
+            </p:spPr>
+            <p:txBody>
+              <a:bodyPr wrap="none" rtlCol="0">
+                <a:spAutoFit/>
+              </a:bodyPr>
+              <a:lstStyle/>
+              <a:p>
+                <a:r>
+                  <a:rPr lang="el-GR" dirty="0">
+                    <a:solidFill>
+                      <a:schemeClr val="bg1">
+                        <a:lumMod val="75000"/>
+                        <a:lumOff val="25000"/>
+                      </a:schemeClr>
+                    </a:solidFill>
+                  </a:rPr>
+                  <a:t>β</a:t>
+                </a:r>
+                <a:endParaRPr lang="en-US" dirty="0">
+                  <a:solidFill>
+                    <a:schemeClr val="bg1">
+                      <a:lumMod val="75000"/>
+                      <a:lumOff val="25000"/>
+                    </a:schemeClr>
+                  </a:solidFill>
+                </a:endParaRPr>
+              </a:p>
+            </p:txBody>
+          </p:sp>
+          <p:sp>
+            <p:nvSpPr>
+              <p:cNvPr id="50" name="TextBox 49">
+                <a:extLst>
+                  <a:ext uri="{FF2B5EF4-FFF2-40B4-BE49-F238E27FC236}">
+                    <a16:creationId xmlns:a16="http://schemas.microsoft.com/office/drawing/2014/main" id="{8CDBCBB5-EDA2-454F-B763-27E495367D88}"/>
+                  </a:ext>
+                </a:extLst>
+              </p:cNvPr>
+              <p:cNvSpPr txBox="1"/>
+              <p:nvPr/>
+            </p:nvSpPr>
+            <p:spPr>
+              <a:xfrm>
+                <a:off x="3099026" y="3000183"/>
+                <a:ext cx="314510" cy="369332"/>
+              </a:xfrm>
+              <a:prstGeom prst="rect">
+                <a:avLst/>
+              </a:prstGeom>
+              <a:noFill/>
+            </p:spPr>
+            <p:txBody>
+              <a:bodyPr wrap="none" rtlCol="0">
+                <a:spAutoFit/>
+              </a:bodyPr>
+              <a:lstStyle/>
+              <a:p>
+                <a:r>
+                  <a:rPr lang="el-GR" dirty="0">
+                    <a:solidFill>
+                      <a:schemeClr val="bg1">
+                        <a:lumMod val="75000"/>
+                        <a:lumOff val="25000"/>
+                      </a:schemeClr>
+                    </a:solidFill>
+                  </a:rPr>
+                  <a:t>β</a:t>
+                </a:r>
+                <a:endParaRPr lang="en-US" dirty="0">
+                  <a:solidFill>
+                    <a:schemeClr val="bg1">
+                      <a:lumMod val="75000"/>
+                      <a:lumOff val="25000"/>
+                    </a:schemeClr>
+                  </a:solidFill>
+                </a:endParaRPr>
+              </a:p>
+            </p:txBody>
+          </p:sp>
+          <p:cxnSp>
+            <p:nvCxnSpPr>
+              <p:cNvPr id="51" name="Straight Arrow Connector 50">
+                <a:extLst>
+                  <a:ext uri="{FF2B5EF4-FFF2-40B4-BE49-F238E27FC236}">
+                    <a16:creationId xmlns:a16="http://schemas.microsoft.com/office/drawing/2014/main" id="{ADB64634-C2EA-48DE-BCA9-6F044F978264}"/>
+                  </a:ext>
+                </a:extLst>
+              </p:cNvPr>
+              <p:cNvCxnSpPr>
+                <a:endCxn id="53" idx="2"/>
+              </p:cNvCxnSpPr>
+              <p:nvPr/>
+            </p:nvCxnSpPr>
+            <p:spPr>
+              <a:xfrm flipV="1">
+                <a:off x="2513045" y="4270311"/>
+                <a:ext cx="441649" cy="6349"/>
+              </a:xfrm>
+              <a:prstGeom prst="straightConnector1">
+                <a:avLst/>
+              </a:prstGeom>
+              <a:ln w="57150">
+                <a:solidFill>
+                  <a:srgbClr val="FF0000"/>
+                </a:solidFill>
+                <a:tailEnd type="triangle"/>
+              </a:ln>
+            </p:spPr>
+            <p:style>
+              <a:lnRef idx="1">
+                <a:schemeClr val="accent1"/>
+              </a:lnRef>
+              <a:fillRef idx="0">
+                <a:schemeClr val="accent1"/>
+              </a:fillRef>
+              <a:effectRef idx="0">
+                <a:schemeClr val="accent1"/>
+              </a:effectRef>
+              <a:fontRef idx="minor">
+                <a:schemeClr val="tx1"/>
+              </a:fontRef>
+            </p:style>
+          </p:cxnSp>
+          <p:sp>
+            <p:nvSpPr>
+              <p:cNvPr id="52" name="TextBox 51">
+                <a:extLst>
+                  <a:ext uri="{FF2B5EF4-FFF2-40B4-BE49-F238E27FC236}">
+                    <a16:creationId xmlns:a16="http://schemas.microsoft.com/office/drawing/2014/main" id="{822A8CB0-61A1-4F73-BD43-62941678938C}"/>
+                  </a:ext>
+                </a:extLst>
+              </p:cNvPr>
+              <p:cNvSpPr txBox="1"/>
+              <p:nvPr/>
+            </p:nvSpPr>
+            <p:spPr>
+              <a:xfrm>
+                <a:off x="2509890" y="3856783"/>
+                <a:ext cx="296876" cy="369332"/>
+              </a:xfrm>
+              <a:prstGeom prst="rect">
+                <a:avLst/>
+              </a:prstGeom>
+              <a:noFill/>
+            </p:spPr>
+            <p:txBody>
+              <a:bodyPr wrap="none" rtlCol="0">
+                <a:spAutoFit/>
+              </a:bodyPr>
+              <a:lstStyle/>
+              <a:p>
+                <a:r>
+                  <a:rPr lang="el-GR" dirty="0">
+                    <a:solidFill>
+                      <a:schemeClr val="bg1">
+                        <a:lumMod val="75000"/>
+                        <a:lumOff val="25000"/>
+                      </a:schemeClr>
+                    </a:solidFill>
+                  </a:rPr>
+                  <a:t>γ</a:t>
+                </a:r>
+                <a:endParaRPr lang="en-US" dirty="0">
+                  <a:solidFill>
+                    <a:schemeClr val="bg1">
+                      <a:lumMod val="75000"/>
+                      <a:lumOff val="25000"/>
+                    </a:schemeClr>
+                  </a:solidFill>
+                </a:endParaRPr>
+              </a:p>
+            </p:txBody>
+          </p:sp>
+        </p:grpSp>
+        <p:sp>
+          <p:nvSpPr>
+            <p:cNvPr id="33" name="Oval 32">
+              <a:extLst>
+                <a:ext uri="{FF2B5EF4-FFF2-40B4-BE49-F238E27FC236}">
+                  <a16:creationId xmlns:a16="http://schemas.microsoft.com/office/drawing/2014/main" id="{96CA7C1D-23DC-4760-8C4C-1F9F9EBA2C18}"/>
+                </a:ext>
+              </a:extLst>
+            </p:cNvPr>
+            <p:cNvSpPr/>
+            <p:nvPr/>
+          </p:nvSpPr>
+          <p:spPr>
+            <a:xfrm>
+              <a:off x="3736530" y="4812397"/>
+              <a:ext cx="933061" cy="901959"/>
+            </a:xfrm>
+            <a:prstGeom prst="ellipse">
+              <a:avLst/>
+            </a:prstGeom>
+            <a:solidFill>
+              <a:schemeClr val="tx1">
+                <a:lumMod val="85000"/>
+              </a:schemeClr>
+            </a:solidFill>
+            <a:ln>
+              <a:solidFill>
+                <a:schemeClr val="bg2">
+                  <a:lumMod val="50000"/>
+                </a:schemeClr>
+              </a:solidFill>
+            </a:ln>
+          </p:spPr>
+          <p:style>
+            <a:lnRef idx="2">
+              <a:schemeClr val="accent1">
+                <a:shade val="50000"/>
+              </a:schemeClr>
+            </a:lnRef>
+            <a:fillRef idx="1">
+              <a:schemeClr val="accent1"/>
+            </a:fillRef>
+            <a:effectRef idx="0">
+              <a:schemeClr val="accent1"/>
+            </a:effectRef>
+            <a:fontRef idx="minor">
+              <a:schemeClr val="lt1"/>
+            </a:fontRef>
+          </p:style>
+          <p:txBody>
+            <a:bodyPr rtlCol="0" anchor="ctr"/>
+            <a:lstStyle/>
+            <a:p>
+              <a:pPr algn="ctr"/>
+              <a:r>
+                <a:rPr lang="en-US" dirty="0"/>
+                <a:t>S</a:t>
+              </a:r>
+              <a:r>
+                <a:rPr lang="en-US" baseline="-25000" dirty="0"/>
+                <a:t>3</a:t>
+              </a:r>
+            </a:p>
+          </p:txBody>
+        </p:sp>
+        <p:cxnSp>
+          <p:nvCxnSpPr>
+            <p:cNvPr id="34" name="Connector: Curved 33">
+              <a:extLst>
+                <a:ext uri="{FF2B5EF4-FFF2-40B4-BE49-F238E27FC236}">
+                  <a16:creationId xmlns:a16="http://schemas.microsoft.com/office/drawing/2014/main" id="{7CE38688-5C6F-4D52-B7A8-A4C8963E9FD7}"/>
+                </a:ext>
+              </a:extLst>
+            </p:cNvPr>
+            <p:cNvCxnSpPr>
+              <a:cxnSpLocks/>
+              <a:stCxn id="33" idx="0"/>
+              <a:endCxn id="53" idx="4"/>
+            </p:cNvCxnSpPr>
+            <p:nvPr/>
+          </p:nvCxnSpPr>
+          <p:spPr>
+            <a:xfrm rot="5400000" flipH="1" flipV="1">
+              <a:off x="3773563" y="4382899"/>
+              <a:ext cx="858997" cy="12700"/>
+            </a:xfrm>
+            <a:prstGeom prst="curvedConnector3">
+              <a:avLst>
+                <a:gd name="adj1" fmla="val 50000"/>
+              </a:avLst>
+            </a:prstGeom>
+            <a:ln w="19050">
+              <a:solidFill>
+                <a:schemeClr val="bg2">
+                  <a:lumMod val="60000"/>
+                  <a:lumOff val="40000"/>
+                </a:schemeClr>
+              </a:solidFill>
+              <a:tailEnd type="triangle"/>
+            </a:ln>
+          </p:spPr>
+          <p:style>
+            <a:lnRef idx="1">
+              <a:schemeClr val="accent1"/>
+            </a:lnRef>
+            <a:fillRef idx="0">
+              <a:schemeClr val="accent1"/>
+            </a:fillRef>
+            <a:effectRef idx="0">
+              <a:schemeClr val="accent1"/>
+            </a:effectRef>
+            <a:fontRef idx="minor">
+              <a:schemeClr val="tx1"/>
+            </a:fontRef>
+          </p:style>
+        </p:cxnSp>
+        <p:cxnSp>
+          <p:nvCxnSpPr>
+            <p:cNvPr id="35" name="Connector: Curved 34">
+              <a:extLst>
+                <a:ext uri="{FF2B5EF4-FFF2-40B4-BE49-F238E27FC236}">
+                  <a16:creationId xmlns:a16="http://schemas.microsoft.com/office/drawing/2014/main" id="{A90F5C5C-CB86-45C1-B7FC-2EF3F02D06A3}"/>
+                </a:ext>
+              </a:extLst>
+            </p:cNvPr>
+            <p:cNvCxnSpPr>
+              <a:cxnSpLocks/>
+              <a:stCxn id="33" idx="4"/>
+              <a:endCxn id="33" idx="2"/>
+            </p:cNvCxnSpPr>
+            <p:nvPr/>
+          </p:nvCxnSpPr>
+          <p:spPr>
+            <a:xfrm rot="5400000" flipH="1">
+              <a:off x="3744306" y="5255602"/>
+              <a:ext cx="450979" cy="466531"/>
+            </a:xfrm>
+            <a:prstGeom prst="curvedConnector4">
+              <a:avLst>
+                <a:gd name="adj1" fmla="val -50690"/>
+                <a:gd name="adj2" fmla="val 149000"/>
+              </a:avLst>
+            </a:prstGeom>
+            <a:ln w="19050">
+              <a:solidFill>
+                <a:schemeClr val="bg2">
+                  <a:lumMod val="60000"/>
+                  <a:lumOff val="40000"/>
+                </a:schemeClr>
+              </a:solidFill>
+              <a:tailEnd type="triangle"/>
+            </a:ln>
+          </p:spPr>
+          <p:style>
+            <a:lnRef idx="1">
+              <a:schemeClr val="accent1"/>
+            </a:lnRef>
+            <a:fillRef idx="0">
+              <a:schemeClr val="accent1"/>
+            </a:fillRef>
+            <a:effectRef idx="0">
+              <a:schemeClr val="accent1"/>
+            </a:effectRef>
+            <a:fontRef idx="minor">
+              <a:schemeClr val="tx1"/>
+            </a:fontRef>
+          </p:style>
+        </p:cxnSp>
+        <p:sp>
+          <p:nvSpPr>
+            <p:cNvPr id="36" name="TextBox 35">
+              <a:extLst>
+                <a:ext uri="{FF2B5EF4-FFF2-40B4-BE49-F238E27FC236}">
+                  <a16:creationId xmlns:a16="http://schemas.microsoft.com/office/drawing/2014/main" id="{9F830C76-C3E3-47AA-8F8D-8B376A392521}"/>
+                </a:ext>
+              </a:extLst>
+            </p:cNvPr>
+            <p:cNvSpPr txBox="1"/>
+            <p:nvPr/>
+          </p:nvSpPr>
+          <p:spPr>
+            <a:xfrm>
+              <a:off x="6504610" y="2232293"/>
+              <a:ext cx="314510" cy="369332"/>
+            </a:xfrm>
+            <a:prstGeom prst="rect">
+              <a:avLst/>
+            </a:prstGeom>
+            <a:noFill/>
+          </p:spPr>
+          <p:txBody>
+            <a:bodyPr wrap="none" rtlCol="0">
+              <a:spAutoFit/>
+            </a:bodyPr>
+            <a:lstStyle/>
+            <a:p>
+              <a:r>
+                <a:rPr lang="el-GR" dirty="0">
+                  <a:solidFill>
+                    <a:schemeClr val="bg1">
+                      <a:lumMod val="75000"/>
+                      <a:lumOff val="25000"/>
+                    </a:schemeClr>
+                  </a:solidFill>
+                </a:rPr>
+                <a:t>α</a:t>
+              </a:r>
+              <a:endParaRPr lang="en-US" dirty="0">
+                <a:solidFill>
+                  <a:schemeClr val="bg1">
+                    <a:lumMod val="75000"/>
+                    <a:lumOff val="25000"/>
+                  </a:schemeClr>
+                </a:solidFill>
+              </a:endParaRPr>
+            </a:p>
+          </p:txBody>
+        </p:sp>
+        <p:sp>
+          <p:nvSpPr>
+            <p:cNvPr id="37" name="TextBox 36">
+              <a:extLst>
+                <a:ext uri="{FF2B5EF4-FFF2-40B4-BE49-F238E27FC236}">
+                  <a16:creationId xmlns:a16="http://schemas.microsoft.com/office/drawing/2014/main" id="{6B2257B4-CE9D-4331-94F0-BECA1C478A9C}"/>
+                </a:ext>
+              </a:extLst>
+            </p:cNvPr>
+            <p:cNvSpPr txBox="1"/>
+            <p:nvPr/>
+          </p:nvSpPr>
+          <p:spPr>
+            <a:xfrm>
+              <a:off x="5202931" y="5488867"/>
+              <a:ext cx="314510" cy="369332"/>
+            </a:xfrm>
+            <a:prstGeom prst="rect">
+              <a:avLst/>
+            </a:prstGeom>
+            <a:noFill/>
+          </p:spPr>
+          <p:txBody>
+            <a:bodyPr wrap="none" rtlCol="0">
+              <a:spAutoFit/>
+            </a:bodyPr>
+            <a:lstStyle/>
+            <a:p>
+              <a:r>
+                <a:rPr lang="el-GR" dirty="0">
+                  <a:solidFill>
+                    <a:schemeClr val="bg1">
+                      <a:lumMod val="75000"/>
+                      <a:lumOff val="25000"/>
+                    </a:schemeClr>
+                  </a:solidFill>
+                </a:rPr>
+                <a:t>β</a:t>
+              </a:r>
+              <a:endParaRPr lang="en-US" dirty="0">
+                <a:solidFill>
+                  <a:schemeClr val="bg1">
+                    <a:lumMod val="75000"/>
+                    <a:lumOff val="25000"/>
+                  </a:schemeClr>
+                </a:solidFill>
+              </a:endParaRPr>
+            </a:p>
+          </p:txBody>
+        </p:sp>
+        <p:sp>
+          <p:nvSpPr>
+            <p:cNvPr id="38" name="TextBox 37">
+              <a:extLst>
+                <a:ext uri="{FF2B5EF4-FFF2-40B4-BE49-F238E27FC236}">
+                  <a16:creationId xmlns:a16="http://schemas.microsoft.com/office/drawing/2014/main" id="{7F73B776-7AC9-4AA0-846F-EE84A27FF7F8}"/>
+                </a:ext>
+              </a:extLst>
+            </p:cNvPr>
+            <p:cNvSpPr txBox="1"/>
+            <p:nvPr/>
+          </p:nvSpPr>
+          <p:spPr>
+            <a:xfrm>
+              <a:off x="3205732" y="5488867"/>
+              <a:ext cx="314510" cy="369332"/>
+            </a:xfrm>
+            <a:prstGeom prst="rect">
+              <a:avLst/>
+            </a:prstGeom>
+            <a:noFill/>
+          </p:spPr>
+          <p:txBody>
+            <a:bodyPr wrap="none" rtlCol="0">
+              <a:spAutoFit/>
+            </a:bodyPr>
+            <a:lstStyle/>
+            <a:p>
+              <a:r>
+                <a:rPr lang="el-GR" dirty="0">
+                  <a:solidFill>
+                    <a:schemeClr val="bg1">
+                      <a:lumMod val="75000"/>
+                      <a:lumOff val="25000"/>
+                    </a:schemeClr>
+                  </a:solidFill>
+                </a:rPr>
+                <a:t>β</a:t>
+              </a:r>
+              <a:endParaRPr lang="en-US" dirty="0">
+                <a:solidFill>
+                  <a:schemeClr val="bg1">
+                    <a:lumMod val="75000"/>
+                    <a:lumOff val="25000"/>
+                  </a:schemeClr>
+                </a:solidFill>
+              </a:endParaRPr>
             </a:p>
           </p:txBody>
         </p:sp>
@@ -11721,26 +12592,88 @@
             <a:pPr lvl="1"/>
             <a:r>
               <a:rPr lang="en-US" dirty="0"/>
-              <a:t>If we return to the starting state – True </a:t>
+              <a:t>If we return to the starting state – </a:t>
+            </a:r>
+            <a:r>
+              <a:rPr lang="en-US" dirty="0">
+                <a:solidFill>
+                  <a:schemeClr val="accent3">
+                    <a:lumMod val="60000"/>
+                    <a:lumOff val="40000"/>
+                  </a:schemeClr>
+                </a:solidFill>
+              </a:rPr>
+              <a:t>True</a:t>
+            </a:r>
+            <a:r>
+              <a:rPr lang="en-US" dirty="0"/>
+              <a:t> </a:t>
             </a:r>
           </a:p>
           <a:p>
             <a:pPr lvl="1"/>
             <a:r>
               <a:rPr lang="en-US" dirty="0"/>
-              <a:t>If we don’t return to the starting state – False</a:t>
+              <a:t>If we don’t return to the starting state – </a:t>
+            </a:r>
+            <a:r>
+              <a:rPr lang="en-US" dirty="0">
+                <a:solidFill>
+                  <a:schemeClr val="accent4">
+                    <a:lumMod val="50000"/>
+                  </a:schemeClr>
+                </a:solidFill>
+              </a:rPr>
+              <a:t>False</a:t>
             </a:r>
           </a:p>
           <a:p>
             <a:r>
               <a:rPr lang="en-US" dirty="0"/>
-              <a:t>A series of symbols [words] that returns True is considered synchronizing.</a:t>
-            </a:r>
-          </a:p>
-          <a:p>
+              <a:t>A series of symbols </a:t>
+            </a:r>
+            <a:r>
+              <a:rPr lang="en-US" dirty="0">
+                <a:solidFill>
+                  <a:schemeClr val="bg2">
+                    <a:lumMod val="60000"/>
+                    <a:lumOff val="40000"/>
+                  </a:schemeClr>
+                </a:solidFill>
+              </a:rPr>
+              <a:t>[</a:t>
+            </a:r>
             <a:r>
               <a:rPr lang="en-US" dirty="0"/>
-              <a:t>Also as seen in the previous example, synchronizing words can be of variable length</a:t>
+              <a:t>words</a:t>
+            </a:r>
+            <a:r>
+              <a:rPr lang="en-US" dirty="0">
+                <a:solidFill>
+                  <a:schemeClr val="bg2">
+                    <a:lumMod val="60000"/>
+                    <a:lumOff val="40000"/>
+                  </a:schemeClr>
+                </a:solidFill>
+              </a:rPr>
+              <a:t>]</a:t>
+            </a:r>
+            <a:r>
+              <a:rPr lang="en-US" dirty="0"/>
+              <a:t> that reaches an end state is considered synchronizing.</a:t>
+            </a:r>
+          </a:p>
+          <a:p>
+            <a:pPr lvl="1"/>
+            <a:r>
+              <a:rPr lang="en-US" dirty="0"/>
+              <a:t>For our example, the end state is the starting state.</a:t>
+            </a:r>
+          </a:p>
+          <a:p>
+            <a:r>
+              <a:rPr lang="en-US" dirty="0"/>
+              <a:t>Also as seen in the previous example, synchronizing words can be of variable length.</a:t>
             </a:r>
           </a:p>
           <a:p>
@@ -11765,7 +12698,7 @@
 <file path=ppt/theme/theme1.xml><?xml version="1.0" encoding="utf-8"?>
 <a:theme xmlns:a="http://schemas.openxmlformats.org/drawingml/2006/main" name="Banded">
   <a:themeElements>
-    <a:clrScheme name="Banded">
+    <a:clrScheme name="Custom 2">
       <a:dk1>
         <a:srgbClr val="2C2C2C"/>
       </a:dk1>

--- a/project.pptx
+++ b/project.pptx
@@ -7507,12 +7507,433 @@
           </a:p>
         </p:txBody>
       </p:sp>
+      <p:sp>
+        <p:nvSpPr>
+          <p:cNvPr id="32" name="TextBox 31">
+            <a:extLst>
+              <a:ext uri="{FF2B5EF4-FFF2-40B4-BE49-F238E27FC236}">
+                <a16:creationId xmlns:a16="http://schemas.microsoft.com/office/drawing/2014/main" id="{F85582F1-E074-43B0-86F9-6C19D4EF5DE2}"/>
+              </a:ext>
+            </a:extLst>
+          </p:cNvPr>
+          <p:cNvSpPr txBox="1"/>
+          <p:nvPr/>
+        </p:nvSpPr>
+        <p:spPr>
+          <a:xfrm>
+            <a:off x="565692" y="761739"/>
+            <a:ext cx="1008609" cy="369332"/>
+          </a:xfrm>
+          <a:prstGeom prst="rect">
+            <a:avLst/>
+          </a:prstGeom>
+          <a:noFill/>
+        </p:spPr>
+        <p:txBody>
+          <a:bodyPr wrap="none" rtlCol="0">
+            <a:spAutoFit/>
+          </a:bodyPr>
+          <a:lstStyle/>
+          <a:p>
+            <a:r>
+              <a:rPr lang="el-GR" dirty="0">
+                <a:solidFill>
+                  <a:schemeClr val="bg1">
+                    <a:lumMod val="75000"/>
+                    <a:lumOff val="25000"/>
+                  </a:schemeClr>
+                </a:solidFill>
+              </a:rPr>
+              <a:t>γ</a:t>
+            </a:r>
+            <a:r>
+              <a:rPr lang="en-US" dirty="0">
+                <a:solidFill>
+                  <a:schemeClr val="bg1">
+                    <a:lumMod val="75000"/>
+                    <a:lumOff val="25000"/>
+                  </a:schemeClr>
+                </a:solidFill>
+              </a:rPr>
+              <a:t> = Input</a:t>
+            </a:r>
+          </a:p>
+        </p:txBody>
+      </p:sp>
+      <p:sp>
+        <p:nvSpPr>
+          <p:cNvPr id="33" name="TextBox 32">
+            <a:extLst>
+              <a:ext uri="{FF2B5EF4-FFF2-40B4-BE49-F238E27FC236}">
+                <a16:creationId xmlns:a16="http://schemas.microsoft.com/office/drawing/2014/main" id="{3CA7FE67-1ED0-45E5-92D0-00E2FC17A2C7}"/>
+              </a:ext>
+            </a:extLst>
+          </p:cNvPr>
+          <p:cNvSpPr txBox="1"/>
+          <p:nvPr/>
+        </p:nvSpPr>
+        <p:spPr>
+          <a:xfrm>
+            <a:off x="565692" y="1168002"/>
+            <a:ext cx="1728358" cy="369332"/>
+          </a:xfrm>
+          <a:prstGeom prst="rect">
+            <a:avLst/>
+          </a:prstGeom>
+          <a:noFill/>
+        </p:spPr>
+        <p:txBody>
+          <a:bodyPr wrap="none" rtlCol="0">
+            <a:spAutoFit/>
+          </a:bodyPr>
+          <a:lstStyle/>
+          <a:p>
+            <a:r>
+              <a:rPr lang="en-US" dirty="0">
+                <a:solidFill>
+                  <a:schemeClr val="bg1">
+                    <a:lumMod val="75000"/>
+                    <a:lumOff val="25000"/>
+                  </a:schemeClr>
+                </a:solidFill>
+              </a:rPr>
+              <a:t>Alphabet = {</a:t>
+            </a:r>
+            <a:r>
+              <a:rPr lang="el-GR" dirty="0">
+                <a:solidFill>
+                  <a:schemeClr val="bg1">
+                    <a:lumMod val="75000"/>
+                    <a:lumOff val="25000"/>
+                  </a:schemeClr>
+                </a:solidFill>
+              </a:rPr>
+              <a:t>α</a:t>
+            </a:r>
+            <a:r>
+              <a:rPr lang="en-US" dirty="0">
+                <a:solidFill>
+                  <a:schemeClr val="bg1">
+                    <a:lumMod val="75000"/>
+                    <a:lumOff val="25000"/>
+                  </a:schemeClr>
+                </a:solidFill>
+              </a:rPr>
+              <a:t>,</a:t>
+            </a:r>
+            <a:r>
+              <a:rPr lang="el-GR" dirty="0">
+                <a:solidFill>
+                  <a:schemeClr val="bg1">
+                    <a:lumMod val="75000"/>
+                    <a:lumOff val="25000"/>
+                  </a:schemeClr>
+                </a:solidFill>
+              </a:rPr>
+              <a:t>β</a:t>
+            </a:r>
+            <a:r>
+              <a:rPr lang="en-US" dirty="0">
+                <a:solidFill>
+                  <a:schemeClr val="bg1">
+                    <a:lumMod val="75000"/>
+                    <a:lumOff val="25000"/>
+                  </a:schemeClr>
+                </a:solidFill>
+              </a:rPr>
+              <a:t>}</a:t>
+            </a:r>
+          </a:p>
+        </p:txBody>
+      </p:sp>
+      <p:sp>
+        <p:nvSpPr>
+          <p:cNvPr id="34" name="TextBox 33">
+            <a:extLst>
+              <a:ext uri="{FF2B5EF4-FFF2-40B4-BE49-F238E27FC236}">
+                <a16:creationId xmlns:a16="http://schemas.microsoft.com/office/drawing/2014/main" id="{F8C5459A-6A2F-4228-9D81-CAAC823E5F8C}"/>
+              </a:ext>
+            </a:extLst>
+          </p:cNvPr>
+          <p:cNvSpPr txBox="1"/>
+          <p:nvPr/>
+        </p:nvSpPr>
+        <p:spPr>
+          <a:xfrm>
+            <a:off x="565691" y="1537334"/>
+            <a:ext cx="1455848" cy="369332"/>
+          </a:xfrm>
+          <a:prstGeom prst="rect">
+            <a:avLst/>
+          </a:prstGeom>
+          <a:noFill/>
+        </p:spPr>
+        <p:txBody>
+          <a:bodyPr wrap="none" rtlCol="0">
+            <a:spAutoFit/>
+          </a:bodyPr>
+          <a:lstStyle/>
+          <a:p>
+            <a:r>
+              <a:rPr lang="el-GR" dirty="0">
+                <a:solidFill>
+                  <a:schemeClr val="bg1">
+                    <a:lumMod val="75000"/>
+                    <a:lumOff val="25000"/>
+                  </a:schemeClr>
+                </a:solidFill>
+              </a:rPr>
+              <a:t>γ</a:t>
+            </a:r>
+            <a:r>
+              <a:rPr lang="en-US" baseline="-25000" dirty="0">
+                <a:solidFill>
+                  <a:schemeClr val="bg1">
+                    <a:lumMod val="75000"/>
+                    <a:lumOff val="25000"/>
+                  </a:schemeClr>
+                </a:solidFill>
+              </a:rPr>
+              <a:t>0</a:t>
+            </a:r>
+            <a:r>
+              <a:rPr lang="en-US" dirty="0">
+                <a:solidFill>
+                  <a:schemeClr val="bg1">
+                    <a:lumMod val="75000"/>
+                    <a:lumOff val="25000"/>
+                  </a:schemeClr>
+                </a:solidFill>
+              </a:rPr>
+              <a:t> = “</a:t>
+            </a:r>
+            <a:r>
+              <a:rPr lang="el-GR" dirty="0">
+                <a:solidFill>
+                  <a:schemeClr val="bg1">
+                    <a:lumMod val="75000"/>
+                    <a:lumOff val="25000"/>
+                  </a:schemeClr>
+                </a:solidFill>
+              </a:rPr>
+              <a:t>βαββα</a:t>
+            </a:r>
+            <a:r>
+              <a:rPr lang="en-US" dirty="0">
+                <a:solidFill>
+                  <a:schemeClr val="bg1">
+                    <a:lumMod val="75000"/>
+                    <a:lumOff val="25000"/>
+                  </a:schemeClr>
+                </a:solidFill>
+              </a:rPr>
+              <a:t>” </a:t>
+            </a:r>
+          </a:p>
+        </p:txBody>
+      </p:sp>
+      <p:sp>
+        <p:nvSpPr>
+          <p:cNvPr id="56" name="TextBox 55">
+            <a:extLst>
+              <a:ext uri="{FF2B5EF4-FFF2-40B4-BE49-F238E27FC236}">
+                <a16:creationId xmlns:a16="http://schemas.microsoft.com/office/drawing/2014/main" id="{C253E133-2F98-40C8-8550-29F774864B84}"/>
+              </a:ext>
+            </a:extLst>
+          </p:cNvPr>
+          <p:cNvSpPr txBox="1"/>
+          <p:nvPr/>
+        </p:nvSpPr>
+        <p:spPr>
+          <a:xfrm>
+            <a:off x="7884002" y="1539120"/>
+            <a:ext cx="2808654" cy="369332"/>
+          </a:xfrm>
+          <a:prstGeom prst="rect">
+            <a:avLst/>
+          </a:prstGeom>
+          <a:noFill/>
+        </p:spPr>
+        <p:txBody>
+          <a:bodyPr wrap="none" rtlCol="0">
+            <a:spAutoFit/>
+          </a:bodyPr>
+          <a:lstStyle/>
+          <a:p>
+            <a:r>
+              <a:rPr lang="el-GR" dirty="0">
+                <a:solidFill>
+                  <a:schemeClr val="bg1">
+                    <a:lumMod val="75000"/>
+                    <a:lumOff val="25000"/>
+                  </a:schemeClr>
+                </a:solidFill>
+              </a:rPr>
+              <a:t>γ</a:t>
+            </a:r>
+            <a:r>
+              <a:rPr lang="en-US" baseline="-25000" dirty="0">
+                <a:solidFill>
+                  <a:schemeClr val="bg1">
+                    <a:lumMod val="75000"/>
+                    <a:lumOff val="25000"/>
+                  </a:schemeClr>
+                </a:solidFill>
+              </a:rPr>
+              <a:t>0</a:t>
+            </a:r>
+            <a:r>
+              <a:rPr lang="en-US" dirty="0">
+                <a:solidFill>
+                  <a:schemeClr val="bg1">
+                    <a:lumMod val="75000"/>
+                    <a:lumOff val="25000"/>
+                  </a:schemeClr>
+                </a:solidFill>
+              </a:rPr>
+              <a:t> = {S</a:t>
+            </a:r>
+            <a:r>
+              <a:rPr lang="en-US" baseline="-25000" dirty="0">
+                <a:solidFill>
+                  <a:schemeClr val="bg1">
+                    <a:lumMod val="75000"/>
+                    <a:lumOff val="25000"/>
+                  </a:schemeClr>
+                </a:solidFill>
+              </a:rPr>
+              <a:t>0</a:t>
+            </a:r>
+            <a:r>
+              <a:rPr lang="en-US" dirty="0">
+                <a:solidFill>
+                  <a:schemeClr val="bg1">
+                    <a:lumMod val="75000"/>
+                    <a:lumOff val="25000"/>
+                  </a:schemeClr>
+                </a:solidFill>
+              </a:rPr>
+              <a:t>, S</a:t>
+            </a:r>
+            <a:r>
+              <a:rPr lang="en-US" baseline="-25000" dirty="0">
+                <a:solidFill>
+                  <a:schemeClr val="bg1">
+                    <a:lumMod val="75000"/>
+                    <a:lumOff val="25000"/>
+                  </a:schemeClr>
+                </a:solidFill>
+              </a:rPr>
+              <a:t>1</a:t>
+            </a:r>
+            <a:r>
+              <a:rPr lang="en-US" dirty="0">
+                <a:solidFill>
+                  <a:schemeClr val="bg1">
+                    <a:lumMod val="75000"/>
+                    <a:lumOff val="25000"/>
+                  </a:schemeClr>
+                </a:solidFill>
+              </a:rPr>
+              <a:t>, S</a:t>
+            </a:r>
+            <a:r>
+              <a:rPr lang="en-US" baseline="-25000" dirty="0">
+                <a:solidFill>
+                  <a:schemeClr val="bg1">
+                    <a:lumMod val="75000"/>
+                    <a:lumOff val="25000"/>
+                  </a:schemeClr>
+                </a:solidFill>
+              </a:rPr>
+              <a:t>2</a:t>
+            </a:r>
+            <a:r>
+              <a:rPr lang="en-US" dirty="0">
+                <a:solidFill>
+                  <a:schemeClr val="bg1">
+                    <a:lumMod val="75000"/>
+                    <a:lumOff val="25000"/>
+                  </a:schemeClr>
+                </a:solidFill>
+              </a:rPr>
+              <a:t>, S</a:t>
+            </a:r>
+            <a:r>
+              <a:rPr lang="en-US" baseline="-25000" dirty="0">
+                <a:solidFill>
+                  <a:schemeClr val="bg1">
+                    <a:lumMod val="75000"/>
+                    <a:lumOff val="25000"/>
+                  </a:schemeClr>
+                </a:solidFill>
+              </a:rPr>
+              <a:t>3</a:t>
+            </a:r>
+            <a:r>
+              <a:rPr lang="en-US" dirty="0">
+                <a:solidFill>
+                  <a:schemeClr val="bg1">
+                    <a:lumMod val="75000"/>
+                    <a:lumOff val="25000"/>
+                  </a:schemeClr>
+                </a:solidFill>
+              </a:rPr>
+              <a:t>, S</a:t>
+            </a:r>
+            <a:r>
+              <a:rPr lang="en-US" baseline="-25000" dirty="0">
+                <a:solidFill>
+                  <a:schemeClr val="bg1">
+                    <a:lumMod val="75000"/>
+                    <a:lumOff val="25000"/>
+                  </a:schemeClr>
+                </a:solidFill>
+              </a:rPr>
+              <a:t>0</a:t>
+            </a:r>
+            <a:r>
+              <a:rPr lang="en-US" dirty="0">
+                <a:solidFill>
+                  <a:schemeClr val="bg1">
+                    <a:lumMod val="75000"/>
+                    <a:lumOff val="25000"/>
+                  </a:schemeClr>
+                </a:solidFill>
+              </a:rPr>
+              <a:t>} = </a:t>
+            </a:r>
+            <a:r>
+              <a:rPr lang="en-US" dirty="0">
+                <a:solidFill>
+                  <a:schemeClr val="accent3">
+                    <a:lumMod val="60000"/>
+                    <a:lumOff val="40000"/>
+                  </a:schemeClr>
+                </a:solidFill>
+              </a:rPr>
+              <a:t>True</a:t>
+            </a:r>
+            <a:r>
+              <a:rPr lang="en-US" dirty="0">
+                <a:solidFill>
+                  <a:schemeClr val="bg1">
+                    <a:lumMod val="75000"/>
+                    <a:lumOff val="25000"/>
+                  </a:schemeClr>
+                </a:solidFill>
+              </a:rPr>
+              <a:t> </a:t>
+            </a:r>
+          </a:p>
+        </p:txBody>
+      </p:sp>
       <p:grpSp>
         <p:nvGrpSpPr>
-          <p:cNvPr id="7" name="Group 6">
+          <p:cNvPr id="6" name="Group 5">
             <a:extLst>
               <a:ext uri="{FF2B5EF4-FFF2-40B4-BE49-F238E27FC236}">
-                <a16:creationId xmlns:a16="http://schemas.microsoft.com/office/drawing/2014/main" id="{227D2BC0-439C-4712-8851-234A202364DD}"/>
+                <a16:creationId xmlns:a16="http://schemas.microsoft.com/office/drawing/2014/main" id="{60F4C95D-3F4E-4CEF-BF78-3FAA7F437BCF}"/>
               </a:ext>
             </a:extLst>
           </p:cNvPr>
@@ -7521,1345 +7942,18 @@
         </p:nvGrpSpPr>
         <p:grpSpPr>
           <a:xfrm>
-            <a:off x="565691" y="761739"/>
-            <a:ext cx="10126965" cy="1146713"/>
-            <a:chOff x="932847" y="761739"/>
-            <a:chExt cx="10126965" cy="1146713"/>
+            <a:off x="3736530" y="3051441"/>
+            <a:ext cx="3234612" cy="2659746"/>
+            <a:chOff x="1026367" y="2768082"/>
+            <a:chExt cx="3234612" cy="2659746"/>
           </a:xfrm>
         </p:grpSpPr>
         <p:sp>
           <p:nvSpPr>
-            <p:cNvPr id="32" name="TextBox 31">
+            <p:cNvPr id="3" name="Oval 2">
               <a:extLst>
                 <a:ext uri="{FF2B5EF4-FFF2-40B4-BE49-F238E27FC236}">
-                  <a16:creationId xmlns:a16="http://schemas.microsoft.com/office/drawing/2014/main" id="{F85582F1-E074-43B0-86F9-6C19D4EF5DE2}"/>
-                </a:ext>
-              </a:extLst>
-            </p:cNvPr>
-            <p:cNvSpPr txBox="1"/>
-            <p:nvPr/>
-          </p:nvSpPr>
-          <p:spPr>
-            <a:xfrm>
-              <a:off x="932848" y="761739"/>
-              <a:ext cx="1008609" cy="369332"/>
-            </a:xfrm>
-            <a:prstGeom prst="rect">
-              <a:avLst/>
-            </a:prstGeom>
-            <a:noFill/>
-          </p:spPr>
-          <p:txBody>
-            <a:bodyPr wrap="none" rtlCol="0">
-              <a:spAutoFit/>
-            </a:bodyPr>
-            <a:lstStyle/>
-            <a:p>
-              <a:r>
-                <a:rPr lang="el-GR" dirty="0">
-                  <a:solidFill>
-                    <a:schemeClr val="bg1">
-                      <a:lumMod val="75000"/>
-                      <a:lumOff val="25000"/>
-                    </a:schemeClr>
-                  </a:solidFill>
-                </a:rPr>
-                <a:t>γ</a:t>
-              </a:r>
-              <a:r>
-                <a:rPr lang="en-US" dirty="0">
-                  <a:solidFill>
-                    <a:schemeClr val="bg1">
-                      <a:lumMod val="75000"/>
-                      <a:lumOff val="25000"/>
-                    </a:schemeClr>
-                  </a:solidFill>
-                </a:rPr>
-                <a:t> = Input</a:t>
-              </a:r>
-            </a:p>
-          </p:txBody>
-        </p:sp>
-        <p:sp>
-          <p:nvSpPr>
-            <p:cNvPr id="33" name="TextBox 32">
-              <a:extLst>
-                <a:ext uri="{FF2B5EF4-FFF2-40B4-BE49-F238E27FC236}">
-                  <a16:creationId xmlns:a16="http://schemas.microsoft.com/office/drawing/2014/main" id="{3CA7FE67-1ED0-45E5-92D0-00E2FC17A2C7}"/>
-                </a:ext>
-              </a:extLst>
-            </p:cNvPr>
-            <p:cNvSpPr txBox="1"/>
-            <p:nvPr/>
-          </p:nvSpPr>
-          <p:spPr>
-            <a:xfrm>
-              <a:off x="932848" y="1168002"/>
-              <a:ext cx="1728358" cy="369332"/>
-            </a:xfrm>
-            <a:prstGeom prst="rect">
-              <a:avLst/>
-            </a:prstGeom>
-            <a:noFill/>
-          </p:spPr>
-          <p:txBody>
-            <a:bodyPr wrap="none" rtlCol="0">
-              <a:spAutoFit/>
-            </a:bodyPr>
-            <a:lstStyle/>
-            <a:p>
-              <a:r>
-                <a:rPr lang="en-US" dirty="0">
-                  <a:solidFill>
-                    <a:schemeClr val="bg1">
-                      <a:lumMod val="75000"/>
-                      <a:lumOff val="25000"/>
-                    </a:schemeClr>
-                  </a:solidFill>
-                </a:rPr>
-                <a:t>Alphabet = {</a:t>
-              </a:r>
-              <a:r>
-                <a:rPr lang="el-GR" dirty="0">
-                  <a:solidFill>
-                    <a:schemeClr val="bg1">
-                      <a:lumMod val="75000"/>
-                      <a:lumOff val="25000"/>
-                    </a:schemeClr>
-                  </a:solidFill>
-                </a:rPr>
-                <a:t>α</a:t>
-              </a:r>
-              <a:r>
-                <a:rPr lang="en-US" dirty="0">
-                  <a:solidFill>
-                    <a:schemeClr val="bg1">
-                      <a:lumMod val="75000"/>
-                      <a:lumOff val="25000"/>
-                    </a:schemeClr>
-                  </a:solidFill>
-                </a:rPr>
-                <a:t>,</a:t>
-              </a:r>
-              <a:r>
-                <a:rPr lang="el-GR" dirty="0">
-                  <a:solidFill>
-                    <a:schemeClr val="bg1">
-                      <a:lumMod val="75000"/>
-                      <a:lumOff val="25000"/>
-                    </a:schemeClr>
-                  </a:solidFill>
-                </a:rPr>
-                <a:t>β</a:t>
-              </a:r>
-              <a:r>
-                <a:rPr lang="en-US" dirty="0">
-                  <a:solidFill>
-                    <a:schemeClr val="bg1">
-                      <a:lumMod val="75000"/>
-                      <a:lumOff val="25000"/>
-                    </a:schemeClr>
-                  </a:solidFill>
-                </a:rPr>
-                <a:t>}</a:t>
-              </a:r>
-            </a:p>
-          </p:txBody>
-        </p:sp>
-        <p:sp>
-          <p:nvSpPr>
-            <p:cNvPr id="34" name="TextBox 33">
-              <a:extLst>
-                <a:ext uri="{FF2B5EF4-FFF2-40B4-BE49-F238E27FC236}">
-                  <a16:creationId xmlns:a16="http://schemas.microsoft.com/office/drawing/2014/main" id="{F8C5459A-6A2F-4228-9D81-CAAC823E5F8C}"/>
-                </a:ext>
-              </a:extLst>
-            </p:cNvPr>
-            <p:cNvSpPr txBox="1"/>
-            <p:nvPr/>
-          </p:nvSpPr>
-          <p:spPr>
-            <a:xfrm>
-              <a:off x="932847" y="1537334"/>
-              <a:ext cx="1455848" cy="369332"/>
-            </a:xfrm>
-            <a:prstGeom prst="rect">
-              <a:avLst/>
-            </a:prstGeom>
-            <a:noFill/>
-          </p:spPr>
-          <p:txBody>
-            <a:bodyPr wrap="none" rtlCol="0">
-              <a:spAutoFit/>
-            </a:bodyPr>
-            <a:lstStyle/>
-            <a:p>
-              <a:r>
-                <a:rPr lang="el-GR" dirty="0">
-                  <a:solidFill>
-                    <a:schemeClr val="bg1">
-                      <a:lumMod val="75000"/>
-                      <a:lumOff val="25000"/>
-                    </a:schemeClr>
-                  </a:solidFill>
-                </a:rPr>
-                <a:t>γ</a:t>
-              </a:r>
-              <a:r>
-                <a:rPr lang="en-US" baseline="-25000" dirty="0">
-                  <a:solidFill>
-                    <a:schemeClr val="bg1">
-                      <a:lumMod val="75000"/>
-                      <a:lumOff val="25000"/>
-                    </a:schemeClr>
-                  </a:solidFill>
-                </a:rPr>
-                <a:t>0</a:t>
-              </a:r>
-              <a:r>
-                <a:rPr lang="en-US" dirty="0">
-                  <a:solidFill>
-                    <a:schemeClr val="bg1">
-                      <a:lumMod val="75000"/>
-                      <a:lumOff val="25000"/>
-                    </a:schemeClr>
-                  </a:solidFill>
-                </a:rPr>
-                <a:t> = “</a:t>
-              </a:r>
-              <a:r>
-                <a:rPr lang="el-GR" dirty="0">
-                  <a:solidFill>
-                    <a:schemeClr val="bg1">
-                      <a:lumMod val="75000"/>
-                      <a:lumOff val="25000"/>
-                    </a:schemeClr>
-                  </a:solidFill>
-                </a:rPr>
-                <a:t>βαββα</a:t>
-              </a:r>
-              <a:r>
-                <a:rPr lang="en-US" dirty="0">
-                  <a:solidFill>
-                    <a:schemeClr val="bg1">
-                      <a:lumMod val="75000"/>
-                      <a:lumOff val="25000"/>
-                    </a:schemeClr>
-                  </a:solidFill>
-                </a:rPr>
-                <a:t>” </a:t>
-              </a:r>
-            </a:p>
-          </p:txBody>
-        </p:sp>
-        <p:sp>
-          <p:nvSpPr>
-            <p:cNvPr id="56" name="TextBox 55">
-              <a:extLst>
-                <a:ext uri="{FF2B5EF4-FFF2-40B4-BE49-F238E27FC236}">
-                  <a16:creationId xmlns:a16="http://schemas.microsoft.com/office/drawing/2014/main" id="{C253E133-2F98-40C8-8550-29F774864B84}"/>
-                </a:ext>
-              </a:extLst>
-            </p:cNvPr>
-            <p:cNvSpPr txBox="1"/>
-            <p:nvPr/>
-          </p:nvSpPr>
-          <p:spPr>
-            <a:xfrm>
-              <a:off x="8251158" y="1539120"/>
-              <a:ext cx="2808654" cy="369332"/>
-            </a:xfrm>
-            <a:prstGeom prst="rect">
-              <a:avLst/>
-            </a:prstGeom>
-            <a:noFill/>
-          </p:spPr>
-          <p:txBody>
-            <a:bodyPr wrap="none" rtlCol="0">
-              <a:spAutoFit/>
-            </a:bodyPr>
-            <a:lstStyle/>
-            <a:p>
-              <a:r>
-                <a:rPr lang="el-GR" dirty="0">
-                  <a:solidFill>
-                    <a:schemeClr val="bg1">
-                      <a:lumMod val="75000"/>
-                      <a:lumOff val="25000"/>
-                    </a:schemeClr>
-                  </a:solidFill>
-                </a:rPr>
-                <a:t>γ</a:t>
-              </a:r>
-              <a:r>
-                <a:rPr lang="en-US" baseline="-25000" dirty="0">
-                  <a:solidFill>
-                    <a:schemeClr val="bg1">
-                      <a:lumMod val="75000"/>
-                      <a:lumOff val="25000"/>
-                    </a:schemeClr>
-                  </a:solidFill>
-                </a:rPr>
-                <a:t>0</a:t>
-              </a:r>
-              <a:r>
-                <a:rPr lang="en-US" dirty="0">
-                  <a:solidFill>
-                    <a:schemeClr val="bg1">
-                      <a:lumMod val="75000"/>
-                      <a:lumOff val="25000"/>
-                    </a:schemeClr>
-                  </a:solidFill>
-                </a:rPr>
-                <a:t> = {S</a:t>
-              </a:r>
-              <a:r>
-                <a:rPr lang="en-US" baseline="-25000" dirty="0">
-                  <a:solidFill>
-                    <a:schemeClr val="bg1">
-                      <a:lumMod val="75000"/>
-                      <a:lumOff val="25000"/>
-                    </a:schemeClr>
-                  </a:solidFill>
-                </a:rPr>
-                <a:t>0</a:t>
-              </a:r>
-              <a:r>
-                <a:rPr lang="en-US" dirty="0">
-                  <a:solidFill>
-                    <a:schemeClr val="bg1">
-                      <a:lumMod val="75000"/>
-                      <a:lumOff val="25000"/>
-                    </a:schemeClr>
-                  </a:solidFill>
-                </a:rPr>
-                <a:t>, S</a:t>
-              </a:r>
-              <a:r>
-                <a:rPr lang="en-US" baseline="-25000" dirty="0">
-                  <a:solidFill>
-                    <a:schemeClr val="bg1">
-                      <a:lumMod val="75000"/>
-                      <a:lumOff val="25000"/>
-                    </a:schemeClr>
-                  </a:solidFill>
-                </a:rPr>
-                <a:t>1</a:t>
-              </a:r>
-              <a:r>
-                <a:rPr lang="en-US" dirty="0">
-                  <a:solidFill>
-                    <a:schemeClr val="bg1">
-                      <a:lumMod val="75000"/>
-                      <a:lumOff val="25000"/>
-                    </a:schemeClr>
-                  </a:solidFill>
-                </a:rPr>
-                <a:t>, S</a:t>
-              </a:r>
-              <a:r>
-                <a:rPr lang="en-US" baseline="-25000" dirty="0">
-                  <a:solidFill>
-                    <a:schemeClr val="bg1">
-                      <a:lumMod val="75000"/>
-                      <a:lumOff val="25000"/>
-                    </a:schemeClr>
-                  </a:solidFill>
-                </a:rPr>
-                <a:t>2</a:t>
-              </a:r>
-              <a:r>
-                <a:rPr lang="en-US" dirty="0">
-                  <a:solidFill>
-                    <a:schemeClr val="bg1">
-                      <a:lumMod val="75000"/>
-                      <a:lumOff val="25000"/>
-                    </a:schemeClr>
-                  </a:solidFill>
-                </a:rPr>
-                <a:t>, S</a:t>
-              </a:r>
-              <a:r>
-                <a:rPr lang="en-US" baseline="-25000" dirty="0">
-                  <a:solidFill>
-                    <a:schemeClr val="bg1">
-                      <a:lumMod val="75000"/>
-                      <a:lumOff val="25000"/>
-                    </a:schemeClr>
-                  </a:solidFill>
-                </a:rPr>
-                <a:t>3</a:t>
-              </a:r>
-              <a:r>
-                <a:rPr lang="en-US" dirty="0">
-                  <a:solidFill>
-                    <a:schemeClr val="bg1">
-                      <a:lumMod val="75000"/>
-                      <a:lumOff val="25000"/>
-                    </a:schemeClr>
-                  </a:solidFill>
-                </a:rPr>
-                <a:t>, S</a:t>
-              </a:r>
-              <a:r>
-                <a:rPr lang="en-US" baseline="-25000" dirty="0">
-                  <a:solidFill>
-                    <a:schemeClr val="bg1">
-                      <a:lumMod val="75000"/>
-                      <a:lumOff val="25000"/>
-                    </a:schemeClr>
-                  </a:solidFill>
-                </a:rPr>
-                <a:t>0</a:t>
-              </a:r>
-              <a:r>
-                <a:rPr lang="en-US" dirty="0">
-                  <a:solidFill>
-                    <a:schemeClr val="bg1">
-                      <a:lumMod val="75000"/>
-                      <a:lumOff val="25000"/>
-                    </a:schemeClr>
-                  </a:solidFill>
-                </a:rPr>
-                <a:t>} = </a:t>
-              </a:r>
-              <a:r>
-                <a:rPr lang="en-US" dirty="0">
-                  <a:solidFill>
-                    <a:schemeClr val="accent3">
-                      <a:lumMod val="60000"/>
-                      <a:lumOff val="40000"/>
-                    </a:schemeClr>
-                  </a:solidFill>
-                </a:rPr>
-                <a:t>True</a:t>
-              </a:r>
-              <a:r>
-                <a:rPr lang="en-US" dirty="0">
-                  <a:solidFill>
-                    <a:schemeClr val="bg1">
-                      <a:lumMod val="75000"/>
-                      <a:lumOff val="25000"/>
-                    </a:schemeClr>
-                  </a:solidFill>
-                </a:rPr>
-                <a:t> </a:t>
-              </a:r>
-            </a:p>
-          </p:txBody>
-        </p:sp>
-      </p:grpSp>
-      <p:grpSp>
-        <p:nvGrpSpPr>
-          <p:cNvPr id="51" name="Group 50">
-            <a:extLst>
-              <a:ext uri="{FF2B5EF4-FFF2-40B4-BE49-F238E27FC236}">
-                <a16:creationId xmlns:a16="http://schemas.microsoft.com/office/drawing/2014/main" id="{BB863C9B-D5A2-44E7-9CCA-743ECB8E031B}"/>
-              </a:ext>
-            </a:extLst>
-          </p:cNvPr>
-          <p:cNvGrpSpPr/>
-          <p:nvPr/>
-        </p:nvGrpSpPr>
-        <p:grpSpPr>
-          <a:xfrm>
-            <a:off x="3205732" y="2232293"/>
-            <a:ext cx="4398496" cy="3625906"/>
-            <a:chOff x="3205732" y="2232293"/>
-            <a:chExt cx="4398496" cy="3625906"/>
-          </a:xfrm>
-        </p:grpSpPr>
-        <p:grpSp>
-          <p:nvGrpSpPr>
-            <p:cNvPr id="31" name="Group 30">
-              <a:extLst>
-                <a:ext uri="{FF2B5EF4-FFF2-40B4-BE49-F238E27FC236}">
-                  <a16:creationId xmlns:a16="http://schemas.microsoft.com/office/drawing/2014/main" id="{C7AB50E5-6A2C-4E51-9029-FA8D94D4D136}"/>
-                </a:ext>
-              </a:extLst>
-            </p:cNvPr>
-            <p:cNvGrpSpPr/>
-            <p:nvPr/>
-          </p:nvGrpSpPr>
-          <p:grpSpPr>
-            <a:xfrm>
-              <a:off x="3291726" y="2232293"/>
-              <a:ext cx="4312502" cy="3478894"/>
-              <a:chOff x="2509890" y="3000183"/>
-              <a:chExt cx="4312502" cy="3478894"/>
-            </a:xfrm>
-          </p:grpSpPr>
-          <p:grpSp>
-            <p:nvGrpSpPr>
-              <p:cNvPr id="6" name="Group 5">
-                <a:extLst>
-                  <a:ext uri="{FF2B5EF4-FFF2-40B4-BE49-F238E27FC236}">
-                    <a16:creationId xmlns:a16="http://schemas.microsoft.com/office/drawing/2014/main" id="{60F4C95D-3F4E-4CEF-BF78-3FAA7F437BCF}"/>
-                  </a:ext>
-                </a:extLst>
-              </p:cNvPr>
-              <p:cNvGrpSpPr/>
-              <p:nvPr/>
-            </p:nvGrpSpPr>
-            <p:grpSpPr>
-              <a:xfrm>
-                <a:off x="2954694" y="3819331"/>
-                <a:ext cx="3234612" cy="2659746"/>
-                <a:chOff x="1026367" y="2768082"/>
-                <a:chExt cx="3234612" cy="2659746"/>
-              </a:xfrm>
-            </p:grpSpPr>
-            <p:sp>
-              <p:nvSpPr>
-                <p:cNvPr id="3" name="Oval 2">
-                  <a:extLst>
-                    <a:ext uri="{FF2B5EF4-FFF2-40B4-BE49-F238E27FC236}">
-                      <a16:creationId xmlns:a16="http://schemas.microsoft.com/office/drawing/2014/main" id="{CF11FAAC-ADDB-4716-B616-131B6B75E045}"/>
-                    </a:ext>
-                  </a:extLst>
-                </p:cNvPr>
-                <p:cNvSpPr/>
-                <p:nvPr/>
-              </p:nvSpPr>
-              <p:spPr>
-                <a:xfrm>
-                  <a:off x="1026367" y="2768082"/>
-                  <a:ext cx="933061" cy="901959"/>
-                </a:xfrm>
-                <a:prstGeom prst="ellipse">
-                  <a:avLst/>
-                </a:prstGeom>
-                <a:solidFill>
-                  <a:schemeClr val="tx1">
-                    <a:lumMod val="85000"/>
-                  </a:schemeClr>
-                </a:solidFill>
-                <a:ln>
-                  <a:solidFill>
-                    <a:schemeClr val="bg2">
-                      <a:lumMod val="50000"/>
-                    </a:schemeClr>
-                  </a:solidFill>
-                </a:ln>
-              </p:spPr>
-              <p:style>
-                <a:lnRef idx="2">
-                  <a:schemeClr val="accent1">
-                    <a:shade val="50000"/>
-                  </a:schemeClr>
-                </a:lnRef>
-                <a:fillRef idx="1">
-                  <a:schemeClr val="accent1"/>
-                </a:fillRef>
-                <a:effectRef idx="0">
-                  <a:schemeClr val="accent1"/>
-                </a:effectRef>
-                <a:fontRef idx="minor">
-                  <a:schemeClr val="lt1"/>
-                </a:fontRef>
-              </p:style>
-              <p:txBody>
-                <a:bodyPr rtlCol="0" anchor="ctr"/>
-                <a:lstStyle/>
-                <a:p>
-                  <a:pPr algn="ctr"/>
-                  <a:r>
-                    <a:rPr lang="en-US" dirty="0"/>
-                    <a:t>S</a:t>
-                  </a:r>
-                  <a:r>
-                    <a:rPr lang="en-US" baseline="-25000" dirty="0"/>
-                    <a:t>0</a:t>
-                  </a:r>
-                </a:p>
-              </p:txBody>
-            </p:sp>
-            <p:sp>
-              <p:nvSpPr>
-                <p:cNvPr id="4" name="Oval 3">
-                  <a:extLst>
-                    <a:ext uri="{FF2B5EF4-FFF2-40B4-BE49-F238E27FC236}">
-                      <a16:creationId xmlns:a16="http://schemas.microsoft.com/office/drawing/2014/main" id="{093F3303-18E5-4DB5-9349-E32106A7D240}"/>
-                    </a:ext>
-                  </a:extLst>
-                </p:cNvPr>
-                <p:cNvSpPr/>
-                <p:nvPr/>
-              </p:nvSpPr>
-              <p:spPr>
-                <a:xfrm>
-                  <a:off x="3327918" y="2768082"/>
-                  <a:ext cx="933061" cy="901959"/>
-                </a:xfrm>
-                <a:prstGeom prst="ellipse">
-                  <a:avLst/>
-                </a:prstGeom>
-                <a:solidFill>
-                  <a:schemeClr val="tx1">
-                    <a:lumMod val="85000"/>
-                  </a:schemeClr>
-                </a:solidFill>
-                <a:ln>
-                  <a:solidFill>
-                    <a:schemeClr val="bg2">
-                      <a:lumMod val="50000"/>
-                    </a:schemeClr>
-                  </a:solidFill>
-                </a:ln>
-              </p:spPr>
-              <p:style>
-                <a:lnRef idx="2">
-                  <a:schemeClr val="accent1">
-                    <a:shade val="50000"/>
-                  </a:schemeClr>
-                </a:lnRef>
-                <a:fillRef idx="1">
-                  <a:schemeClr val="accent1"/>
-                </a:fillRef>
-                <a:effectRef idx="0">
-                  <a:schemeClr val="accent1"/>
-                </a:effectRef>
-                <a:fontRef idx="minor">
-                  <a:schemeClr val="lt1"/>
-                </a:fontRef>
-              </p:style>
-              <p:txBody>
-                <a:bodyPr rtlCol="0" anchor="ctr"/>
-                <a:lstStyle/>
-                <a:p>
-                  <a:pPr algn="ctr"/>
-                  <a:r>
-                    <a:rPr lang="en-US" dirty="0"/>
-                    <a:t>S</a:t>
-                  </a:r>
-                  <a:r>
-                    <a:rPr lang="en-US" baseline="-25000" dirty="0"/>
-                    <a:t>1</a:t>
-                  </a:r>
-                </a:p>
-              </p:txBody>
-            </p:sp>
-            <p:sp>
-              <p:nvSpPr>
-                <p:cNvPr id="5" name="Oval 4">
-                  <a:extLst>
-                    <a:ext uri="{FF2B5EF4-FFF2-40B4-BE49-F238E27FC236}">
-                      <a16:creationId xmlns:a16="http://schemas.microsoft.com/office/drawing/2014/main" id="{7EB040DD-6BE9-428C-9665-D2EDB6FD13C0}"/>
-                    </a:ext>
-                  </a:extLst>
-                </p:cNvPr>
-                <p:cNvSpPr/>
-                <p:nvPr/>
-              </p:nvSpPr>
-              <p:spPr>
-                <a:xfrm>
-                  <a:off x="3327917" y="4525869"/>
-                  <a:ext cx="933061" cy="901959"/>
-                </a:xfrm>
-                <a:prstGeom prst="ellipse">
-                  <a:avLst/>
-                </a:prstGeom>
-                <a:solidFill>
-                  <a:schemeClr val="tx1">
-                    <a:lumMod val="85000"/>
-                  </a:schemeClr>
-                </a:solidFill>
-                <a:ln>
-                  <a:solidFill>
-                    <a:schemeClr val="bg2">
-                      <a:lumMod val="50000"/>
-                    </a:schemeClr>
-                  </a:solidFill>
-                </a:ln>
-              </p:spPr>
-              <p:style>
-                <a:lnRef idx="2">
-                  <a:schemeClr val="accent1">
-                    <a:shade val="50000"/>
-                  </a:schemeClr>
-                </a:lnRef>
-                <a:fillRef idx="1">
-                  <a:schemeClr val="accent1"/>
-                </a:fillRef>
-                <a:effectRef idx="0">
-                  <a:schemeClr val="accent1"/>
-                </a:effectRef>
-                <a:fontRef idx="minor">
-                  <a:schemeClr val="lt1"/>
-                </a:fontRef>
-              </p:style>
-              <p:txBody>
-                <a:bodyPr rtlCol="0" anchor="ctr"/>
-                <a:lstStyle/>
-                <a:p>
-                  <a:pPr algn="ctr"/>
-                  <a:r>
-                    <a:rPr lang="en-US" dirty="0"/>
-                    <a:t>S</a:t>
-                  </a:r>
-                  <a:r>
-                    <a:rPr lang="en-US" baseline="-25000" dirty="0"/>
-                    <a:t>2</a:t>
-                  </a:r>
-                </a:p>
-              </p:txBody>
-            </p:sp>
-          </p:grpSp>
-          <p:cxnSp>
-            <p:nvCxnSpPr>
-              <p:cNvPr id="8" name="Connector: Curved 7">
-                <a:extLst>
-                  <a:ext uri="{FF2B5EF4-FFF2-40B4-BE49-F238E27FC236}">
-                    <a16:creationId xmlns:a16="http://schemas.microsoft.com/office/drawing/2014/main" id="{ABCD9547-2B86-40A2-8FEA-8A4765ED754A}"/>
-                  </a:ext>
-                </a:extLst>
-              </p:cNvPr>
-              <p:cNvCxnSpPr>
-                <a:stCxn id="3" idx="7"/>
-                <a:endCxn id="4" idx="1"/>
-              </p:cNvCxnSpPr>
-              <p:nvPr/>
-            </p:nvCxnSpPr>
-            <p:spPr>
-              <a:xfrm rot="5400000" flipH="1" flipV="1">
-                <a:off x="4572000" y="3130531"/>
-                <a:ext cx="12700" cy="1641778"/>
-              </a:xfrm>
-              <a:prstGeom prst="curvedConnector3">
-                <a:avLst>
-                  <a:gd name="adj1" fmla="val 2840071"/>
-                </a:avLst>
-              </a:prstGeom>
-              <a:ln w="19050">
-                <a:solidFill>
-                  <a:schemeClr val="bg2">
-                    <a:lumMod val="60000"/>
-                    <a:lumOff val="40000"/>
-                  </a:schemeClr>
-                </a:solidFill>
-                <a:tailEnd type="triangle"/>
-              </a:ln>
-            </p:spPr>
-            <p:style>
-              <a:lnRef idx="1">
-                <a:schemeClr val="accent1"/>
-              </a:lnRef>
-              <a:fillRef idx="0">
-                <a:schemeClr val="accent1"/>
-              </a:fillRef>
-              <a:effectRef idx="0">
-                <a:schemeClr val="accent1"/>
-              </a:effectRef>
-              <a:fontRef idx="minor">
-                <a:schemeClr val="tx1"/>
-              </a:fontRef>
-            </p:style>
-          </p:cxnSp>
-          <p:cxnSp>
-            <p:nvCxnSpPr>
-              <p:cNvPr id="12" name="Connector: Curved 11">
-                <a:extLst>
-                  <a:ext uri="{FF2B5EF4-FFF2-40B4-BE49-F238E27FC236}">
-                    <a16:creationId xmlns:a16="http://schemas.microsoft.com/office/drawing/2014/main" id="{112C7B29-CB09-439E-8881-57D9D8E72C32}"/>
-                  </a:ext>
-                </a:extLst>
-              </p:cNvPr>
-              <p:cNvCxnSpPr>
-                <a:cxnSpLocks/>
-                <a:stCxn id="4" idx="0"/>
-                <a:endCxn id="4" idx="7"/>
-              </p:cNvCxnSpPr>
-              <p:nvPr/>
-            </p:nvCxnSpPr>
-            <p:spPr>
-              <a:xfrm rot="16200000" flipH="1">
-                <a:off x="5821674" y="3720432"/>
-                <a:ext cx="132089" cy="329886"/>
-              </a:xfrm>
-              <a:prstGeom prst="curvedConnector3">
-                <a:avLst>
-                  <a:gd name="adj1" fmla="val -271960"/>
-                </a:avLst>
-              </a:prstGeom>
-              <a:ln w="19050">
-                <a:solidFill>
-                  <a:schemeClr val="bg2">
-                    <a:lumMod val="60000"/>
-                    <a:lumOff val="40000"/>
-                  </a:schemeClr>
-                </a:solidFill>
-                <a:tailEnd type="triangle"/>
-              </a:ln>
-            </p:spPr>
-            <p:style>
-              <a:lnRef idx="1">
-                <a:schemeClr val="accent1"/>
-              </a:lnRef>
-              <a:fillRef idx="0">
-                <a:schemeClr val="accent1"/>
-              </a:fillRef>
-              <a:effectRef idx="0">
-                <a:schemeClr val="accent1"/>
-              </a:effectRef>
-              <a:fontRef idx="minor">
-                <a:schemeClr val="tx1"/>
-              </a:fontRef>
-            </p:style>
-          </p:cxnSp>
-          <p:cxnSp>
-            <p:nvCxnSpPr>
-              <p:cNvPr id="14" name="Connector: Curved 13">
-                <a:extLst>
-                  <a:ext uri="{FF2B5EF4-FFF2-40B4-BE49-F238E27FC236}">
-                    <a16:creationId xmlns:a16="http://schemas.microsoft.com/office/drawing/2014/main" id="{C3AF8516-FBC7-43F7-B639-62F326A59907}"/>
-                  </a:ext>
-                </a:extLst>
-              </p:cNvPr>
-              <p:cNvCxnSpPr>
-                <a:cxnSpLocks/>
-                <a:stCxn id="5" idx="3"/>
-                <a:endCxn id="35" idx="5"/>
-              </p:cNvCxnSpPr>
-              <p:nvPr/>
-            </p:nvCxnSpPr>
-            <p:spPr>
-              <a:xfrm rot="5400000">
-                <a:off x="4570416" y="5527684"/>
-                <a:ext cx="3169" cy="1641777"/>
-              </a:xfrm>
-              <a:prstGeom prst="curvedConnector3">
-                <a:avLst>
-                  <a:gd name="adj1" fmla="val 11481792"/>
-                </a:avLst>
-              </a:prstGeom>
-              <a:ln w="19050">
-                <a:solidFill>
-                  <a:schemeClr val="bg2">
-                    <a:lumMod val="60000"/>
-                    <a:lumOff val="40000"/>
-                  </a:schemeClr>
-                </a:solidFill>
-                <a:tailEnd type="triangle"/>
-              </a:ln>
-            </p:spPr>
-            <p:style>
-              <a:lnRef idx="1">
-                <a:schemeClr val="accent1"/>
-              </a:lnRef>
-              <a:fillRef idx="0">
-                <a:schemeClr val="accent1"/>
-              </a:fillRef>
-              <a:effectRef idx="0">
-                <a:schemeClr val="accent1"/>
-              </a:effectRef>
-              <a:fontRef idx="minor">
-                <a:schemeClr val="tx1"/>
-              </a:fontRef>
-            </p:style>
-          </p:cxnSp>
-          <p:cxnSp>
-            <p:nvCxnSpPr>
-              <p:cNvPr id="16" name="Connector: Curved 15">
-                <a:extLst>
-                  <a:ext uri="{FF2B5EF4-FFF2-40B4-BE49-F238E27FC236}">
-                    <a16:creationId xmlns:a16="http://schemas.microsoft.com/office/drawing/2014/main" id="{B5347DFB-6435-4B6D-948C-9A96D3C10021}"/>
-                  </a:ext>
-                </a:extLst>
-              </p:cNvPr>
-              <p:cNvCxnSpPr>
-                <a:cxnSpLocks/>
-                <a:stCxn id="4" idx="2"/>
-                <a:endCxn id="5" idx="2"/>
-              </p:cNvCxnSpPr>
-              <p:nvPr/>
-            </p:nvCxnSpPr>
-            <p:spPr>
-              <a:xfrm rot="10800000" flipV="1">
-                <a:off x="5256245" y="4270310"/>
-                <a:ext cx="1" cy="1757787"/>
-              </a:xfrm>
-              <a:prstGeom prst="curvedConnector3">
-                <a:avLst>
-                  <a:gd name="adj1" fmla="val 22860100000"/>
-                </a:avLst>
-              </a:prstGeom>
-              <a:ln w="19050">
-                <a:solidFill>
-                  <a:schemeClr val="bg2">
-                    <a:lumMod val="60000"/>
-                    <a:lumOff val="40000"/>
-                  </a:schemeClr>
-                </a:solidFill>
-                <a:tailEnd type="triangle"/>
-              </a:ln>
-            </p:spPr>
-            <p:style>
-              <a:lnRef idx="1">
-                <a:schemeClr val="accent1"/>
-              </a:lnRef>
-              <a:fillRef idx="0">
-                <a:schemeClr val="accent1"/>
-              </a:fillRef>
-              <a:effectRef idx="0">
-                <a:schemeClr val="accent1"/>
-              </a:effectRef>
-              <a:fontRef idx="minor">
-                <a:schemeClr val="tx1"/>
-              </a:fontRef>
-            </p:style>
-          </p:cxnSp>
-          <p:cxnSp>
-            <p:nvCxnSpPr>
-              <p:cNvPr id="18" name="Connector: Curved 17">
-                <a:extLst>
-                  <a:ext uri="{FF2B5EF4-FFF2-40B4-BE49-F238E27FC236}">
-                    <a16:creationId xmlns:a16="http://schemas.microsoft.com/office/drawing/2014/main" id="{21BE83A7-C458-4D54-BA6F-47A707C34A73}"/>
-                  </a:ext>
-                </a:extLst>
-              </p:cNvPr>
-              <p:cNvCxnSpPr>
-                <a:stCxn id="3" idx="1"/>
-                <a:endCxn id="3" idx="0"/>
-              </p:cNvCxnSpPr>
-              <p:nvPr/>
-            </p:nvCxnSpPr>
-            <p:spPr>
-              <a:xfrm rot="5400000" flipH="1" flipV="1">
-                <a:off x="3190237" y="3720433"/>
-                <a:ext cx="132089" cy="329887"/>
-              </a:xfrm>
-              <a:prstGeom prst="curvedConnector3">
-                <a:avLst>
-                  <a:gd name="adj1" fmla="val 376669"/>
-                </a:avLst>
-              </a:prstGeom>
-              <a:ln w="19050">
-                <a:solidFill>
-                  <a:schemeClr val="bg2">
-                    <a:lumMod val="60000"/>
-                    <a:lumOff val="40000"/>
-                  </a:schemeClr>
-                </a:solidFill>
-                <a:tailEnd type="triangle"/>
-              </a:ln>
-            </p:spPr>
-            <p:style>
-              <a:lnRef idx="1">
-                <a:schemeClr val="accent1"/>
-              </a:lnRef>
-              <a:fillRef idx="0">
-                <a:schemeClr val="accent1"/>
-              </a:fillRef>
-              <a:effectRef idx="0">
-                <a:schemeClr val="accent1"/>
-              </a:effectRef>
-              <a:fontRef idx="minor">
-                <a:schemeClr val="tx1"/>
-              </a:fontRef>
-            </p:style>
-          </p:cxnSp>
-          <p:cxnSp>
-            <p:nvCxnSpPr>
-              <p:cNvPr id="21" name="Connector: Curved 20">
-                <a:extLst>
-                  <a:ext uri="{FF2B5EF4-FFF2-40B4-BE49-F238E27FC236}">
-                    <a16:creationId xmlns:a16="http://schemas.microsoft.com/office/drawing/2014/main" id="{8B5FC949-58FF-4940-A020-B9F2DBD0CB0B}"/>
-                  </a:ext>
-                </a:extLst>
-              </p:cNvPr>
-              <p:cNvCxnSpPr>
-                <a:cxnSpLocks/>
-                <a:stCxn id="5" idx="6"/>
-                <a:endCxn id="4" idx="6"/>
-              </p:cNvCxnSpPr>
-              <p:nvPr/>
-            </p:nvCxnSpPr>
-            <p:spPr>
-              <a:xfrm flipV="1">
-                <a:off x="6189305" y="4270311"/>
-                <a:ext cx="1" cy="1757787"/>
-              </a:xfrm>
-              <a:prstGeom prst="curvedConnector3">
-                <a:avLst>
-                  <a:gd name="adj1" fmla="val 22860100000"/>
-                </a:avLst>
-              </a:prstGeom>
-              <a:ln w="19050">
-                <a:solidFill>
-                  <a:schemeClr val="bg2">
-                    <a:lumMod val="60000"/>
-                    <a:lumOff val="40000"/>
-                  </a:schemeClr>
-                </a:solidFill>
-                <a:tailEnd type="triangle"/>
-              </a:ln>
-            </p:spPr>
-            <p:style>
-              <a:lnRef idx="1">
-                <a:schemeClr val="accent1"/>
-              </a:lnRef>
-              <a:fillRef idx="0">
-                <a:schemeClr val="accent1"/>
-              </a:fillRef>
-              <a:effectRef idx="0">
-                <a:schemeClr val="accent1"/>
-              </a:effectRef>
-              <a:fontRef idx="minor">
-                <a:schemeClr val="tx1"/>
-              </a:fontRef>
-            </p:style>
-          </p:cxnSp>
-          <p:sp>
-            <p:nvSpPr>
-              <p:cNvPr id="22" name="TextBox 21">
-                <a:extLst>
-                  <a:ext uri="{FF2B5EF4-FFF2-40B4-BE49-F238E27FC236}">
-                    <a16:creationId xmlns:a16="http://schemas.microsoft.com/office/drawing/2014/main" id="{289E0AC4-4F48-49B7-BD31-8A60100FD78E}"/>
-                  </a:ext>
-                </a:extLst>
-              </p:cNvPr>
-              <p:cNvSpPr txBox="1"/>
-              <p:nvPr/>
-            </p:nvSpPr>
-            <p:spPr>
-              <a:xfrm>
-                <a:off x="4421095" y="3184849"/>
-                <a:ext cx="314510" cy="369332"/>
-              </a:xfrm>
-              <a:prstGeom prst="rect">
-                <a:avLst/>
-              </a:prstGeom>
-              <a:noFill/>
-            </p:spPr>
-            <p:txBody>
-              <a:bodyPr wrap="none" rtlCol="0">
-                <a:spAutoFit/>
-              </a:bodyPr>
-              <a:lstStyle/>
-              <a:p>
-                <a:r>
-                  <a:rPr lang="el-GR" dirty="0">
-                    <a:solidFill>
-                      <a:schemeClr val="bg1">
-                        <a:lumMod val="75000"/>
-                        <a:lumOff val="25000"/>
-                      </a:schemeClr>
-                    </a:solidFill>
-                  </a:rPr>
-                  <a:t>α</a:t>
-                </a:r>
-                <a:endParaRPr lang="en-US" dirty="0">
-                  <a:solidFill>
-                    <a:schemeClr val="bg1">
-                      <a:lumMod val="75000"/>
-                      <a:lumOff val="25000"/>
-                    </a:schemeClr>
-                  </a:solidFill>
-                </a:endParaRPr>
-              </a:p>
-            </p:txBody>
-          </p:sp>
-          <p:sp>
-            <p:nvSpPr>
-              <p:cNvPr id="23" name="TextBox 22">
-                <a:extLst>
-                  <a:ext uri="{FF2B5EF4-FFF2-40B4-BE49-F238E27FC236}">
-                    <a16:creationId xmlns:a16="http://schemas.microsoft.com/office/drawing/2014/main" id="{EEFDD2D8-C1AE-491E-8781-FD909CC60DBB}"/>
-                  </a:ext>
-                </a:extLst>
-              </p:cNvPr>
-              <p:cNvSpPr txBox="1"/>
-              <p:nvPr/>
-            </p:nvSpPr>
-            <p:spPr>
-              <a:xfrm>
-                <a:off x="3455237" y="4975549"/>
-                <a:ext cx="314510" cy="369332"/>
-              </a:xfrm>
-              <a:prstGeom prst="rect">
-                <a:avLst/>
-              </a:prstGeom>
-              <a:noFill/>
-            </p:spPr>
-            <p:txBody>
-              <a:bodyPr wrap="none" rtlCol="0">
-                <a:spAutoFit/>
-              </a:bodyPr>
-              <a:lstStyle/>
-              <a:p>
-                <a:r>
-                  <a:rPr lang="el-GR" dirty="0">
-                    <a:solidFill>
-                      <a:schemeClr val="bg1">
-                        <a:lumMod val="75000"/>
-                        <a:lumOff val="25000"/>
-                      </a:schemeClr>
-                    </a:solidFill>
-                  </a:rPr>
-                  <a:t>α</a:t>
-                </a:r>
-                <a:endParaRPr lang="en-US" dirty="0">
-                  <a:solidFill>
-                    <a:schemeClr val="bg1">
-                      <a:lumMod val="75000"/>
-                      <a:lumOff val="25000"/>
-                    </a:schemeClr>
-                  </a:solidFill>
-                </a:endParaRPr>
-              </a:p>
-            </p:txBody>
-          </p:sp>
-          <p:sp>
-            <p:nvSpPr>
-              <p:cNvPr id="24" name="TextBox 23">
-                <a:extLst>
-                  <a:ext uri="{FF2B5EF4-FFF2-40B4-BE49-F238E27FC236}">
-                    <a16:creationId xmlns:a16="http://schemas.microsoft.com/office/drawing/2014/main" id="{5E50B6DE-36DE-4302-9C07-1E5EB613E34D}"/>
-                  </a:ext>
-                </a:extLst>
-              </p:cNvPr>
-              <p:cNvSpPr txBox="1"/>
-              <p:nvPr/>
-            </p:nvSpPr>
-            <p:spPr>
-              <a:xfrm>
-                <a:off x="6507882" y="4972473"/>
-                <a:ext cx="314510" cy="369332"/>
-              </a:xfrm>
-              <a:prstGeom prst="rect">
-                <a:avLst/>
-              </a:prstGeom>
-              <a:noFill/>
-            </p:spPr>
-            <p:txBody>
-              <a:bodyPr wrap="none" rtlCol="0">
-                <a:spAutoFit/>
-              </a:bodyPr>
-              <a:lstStyle/>
-              <a:p>
-                <a:r>
-                  <a:rPr lang="el-GR" dirty="0">
-                    <a:solidFill>
-                      <a:schemeClr val="bg1">
-                        <a:lumMod val="75000"/>
-                        <a:lumOff val="25000"/>
-                      </a:schemeClr>
-                    </a:solidFill>
-                  </a:rPr>
-                  <a:t>α</a:t>
-                </a:r>
-                <a:endParaRPr lang="en-US" dirty="0">
-                  <a:solidFill>
-                    <a:schemeClr val="bg1">
-                      <a:lumMod val="75000"/>
-                      <a:lumOff val="25000"/>
-                    </a:schemeClr>
-                  </a:solidFill>
-                </a:endParaRPr>
-              </a:p>
-            </p:txBody>
-          </p:sp>
-          <p:sp>
-            <p:nvSpPr>
-              <p:cNvPr id="26" name="TextBox 25">
-                <a:extLst>
-                  <a:ext uri="{FF2B5EF4-FFF2-40B4-BE49-F238E27FC236}">
-                    <a16:creationId xmlns:a16="http://schemas.microsoft.com/office/drawing/2014/main" id="{BB9BBC21-306E-4FC4-A6AD-6CAC7D1DD344}"/>
-                  </a:ext>
-                </a:extLst>
-              </p:cNvPr>
-              <p:cNvSpPr txBox="1"/>
-              <p:nvPr/>
-            </p:nvSpPr>
-            <p:spPr>
-              <a:xfrm>
-                <a:off x="4702807" y="4975549"/>
-                <a:ext cx="314510" cy="369332"/>
-              </a:xfrm>
-              <a:prstGeom prst="rect">
-                <a:avLst/>
-              </a:prstGeom>
-              <a:noFill/>
-            </p:spPr>
-            <p:txBody>
-              <a:bodyPr wrap="none" rtlCol="0">
-                <a:spAutoFit/>
-              </a:bodyPr>
-              <a:lstStyle/>
-              <a:p>
-                <a:r>
-                  <a:rPr lang="el-GR" dirty="0">
-                    <a:solidFill>
-                      <a:schemeClr val="bg1">
-                        <a:lumMod val="75000"/>
-                        <a:lumOff val="25000"/>
-                      </a:schemeClr>
-                    </a:solidFill>
-                  </a:rPr>
-                  <a:t>β</a:t>
-                </a:r>
-                <a:endParaRPr lang="en-US" dirty="0">
-                  <a:solidFill>
-                    <a:schemeClr val="bg1">
-                      <a:lumMod val="75000"/>
-                      <a:lumOff val="25000"/>
-                    </a:schemeClr>
-                  </a:solidFill>
-                </a:endParaRPr>
-              </a:p>
-            </p:txBody>
-          </p:sp>
-          <p:sp>
-            <p:nvSpPr>
-              <p:cNvPr id="27" name="TextBox 26">
-                <a:extLst>
-                  <a:ext uri="{FF2B5EF4-FFF2-40B4-BE49-F238E27FC236}">
-                    <a16:creationId xmlns:a16="http://schemas.microsoft.com/office/drawing/2014/main" id="{DBB12D37-3411-4228-817B-162657AD43E0}"/>
-                  </a:ext>
-                </a:extLst>
-              </p:cNvPr>
-              <p:cNvSpPr txBox="1"/>
-              <p:nvPr/>
-            </p:nvSpPr>
-            <p:spPr>
-              <a:xfrm>
-                <a:off x="3099026" y="3000183"/>
-                <a:ext cx="314510" cy="369332"/>
-              </a:xfrm>
-              <a:prstGeom prst="rect">
-                <a:avLst/>
-              </a:prstGeom>
-              <a:noFill/>
-            </p:spPr>
-            <p:txBody>
-              <a:bodyPr wrap="none" rtlCol="0">
-                <a:spAutoFit/>
-              </a:bodyPr>
-              <a:lstStyle/>
-              <a:p>
-                <a:r>
-                  <a:rPr lang="el-GR" dirty="0">
-                    <a:solidFill>
-                      <a:schemeClr val="bg1">
-                        <a:lumMod val="75000"/>
-                        <a:lumOff val="25000"/>
-                      </a:schemeClr>
-                    </a:solidFill>
-                  </a:rPr>
-                  <a:t>β</a:t>
-                </a:r>
-                <a:endParaRPr lang="en-US" dirty="0">
-                  <a:solidFill>
-                    <a:schemeClr val="bg1">
-                      <a:lumMod val="75000"/>
-                      <a:lumOff val="25000"/>
-                    </a:schemeClr>
-                  </a:solidFill>
-                </a:endParaRPr>
-              </a:p>
-            </p:txBody>
-          </p:sp>
-          <p:cxnSp>
-            <p:nvCxnSpPr>
-              <p:cNvPr id="29" name="Straight Arrow Connector 28">
-                <a:extLst>
-                  <a:ext uri="{FF2B5EF4-FFF2-40B4-BE49-F238E27FC236}">
-                    <a16:creationId xmlns:a16="http://schemas.microsoft.com/office/drawing/2014/main" id="{8B2F38D9-E578-4E41-8024-11E067A06E1C}"/>
-                  </a:ext>
-                </a:extLst>
-              </p:cNvPr>
-              <p:cNvCxnSpPr>
-                <a:endCxn id="3" idx="2"/>
-              </p:cNvCxnSpPr>
-              <p:nvPr/>
-            </p:nvCxnSpPr>
-            <p:spPr>
-              <a:xfrm flipV="1">
-                <a:off x="2513045" y="4270311"/>
-                <a:ext cx="441649" cy="6349"/>
-              </a:xfrm>
-              <a:prstGeom prst="straightConnector1">
-                <a:avLst/>
-              </a:prstGeom>
-              <a:ln w="57150">
-                <a:solidFill>
-                  <a:srgbClr val="FF0000"/>
-                </a:solidFill>
-                <a:tailEnd type="triangle"/>
-              </a:ln>
-            </p:spPr>
-            <p:style>
-              <a:lnRef idx="1">
-                <a:schemeClr val="accent1"/>
-              </a:lnRef>
-              <a:fillRef idx="0">
-                <a:schemeClr val="accent1"/>
-              </a:fillRef>
-              <a:effectRef idx="0">
-                <a:schemeClr val="accent1"/>
-              </a:effectRef>
-              <a:fontRef idx="minor">
-                <a:schemeClr val="tx1"/>
-              </a:fontRef>
-            </p:style>
-          </p:cxnSp>
-          <p:sp>
-            <p:nvSpPr>
-              <p:cNvPr id="30" name="TextBox 29">
-                <a:extLst>
-                  <a:ext uri="{FF2B5EF4-FFF2-40B4-BE49-F238E27FC236}">
-                    <a16:creationId xmlns:a16="http://schemas.microsoft.com/office/drawing/2014/main" id="{C2953A10-675E-485A-8F68-2E540C6F573E}"/>
-                  </a:ext>
-                </a:extLst>
-              </p:cNvPr>
-              <p:cNvSpPr txBox="1"/>
-              <p:nvPr/>
-            </p:nvSpPr>
-            <p:spPr>
-              <a:xfrm>
-                <a:off x="2509890" y="3856783"/>
-                <a:ext cx="296876" cy="369332"/>
-              </a:xfrm>
-              <a:prstGeom prst="rect">
-                <a:avLst/>
-              </a:prstGeom>
-              <a:noFill/>
-            </p:spPr>
-            <p:txBody>
-              <a:bodyPr wrap="none" rtlCol="0">
-                <a:spAutoFit/>
-              </a:bodyPr>
-              <a:lstStyle/>
-              <a:p>
-                <a:r>
-                  <a:rPr lang="el-GR" dirty="0">
-                    <a:solidFill>
-                      <a:schemeClr val="bg1">
-                        <a:lumMod val="75000"/>
-                        <a:lumOff val="25000"/>
-                      </a:schemeClr>
-                    </a:solidFill>
-                  </a:rPr>
-                  <a:t>γ</a:t>
-                </a:r>
-                <a:endParaRPr lang="en-US" dirty="0">
-                  <a:solidFill>
-                    <a:schemeClr val="bg1">
-                      <a:lumMod val="75000"/>
-                      <a:lumOff val="25000"/>
-                    </a:schemeClr>
-                  </a:solidFill>
-                </a:endParaRPr>
-              </a:p>
-            </p:txBody>
-          </p:sp>
-        </p:grpSp>
-        <p:sp>
-          <p:nvSpPr>
-            <p:cNvPr id="35" name="Oval 34">
-              <a:extLst>
-                <a:ext uri="{FF2B5EF4-FFF2-40B4-BE49-F238E27FC236}">
-                  <a16:creationId xmlns:a16="http://schemas.microsoft.com/office/drawing/2014/main" id="{2CC16787-6017-472E-95D3-5C463A489053}"/>
+                  <a16:creationId xmlns:a16="http://schemas.microsoft.com/office/drawing/2014/main" id="{CF11FAAC-ADDB-4716-B616-131B6B75E045}"/>
                 </a:ext>
               </a:extLst>
             </p:cNvPr>
@@ -8868,7 +7962,7 @@
           </p:nvSpPr>
           <p:spPr>
             <a:xfrm>
-              <a:off x="3736530" y="4812397"/>
+              <a:off x="1026367" y="2768082"/>
               <a:ext cx="933061" cy="901959"/>
             </a:xfrm>
             <a:prstGeom prst="ellipse">
@@ -8914,265 +8008,1108 @@
               </a:r>
               <a:r>
                 <a:rPr lang="en-US" baseline="-25000" dirty="0"/>
-                <a:t>3</a:t>
+                <a:t>0</a:t>
               </a:r>
             </a:p>
           </p:txBody>
         </p:sp>
-        <p:cxnSp>
-          <p:nvCxnSpPr>
-            <p:cNvPr id="38" name="Connector: Curved 37">
+        <p:sp>
+          <p:nvSpPr>
+            <p:cNvPr id="4" name="Oval 3">
               <a:extLst>
                 <a:ext uri="{FF2B5EF4-FFF2-40B4-BE49-F238E27FC236}">
-                  <a16:creationId xmlns:a16="http://schemas.microsoft.com/office/drawing/2014/main" id="{3D57251F-4C18-4A8B-9A2E-0AAEEE90B14D}"/>
+                  <a16:creationId xmlns:a16="http://schemas.microsoft.com/office/drawing/2014/main" id="{093F3303-18E5-4DB5-9349-E32106A7D240}"/>
                 </a:ext>
               </a:extLst>
             </p:cNvPr>
-            <p:cNvCxnSpPr>
-              <a:cxnSpLocks/>
-              <a:stCxn id="35" idx="0"/>
-              <a:endCxn id="3" idx="4"/>
-            </p:cNvCxnSpPr>
+            <p:cNvSpPr/>
             <p:nvPr/>
-          </p:nvCxnSpPr>
+          </p:nvSpPr>
           <p:spPr>
-            <a:xfrm rot="5400000" flipH="1" flipV="1">
-              <a:off x="3773563" y="4382899"/>
-              <a:ext cx="858997" cy="12700"/>
+            <a:xfrm>
+              <a:off x="3327918" y="2768082"/>
+              <a:ext cx="933061" cy="901959"/>
             </a:xfrm>
-            <a:prstGeom prst="curvedConnector3">
-              <a:avLst>
-                <a:gd name="adj1" fmla="val 50000"/>
-              </a:avLst>
+            <a:prstGeom prst="ellipse">
+              <a:avLst/>
             </a:prstGeom>
-            <a:ln w="19050">
+            <a:solidFill>
+              <a:schemeClr val="tx1">
+                <a:lumMod val="85000"/>
+              </a:schemeClr>
+            </a:solidFill>
+            <a:ln>
               <a:solidFill>
                 <a:schemeClr val="bg2">
-                  <a:lumMod val="60000"/>
-                  <a:lumOff val="40000"/>
+                  <a:lumMod val="50000"/>
                 </a:schemeClr>
               </a:solidFill>
-              <a:tailEnd type="triangle"/>
             </a:ln>
           </p:spPr>
           <p:style>
-            <a:lnRef idx="1">
-              <a:schemeClr val="accent1"/>
+            <a:lnRef idx="2">
+              <a:schemeClr val="accent1">
+                <a:shade val="50000"/>
+              </a:schemeClr>
             </a:lnRef>
-            <a:fillRef idx="0">
+            <a:fillRef idx="1">
               <a:schemeClr val="accent1"/>
             </a:fillRef>
             <a:effectRef idx="0">
               <a:schemeClr val="accent1"/>
             </a:effectRef>
             <a:fontRef idx="minor">
-              <a:schemeClr val="tx1"/>
+              <a:schemeClr val="lt1"/>
             </a:fontRef>
           </p:style>
-        </p:cxnSp>
-        <p:cxnSp>
-          <p:nvCxnSpPr>
-            <p:cNvPr id="48" name="Connector: Curved 47">
+          <p:txBody>
+            <a:bodyPr rtlCol="0" anchor="ctr"/>
+            <a:lstStyle/>
+            <a:p>
+              <a:pPr algn="ctr"/>
+              <a:r>
+                <a:rPr lang="en-US" dirty="0"/>
+                <a:t>S</a:t>
+              </a:r>
+              <a:r>
+                <a:rPr lang="en-US" baseline="-25000" dirty="0"/>
+                <a:t>1</a:t>
+              </a:r>
+            </a:p>
+          </p:txBody>
+        </p:sp>
+        <p:sp>
+          <p:nvSpPr>
+            <p:cNvPr id="5" name="Oval 4">
               <a:extLst>
                 <a:ext uri="{FF2B5EF4-FFF2-40B4-BE49-F238E27FC236}">
-                  <a16:creationId xmlns:a16="http://schemas.microsoft.com/office/drawing/2014/main" id="{CBA7DF4C-A53E-4295-A48F-27A71B58A4B6}"/>
+                  <a16:creationId xmlns:a16="http://schemas.microsoft.com/office/drawing/2014/main" id="{7EB040DD-6BE9-428C-9665-D2EDB6FD13C0}"/>
                 </a:ext>
               </a:extLst>
             </p:cNvPr>
-            <p:cNvCxnSpPr>
-              <a:cxnSpLocks/>
-              <a:stCxn id="35" idx="4"/>
-              <a:endCxn id="35" idx="2"/>
-            </p:cNvCxnSpPr>
+            <p:cNvSpPr/>
             <p:nvPr/>
-          </p:nvCxnSpPr>
+          </p:nvSpPr>
           <p:spPr>
-            <a:xfrm rot="5400000" flipH="1">
-              <a:off x="3744306" y="5255602"/>
-              <a:ext cx="450979" cy="466531"/>
+            <a:xfrm>
+              <a:off x="3327917" y="4525869"/>
+              <a:ext cx="933061" cy="901959"/>
             </a:xfrm>
-            <a:prstGeom prst="curvedConnector4">
-              <a:avLst>
-                <a:gd name="adj1" fmla="val -50690"/>
-                <a:gd name="adj2" fmla="val 149000"/>
-              </a:avLst>
+            <a:prstGeom prst="ellipse">
+              <a:avLst/>
             </a:prstGeom>
-            <a:ln w="19050">
+            <a:solidFill>
+              <a:schemeClr val="tx1">
+                <a:lumMod val="85000"/>
+              </a:schemeClr>
+            </a:solidFill>
+            <a:ln>
               <a:solidFill>
                 <a:schemeClr val="bg2">
-                  <a:lumMod val="60000"/>
-                  <a:lumOff val="40000"/>
+                  <a:lumMod val="50000"/>
                 </a:schemeClr>
               </a:solidFill>
-              <a:tailEnd type="triangle"/>
             </a:ln>
           </p:spPr>
           <p:style>
-            <a:lnRef idx="1">
-              <a:schemeClr val="accent1"/>
+            <a:lnRef idx="2">
+              <a:schemeClr val="accent1">
+                <a:shade val="50000"/>
+              </a:schemeClr>
             </a:lnRef>
-            <a:fillRef idx="0">
+            <a:fillRef idx="1">
               <a:schemeClr val="accent1"/>
             </a:fillRef>
             <a:effectRef idx="0">
               <a:schemeClr val="accent1"/>
             </a:effectRef>
             <a:fontRef idx="minor">
-              <a:schemeClr val="tx1"/>
+              <a:schemeClr val="lt1"/>
             </a:fontRef>
           </p:style>
-        </p:cxnSp>
-        <p:sp>
-          <p:nvSpPr>
-            <p:cNvPr id="52" name="TextBox 51">
-              <a:extLst>
-                <a:ext uri="{FF2B5EF4-FFF2-40B4-BE49-F238E27FC236}">
-                  <a16:creationId xmlns:a16="http://schemas.microsoft.com/office/drawing/2014/main" id="{C53100D9-EAF3-4448-A309-1593E22063A1}"/>
-                </a:ext>
-              </a:extLst>
-            </p:cNvPr>
-            <p:cNvSpPr txBox="1"/>
-            <p:nvPr/>
-          </p:nvSpPr>
-          <p:spPr>
-            <a:xfrm>
-              <a:off x="6504610" y="2232293"/>
-              <a:ext cx="314510" cy="369332"/>
-            </a:xfrm>
-            <a:prstGeom prst="rect">
-              <a:avLst/>
-            </a:prstGeom>
-            <a:noFill/>
-          </p:spPr>
           <p:txBody>
-            <a:bodyPr wrap="none" rtlCol="0">
-              <a:spAutoFit/>
-            </a:bodyPr>
+            <a:bodyPr rtlCol="0" anchor="ctr"/>
             <a:lstStyle/>
             <a:p>
+              <a:pPr algn="ctr"/>
               <a:r>
-                <a:rPr lang="el-GR" dirty="0">
-                  <a:solidFill>
-                    <a:schemeClr val="bg1">
-                      <a:lumMod val="75000"/>
-                      <a:lumOff val="25000"/>
-                    </a:schemeClr>
-                  </a:solidFill>
-                </a:rPr>
-                <a:t>α</a:t>
+                <a:rPr lang="en-US" dirty="0"/>
+                <a:t>S</a:t>
               </a:r>
-              <a:endParaRPr lang="en-US" dirty="0">
+              <a:r>
+                <a:rPr lang="en-US" baseline="-25000" dirty="0"/>
+                <a:t>2</a:t>
+              </a:r>
+            </a:p>
+          </p:txBody>
+        </p:sp>
+      </p:grpSp>
+      <p:cxnSp>
+        <p:nvCxnSpPr>
+          <p:cNvPr id="8" name="Connector: Curved 7">
+            <a:extLst>
+              <a:ext uri="{FF2B5EF4-FFF2-40B4-BE49-F238E27FC236}">
+                <a16:creationId xmlns:a16="http://schemas.microsoft.com/office/drawing/2014/main" id="{ABCD9547-2B86-40A2-8FEA-8A4765ED754A}"/>
+              </a:ext>
+            </a:extLst>
+          </p:cNvPr>
+          <p:cNvCxnSpPr>
+            <a:stCxn id="3" idx="7"/>
+            <a:endCxn id="4" idx="1"/>
+          </p:cNvCxnSpPr>
+          <p:nvPr/>
+        </p:nvCxnSpPr>
+        <p:spPr>
+          <a:xfrm rot="5400000" flipH="1" flipV="1">
+            <a:off x="5353836" y="2362641"/>
+            <a:ext cx="12700" cy="1641778"/>
+          </a:xfrm>
+          <a:prstGeom prst="curvedConnector3">
+            <a:avLst>
+              <a:gd name="adj1" fmla="val 2840071"/>
+            </a:avLst>
+          </a:prstGeom>
+          <a:ln w="19050">
+            <a:solidFill>
+              <a:schemeClr val="bg2">
+                <a:lumMod val="60000"/>
+                <a:lumOff val="40000"/>
+              </a:schemeClr>
+            </a:solidFill>
+            <a:tailEnd type="triangle"/>
+          </a:ln>
+        </p:spPr>
+        <p:style>
+          <a:lnRef idx="1">
+            <a:schemeClr val="accent1"/>
+          </a:lnRef>
+          <a:fillRef idx="0">
+            <a:schemeClr val="accent1"/>
+          </a:fillRef>
+          <a:effectRef idx="0">
+            <a:schemeClr val="accent1"/>
+          </a:effectRef>
+          <a:fontRef idx="minor">
+            <a:schemeClr val="tx1"/>
+          </a:fontRef>
+        </p:style>
+      </p:cxnSp>
+      <p:cxnSp>
+        <p:nvCxnSpPr>
+          <p:cNvPr id="12" name="Connector: Curved 11">
+            <a:extLst>
+              <a:ext uri="{FF2B5EF4-FFF2-40B4-BE49-F238E27FC236}">
+                <a16:creationId xmlns:a16="http://schemas.microsoft.com/office/drawing/2014/main" id="{112C7B29-CB09-439E-8881-57D9D8E72C32}"/>
+              </a:ext>
+            </a:extLst>
+          </p:cNvPr>
+          <p:cNvCxnSpPr>
+            <a:cxnSpLocks/>
+            <a:stCxn id="4" idx="0"/>
+            <a:endCxn id="4" idx="7"/>
+          </p:cNvCxnSpPr>
+          <p:nvPr/>
+        </p:nvCxnSpPr>
+        <p:spPr>
+          <a:xfrm rot="16200000" flipH="1">
+            <a:off x="6603510" y="2952542"/>
+            <a:ext cx="132089" cy="329886"/>
+          </a:xfrm>
+          <a:prstGeom prst="curvedConnector3">
+            <a:avLst>
+              <a:gd name="adj1" fmla="val -271960"/>
+            </a:avLst>
+          </a:prstGeom>
+          <a:ln w="19050">
+            <a:solidFill>
+              <a:schemeClr val="bg2">
+                <a:lumMod val="60000"/>
+                <a:lumOff val="40000"/>
+              </a:schemeClr>
+            </a:solidFill>
+            <a:tailEnd type="triangle"/>
+          </a:ln>
+        </p:spPr>
+        <p:style>
+          <a:lnRef idx="1">
+            <a:schemeClr val="accent1"/>
+          </a:lnRef>
+          <a:fillRef idx="0">
+            <a:schemeClr val="accent1"/>
+          </a:fillRef>
+          <a:effectRef idx="0">
+            <a:schemeClr val="accent1"/>
+          </a:effectRef>
+          <a:fontRef idx="minor">
+            <a:schemeClr val="tx1"/>
+          </a:fontRef>
+        </p:style>
+      </p:cxnSp>
+      <p:cxnSp>
+        <p:nvCxnSpPr>
+          <p:cNvPr id="14" name="Connector: Curved 13">
+            <a:extLst>
+              <a:ext uri="{FF2B5EF4-FFF2-40B4-BE49-F238E27FC236}">
+                <a16:creationId xmlns:a16="http://schemas.microsoft.com/office/drawing/2014/main" id="{C3AF8516-FBC7-43F7-B639-62F326A59907}"/>
+              </a:ext>
+            </a:extLst>
+          </p:cNvPr>
+          <p:cNvCxnSpPr>
+            <a:cxnSpLocks/>
+            <a:stCxn id="5" idx="3"/>
+            <a:endCxn id="35" idx="5"/>
+          </p:cNvCxnSpPr>
+          <p:nvPr/>
+        </p:nvCxnSpPr>
+        <p:spPr>
+          <a:xfrm rot="5400000">
+            <a:off x="5352252" y="4759794"/>
+            <a:ext cx="3169" cy="1641777"/>
+          </a:xfrm>
+          <a:prstGeom prst="curvedConnector3">
+            <a:avLst>
+              <a:gd name="adj1" fmla="val 11481792"/>
+            </a:avLst>
+          </a:prstGeom>
+          <a:ln w="19050">
+            <a:solidFill>
+              <a:schemeClr val="bg2">
+                <a:lumMod val="60000"/>
+                <a:lumOff val="40000"/>
+              </a:schemeClr>
+            </a:solidFill>
+            <a:tailEnd type="triangle"/>
+          </a:ln>
+        </p:spPr>
+        <p:style>
+          <a:lnRef idx="1">
+            <a:schemeClr val="accent1"/>
+          </a:lnRef>
+          <a:fillRef idx="0">
+            <a:schemeClr val="accent1"/>
+          </a:fillRef>
+          <a:effectRef idx="0">
+            <a:schemeClr val="accent1"/>
+          </a:effectRef>
+          <a:fontRef idx="minor">
+            <a:schemeClr val="tx1"/>
+          </a:fontRef>
+        </p:style>
+      </p:cxnSp>
+      <p:cxnSp>
+        <p:nvCxnSpPr>
+          <p:cNvPr id="16" name="Connector: Curved 15">
+            <a:extLst>
+              <a:ext uri="{FF2B5EF4-FFF2-40B4-BE49-F238E27FC236}">
+                <a16:creationId xmlns:a16="http://schemas.microsoft.com/office/drawing/2014/main" id="{B5347DFB-6435-4B6D-948C-9A96D3C10021}"/>
+              </a:ext>
+            </a:extLst>
+          </p:cNvPr>
+          <p:cNvCxnSpPr>
+            <a:cxnSpLocks/>
+            <a:stCxn id="4" idx="2"/>
+            <a:endCxn id="5" idx="2"/>
+          </p:cNvCxnSpPr>
+          <p:nvPr/>
+        </p:nvCxnSpPr>
+        <p:spPr>
+          <a:xfrm rot="10800000" flipV="1">
+            <a:off x="6038081" y="3502420"/>
+            <a:ext cx="1" cy="1757787"/>
+          </a:xfrm>
+          <a:prstGeom prst="curvedConnector3">
+            <a:avLst>
+              <a:gd name="adj1" fmla="val 22860100000"/>
+            </a:avLst>
+          </a:prstGeom>
+          <a:ln w="19050">
+            <a:solidFill>
+              <a:schemeClr val="bg2">
+                <a:lumMod val="60000"/>
+                <a:lumOff val="40000"/>
+              </a:schemeClr>
+            </a:solidFill>
+            <a:tailEnd type="triangle"/>
+          </a:ln>
+        </p:spPr>
+        <p:style>
+          <a:lnRef idx="1">
+            <a:schemeClr val="accent1"/>
+          </a:lnRef>
+          <a:fillRef idx="0">
+            <a:schemeClr val="accent1"/>
+          </a:fillRef>
+          <a:effectRef idx="0">
+            <a:schemeClr val="accent1"/>
+          </a:effectRef>
+          <a:fontRef idx="minor">
+            <a:schemeClr val="tx1"/>
+          </a:fontRef>
+        </p:style>
+      </p:cxnSp>
+      <p:cxnSp>
+        <p:nvCxnSpPr>
+          <p:cNvPr id="18" name="Connector: Curved 17">
+            <a:extLst>
+              <a:ext uri="{FF2B5EF4-FFF2-40B4-BE49-F238E27FC236}">
+                <a16:creationId xmlns:a16="http://schemas.microsoft.com/office/drawing/2014/main" id="{21BE83A7-C458-4D54-BA6F-47A707C34A73}"/>
+              </a:ext>
+            </a:extLst>
+          </p:cNvPr>
+          <p:cNvCxnSpPr>
+            <a:stCxn id="3" idx="1"/>
+            <a:endCxn id="3" idx="0"/>
+          </p:cNvCxnSpPr>
+          <p:nvPr/>
+        </p:nvCxnSpPr>
+        <p:spPr>
+          <a:xfrm rot="5400000" flipH="1" flipV="1">
+            <a:off x="3972073" y="2952543"/>
+            <a:ext cx="132089" cy="329887"/>
+          </a:xfrm>
+          <a:prstGeom prst="curvedConnector3">
+            <a:avLst>
+              <a:gd name="adj1" fmla="val 376669"/>
+            </a:avLst>
+          </a:prstGeom>
+          <a:ln w="19050">
+            <a:solidFill>
+              <a:schemeClr val="bg2">
+                <a:lumMod val="60000"/>
+                <a:lumOff val="40000"/>
+              </a:schemeClr>
+            </a:solidFill>
+            <a:tailEnd type="triangle"/>
+          </a:ln>
+        </p:spPr>
+        <p:style>
+          <a:lnRef idx="1">
+            <a:schemeClr val="accent1"/>
+          </a:lnRef>
+          <a:fillRef idx="0">
+            <a:schemeClr val="accent1"/>
+          </a:fillRef>
+          <a:effectRef idx="0">
+            <a:schemeClr val="accent1"/>
+          </a:effectRef>
+          <a:fontRef idx="minor">
+            <a:schemeClr val="tx1"/>
+          </a:fontRef>
+        </p:style>
+      </p:cxnSp>
+      <p:cxnSp>
+        <p:nvCxnSpPr>
+          <p:cNvPr id="21" name="Connector: Curved 20">
+            <a:extLst>
+              <a:ext uri="{FF2B5EF4-FFF2-40B4-BE49-F238E27FC236}">
+                <a16:creationId xmlns:a16="http://schemas.microsoft.com/office/drawing/2014/main" id="{8B5FC949-58FF-4940-A020-B9F2DBD0CB0B}"/>
+              </a:ext>
+            </a:extLst>
+          </p:cNvPr>
+          <p:cNvCxnSpPr>
+            <a:cxnSpLocks/>
+            <a:stCxn id="5" idx="6"/>
+            <a:endCxn id="4" idx="6"/>
+          </p:cNvCxnSpPr>
+          <p:nvPr/>
+        </p:nvCxnSpPr>
+        <p:spPr>
+          <a:xfrm flipV="1">
+            <a:off x="6971141" y="3502421"/>
+            <a:ext cx="1" cy="1757787"/>
+          </a:xfrm>
+          <a:prstGeom prst="curvedConnector3">
+            <a:avLst>
+              <a:gd name="adj1" fmla="val 22860100000"/>
+            </a:avLst>
+          </a:prstGeom>
+          <a:ln w="19050">
+            <a:solidFill>
+              <a:schemeClr val="bg2">
+                <a:lumMod val="60000"/>
+                <a:lumOff val="40000"/>
+              </a:schemeClr>
+            </a:solidFill>
+            <a:tailEnd type="triangle"/>
+          </a:ln>
+        </p:spPr>
+        <p:style>
+          <a:lnRef idx="1">
+            <a:schemeClr val="accent1"/>
+          </a:lnRef>
+          <a:fillRef idx="0">
+            <a:schemeClr val="accent1"/>
+          </a:fillRef>
+          <a:effectRef idx="0">
+            <a:schemeClr val="accent1"/>
+          </a:effectRef>
+          <a:fontRef idx="minor">
+            <a:schemeClr val="tx1"/>
+          </a:fontRef>
+        </p:style>
+      </p:cxnSp>
+      <p:sp>
+        <p:nvSpPr>
+          <p:cNvPr id="22" name="TextBox 21">
+            <a:extLst>
+              <a:ext uri="{FF2B5EF4-FFF2-40B4-BE49-F238E27FC236}">
+                <a16:creationId xmlns:a16="http://schemas.microsoft.com/office/drawing/2014/main" id="{289E0AC4-4F48-49B7-BD31-8A60100FD78E}"/>
+              </a:ext>
+            </a:extLst>
+          </p:cNvPr>
+          <p:cNvSpPr txBox="1"/>
+          <p:nvPr/>
+        </p:nvSpPr>
+        <p:spPr>
+          <a:xfrm>
+            <a:off x="5202931" y="2416959"/>
+            <a:ext cx="314510" cy="369332"/>
+          </a:xfrm>
+          <a:prstGeom prst="rect">
+            <a:avLst/>
+          </a:prstGeom>
+          <a:noFill/>
+        </p:spPr>
+        <p:txBody>
+          <a:bodyPr wrap="none" rtlCol="0">
+            <a:spAutoFit/>
+          </a:bodyPr>
+          <a:lstStyle/>
+          <a:p>
+            <a:r>
+              <a:rPr lang="el-GR" dirty="0">
                 <a:solidFill>
                   <a:schemeClr val="bg1">
                     <a:lumMod val="75000"/>
                     <a:lumOff val="25000"/>
                   </a:schemeClr>
                 </a:solidFill>
-              </a:endParaRPr>
-            </a:p>
-          </p:txBody>
-        </p:sp>
-        <p:sp>
-          <p:nvSpPr>
-            <p:cNvPr id="53" name="TextBox 52">
-              <a:extLst>
-                <a:ext uri="{FF2B5EF4-FFF2-40B4-BE49-F238E27FC236}">
-                  <a16:creationId xmlns:a16="http://schemas.microsoft.com/office/drawing/2014/main" id="{AA9D1138-B8A4-4BD9-9C63-E68DD3B183D8}"/>
-                </a:ext>
-              </a:extLst>
-            </p:cNvPr>
-            <p:cNvSpPr txBox="1"/>
-            <p:nvPr/>
-          </p:nvSpPr>
-          <p:spPr>
-            <a:xfrm>
-              <a:off x="5202931" y="5488867"/>
-              <a:ext cx="314510" cy="369332"/>
-            </a:xfrm>
-            <a:prstGeom prst="rect">
-              <a:avLst/>
-            </a:prstGeom>
-            <a:noFill/>
-          </p:spPr>
-          <p:txBody>
-            <a:bodyPr wrap="none" rtlCol="0">
-              <a:spAutoFit/>
-            </a:bodyPr>
-            <a:lstStyle/>
-            <a:p>
-              <a:r>
-                <a:rPr lang="el-GR" dirty="0">
-                  <a:solidFill>
-                    <a:schemeClr val="bg1">
-                      <a:lumMod val="75000"/>
-                      <a:lumOff val="25000"/>
-                    </a:schemeClr>
-                  </a:solidFill>
-                </a:rPr>
-                <a:t>β</a:t>
-              </a:r>
-              <a:endParaRPr lang="en-US" dirty="0">
+              </a:rPr>
+              <a:t>α</a:t>
+            </a:r>
+            <a:endParaRPr lang="en-US" dirty="0">
+              <a:solidFill>
+                <a:schemeClr val="bg1">
+                  <a:lumMod val="75000"/>
+                  <a:lumOff val="25000"/>
+                </a:schemeClr>
+              </a:solidFill>
+            </a:endParaRPr>
+          </a:p>
+        </p:txBody>
+      </p:sp>
+      <p:sp>
+        <p:nvSpPr>
+          <p:cNvPr id="23" name="TextBox 22">
+            <a:extLst>
+              <a:ext uri="{FF2B5EF4-FFF2-40B4-BE49-F238E27FC236}">
+                <a16:creationId xmlns:a16="http://schemas.microsoft.com/office/drawing/2014/main" id="{EEFDD2D8-C1AE-491E-8781-FD909CC60DBB}"/>
+              </a:ext>
+            </a:extLst>
+          </p:cNvPr>
+          <p:cNvSpPr txBox="1"/>
+          <p:nvPr/>
+        </p:nvSpPr>
+        <p:spPr>
+          <a:xfrm>
+            <a:off x="4237073" y="4207659"/>
+            <a:ext cx="314510" cy="369332"/>
+          </a:xfrm>
+          <a:prstGeom prst="rect">
+            <a:avLst/>
+          </a:prstGeom>
+          <a:noFill/>
+        </p:spPr>
+        <p:txBody>
+          <a:bodyPr wrap="none" rtlCol="0">
+            <a:spAutoFit/>
+          </a:bodyPr>
+          <a:lstStyle/>
+          <a:p>
+            <a:r>
+              <a:rPr lang="el-GR" dirty="0">
                 <a:solidFill>
                   <a:schemeClr val="bg1">
                     <a:lumMod val="75000"/>
                     <a:lumOff val="25000"/>
                   </a:schemeClr>
                 </a:solidFill>
-              </a:endParaRPr>
-            </a:p>
-          </p:txBody>
-        </p:sp>
-        <p:sp>
-          <p:nvSpPr>
-            <p:cNvPr id="54" name="TextBox 53">
-              <a:extLst>
-                <a:ext uri="{FF2B5EF4-FFF2-40B4-BE49-F238E27FC236}">
-                  <a16:creationId xmlns:a16="http://schemas.microsoft.com/office/drawing/2014/main" id="{D74FBDFF-F11F-4257-90CF-0BABAC179FC9}"/>
-                </a:ext>
-              </a:extLst>
-            </p:cNvPr>
-            <p:cNvSpPr txBox="1"/>
-            <p:nvPr/>
-          </p:nvSpPr>
-          <p:spPr>
-            <a:xfrm>
-              <a:off x="3205732" y="5488867"/>
-              <a:ext cx="314510" cy="369332"/>
-            </a:xfrm>
-            <a:prstGeom prst="rect">
-              <a:avLst/>
-            </a:prstGeom>
-            <a:noFill/>
-          </p:spPr>
-          <p:txBody>
-            <a:bodyPr wrap="none" rtlCol="0">
-              <a:spAutoFit/>
-            </a:bodyPr>
-            <a:lstStyle/>
-            <a:p>
-              <a:r>
-                <a:rPr lang="el-GR" dirty="0">
-                  <a:solidFill>
-                    <a:schemeClr val="bg1">
-                      <a:lumMod val="75000"/>
-                      <a:lumOff val="25000"/>
-                    </a:schemeClr>
-                  </a:solidFill>
-                </a:rPr>
-                <a:t>β</a:t>
-              </a:r>
-              <a:endParaRPr lang="en-US" dirty="0">
+              </a:rPr>
+              <a:t>α</a:t>
+            </a:r>
+            <a:endParaRPr lang="en-US" dirty="0">
+              <a:solidFill>
+                <a:schemeClr val="bg1">
+                  <a:lumMod val="75000"/>
+                  <a:lumOff val="25000"/>
+                </a:schemeClr>
+              </a:solidFill>
+            </a:endParaRPr>
+          </a:p>
+        </p:txBody>
+      </p:sp>
+      <p:sp>
+        <p:nvSpPr>
+          <p:cNvPr id="24" name="TextBox 23">
+            <a:extLst>
+              <a:ext uri="{FF2B5EF4-FFF2-40B4-BE49-F238E27FC236}">
+                <a16:creationId xmlns:a16="http://schemas.microsoft.com/office/drawing/2014/main" id="{5E50B6DE-36DE-4302-9C07-1E5EB613E34D}"/>
+              </a:ext>
+            </a:extLst>
+          </p:cNvPr>
+          <p:cNvSpPr txBox="1"/>
+          <p:nvPr/>
+        </p:nvSpPr>
+        <p:spPr>
+          <a:xfrm>
+            <a:off x="7289718" y="4204583"/>
+            <a:ext cx="314510" cy="369332"/>
+          </a:xfrm>
+          <a:prstGeom prst="rect">
+            <a:avLst/>
+          </a:prstGeom>
+          <a:noFill/>
+        </p:spPr>
+        <p:txBody>
+          <a:bodyPr wrap="none" rtlCol="0">
+            <a:spAutoFit/>
+          </a:bodyPr>
+          <a:lstStyle/>
+          <a:p>
+            <a:r>
+              <a:rPr lang="el-GR" dirty="0">
                 <a:solidFill>
                   <a:schemeClr val="bg1">
                     <a:lumMod val="75000"/>
                     <a:lumOff val="25000"/>
                   </a:schemeClr>
                 </a:solidFill>
-              </a:endParaRPr>
-            </a:p>
-          </p:txBody>
-        </p:sp>
-      </p:grpSp>
+              </a:rPr>
+              <a:t>α</a:t>
+            </a:r>
+            <a:endParaRPr lang="en-US" dirty="0">
+              <a:solidFill>
+                <a:schemeClr val="bg1">
+                  <a:lumMod val="75000"/>
+                  <a:lumOff val="25000"/>
+                </a:schemeClr>
+              </a:solidFill>
+            </a:endParaRPr>
+          </a:p>
+        </p:txBody>
+      </p:sp>
+      <p:sp>
+        <p:nvSpPr>
+          <p:cNvPr id="26" name="TextBox 25">
+            <a:extLst>
+              <a:ext uri="{FF2B5EF4-FFF2-40B4-BE49-F238E27FC236}">
+                <a16:creationId xmlns:a16="http://schemas.microsoft.com/office/drawing/2014/main" id="{BB9BBC21-306E-4FC4-A6AD-6CAC7D1DD344}"/>
+              </a:ext>
+            </a:extLst>
+          </p:cNvPr>
+          <p:cNvSpPr txBox="1"/>
+          <p:nvPr/>
+        </p:nvSpPr>
+        <p:spPr>
+          <a:xfrm>
+            <a:off x="5484643" y="4207659"/>
+            <a:ext cx="314510" cy="369332"/>
+          </a:xfrm>
+          <a:prstGeom prst="rect">
+            <a:avLst/>
+          </a:prstGeom>
+          <a:noFill/>
+        </p:spPr>
+        <p:txBody>
+          <a:bodyPr wrap="none" rtlCol="0">
+            <a:spAutoFit/>
+          </a:bodyPr>
+          <a:lstStyle/>
+          <a:p>
+            <a:r>
+              <a:rPr lang="el-GR" dirty="0">
+                <a:solidFill>
+                  <a:schemeClr val="bg1">
+                    <a:lumMod val="75000"/>
+                    <a:lumOff val="25000"/>
+                  </a:schemeClr>
+                </a:solidFill>
+              </a:rPr>
+              <a:t>β</a:t>
+            </a:r>
+            <a:endParaRPr lang="en-US" dirty="0">
+              <a:solidFill>
+                <a:schemeClr val="bg1">
+                  <a:lumMod val="75000"/>
+                  <a:lumOff val="25000"/>
+                </a:schemeClr>
+              </a:solidFill>
+            </a:endParaRPr>
+          </a:p>
+        </p:txBody>
+      </p:sp>
+      <p:sp>
+        <p:nvSpPr>
+          <p:cNvPr id="27" name="TextBox 26">
+            <a:extLst>
+              <a:ext uri="{FF2B5EF4-FFF2-40B4-BE49-F238E27FC236}">
+                <a16:creationId xmlns:a16="http://schemas.microsoft.com/office/drawing/2014/main" id="{DBB12D37-3411-4228-817B-162657AD43E0}"/>
+              </a:ext>
+            </a:extLst>
+          </p:cNvPr>
+          <p:cNvSpPr txBox="1"/>
+          <p:nvPr/>
+        </p:nvSpPr>
+        <p:spPr>
+          <a:xfrm>
+            <a:off x="3880862" y="2232293"/>
+            <a:ext cx="314510" cy="369332"/>
+          </a:xfrm>
+          <a:prstGeom prst="rect">
+            <a:avLst/>
+          </a:prstGeom>
+          <a:noFill/>
+        </p:spPr>
+        <p:txBody>
+          <a:bodyPr wrap="none" rtlCol="0">
+            <a:spAutoFit/>
+          </a:bodyPr>
+          <a:lstStyle/>
+          <a:p>
+            <a:r>
+              <a:rPr lang="el-GR" dirty="0">
+                <a:solidFill>
+                  <a:schemeClr val="bg1">
+                    <a:lumMod val="75000"/>
+                    <a:lumOff val="25000"/>
+                  </a:schemeClr>
+                </a:solidFill>
+              </a:rPr>
+              <a:t>β</a:t>
+            </a:r>
+            <a:endParaRPr lang="en-US" dirty="0">
+              <a:solidFill>
+                <a:schemeClr val="bg1">
+                  <a:lumMod val="75000"/>
+                  <a:lumOff val="25000"/>
+                </a:schemeClr>
+              </a:solidFill>
+            </a:endParaRPr>
+          </a:p>
+        </p:txBody>
+      </p:sp>
+      <p:cxnSp>
+        <p:nvCxnSpPr>
+          <p:cNvPr id="29" name="Straight Arrow Connector 28">
+            <a:extLst>
+              <a:ext uri="{FF2B5EF4-FFF2-40B4-BE49-F238E27FC236}">
+                <a16:creationId xmlns:a16="http://schemas.microsoft.com/office/drawing/2014/main" id="{8B2F38D9-E578-4E41-8024-11E067A06E1C}"/>
+              </a:ext>
+            </a:extLst>
+          </p:cNvPr>
+          <p:cNvCxnSpPr>
+            <a:endCxn id="3" idx="2"/>
+          </p:cNvCxnSpPr>
+          <p:nvPr/>
+        </p:nvCxnSpPr>
+        <p:spPr>
+          <a:xfrm flipV="1">
+            <a:off x="3294881" y="3502421"/>
+            <a:ext cx="441649" cy="6349"/>
+          </a:xfrm>
+          <a:prstGeom prst="straightConnector1">
+            <a:avLst/>
+          </a:prstGeom>
+          <a:ln w="57150">
+            <a:solidFill>
+              <a:srgbClr val="FF0000"/>
+            </a:solidFill>
+            <a:tailEnd type="triangle"/>
+          </a:ln>
+        </p:spPr>
+        <p:style>
+          <a:lnRef idx="1">
+            <a:schemeClr val="accent1"/>
+          </a:lnRef>
+          <a:fillRef idx="0">
+            <a:schemeClr val="accent1"/>
+          </a:fillRef>
+          <a:effectRef idx="0">
+            <a:schemeClr val="accent1"/>
+          </a:effectRef>
+          <a:fontRef idx="minor">
+            <a:schemeClr val="tx1"/>
+          </a:fontRef>
+        </p:style>
+      </p:cxnSp>
+      <p:sp>
+        <p:nvSpPr>
+          <p:cNvPr id="30" name="TextBox 29">
+            <a:extLst>
+              <a:ext uri="{FF2B5EF4-FFF2-40B4-BE49-F238E27FC236}">
+                <a16:creationId xmlns:a16="http://schemas.microsoft.com/office/drawing/2014/main" id="{C2953A10-675E-485A-8F68-2E540C6F573E}"/>
+              </a:ext>
+            </a:extLst>
+          </p:cNvPr>
+          <p:cNvSpPr txBox="1"/>
+          <p:nvPr/>
+        </p:nvSpPr>
+        <p:spPr>
+          <a:xfrm>
+            <a:off x="3291726" y="3088893"/>
+            <a:ext cx="296876" cy="369332"/>
+          </a:xfrm>
+          <a:prstGeom prst="rect">
+            <a:avLst/>
+          </a:prstGeom>
+          <a:noFill/>
+        </p:spPr>
+        <p:txBody>
+          <a:bodyPr wrap="none" rtlCol="0">
+            <a:spAutoFit/>
+          </a:bodyPr>
+          <a:lstStyle/>
+          <a:p>
+            <a:r>
+              <a:rPr lang="el-GR" dirty="0">
+                <a:solidFill>
+                  <a:schemeClr val="bg1">
+                    <a:lumMod val="75000"/>
+                    <a:lumOff val="25000"/>
+                  </a:schemeClr>
+                </a:solidFill>
+              </a:rPr>
+              <a:t>γ</a:t>
+            </a:r>
+            <a:endParaRPr lang="en-US" dirty="0">
+              <a:solidFill>
+                <a:schemeClr val="bg1">
+                  <a:lumMod val="75000"/>
+                  <a:lumOff val="25000"/>
+                </a:schemeClr>
+              </a:solidFill>
+            </a:endParaRPr>
+          </a:p>
+        </p:txBody>
+      </p:sp>
+      <p:sp>
+        <p:nvSpPr>
+          <p:cNvPr id="35" name="Oval 34">
+            <a:extLst>
+              <a:ext uri="{FF2B5EF4-FFF2-40B4-BE49-F238E27FC236}">
+                <a16:creationId xmlns:a16="http://schemas.microsoft.com/office/drawing/2014/main" id="{2CC16787-6017-472E-95D3-5C463A489053}"/>
+              </a:ext>
+            </a:extLst>
+          </p:cNvPr>
+          <p:cNvSpPr/>
+          <p:nvPr/>
+        </p:nvSpPr>
+        <p:spPr>
+          <a:xfrm>
+            <a:off x="3736530" y="4812397"/>
+            <a:ext cx="933061" cy="901959"/>
+          </a:xfrm>
+          <a:prstGeom prst="ellipse">
+            <a:avLst/>
+          </a:prstGeom>
+          <a:solidFill>
+            <a:schemeClr val="tx1">
+              <a:lumMod val="85000"/>
+            </a:schemeClr>
+          </a:solidFill>
+          <a:ln>
+            <a:solidFill>
+              <a:schemeClr val="bg2">
+                <a:lumMod val="50000"/>
+              </a:schemeClr>
+            </a:solidFill>
+          </a:ln>
+        </p:spPr>
+        <p:style>
+          <a:lnRef idx="2">
+            <a:schemeClr val="accent1">
+              <a:shade val="50000"/>
+            </a:schemeClr>
+          </a:lnRef>
+          <a:fillRef idx="1">
+            <a:schemeClr val="accent1"/>
+          </a:fillRef>
+          <a:effectRef idx="0">
+            <a:schemeClr val="accent1"/>
+          </a:effectRef>
+          <a:fontRef idx="minor">
+            <a:schemeClr val="lt1"/>
+          </a:fontRef>
+        </p:style>
+        <p:txBody>
+          <a:bodyPr rtlCol="0" anchor="ctr"/>
+          <a:lstStyle/>
+          <a:p>
+            <a:pPr algn="ctr"/>
+            <a:r>
+              <a:rPr lang="en-US" dirty="0"/>
+              <a:t>S</a:t>
+            </a:r>
+            <a:r>
+              <a:rPr lang="en-US" baseline="-25000" dirty="0"/>
+              <a:t>3</a:t>
+            </a:r>
+          </a:p>
+        </p:txBody>
+      </p:sp>
+      <p:cxnSp>
+        <p:nvCxnSpPr>
+          <p:cNvPr id="38" name="Connector: Curved 37">
+            <a:extLst>
+              <a:ext uri="{FF2B5EF4-FFF2-40B4-BE49-F238E27FC236}">
+                <a16:creationId xmlns:a16="http://schemas.microsoft.com/office/drawing/2014/main" id="{3D57251F-4C18-4A8B-9A2E-0AAEEE90B14D}"/>
+              </a:ext>
+            </a:extLst>
+          </p:cNvPr>
+          <p:cNvCxnSpPr>
+            <a:cxnSpLocks/>
+            <a:stCxn id="35" idx="0"/>
+            <a:endCxn id="3" idx="4"/>
+          </p:cNvCxnSpPr>
+          <p:nvPr/>
+        </p:nvCxnSpPr>
+        <p:spPr>
+          <a:xfrm rot="5400000" flipH="1" flipV="1">
+            <a:off x="3773563" y="4382899"/>
+            <a:ext cx="858997" cy="12700"/>
+          </a:xfrm>
+          <a:prstGeom prst="curvedConnector3">
+            <a:avLst>
+              <a:gd name="adj1" fmla="val 50000"/>
+            </a:avLst>
+          </a:prstGeom>
+          <a:ln w="19050">
+            <a:solidFill>
+              <a:schemeClr val="bg2">
+                <a:lumMod val="60000"/>
+                <a:lumOff val="40000"/>
+              </a:schemeClr>
+            </a:solidFill>
+            <a:tailEnd type="triangle"/>
+          </a:ln>
+        </p:spPr>
+        <p:style>
+          <a:lnRef idx="1">
+            <a:schemeClr val="accent1"/>
+          </a:lnRef>
+          <a:fillRef idx="0">
+            <a:schemeClr val="accent1"/>
+          </a:fillRef>
+          <a:effectRef idx="0">
+            <a:schemeClr val="accent1"/>
+          </a:effectRef>
+          <a:fontRef idx="minor">
+            <a:schemeClr val="tx1"/>
+          </a:fontRef>
+        </p:style>
+      </p:cxnSp>
+      <p:cxnSp>
+        <p:nvCxnSpPr>
+          <p:cNvPr id="48" name="Connector: Curved 47">
+            <a:extLst>
+              <a:ext uri="{FF2B5EF4-FFF2-40B4-BE49-F238E27FC236}">
+                <a16:creationId xmlns:a16="http://schemas.microsoft.com/office/drawing/2014/main" id="{CBA7DF4C-A53E-4295-A48F-27A71B58A4B6}"/>
+              </a:ext>
+            </a:extLst>
+          </p:cNvPr>
+          <p:cNvCxnSpPr>
+            <a:cxnSpLocks/>
+            <a:stCxn id="35" idx="4"/>
+            <a:endCxn id="35" idx="2"/>
+          </p:cNvCxnSpPr>
+          <p:nvPr/>
+        </p:nvCxnSpPr>
+        <p:spPr>
+          <a:xfrm rot="5400000" flipH="1">
+            <a:off x="3744306" y="5255602"/>
+            <a:ext cx="450979" cy="466531"/>
+          </a:xfrm>
+          <a:prstGeom prst="curvedConnector4">
+            <a:avLst>
+              <a:gd name="adj1" fmla="val -50690"/>
+              <a:gd name="adj2" fmla="val 149000"/>
+            </a:avLst>
+          </a:prstGeom>
+          <a:ln w="19050">
+            <a:solidFill>
+              <a:schemeClr val="bg2">
+                <a:lumMod val="60000"/>
+                <a:lumOff val="40000"/>
+              </a:schemeClr>
+            </a:solidFill>
+            <a:tailEnd type="triangle"/>
+          </a:ln>
+        </p:spPr>
+        <p:style>
+          <a:lnRef idx="1">
+            <a:schemeClr val="accent1"/>
+          </a:lnRef>
+          <a:fillRef idx="0">
+            <a:schemeClr val="accent1"/>
+          </a:fillRef>
+          <a:effectRef idx="0">
+            <a:schemeClr val="accent1"/>
+          </a:effectRef>
+          <a:fontRef idx="minor">
+            <a:schemeClr val="tx1"/>
+          </a:fontRef>
+        </p:style>
+      </p:cxnSp>
+      <p:sp>
+        <p:nvSpPr>
+          <p:cNvPr id="52" name="TextBox 51">
+            <a:extLst>
+              <a:ext uri="{FF2B5EF4-FFF2-40B4-BE49-F238E27FC236}">
+                <a16:creationId xmlns:a16="http://schemas.microsoft.com/office/drawing/2014/main" id="{C53100D9-EAF3-4448-A309-1593E22063A1}"/>
+              </a:ext>
+            </a:extLst>
+          </p:cNvPr>
+          <p:cNvSpPr txBox="1"/>
+          <p:nvPr/>
+        </p:nvSpPr>
+        <p:spPr>
+          <a:xfrm>
+            <a:off x="6504610" y="2232293"/>
+            <a:ext cx="314510" cy="369332"/>
+          </a:xfrm>
+          <a:prstGeom prst="rect">
+            <a:avLst/>
+          </a:prstGeom>
+          <a:noFill/>
+        </p:spPr>
+        <p:txBody>
+          <a:bodyPr wrap="none" rtlCol="0">
+            <a:spAutoFit/>
+          </a:bodyPr>
+          <a:lstStyle/>
+          <a:p>
+            <a:r>
+              <a:rPr lang="el-GR" dirty="0">
+                <a:solidFill>
+                  <a:schemeClr val="bg1">
+                    <a:lumMod val="75000"/>
+                    <a:lumOff val="25000"/>
+                  </a:schemeClr>
+                </a:solidFill>
+              </a:rPr>
+              <a:t>α</a:t>
+            </a:r>
+            <a:endParaRPr lang="en-US" dirty="0">
+              <a:solidFill>
+                <a:schemeClr val="bg1">
+                  <a:lumMod val="75000"/>
+                  <a:lumOff val="25000"/>
+                </a:schemeClr>
+              </a:solidFill>
+            </a:endParaRPr>
+          </a:p>
+        </p:txBody>
+      </p:sp>
+      <p:sp>
+        <p:nvSpPr>
+          <p:cNvPr id="53" name="TextBox 52">
+            <a:extLst>
+              <a:ext uri="{FF2B5EF4-FFF2-40B4-BE49-F238E27FC236}">
+                <a16:creationId xmlns:a16="http://schemas.microsoft.com/office/drawing/2014/main" id="{AA9D1138-B8A4-4BD9-9C63-E68DD3B183D8}"/>
+              </a:ext>
+            </a:extLst>
+          </p:cNvPr>
+          <p:cNvSpPr txBox="1"/>
+          <p:nvPr/>
+        </p:nvSpPr>
+        <p:spPr>
+          <a:xfrm>
+            <a:off x="5202931" y="5488867"/>
+            <a:ext cx="314510" cy="369332"/>
+          </a:xfrm>
+          <a:prstGeom prst="rect">
+            <a:avLst/>
+          </a:prstGeom>
+          <a:noFill/>
+        </p:spPr>
+        <p:txBody>
+          <a:bodyPr wrap="none" rtlCol="0">
+            <a:spAutoFit/>
+          </a:bodyPr>
+          <a:lstStyle/>
+          <a:p>
+            <a:r>
+              <a:rPr lang="el-GR" dirty="0">
+                <a:solidFill>
+                  <a:schemeClr val="bg1">
+                    <a:lumMod val="75000"/>
+                    <a:lumOff val="25000"/>
+                  </a:schemeClr>
+                </a:solidFill>
+              </a:rPr>
+              <a:t>β</a:t>
+            </a:r>
+            <a:endParaRPr lang="en-US" dirty="0">
+              <a:solidFill>
+                <a:schemeClr val="bg1">
+                  <a:lumMod val="75000"/>
+                  <a:lumOff val="25000"/>
+                </a:schemeClr>
+              </a:solidFill>
+            </a:endParaRPr>
+          </a:p>
+        </p:txBody>
+      </p:sp>
+      <p:sp>
+        <p:nvSpPr>
+          <p:cNvPr id="54" name="TextBox 53">
+            <a:extLst>
+              <a:ext uri="{FF2B5EF4-FFF2-40B4-BE49-F238E27FC236}">
+                <a16:creationId xmlns:a16="http://schemas.microsoft.com/office/drawing/2014/main" id="{D74FBDFF-F11F-4257-90CF-0BABAC179FC9}"/>
+              </a:ext>
+            </a:extLst>
+          </p:cNvPr>
+          <p:cNvSpPr txBox="1"/>
+          <p:nvPr/>
+        </p:nvSpPr>
+        <p:spPr>
+          <a:xfrm>
+            <a:off x="3205732" y="5488867"/>
+            <a:ext cx="314510" cy="369332"/>
+          </a:xfrm>
+          <a:prstGeom prst="rect">
+            <a:avLst/>
+          </a:prstGeom>
+          <a:noFill/>
+        </p:spPr>
+        <p:txBody>
+          <a:bodyPr wrap="none" rtlCol="0">
+            <a:spAutoFit/>
+          </a:bodyPr>
+          <a:lstStyle/>
+          <a:p>
+            <a:r>
+              <a:rPr lang="el-GR" dirty="0">
+                <a:solidFill>
+                  <a:schemeClr val="bg1">
+                    <a:lumMod val="75000"/>
+                    <a:lumOff val="25000"/>
+                  </a:schemeClr>
+                </a:solidFill>
+              </a:rPr>
+              <a:t>β</a:t>
+            </a:r>
+            <a:endParaRPr lang="en-US" dirty="0">
+              <a:solidFill>
+                <a:schemeClr val="bg1">
+                  <a:lumMod val="75000"/>
+                  <a:lumOff val="25000"/>
+                </a:schemeClr>
+              </a:solidFill>
+            </a:endParaRPr>
+          </a:p>
+        </p:txBody>
+      </p:sp>
     </p:spTree>
     <p:extLst>
       <p:ext uri="{BB962C8B-B14F-4D97-AF65-F5344CB8AC3E}">
@@ -9183,6 +9120,491 @@
   <p:clrMapOvr>
     <a:masterClrMapping/>
   </p:clrMapOvr>
+  <p:timing>
+    <p:tnLst>
+      <p:par>
+        <p:cTn id="1" dur="indefinite" restart="never" nodeType="tmRoot">
+          <p:childTnLst>
+            <p:seq concurrent="1" nextAc="seek">
+              <p:cTn id="2" dur="indefinite" nodeType="mainSeq">
+                <p:childTnLst>
+                  <p:par>
+                    <p:cTn id="3" fill="hold">
+                      <p:stCondLst>
+                        <p:cond delay="indefinite"/>
+                      </p:stCondLst>
+                      <p:childTnLst>
+                        <p:par>
+                          <p:cTn id="4" fill="hold">
+                            <p:stCondLst>
+                              <p:cond delay="0"/>
+                            </p:stCondLst>
+                            <p:childTnLst>
+                              <p:par>
+                                <p:cTn id="5" presetID="22" presetClass="entr" presetSubtype="8" fill="hold" nodeType="clickEffect">
+                                  <p:stCondLst>
+                                    <p:cond delay="0"/>
+                                  </p:stCondLst>
+                                  <p:childTnLst>
+                                    <p:set>
+                                      <p:cBhvr>
+                                        <p:cTn id="6" dur="1" fill="hold">
+                                          <p:stCondLst>
+                                            <p:cond delay="0"/>
+                                          </p:stCondLst>
+                                        </p:cTn>
+                                        <p:tgtEl>
+                                          <p:spTgt spid="29"/>
+                                        </p:tgtEl>
+                                        <p:attrNameLst>
+                                          <p:attrName>style.visibility</p:attrName>
+                                        </p:attrNameLst>
+                                      </p:cBhvr>
+                                      <p:to>
+                                        <p:strVal val="visible"/>
+                                      </p:to>
+                                    </p:set>
+                                    <p:animEffect transition="in" filter="wipe(left)">
+                                      <p:cBhvr>
+                                        <p:cTn id="7" dur="500"/>
+                                        <p:tgtEl>
+                                          <p:spTgt spid="29"/>
+                                        </p:tgtEl>
+                                      </p:cBhvr>
+                                    </p:animEffect>
+                                  </p:childTnLst>
+                                </p:cTn>
+                              </p:par>
+                            </p:childTnLst>
+                          </p:cTn>
+                        </p:par>
+                        <p:par>
+                          <p:cTn id="8" fill="hold">
+                            <p:stCondLst>
+                              <p:cond delay="500"/>
+                            </p:stCondLst>
+                            <p:childTnLst>
+                              <p:par>
+                                <p:cTn id="9" presetID="22" presetClass="entr" presetSubtype="8" fill="hold" nodeType="afterEffect">
+                                  <p:stCondLst>
+                                    <p:cond delay="0"/>
+                                  </p:stCondLst>
+                                  <p:childTnLst>
+                                    <p:set>
+                                      <p:cBhvr>
+                                        <p:cTn id="10" dur="1" fill="hold">
+                                          <p:stCondLst>
+                                            <p:cond delay="0"/>
+                                          </p:stCondLst>
+                                        </p:cTn>
+                                        <p:tgtEl>
+                                          <p:spTgt spid="18"/>
+                                        </p:tgtEl>
+                                        <p:attrNameLst>
+                                          <p:attrName>style.visibility</p:attrName>
+                                        </p:attrNameLst>
+                                      </p:cBhvr>
+                                      <p:to>
+                                        <p:strVal val="visible"/>
+                                      </p:to>
+                                    </p:set>
+                                    <p:animEffect transition="in" filter="wipe(left)">
+                                      <p:cBhvr>
+                                        <p:cTn id="11" dur="500"/>
+                                        <p:tgtEl>
+                                          <p:spTgt spid="18"/>
+                                        </p:tgtEl>
+                                      </p:cBhvr>
+                                    </p:animEffect>
+                                  </p:childTnLst>
+                                </p:cTn>
+                              </p:par>
+                              <p:par>
+                                <p:cTn id="12" presetID="22" presetClass="entr" presetSubtype="8" fill="hold" grpId="0" nodeType="withEffect">
+                                  <p:stCondLst>
+                                    <p:cond delay="0"/>
+                                  </p:stCondLst>
+                                  <p:childTnLst>
+                                    <p:set>
+                                      <p:cBhvr>
+                                        <p:cTn id="13" dur="1" fill="hold">
+                                          <p:stCondLst>
+                                            <p:cond delay="0"/>
+                                          </p:stCondLst>
+                                        </p:cTn>
+                                        <p:tgtEl>
+                                          <p:spTgt spid="27"/>
+                                        </p:tgtEl>
+                                        <p:attrNameLst>
+                                          <p:attrName>style.visibility</p:attrName>
+                                        </p:attrNameLst>
+                                      </p:cBhvr>
+                                      <p:to>
+                                        <p:strVal val="visible"/>
+                                      </p:to>
+                                    </p:set>
+                                    <p:animEffect transition="in" filter="wipe(left)">
+                                      <p:cBhvr>
+                                        <p:cTn id="14" dur="500"/>
+                                        <p:tgtEl>
+                                          <p:spTgt spid="27"/>
+                                        </p:tgtEl>
+                                      </p:cBhvr>
+                                    </p:animEffect>
+                                  </p:childTnLst>
+                                </p:cTn>
+                              </p:par>
+                            </p:childTnLst>
+                          </p:cTn>
+                        </p:par>
+                        <p:par>
+                          <p:cTn id="15" fill="hold">
+                            <p:stCondLst>
+                              <p:cond delay="1000"/>
+                            </p:stCondLst>
+                            <p:childTnLst>
+                              <p:par>
+                                <p:cTn id="16" presetID="22" presetClass="entr" presetSubtype="8" fill="hold" nodeType="afterEffect">
+                                  <p:stCondLst>
+                                    <p:cond delay="0"/>
+                                  </p:stCondLst>
+                                  <p:childTnLst>
+                                    <p:set>
+                                      <p:cBhvr>
+                                        <p:cTn id="17" dur="1" fill="hold">
+                                          <p:stCondLst>
+                                            <p:cond delay="0"/>
+                                          </p:stCondLst>
+                                        </p:cTn>
+                                        <p:tgtEl>
+                                          <p:spTgt spid="8"/>
+                                        </p:tgtEl>
+                                        <p:attrNameLst>
+                                          <p:attrName>style.visibility</p:attrName>
+                                        </p:attrNameLst>
+                                      </p:cBhvr>
+                                      <p:to>
+                                        <p:strVal val="visible"/>
+                                      </p:to>
+                                    </p:set>
+                                    <p:animEffect transition="in" filter="wipe(left)">
+                                      <p:cBhvr>
+                                        <p:cTn id="18" dur="500"/>
+                                        <p:tgtEl>
+                                          <p:spTgt spid="8"/>
+                                        </p:tgtEl>
+                                      </p:cBhvr>
+                                    </p:animEffect>
+                                  </p:childTnLst>
+                                </p:cTn>
+                              </p:par>
+                              <p:par>
+                                <p:cTn id="19" presetID="22" presetClass="entr" presetSubtype="8" fill="hold" grpId="0" nodeType="withEffect">
+                                  <p:stCondLst>
+                                    <p:cond delay="0"/>
+                                  </p:stCondLst>
+                                  <p:childTnLst>
+                                    <p:set>
+                                      <p:cBhvr>
+                                        <p:cTn id="20" dur="1" fill="hold">
+                                          <p:stCondLst>
+                                            <p:cond delay="0"/>
+                                          </p:stCondLst>
+                                        </p:cTn>
+                                        <p:tgtEl>
+                                          <p:spTgt spid="22"/>
+                                        </p:tgtEl>
+                                        <p:attrNameLst>
+                                          <p:attrName>style.visibility</p:attrName>
+                                        </p:attrNameLst>
+                                      </p:cBhvr>
+                                      <p:to>
+                                        <p:strVal val="visible"/>
+                                      </p:to>
+                                    </p:set>
+                                    <p:animEffect transition="in" filter="wipe(left)">
+                                      <p:cBhvr>
+                                        <p:cTn id="21" dur="500"/>
+                                        <p:tgtEl>
+                                          <p:spTgt spid="22"/>
+                                        </p:tgtEl>
+                                      </p:cBhvr>
+                                    </p:animEffect>
+                                  </p:childTnLst>
+                                </p:cTn>
+                              </p:par>
+                            </p:childTnLst>
+                          </p:cTn>
+                        </p:par>
+                        <p:par>
+                          <p:cTn id="22" fill="hold">
+                            <p:stCondLst>
+                              <p:cond delay="1500"/>
+                            </p:stCondLst>
+                            <p:childTnLst>
+                              <p:par>
+                                <p:cTn id="23" presetID="22" presetClass="entr" presetSubtype="1" fill="hold" nodeType="afterEffect">
+                                  <p:stCondLst>
+                                    <p:cond delay="0"/>
+                                  </p:stCondLst>
+                                  <p:childTnLst>
+                                    <p:set>
+                                      <p:cBhvr>
+                                        <p:cTn id="24" dur="1" fill="hold">
+                                          <p:stCondLst>
+                                            <p:cond delay="0"/>
+                                          </p:stCondLst>
+                                        </p:cTn>
+                                        <p:tgtEl>
+                                          <p:spTgt spid="16"/>
+                                        </p:tgtEl>
+                                        <p:attrNameLst>
+                                          <p:attrName>style.visibility</p:attrName>
+                                        </p:attrNameLst>
+                                      </p:cBhvr>
+                                      <p:to>
+                                        <p:strVal val="visible"/>
+                                      </p:to>
+                                    </p:set>
+                                    <p:animEffect transition="in" filter="wipe(up)">
+                                      <p:cBhvr>
+                                        <p:cTn id="25" dur="500"/>
+                                        <p:tgtEl>
+                                          <p:spTgt spid="16"/>
+                                        </p:tgtEl>
+                                      </p:cBhvr>
+                                    </p:animEffect>
+                                  </p:childTnLst>
+                                </p:cTn>
+                              </p:par>
+                              <p:par>
+                                <p:cTn id="26" presetID="22" presetClass="entr" presetSubtype="1" fill="hold" grpId="0" nodeType="withEffect">
+                                  <p:stCondLst>
+                                    <p:cond delay="0"/>
+                                  </p:stCondLst>
+                                  <p:childTnLst>
+                                    <p:set>
+                                      <p:cBhvr>
+                                        <p:cTn id="27" dur="1" fill="hold">
+                                          <p:stCondLst>
+                                            <p:cond delay="0"/>
+                                          </p:stCondLst>
+                                        </p:cTn>
+                                        <p:tgtEl>
+                                          <p:spTgt spid="26"/>
+                                        </p:tgtEl>
+                                        <p:attrNameLst>
+                                          <p:attrName>style.visibility</p:attrName>
+                                        </p:attrNameLst>
+                                      </p:cBhvr>
+                                      <p:to>
+                                        <p:strVal val="visible"/>
+                                      </p:to>
+                                    </p:set>
+                                    <p:animEffect transition="in" filter="wipe(up)">
+                                      <p:cBhvr>
+                                        <p:cTn id="28" dur="500"/>
+                                        <p:tgtEl>
+                                          <p:spTgt spid="26"/>
+                                        </p:tgtEl>
+                                      </p:cBhvr>
+                                    </p:animEffect>
+                                  </p:childTnLst>
+                                </p:cTn>
+                              </p:par>
+                            </p:childTnLst>
+                          </p:cTn>
+                        </p:par>
+                        <p:par>
+                          <p:cTn id="29" fill="hold">
+                            <p:stCondLst>
+                              <p:cond delay="2000"/>
+                            </p:stCondLst>
+                            <p:childTnLst>
+                              <p:par>
+                                <p:cTn id="30" presetID="22" presetClass="entr" presetSubtype="2" fill="hold" grpId="0" nodeType="afterEffect">
+                                  <p:stCondLst>
+                                    <p:cond delay="0"/>
+                                  </p:stCondLst>
+                                  <p:childTnLst>
+                                    <p:set>
+                                      <p:cBhvr>
+                                        <p:cTn id="31" dur="1" fill="hold">
+                                          <p:stCondLst>
+                                            <p:cond delay="0"/>
+                                          </p:stCondLst>
+                                        </p:cTn>
+                                        <p:tgtEl>
+                                          <p:spTgt spid="53"/>
+                                        </p:tgtEl>
+                                        <p:attrNameLst>
+                                          <p:attrName>style.visibility</p:attrName>
+                                        </p:attrNameLst>
+                                      </p:cBhvr>
+                                      <p:to>
+                                        <p:strVal val="visible"/>
+                                      </p:to>
+                                    </p:set>
+                                    <p:animEffect transition="in" filter="wipe(right)">
+                                      <p:cBhvr>
+                                        <p:cTn id="32" dur="500"/>
+                                        <p:tgtEl>
+                                          <p:spTgt spid="53"/>
+                                        </p:tgtEl>
+                                      </p:cBhvr>
+                                    </p:animEffect>
+                                  </p:childTnLst>
+                                </p:cTn>
+                              </p:par>
+                              <p:par>
+                                <p:cTn id="33" presetID="22" presetClass="entr" presetSubtype="2" fill="hold" nodeType="withEffect">
+                                  <p:stCondLst>
+                                    <p:cond delay="0"/>
+                                  </p:stCondLst>
+                                  <p:childTnLst>
+                                    <p:set>
+                                      <p:cBhvr>
+                                        <p:cTn id="34" dur="1" fill="hold">
+                                          <p:stCondLst>
+                                            <p:cond delay="0"/>
+                                          </p:stCondLst>
+                                        </p:cTn>
+                                        <p:tgtEl>
+                                          <p:spTgt spid="14"/>
+                                        </p:tgtEl>
+                                        <p:attrNameLst>
+                                          <p:attrName>style.visibility</p:attrName>
+                                        </p:attrNameLst>
+                                      </p:cBhvr>
+                                      <p:to>
+                                        <p:strVal val="visible"/>
+                                      </p:to>
+                                    </p:set>
+                                    <p:animEffect transition="in" filter="wipe(right)">
+                                      <p:cBhvr>
+                                        <p:cTn id="35" dur="500"/>
+                                        <p:tgtEl>
+                                          <p:spTgt spid="14"/>
+                                        </p:tgtEl>
+                                      </p:cBhvr>
+                                    </p:animEffect>
+                                  </p:childTnLst>
+                                </p:cTn>
+                              </p:par>
+                            </p:childTnLst>
+                          </p:cTn>
+                        </p:par>
+                        <p:par>
+                          <p:cTn id="36" fill="hold">
+                            <p:stCondLst>
+                              <p:cond delay="2500"/>
+                            </p:stCondLst>
+                            <p:childTnLst>
+                              <p:par>
+                                <p:cTn id="37" presetID="22" presetClass="entr" presetSubtype="4" fill="hold" nodeType="afterEffect">
+                                  <p:stCondLst>
+                                    <p:cond delay="0"/>
+                                  </p:stCondLst>
+                                  <p:childTnLst>
+                                    <p:set>
+                                      <p:cBhvr>
+                                        <p:cTn id="38" dur="1" fill="hold">
+                                          <p:stCondLst>
+                                            <p:cond delay="0"/>
+                                          </p:stCondLst>
+                                        </p:cTn>
+                                        <p:tgtEl>
+                                          <p:spTgt spid="38"/>
+                                        </p:tgtEl>
+                                        <p:attrNameLst>
+                                          <p:attrName>style.visibility</p:attrName>
+                                        </p:attrNameLst>
+                                      </p:cBhvr>
+                                      <p:to>
+                                        <p:strVal val="visible"/>
+                                      </p:to>
+                                    </p:set>
+                                    <p:animEffect transition="in" filter="wipe(down)">
+                                      <p:cBhvr>
+                                        <p:cTn id="39" dur="500"/>
+                                        <p:tgtEl>
+                                          <p:spTgt spid="38"/>
+                                        </p:tgtEl>
+                                      </p:cBhvr>
+                                    </p:animEffect>
+                                  </p:childTnLst>
+                                </p:cTn>
+                              </p:par>
+                              <p:par>
+                                <p:cTn id="40" presetID="22" presetClass="entr" presetSubtype="4" fill="hold" grpId="0" nodeType="withEffect">
+                                  <p:stCondLst>
+                                    <p:cond delay="0"/>
+                                  </p:stCondLst>
+                                  <p:childTnLst>
+                                    <p:set>
+                                      <p:cBhvr>
+                                        <p:cTn id="41" dur="1" fill="hold">
+                                          <p:stCondLst>
+                                            <p:cond delay="0"/>
+                                          </p:stCondLst>
+                                        </p:cTn>
+                                        <p:tgtEl>
+                                          <p:spTgt spid="23"/>
+                                        </p:tgtEl>
+                                        <p:attrNameLst>
+                                          <p:attrName>style.visibility</p:attrName>
+                                        </p:attrNameLst>
+                                      </p:cBhvr>
+                                      <p:to>
+                                        <p:strVal val="visible"/>
+                                      </p:to>
+                                    </p:set>
+                                    <p:animEffect transition="in" filter="wipe(down)">
+                                      <p:cBhvr>
+                                        <p:cTn id="42" dur="500"/>
+                                        <p:tgtEl>
+                                          <p:spTgt spid="23"/>
+                                        </p:tgtEl>
+                                      </p:cBhvr>
+                                    </p:animEffect>
+                                  </p:childTnLst>
+                                </p:cTn>
+                              </p:par>
+                            </p:childTnLst>
+                          </p:cTn>
+                        </p:par>
+                      </p:childTnLst>
+                    </p:cTn>
+                  </p:par>
+                </p:childTnLst>
+              </p:cTn>
+              <p:prevCondLst>
+                <p:cond evt="onPrev" delay="0">
+                  <p:tgtEl>
+                    <p:sldTgt/>
+                  </p:tgtEl>
+                </p:cond>
+              </p:prevCondLst>
+              <p:nextCondLst>
+                <p:cond evt="onNext" delay="0">
+                  <p:tgtEl>
+                    <p:sldTgt/>
+                  </p:tgtEl>
+                </p:cond>
+              </p:nextCondLst>
+            </p:seq>
+          </p:childTnLst>
+        </p:cTn>
+      </p:par>
+    </p:tnLst>
+    <p:bldLst>
+      <p:bldP spid="22" grpId="0"/>
+      <p:bldP spid="23" grpId="0"/>
+      <p:bldP spid="26" grpId="0"/>
+      <p:bldP spid="27" grpId="0"/>
+      <p:bldP spid="53" grpId="0"/>
+    </p:bldLst>
+  </p:timing>
 </p:sld>
 </file>
 
@@ -9650,10 +10072,10 @@
       </p:grpSp>
       <p:grpSp>
         <p:nvGrpSpPr>
-          <p:cNvPr id="28" name="Group 27">
+          <p:cNvPr id="40" name="Group 39">
             <a:extLst>
               <a:ext uri="{FF2B5EF4-FFF2-40B4-BE49-F238E27FC236}">
-                <a16:creationId xmlns:a16="http://schemas.microsoft.com/office/drawing/2014/main" id="{BB3025BE-C1CC-4FE0-9E01-9A0C8C78EFC6}"/>
+                <a16:creationId xmlns:a16="http://schemas.microsoft.com/office/drawing/2014/main" id="{1E24FD64-66C0-4B7C-BEF2-D71B790E33BD}"/>
               </a:ext>
             </a:extLst>
           </p:cNvPr>
@@ -9662,903 +10084,18 @@
         </p:nvGrpSpPr>
         <p:grpSpPr>
           <a:xfrm>
-            <a:off x="3261715" y="2089224"/>
-            <a:ext cx="4398496" cy="3625906"/>
-            <a:chOff x="3205732" y="2232293"/>
-            <a:chExt cx="4398496" cy="3625906"/>
+            <a:off x="3792513" y="2908372"/>
+            <a:ext cx="3234612" cy="2659746"/>
+            <a:chOff x="1026367" y="2768082"/>
+            <a:chExt cx="3234612" cy="2659746"/>
           </a:xfrm>
         </p:grpSpPr>
-        <p:grpSp>
-          <p:nvGrpSpPr>
-            <p:cNvPr id="32" name="Group 31">
+        <p:sp>
+          <p:nvSpPr>
+            <p:cNvPr id="54" name="Oval 53">
               <a:extLst>
                 <a:ext uri="{FF2B5EF4-FFF2-40B4-BE49-F238E27FC236}">
-                  <a16:creationId xmlns:a16="http://schemas.microsoft.com/office/drawing/2014/main" id="{DDC86770-134B-4B82-86EA-ED31DD898557}"/>
-                </a:ext>
-              </a:extLst>
-            </p:cNvPr>
-            <p:cNvGrpSpPr/>
-            <p:nvPr/>
-          </p:nvGrpSpPr>
-          <p:grpSpPr>
-            <a:xfrm>
-              <a:off x="3291726" y="2232293"/>
-              <a:ext cx="4312502" cy="3478894"/>
-              <a:chOff x="2509890" y="3000183"/>
-              <a:chExt cx="4312502" cy="3478894"/>
-            </a:xfrm>
-          </p:grpSpPr>
-          <p:grpSp>
-            <p:nvGrpSpPr>
-              <p:cNvPr id="40" name="Group 39">
-                <a:extLst>
-                  <a:ext uri="{FF2B5EF4-FFF2-40B4-BE49-F238E27FC236}">
-                    <a16:creationId xmlns:a16="http://schemas.microsoft.com/office/drawing/2014/main" id="{1E24FD64-66C0-4B7C-BEF2-D71B790E33BD}"/>
-                  </a:ext>
-                </a:extLst>
-              </p:cNvPr>
-              <p:cNvGrpSpPr/>
-              <p:nvPr/>
-            </p:nvGrpSpPr>
-            <p:grpSpPr>
-              <a:xfrm>
-                <a:off x="2954694" y="3819331"/>
-                <a:ext cx="3234612" cy="2659746"/>
-                <a:chOff x="1026367" y="2768082"/>
-                <a:chExt cx="3234612" cy="2659746"/>
-              </a:xfrm>
-            </p:grpSpPr>
-            <p:sp>
-              <p:nvSpPr>
-                <p:cNvPr id="54" name="Oval 53">
-                  <a:extLst>
-                    <a:ext uri="{FF2B5EF4-FFF2-40B4-BE49-F238E27FC236}">
-                      <a16:creationId xmlns:a16="http://schemas.microsoft.com/office/drawing/2014/main" id="{E7D0E324-1C52-44A9-AE68-995500CFFFAD}"/>
-                    </a:ext>
-                  </a:extLst>
-                </p:cNvPr>
-                <p:cNvSpPr/>
-                <p:nvPr/>
-              </p:nvSpPr>
-              <p:spPr>
-                <a:xfrm>
-                  <a:off x="1026367" y="2768082"/>
-                  <a:ext cx="933061" cy="901959"/>
-                </a:xfrm>
-                <a:prstGeom prst="ellipse">
-                  <a:avLst/>
-                </a:prstGeom>
-                <a:solidFill>
-                  <a:schemeClr val="tx1">
-                    <a:lumMod val="85000"/>
-                  </a:schemeClr>
-                </a:solidFill>
-                <a:ln>
-                  <a:solidFill>
-                    <a:schemeClr val="bg2">
-                      <a:lumMod val="50000"/>
-                    </a:schemeClr>
-                  </a:solidFill>
-                </a:ln>
-              </p:spPr>
-              <p:style>
-                <a:lnRef idx="2">
-                  <a:schemeClr val="accent1">
-                    <a:shade val="50000"/>
-                  </a:schemeClr>
-                </a:lnRef>
-                <a:fillRef idx="1">
-                  <a:schemeClr val="accent1"/>
-                </a:fillRef>
-                <a:effectRef idx="0">
-                  <a:schemeClr val="accent1"/>
-                </a:effectRef>
-                <a:fontRef idx="minor">
-                  <a:schemeClr val="lt1"/>
-                </a:fontRef>
-              </p:style>
-              <p:txBody>
-                <a:bodyPr rtlCol="0" anchor="ctr"/>
-                <a:lstStyle/>
-                <a:p>
-                  <a:pPr algn="ctr"/>
-                  <a:r>
-                    <a:rPr lang="en-US" dirty="0"/>
-                    <a:t>S</a:t>
-                  </a:r>
-                  <a:r>
-                    <a:rPr lang="en-US" baseline="-25000" dirty="0"/>
-                    <a:t>0</a:t>
-                  </a:r>
-                </a:p>
-              </p:txBody>
-            </p:sp>
-            <p:sp>
-              <p:nvSpPr>
-                <p:cNvPr id="55" name="Oval 54">
-                  <a:extLst>
-                    <a:ext uri="{FF2B5EF4-FFF2-40B4-BE49-F238E27FC236}">
-                      <a16:creationId xmlns:a16="http://schemas.microsoft.com/office/drawing/2014/main" id="{B723CE0E-2F76-4A2F-8C4C-C7E1386D1F88}"/>
-                    </a:ext>
-                  </a:extLst>
-                </p:cNvPr>
-                <p:cNvSpPr/>
-                <p:nvPr/>
-              </p:nvSpPr>
-              <p:spPr>
-                <a:xfrm>
-                  <a:off x="3327918" y="2768082"/>
-                  <a:ext cx="933061" cy="901959"/>
-                </a:xfrm>
-                <a:prstGeom prst="ellipse">
-                  <a:avLst/>
-                </a:prstGeom>
-                <a:solidFill>
-                  <a:schemeClr val="tx1">
-                    <a:lumMod val="85000"/>
-                  </a:schemeClr>
-                </a:solidFill>
-                <a:ln>
-                  <a:solidFill>
-                    <a:schemeClr val="bg2">
-                      <a:lumMod val="50000"/>
-                    </a:schemeClr>
-                  </a:solidFill>
-                </a:ln>
-              </p:spPr>
-              <p:style>
-                <a:lnRef idx="2">
-                  <a:schemeClr val="accent1">
-                    <a:shade val="50000"/>
-                  </a:schemeClr>
-                </a:lnRef>
-                <a:fillRef idx="1">
-                  <a:schemeClr val="accent1"/>
-                </a:fillRef>
-                <a:effectRef idx="0">
-                  <a:schemeClr val="accent1"/>
-                </a:effectRef>
-                <a:fontRef idx="minor">
-                  <a:schemeClr val="lt1"/>
-                </a:fontRef>
-              </p:style>
-              <p:txBody>
-                <a:bodyPr rtlCol="0" anchor="ctr"/>
-                <a:lstStyle/>
-                <a:p>
-                  <a:pPr algn="ctr"/>
-                  <a:r>
-                    <a:rPr lang="en-US" dirty="0"/>
-                    <a:t>S</a:t>
-                  </a:r>
-                  <a:r>
-                    <a:rPr lang="en-US" baseline="-25000" dirty="0"/>
-                    <a:t>1</a:t>
-                  </a:r>
-                </a:p>
-              </p:txBody>
-            </p:sp>
-            <p:sp>
-              <p:nvSpPr>
-                <p:cNvPr id="56" name="Oval 55">
-                  <a:extLst>
-                    <a:ext uri="{FF2B5EF4-FFF2-40B4-BE49-F238E27FC236}">
-                      <a16:creationId xmlns:a16="http://schemas.microsoft.com/office/drawing/2014/main" id="{94A56C81-AC44-4D8D-B947-72945C15F79F}"/>
-                    </a:ext>
-                  </a:extLst>
-                </p:cNvPr>
-                <p:cNvSpPr/>
-                <p:nvPr/>
-              </p:nvSpPr>
-              <p:spPr>
-                <a:xfrm>
-                  <a:off x="3327917" y="4525869"/>
-                  <a:ext cx="933061" cy="901959"/>
-                </a:xfrm>
-                <a:prstGeom prst="ellipse">
-                  <a:avLst/>
-                </a:prstGeom>
-                <a:solidFill>
-                  <a:schemeClr val="tx1">
-                    <a:lumMod val="85000"/>
-                  </a:schemeClr>
-                </a:solidFill>
-                <a:ln>
-                  <a:solidFill>
-                    <a:schemeClr val="bg2">
-                      <a:lumMod val="50000"/>
-                    </a:schemeClr>
-                  </a:solidFill>
-                </a:ln>
-              </p:spPr>
-              <p:style>
-                <a:lnRef idx="2">
-                  <a:schemeClr val="accent1">
-                    <a:shade val="50000"/>
-                  </a:schemeClr>
-                </a:lnRef>
-                <a:fillRef idx="1">
-                  <a:schemeClr val="accent1"/>
-                </a:fillRef>
-                <a:effectRef idx="0">
-                  <a:schemeClr val="accent1"/>
-                </a:effectRef>
-                <a:fontRef idx="minor">
-                  <a:schemeClr val="lt1"/>
-                </a:fontRef>
-              </p:style>
-              <p:txBody>
-                <a:bodyPr rtlCol="0" anchor="ctr"/>
-                <a:lstStyle/>
-                <a:p>
-                  <a:pPr algn="ctr"/>
-                  <a:r>
-                    <a:rPr lang="en-US" dirty="0"/>
-                    <a:t>S</a:t>
-                  </a:r>
-                  <a:r>
-                    <a:rPr lang="en-US" baseline="-25000" dirty="0"/>
-                    <a:t>2</a:t>
-                  </a:r>
-                </a:p>
-              </p:txBody>
-            </p:sp>
-          </p:grpSp>
-          <p:cxnSp>
-            <p:nvCxnSpPr>
-              <p:cNvPr id="41" name="Connector: Curved 40">
-                <a:extLst>
-                  <a:ext uri="{FF2B5EF4-FFF2-40B4-BE49-F238E27FC236}">
-                    <a16:creationId xmlns:a16="http://schemas.microsoft.com/office/drawing/2014/main" id="{CC1578C8-AB23-4783-B90D-C7E331FC8B21}"/>
-                  </a:ext>
-                </a:extLst>
-              </p:cNvPr>
-              <p:cNvCxnSpPr>
-                <a:stCxn id="54" idx="7"/>
-                <a:endCxn id="55" idx="1"/>
-              </p:cNvCxnSpPr>
-              <p:nvPr/>
-            </p:nvCxnSpPr>
-            <p:spPr>
-              <a:xfrm rot="5400000" flipH="1" flipV="1">
-                <a:off x="4572000" y="3130531"/>
-                <a:ext cx="12700" cy="1641778"/>
-              </a:xfrm>
-              <a:prstGeom prst="curvedConnector3">
-                <a:avLst>
-                  <a:gd name="adj1" fmla="val 2840071"/>
-                </a:avLst>
-              </a:prstGeom>
-              <a:ln w="19050">
-                <a:solidFill>
-                  <a:schemeClr val="bg2">
-                    <a:lumMod val="60000"/>
-                    <a:lumOff val="40000"/>
-                  </a:schemeClr>
-                </a:solidFill>
-                <a:tailEnd type="triangle"/>
-              </a:ln>
-            </p:spPr>
-            <p:style>
-              <a:lnRef idx="1">
-                <a:schemeClr val="accent1"/>
-              </a:lnRef>
-              <a:fillRef idx="0">
-                <a:schemeClr val="accent1"/>
-              </a:fillRef>
-              <a:effectRef idx="0">
-                <a:schemeClr val="accent1"/>
-              </a:effectRef>
-              <a:fontRef idx="minor">
-                <a:schemeClr val="tx1"/>
-              </a:fontRef>
-            </p:style>
-          </p:cxnSp>
-          <p:cxnSp>
-            <p:nvCxnSpPr>
-              <p:cNvPr id="42" name="Connector: Curved 41">
-                <a:extLst>
-                  <a:ext uri="{FF2B5EF4-FFF2-40B4-BE49-F238E27FC236}">
-                    <a16:creationId xmlns:a16="http://schemas.microsoft.com/office/drawing/2014/main" id="{24C8A469-105E-4FE2-8F2D-33480D68CB79}"/>
-                  </a:ext>
-                </a:extLst>
-              </p:cNvPr>
-              <p:cNvCxnSpPr>
-                <a:cxnSpLocks/>
-                <a:stCxn id="55" idx="0"/>
-                <a:endCxn id="55" idx="7"/>
-              </p:cNvCxnSpPr>
-              <p:nvPr/>
-            </p:nvCxnSpPr>
-            <p:spPr>
-              <a:xfrm rot="16200000" flipH="1">
-                <a:off x="5821674" y="3720432"/>
-                <a:ext cx="132089" cy="329886"/>
-              </a:xfrm>
-              <a:prstGeom prst="curvedConnector3">
-                <a:avLst>
-                  <a:gd name="adj1" fmla="val -271960"/>
-                </a:avLst>
-              </a:prstGeom>
-              <a:ln w="19050">
-                <a:solidFill>
-                  <a:schemeClr val="bg2">
-                    <a:lumMod val="60000"/>
-                    <a:lumOff val="40000"/>
-                  </a:schemeClr>
-                </a:solidFill>
-                <a:tailEnd type="triangle"/>
-              </a:ln>
-            </p:spPr>
-            <p:style>
-              <a:lnRef idx="1">
-                <a:schemeClr val="accent1"/>
-              </a:lnRef>
-              <a:fillRef idx="0">
-                <a:schemeClr val="accent1"/>
-              </a:fillRef>
-              <a:effectRef idx="0">
-                <a:schemeClr val="accent1"/>
-              </a:effectRef>
-              <a:fontRef idx="minor">
-                <a:schemeClr val="tx1"/>
-              </a:fontRef>
-            </p:style>
-          </p:cxnSp>
-          <p:cxnSp>
-            <p:nvCxnSpPr>
-              <p:cNvPr id="43" name="Connector: Curved 42">
-                <a:extLst>
-                  <a:ext uri="{FF2B5EF4-FFF2-40B4-BE49-F238E27FC236}">
-                    <a16:creationId xmlns:a16="http://schemas.microsoft.com/office/drawing/2014/main" id="{A85D3472-366C-4BE8-B457-A0A05A56CA67}"/>
-                  </a:ext>
-                </a:extLst>
-              </p:cNvPr>
-              <p:cNvCxnSpPr>
-                <a:cxnSpLocks/>
-                <a:stCxn id="56" idx="3"/>
-                <a:endCxn id="33" idx="5"/>
-              </p:cNvCxnSpPr>
-              <p:nvPr/>
-            </p:nvCxnSpPr>
-            <p:spPr>
-              <a:xfrm rot="5400000">
-                <a:off x="4570416" y="5527684"/>
-                <a:ext cx="3169" cy="1641777"/>
-              </a:xfrm>
-              <a:prstGeom prst="curvedConnector3">
-                <a:avLst>
-                  <a:gd name="adj1" fmla="val 11481792"/>
-                </a:avLst>
-              </a:prstGeom>
-              <a:ln w="19050">
-                <a:solidFill>
-                  <a:schemeClr val="bg2">
-                    <a:lumMod val="60000"/>
-                    <a:lumOff val="40000"/>
-                  </a:schemeClr>
-                </a:solidFill>
-                <a:tailEnd type="triangle"/>
-              </a:ln>
-            </p:spPr>
-            <p:style>
-              <a:lnRef idx="1">
-                <a:schemeClr val="accent1"/>
-              </a:lnRef>
-              <a:fillRef idx="0">
-                <a:schemeClr val="accent1"/>
-              </a:fillRef>
-              <a:effectRef idx="0">
-                <a:schemeClr val="accent1"/>
-              </a:effectRef>
-              <a:fontRef idx="minor">
-                <a:schemeClr val="tx1"/>
-              </a:fontRef>
-            </p:style>
-          </p:cxnSp>
-          <p:cxnSp>
-            <p:nvCxnSpPr>
-              <p:cNvPr id="44" name="Connector: Curved 43">
-                <a:extLst>
-                  <a:ext uri="{FF2B5EF4-FFF2-40B4-BE49-F238E27FC236}">
-                    <a16:creationId xmlns:a16="http://schemas.microsoft.com/office/drawing/2014/main" id="{7817522F-F6DE-4805-AA4B-C1E23CA30E5A}"/>
-                  </a:ext>
-                </a:extLst>
-              </p:cNvPr>
-              <p:cNvCxnSpPr>
-                <a:cxnSpLocks/>
-                <a:stCxn id="55" idx="2"/>
-                <a:endCxn id="56" idx="2"/>
-              </p:cNvCxnSpPr>
-              <p:nvPr/>
-            </p:nvCxnSpPr>
-            <p:spPr>
-              <a:xfrm rot="10800000" flipV="1">
-                <a:off x="5256245" y="4270310"/>
-                <a:ext cx="1" cy="1757787"/>
-              </a:xfrm>
-              <a:prstGeom prst="curvedConnector3">
-                <a:avLst>
-                  <a:gd name="adj1" fmla="val 22860100000"/>
-                </a:avLst>
-              </a:prstGeom>
-              <a:ln w="19050">
-                <a:solidFill>
-                  <a:schemeClr val="bg2">
-                    <a:lumMod val="60000"/>
-                    <a:lumOff val="40000"/>
-                  </a:schemeClr>
-                </a:solidFill>
-                <a:tailEnd type="triangle"/>
-              </a:ln>
-            </p:spPr>
-            <p:style>
-              <a:lnRef idx="1">
-                <a:schemeClr val="accent1"/>
-              </a:lnRef>
-              <a:fillRef idx="0">
-                <a:schemeClr val="accent1"/>
-              </a:fillRef>
-              <a:effectRef idx="0">
-                <a:schemeClr val="accent1"/>
-              </a:effectRef>
-              <a:fontRef idx="minor">
-                <a:schemeClr val="tx1"/>
-              </a:fontRef>
-            </p:style>
-          </p:cxnSp>
-          <p:cxnSp>
-            <p:nvCxnSpPr>
-              <p:cNvPr id="45" name="Connector: Curved 44">
-                <a:extLst>
-                  <a:ext uri="{FF2B5EF4-FFF2-40B4-BE49-F238E27FC236}">
-                    <a16:creationId xmlns:a16="http://schemas.microsoft.com/office/drawing/2014/main" id="{37311BE2-97CB-43A2-A9E9-7003E117763D}"/>
-                  </a:ext>
-                </a:extLst>
-              </p:cNvPr>
-              <p:cNvCxnSpPr>
-                <a:stCxn id="54" idx="1"/>
-                <a:endCxn id="54" idx="0"/>
-              </p:cNvCxnSpPr>
-              <p:nvPr/>
-            </p:nvCxnSpPr>
-            <p:spPr>
-              <a:xfrm rot="5400000" flipH="1" flipV="1">
-                <a:off x="3190237" y="3720433"/>
-                <a:ext cx="132089" cy="329887"/>
-              </a:xfrm>
-              <a:prstGeom prst="curvedConnector3">
-                <a:avLst>
-                  <a:gd name="adj1" fmla="val 376669"/>
-                </a:avLst>
-              </a:prstGeom>
-              <a:ln w="19050">
-                <a:solidFill>
-                  <a:schemeClr val="bg2">
-                    <a:lumMod val="60000"/>
-                    <a:lumOff val="40000"/>
-                  </a:schemeClr>
-                </a:solidFill>
-                <a:tailEnd type="triangle"/>
-              </a:ln>
-            </p:spPr>
-            <p:style>
-              <a:lnRef idx="1">
-                <a:schemeClr val="accent1"/>
-              </a:lnRef>
-              <a:fillRef idx="0">
-                <a:schemeClr val="accent1"/>
-              </a:fillRef>
-              <a:effectRef idx="0">
-                <a:schemeClr val="accent1"/>
-              </a:effectRef>
-              <a:fontRef idx="minor">
-                <a:schemeClr val="tx1"/>
-              </a:fontRef>
-            </p:style>
-          </p:cxnSp>
-          <p:cxnSp>
-            <p:nvCxnSpPr>
-              <p:cNvPr id="46" name="Connector: Curved 45">
-                <a:extLst>
-                  <a:ext uri="{FF2B5EF4-FFF2-40B4-BE49-F238E27FC236}">
-                    <a16:creationId xmlns:a16="http://schemas.microsoft.com/office/drawing/2014/main" id="{3E1A74C5-261B-4AC2-94CC-857730A93DA6}"/>
-                  </a:ext>
-                </a:extLst>
-              </p:cNvPr>
-              <p:cNvCxnSpPr>
-                <a:cxnSpLocks/>
-                <a:stCxn id="56" idx="6"/>
-                <a:endCxn id="55" idx="6"/>
-              </p:cNvCxnSpPr>
-              <p:nvPr/>
-            </p:nvCxnSpPr>
-            <p:spPr>
-              <a:xfrm flipV="1">
-                <a:off x="6189305" y="4270311"/>
-                <a:ext cx="1" cy="1757787"/>
-              </a:xfrm>
-              <a:prstGeom prst="curvedConnector3">
-                <a:avLst>
-                  <a:gd name="adj1" fmla="val 22860100000"/>
-                </a:avLst>
-              </a:prstGeom>
-              <a:ln w="19050">
-                <a:solidFill>
-                  <a:schemeClr val="bg2">
-                    <a:lumMod val="60000"/>
-                    <a:lumOff val="40000"/>
-                  </a:schemeClr>
-                </a:solidFill>
-                <a:tailEnd type="triangle"/>
-              </a:ln>
-            </p:spPr>
-            <p:style>
-              <a:lnRef idx="1">
-                <a:schemeClr val="accent1"/>
-              </a:lnRef>
-              <a:fillRef idx="0">
-                <a:schemeClr val="accent1"/>
-              </a:fillRef>
-              <a:effectRef idx="0">
-                <a:schemeClr val="accent1"/>
-              </a:effectRef>
-              <a:fontRef idx="minor">
-                <a:schemeClr val="tx1"/>
-              </a:fontRef>
-            </p:style>
-          </p:cxnSp>
-          <p:sp>
-            <p:nvSpPr>
-              <p:cNvPr id="47" name="TextBox 46">
-                <a:extLst>
-                  <a:ext uri="{FF2B5EF4-FFF2-40B4-BE49-F238E27FC236}">
-                    <a16:creationId xmlns:a16="http://schemas.microsoft.com/office/drawing/2014/main" id="{F4B6FAB4-98FC-44E4-9A6E-8789BD6BB5FA}"/>
-                  </a:ext>
-                </a:extLst>
-              </p:cNvPr>
-              <p:cNvSpPr txBox="1"/>
-              <p:nvPr/>
-            </p:nvSpPr>
-            <p:spPr>
-              <a:xfrm>
-                <a:off x="4421095" y="3184849"/>
-                <a:ext cx="314510" cy="369332"/>
-              </a:xfrm>
-              <a:prstGeom prst="rect">
-                <a:avLst/>
-              </a:prstGeom>
-              <a:noFill/>
-            </p:spPr>
-            <p:txBody>
-              <a:bodyPr wrap="none" rtlCol="0">
-                <a:spAutoFit/>
-              </a:bodyPr>
-              <a:lstStyle/>
-              <a:p>
-                <a:r>
-                  <a:rPr lang="el-GR" dirty="0">
-                    <a:solidFill>
-                      <a:schemeClr val="bg1">
-                        <a:lumMod val="75000"/>
-                        <a:lumOff val="25000"/>
-                      </a:schemeClr>
-                    </a:solidFill>
-                  </a:rPr>
-                  <a:t>α</a:t>
-                </a:r>
-                <a:endParaRPr lang="en-US" dirty="0">
-                  <a:solidFill>
-                    <a:schemeClr val="bg1">
-                      <a:lumMod val="75000"/>
-                      <a:lumOff val="25000"/>
-                    </a:schemeClr>
-                  </a:solidFill>
-                </a:endParaRPr>
-              </a:p>
-            </p:txBody>
-          </p:sp>
-          <p:sp>
-            <p:nvSpPr>
-              <p:cNvPr id="48" name="TextBox 47">
-                <a:extLst>
-                  <a:ext uri="{FF2B5EF4-FFF2-40B4-BE49-F238E27FC236}">
-                    <a16:creationId xmlns:a16="http://schemas.microsoft.com/office/drawing/2014/main" id="{5A6F714A-4081-499B-9A84-F8EC41D0A68E}"/>
-                  </a:ext>
-                </a:extLst>
-              </p:cNvPr>
-              <p:cNvSpPr txBox="1"/>
-              <p:nvPr/>
-            </p:nvSpPr>
-            <p:spPr>
-              <a:xfrm>
-                <a:off x="3455237" y="4975549"/>
-                <a:ext cx="314510" cy="369332"/>
-              </a:xfrm>
-              <a:prstGeom prst="rect">
-                <a:avLst/>
-              </a:prstGeom>
-              <a:noFill/>
-            </p:spPr>
-            <p:txBody>
-              <a:bodyPr wrap="none" rtlCol="0">
-                <a:spAutoFit/>
-              </a:bodyPr>
-              <a:lstStyle/>
-              <a:p>
-                <a:r>
-                  <a:rPr lang="el-GR" dirty="0">
-                    <a:solidFill>
-                      <a:schemeClr val="bg1">
-                        <a:lumMod val="75000"/>
-                        <a:lumOff val="25000"/>
-                      </a:schemeClr>
-                    </a:solidFill>
-                  </a:rPr>
-                  <a:t>α</a:t>
-                </a:r>
-                <a:endParaRPr lang="en-US" dirty="0">
-                  <a:solidFill>
-                    <a:schemeClr val="bg1">
-                      <a:lumMod val="75000"/>
-                      <a:lumOff val="25000"/>
-                    </a:schemeClr>
-                  </a:solidFill>
-                </a:endParaRPr>
-              </a:p>
-            </p:txBody>
-          </p:sp>
-          <p:sp>
-            <p:nvSpPr>
-              <p:cNvPr id="49" name="TextBox 48">
-                <a:extLst>
-                  <a:ext uri="{FF2B5EF4-FFF2-40B4-BE49-F238E27FC236}">
-                    <a16:creationId xmlns:a16="http://schemas.microsoft.com/office/drawing/2014/main" id="{9A21A529-C79B-4AB4-BEC1-06646094190B}"/>
-                  </a:ext>
-                </a:extLst>
-              </p:cNvPr>
-              <p:cNvSpPr txBox="1"/>
-              <p:nvPr/>
-            </p:nvSpPr>
-            <p:spPr>
-              <a:xfrm>
-                <a:off x="6507882" y="4972473"/>
-                <a:ext cx="314510" cy="369332"/>
-              </a:xfrm>
-              <a:prstGeom prst="rect">
-                <a:avLst/>
-              </a:prstGeom>
-              <a:noFill/>
-            </p:spPr>
-            <p:txBody>
-              <a:bodyPr wrap="none" rtlCol="0">
-                <a:spAutoFit/>
-              </a:bodyPr>
-              <a:lstStyle/>
-              <a:p>
-                <a:r>
-                  <a:rPr lang="el-GR" dirty="0">
-                    <a:solidFill>
-                      <a:schemeClr val="bg1">
-                        <a:lumMod val="75000"/>
-                        <a:lumOff val="25000"/>
-                      </a:schemeClr>
-                    </a:solidFill>
-                  </a:rPr>
-                  <a:t>α</a:t>
-                </a:r>
-                <a:endParaRPr lang="en-US" dirty="0">
-                  <a:solidFill>
-                    <a:schemeClr val="bg1">
-                      <a:lumMod val="75000"/>
-                      <a:lumOff val="25000"/>
-                    </a:schemeClr>
-                  </a:solidFill>
-                </a:endParaRPr>
-              </a:p>
-            </p:txBody>
-          </p:sp>
-          <p:sp>
-            <p:nvSpPr>
-              <p:cNvPr id="50" name="TextBox 49">
-                <a:extLst>
-                  <a:ext uri="{FF2B5EF4-FFF2-40B4-BE49-F238E27FC236}">
-                    <a16:creationId xmlns:a16="http://schemas.microsoft.com/office/drawing/2014/main" id="{2CAD0883-23EF-4E12-B25A-310AEDB78FC8}"/>
-                  </a:ext>
-                </a:extLst>
-              </p:cNvPr>
-              <p:cNvSpPr txBox="1"/>
-              <p:nvPr/>
-            </p:nvSpPr>
-            <p:spPr>
-              <a:xfrm>
-                <a:off x="4702807" y="4975549"/>
-                <a:ext cx="314510" cy="369332"/>
-              </a:xfrm>
-              <a:prstGeom prst="rect">
-                <a:avLst/>
-              </a:prstGeom>
-              <a:noFill/>
-            </p:spPr>
-            <p:txBody>
-              <a:bodyPr wrap="none" rtlCol="0">
-                <a:spAutoFit/>
-              </a:bodyPr>
-              <a:lstStyle/>
-              <a:p>
-                <a:r>
-                  <a:rPr lang="el-GR" dirty="0">
-                    <a:solidFill>
-                      <a:schemeClr val="bg1">
-                        <a:lumMod val="75000"/>
-                        <a:lumOff val="25000"/>
-                      </a:schemeClr>
-                    </a:solidFill>
-                  </a:rPr>
-                  <a:t>β</a:t>
-                </a:r>
-                <a:endParaRPr lang="en-US" dirty="0">
-                  <a:solidFill>
-                    <a:schemeClr val="bg1">
-                      <a:lumMod val="75000"/>
-                      <a:lumOff val="25000"/>
-                    </a:schemeClr>
-                  </a:solidFill>
-                </a:endParaRPr>
-              </a:p>
-            </p:txBody>
-          </p:sp>
-          <p:sp>
-            <p:nvSpPr>
-              <p:cNvPr id="51" name="TextBox 50">
-                <a:extLst>
-                  <a:ext uri="{FF2B5EF4-FFF2-40B4-BE49-F238E27FC236}">
-                    <a16:creationId xmlns:a16="http://schemas.microsoft.com/office/drawing/2014/main" id="{9C748B3D-83C3-4253-845B-56C881527CEE}"/>
-                  </a:ext>
-                </a:extLst>
-              </p:cNvPr>
-              <p:cNvSpPr txBox="1"/>
-              <p:nvPr/>
-            </p:nvSpPr>
-            <p:spPr>
-              <a:xfrm>
-                <a:off x="3099026" y="3000183"/>
-                <a:ext cx="314510" cy="369332"/>
-              </a:xfrm>
-              <a:prstGeom prst="rect">
-                <a:avLst/>
-              </a:prstGeom>
-              <a:noFill/>
-            </p:spPr>
-            <p:txBody>
-              <a:bodyPr wrap="none" rtlCol="0">
-                <a:spAutoFit/>
-              </a:bodyPr>
-              <a:lstStyle/>
-              <a:p>
-                <a:r>
-                  <a:rPr lang="el-GR" dirty="0">
-                    <a:solidFill>
-                      <a:schemeClr val="bg1">
-                        <a:lumMod val="75000"/>
-                        <a:lumOff val="25000"/>
-                      </a:schemeClr>
-                    </a:solidFill>
-                  </a:rPr>
-                  <a:t>β</a:t>
-                </a:r>
-                <a:endParaRPr lang="en-US" dirty="0">
-                  <a:solidFill>
-                    <a:schemeClr val="bg1">
-                      <a:lumMod val="75000"/>
-                      <a:lumOff val="25000"/>
-                    </a:schemeClr>
-                  </a:solidFill>
-                </a:endParaRPr>
-              </a:p>
-            </p:txBody>
-          </p:sp>
-          <p:cxnSp>
-            <p:nvCxnSpPr>
-              <p:cNvPr id="52" name="Straight Arrow Connector 51">
-                <a:extLst>
-                  <a:ext uri="{FF2B5EF4-FFF2-40B4-BE49-F238E27FC236}">
-                    <a16:creationId xmlns:a16="http://schemas.microsoft.com/office/drawing/2014/main" id="{F742DFF2-4C00-4C33-ADE2-21D9EA6C6FDA}"/>
-                  </a:ext>
-                </a:extLst>
-              </p:cNvPr>
-              <p:cNvCxnSpPr>
-                <a:endCxn id="54" idx="2"/>
-              </p:cNvCxnSpPr>
-              <p:nvPr/>
-            </p:nvCxnSpPr>
-            <p:spPr>
-              <a:xfrm flipV="1">
-                <a:off x="2513045" y="4270311"/>
-                <a:ext cx="441649" cy="6349"/>
-              </a:xfrm>
-              <a:prstGeom prst="straightConnector1">
-                <a:avLst/>
-              </a:prstGeom>
-              <a:ln w="57150">
-                <a:solidFill>
-                  <a:srgbClr val="FF0000"/>
-                </a:solidFill>
-                <a:tailEnd type="triangle"/>
-              </a:ln>
-            </p:spPr>
-            <p:style>
-              <a:lnRef idx="1">
-                <a:schemeClr val="accent1"/>
-              </a:lnRef>
-              <a:fillRef idx="0">
-                <a:schemeClr val="accent1"/>
-              </a:fillRef>
-              <a:effectRef idx="0">
-                <a:schemeClr val="accent1"/>
-              </a:effectRef>
-              <a:fontRef idx="minor">
-                <a:schemeClr val="tx1"/>
-              </a:fontRef>
-            </p:style>
-          </p:cxnSp>
-          <p:sp>
-            <p:nvSpPr>
-              <p:cNvPr id="53" name="TextBox 52">
-                <a:extLst>
-                  <a:ext uri="{FF2B5EF4-FFF2-40B4-BE49-F238E27FC236}">
-                    <a16:creationId xmlns:a16="http://schemas.microsoft.com/office/drawing/2014/main" id="{D35289A5-FBAD-46F4-8526-B3BA8C9E1462}"/>
-                  </a:ext>
-                </a:extLst>
-              </p:cNvPr>
-              <p:cNvSpPr txBox="1"/>
-              <p:nvPr/>
-            </p:nvSpPr>
-            <p:spPr>
-              <a:xfrm>
-                <a:off x="2509890" y="3856783"/>
-                <a:ext cx="296876" cy="369332"/>
-              </a:xfrm>
-              <a:prstGeom prst="rect">
-                <a:avLst/>
-              </a:prstGeom>
-              <a:noFill/>
-            </p:spPr>
-            <p:txBody>
-              <a:bodyPr wrap="none" rtlCol="0">
-                <a:spAutoFit/>
-              </a:bodyPr>
-              <a:lstStyle/>
-              <a:p>
-                <a:r>
-                  <a:rPr lang="el-GR" dirty="0">
-                    <a:solidFill>
-                      <a:schemeClr val="bg1">
-                        <a:lumMod val="75000"/>
-                        <a:lumOff val="25000"/>
-                      </a:schemeClr>
-                    </a:solidFill>
-                  </a:rPr>
-                  <a:t>γ</a:t>
-                </a:r>
-                <a:endParaRPr lang="en-US" dirty="0">
-                  <a:solidFill>
-                    <a:schemeClr val="bg1">
-                      <a:lumMod val="75000"/>
-                      <a:lumOff val="25000"/>
-                    </a:schemeClr>
-                  </a:solidFill>
-                </a:endParaRPr>
-              </a:p>
-            </p:txBody>
-          </p:sp>
-        </p:grpSp>
-        <p:sp>
-          <p:nvSpPr>
-            <p:cNvPr id="33" name="Oval 32">
-              <a:extLst>
-                <a:ext uri="{FF2B5EF4-FFF2-40B4-BE49-F238E27FC236}">
-                  <a16:creationId xmlns:a16="http://schemas.microsoft.com/office/drawing/2014/main" id="{6F164376-5D75-43DE-A104-C916DDCFE0A3}"/>
+                  <a16:creationId xmlns:a16="http://schemas.microsoft.com/office/drawing/2014/main" id="{E7D0E324-1C52-44A9-AE68-995500CFFFAD}"/>
                 </a:ext>
               </a:extLst>
             </p:cNvPr>
@@ -10567,7 +10104,7 @@
           </p:nvSpPr>
           <p:spPr>
             <a:xfrm>
-              <a:off x="3736530" y="4812397"/>
+              <a:off x="1026367" y="2768082"/>
               <a:ext cx="933061" cy="901959"/>
             </a:xfrm>
             <a:prstGeom prst="ellipse">
@@ -10613,265 +10150,1108 @@
               </a:r>
               <a:r>
                 <a:rPr lang="en-US" baseline="-25000" dirty="0"/>
-                <a:t>3</a:t>
+                <a:t>0</a:t>
               </a:r>
             </a:p>
           </p:txBody>
         </p:sp>
-        <p:cxnSp>
-          <p:nvCxnSpPr>
-            <p:cNvPr id="34" name="Connector: Curved 33">
+        <p:sp>
+          <p:nvSpPr>
+            <p:cNvPr id="55" name="Oval 54">
               <a:extLst>
                 <a:ext uri="{FF2B5EF4-FFF2-40B4-BE49-F238E27FC236}">
-                  <a16:creationId xmlns:a16="http://schemas.microsoft.com/office/drawing/2014/main" id="{9992816D-5CEB-47DE-A956-9B6CB65C82DB}"/>
+                  <a16:creationId xmlns:a16="http://schemas.microsoft.com/office/drawing/2014/main" id="{B723CE0E-2F76-4A2F-8C4C-C7E1386D1F88}"/>
                 </a:ext>
               </a:extLst>
             </p:cNvPr>
-            <p:cNvCxnSpPr>
-              <a:cxnSpLocks/>
-              <a:stCxn id="33" idx="0"/>
-              <a:endCxn id="54" idx="4"/>
-            </p:cNvCxnSpPr>
+            <p:cNvSpPr/>
             <p:nvPr/>
-          </p:nvCxnSpPr>
+          </p:nvSpPr>
           <p:spPr>
-            <a:xfrm rot="5400000" flipH="1" flipV="1">
-              <a:off x="3773563" y="4382899"/>
-              <a:ext cx="858997" cy="12700"/>
+            <a:xfrm>
+              <a:off x="3327918" y="2768082"/>
+              <a:ext cx="933061" cy="901959"/>
             </a:xfrm>
-            <a:prstGeom prst="curvedConnector3">
-              <a:avLst>
-                <a:gd name="adj1" fmla="val 50000"/>
-              </a:avLst>
+            <a:prstGeom prst="ellipse">
+              <a:avLst/>
             </a:prstGeom>
-            <a:ln w="19050">
+            <a:solidFill>
+              <a:schemeClr val="tx1">
+                <a:lumMod val="85000"/>
+              </a:schemeClr>
+            </a:solidFill>
+            <a:ln>
               <a:solidFill>
                 <a:schemeClr val="bg2">
-                  <a:lumMod val="60000"/>
-                  <a:lumOff val="40000"/>
+                  <a:lumMod val="50000"/>
                 </a:schemeClr>
               </a:solidFill>
-              <a:tailEnd type="triangle"/>
             </a:ln>
           </p:spPr>
           <p:style>
-            <a:lnRef idx="1">
-              <a:schemeClr val="accent1"/>
+            <a:lnRef idx="2">
+              <a:schemeClr val="accent1">
+                <a:shade val="50000"/>
+              </a:schemeClr>
             </a:lnRef>
-            <a:fillRef idx="0">
+            <a:fillRef idx="1">
               <a:schemeClr val="accent1"/>
             </a:fillRef>
             <a:effectRef idx="0">
               <a:schemeClr val="accent1"/>
             </a:effectRef>
             <a:fontRef idx="minor">
-              <a:schemeClr val="tx1"/>
+              <a:schemeClr val="lt1"/>
             </a:fontRef>
           </p:style>
-        </p:cxnSp>
-        <p:cxnSp>
-          <p:nvCxnSpPr>
-            <p:cNvPr id="36" name="Connector: Curved 35">
+          <p:txBody>
+            <a:bodyPr rtlCol="0" anchor="ctr"/>
+            <a:lstStyle/>
+            <a:p>
+              <a:pPr algn="ctr"/>
+              <a:r>
+                <a:rPr lang="en-US" dirty="0"/>
+                <a:t>S</a:t>
+              </a:r>
+              <a:r>
+                <a:rPr lang="en-US" baseline="-25000" dirty="0"/>
+                <a:t>1</a:t>
+              </a:r>
+            </a:p>
+          </p:txBody>
+        </p:sp>
+        <p:sp>
+          <p:nvSpPr>
+            <p:cNvPr id="56" name="Oval 55">
               <a:extLst>
                 <a:ext uri="{FF2B5EF4-FFF2-40B4-BE49-F238E27FC236}">
-                  <a16:creationId xmlns:a16="http://schemas.microsoft.com/office/drawing/2014/main" id="{A432E00A-3772-4344-8FA3-B7F65993BF01}"/>
+                  <a16:creationId xmlns:a16="http://schemas.microsoft.com/office/drawing/2014/main" id="{94A56C81-AC44-4D8D-B947-72945C15F79F}"/>
                 </a:ext>
               </a:extLst>
             </p:cNvPr>
-            <p:cNvCxnSpPr>
-              <a:cxnSpLocks/>
-              <a:stCxn id="33" idx="4"/>
-              <a:endCxn id="33" idx="2"/>
-            </p:cNvCxnSpPr>
+            <p:cNvSpPr/>
             <p:nvPr/>
-          </p:nvCxnSpPr>
+          </p:nvSpPr>
           <p:spPr>
-            <a:xfrm rot="5400000" flipH="1">
-              <a:off x="3744306" y="5255602"/>
-              <a:ext cx="450979" cy="466531"/>
+            <a:xfrm>
+              <a:off x="3327917" y="4525869"/>
+              <a:ext cx="933061" cy="901959"/>
             </a:xfrm>
-            <a:prstGeom prst="curvedConnector4">
-              <a:avLst>
-                <a:gd name="adj1" fmla="val -50690"/>
-                <a:gd name="adj2" fmla="val 149000"/>
-              </a:avLst>
+            <a:prstGeom prst="ellipse">
+              <a:avLst/>
             </a:prstGeom>
-            <a:ln w="19050">
+            <a:solidFill>
+              <a:schemeClr val="tx1">
+                <a:lumMod val="85000"/>
+              </a:schemeClr>
+            </a:solidFill>
+            <a:ln>
               <a:solidFill>
                 <a:schemeClr val="bg2">
-                  <a:lumMod val="60000"/>
-                  <a:lumOff val="40000"/>
+                  <a:lumMod val="50000"/>
                 </a:schemeClr>
               </a:solidFill>
-              <a:tailEnd type="triangle"/>
             </a:ln>
           </p:spPr>
           <p:style>
-            <a:lnRef idx="1">
-              <a:schemeClr val="accent1"/>
+            <a:lnRef idx="2">
+              <a:schemeClr val="accent1">
+                <a:shade val="50000"/>
+              </a:schemeClr>
             </a:lnRef>
-            <a:fillRef idx="0">
+            <a:fillRef idx="1">
               <a:schemeClr val="accent1"/>
             </a:fillRef>
             <a:effectRef idx="0">
               <a:schemeClr val="accent1"/>
             </a:effectRef>
             <a:fontRef idx="minor">
-              <a:schemeClr val="tx1"/>
+              <a:schemeClr val="lt1"/>
             </a:fontRef>
           </p:style>
-        </p:cxnSp>
-        <p:sp>
-          <p:nvSpPr>
-            <p:cNvPr id="37" name="TextBox 36">
-              <a:extLst>
-                <a:ext uri="{FF2B5EF4-FFF2-40B4-BE49-F238E27FC236}">
-                  <a16:creationId xmlns:a16="http://schemas.microsoft.com/office/drawing/2014/main" id="{59203938-D9DF-4229-AF00-1A9A14DB0F51}"/>
-                </a:ext>
-              </a:extLst>
-            </p:cNvPr>
-            <p:cNvSpPr txBox="1"/>
-            <p:nvPr/>
-          </p:nvSpPr>
-          <p:spPr>
-            <a:xfrm>
-              <a:off x="6504610" y="2232293"/>
-              <a:ext cx="314510" cy="369332"/>
-            </a:xfrm>
-            <a:prstGeom prst="rect">
-              <a:avLst/>
-            </a:prstGeom>
-            <a:noFill/>
-          </p:spPr>
           <p:txBody>
-            <a:bodyPr wrap="none" rtlCol="0">
-              <a:spAutoFit/>
-            </a:bodyPr>
+            <a:bodyPr rtlCol="0" anchor="ctr"/>
             <a:lstStyle/>
             <a:p>
+              <a:pPr algn="ctr"/>
               <a:r>
-                <a:rPr lang="el-GR" dirty="0">
-                  <a:solidFill>
-                    <a:schemeClr val="bg1">
-                      <a:lumMod val="75000"/>
-                      <a:lumOff val="25000"/>
-                    </a:schemeClr>
-                  </a:solidFill>
-                </a:rPr>
-                <a:t>α</a:t>
+                <a:rPr lang="en-US" dirty="0"/>
+                <a:t>S</a:t>
               </a:r>
-              <a:endParaRPr lang="en-US" dirty="0">
+              <a:r>
+                <a:rPr lang="en-US" baseline="-25000" dirty="0"/>
+                <a:t>2</a:t>
+              </a:r>
+            </a:p>
+          </p:txBody>
+        </p:sp>
+      </p:grpSp>
+      <p:cxnSp>
+        <p:nvCxnSpPr>
+          <p:cNvPr id="41" name="Connector: Curved 40">
+            <a:extLst>
+              <a:ext uri="{FF2B5EF4-FFF2-40B4-BE49-F238E27FC236}">
+                <a16:creationId xmlns:a16="http://schemas.microsoft.com/office/drawing/2014/main" id="{CC1578C8-AB23-4783-B90D-C7E331FC8B21}"/>
+              </a:ext>
+            </a:extLst>
+          </p:cNvPr>
+          <p:cNvCxnSpPr>
+            <a:stCxn id="54" idx="7"/>
+            <a:endCxn id="55" idx="1"/>
+          </p:cNvCxnSpPr>
+          <p:nvPr/>
+        </p:nvCxnSpPr>
+        <p:spPr>
+          <a:xfrm rot="5400000" flipH="1" flipV="1">
+            <a:off x="5409819" y="2219572"/>
+            <a:ext cx="12700" cy="1641778"/>
+          </a:xfrm>
+          <a:prstGeom prst="curvedConnector3">
+            <a:avLst>
+              <a:gd name="adj1" fmla="val 2840071"/>
+            </a:avLst>
+          </a:prstGeom>
+          <a:ln w="19050">
+            <a:solidFill>
+              <a:schemeClr val="bg2">
+                <a:lumMod val="60000"/>
+                <a:lumOff val="40000"/>
+              </a:schemeClr>
+            </a:solidFill>
+            <a:tailEnd type="triangle"/>
+          </a:ln>
+        </p:spPr>
+        <p:style>
+          <a:lnRef idx="1">
+            <a:schemeClr val="accent1"/>
+          </a:lnRef>
+          <a:fillRef idx="0">
+            <a:schemeClr val="accent1"/>
+          </a:fillRef>
+          <a:effectRef idx="0">
+            <a:schemeClr val="accent1"/>
+          </a:effectRef>
+          <a:fontRef idx="minor">
+            <a:schemeClr val="tx1"/>
+          </a:fontRef>
+        </p:style>
+      </p:cxnSp>
+      <p:cxnSp>
+        <p:nvCxnSpPr>
+          <p:cNvPr id="42" name="Connector: Curved 41">
+            <a:extLst>
+              <a:ext uri="{FF2B5EF4-FFF2-40B4-BE49-F238E27FC236}">
+                <a16:creationId xmlns:a16="http://schemas.microsoft.com/office/drawing/2014/main" id="{24C8A469-105E-4FE2-8F2D-33480D68CB79}"/>
+              </a:ext>
+            </a:extLst>
+          </p:cNvPr>
+          <p:cNvCxnSpPr>
+            <a:cxnSpLocks/>
+            <a:stCxn id="55" idx="0"/>
+            <a:endCxn id="55" idx="7"/>
+          </p:cNvCxnSpPr>
+          <p:nvPr/>
+        </p:nvCxnSpPr>
+        <p:spPr>
+          <a:xfrm rot="16200000" flipH="1">
+            <a:off x="6659493" y="2809473"/>
+            <a:ext cx="132089" cy="329886"/>
+          </a:xfrm>
+          <a:prstGeom prst="curvedConnector3">
+            <a:avLst>
+              <a:gd name="adj1" fmla="val -271960"/>
+            </a:avLst>
+          </a:prstGeom>
+          <a:ln w="19050">
+            <a:solidFill>
+              <a:schemeClr val="bg2">
+                <a:lumMod val="60000"/>
+                <a:lumOff val="40000"/>
+              </a:schemeClr>
+            </a:solidFill>
+            <a:tailEnd type="triangle"/>
+          </a:ln>
+        </p:spPr>
+        <p:style>
+          <a:lnRef idx="1">
+            <a:schemeClr val="accent1"/>
+          </a:lnRef>
+          <a:fillRef idx="0">
+            <a:schemeClr val="accent1"/>
+          </a:fillRef>
+          <a:effectRef idx="0">
+            <a:schemeClr val="accent1"/>
+          </a:effectRef>
+          <a:fontRef idx="minor">
+            <a:schemeClr val="tx1"/>
+          </a:fontRef>
+        </p:style>
+      </p:cxnSp>
+      <p:cxnSp>
+        <p:nvCxnSpPr>
+          <p:cNvPr id="43" name="Connector: Curved 42">
+            <a:extLst>
+              <a:ext uri="{FF2B5EF4-FFF2-40B4-BE49-F238E27FC236}">
+                <a16:creationId xmlns:a16="http://schemas.microsoft.com/office/drawing/2014/main" id="{A85D3472-366C-4BE8-B457-A0A05A56CA67}"/>
+              </a:ext>
+            </a:extLst>
+          </p:cNvPr>
+          <p:cNvCxnSpPr>
+            <a:cxnSpLocks/>
+            <a:stCxn id="56" idx="3"/>
+            <a:endCxn id="33" idx="5"/>
+          </p:cNvCxnSpPr>
+          <p:nvPr/>
+        </p:nvCxnSpPr>
+        <p:spPr>
+          <a:xfrm rot="5400000">
+            <a:off x="5408235" y="4616725"/>
+            <a:ext cx="3169" cy="1641777"/>
+          </a:xfrm>
+          <a:prstGeom prst="curvedConnector3">
+            <a:avLst>
+              <a:gd name="adj1" fmla="val 11481792"/>
+            </a:avLst>
+          </a:prstGeom>
+          <a:ln w="19050">
+            <a:solidFill>
+              <a:schemeClr val="bg2">
+                <a:lumMod val="60000"/>
+                <a:lumOff val="40000"/>
+              </a:schemeClr>
+            </a:solidFill>
+            <a:tailEnd type="triangle"/>
+          </a:ln>
+        </p:spPr>
+        <p:style>
+          <a:lnRef idx="1">
+            <a:schemeClr val="accent1"/>
+          </a:lnRef>
+          <a:fillRef idx="0">
+            <a:schemeClr val="accent1"/>
+          </a:fillRef>
+          <a:effectRef idx="0">
+            <a:schemeClr val="accent1"/>
+          </a:effectRef>
+          <a:fontRef idx="minor">
+            <a:schemeClr val="tx1"/>
+          </a:fontRef>
+        </p:style>
+      </p:cxnSp>
+      <p:cxnSp>
+        <p:nvCxnSpPr>
+          <p:cNvPr id="44" name="Connector: Curved 43">
+            <a:extLst>
+              <a:ext uri="{FF2B5EF4-FFF2-40B4-BE49-F238E27FC236}">
+                <a16:creationId xmlns:a16="http://schemas.microsoft.com/office/drawing/2014/main" id="{7817522F-F6DE-4805-AA4B-C1E23CA30E5A}"/>
+              </a:ext>
+            </a:extLst>
+          </p:cNvPr>
+          <p:cNvCxnSpPr>
+            <a:cxnSpLocks/>
+            <a:stCxn id="55" idx="2"/>
+            <a:endCxn id="56" idx="2"/>
+          </p:cNvCxnSpPr>
+          <p:nvPr/>
+        </p:nvCxnSpPr>
+        <p:spPr>
+          <a:xfrm rot="10800000" flipV="1">
+            <a:off x="6094064" y="3359351"/>
+            <a:ext cx="1" cy="1757787"/>
+          </a:xfrm>
+          <a:prstGeom prst="curvedConnector3">
+            <a:avLst>
+              <a:gd name="adj1" fmla="val 22860100000"/>
+            </a:avLst>
+          </a:prstGeom>
+          <a:ln w="19050">
+            <a:solidFill>
+              <a:schemeClr val="bg2">
+                <a:lumMod val="60000"/>
+                <a:lumOff val="40000"/>
+              </a:schemeClr>
+            </a:solidFill>
+            <a:tailEnd type="triangle"/>
+          </a:ln>
+        </p:spPr>
+        <p:style>
+          <a:lnRef idx="1">
+            <a:schemeClr val="accent1"/>
+          </a:lnRef>
+          <a:fillRef idx="0">
+            <a:schemeClr val="accent1"/>
+          </a:fillRef>
+          <a:effectRef idx="0">
+            <a:schemeClr val="accent1"/>
+          </a:effectRef>
+          <a:fontRef idx="minor">
+            <a:schemeClr val="tx1"/>
+          </a:fontRef>
+        </p:style>
+      </p:cxnSp>
+      <p:cxnSp>
+        <p:nvCxnSpPr>
+          <p:cNvPr id="45" name="Connector: Curved 44">
+            <a:extLst>
+              <a:ext uri="{FF2B5EF4-FFF2-40B4-BE49-F238E27FC236}">
+                <a16:creationId xmlns:a16="http://schemas.microsoft.com/office/drawing/2014/main" id="{37311BE2-97CB-43A2-A9E9-7003E117763D}"/>
+              </a:ext>
+            </a:extLst>
+          </p:cNvPr>
+          <p:cNvCxnSpPr>
+            <a:stCxn id="54" idx="1"/>
+            <a:endCxn id="54" idx="0"/>
+          </p:cNvCxnSpPr>
+          <p:nvPr/>
+        </p:nvCxnSpPr>
+        <p:spPr>
+          <a:xfrm rot="5400000" flipH="1" flipV="1">
+            <a:off x="4028056" y="2809474"/>
+            <a:ext cx="132089" cy="329887"/>
+          </a:xfrm>
+          <a:prstGeom prst="curvedConnector3">
+            <a:avLst>
+              <a:gd name="adj1" fmla="val 376669"/>
+            </a:avLst>
+          </a:prstGeom>
+          <a:ln w="19050">
+            <a:solidFill>
+              <a:schemeClr val="bg2">
+                <a:lumMod val="60000"/>
+                <a:lumOff val="40000"/>
+              </a:schemeClr>
+            </a:solidFill>
+            <a:tailEnd type="triangle"/>
+          </a:ln>
+        </p:spPr>
+        <p:style>
+          <a:lnRef idx="1">
+            <a:schemeClr val="accent1"/>
+          </a:lnRef>
+          <a:fillRef idx="0">
+            <a:schemeClr val="accent1"/>
+          </a:fillRef>
+          <a:effectRef idx="0">
+            <a:schemeClr val="accent1"/>
+          </a:effectRef>
+          <a:fontRef idx="minor">
+            <a:schemeClr val="tx1"/>
+          </a:fontRef>
+        </p:style>
+      </p:cxnSp>
+      <p:cxnSp>
+        <p:nvCxnSpPr>
+          <p:cNvPr id="46" name="Connector: Curved 45">
+            <a:extLst>
+              <a:ext uri="{FF2B5EF4-FFF2-40B4-BE49-F238E27FC236}">
+                <a16:creationId xmlns:a16="http://schemas.microsoft.com/office/drawing/2014/main" id="{3E1A74C5-261B-4AC2-94CC-857730A93DA6}"/>
+              </a:ext>
+            </a:extLst>
+          </p:cNvPr>
+          <p:cNvCxnSpPr>
+            <a:cxnSpLocks/>
+            <a:stCxn id="56" idx="6"/>
+            <a:endCxn id="55" idx="6"/>
+          </p:cNvCxnSpPr>
+          <p:nvPr/>
+        </p:nvCxnSpPr>
+        <p:spPr>
+          <a:xfrm flipV="1">
+            <a:off x="7027124" y="3359352"/>
+            <a:ext cx="1" cy="1757787"/>
+          </a:xfrm>
+          <a:prstGeom prst="curvedConnector3">
+            <a:avLst>
+              <a:gd name="adj1" fmla="val 22860100000"/>
+            </a:avLst>
+          </a:prstGeom>
+          <a:ln w="19050">
+            <a:solidFill>
+              <a:schemeClr val="bg2">
+                <a:lumMod val="60000"/>
+                <a:lumOff val="40000"/>
+              </a:schemeClr>
+            </a:solidFill>
+            <a:tailEnd type="triangle"/>
+          </a:ln>
+        </p:spPr>
+        <p:style>
+          <a:lnRef idx="1">
+            <a:schemeClr val="accent1"/>
+          </a:lnRef>
+          <a:fillRef idx="0">
+            <a:schemeClr val="accent1"/>
+          </a:fillRef>
+          <a:effectRef idx="0">
+            <a:schemeClr val="accent1"/>
+          </a:effectRef>
+          <a:fontRef idx="minor">
+            <a:schemeClr val="tx1"/>
+          </a:fontRef>
+        </p:style>
+      </p:cxnSp>
+      <p:sp>
+        <p:nvSpPr>
+          <p:cNvPr id="47" name="TextBox 46">
+            <a:extLst>
+              <a:ext uri="{FF2B5EF4-FFF2-40B4-BE49-F238E27FC236}">
+                <a16:creationId xmlns:a16="http://schemas.microsoft.com/office/drawing/2014/main" id="{F4B6FAB4-98FC-44E4-9A6E-8789BD6BB5FA}"/>
+              </a:ext>
+            </a:extLst>
+          </p:cNvPr>
+          <p:cNvSpPr txBox="1"/>
+          <p:nvPr/>
+        </p:nvSpPr>
+        <p:spPr>
+          <a:xfrm>
+            <a:off x="5258914" y="2273890"/>
+            <a:ext cx="314510" cy="369332"/>
+          </a:xfrm>
+          <a:prstGeom prst="rect">
+            <a:avLst/>
+          </a:prstGeom>
+          <a:noFill/>
+        </p:spPr>
+        <p:txBody>
+          <a:bodyPr wrap="none" rtlCol="0">
+            <a:spAutoFit/>
+          </a:bodyPr>
+          <a:lstStyle/>
+          <a:p>
+            <a:r>
+              <a:rPr lang="el-GR" dirty="0">
                 <a:solidFill>
                   <a:schemeClr val="bg1">
                     <a:lumMod val="75000"/>
                     <a:lumOff val="25000"/>
                   </a:schemeClr>
                 </a:solidFill>
-              </a:endParaRPr>
-            </a:p>
-          </p:txBody>
-        </p:sp>
-        <p:sp>
-          <p:nvSpPr>
-            <p:cNvPr id="38" name="TextBox 37">
-              <a:extLst>
-                <a:ext uri="{FF2B5EF4-FFF2-40B4-BE49-F238E27FC236}">
-                  <a16:creationId xmlns:a16="http://schemas.microsoft.com/office/drawing/2014/main" id="{28519F73-A8B1-4BD2-962D-B94441150DCD}"/>
-                </a:ext>
-              </a:extLst>
-            </p:cNvPr>
-            <p:cNvSpPr txBox="1"/>
-            <p:nvPr/>
-          </p:nvSpPr>
-          <p:spPr>
-            <a:xfrm>
-              <a:off x="5202931" y="5488867"/>
-              <a:ext cx="314510" cy="369332"/>
-            </a:xfrm>
-            <a:prstGeom prst="rect">
-              <a:avLst/>
-            </a:prstGeom>
-            <a:noFill/>
-          </p:spPr>
-          <p:txBody>
-            <a:bodyPr wrap="none" rtlCol="0">
-              <a:spAutoFit/>
-            </a:bodyPr>
-            <a:lstStyle/>
-            <a:p>
-              <a:r>
-                <a:rPr lang="el-GR" dirty="0">
-                  <a:solidFill>
-                    <a:schemeClr val="bg1">
-                      <a:lumMod val="75000"/>
-                      <a:lumOff val="25000"/>
-                    </a:schemeClr>
-                  </a:solidFill>
-                </a:rPr>
-                <a:t>β</a:t>
-              </a:r>
-              <a:endParaRPr lang="en-US" dirty="0">
+              </a:rPr>
+              <a:t>α</a:t>
+            </a:r>
+            <a:endParaRPr lang="en-US" dirty="0">
+              <a:solidFill>
+                <a:schemeClr val="bg1">
+                  <a:lumMod val="75000"/>
+                  <a:lumOff val="25000"/>
+                </a:schemeClr>
+              </a:solidFill>
+            </a:endParaRPr>
+          </a:p>
+        </p:txBody>
+      </p:sp>
+      <p:sp>
+        <p:nvSpPr>
+          <p:cNvPr id="48" name="TextBox 47">
+            <a:extLst>
+              <a:ext uri="{FF2B5EF4-FFF2-40B4-BE49-F238E27FC236}">
+                <a16:creationId xmlns:a16="http://schemas.microsoft.com/office/drawing/2014/main" id="{5A6F714A-4081-499B-9A84-F8EC41D0A68E}"/>
+              </a:ext>
+            </a:extLst>
+          </p:cNvPr>
+          <p:cNvSpPr txBox="1"/>
+          <p:nvPr/>
+        </p:nvSpPr>
+        <p:spPr>
+          <a:xfrm>
+            <a:off x="4293056" y="4064590"/>
+            <a:ext cx="314510" cy="369332"/>
+          </a:xfrm>
+          <a:prstGeom prst="rect">
+            <a:avLst/>
+          </a:prstGeom>
+          <a:noFill/>
+        </p:spPr>
+        <p:txBody>
+          <a:bodyPr wrap="none" rtlCol="0">
+            <a:spAutoFit/>
+          </a:bodyPr>
+          <a:lstStyle/>
+          <a:p>
+            <a:r>
+              <a:rPr lang="el-GR" dirty="0">
                 <a:solidFill>
                   <a:schemeClr val="bg1">
                     <a:lumMod val="75000"/>
                     <a:lumOff val="25000"/>
                   </a:schemeClr>
                 </a:solidFill>
-              </a:endParaRPr>
-            </a:p>
-          </p:txBody>
-        </p:sp>
-        <p:sp>
-          <p:nvSpPr>
-            <p:cNvPr id="39" name="TextBox 38">
-              <a:extLst>
-                <a:ext uri="{FF2B5EF4-FFF2-40B4-BE49-F238E27FC236}">
-                  <a16:creationId xmlns:a16="http://schemas.microsoft.com/office/drawing/2014/main" id="{4B13BD84-34AC-4AED-BCDC-0E2EEAB1CD6E}"/>
-                </a:ext>
-              </a:extLst>
-            </p:cNvPr>
-            <p:cNvSpPr txBox="1"/>
-            <p:nvPr/>
-          </p:nvSpPr>
-          <p:spPr>
-            <a:xfrm>
-              <a:off x="3205732" y="5488867"/>
-              <a:ext cx="314510" cy="369332"/>
-            </a:xfrm>
-            <a:prstGeom prst="rect">
-              <a:avLst/>
-            </a:prstGeom>
-            <a:noFill/>
-          </p:spPr>
-          <p:txBody>
-            <a:bodyPr wrap="none" rtlCol="0">
-              <a:spAutoFit/>
-            </a:bodyPr>
-            <a:lstStyle/>
-            <a:p>
-              <a:r>
-                <a:rPr lang="el-GR" dirty="0">
-                  <a:solidFill>
-                    <a:schemeClr val="bg1">
-                      <a:lumMod val="75000"/>
-                      <a:lumOff val="25000"/>
-                    </a:schemeClr>
-                  </a:solidFill>
-                </a:rPr>
-                <a:t>β</a:t>
-              </a:r>
-              <a:endParaRPr lang="en-US" dirty="0">
+              </a:rPr>
+              <a:t>α</a:t>
+            </a:r>
+            <a:endParaRPr lang="en-US" dirty="0">
+              <a:solidFill>
+                <a:schemeClr val="bg1">
+                  <a:lumMod val="75000"/>
+                  <a:lumOff val="25000"/>
+                </a:schemeClr>
+              </a:solidFill>
+            </a:endParaRPr>
+          </a:p>
+        </p:txBody>
+      </p:sp>
+      <p:sp>
+        <p:nvSpPr>
+          <p:cNvPr id="49" name="TextBox 48">
+            <a:extLst>
+              <a:ext uri="{FF2B5EF4-FFF2-40B4-BE49-F238E27FC236}">
+                <a16:creationId xmlns:a16="http://schemas.microsoft.com/office/drawing/2014/main" id="{9A21A529-C79B-4AB4-BEC1-06646094190B}"/>
+              </a:ext>
+            </a:extLst>
+          </p:cNvPr>
+          <p:cNvSpPr txBox="1"/>
+          <p:nvPr/>
+        </p:nvSpPr>
+        <p:spPr>
+          <a:xfrm>
+            <a:off x="7345701" y="4061514"/>
+            <a:ext cx="314510" cy="369332"/>
+          </a:xfrm>
+          <a:prstGeom prst="rect">
+            <a:avLst/>
+          </a:prstGeom>
+          <a:noFill/>
+        </p:spPr>
+        <p:txBody>
+          <a:bodyPr wrap="none" rtlCol="0">
+            <a:spAutoFit/>
+          </a:bodyPr>
+          <a:lstStyle/>
+          <a:p>
+            <a:r>
+              <a:rPr lang="el-GR" dirty="0">
                 <a:solidFill>
                   <a:schemeClr val="bg1">
                     <a:lumMod val="75000"/>
                     <a:lumOff val="25000"/>
                   </a:schemeClr>
                 </a:solidFill>
-              </a:endParaRPr>
-            </a:p>
-          </p:txBody>
-        </p:sp>
-      </p:grpSp>
+              </a:rPr>
+              <a:t>α</a:t>
+            </a:r>
+            <a:endParaRPr lang="en-US" dirty="0">
+              <a:solidFill>
+                <a:schemeClr val="bg1">
+                  <a:lumMod val="75000"/>
+                  <a:lumOff val="25000"/>
+                </a:schemeClr>
+              </a:solidFill>
+            </a:endParaRPr>
+          </a:p>
+        </p:txBody>
+      </p:sp>
+      <p:sp>
+        <p:nvSpPr>
+          <p:cNvPr id="50" name="TextBox 49">
+            <a:extLst>
+              <a:ext uri="{FF2B5EF4-FFF2-40B4-BE49-F238E27FC236}">
+                <a16:creationId xmlns:a16="http://schemas.microsoft.com/office/drawing/2014/main" id="{2CAD0883-23EF-4E12-B25A-310AEDB78FC8}"/>
+              </a:ext>
+            </a:extLst>
+          </p:cNvPr>
+          <p:cNvSpPr txBox="1"/>
+          <p:nvPr/>
+        </p:nvSpPr>
+        <p:spPr>
+          <a:xfrm>
+            <a:off x="5540626" y="4064590"/>
+            <a:ext cx="314510" cy="369332"/>
+          </a:xfrm>
+          <a:prstGeom prst="rect">
+            <a:avLst/>
+          </a:prstGeom>
+          <a:noFill/>
+        </p:spPr>
+        <p:txBody>
+          <a:bodyPr wrap="none" rtlCol="0">
+            <a:spAutoFit/>
+          </a:bodyPr>
+          <a:lstStyle/>
+          <a:p>
+            <a:r>
+              <a:rPr lang="el-GR" dirty="0">
+                <a:solidFill>
+                  <a:schemeClr val="bg1">
+                    <a:lumMod val="75000"/>
+                    <a:lumOff val="25000"/>
+                  </a:schemeClr>
+                </a:solidFill>
+              </a:rPr>
+              <a:t>β</a:t>
+            </a:r>
+            <a:endParaRPr lang="en-US" dirty="0">
+              <a:solidFill>
+                <a:schemeClr val="bg1">
+                  <a:lumMod val="75000"/>
+                  <a:lumOff val="25000"/>
+                </a:schemeClr>
+              </a:solidFill>
+            </a:endParaRPr>
+          </a:p>
+        </p:txBody>
+      </p:sp>
+      <p:sp>
+        <p:nvSpPr>
+          <p:cNvPr id="51" name="TextBox 50">
+            <a:extLst>
+              <a:ext uri="{FF2B5EF4-FFF2-40B4-BE49-F238E27FC236}">
+                <a16:creationId xmlns:a16="http://schemas.microsoft.com/office/drawing/2014/main" id="{9C748B3D-83C3-4253-845B-56C881527CEE}"/>
+              </a:ext>
+            </a:extLst>
+          </p:cNvPr>
+          <p:cNvSpPr txBox="1"/>
+          <p:nvPr/>
+        </p:nvSpPr>
+        <p:spPr>
+          <a:xfrm>
+            <a:off x="3936845" y="2089224"/>
+            <a:ext cx="314510" cy="369332"/>
+          </a:xfrm>
+          <a:prstGeom prst="rect">
+            <a:avLst/>
+          </a:prstGeom>
+          <a:noFill/>
+        </p:spPr>
+        <p:txBody>
+          <a:bodyPr wrap="none" rtlCol="0">
+            <a:spAutoFit/>
+          </a:bodyPr>
+          <a:lstStyle/>
+          <a:p>
+            <a:r>
+              <a:rPr lang="el-GR" dirty="0">
+                <a:solidFill>
+                  <a:schemeClr val="bg1">
+                    <a:lumMod val="75000"/>
+                    <a:lumOff val="25000"/>
+                  </a:schemeClr>
+                </a:solidFill>
+              </a:rPr>
+              <a:t>β</a:t>
+            </a:r>
+            <a:endParaRPr lang="en-US" dirty="0">
+              <a:solidFill>
+                <a:schemeClr val="bg1">
+                  <a:lumMod val="75000"/>
+                  <a:lumOff val="25000"/>
+                </a:schemeClr>
+              </a:solidFill>
+            </a:endParaRPr>
+          </a:p>
+        </p:txBody>
+      </p:sp>
+      <p:cxnSp>
+        <p:nvCxnSpPr>
+          <p:cNvPr id="52" name="Straight Arrow Connector 51">
+            <a:extLst>
+              <a:ext uri="{FF2B5EF4-FFF2-40B4-BE49-F238E27FC236}">
+                <a16:creationId xmlns:a16="http://schemas.microsoft.com/office/drawing/2014/main" id="{F742DFF2-4C00-4C33-ADE2-21D9EA6C6FDA}"/>
+              </a:ext>
+            </a:extLst>
+          </p:cNvPr>
+          <p:cNvCxnSpPr>
+            <a:endCxn id="54" idx="2"/>
+          </p:cNvCxnSpPr>
+          <p:nvPr/>
+        </p:nvCxnSpPr>
+        <p:spPr>
+          <a:xfrm flipV="1">
+            <a:off x="3350864" y="3359352"/>
+            <a:ext cx="441649" cy="6349"/>
+          </a:xfrm>
+          <a:prstGeom prst="straightConnector1">
+            <a:avLst/>
+          </a:prstGeom>
+          <a:ln w="57150">
+            <a:solidFill>
+              <a:srgbClr val="FF0000"/>
+            </a:solidFill>
+            <a:tailEnd type="triangle"/>
+          </a:ln>
+        </p:spPr>
+        <p:style>
+          <a:lnRef idx="1">
+            <a:schemeClr val="accent1"/>
+          </a:lnRef>
+          <a:fillRef idx="0">
+            <a:schemeClr val="accent1"/>
+          </a:fillRef>
+          <a:effectRef idx="0">
+            <a:schemeClr val="accent1"/>
+          </a:effectRef>
+          <a:fontRef idx="minor">
+            <a:schemeClr val="tx1"/>
+          </a:fontRef>
+        </p:style>
+      </p:cxnSp>
+      <p:sp>
+        <p:nvSpPr>
+          <p:cNvPr id="53" name="TextBox 52">
+            <a:extLst>
+              <a:ext uri="{FF2B5EF4-FFF2-40B4-BE49-F238E27FC236}">
+                <a16:creationId xmlns:a16="http://schemas.microsoft.com/office/drawing/2014/main" id="{D35289A5-FBAD-46F4-8526-B3BA8C9E1462}"/>
+              </a:ext>
+            </a:extLst>
+          </p:cNvPr>
+          <p:cNvSpPr txBox="1"/>
+          <p:nvPr/>
+        </p:nvSpPr>
+        <p:spPr>
+          <a:xfrm>
+            <a:off x="3347709" y="2945824"/>
+            <a:ext cx="296876" cy="369332"/>
+          </a:xfrm>
+          <a:prstGeom prst="rect">
+            <a:avLst/>
+          </a:prstGeom>
+          <a:noFill/>
+        </p:spPr>
+        <p:txBody>
+          <a:bodyPr wrap="none" rtlCol="0">
+            <a:spAutoFit/>
+          </a:bodyPr>
+          <a:lstStyle/>
+          <a:p>
+            <a:r>
+              <a:rPr lang="el-GR" dirty="0">
+                <a:solidFill>
+                  <a:schemeClr val="bg1">
+                    <a:lumMod val="75000"/>
+                    <a:lumOff val="25000"/>
+                  </a:schemeClr>
+                </a:solidFill>
+              </a:rPr>
+              <a:t>γ</a:t>
+            </a:r>
+            <a:endParaRPr lang="en-US" dirty="0">
+              <a:solidFill>
+                <a:schemeClr val="bg1">
+                  <a:lumMod val="75000"/>
+                  <a:lumOff val="25000"/>
+                </a:schemeClr>
+              </a:solidFill>
+            </a:endParaRPr>
+          </a:p>
+        </p:txBody>
+      </p:sp>
+      <p:sp>
+        <p:nvSpPr>
+          <p:cNvPr id="33" name="Oval 32">
+            <a:extLst>
+              <a:ext uri="{FF2B5EF4-FFF2-40B4-BE49-F238E27FC236}">
+                <a16:creationId xmlns:a16="http://schemas.microsoft.com/office/drawing/2014/main" id="{6F164376-5D75-43DE-A104-C916DDCFE0A3}"/>
+              </a:ext>
+            </a:extLst>
+          </p:cNvPr>
+          <p:cNvSpPr/>
+          <p:nvPr/>
+        </p:nvSpPr>
+        <p:spPr>
+          <a:xfrm>
+            <a:off x="3792513" y="4669328"/>
+            <a:ext cx="933061" cy="901959"/>
+          </a:xfrm>
+          <a:prstGeom prst="ellipse">
+            <a:avLst/>
+          </a:prstGeom>
+          <a:solidFill>
+            <a:schemeClr val="tx1">
+              <a:lumMod val="85000"/>
+            </a:schemeClr>
+          </a:solidFill>
+          <a:ln>
+            <a:solidFill>
+              <a:schemeClr val="bg2">
+                <a:lumMod val="50000"/>
+              </a:schemeClr>
+            </a:solidFill>
+          </a:ln>
+        </p:spPr>
+        <p:style>
+          <a:lnRef idx="2">
+            <a:schemeClr val="accent1">
+              <a:shade val="50000"/>
+            </a:schemeClr>
+          </a:lnRef>
+          <a:fillRef idx="1">
+            <a:schemeClr val="accent1"/>
+          </a:fillRef>
+          <a:effectRef idx="0">
+            <a:schemeClr val="accent1"/>
+          </a:effectRef>
+          <a:fontRef idx="minor">
+            <a:schemeClr val="lt1"/>
+          </a:fontRef>
+        </p:style>
+        <p:txBody>
+          <a:bodyPr rtlCol="0" anchor="ctr"/>
+          <a:lstStyle/>
+          <a:p>
+            <a:pPr algn="ctr"/>
+            <a:r>
+              <a:rPr lang="en-US" dirty="0"/>
+              <a:t>S</a:t>
+            </a:r>
+            <a:r>
+              <a:rPr lang="en-US" baseline="-25000" dirty="0"/>
+              <a:t>3</a:t>
+            </a:r>
+          </a:p>
+        </p:txBody>
+      </p:sp>
+      <p:cxnSp>
+        <p:nvCxnSpPr>
+          <p:cNvPr id="34" name="Connector: Curved 33">
+            <a:extLst>
+              <a:ext uri="{FF2B5EF4-FFF2-40B4-BE49-F238E27FC236}">
+                <a16:creationId xmlns:a16="http://schemas.microsoft.com/office/drawing/2014/main" id="{9992816D-5CEB-47DE-A956-9B6CB65C82DB}"/>
+              </a:ext>
+            </a:extLst>
+          </p:cNvPr>
+          <p:cNvCxnSpPr>
+            <a:cxnSpLocks/>
+            <a:stCxn id="33" idx="0"/>
+            <a:endCxn id="54" idx="4"/>
+          </p:cNvCxnSpPr>
+          <p:nvPr/>
+        </p:nvCxnSpPr>
+        <p:spPr>
+          <a:xfrm rot="5400000" flipH="1" flipV="1">
+            <a:off x="3829546" y="4239830"/>
+            <a:ext cx="858997" cy="12700"/>
+          </a:xfrm>
+          <a:prstGeom prst="curvedConnector3">
+            <a:avLst>
+              <a:gd name="adj1" fmla="val 50000"/>
+            </a:avLst>
+          </a:prstGeom>
+          <a:ln w="19050">
+            <a:solidFill>
+              <a:schemeClr val="bg2">
+                <a:lumMod val="60000"/>
+                <a:lumOff val="40000"/>
+              </a:schemeClr>
+            </a:solidFill>
+            <a:tailEnd type="triangle"/>
+          </a:ln>
+        </p:spPr>
+        <p:style>
+          <a:lnRef idx="1">
+            <a:schemeClr val="accent1"/>
+          </a:lnRef>
+          <a:fillRef idx="0">
+            <a:schemeClr val="accent1"/>
+          </a:fillRef>
+          <a:effectRef idx="0">
+            <a:schemeClr val="accent1"/>
+          </a:effectRef>
+          <a:fontRef idx="minor">
+            <a:schemeClr val="tx1"/>
+          </a:fontRef>
+        </p:style>
+      </p:cxnSp>
+      <p:cxnSp>
+        <p:nvCxnSpPr>
+          <p:cNvPr id="36" name="Connector: Curved 35">
+            <a:extLst>
+              <a:ext uri="{FF2B5EF4-FFF2-40B4-BE49-F238E27FC236}">
+                <a16:creationId xmlns:a16="http://schemas.microsoft.com/office/drawing/2014/main" id="{A432E00A-3772-4344-8FA3-B7F65993BF01}"/>
+              </a:ext>
+            </a:extLst>
+          </p:cNvPr>
+          <p:cNvCxnSpPr>
+            <a:cxnSpLocks/>
+            <a:stCxn id="33" idx="4"/>
+            <a:endCxn id="33" idx="2"/>
+          </p:cNvCxnSpPr>
+          <p:nvPr/>
+        </p:nvCxnSpPr>
+        <p:spPr>
+          <a:xfrm rot="5400000" flipH="1">
+            <a:off x="3800289" y="5112533"/>
+            <a:ext cx="450979" cy="466531"/>
+          </a:xfrm>
+          <a:prstGeom prst="curvedConnector4">
+            <a:avLst>
+              <a:gd name="adj1" fmla="val -50690"/>
+              <a:gd name="adj2" fmla="val 149000"/>
+            </a:avLst>
+          </a:prstGeom>
+          <a:ln w="19050">
+            <a:solidFill>
+              <a:schemeClr val="bg2">
+                <a:lumMod val="60000"/>
+                <a:lumOff val="40000"/>
+              </a:schemeClr>
+            </a:solidFill>
+            <a:tailEnd type="triangle"/>
+          </a:ln>
+        </p:spPr>
+        <p:style>
+          <a:lnRef idx="1">
+            <a:schemeClr val="accent1"/>
+          </a:lnRef>
+          <a:fillRef idx="0">
+            <a:schemeClr val="accent1"/>
+          </a:fillRef>
+          <a:effectRef idx="0">
+            <a:schemeClr val="accent1"/>
+          </a:effectRef>
+          <a:fontRef idx="minor">
+            <a:schemeClr val="tx1"/>
+          </a:fontRef>
+        </p:style>
+      </p:cxnSp>
+      <p:sp>
+        <p:nvSpPr>
+          <p:cNvPr id="37" name="TextBox 36">
+            <a:extLst>
+              <a:ext uri="{FF2B5EF4-FFF2-40B4-BE49-F238E27FC236}">
+                <a16:creationId xmlns:a16="http://schemas.microsoft.com/office/drawing/2014/main" id="{59203938-D9DF-4229-AF00-1A9A14DB0F51}"/>
+              </a:ext>
+            </a:extLst>
+          </p:cNvPr>
+          <p:cNvSpPr txBox="1"/>
+          <p:nvPr/>
+        </p:nvSpPr>
+        <p:spPr>
+          <a:xfrm>
+            <a:off x="6560593" y="2089224"/>
+            <a:ext cx="314510" cy="369332"/>
+          </a:xfrm>
+          <a:prstGeom prst="rect">
+            <a:avLst/>
+          </a:prstGeom>
+          <a:noFill/>
+        </p:spPr>
+        <p:txBody>
+          <a:bodyPr wrap="none" rtlCol="0">
+            <a:spAutoFit/>
+          </a:bodyPr>
+          <a:lstStyle/>
+          <a:p>
+            <a:r>
+              <a:rPr lang="el-GR" dirty="0">
+                <a:solidFill>
+                  <a:schemeClr val="bg1">
+                    <a:lumMod val="75000"/>
+                    <a:lumOff val="25000"/>
+                  </a:schemeClr>
+                </a:solidFill>
+              </a:rPr>
+              <a:t>α</a:t>
+            </a:r>
+            <a:endParaRPr lang="en-US" dirty="0">
+              <a:solidFill>
+                <a:schemeClr val="bg1">
+                  <a:lumMod val="75000"/>
+                  <a:lumOff val="25000"/>
+                </a:schemeClr>
+              </a:solidFill>
+            </a:endParaRPr>
+          </a:p>
+        </p:txBody>
+      </p:sp>
+      <p:sp>
+        <p:nvSpPr>
+          <p:cNvPr id="38" name="TextBox 37">
+            <a:extLst>
+              <a:ext uri="{FF2B5EF4-FFF2-40B4-BE49-F238E27FC236}">
+                <a16:creationId xmlns:a16="http://schemas.microsoft.com/office/drawing/2014/main" id="{28519F73-A8B1-4BD2-962D-B94441150DCD}"/>
+              </a:ext>
+            </a:extLst>
+          </p:cNvPr>
+          <p:cNvSpPr txBox="1"/>
+          <p:nvPr/>
+        </p:nvSpPr>
+        <p:spPr>
+          <a:xfrm>
+            <a:off x="5258914" y="5345798"/>
+            <a:ext cx="314510" cy="369332"/>
+          </a:xfrm>
+          <a:prstGeom prst="rect">
+            <a:avLst/>
+          </a:prstGeom>
+          <a:noFill/>
+        </p:spPr>
+        <p:txBody>
+          <a:bodyPr wrap="none" rtlCol="0">
+            <a:spAutoFit/>
+          </a:bodyPr>
+          <a:lstStyle/>
+          <a:p>
+            <a:r>
+              <a:rPr lang="el-GR" dirty="0">
+                <a:solidFill>
+                  <a:schemeClr val="bg1">
+                    <a:lumMod val="75000"/>
+                    <a:lumOff val="25000"/>
+                  </a:schemeClr>
+                </a:solidFill>
+              </a:rPr>
+              <a:t>β</a:t>
+            </a:r>
+            <a:endParaRPr lang="en-US" dirty="0">
+              <a:solidFill>
+                <a:schemeClr val="bg1">
+                  <a:lumMod val="75000"/>
+                  <a:lumOff val="25000"/>
+                </a:schemeClr>
+              </a:solidFill>
+            </a:endParaRPr>
+          </a:p>
+        </p:txBody>
+      </p:sp>
+      <p:sp>
+        <p:nvSpPr>
+          <p:cNvPr id="39" name="TextBox 38">
+            <a:extLst>
+              <a:ext uri="{FF2B5EF4-FFF2-40B4-BE49-F238E27FC236}">
+                <a16:creationId xmlns:a16="http://schemas.microsoft.com/office/drawing/2014/main" id="{4B13BD84-34AC-4AED-BCDC-0E2EEAB1CD6E}"/>
+              </a:ext>
+            </a:extLst>
+          </p:cNvPr>
+          <p:cNvSpPr txBox="1"/>
+          <p:nvPr/>
+        </p:nvSpPr>
+        <p:spPr>
+          <a:xfrm>
+            <a:off x="3261715" y="5345798"/>
+            <a:ext cx="314510" cy="369332"/>
+          </a:xfrm>
+          <a:prstGeom prst="rect">
+            <a:avLst/>
+          </a:prstGeom>
+          <a:noFill/>
+        </p:spPr>
+        <p:txBody>
+          <a:bodyPr wrap="none" rtlCol="0">
+            <a:spAutoFit/>
+          </a:bodyPr>
+          <a:lstStyle/>
+          <a:p>
+            <a:r>
+              <a:rPr lang="el-GR" dirty="0">
+                <a:solidFill>
+                  <a:schemeClr val="bg1">
+                    <a:lumMod val="75000"/>
+                    <a:lumOff val="25000"/>
+                  </a:schemeClr>
+                </a:solidFill>
+              </a:rPr>
+              <a:t>β</a:t>
+            </a:r>
+            <a:endParaRPr lang="en-US" dirty="0">
+              <a:solidFill>
+                <a:schemeClr val="bg1">
+                  <a:lumMod val="75000"/>
+                  <a:lumOff val="25000"/>
+                </a:schemeClr>
+              </a:solidFill>
+            </a:endParaRPr>
+          </a:p>
+        </p:txBody>
+      </p:sp>
     </p:spTree>
     <p:extLst>
       <p:ext uri="{BB962C8B-B14F-4D97-AF65-F5344CB8AC3E}">
@@ -10882,6 +11262,847 @@
   <p:clrMapOvr>
     <a:masterClrMapping/>
   </p:clrMapOvr>
+  <p:timing>
+    <p:tnLst>
+      <p:par>
+        <p:cTn id="1" dur="indefinite" restart="never" nodeType="tmRoot">
+          <p:childTnLst>
+            <p:seq concurrent="1" nextAc="seek">
+              <p:cTn id="2" dur="indefinite" nodeType="mainSeq">
+                <p:childTnLst>
+                  <p:par>
+                    <p:cTn id="3" fill="hold">
+                      <p:stCondLst>
+                        <p:cond delay="indefinite"/>
+                      </p:stCondLst>
+                      <p:childTnLst>
+                        <p:par>
+                          <p:cTn id="4" fill="hold">
+                            <p:stCondLst>
+                              <p:cond delay="0"/>
+                            </p:stCondLst>
+                            <p:childTnLst>
+                              <p:par>
+                                <p:cTn id="5" presetID="22" presetClass="entr" presetSubtype="8" fill="hold" nodeType="clickEffect">
+                                  <p:stCondLst>
+                                    <p:cond delay="0"/>
+                                  </p:stCondLst>
+                                  <p:childTnLst>
+                                    <p:set>
+                                      <p:cBhvr>
+                                        <p:cTn id="6" dur="1" fill="hold">
+                                          <p:stCondLst>
+                                            <p:cond delay="0"/>
+                                          </p:stCondLst>
+                                        </p:cTn>
+                                        <p:tgtEl>
+                                          <p:spTgt spid="52"/>
+                                        </p:tgtEl>
+                                        <p:attrNameLst>
+                                          <p:attrName>style.visibility</p:attrName>
+                                        </p:attrNameLst>
+                                      </p:cBhvr>
+                                      <p:to>
+                                        <p:strVal val="visible"/>
+                                      </p:to>
+                                    </p:set>
+                                    <p:animEffect transition="in" filter="wipe(left)">
+                                      <p:cBhvr>
+                                        <p:cTn id="7" dur="500"/>
+                                        <p:tgtEl>
+                                          <p:spTgt spid="52"/>
+                                        </p:tgtEl>
+                                      </p:cBhvr>
+                                    </p:animEffect>
+                                  </p:childTnLst>
+                                </p:cTn>
+                              </p:par>
+                              <p:par>
+                                <p:cTn id="8" presetID="22" presetClass="entr" presetSubtype="8" fill="hold" grpId="0" nodeType="withEffect">
+                                  <p:stCondLst>
+                                    <p:cond delay="0"/>
+                                  </p:stCondLst>
+                                  <p:childTnLst>
+                                    <p:set>
+                                      <p:cBhvr>
+                                        <p:cTn id="9" dur="1" fill="hold">
+                                          <p:stCondLst>
+                                            <p:cond delay="0"/>
+                                          </p:stCondLst>
+                                        </p:cTn>
+                                        <p:tgtEl>
+                                          <p:spTgt spid="53"/>
+                                        </p:tgtEl>
+                                        <p:attrNameLst>
+                                          <p:attrName>style.visibility</p:attrName>
+                                        </p:attrNameLst>
+                                      </p:cBhvr>
+                                      <p:to>
+                                        <p:strVal val="visible"/>
+                                      </p:to>
+                                    </p:set>
+                                    <p:animEffect transition="in" filter="wipe(left)">
+                                      <p:cBhvr>
+                                        <p:cTn id="10" dur="500"/>
+                                        <p:tgtEl>
+                                          <p:spTgt spid="53"/>
+                                        </p:tgtEl>
+                                      </p:cBhvr>
+                                    </p:animEffect>
+                                  </p:childTnLst>
+                                </p:cTn>
+                              </p:par>
+                            </p:childTnLst>
+                          </p:cTn>
+                        </p:par>
+                        <p:par>
+                          <p:cTn id="11" fill="hold">
+                            <p:stCondLst>
+                              <p:cond delay="500"/>
+                            </p:stCondLst>
+                            <p:childTnLst>
+                              <p:par>
+                                <p:cTn id="12" presetID="22" presetClass="entr" presetSubtype="8" fill="hold" grpId="0" nodeType="afterEffect">
+                                  <p:stCondLst>
+                                    <p:cond delay="0"/>
+                                  </p:stCondLst>
+                                  <p:childTnLst>
+                                    <p:set>
+                                      <p:cBhvr>
+                                        <p:cTn id="13" dur="1" fill="hold">
+                                          <p:stCondLst>
+                                            <p:cond delay="0"/>
+                                          </p:stCondLst>
+                                        </p:cTn>
+                                        <p:tgtEl>
+                                          <p:spTgt spid="51"/>
+                                        </p:tgtEl>
+                                        <p:attrNameLst>
+                                          <p:attrName>style.visibility</p:attrName>
+                                        </p:attrNameLst>
+                                      </p:cBhvr>
+                                      <p:to>
+                                        <p:strVal val="visible"/>
+                                      </p:to>
+                                    </p:set>
+                                    <p:animEffect transition="in" filter="wipe(left)">
+                                      <p:cBhvr>
+                                        <p:cTn id="14" dur="500"/>
+                                        <p:tgtEl>
+                                          <p:spTgt spid="51"/>
+                                        </p:tgtEl>
+                                      </p:cBhvr>
+                                    </p:animEffect>
+                                  </p:childTnLst>
+                                </p:cTn>
+                              </p:par>
+                              <p:par>
+                                <p:cTn id="15" presetID="22" presetClass="entr" presetSubtype="8" fill="hold" nodeType="withEffect">
+                                  <p:stCondLst>
+                                    <p:cond delay="0"/>
+                                  </p:stCondLst>
+                                  <p:childTnLst>
+                                    <p:set>
+                                      <p:cBhvr>
+                                        <p:cTn id="16" dur="1" fill="hold">
+                                          <p:stCondLst>
+                                            <p:cond delay="0"/>
+                                          </p:stCondLst>
+                                        </p:cTn>
+                                        <p:tgtEl>
+                                          <p:spTgt spid="45"/>
+                                        </p:tgtEl>
+                                        <p:attrNameLst>
+                                          <p:attrName>style.visibility</p:attrName>
+                                        </p:attrNameLst>
+                                      </p:cBhvr>
+                                      <p:to>
+                                        <p:strVal val="visible"/>
+                                      </p:to>
+                                    </p:set>
+                                    <p:animEffect transition="in" filter="wipe(left)">
+                                      <p:cBhvr>
+                                        <p:cTn id="17" dur="500"/>
+                                        <p:tgtEl>
+                                          <p:spTgt spid="45"/>
+                                        </p:tgtEl>
+                                      </p:cBhvr>
+                                    </p:animEffect>
+                                  </p:childTnLst>
+                                </p:cTn>
+                              </p:par>
+                            </p:childTnLst>
+                          </p:cTn>
+                        </p:par>
+                        <p:par>
+                          <p:cTn id="18" fill="hold">
+                            <p:stCondLst>
+                              <p:cond delay="1000"/>
+                            </p:stCondLst>
+                            <p:childTnLst>
+                              <p:par>
+                                <p:cTn id="19" presetID="22" presetClass="entr" presetSubtype="8" fill="hold" grpId="0" nodeType="afterEffect">
+                                  <p:stCondLst>
+                                    <p:cond delay="0"/>
+                                  </p:stCondLst>
+                                  <p:childTnLst>
+                                    <p:set>
+                                      <p:cBhvr>
+                                        <p:cTn id="20" dur="1" fill="hold">
+                                          <p:stCondLst>
+                                            <p:cond delay="0"/>
+                                          </p:stCondLst>
+                                        </p:cTn>
+                                        <p:tgtEl>
+                                          <p:spTgt spid="47"/>
+                                        </p:tgtEl>
+                                        <p:attrNameLst>
+                                          <p:attrName>style.visibility</p:attrName>
+                                        </p:attrNameLst>
+                                      </p:cBhvr>
+                                      <p:to>
+                                        <p:strVal val="visible"/>
+                                      </p:to>
+                                    </p:set>
+                                    <p:animEffect transition="in" filter="wipe(left)">
+                                      <p:cBhvr>
+                                        <p:cTn id="21" dur="500"/>
+                                        <p:tgtEl>
+                                          <p:spTgt spid="47"/>
+                                        </p:tgtEl>
+                                      </p:cBhvr>
+                                    </p:animEffect>
+                                  </p:childTnLst>
+                                </p:cTn>
+                              </p:par>
+                              <p:par>
+                                <p:cTn id="22" presetID="22" presetClass="entr" presetSubtype="8" fill="hold" nodeType="withEffect">
+                                  <p:stCondLst>
+                                    <p:cond delay="0"/>
+                                  </p:stCondLst>
+                                  <p:childTnLst>
+                                    <p:set>
+                                      <p:cBhvr>
+                                        <p:cTn id="23" dur="1" fill="hold">
+                                          <p:stCondLst>
+                                            <p:cond delay="0"/>
+                                          </p:stCondLst>
+                                        </p:cTn>
+                                        <p:tgtEl>
+                                          <p:spTgt spid="41"/>
+                                        </p:tgtEl>
+                                        <p:attrNameLst>
+                                          <p:attrName>style.visibility</p:attrName>
+                                        </p:attrNameLst>
+                                      </p:cBhvr>
+                                      <p:to>
+                                        <p:strVal val="visible"/>
+                                      </p:to>
+                                    </p:set>
+                                    <p:animEffect transition="in" filter="wipe(left)">
+                                      <p:cBhvr>
+                                        <p:cTn id="24" dur="500"/>
+                                        <p:tgtEl>
+                                          <p:spTgt spid="41"/>
+                                        </p:tgtEl>
+                                      </p:cBhvr>
+                                    </p:animEffect>
+                                  </p:childTnLst>
+                                </p:cTn>
+                              </p:par>
+                            </p:childTnLst>
+                          </p:cTn>
+                        </p:par>
+                        <p:par>
+                          <p:cTn id="25" fill="hold">
+                            <p:stCondLst>
+                              <p:cond delay="1500"/>
+                            </p:stCondLst>
+                            <p:childTnLst>
+                              <p:par>
+                                <p:cTn id="26" presetID="22" presetClass="entr" presetSubtype="8" fill="hold" grpId="0" nodeType="afterEffect">
+                                  <p:stCondLst>
+                                    <p:cond delay="0"/>
+                                  </p:stCondLst>
+                                  <p:childTnLst>
+                                    <p:set>
+                                      <p:cBhvr>
+                                        <p:cTn id="27" dur="1" fill="hold">
+                                          <p:stCondLst>
+                                            <p:cond delay="0"/>
+                                          </p:stCondLst>
+                                        </p:cTn>
+                                        <p:tgtEl>
+                                          <p:spTgt spid="37"/>
+                                        </p:tgtEl>
+                                        <p:attrNameLst>
+                                          <p:attrName>style.visibility</p:attrName>
+                                        </p:attrNameLst>
+                                      </p:cBhvr>
+                                      <p:to>
+                                        <p:strVal val="visible"/>
+                                      </p:to>
+                                    </p:set>
+                                    <p:animEffect transition="in" filter="wipe(left)">
+                                      <p:cBhvr>
+                                        <p:cTn id="28" dur="500"/>
+                                        <p:tgtEl>
+                                          <p:spTgt spid="37"/>
+                                        </p:tgtEl>
+                                      </p:cBhvr>
+                                    </p:animEffect>
+                                  </p:childTnLst>
+                                </p:cTn>
+                              </p:par>
+                              <p:par>
+                                <p:cTn id="29" presetID="22" presetClass="entr" presetSubtype="8" fill="hold" nodeType="withEffect">
+                                  <p:stCondLst>
+                                    <p:cond delay="0"/>
+                                  </p:stCondLst>
+                                  <p:childTnLst>
+                                    <p:set>
+                                      <p:cBhvr>
+                                        <p:cTn id="30" dur="1" fill="hold">
+                                          <p:stCondLst>
+                                            <p:cond delay="0"/>
+                                          </p:stCondLst>
+                                        </p:cTn>
+                                        <p:tgtEl>
+                                          <p:spTgt spid="42"/>
+                                        </p:tgtEl>
+                                        <p:attrNameLst>
+                                          <p:attrName>style.visibility</p:attrName>
+                                        </p:attrNameLst>
+                                      </p:cBhvr>
+                                      <p:to>
+                                        <p:strVal val="visible"/>
+                                      </p:to>
+                                    </p:set>
+                                    <p:animEffect transition="in" filter="wipe(left)">
+                                      <p:cBhvr>
+                                        <p:cTn id="31" dur="500"/>
+                                        <p:tgtEl>
+                                          <p:spTgt spid="42"/>
+                                        </p:tgtEl>
+                                      </p:cBhvr>
+                                    </p:animEffect>
+                                  </p:childTnLst>
+                                </p:cTn>
+                              </p:par>
+                            </p:childTnLst>
+                          </p:cTn>
+                        </p:par>
+                        <p:par>
+                          <p:cTn id="32" fill="hold">
+                            <p:stCondLst>
+                              <p:cond delay="2000"/>
+                            </p:stCondLst>
+                            <p:childTnLst>
+                              <p:par>
+                                <p:cTn id="33" presetID="22" presetClass="entr" presetSubtype="1" fill="hold" grpId="0" nodeType="afterEffect">
+                                  <p:stCondLst>
+                                    <p:cond delay="0"/>
+                                  </p:stCondLst>
+                                  <p:childTnLst>
+                                    <p:set>
+                                      <p:cBhvr>
+                                        <p:cTn id="34" dur="1" fill="hold">
+                                          <p:stCondLst>
+                                            <p:cond delay="0"/>
+                                          </p:stCondLst>
+                                        </p:cTn>
+                                        <p:tgtEl>
+                                          <p:spTgt spid="50"/>
+                                        </p:tgtEl>
+                                        <p:attrNameLst>
+                                          <p:attrName>style.visibility</p:attrName>
+                                        </p:attrNameLst>
+                                      </p:cBhvr>
+                                      <p:to>
+                                        <p:strVal val="visible"/>
+                                      </p:to>
+                                    </p:set>
+                                    <p:animEffect transition="in" filter="wipe(up)">
+                                      <p:cBhvr>
+                                        <p:cTn id="35" dur="500"/>
+                                        <p:tgtEl>
+                                          <p:spTgt spid="50"/>
+                                        </p:tgtEl>
+                                      </p:cBhvr>
+                                    </p:animEffect>
+                                  </p:childTnLst>
+                                </p:cTn>
+                              </p:par>
+                              <p:par>
+                                <p:cTn id="36" presetID="22" presetClass="entr" presetSubtype="1" fill="hold" nodeType="withEffect">
+                                  <p:stCondLst>
+                                    <p:cond delay="0"/>
+                                  </p:stCondLst>
+                                  <p:childTnLst>
+                                    <p:set>
+                                      <p:cBhvr>
+                                        <p:cTn id="37" dur="1" fill="hold">
+                                          <p:stCondLst>
+                                            <p:cond delay="0"/>
+                                          </p:stCondLst>
+                                        </p:cTn>
+                                        <p:tgtEl>
+                                          <p:spTgt spid="44"/>
+                                        </p:tgtEl>
+                                        <p:attrNameLst>
+                                          <p:attrName>style.visibility</p:attrName>
+                                        </p:attrNameLst>
+                                      </p:cBhvr>
+                                      <p:to>
+                                        <p:strVal val="visible"/>
+                                      </p:to>
+                                    </p:set>
+                                    <p:animEffect transition="in" filter="wipe(up)">
+                                      <p:cBhvr>
+                                        <p:cTn id="38" dur="500"/>
+                                        <p:tgtEl>
+                                          <p:spTgt spid="44"/>
+                                        </p:tgtEl>
+                                      </p:cBhvr>
+                                    </p:animEffect>
+                                  </p:childTnLst>
+                                </p:cTn>
+                              </p:par>
+                            </p:childTnLst>
+                          </p:cTn>
+                        </p:par>
+                        <p:par>
+                          <p:cTn id="39" fill="hold">
+                            <p:stCondLst>
+                              <p:cond delay="2500"/>
+                            </p:stCondLst>
+                            <p:childTnLst>
+                              <p:par>
+                                <p:cTn id="40" presetID="22" presetClass="entr" presetSubtype="4" fill="hold" nodeType="afterEffect">
+                                  <p:stCondLst>
+                                    <p:cond delay="0"/>
+                                  </p:stCondLst>
+                                  <p:childTnLst>
+                                    <p:set>
+                                      <p:cBhvr>
+                                        <p:cTn id="41" dur="1" fill="hold">
+                                          <p:stCondLst>
+                                            <p:cond delay="0"/>
+                                          </p:stCondLst>
+                                        </p:cTn>
+                                        <p:tgtEl>
+                                          <p:spTgt spid="46"/>
+                                        </p:tgtEl>
+                                        <p:attrNameLst>
+                                          <p:attrName>style.visibility</p:attrName>
+                                        </p:attrNameLst>
+                                      </p:cBhvr>
+                                      <p:to>
+                                        <p:strVal val="visible"/>
+                                      </p:to>
+                                    </p:set>
+                                    <p:animEffect transition="in" filter="wipe(down)">
+                                      <p:cBhvr>
+                                        <p:cTn id="42" dur="500"/>
+                                        <p:tgtEl>
+                                          <p:spTgt spid="46"/>
+                                        </p:tgtEl>
+                                      </p:cBhvr>
+                                    </p:animEffect>
+                                  </p:childTnLst>
+                                </p:cTn>
+                              </p:par>
+                              <p:par>
+                                <p:cTn id="43" presetID="22" presetClass="entr" presetSubtype="4" fill="hold" grpId="0" nodeType="withEffect">
+                                  <p:stCondLst>
+                                    <p:cond delay="0"/>
+                                  </p:stCondLst>
+                                  <p:childTnLst>
+                                    <p:set>
+                                      <p:cBhvr>
+                                        <p:cTn id="44" dur="1" fill="hold">
+                                          <p:stCondLst>
+                                            <p:cond delay="0"/>
+                                          </p:stCondLst>
+                                        </p:cTn>
+                                        <p:tgtEl>
+                                          <p:spTgt spid="49"/>
+                                        </p:tgtEl>
+                                        <p:attrNameLst>
+                                          <p:attrName>style.visibility</p:attrName>
+                                        </p:attrNameLst>
+                                      </p:cBhvr>
+                                      <p:to>
+                                        <p:strVal val="visible"/>
+                                      </p:to>
+                                    </p:set>
+                                    <p:animEffect transition="in" filter="wipe(down)">
+                                      <p:cBhvr>
+                                        <p:cTn id="45" dur="500"/>
+                                        <p:tgtEl>
+                                          <p:spTgt spid="49"/>
+                                        </p:tgtEl>
+                                      </p:cBhvr>
+                                    </p:animEffect>
+                                  </p:childTnLst>
+                                </p:cTn>
+                              </p:par>
+                            </p:childTnLst>
+                          </p:cTn>
+                        </p:par>
+                        <p:par>
+                          <p:cTn id="46" fill="hold">
+                            <p:stCondLst>
+                              <p:cond delay="3000"/>
+                            </p:stCondLst>
+                            <p:childTnLst>
+                              <p:par>
+                                <p:cTn id="47" presetID="22" presetClass="entr" presetSubtype="1" fill="hold" grpId="1" nodeType="afterEffect">
+                                  <p:stCondLst>
+                                    <p:cond delay="0"/>
+                                  </p:stCondLst>
+                                  <p:childTnLst>
+                                    <p:set>
+                                      <p:cBhvr>
+                                        <p:cTn id="48" dur="1" fill="hold">
+                                          <p:stCondLst>
+                                            <p:cond delay="0"/>
+                                          </p:stCondLst>
+                                        </p:cTn>
+                                        <p:tgtEl>
+                                          <p:spTgt spid="50"/>
+                                        </p:tgtEl>
+                                        <p:attrNameLst>
+                                          <p:attrName>style.visibility</p:attrName>
+                                        </p:attrNameLst>
+                                      </p:cBhvr>
+                                      <p:to>
+                                        <p:strVal val="visible"/>
+                                      </p:to>
+                                    </p:set>
+                                    <p:animEffect transition="in" filter="wipe(up)">
+                                      <p:cBhvr>
+                                        <p:cTn id="49" dur="500"/>
+                                        <p:tgtEl>
+                                          <p:spTgt spid="50"/>
+                                        </p:tgtEl>
+                                      </p:cBhvr>
+                                    </p:animEffect>
+                                  </p:childTnLst>
+                                </p:cTn>
+                              </p:par>
+                              <p:par>
+                                <p:cTn id="50" presetID="22" presetClass="entr" presetSubtype="1" fill="hold" nodeType="withEffect">
+                                  <p:stCondLst>
+                                    <p:cond delay="0"/>
+                                  </p:stCondLst>
+                                  <p:childTnLst>
+                                    <p:set>
+                                      <p:cBhvr>
+                                        <p:cTn id="51" dur="1" fill="hold">
+                                          <p:stCondLst>
+                                            <p:cond delay="0"/>
+                                          </p:stCondLst>
+                                        </p:cTn>
+                                        <p:tgtEl>
+                                          <p:spTgt spid="44"/>
+                                        </p:tgtEl>
+                                        <p:attrNameLst>
+                                          <p:attrName>style.visibility</p:attrName>
+                                        </p:attrNameLst>
+                                      </p:cBhvr>
+                                      <p:to>
+                                        <p:strVal val="visible"/>
+                                      </p:to>
+                                    </p:set>
+                                    <p:animEffect transition="in" filter="wipe(up)">
+                                      <p:cBhvr>
+                                        <p:cTn id="52" dur="500"/>
+                                        <p:tgtEl>
+                                          <p:spTgt spid="44"/>
+                                        </p:tgtEl>
+                                      </p:cBhvr>
+                                    </p:animEffect>
+                                  </p:childTnLst>
+                                </p:cTn>
+                              </p:par>
+                            </p:childTnLst>
+                          </p:cTn>
+                        </p:par>
+                        <p:par>
+                          <p:cTn id="53" fill="hold">
+                            <p:stCondLst>
+                              <p:cond delay="3500"/>
+                            </p:stCondLst>
+                            <p:childTnLst>
+                              <p:par>
+                                <p:cTn id="54" presetID="22" presetClass="entr" presetSubtype="2" fill="hold" grpId="0" nodeType="afterEffect">
+                                  <p:stCondLst>
+                                    <p:cond delay="0"/>
+                                  </p:stCondLst>
+                                  <p:childTnLst>
+                                    <p:set>
+                                      <p:cBhvr>
+                                        <p:cTn id="55" dur="1" fill="hold">
+                                          <p:stCondLst>
+                                            <p:cond delay="0"/>
+                                          </p:stCondLst>
+                                        </p:cTn>
+                                        <p:tgtEl>
+                                          <p:spTgt spid="38"/>
+                                        </p:tgtEl>
+                                        <p:attrNameLst>
+                                          <p:attrName>style.visibility</p:attrName>
+                                        </p:attrNameLst>
+                                      </p:cBhvr>
+                                      <p:to>
+                                        <p:strVal val="visible"/>
+                                      </p:to>
+                                    </p:set>
+                                    <p:animEffect transition="in" filter="wipe(right)">
+                                      <p:cBhvr>
+                                        <p:cTn id="56" dur="500"/>
+                                        <p:tgtEl>
+                                          <p:spTgt spid="38"/>
+                                        </p:tgtEl>
+                                      </p:cBhvr>
+                                    </p:animEffect>
+                                  </p:childTnLst>
+                                </p:cTn>
+                              </p:par>
+                              <p:par>
+                                <p:cTn id="57" presetID="22" presetClass="entr" presetSubtype="2" fill="hold" nodeType="withEffect">
+                                  <p:stCondLst>
+                                    <p:cond delay="0"/>
+                                  </p:stCondLst>
+                                  <p:childTnLst>
+                                    <p:set>
+                                      <p:cBhvr>
+                                        <p:cTn id="58" dur="1" fill="hold">
+                                          <p:stCondLst>
+                                            <p:cond delay="0"/>
+                                          </p:stCondLst>
+                                        </p:cTn>
+                                        <p:tgtEl>
+                                          <p:spTgt spid="43"/>
+                                        </p:tgtEl>
+                                        <p:attrNameLst>
+                                          <p:attrName>style.visibility</p:attrName>
+                                        </p:attrNameLst>
+                                      </p:cBhvr>
+                                      <p:to>
+                                        <p:strVal val="visible"/>
+                                      </p:to>
+                                    </p:set>
+                                    <p:animEffect transition="in" filter="wipe(right)">
+                                      <p:cBhvr>
+                                        <p:cTn id="59" dur="500"/>
+                                        <p:tgtEl>
+                                          <p:spTgt spid="43"/>
+                                        </p:tgtEl>
+                                      </p:cBhvr>
+                                    </p:animEffect>
+                                  </p:childTnLst>
+                                </p:cTn>
+                              </p:par>
+                            </p:childTnLst>
+                          </p:cTn>
+                        </p:par>
+                        <p:par>
+                          <p:cTn id="60" fill="hold">
+                            <p:stCondLst>
+                              <p:cond delay="4000"/>
+                            </p:stCondLst>
+                            <p:childTnLst>
+                              <p:par>
+                                <p:cTn id="61" presetID="22" presetClass="entr" presetSubtype="2" fill="hold" grpId="0" nodeType="afterEffect">
+                                  <p:stCondLst>
+                                    <p:cond delay="0"/>
+                                  </p:stCondLst>
+                                  <p:childTnLst>
+                                    <p:set>
+                                      <p:cBhvr>
+                                        <p:cTn id="62" dur="1" fill="hold">
+                                          <p:stCondLst>
+                                            <p:cond delay="0"/>
+                                          </p:stCondLst>
+                                        </p:cTn>
+                                        <p:tgtEl>
+                                          <p:spTgt spid="39"/>
+                                        </p:tgtEl>
+                                        <p:attrNameLst>
+                                          <p:attrName>style.visibility</p:attrName>
+                                        </p:attrNameLst>
+                                      </p:cBhvr>
+                                      <p:to>
+                                        <p:strVal val="visible"/>
+                                      </p:to>
+                                    </p:set>
+                                    <p:animEffect transition="in" filter="wipe(right)">
+                                      <p:cBhvr>
+                                        <p:cTn id="63" dur="500"/>
+                                        <p:tgtEl>
+                                          <p:spTgt spid="39"/>
+                                        </p:tgtEl>
+                                      </p:cBhvr>
+                                    </p:animEffect>
+                                  </p:childTnLst>
+                                </p:cTn>
+                              </p:par>
+                              <p:par>
+                                <p:cTn id="64" presetID="22" presetClass="entr" presetSubtype="2" fill="hold" nodeType="withEffect">
+                                  <p:stCondLst>
+                                    <p:cond delay="0"/>
+                                  </p:stCondLst>
+                                  <p:childTnLst>
+                                    <p:set>
+                                      <p:cBhvr>
+                                        <p:cTn id="65" dur="1" fill="hold">
+                                          <p:stCondLst>
+                                            <p:cond delay="0"/>
+                                          </p:stCondLst>
+                                        </p:cTn>
+                                        <p:tgtEl>
+                                          <p:spTgt spid="36"/>
+                                        </p:tgtEl>
+                                        <p:attrNameLst>
+                                          <p:attrName>style.visibility</p:attrName>
+                                        </p:attrNameLst>
+                                      </p:cBhvr>
+                                      <p:to>
+                                        <p:strVal val="visible"/>
+                                      </p:to>
+                                    </p:set>
+                                    <p:animEffect transition="in" filter="wipe(right)">
+                                      <p:cBhvr>
+                                        <p:cTn id="66" dur="500"/>
+                                        <p:tgtEl>
+                                          <p:spTgt spid="36"/>
+                                        </p:tgtEl>
+                                      </p:cBhvr>
+                                    </p:animEffect>
+                                  </p:childTnLst>
+                                </p:cTn>
+                              </p:par>
+                            </p:childTnLst>
+                          </p:cTn>
+                        </p:par>
+                        <p:par>
+                          <p:cTn id="67" fill="hold">
+                            <p:stCondLst>
+                              <p:cond delay="4500"/>
+                            </p:stCondLst>
+                            <p:childTnLst>
+                              <p:par>
+                                <p:cTn id="68" presetID="22" presetClass="entr" presetSubtype="4" fill="hold" grpId="0" nodeType="afterEffect">
+                                  <p:stCondLst>
+                                    <p:cond delay="0"/>
+                                  </p:stCondLst>
+                                  <p:childTnLst>
+                                    <p:set>
+                                      <p:cBhvr>
+                                        <p:cTn id="69" dur="1" fill="hold">
+                                          <p:stCondLst>
+                                            <p:cond delay="0"/>
+                                          </p:stCondLst>
+                                        </p:cTn>
+                                        <p:tgtEl>
+                                          <p:spTgt spid="48"/>
+                                        </p:tgtEl>
+                                        <p:attrNameLst>
+                                          <p:attrName>style.visibility</p:attrName>
+                                        </p:attrNameLst>
+                                      </p:cBhvr>
+                                      <p:to>
+                                        <p:strVal val="visible"/>
+                                      </p:to>
+                                    </p:set>
+                                    <p:animEffect transition="in" filter="wipe(down)">
+                                      <p:cBhvr>
+                                        <p:cTn id="70" dur="500"/>
+                                        <p:tgtEl>
+                                          <p:spTgt spid="48"/>
+                                        </p:tgtEl>
+                                      </p:cBhvr>
+                                    </p:animEffect>
+                                  </p:childTnLst>
+                                </p:cTn>
+                              </p:par>
+                              <p:par>
+                                <p:cTn id="71" presetID="22" presetClass="entr" presetSubtype="4" fill="hold" nodeType="withEffect">
+                                  <p:stCondLst>
+                                    <p:cond delay="0"/>
+                                  </p:stCondLst>
+                                  <p:childTnLst>
+                                    <p:set>
+                                      <p:cBhvr>
+                                        <p:cTn id="72" dur="1" fill="hold">
+                                          <p:stCondLst>
+                                            <p:cond delay="0"/>
+                                          </p:stCondLst>
+                                        </p:cTn>
+                                        <p:tgtEl>
+                                          <p:spTgt spid="34"/>
+                                        </p:tgtEl>
+                                        <p:attrNameLst>
+                                          <p:attrName>style.visibility</p:attrName>
+                                        </p:attrNameLst>
+                                      </p:cBhvr>
+                                      <p:to>
+                                        <p:strVal val="visible"/>
+                                      </p:to>
+                                    </p:set>
+                                    <p:animEffect transition="in" filter="wipe(down)">
+                                      <p:cBhvr>
+                                        <p:cTn id="73" dur="500"/>
+                                        <p:tgtEl>
+                                          <p:spTgt spid="34"/>
+                                        </p:tgtEl>
+                                      </p:cBhvr>
+                                    </p:animEffect>
+                                  </p:childTnLst>
+                                </p:cTn>
+                              </p:par>
+                            </p:childTnLst>
+                          </p:cTn>
+                        </p:par>
+                      </p:childTnLst>
+                    </p:cTn>
+                  </p:par>
+                </p:childTnLst>
+              </p:cTn>
+              <p:prevCondLst>
+                <p:cond evt="onPrev" delay="0">
+                  <p:tgtEl>
+                    <p:sldTgt/>
+                  </p:tgtEl>
+                </p:cond>
+              </p:prevCondLst>
+              <p:nextCondLst>
+                <p:cond evt="onNext" delay="0">
+                  <p:tgtEl>
+                    <p:sldTgt/>
+                  </p:tgtEl>
+                </p:cond>
+              </p:nextCondLst>
+            </p:seq>
+          </p:childTnLst>
+        </p:cTn>
+      </p:par>
+    </p:tnLst>
+    <p:bldLst>
+      <p:bldP spid="47" grpId="0"/>
+      <p:bldP spid="48" grpId="0"/>
+      <p:bldP spid="49" grpId="0"/>
+      <p:bldP spid="50" grpId="0"/>
+      <p:bldP spid="50" grpId="1"/>
+      <p:bldP spid="51" grpId="0"/>
+      <p:bldP spid="53" grpId="0"/>
+      <p:bldP spid="37" grpId="0"/>
+      <p:bldP spid="38" grpId="0"/>
+      <p:bldP spid="39" grpId="0"/>
+    </p:bldLst>
+  </p:timing>
 </p:sld>
 </file>
 
@@ -11282,10 +12503,10 @@
       </p:grpSp>
       <p:grpSp>
         <p:nvGrpSpPr>
-          <p:cNvPr id="28" name="Group 27">
+          <p:cNvPr id="39" name="Group 38">
             <a:extLst>
               <a:ext uri="{FF2B5EF4-FFF2-40B4-BE49-F238E27FC236}">
-                <a16:creationId xmlns:a16="http://schemas.microsoft.com/office/drawing/2014/main" id="{C6017965-43C6-40DA-BCF3-B7C01EF41E12}"/>
+                <a16:creationId xmlns:a16="http://schemas.microsoft.com/office/drawing/2014/main" id="{C087DC55-C954-423E-A9D7-9F83D09BFAEB}"/>
               </a:ext>
             </a:extLst>
           </p:cNvPr>
@@ -11294,903 +12515,18 @@
         </p:nvGrpSpPr>
         <p:grpSpPr>
           <a:xfrm>
-            <a:off x="3261715" y="2089224"/>
-            <a:ext cx="4398496" cy="3625906"/>
-            <a:chOff x="3205732" y="2232293"/>
-            <a:chExt cx="4398496" cy="3625906"/>
+            <a:off x="3792513" y="2908372"/>
+            <a:ext cx="3234612" cy="2659746"/>
+            <a:chOff x="1026367" y="2768082"/>
+            <a:chExt cx="3234612" cy="2659746"/>
           </a:xfrm>
         </p:grpSpPr>
-        <p:grpSp>
-          <p:nvGrpSpPr>
-            <p:cNvPr id="32" name="Group 31">
+        <p:sp>
+          <p:nvSpPr>
+            <p:cNvPr id="53" name="Oval 52">
               <a:extLst>
                 <a:ext uri="{FF2B5EF4-FFF2-40B4-BE49-F238E27FC236}">
-                  <a16:creationId xmlns:a16="http://schemas.microsoft.com/office/drawing/2014/main" id="{E688C53E-08AD-412A-9F8A-4BFEDFC1F417}"/>
-                </a:ext>
-              </a:extLst>
-            </p:cNvPr>
-            <p:cNvGrpSpPr/>
-            <p:nvPr/>
-          </p:nvGrpSpPr>
-          <p:grpSpPr>
-            <a:xfrm>
-              <a:off x="3291726" y="2232293"/>
-              <a:ext cx="4312502" cy="3478894"/>
-              <a:chOff x="2509890" y="3000183"/>
-              <a:chExt cx="4312502" cy="3478894"/>
-            </a:xfrm>
-          </p:grpSpPr>
-          <p:grpSp>
-            <p:nvGrpSpPr>
-              <p:cNvPr id="39" name="Group 38">
-                <a:extLst>
-                  <a:ext uri="{FF2B5EF4-FFF2-40B4-BE49-F238E27FC236}">
-                    <a16:creationId xmlns:a16="http://schemas.microsoft.com/office/drawing/2014/main" id="{C087DC55-C954-423E-A9D7-9F83D09BFAEB}"/>
-                  </a:ext>
-                </a:extLst>
-              </p:cNvPr>
-              <p:cNvGrpSpPr/>
-              <p:nvPr/>
-            </p:nvGrpSpPr>
-            <p:grpSpPr>
-              <a:xfrm>
-                <a:off x="2954694" y="3819331"/>
-                <a:ext cx="3234612" cy="2659746"/>
-                <a:chOff x="1026367" y="2768082"/>
-                <a:chExt cx="3234612" cy="2659746"/>
-              </a:xfrm>
-            </p:grpSpPr>
-            <p:sp>
-              <p:nvSpPr>
-                <p:cNvPr id="53" name="Oval 52">
-                  <a:extLst>
-                    <a:ext uri="{FF2B5EF4-FFF2-40B4-BE49-F238E27FC236}">
-                      <a16:creationId xmlns:a16="http://schemas.microsoft.com/office/drawing/2014/main" id="{F30BF11E-F88E-484A-88DD-94086012FE2C}"/>
-                    </a:ext>
-                  </a:extLst>
-                </p:cNvPr>
-                <p:cNvSpPr/>
-                <p:nvPr/>
-              </p:nvSpPr>
-              <p:spPr>
-                <a:xfrm>
-                  <a:off x="1026367" y="2768082"/>
-                  <a:ext cx="933061" cy="901959"/>
-                </a:xfrm>
-                <a:prstGeom prst="ellipse">
-                  <a:avLst/>
-                </a:prstGeom>
-                <a:solidFill>
-                  <a:schemeClr val="tx1">
-                    <a:lumMod val="85000"/>
-                  </a:schemeClr>
-                </a:solidFill>
-                <a:ln>
-                  <a:solidFill>
-                    <a:schemeClr val="bg2">
-                      <a:lumMod val="50000"/>
-                    </a:schemeClr>
-                  </a:solidFill>
-                </a:ln>
-              </p:spPr>
-              <p:style>
-                <a:lnRef idx="2">
-                  <a:schemeClr val="accent1">
-                    <a:shade val="50000"/>
-                  </a:schemeClr>
-                </a:lnRef>
-                <a:fillRef idx="1">
-                  <a:schemeClr val="accent1"/>
-                </a:fillRef>
-                <a:effectRef idx="0">
-                  <a:schemeClr val="accent1"/>
-                </a:effectRef>
-                <a:fontRef idx="minor">
-                  <a:schemeClr val="lt1"/>
-                </a:fontRef>
-              </p:style>
-              <p:txBody>
-                <a:bodyPr rtlCol="0" anchor="ctr"/>
-                <a:lstStyle/>
-                <a:p>
-                  <a:pPr algn="ctr"/>
-                  <a:r>
-                    <a:rPr lang="en-US" dirty="0"/>
-                    <a:t>S</a:t>
-                  </a:r>
-                  <a:r>
-                    <a:rPr lang="en-US" baseline="-25000" dirty="0"/>
-                    <a:t>0</a:t>
-                  </a:r>
-                </a:p>
-              </p:txBody>
-            </p:sp>
-            <p:sp>
-              <p:nvSpPr>
-                <p:cNvPr id="54" name="Oval 53">
-                  <a:extLst>
-                    <a:ext uri="{FF2B5EF4-FFF2-40B4-BE49-F238E27FC236}">
-                      <a16:creationId xmlns:a16="http://schemas.microsoft.com/office/drawing/2014/main" id="{2967C33D-B1D3-4F2B-879E-D3CDF12A6407}"/>
-                    </a:ext>
-                  </a:extLst>
-                </p:cNvPr>
-                <p:cNvSpPr/>
-                <p:nvPr/>
-              </p:nvSpPr>
-              <p:spPr>
-                <a:xfrm>
-                  <a:off x="3327918" y="2768082"/>
-                  <a:ext cx="933061" cy="901959"/>
-                </a:xfrm>
-                <a:prstGeom prst="ellipse">
-                  <a:avLst/>
-                </a:prstGeom>
-                <a:solidFill>
-                  <a:schemeClr val="tx1">
-                    <a:lumMod val="85000"/>
-                  </a:schemeClr>
-                </a:solidFill>
-                <a:ln>
-                  <a:solidFill>
-                    <a:schemeClr val="bg2">
-                      <a:lumMod val="50000"/>
-                    </a:schemeClr>
-                  </a:solidFill>
-                </a:ln>
-              </p:spPr>
-              <p:style>
-                <a:lnRef idx="2">
-                  <a:schemeClr val="accent1">
-                    <a:shade val="50000"/>
-                  </a:schemeClr>
-                </a:lnRef>
-                <a:fillRef idx="1">
-                  <a:schemeClr val="accent1"/>
-                </a:fillRef>
-                <a:effectRef idx="0">
-                  <a:schemeClr val="accent1"/>
-                </a:effectRef>
-                <a:fontRef idx="minor">
-                  <a:schemeClr val="lt1"/>
-                </a:fontRef>
-              </p:style>
-              <p:txBody>
-                <a:bodyPr rtlCol="0" anchor="ctr"/>
-                <a:lstStyle/>
-                <a:p>
-                  <a:pPr algn="ctr"/>
-                  <a:r>
-                    <a:rPr lang="en-US" dirty="0"/>
-                    <a:t>S</a:t>
-                  </a:r>
-                  <a:r>
-                    <a:rPr lang="en-US" baseline="-25000" dirty="0"/>
-                    <a:t>1</a:t>
-                  </a:r>
-                </a:p>
-              </p:txBody>
-            </p:sp>
-            <p:sp>
-              <p:nvSpPr>
-                <p:cNvPr id="56" name="Oval 55">
-                  <a:extLst>
-                    <a:ext uri="{FF2B5EF4-FFF2-40B4-BE49-F238E27FC236}">
-                      <a16:creationId xmlns:a16="http://schemas.microsoft.com/office/drawing/2014/main" id="{328CD09D-679E-4FF4-B601-A443D9A5A37A}"/>
-                    </a:ext>
-                  </a:extLst>
-                </p:cNvPr>
-                <p:cNvSpPr/>
-                <p:nvPr/>
-              </p:nvSpPr>
-              <p:spPr>
-                <a:xfrm>
-                  <a:off x="3327917" y="4525869"/>
-                  <a:ext cx="933061" cy="901959"/>
-                </a:xfrm>
-                <a:prstGeom prst="ellipse">
-                  <a:avLst/>
-                </a:prstGeom>
-                <a:solidFill>
-                  <a:schemeClr val="tx1">
-                    <a:lumMod val="85000"/>
-                  </a:schemeClr>
-                </a:solidFill>
-                <a:ln>
-                  <a:solidFill>
-                    <a:schemeClr val="bg2">
-                      <a:lumMod val="50000"/>
-                    </a:schemeClr>
-                  </a:solidFill>
-                </a:ln>
-              </p:spPr>
-              <p:style>
-                <a:lnRef idx="2">
-                  <a:schemeClr val="accent1">
-                    <a:shade val="50000"/>
-                  </a:schemeClr>
-                </a:lnRef>
-                <a:fillRef idx="1">
-                  <a:schemeClr val="accent1"/>
-                </a:fillRef>
-                <a:effectRef idx="0">
-                  <a:schemeClr val="accent1"/>
-                </a:effectRef>
-                <a:fontRef idx="minor">
-                  <a:schemeClr val="lt1"/>
-                </a:fontRef>
-              </p:style>
-              <p:txBody>
-                <a:bodyPr rtlCol="0" anchor="ctr"/>
-                <a:lstStyle/>
-                <a:p>
-                  <a:pPr algn="ctr"/>
-                  <a:r>
-                    <a:rPr lang="en-US" dirty="0"/>
-                    <a:t>S</a:t>
-                  </a:r>
-                  <a:r>
-                    <a:rPr lang="en-US" baseline="-25000" dirty="0"/>
-                    <a:t>2</a:t>
-                  </a:r>
-                </a:p>
-              </p:txBody>
-            </p:sp>
-          </p:grpSp>
-          <p:cxnSp>
-            <p:nvCxnSpPr>
-              <p:cNvPr id="40" name="Connector: Curved 39">
-                <a:extLst>
-                  <a:ext uri="{FF2B5EF4-FFF2-40B4-BE49-F238E27FC236}">
-                    <a16:creationId xmlns:a16="http://schemas.microsoft.com/office/drawing/2014/main" id="{97503CF0-8894-436F-B8A4-6CBB11421514}"/>
-                  </a:ext>
-                </a:extLst>
-              </p:cNvPr>
-              <p:cNvCxnSpPr>
-                <a:stCxn id="53" idx="7"/>
-                <a:endCxn id="54" idx="1"/>
-              </p:cNvCxnSpPr>
-              <p:nvPr/>
-            </p:nvCxnSpPr>
-            <p:spPr>
-              <a:xfrm rot="5400000" flipH="1" flipV="1">
-                <a:off x="4572000" y="3130531"/>
-                <a:ext cx="12700" cy="1641778"/>
-              </a:xfrm>
-              <a:prstGeom prst="curvedConnector3">
-                <a:avLst>
-                  <a:gd name="adj1" fmla="val 2840071"/>
-                </a:avLst>
-              </a:prstGeom>
-              <a:ln w="19050">
-                <a:solidFill>
-                  <a:schemeClr val="bg2">
-                    <a:lumMod val="60000"/>
-                    <a:lumOff val="40000"/>
-                  </a:schemeClr>
-                </a:solidFill>
-                <a:tailEnd type="triangle"/>
-              </a:ln>
-            </p:spPr>
-            <p:style>
-              <a:lnRef idx="1">
-                <a:schemeClr val="accent1"/>
-              </a:lnRef>
-              <a:fillRef idx="0">
-                <a:schemeClr val="accent1"/>
-              </a:fillRef>
-              <a:effectRef idx="0">
-                <a:schemeClr val="accent1"/>
-              </a:effectRef>
-              <a:fontRef idx="minor">
-                <a:schemeClr val="tx1"/>
-              </a:fontRef>
-            </p:style>
-          </p:cxnSp>
-          <p:cxnSp>
-            <p:nvCxnSpPr>
-              <p:cNvPr id="41" name="Connector: Curved 40">
-                <a:extLst>
-                  <a:ext uri="{FF2B5EF4-FFF2-40B4-BE49-F238E27FC236}">
-                    <a16:creationId xmlns:a16="http://schemas.microsoft.com/office/drawing/2014/main" id="{F0406DEA-4B43-4024-A171-99EC868858AC}"/>
-                  </a:ext>
-                </a:extLst>
-              </p:cNvPr>
-              <p:cNvCxnSpPr>
-                <a:cxnSpLocks/>
-                <a:stCxn id="54" idx="0"/>
-                <a:endCxn id="54" idx="7"/>
-              </p:cNvCxnSpPr>
-              <p:nvPr/>
-            </p:nvCxnSpPr>
-            <p:spPr>
-              <a:xfrm rot="16200000" flipH="1">
-                <a:off x="5821674" y="3720432"/>
-                <a:ext cx="132089" cy="329886"/>
-              </a:xfrm>
-              <a:prstGeom prst="curvedConnector3">
-                <a:avLst>
-                  <a:gd name="adj1" fmla="val -271960"/>
-                </a:avLst>
-              </a:prstGeom>
-              <a:ln w="19050">
-                <a:solidFill>
-                  <a:schemeClr val="bg2">
-                    <a:lumMod val="60000"/>
-                    <a:lumOff val="40000"/>
-                  </a:schemeClr>
-                </a:solidFill>
-                <a:tailEnd type="triangle"/>
-              </a:ln>
-            </p:spPr>
-            <p:style>
-              <a:lnRef idx="1">
-                <a:schemeClr val="accent1"/>
-              </a:lnRef>
-              <a:fillRef idx="0">
-                <a:schemeClr val="accent1"/>
-              </a:fillRef>
-              <a:effectRef idx="0">
-                <a:schemeClr val="accent1"/>
-              </a:effectRef>
-              <a:fontRef idx="minor">
-                <a:schemeClr val="tx1"/>
-              </a:fontRef>
-            </p:style>
-          </p:cxnSp>
-          <p:cxnSp>
-            <p:nvCxnSpPr>
-              <p:cNvPr id="42" name="Connector: Curved 41">
-                <a:extLst>
-                  <a:ext uri="{FF2B5EF4-FFF2-40B4-BE49-F238E27FC236}">
-                    <a16:creationId xmlns:a16="http://schemas.microsoft.com/office/drawing/2014/main" id="{5D9CBFEB-DD90-4E4B-87C2-9538647D15DB}"/>
-                  </a:ext>
-                </a:extLst>
-              </p:cNvPr>
-              <p:cNvCxnSpPr>
-                <a:cxnSpLocks/>
-                <a:stCxn id="56" idx="3"/>
-                <a:endCxn id="33" idx="5"/>
-              </p:cNvCxnSpPr>
-              <p:nvPr/>
-            </p:nvCxnSpPr>
-            <p:spPr>
-              <a:xfrm rot="5400000">
-                <a:off x="4570416" y="5527684"/>
-                <a:ext cx="3169" cy="1641777"/>
-              </a:xfrm>
-              <a:prstGeom prst="curvedConnector3">
-                <a:avLst>
-                  <a:gd name="adj1" fmla="val 11481792"/>
-                </a:avLst>
-              </a:prstGeom>
-              <a:ln w="19050">
-                <a:solidFill>
-                  <a:schemeClr val="bg2">
-                    <a:lumMod val="60000"/>
-                    <a:lumOff val="40000"/>
-                  </a:schemeClr>
-                </a:solidFill>
-                <a:tailEnd type="triangle"/>
-              </a:ln>
-            </p:spPr>
-            <p:style>
-              <a:lnRef idx="1">
-                <a:schemeClr val="accent1"/>
-              </a:lnRef>
-              <a:fillRef idx="0">
-                <a:schemeClr val="accent1"/>
-              </a:fillRef>
-              <a:effectRef idx="0">
-                <a:schemeClr val="accent1"/>
-              </a:effectRef>
-              <a:fontRef idx="minor">
-                <a:schemeClr val="tx1"/>
-              </a:fontRef>
-            </p:style>
-          </p:cxnSp>
-          <p:cxnSp>
-            <p:nvCxnSpPr>
-              <p:cNvPr id="43" name="Connector: Curved 42">
-                <a:extLst>
-                  <a:ext uri="{FF2B5EF4-FFF2-40B4-BE49-F238E27FC236}">
-                    <a16:creationId xmlns:a16="http://schemas.microsoft.com/office/drawing/2014/main" id="{7CA13DD7-DD3A-4195-A303-F1EE94B719FE}"/>
-                  </a:ext>
-                </a:extLst>
-              </p:cNvPr>
-              <p:cNvCxnSpPr>
-                <a:cxnSpLocks/>
-                <a:stCxn id="54" idx="2"/>
-                <a:endCxn id="56" idx="2"/>
-              </p:cNvCxnSpPr>
-              <p:nvPr/>
-            </p:nvCxnSpPr>
-            <p:spPr>
-              <a:xfrm rot="10800000" flipV="1">
-                <a:off x="5256245" y="4270310"/>
-                <a:ext cx="1" cy="1757787"/>
-              </a:xfrm>
-              <a:prstGeom prst="curvedConnector3">
-                <a:avLst>
-                  <a:gd name="adj1" fmla="val 22860100000"/>
-                </a:avLst>
-              </a:prstGeom>
-              <a:ln w="19050">
-                <a:solidFill>
-                  <a:schemeClr val="bg2">
-                    <a:lumMod val="60000"/>
-                    <a:lumOff val="40000"/>
-                  </a:schemeClr>
-                </a:solidFill>
-                <a:tailEnd type="triangle"/>
-              </a:ln>
-            </p:spPr>
-            <p:style>
-              <a:lnRef idx="1">
-                <a:schemeClr val="accent1"/>
-              </a:lnRef>
-              <a:fillRef idx="0">
-                <a:schemeClr val="accent1"/>
-              </a:fillRef>
-              <a:effectRef idx="0">
-                <a:schemeClr val="accent1"/>
-              </a:effectRef>
-              <a:fontRef idx="minor">
-                <a:schemeClr val="tx1"/>
-              </a:fontRef>
-            </p:style>
-          </p:cxnSp>
-          <p:cxnSp>
-            <p:nvCxnSpPr>
-              <p:cNvPr id="44" name="Connector: Curved 43">
-                <a:extLst>
-                  <a:ext uri="{FF2B5EF4-FFF2-40B4-BE49-F238E27FC236}">
-                    <a16:creationId xmlns:a16="http://schemas.microsoft.com/office/drawing/2014/main" id="{D6FE213C-FBC1-4493-B22D-6CD37E4962BE}"/>
-                  </a:ext>
-                </a:extLst>
-              </p:cNvPr>
-              <p:cNvCxnSpPr>
-                <a:stCxn id="53" idx="1"/>
-                <a:endCxn id="53" idx="0"/>
-              </p:cNvCxnSpPr>
-              <p:nvPr/>
-            </p:nvCxnSpPr>
-            <p:spPr>
-              <a:xfrm rot="5400000" flipH="1" flipV="1">
-                <a:off x="3190237" y="3720433"/>
-                <a:ext cx="132089" cy="329887"/>
-              </a:xfrm>
-              <a:prstGeom prst="curvedConnector3">
-                <a:avLst>
-                  <a:gd name="adj1" fmla="val 376669"/>
-                </a:avLst>
-              </a:prstGeom>
-              <a:ln w="19050">
-                <a:solidFill>
-                  <a:schemeClr val="bg2">
-                    <a:lumMod val="60000"/>
-                    <a:lumOff val="40000"/>
-                  </a:schemeClr>
-                </a:solidFill>
-                <a:tailEnd type="triangle"/>
-              </a:ln>
-            </p:spPr>
-            <p:style>
-              <a:lnRef idx="1">
-                <a:schemeClr val="accent1"/>
-              </a:lnRef>
-              <a:fillRef idx="0">
-                <a:schemeClr val="accent1"/>
-              </a:fillRef>
-              <a:effectRef idx="0">
-                <a:schemeClr val="accent1"/>
-              </a:effectRef>
-              <a:fontRef idx="minor">
-                <a:schemeClr val="tx1"/>
-              </a:fontRef>
-            </p:style>
-          </p:cxnSp>
-          <p:cxnSp>
-            <p:nvCxnSpPr>
-              <p:cNvPr id="45" name="Connector: Curved 44">
-                <a:extLst>
-                  <a:ext uri="{FF2B5EF4-FFF2-40B4-BE49-F238E27FC236}">
-                    <a16:creationId xmlns:a16="http://schemas.microsoft.com/office/drawing/2014/main" id="{A5EA44F6-37B9-422A-BEED-5FDCF0728C15}"/>
-                  </a:ext>
-                </a:extLst>
-              </p:cNvPr>
-              <p:cNvCxnSpPr>
-                <a:cxnSpLocks/>
-                <a:stCxn id="56" idx="6"/>
-                <a:endCxn id="54" idx="6"/>
-              </p:cNvCxnSpPr>
-              <p:nvPr/>
-            </p:nvCxnSpPr>
-            <p:spPr>
-              <a:xfrm flipV="1">
-                <a:off x="6189305" y="4270311"/>
-                <a:ext cx="1" cy="1757787"/>
-              </a:xfrm>
-              <a:prstGeom prst="curvedConnector3">
-                <a:avLst>
-                  <a:gd name="adj1" fmla="val 22860100000"/>
-                </a:avLst>
-              </a:prstGeom>
-              <a:ln w="19050">
-                <a:solidFill>
-                  <a:schemeClr val="bg2">
-                    <a:lumMod val="60000"/>
-                    <a:lumOff val="40000"/>
-                  </a:schemeClr>
-                </a:solidFill>
-                <a:tailEnd type="triangle"/>
-              </a:ln>
-            </p:spPr>
-            <p:style>
-              <a:lnRef idx="1">
-                <a:schemeClr val="accent1"/>
-              </a:lnRef>
-              <a:fillRef idx="0">
-                <a:schemeClr val="accent1"/>
-              </a:fillRef>
-              <a:effectRef idx="0">
-                <a:schemeClr val="accent1"/>
-              </a:effectRef>
-              <a:fontRef idx="minor">
-                <a:schemeClr val="tx1"/>
-              </a:fontRef>
-            </p:style>
-          </p:cxnSp>
-          <p:sp>
-            <p:nvSpPr>
-              <p:cNvPr id="46" name="TextBox 45">
-                <a:extLst>
-                  <a:ext uri="{FF2B5EF4-FFF2-40B4-BE49-F238E27FC236}">
-                    <a16:creationId xmlns:a16="http://schemas.microsoft.com/office/drawing/2014/main" id="{131FBB6C-B834-408F-A702-65484DEC1E61}"/>
-                  </a:ext>
-                </a:extLst>
-              </p:cNvPr>
-              <p:cNvSpPr txBox="1"/>
-              <p:nvPr/>
-            </p:nvSpPr>
-            <p:spPr>
-              <a:xfrm>
-                <a:off x="4421095" y="3184849"/>
-                <a:ext cx="314510" cy="369332"/>
-              </a:xfrm>
-              <a:prstGeom prst="rect">
-                <a:avLst/>
-              </a:prstGeom>
-              <a:noFill/>
-            </p:spPr>
-            <p:txBody>
-              <a:bodyPr wrap="none" rtlCol="0">
-                <a:spAutoFit/>
-              </a:bodyPr>
-              <a:lstStyle/>
-              <a:p>
-                <a:r>
-                  <a:rPr lang="el-GR" dirty="0">
-                    <a:solidFill>
-                      <a:schemeClr val="bg1">
-                        <a:lumMod val="75000"/>
-                        <a:lumOff val="25000"/>
-                      </a:schemeClr>
-                    </a:solidFill>
-                  </a:rPr>
-                  <a:t>α</a:t>
-                </a:r>
-                <a:endParaRPr lang="en-US" dirty="0">
-                  <a:solidFill>
-                    <a:schemeClr val="bg1">
-                      <a:lumMod val="75000"/>
-                      <a:lumOff val="25000"/>
-                    </a:schemeClr>
-                  </a:solidFill>
-                </a:endParaRPr>
-              </a:p>
-            </p:txBody>
-          </p:sp>
-          <p:sp>
-            <p:nvSpPr>
-              <p:cNvPr id="47" name="TextBox 46">
-                <a:extLst>
-                  <a:ext uri="{FF2B5EF4-FFF2-40B4-BE49-F238E27FC236}">
-                    <a16:creationId xmlns:a16="http://schemas.microsoft.com/office/drawing/2014/main" id="{368F415D-78F3-44AA-AF06-9751897E7BA8}"/>
-                  </a:ext>
-                </a:extLst>
-              </p:cNvPr>
-              <p:cNvSpPr txBox="1"/>
-              <p:nvPr/>
-            </p:nvSpPr>
-            <p:spPr>
-              <a:xfrm>
-                <a:off x="3455237" y="4975549"/>
-                <a:ext cx="314510" cy="369332"/>
-              </a:xfrm>
-              <a:prstGeom prst="rect">
-                <a:avLst/>
-              </a:prstGeom>
-              <a:noFill/>
-            </p:spPr>
-            <p:txBody>
-              <a:bodyPr wrap="none" rtlCol="0">
-                <a:spAutoFit/>
-              </a:bodyPr>
-              <a:lstStyle/>
-              <a:p>
-                <a:r>
-                  <a:rPr lang="el-GR" dirty="0">
-                    <a:solidFill>
-                      <a:schemeClr val="bg1">
-                        <a:lumMod val="75000"/>
-                        <a:lumOff val="25000"/>
-                      </a:schemeClr>
-                    </a:solidFill>
-                  </a:rPr>
-                  <a:t>α</a:t>
-                </a:r>
-                <a:endParaRPr lang="en-US" dirty="0">
-                  <a:solidFill>
-                    <a:schemeClr val="bg1">
-                      <a:lumMod val="75000"/>
-                      <a:lumOff val="25000"/>
-                    </a:schemeClr>
-                  </a:solidFill>
-                </a:endParaRPr>
-              </a:p>
-            </p:txBody>
-          </p:sp>
-          <p:sp>
-            <p:nvSpPr>
-              <p:cNvPr id="48" name="TextBox 47">
-                <a:extLst>
-                  <a:ext uri="{FF2B5EF4-FFF2-40B4-BE49-F238E27FC236}">
-                    <a16:creationId xmlns:a16="http://schemas.microsoft.com/office/drawing/2014/main" id="{D7D4616B-667A-40AA-A3FB-01ED826927F9}"/>
-                  </a:ext>
-                </a:extLst>
-              </p:cNvPr>
-              <p:cNvSpPr txBox="1"/>
-              <p:nvPr/>
-            </p:nvSpPr>
-            <p:spPr>
-              <a:xfrm>
-                <a:off x="6507882" y="4972473"/>
-                <a:ext cx="314510" cy="369332"/>
-              </a:xfrm>
-              <a:prstGeom prst="rect">
-                <a:avLst/>
-              </a:prstGeom>
-              <a:noFill/>
-            </p:spPr>
-            <p:txBody>
-              <a:bodyPr wrap="none" rtlCol="0">
-                <a:spAutoFit/>
-              </a:bodyPr>
-              <a:lstStyle/>
-              <a:p>
-                <a:r>
-                  <a:rPr lang="el-GR" dirty="0">
-                    <a:solidFill>
-                      <a:schemeClr val="bg1">
-                        <a:lumMod val="75000"/>
-                        <a:lumOff val="25000"/>
-                      </a:schemeClr>
-                    </a:solidFill>
-                  </a:rPr>
-                  <a:t>α</a:t>
-                </a:r>
-                <a:endParaRPr lang="en-US" dirty="0">
-                  <a:solidFill>
-                    <a:schemeClr val="bg1">
-                      <a:lumMod val="75000"/>
-                      <a:lumOff val="25000"/>
-                    </a:schemeClr>
-                  </a:solidFill>
-                </a:endParaRPr>
-              </a:p>
-            </p:txBody>
-          </p:sp>
-          <p:sp>
-            <p:nvSpPr>
-              <p:cNvPr id="49" name="TextBox 48">
-                <a:extLst>
-                  <a:ext uri="{FF2B5EF4-FFF2-40B4-BE49-F238E27FC236}">
-                    <a16:creationId xmlns:a16="http://schemas.microsoft.com/office/drawing/2014/main" id="{F79CB5BA-117A-4EBC-97C5-727F365A89CA}"/>
-                  </a:ext>
-                </a:extLst>
-              </p:cNvPr>
-              <p:cNvSpPr txBox="1"/>
-              <p:nvPr/>
-            </p:nvSpPr>
-            <p:spPr>
-              <a:xfrm>
-                <a:off x="4702807" y="4975549"/>
-                <a:ext cx="314510" cy="369332"/>
-              </a:xfrm>
-              <a:prstGeom prst="rect">
-                <a:avLst/>
-              </a:prstGeom>
-              <a:noFill/>
-            </p:spPr>
-            <p:txBody>
-              <a:bodyPr wrap="none" rtlCol="0">
-                <a:spAutoFit/>
-              </a:bodyPr>
-              <a:lstStyle/>
-              <a:p>
-                <a:r>
-                  <a:rPr lang="el-GR" dirty="0">
-                    <a:solidFill>
-                      <a:schemeClr val="bg1">
-                        <a:lumMod val="75000"/>
-                        <a:lumOff val="25000"/>
-                      </a:schemeClr>
-                    </a:solidFill>
-                  </a:rPr>
-                  <a:t>β</a:t>
-                </a:r>
-                <a:endParaRPr lang="en-US" dirty="0">
-                  <a:solidFill>
-                    <a:schemeClr val="bg1">
-                      <a:lumMod val="75000"/>
-                      <a:lumOff val="25000"/>
-                    </a:schemeClr>
-                  </a:solidFill>
-                </a:endParaRPr>
-              </a:p>
-            </p:txBody>
-          </p:sp>
-          <p:sp>
-            <p:nvSpPr>
-              <p:cNvPr id="50" name="TextBox 49">
-                <a:extLst>
-                  <a:ext uri="{FF2B5EF4-FFF2-40B4-BE49-F238E27FC236}">
-                    <a16:creationId xmlns:a16="http://schemas.microsoft.com/office/drawing/2014/main" id="{8CDBCBB5-EDA2-454F-B763-27E495367D88}"/>
-                  </a:ext>
-                </a:extLst>
-              </p:cNvPr>
-              <p:cNvSpPr txBox="1"/>
-              <p:nvPr/>
-            </p:nvSpPr>
-            <p:spPr>
-              <a:xfrm>
-                <a:off x="3099026" y="3000183"/>
-                <a:ext cx="314510" cy="369332"/>
-              </a:xfrm>
-              <a:prstGeom prst="rect">
-                <a:avLst/>
-              </a:prstGeom>
-              <a:noFill/>
-            </p:spPr>
-            <p:txBody>
-              <a:bodyPr wrap="none" rtlCol="0">
-                <a:spAutoFit/>
-              </a:bodyPr>
-              <a:lstStyle/>
-              <a:p>
-                <a:r>
-                  <a:rPr lang="el-GR" dirty="0">
-                    <a:solidFill>
-                      <a:schemeClr val="bg1">
-                        <a:lumMod val="75000"/>
-                        <a:lumOff val="25000"/>
-                      </a:schemeClr>
-                    </a:solidFill>
-                  </a:rPr>
-                  <a:t>β</a:t>
-                </a:r>
-                <a:endParaRPr lang="en-US" dirty="0">
-                  <a:solidFill>
-                    <a:schemeClr val="bg1">
-                      <a:lumMod val="75000"/>
-                      <a:lumOff val="25000"/>
-                    </a:schemeClr>
-                  </a:solidFill>
-                </a:endParaRPr>
-              </a:p>
-            </p:txBody>
-          </p:sp>
-          <p:cxnSp>
-            <p:nvCxnSpPr>
-              <p:cNvPr id="51" name="Straight Arrow Connector 50">
-                <a:extLst>
-                  <a:ext uri="{FF2B5EF4-FFF2-40B4-BE49-F238E27FC236}">
-                    <a16:creationId xmlns:a16="http://schemas.microsoft.com/office/drawing/2014/main" id="{ADB64634-C2EA-48DE-BCA9-6F044F978264}"/>
-                  </a:ext>
-                </a:extLst>
-              </p:cNvPr>
-              <p:cNvCxnSpPr>
-                <a:endCxn id="53" idx="2"/>
-              </p:cNvCxnSpPr>
-              <p:nvPr/>
-            </p:nvCxnSpPr>
-            <p:spPr>
-              <a:xfrm flipV="1">
-                <a:off x="2513045" y="4270311"/>
-                <a:ext cx="441649" cy="6349"/>
-              </a:xfrm>
-              <a:prstGeom prst="straightConnector1">
-                <a:avLst/>
-              </a:prstGeom>
-              <a:ln w="57150">
-                <a:solidFill>
-                  <a:srgbClr val="FF0000"/>
-                </a:solidFill>
-                <a:tailEnd type="triangle"/>
-              </a:ln>
-            </p:spPr>
-            <p:style>
-              <a:lnRef idx="1">
-                <a:schemeClr val="accent1"/>
-              </a:lnRef>
-              <a:fillRef idx="0">
-                <a:schemeClr val="accent1"/>
-              </a:fillRef>
-              <a:effectRef idx="0">
-                <a:schemeClr val="accent1"/>
-              </a:effectRef>
-              <a:fontRef idx="minor">
-                <a:schemeClr val="tx1"/>
-              </a:fontRef>
-            </p:style>
-          </p:cxnSp>
-          <p:sp>
-            <p:nvSpPr>
-              <p:cNvPr id="52" name="TextBox 51">
-                <a:extLst>
-                  <a:ext uri="{FF2B5EF4-FFF2-40B4-BE49-F238E27FC236}">
-                    <a16:creationId xmlns:a16="http://schemas.microsoft.com/office/drawing/2014/main" id="{822A8CB0-61A1-4F73-BD43-62941678938C}"/>
-                  </a:ext>
-                </a:extLst>
-              </p:cNvPr>
-              <p:cNvSpPr txBox="1"/>
-              <p:nvPr/>
-            </p:nvSpPr>
-            <p:spPr>
-              <a:xfrm>
-                <a:off x="2509890" y="3856783"/>
-                <a:ext cx="296876" cy="369332"/>
-              </a:xfrm>
-              <a:prstGeom prst="rect">
-                <a:avLst/>
-              </a:prstGeom>
-              <a:noFill/>
-            </p:spPr>
-            <p:txBody>
-              <a:bodyPr wrap="none" rtlCol="0">
-                <a:spAutoFit/>
-              </a:bodyPr>
-              <a:lstStyle/>
-              <a:p>
-                <a:r>
-                  <a:rPr lang="el-GR" dirty="0">
-                    <a:solidFill>
-                      <a:schemeClr val="bg1">
-                        <a:lumMod val="75000"/>
-                        <a:lumOff val="25000"/>
-                      </a:schemeClr>
-                    </a:solidFill>
-                  </a:rPr>
-                  <a:t>γ</a:t>
-                </a:r>
-                <a:endParaRPr lang="en-US" dirty="0">
-                  <a:solidFill>
-                    <a:schemeClr val="bg1">
-                      <a:lumMod val="75000"/>
-                      <a:lumOff val="25000"/>
-                    </a:schemeClr>
-                  </a:solidFill>
-                </a:endParaRPr>
-              </a:p>
-            </p:txBody>
-          </p:sp>
-        </p:grpSp>
-        <p:sp>
-          <p:nvSpPr>
-            <p:cNvPr id="33" name="Oval 32">
-              <a:extLst>
-                <a:ext uri="{FF2B5EF4-FFF2-40B4-BE49-F238E27FC236}">
-                  <a16:creationId xmlns:a16="http://schemas.microsoft.com/office/drawing/2014/main" id="{96CA7C1D-23DC-4760-8C4C-1F9F9EBA2C18}"/>
+                  <a16:creationId xmlns:a16="http://schemas.microsoft.com/office/drawing/2014/main" id="{F30BF11E-F88E-484A-88DD-94086012FE2C}"/>
                 </a:ext>
               </a:extLst>
             </p:cNvPr>
@@ -12199,7 +12535,7 @@
           </p:nvSpPr>
           <p:spPr>
             <a:xfrm>
-              <a:off x="3736530" y="4812397"/>
+              <a:off x="1026367" y="2768082"/>
               <a:ext cx="933061" cy="901959"/>
             </a:xfrm>
             <a:prstGeom prst="ellipse">
@@ -12245,265 +12581,1108 @@
               </a:r>
               <a:r>
                 <a:rPr lang="en-US" baseline="-25000" dirty="0"/>
-                <a:t>3</a:t>
+                <a:t>0</a:t>
               </a:r>
             </a:p>
           </p:txBody>
         </p:sp>
-        <p:cxnSp>
-          <p:nvCxnSpPr>
-            <p:cNvPr id="34" name="Connector: Curved 33">
+        <p:sp>
+          <p:nvSpPr>
+            <p:cNvPr id="54" name="Oval 53">
               <a:extLst>
                 <a:ext uri="{FF2B5EF4-FFF2-40B4-BE49-F238E27FC236}">
-                  <a16:creationId xmlns:a16="http://schemas.microsoft.com/office/drawing/2014/main" id="{7CE38688-5C6F-4D52-B7A8-A4C8963E9FD7}"/>
+                  <a16:creationId xmlns:a16="http://schemas.microsoft.com/office/drawing/2014/main" id="{2967C33D-B1D3-4F2B-879E-D3CDF12A6407}"/>
                 </a:ext>
               </a:extLst>
             </p:cNvPr>
-            <p:cNvCxnSpPr>
-              <a:cxnSpLocks/>
-              <a:stCxn id="33" idx="0"/>
-              <a:endCxn id="53" idx="4"/>
-            </p:cNvCxnSpPr>
+            <p:cNvSpPr/>
             <p:nvPr/>
-          </p:nvCxnSpPr>
+          </p:nvSpPr>
           <p:spPr>
-            <a:xfrm rot="5400000" flipH="1" flipV="1">
-              <a:off x="3773563" y="4382899"/>
-              <a:ext cx="858997" cy="12700"/>
+            <a:xfrm>
+              <a:off x="3327918" y="2768082"/>
+              <a:ext cx="933061" cy="901959"/>
             </a:xfrm>
-            <a:prstGeom prst="curvedConnector3">
-              <a:avLst>
-                <a:gd name="adj1" fmla="val 50000"/>
-              </a:avLst>
+            <a:prstGeom prst="ellipse">
+              <a:avLst/>
             </a:prstGeom>
-            <a:ln w="19050">
+            <a:solidFill>
+              <a:schemeClr val="tx1">
+                <a:lumMod val="85000"/>
+              </a:schemeClr>
+            </a:solidFill>
+            <a:ln>
               <a:solidFill>
                 <a:schemeClr val="bg2">
-                  <a:lumMod val="60000"/>
-                  <a:lumOff val="40000"/>
+                  <a:lumMod val="50000"/>
                 </a:schemeClr>
               </a:solidFill>
-              <a:tailEnd type="triangle"/>
             </a:ln>
           </p:spPr>
           <p:style>
-            <a:lnRef idx="1">
-              <a:schemeClr val="accent1"/>
+            <a:lnRef idx="2">
+              <a:schemeClr val="accent1">
+                <a:shade val="50000"/>
+              </a:schemeClr>
             </a:lnRef>
-            <a:fillRef idx="0">
+            <a:fillRef idx="1">
               <a:schemeClr val="accent1"/>
             </a:fillRef>
             <a:effectRef idx="0">
               <a:schemeClr val="accent1"/>
             </a:effectRef>
             <a:fontRef idx="minor">
-              <a:schemeClr val="tx1"/>
+              <a:schemeClr val="lt1"/>
             </a:fontRef>
           </p:style>
-        </p:cxnSp>
-        <p:cxnSp>
-          <p:nvCxnSpPr>
-            <p:cNvPr id="35" name="Connector: Curved 34">
+          <p:txBody>
+            <a:bodyPr rtlCol="0" anchor="ctr"/>
+            <a:lstStyle/>
+            <a:p>
+              <a:pPr algn="ctr"/>
+              <a:r>
+                <a:rPr lang="en-US" dirty="0"/>
+                <a:t>S</a:t>
+              </a:r>
+              <a:r>
+                <a:rPr lang="en-US" baseline="-25000" dirty="0"/>
+                <a:t>1</a:t>
+              </a:r>
+            </a:p>
+          </p:txBody>
+        </p:sp>
+        <p:sp>
+          <p:nvSpPr>
+            <p:cNvPr id="56" name="Oval 55">
               <a:extLst>
                 <a:ext uri="{FF2B5EF4-FFF2-40B4-BE49-F238E27FC236}">
-                  <a16:creationId xmlns:a16="http://schemas.microsoft.com/office/drawing/2014/main" id="{A90F5C5C-CB86-45C1-B7FC-2EF3F02D06A3}"/>
+                  <a16:creationId xmlns:a16="http://schemas.microsoft.com/office/drawing/2014/main" id="{328CD09D-679E-4FF4-B601-A443D9A5A37A}"/>
                 </a:ext>
               </a:extLst>
             </p:cNvPr>
-            <p:cNvCxnSpPr>
-              <a:cxnSpLocks/>
-              <a:stCxn id="33" idx="4"/>
-              <a:endCxn id="33" idx="2"/>
-            </p:cNvCxnSpPr>
+            <p:cNvSpPr/>
             <p:nvPr/>
-          </p:nvCxnSpPr>
+          </p:nvSpPr>
           <p:spPr>
-            <a:xfrm rot="5400000" flipH="1">
-              <a:off x="3744306" y="5255602"/>
-              <a:ext cx="450979" cy="466531"/>
+            <a:xfrm>
+              <a:off x="3327917" y="4525869"/>
+              <a:ext cx="933061" cy="901959"/>
             </a:xfrm>
-            <a:prstGeom prst="curvedConnector4">
-              <a:avLst>
-                <a:gd name="adj1" fmla="val -50690"/>
-                <a:gd name="adj2" fmla="val 149000"/>
-              </a:avLst>
+            <a:prstGeom prst="ellipse">
+              <a:avLst/>
             </a:prstGeom>
-            <a:ln w="19050">
+            <a:solidFill>
+              <a:schemeClr val="tx1">
+                <a:lumMod val="85000"/>
+              </a:schemeClr>
+            </a:solidFill>
+            <a:ln>
               <a:solidFill>
                 <a:schemeClr val="bg2">
-                  <a:lumMod val="60000"/>
-                  <a:lumOff val="40000"/>
+                  <a:lumMod val="50000"/>
                 </a:schemeClr>
               </a:solidFill>
-              <a:tailEnd type="triangle"/>
             </a:ln>
           </p:spPr>
           <p:style>
-            <a:lnRef idx="1">
-              <a:schemeClr val="accent1"/>
+            <a:lnRef idx="2">
+              <a:schemeClr val="accent1">
+                <a:shade val="50000"/>
+              </a:schemeClr>
             </a:lnRef>
-            <a:fillRef idx="0">
+            <a:fillRef idx="1">
               <a:schemeClr val="accent1"/>
             </a:fillRef>
             <a:effectRef idx="0">
               <a:schemeClr val="accent1"/>
             </a:effectRef>
             <a:fontRef idx="minor">
-              <a:schemeClr val="tx1"/>
+              <a:schemeClr val="lt1"/>
             </a:fontRef>
           </p:style>
-        </p:cxnSp>
-        <p:sp>
-          <p:nvSpPr>
-            <p:cNvPr id="36" name="TextBox 35">
-              <a:extLst>
-                <a:ext uri="{FF2B5EF4-FFF2-40B4-BE49-F238E27FC236}">
-                  <a16:creationId xmlns:a16="http://schemas.microsoft.com/office/drawing/2014/main" id="{9F830C76-C3E3-47AA-8F8D-8B376A392521}"/>
-                </a:ext>
-              </a:extLst>
-            </p:cNvPr>
-            <p:cNvSpPr txBox="1"/>
-            <p:nvPr/>
-          </p:nvSpPr>
-          <p:spPr>
-            <a:xfrm>
-              <a:off x="6504610" y="2232293"/>
-              <a:ext cx="314510" cy="369332"/>
-            </a:xfrm>
-            <a:prstGeom prst="rect">
-              <a:avLst/>
-            </a:prstGeom>
-            <a:noFill/>
-          </p:spPr>
           <p:txBody>
-            <a:bodyPr wrap="none" rtlCol="0">
-              <a:spAutoFit/>
-            </a:bodyPr>
+            <a:bodyPr rtlCol="0" anchor="ctr"/>
             <a:lstStyle/>
             <a:p>
+              <a:pPr algn="ctr"/>
               <a:r>
-                <a:rPr lang="el-GR" dirty="0">
-                  <a:solidFill>
-                    <a:schemeClr val="bg1">
-                      <a:lumMod val="75000"/>
-                      <a:lumOff val="25000"/>
-                    </a:schemeClr>
-                  </a:solidFill>
-                </a:rPr>
-                <a:t>α</a:t>
+                <a:rPr lang="en-US" dirty="0"/>
+                <a:t>S</a:t>
               </a:r>
-              <a:endParaRPr lang="en-US" dirty="0">
+              <a:r>
+                <a:rPr lang="en-US" baseline="-25000" dirty="0"/>
+                <a:t>2</a:t>
+              </a:r>
+            </a:p>
+          </p:txBody>
+        </p:sp>
+      </p:grpSp>
+      <p:cxnSp>
+        <p:nvCxnSpPr>
+          <p:cNvPr id="40" name="Connector: Curved 39">
+            <a:extLst>
+              <a:ext uri="{FF2B5EF4-FFF2-40B4-BE49-F238E27FC236}">
+                <a16:creationId xmlns:a16="http://schemas.microsoft.com/office/drawing/2014/main" id="{97503CF0-8894-436F-B8A4-6CBB11421514}"/>
+              </a:ext>
+            </a:extLst>
+          </p:cNvPr>
+          <p:cNvCxnSpPr>
+            <a:stCxn id="53" idx="7"/>
+            <a:endCxn id="54" idx="1"/>
+          </p:cNvCxnSpPr>
+          <p:nvPr/>
+        </p:nvCxnSpPr>
+        <p:spPr>
+          <a:xfrm rot="5400000" flipH="1" flipV="1">
+            <a:off x="5409819" y="2219572"/>
+            <a:ext cx="12700" cy="1641778"/>
+          </a:xfrm>
+          <a:prstGeom prst="curvedConnector3">
+            <a:avLst>
+              <a:gd name="adj1" fmla="val 2840071"/>
+            </a:avLst>
+          </a:prstGeom>
+          <a:ln w="19050">
+            <a:solidFill>
+              <a:schemeClr val="bg2">
+                <a:lumMod val="60000"/>
+                <a:lumOff val="40000"/>
+              </a:schemeClr>
+            </a:solidFill>
+            <a:tailEnd type="triangle"/>
+          </a:ln>
+        </p:spPr>
+        <p:style>
+          <a:lnRef idx="1">
+            <a:schemeClr val="accent1"/>
+          </a:lnRef>
+          <a:fillRef idx="0">
+            <a:schemeClr val="accent1"/>
+          </a:fillRef>
+          <a:effectRef idx="0">
+            <a:schemeClr val="accent1"/>
+          </a:effectRef>
+          <a:fontRef idx="minor">
+            <a:schemeClr val="tx1"/>
+          </a:fontRef>
+        </p:style>
+      </p:cxnSp>
+      <p:cxnSp>
+        <p:nvCxnSpPr>
+          <p:cNvPr id="41" name="Connector: Curved 40">
+            <a:extLst>
+              <a:ext uri="{FF2B5EF4-FFF2-40B4-BE49-F238E27FC236}">
+                <a16:creationId xmlns:a16="http://schemas.microsoft.com/office/drawing/2014/main" id="{F0406DEA-4B43-4024-A171-99EC868858AC}"/>
+              </a:ext>
+            </a:extLst>
+          </p:cNvPr>
+          <p:cNvCxnSpPr>
+            <a:cxnSpLocks/>
+            <a:stCxn id="54" idx="0"/>
+            <a:endCxn id="54" idx="7"/>
+          </p:cNvCxnSpPr>
+          <p:nvPr/>
+        </p:nvCxnSpPr>
+        <p:spPr>
+          <a:xfrm rot="16200000" flipH="1">
+            <a:off x="6659493" y="2809473"/>
+            <a:ext cx="132089" cy="329886"/>
+          </a:xfrm>
+          <a:prstGeom prst="curvedConnector3">
+            <a:avLst>
+              <a:gd name="adj1" fmla="val -271960"/>
+            </a:avLst>
+          </a:prstGeom>
+          <a:ln w="19050">
+            <a:solidFill>
+              <a:schemeClr val="bg2">
+                <a:lumMod val="60000"/>
+                <a:lumOff val="40000"/>
+              </a:schemeClr>
+            </a:solidFill>
+            <a:tailEnd type="triangle"/>
+          </a:ln>
+        </p:spPr>
+        <p:style>
+          <a:lnRef idx="1">
+            <a:schemeClr val="accent1"/>
+          </a:lnRef>
+          <a:fillRef idx="0">
+            <a:schemeClr val="accent1"/>
+          </a:fillRef>
+          <a:effectRef idx="0">
+            <a:schemeClr val="accent1"/>
+          </a:effectRef>
+          <a:fontRef idx="minor">
+            <a:schemeClr val="tx1"/>
+          </a:fontRef>
+        </p:style>
+      </p:cxnSp>
+      <p:cxnSp>
+        <p:nvCxnSpPr>
+          <p:cNvPr id="42" name="Connector: Curved 41">
+            <a:extLst>
+              <a:ext uri="{FF2B5EF4-FFF2-40B4-BE49-F238E27FC236}">
+                <a16:creationId xmlns:a16="http://schemas.microsoft.com/office/drawing/2014/main" id="{5D9CBFEB-DD90-4E4B-87C2-9538647D15DB}"/>
+              </a:ext>
+            </a:extLst>
+          </p:cNvPr>
+          <p:cNvCxnSpPr>
+            <a:cxnSpLocks/>
+            <a:stCxn id="56" idx="3"/>
+            <a:endCxn id="33" idx="5"/>
+          </p:cNvCxnSpPr>
+          <p:nvPr/>
+        </p:nvCxnSpPr>
+        <p:spPr>
+          <a:xfrm rot="5400000">
+            <a:off x="5408235" y="4616725"/>
+            <a:ext cx="3169" cy="1641777"/>
+          </a:xfrm>
+          <a:prstGeom prst="curvedConnector3">
+            <a:avLst>
+              <a:gd name="adj1" fmla="val 11481792"/>
+            </a:avLst>
+          </a:prstGeom>
+          <a:ln w="19050">
+            <a:solidFill>
+              <a:schemeClr val="bg2">
+                <a:lumMod val="60000"/>
+                <a:lumOff val="40000"/>
+              </a:schemeClr>
+            </a:solidFill>
+            <a:tailEnd type="triangle"/>
+          </a:ln>
+        </p:spPr>
+        <p:style>
+          <a:lnRef idx="1">
+            <a:schemeClr val="accent1"/>
+          </a:lnRef>
+          <a:fillRef idx="0">
+            <a:schemeClr val="accent1"/>
+          </a:fillRef>
+          <a:effectRef idx="0">
+            <a:schemeClr val="accent1"/>
+          </a:effectRef>
+          <a:fontRef idx="minor">
+            <a:schemeClr val="tx1"/>
+          </a:fontRef>
+        </p:style>
+      </p:cxnSp>
+      <p:cxnSp>
+        <p:nvCxnSpPr>
+          <p:cNvPr id="43" name="Connector: Curved 42">
+            <a:extLst>
+              <a:ext uri="{FF2B5EF4-FFF2-40B4-BE49-F238E27FC236}">
+                <a16:creationId xmlns:a16="http://schemas.microsoft.com/office/drawing/2014/main" id="{7CA13DD7-DD3A-4195-A303-F1EE94B719FE}"/>
+              </a:ext>
+            </a:extLst>
+          </p:cNvPr>
+          <p:cNvCxnSpPr>
+            <a:cxnSpLocks/>
+            <a:stCxn id="54" idx="2"/>
+            <a:endCxn id="56" idx="2"/>
+          </p:cNvCxnSpPr>
+          <p:nvPr/>
+        </p:nvCxnSpPr>
+        <p:spPr>
+          <a:xfrm rot="10800000" flipV="1">
+            <a:off x="6094064" y="3359351"/>
+            <a:ext cx="1" cy="1757787"/>
+          </a:xfrm>
+          <a:prstGeom prst="curvedConnector3">
+            <a:avLst>
+              <a:gd name="adj1" fmla="val 22860100000"/>
+            </a:avLst>
+          </a:prstGeom>
+          <a:ln w="19050">
+            <a:solidFill>
+              <a:schemeClr val="bg2">
+                <a:lumMod val="60000"/>
+                <a:lumOff val="40000"/>
+              </a:schemeClr>
+            </a:solidFill>
+            <a:tailEnd type="triangle"/>
+          </a:ln>
+        </p:spPr>
+        <p:style>
+          <a:lnRef idx="1">
+            <a:schemeClr val="accent1"/>
+          </a:lnRef>
+          <a:fillRef idx="0">
+            <a:schemeClr val="accent1"/>
+          </a:fillRef>
+          <a:effectRef idx="0">
+            <a:schemeClr val="accent1"/>
+          </a:effectRef>
+          <a:fontRef idx="minor">
+            <a:schemeClr val="tx1"/>
+          </a:fontRef>
+        </p:style>
+      </p:cxnSp>
+      <p:cxnSp>
+        <p:nvCxnSpPr>
+          <p:cNvPr id="44" name="Connector: Curved 43">
+            <a:extLst>
+              <a:ext uri="{FF2B5EF4-FFF2-40B4-BE49-F238E27FC236}">
+                <a16:creationId xmlns:a16="http://schemas.microsoft.com/office/drawing/2014/main" id="{D6FE213C-FBC1-4493-B22D-6CD37E4962BE}"/>
+              </a:ext>
+            </a:extLst>
+          </p:cNvPr>
+          <p:cNvCxnSpPr>
+            <a:stCxn id="53" idx="1"/>
+            <a:endCxn id="53" idx="0"/>
+          </p:cNvCxnSpPr>
+          <p:nvPr/>
+        </p:nvCxnSpPr>
+        <p:spPr>
+          <a:xfrm rot="5400000" flipH="1" flipV="1">
+            <a:off x="4028056" y="2809474"/>
+            <a:ext cx="132089" cy="329887"/>
+          </a:xfrm>
+          <a:prstGeom prst="curvedConnector3">
+            <a:avLst>
+              <a:gd name="adj1" fmla="val 376669"/>
+            </a:avLst>
+          </a:prstGeom>
+          <a:ln w="19050">
+            <a:solidFill>
+              <a:schemeClr val="bg2">
+                <a:lumMod val="60000"/>
+                <a:lumOff val="40000"/>
+              </a:schemeClr>
+            </a:solidFill>
+            <a:tailEnd type="triangle"/>
+          </a:ln>
+        </p:spPr>
+        <p:style>
+          <a:lnRef idx="1">
+            <a:schemeClr val="accent1"/>
+          </a:lnRef>
+          <a:fillRef idx="0">
+            <a:schemeClr val="accent1"/>
+          </a:fillRef>
+          <a:effectRef idx="0">
+            <a:schemeClr val="accent1"/>
+          </a:effectRef>
+          <a:fontRef idx="minor">
+            <a:schemeClr val="tx1"/>
+          </a:fontRef>
+        </p:style>
+      </p:cxnSp>
+      <p:cxnSp>
+        <p:nvCxnSpPr>
+          <p:cNvPr id="45" name="Connector: Curved 44">
+            <a:extLst>
+              <a:ext uri="{FF2B5EF4-FFF2-40B4-BE49-F238E27FC236}">
+                <a16:creationId xmlns:a16="http://schemas.microsoft.com/office/drawing/2014/main" id="{A5EA44F6-37B9-422A-BEED-5FDCF0728C15}"/>
+              </a:ext>
+            </a:extLst>
+          </p:cNvPr>
+          <p:cNvCxnSpPr>
+            <a:cxnSpLocks/>
+            <a:stCxn id="56" idx="6"/>
+            <a:endCxn id="54" idx="6"/>
+          </p:cNvCxnSpPr>
+          <p:nvPr/>
+        </p:nvCxnSpPr>
+        <p:spPr>
+          <a:xfrm flipV="1">
+            <a:off x="7027124" y="3359352"/>
+            <a:ext cx="1" cy="1757787"/>
+          </a:xfrm>
+          <a:prstGeom prst="curvedConnector3">
+            <a:avLst>
+              <a:gd name="adj1" fmla="val 22860100000"/>
+            </a:avLst>
+          </a:prstGeom>
+          <a:ln w="19050">
+            <a:solidFill>
+              <a:schemeClr val="bg2">
+                <a:lumMod val="60000"/>
+                <a:lumOff val="40000"/>
+              </a:schemeClr>
+            </a:solidFill>
+            <a:tailEnd type="triangle"/>
+          </a:ln>
+        </p:spPr>
+        <p:style>
+          <a:lnRef idx="1">
+            <a:schemeClr val="accent1"/>
+          </a:lnRef>
+          <a:fillRef idx="0">
+            <a:schemeClr val="accent1"/>
+          </a:fillRef>
+          <a:effectRef idx="0">
+            <a:schemeClr val="accent1"/>
+          </a:effectRef>
+          <a:fontRef idx="minor">
+            <a:schemeClr val="tx1"/>
+          </a:fontRef>
+        </p:style>
+      </p:cxnSp>
+      <p:sp>
+        <p:nvSpPr>
+          <p:cNvPr id="46" name="TextBox 45">
+            <a:extLst>
+              <a:ext uri="{FF2B5EF4-FFF2-40B4-BE49-F238E27FC236}">
+                <a16:creationId xmlns:a16="http://schemas.microsoft.com/office/drawing/2014/main" id="{131FBB6C-B834-408F-A702-65484DEC1E61}"/>
+              </a:ext>
+            </a:extLst>
+          </p:cNvPr>
+          <p:cNvSpPr txBox="1"/>
+          <p:nvPr/>
+        </p:nvSpPr>
+        <p:spPr>
+          <a:xfrm>
+            <a:off x="5258914" y="2273890"/>
+            <a:ext cx="314510" cy="369332"/>
+          </a:xfrm>
+          <a:prstGeom prst="rect">
+            <a:avLst/>
+          </a:prstGeom>
+          <a:noFill/>
+        </p:spPr>
+        <p:txBody>
+          <a:bodyPr wrap="none" rtlCol="0">
+            <a:spAutoFit/>
+          </a:bodyPr>
+          <a:lstStyle/>
+          <a:p>
+            <a:r>
+              <a:rPr lang="el-GR" dirty="0">
                 <a:solidFill>
                   <a:schemeClr val="bg1">
                     <a:lumMod val="75000"/>
                     <a:lumOff val="25000"/>
                   </a:schemeClr>
                 </a:solidFill>
-              </a:endParaRPr>
-            </a:p>
-          </p:txBody>
-        </p:sp>
-        <p:sp>
-          <p:nvSpPr>
-            <p:cNvPr id="37" name="TextBox 36">
-              <a:extLst>
-                <a:ext uri="{FF2B5EF4-FFF2-40B4-BE49-F238E27FC236}">
-                  <a16:creationId xmlns:a16="http://schemas.microsoft.com/office/drawing/2014/main" id="{6B2257B4-CE9D-4331-94F0-BECA1C478A9C}"/>
-                </a:ext>
-              </a:extLst>
-            </p:cNvPr>
-            <p:cNvSpPr txBox="1"/>
-            <p:nvPr/>
-          </p:nvSpPr>
-          <p:spPr>
-            <a:xfrm>
-              <a:off x="5202931" y="5488867"/>
-              <a:ext cx="314510" cy="369332"/>
-            </a:xfrm>
-            <a:prstGeom prst="rect">
-              <a:avLst/>
-            </a:prstGeom>
-            <a:noFill/>
-          </p:spPr>
-          <p:txBody>
-            <a:bodyPr wrap="none" rtlCol="0">
-              <a:spAutoFit/>
-            </a:bodyPr>
-            <a:lstStyle/>
-            <a:p>
-              <a:r>
-                <a:rPr lang="el-GR" dirty="0">
-                  <a:solidFill>
-                    <a:schemeClr val="bg1">
-                      <a:lumMod val="75000"/>
-                      <a:lumOff val="25000"/>
-                    </a:schemeClr>
-                  </a:solidFill>
-                </a:rPr>
-                <a:t>β</a:t>
-              </a:r>
-              <a:endParaRPr lang="en-US" dirty="0">
+              </a:rPr>
+              <a:t>α</a:t>
+            </a:r>
+            <a:endParaRPr lang="en-US" dirty="0">
+              <a:solidFill>
+                <a:schemeClr val="bg1">
+                  <a:lumMod val="75000"/>
+                  <a:lumOff val="25000"/>
+                </a:schemeClr>
+              </a:solidFill>
+            </a:endParaRPr>
+          </a:p>
+        </p:txBody>
+      </p:sp>
+      <p:sp>
+        <p:nvSpPr>
+          <p:cNvPr id="47" name="TextBox 46">
+            <a:extLst>
+              <a:ext uri="{FF2B5EF4-FFF2-40B4-BE49-F238E27FC236}">
+                <a16:creationId xmlns:a16="http://schemas.microsoft.com/office/drawing/2014/main" id="{368F415D-78F3-44AA-AF06-9751897E7BA8}"/>
+              </a:ext>
+            </a:extLst>
+          </p:cNvPr>
+          <p:cNvSpPr txBox="1"/>
+          <p:nvPr/>
+        </p:nvSpPr>
+        <p:spPr>
+          <a:xfrm>
+            <a:off x="4293056" y="4064590"/>
+            <a:ext cx="314510" cy="369332"/>
+          </a:xfrm>
+          <a:prstGeom prst="rect">
+            <a:avLst/>
+          </a:prstGeom>
+          <a:noFill/>
+        </p:spPr>
+        <p:txBody>
+          <a:bodyPr wrap="none" rtlCol="0">
+            <a:spAutoFit/>
+          </a:bodyPr>
+          <a:lstStyle/>
+          <a:p>
+            <a:r>
+              <a:rPr lang="el-GR" dirty="0">
                 <a:solidFill>
                   <a:schemeClr val="bg1">
                     <a:lumMod val="75000"/>
                     <a:lumOff val="25000"/>
                   </a:schemeClr>
                 </a:solidFill>
-              </a:endParaRPr>
-            </a:p>
-          </p:txBody>
-        </p:sp>
-        <p:sp>
-          <p:nvSpPr>
-            <p:cNvPr id="38" name="TextBox 37">
-              <a:extLst>
-                <a:ext uri="{FF2B5EF4-FFF2-40B4-BE49-F238E27FC236}">
-                  <a16:creationId xmlns:a16="http://schemas.microsoft.com/office/drawing/2014/main" id="{7F73B776-7AC9-4AA0-846F-EE84A27FF7F8}"/>
-                </a:ext>
-              </a:extLst>
-            </p:cNvPr>
-            <p:cNvSpPr txBox="1"/>
-            <p:nvPr/>
-          </p:nvSpPr>
-          <p:spPr>
-            <a:xfrm>
-              <a:off x="3205732" y="5488867"/>
-              <a:ext cx="314510" cy="369332"/>
-            </a:xfrm>
-            <a:prstGeom prst="rect">
-              <a:avLst/>
-            </a:prstGeom>
-            <a:noFill/>
-          </p:spPr>
-          <p:txBody>
-            <a:bodyPr wrap="none" rtlCol="0">
-              <a:spAutoFit/>
-            </a:bodyPr>
-            <a:lstStyle/>
-            <a:p>
-              <a:r>
-                <a:rPr lang="el-GR" dirty="0">
-                  <a:solidFill>
-                    <a:schemeClr val="bg1">
-                      <a:lumMod val="75000"/>
-                      <a:lumOff val="25000"/>
-                    </a:schemeClr>
-                  </a:solidFill>
-                </a:rPr>
-                <a:t>β</a:t>
-              </a:r>
-              <a:endParaRPr lang="en-US" dirty="0">
+              </a:rPr>
+              <a:t>α</a:t>
+            </a:r>
+            <a:endParaRPr lang="en-US" dirty="0">
+              <a:solidFill>
+                <a:schemeClr val="bg1">
+                  <a:lumMod val="75000"/>
+                  <a:lumOff val="25000"/>
+                </a:schemeClr>
+              </a:solidFill>
+            </a:endParaRPr>
+          </a:p>
+        </p:txBody>
+      </p:sp>
+      <p:sp>
+        <p:nvSpPr>
+          <p:cNvPr id="48" name="TextBox 47">
+            <a:extLst>
+              <a:ext uri="{FF2B5EF4-FFF2-40B4-BE49-F238E27FC236}">
+                <a16:creationId xmlns:a16="http://schemas.microsoft.com/office/drawing/2014/main" id="{D7D4616B-667A-40AA-A3FB-01ED826927F9}"/>
+              </a:ext>
+            </a:extLst>
+          </p:cNvPr>
+          <p:cNvSpPr txBox="1"/>
+          <p:nvPr/>
+        </p:nvSpPr>
+        <p:spPr>
+          <a:xfrm>
+            <a:off x="7345701" y="4061514"/>
+            <a:ext cx="314510" cy="369332"/>
+          </a:xfrm>
+          <a:prstGeom prst="rect">
+            <a:avLst/>
+          </a:prstGeom>
+          <a:noFill/>
+        </p:spPr>
+        <p:txBody>
+          <a:bodyPr wrap="none" rtlCol="0">
+            <a:spAutoFit/>
+          </a:bodyPr>
+          <a:lstStyle/>
+          <a:p>
+            <a:r>
+              <a:rPr lang="el-GR" dirty="0">
                 <a:solidFill>
                   <a:schemeClr val="bg1">
                     <a:lumMod val="75000"/>
                     <a:lumOff val="25000"/>
                   </a:schemeClr>
                 </a:solidFill>
-              </a:endParaRPr>
-            </a:p>
-          </p:txBody>
-        </p:sp>
-      </p:grpSp>
+              </a:rPr>
+              <a:t>α</a:t>
+            </a:r>
+            <a:endParaRPr lang="en-US" dirty="0">
+              <a:solidFill>
+                <a:schemeClr val="bg1">
+                  <a:lumMod val="75000"/>
+                  <a:lumOff val="25000"/>
+                </a:schemeClr>
+              </a:solidFill>
+            </a:endParaRPr>
+          </a:p>
+        </p:txBody>
+      </p:sp>
+      <p:sp>
+        <p:nvSpPr>
+          <p:cNvPr id="49" name="TextBox 48">
+            <a:extLst>
+              <a:ext uri="{FF2B5EF4-FFF2-40B4-BE49-F238E27FC236}">
+                <a16:creationId xmlns:a16="http://schemas.microsoft.com/office/drawing/2014/main" id="{F79CB5BA-117A-4EBC-97C5-727F365A89CA}"/>
+              </a:ext>
+            </a:extLst>
+          </p:cNvPr>
+          <p:cNvSpPr txBox="1"/>
+          <p:nvPr/>
+        </p:nvSpPr>
+        <p:spPr>
+          <a:xfrm>
+            <a:off x="5540626" y="4064590"/>
+            <a:ext cx="314510" cy="369332"/>
+          </a:xfrm>
+          <a:prstGeom prst="rect">
+            <a:avLst/>
+          </a:prstGeom>
+          <a:noFill/>
+        </p:spPr>
+        <p:txBody>
+          <a:bodyPr wrap="none" rtlCol="0">
+            <a:spAutoFit/>
+          </a:bodyPr>
+          <a:lstStyle/>
+          <a:p>
+            <a:r>
+              <a:rPr lang="el-GR" dirty="0">
+                <a:solidFill>
+                  <a:schemeClr val="bg1">
+                    <a:lumMod val="75000"/>
+                    <a:lumOff val="25000"/>
+                  </a:schemeClr>
+                </a:solidFill>
+              </a:rPr>
+              <a:t>β</a:t>
+            </a:r>
+            <a:endParaRPr lang="en-US" dirty="0">
+              <a:solidFill>
+                <a:schemeClr val="bg1">
+                  <a:lumMod val="75000"/>
+                  <a:lumOff val="25000"/>
+                </a:schemeClr>
+              </a:solidFill>
+            </a:endParaRPr>
+          </a:p>
+        </p:txBody>
+      </p:sp>
+      <p:sp>
+        <p:nvSpPr>
+          <p:cNvPr id="50" name="TextBox 49">
+            <a:extLst>
+              <a:ext uri="{FF2B5EF4-FFF2-40B4-BE49-F238E27FC236}">
+                <a16:creationId xmlns:a16="http://schemas.microsoft.com/office/drawing/2014/main" id="{8CDBCBB5-EDA2-454F-B763-27E495367D88}"/>
+              </a:ext>
+            </a:extLst>
+          </p:cNvPr>
+          <p:cNvSpPr txBox="1"/>
+          <p:nvPr/>
+        </p:nvSpPr>
+        <p:spPr>
+          <a:xfrm>
+            <a:off x="3936845" y="2089224"/>
+            <a:ext cx="314510" cy="369332"/>
+          </a:xfrm>
+          <a:prstGeom prst="rect">
+            <a:avLst/>
+          </a:prstGeom>
+          <a:noFill/>
+        </p:spPr>
+        <p:txBody>
+          <a:bodyPr wrap="none" rtlCol="0">
+            <a:spAutoFit/>
+          </a:bodyPr>
+          <a:lstStyle/>
+          <a:p>
+            <a:r>
+              <a:rPr lang="el-GR" dirty="0">
+                <a:solidFill>
+                  <a:schemeClr val="bg1">
+                    <a:lumMod val="75000"/>
+                    <a:lumOff val="25000"/>
+                  </a:schemeClr>
+                </a:solidFill>
+              </a:rPr>
+              <a:t>β</a:t>
+            </a:r>
+            <a:endParaRPr lang="en-US" dirty="0">
+              <a:solidFill>
+                <a:schemeClr val="bg1">
+                  <a:lumMod val="75000"/>
+                  <a:lumOff val="25000"/>
+                </a:schemeClr>
+              </a:solidFill>
+            </a:endParaRPr>
+          </a:p>
+        </p:txBody>
+      </p:sp>
+      <p:cxnSp>
+        <p:nvCxnSpPr>
+          <p:cNvPr id="51" name="Straight Arrow Connector 50">
+            <a:extLst>
+              <a:ext uri="{FF2B5EF4-FFF2-40B4-BE49-F238E27FC236}">
+                <a16:creationId xmlns:a16="http://schemas.microsoft.com/office/drawing/2014/main" id="{ADB64634-C2EA-48DE-BCA9-6F044F978264}"/>
+              </a:ext>
+            </a:extLst>
+          </p:cNvPr>
+          <p:cNvCxnSpPr>
+            <a:endCxn id="53" idx="2"/>
+          </p:cNvCxnSpPr>
+          <p:nvPr/>
+        </p:nvCxnSpPr>
+        <p:spPr>
+          <a:xfrm flipV="1">
+            <a:off x="3350864" y="3359352"/>
+            <a:ext cx="441649" cy="6349"/>
+          </a:xfrm>
+          <a:prstGeom prst="straightConnector1">
+            <a:avLst/>
+          </a:prstGeom>
+          <a:ln w="57150">
+            <a:solidFill>
+              <a:srgbClr val="FF0000"/>
+            </a:solidFill>
+            <a:tailEnd type="triangle"/>
+          </a:ln>
+        </p:spPr>
+        <p:style>
+          <a:lnRef idx="1">
+            <a:schemeClr val="accent1"/>
+          </a:lnRef>
+          <a:fillRef idx="0">
+            <a:schemeClr val="accent1"/>
+          </a:fillRef>
+          <a:effectRef idx="0">
+            <a:schemeClr val="accent1"/>
+          </a:effectRef>
+          <a:fontRef idx="minor">
+            <a:schemeClr val="tx1"/>
+          </a:fontRef>
+        </p:style>
+      </p:cxnSp>
+      <p:sp>
+        <p:nvSpPr>
+          <p:cNvPr id="52" name="TextBox 51">
+            <a:extLst>
+              <a:ext uri="{FF2B5EF4-FFF2-40B4-BE49-F238E27FC236}">
+                <a16:creationId xmlns:a16="http://schemas.microsoft.com/office/drawing/2014/main" id="{822A8CB0-61A1-4F73-BD43-62941678938C}"/>
+              </a:ext>
+            </a:extLst>
+          </p:cNvPr>
+          <p:cNvSpPr txBox="1"/>
+          <p:nvPr/>
+        </p:nvSpPr>
+        <p:spPr>
+          <a:xfrm>
+            <a:off x="3347709" y="2945824"/>
+            <a:ext cx="296876" cy="369332"/>
+          </a:xfrm>
+          <a:prstGeom prst="rect">
+            <a:avLst/>
+          </a:prstGeom>
+          <a:noFill/>
+        </p:spPr>
+        <p:txBody>
+          <a:bodyPr wrap="none" rtlCol="0">
+            <a:spAutoFit/>
+          </a:bodyPr>
+          <a:lstStyle/>
+          <a:p>
+            <a:r>
+              <a:rPr lang="el-GR" dirty="0">
+                <a:solidFill>
+                  <a:schemeClr val="bg1">
+                    <a:lumMod val="75000"/>
+                    <a:lumOff val="25000"/>
+                  </a:schemeClr>
+                </a:solidFill>
+              </a:rPr>
+              <a:t>γ</a:t>
+            </a:r>
+            <a:endParaRPr lang="en-US" dirty="0">
+              <a:solidFill>
+                <a:schemeClr val="bg1">
+                  <a:lumMod val="75000"/>
+                  <a:lumOff val="25000"/>
+                </a:schemeClr>
+              </a:solidFill>
+            </a:endParaRPr>
+          </a:p>
+        </p:txBody>
+      </p:sp>
+      <p:sp>
+        <p:nvSpPr>
+          <p:cNvPr id="33" name="Oval 32">
+            <a:extLst>
+              <a:ext uri="{FF2B5EF4-FFF2-40B4-BE49-F238E27FC236}">
+                <a16:creationId xmlns:a16="http://schemas.microsoft.com/office/drawing/2014/main" id="{96CA7C1D-23DC-4760-8C4C-1F9F9EBA2C18}"/>
+              </a:ext>
+            </a:extLst>
+          </p:cNvPr>
+          <p:cNvSpPr/>
+          <p:nvPr/>
+        </p:nvSpPr>
+        <p:spPr>
+          <a:xfrm>
+            <a:off x="3792513" y="4669328"/>
+            <a:ext cx="933061" cy="901959"/>
+          </a:xfrm>
+          <a:prstGeom prst="ellipse">
+            <a:avLst/>
+          </a:prstGeom>
+          <a:solidFill>
+            <a:schemeClr val="tx1">
+              <a:lumMod val="85000"/>
+            </a:schemeClr>
+          </a:solidFill>
+          <a:ln>
+            <a:solidFill>
+              <a:schemeClr val="bg2">
+                <a:lumMod val="50000"/>
+              </a:schemeClr>
+            </a:solidFill>
+          </a:ln>
+        </p:spPr>
+        <p:style>
+          <a:lnRef idx="2">
+            <a:schemeClr val="accent1">
+              <a:shade val="50000"/>
+            </a:schemeClr>
+          </a:lnRef>
+          <a:fillRef idx="1">
+            <a:schemeClr val="accent1"/>
+          </a:fillRef>
+          <a:effectRef idx="0">
+            <a:schemeClr val="accent1"/>
+          </a:effectRef>
+          <a:fontRef idx="minor">
+            <a:schemeClr val="lt1"/>
+          </a:fontRef>
+        </p:style>
+        <p:txBody>
+          <a:bodyPr rtlCol="0" anchor="ctr"/>
+          <a:lstStyle/>
+          <a:p>
+            <a:pPr algn="ctr"/>
+            <a:r>
+              <a:rPr lang="en-US" dirty="0"/>
+              <a:t>S</a:t>
+            </a:r>
+            <a:r>
+              <a:rPr lang="en-US" baseline="-25000" dirty="0"/>
+              <a:t>3</a:t>
+            </a:r>
+          </a:p>
+        </p:txBody>
+      </p:sp>
+      <p:cxnSp>
+        <p:nvCxnSpPr>
+          <p:cNvPr id="34" name="Connector: Curved 33">
+            <a:extLst>
+              <a:ext uri="{FF2B5EF4-FFF2-40B4-BE49-F238E27FC236}">
+                <a16:creationId xmlns:a16="http://schemas.microsoft.com/office/drawing/2014/main" id="{7CE38688-5C6F-4D52-B7A8-A4C8963E9FD7}"/>
+              </a:ext>
+            </a:extLst>
+          </p:cNvPr>
+          <p:cNvCxnSpPr>
+            <a:cxnSpLocks/>
+            <a:stCxn id="33" idx="0"/>
+            <a:endCxn id="53" idx="4"/>
+          </p:cNvCxnSpPr>
+          <p:nvPr/>
+        </p:nvCxnSpPr>
+        <p:spPr>
+          <a:xfrm rot="5400000" flipH="1" flipV="1">
+            <a:off x="3829546" y="4239830"/>
+            <a:ext cx="858997" cy="12700"/>
+          </a:xfrm>
+          <a:prstGeom prst="curvedConnector3">
+            <a:avLst>
+              <a:gd name="adj1" fmla="val 50000"/>
+            </a:avLst>
+          </a:prstGeom>
+          <a:ln w="19050">
+            <a:solidFill>
+              <a:schemeClr val="bg2">
+                <a:lumMod val="60000"/>
+                <a:lumOff val="40000"/>
+              </a:schemeClr>
+            </a:solidFill>
+            <a:tailEnd type="triangle"/>
+          </a:ln>
+        </p:spPr>
+        <p:style>
+          <a:lnRef idx="1">
+            <a:schemeClr val="accent1"/>
+          </a:lnRef>
+          <a:fillRef idx="0">
+            <a:schemeClr val="accent1"/>
+          </a:fillRef>
+          <a:effectRef idx="0">
+            <a:schemeClr val="accent1"/>
+          </a:effectRef>
+          <a:fontRef idx="minor">
+            <a:schemeClr val="tx1"/>
+          </a:fontRef>
+        </p:style>
+      </p:cxnSp>
+      <p:cxnSp>
+        <p:nvCxnSpPr>
+          <p:cNvPr id="35" name="Connector: Curved 34">
+            <a:extLst>
+              <a:ext uri="{FF2B5EF4-FFF2-40B4-BE49-F238E27FC236}">
+                <a16:creationId xmlns:a16="http://schemas.microsoft.com/office/drawing/2014/main" id="{A90F5C5C-CB86-45C1-B7FC-2EF3F02D06A3}"/>
+              </a:ext>
+            </a:extLst>
+          </p:cNvPr>
+          <p:cNvCxnSpPr>
+            <a:cxnSpLocks/>
+            <a:stCxn id="33" idx="4"/>
+            <a:endCxn id="33" idx="2"/>
+          </p:cNvCxnSpPr>
+          <p:nvPr/>
+        </p:nvCxnSpPr>
+        <p:spPr>
+          <a:xfrm rot="5400000" flipH="1">
+            <a:off x="3800289" y="5112533"/>
+            <a:ext cx="450979" cy="466531"/>
+          </a:xfrm>
+          <a:prstGeom prst="curvedConnector4">
+            <a:avLst>
+              <a:gd name="adj1" fmla="val -50690"/>
+              <a:gd name="adj2" fmla="val 149000"/>
+            </a:avLst>
+          </a:prstGeom>
+          <a:ln w="19050">
+            <a:solidFill>
+              <a:schemeClr val="bg2">
+                <a:lumMod val="60000"/>
+                <a:lumOff val="40000"/>
+              </a:schemeClr>
+            </a:solidFill>
+            <a:tailEnd type="triangle"/>
+          </a:ln>
+        </p:spPr>
+        <p:style>
+          <a:lnRef idx="1">
+            <a:schemeClr val="accent1"/>
+          </a:lnRef>
+          <a:fillRef idx="0">
+            <a:schemeClr val="accent1"/>
+          </a:fillRef>
+          <a:effectRef idx="0">
+            <a:schemeClr val="accent1"/>
+          </a:effectRef>
+          <a:fontRef idx="minor">
+            <a:schemeClr val="tx1"/>
+          </a:fontRef>
+        </p:style>
+      </p:cxnSp>
+      <p:sp>
+        <p:nvSpPr>
+          <p:cNvPr id="36" name="TextBox 35">
+            <a:extLst>
+              <a:ext uri="{FF2B5EF4-FFF2-40B4-BE49-F238E27FC236}">
+                <a16:creationId xmlns:a16="http://schemas.microsoft.com/office/drawing/2014/main" id="{9F830C76-C3E3-47AA-8F8D-8B376A392521}"/>
+              </a:ext>
+            </a:extLst>
+          </p:cNvPr>
+          <p:cNvSpPr txBox="1"/>
+          <p:nvPr/>
+        </p:nvSpPr>
+        <p:spPr>
+          <a:xfrm>
+            <a:off x="6560593" y="2089224"/>
+            <a:ext cx="314510" cy="369332"/>
+          </a:xfrm>
+          <a:prstGeom prst="rect">
+            <a:avLst/>
+          </a:prstGeom>
+          <a:noFill/>
+        </p:spPr>
+        <p:txBody>
+          <a:bodyPr wrap="none" rtlCol="0">
+            <a:spAutoFit/>
+          </a:bodyPr>
+          <a:lstStyle/>
+          <a:p>
+            <a:r>
+              <a:rPr lang="el-GR" dirty="0">
+                <a:solidFill>
+                  <a:schemeClr val="bg1">
+                    <a:lumMod val="75000"/>
+                    <a:lumOff val="25000"/>
+                  </a:schemeClr>
+                </a:solidFill>
+              </a:rPr>
+              <a:t>α</a:t>
+            </a:r>
+            <a:endParaRPr lang="en-US" dirty="0">
+              <a:solidFill>
+                <a:schemeClr val="bg1">
+                  <a:lumMod val="75000"/>
+                  <a:lumOff val="25000"/>
+                </a:schemeClr>
+              </a:solidFill>
+            </a:endParaRPr>
+          </a:p>
+        </p:txBody>
+      </p:sp>
+      <p:sp>
+        <p:nvSpPr>
+          <p:cNvPr id="37" name="TextBox 36">
+            <a:extLst>
+              <a:ext uri="{FF2B5EF4-FFF2-40B4-BE49-F238E27FC236}">
+                <a16:creationId xmlns:a16="http://schemas.microsoft.com/office/drawing/2014/main" id="{6B2257B4-CE9D-4331-94F0-BECA1C478A9C}"/>
+              </a:ext>
+            </a:extLst>
+          </p:cNvPr>
+          <p:cNvSpPr txBox="1"/>
+          <p:nvPr/>
+        </p:nvSpPr>
+        <p:spPr>
+          <a:xfrm>
+            <a:off x="5258914" y="5345798"/>
+            <a:ext cx="314510" cy="369332"/>
+          </a:xfrm>
+          <a:prstGeom prst="rect">
+            <a:avLst/>
+          </a:prstGeom>
+          <a:noFill/>
+        </p:spPr>
+        <p:txBody>
+          <a:bodyPr wrap="none" rtlCol="0">
+            <a:spAutoFit/>
+          </a:bodyPr>
+          <a:lstStyle/>
+          <a:p>
+            <a:r>
+              <a:rPr lang="el-GR" dirty="0">
+                <a:solidFill>
+                  <a:schemeClr val="bg1">
+                    <a:lumMod val="75000"/>
+                    <a:lumOff val="25000"/>
+                  </a:schemeClr>
+                </a:solidFill>
+              </a:rPr>
+              <a:t>β</a:t>
+            </a:r>
+            <a:endParaRPr lang="en-US" dirty="0">
+              <a:solidFill>
+                <a:schemeClr val="bg1">
+                  <a:lumMod val="75000"/>
+                  <a:lumOff val="25000"/>
+                </a:schemeClr>
+              </a:solidFill>
+            </a:endParaRPr>
+          </a:p>
+        </p:txBody>
+      </p:sp>
+      <p:sp>
+        <p:nvSpPr>
+          <p:cNvPr id="38" name="TextBox 37">
+            <a:extLst>
+              <a:ext uri="{FF2B5EF4-FFF2-40B4-BE49-F238E27FC236}">
+                <a16:creationId xmlns:a16="http://schemas.microsoft.com/office/drawing/2014/main" id="{7F73B776-7AC9-4AA0-846F-EE84A27FF7F8}"/>
+              </a:ext>
+            </a:extLst>
+          </p:cNvPr>
+          <p:cNvSpPr txBox="1"/>
+          <p:nvPr/>
+        </p:nvSpPr>
+        <p:spPr>
+          <a:xfrm>
+            <a:off x="3261715" y="5345798"/>
+            <a:ext cx="314510" cy="369332"/>
+          </a:xfrm>
+          <a:prstGeom prst="rect">
+            <a:avLst/>
+          </a:prstGeom>
+          <a:noFill/>
+        </p:spPr>
+        <p:txBody>
+          <a:bodyPr wrap="none" rtlCol="0">
+            <a:spAutoFit/>
+          </a:bodyPr>
+          <a:lstStyle/>
+          <a:p>
+            <a:r>
+              <a:rPr lang="el-GR" dirty="0">
+                <a:solidFill>
+                  <a:schemeClr val="bg1">
+                    <a:lumMod val="75000"/>
+                    <a:lumOff val="25000"/>
+                  </a:schemeClr>
+                </a:solidFill>
+              </a:rPr>
+              <a:t>β</a:t>
+            </a:r>
+            <a:endParaRPr lang="en-US" dirty="0">
+              <a:solidFill>
+                <a:schemeClr val="bg1">
+                  <a:lumMod val="75000"/>
+                  <a:lumOff val="25000"/>
+                </a:schemeClr>
+              </a:solidFill>
+            </a:endParaRPr>
+          </a:p>
+        </p:txBody>
+      </p:sp>
     </p:spTree>
     <p:extLst>
       <p:ext uri="{BB962C8B-B14F-4D97-AF65-F5344CB8AC3E}">
@@ -12514,6 +13693,607 @@
   <p:clrMapOvr>
     <a:masterClrMapping/>
   </p:clrMapOvr>
+  <p:timing>
+    <p:tnLst>
+      <p:par>
+        <p:cTn id="1" dur="indefinite" restart="never" nodeType="tmRoot">
+          <p:childTnLst>
+            <p:seq concurrent="1" nextAc="seek">
+              <p:cTn id="2" dur="indefinite" nodeType="mainSeq">
+                <p:childTnLst>
+                  <p:par>
+                    <p:cTn id="3" fill="hold">
+                      <p:stCondLst>
+                        <p:cond delay="indefinite"/>
+                      </p:stCondLst>
+                      <p:childTnLst>
+                        <p:par>
+                          <p:cTn id="4" fill="hold">
+                            <p:stCondLst>
+                              <p:cond delay="0"/>
+                            </p:stCondLst>
+                            <p:childTnLst>
+                              <p:par>
+                                <p:cTn id="5" presetID="22" presetClass="entr" presetSubtype="8" fill="hold" nodeType="clickEffect">
+                                  <p:stCondLst>
+                                    <p:cond delay="0"/>
+                                  </p:stCondLst>
+                                  <p:childTnLst>
+                                    <p:set>
+                                      <p:cBhvr>
+                                        <p:cTn id="6" dur="1" fill="hold">
+                                          <p:stCondLst>
+                                            <p:cond delay="0"/>
+                                          </p:stCondLst>
+                                        </p:cTn>
+                                        <p:tgtEl>
+                                          <p:spTgt spid="51"/>
+                                        </p:tgtEl>
+                                        <p:attrNameLst>
+                                          <p:attrName>style.visibility</p:attrName>
+                                        </p:attrNameLst>
+                                      </p:cBhvr>
+                                      <p:to>
+                                        <p:strVal val="visible"/>
+                                      </p:to>
+                                    </p:set>
+                                    <p:animEffect transition="in" filter="wipe(left)">
+                                      <p:cBhvr>
+                                        <p:cTn id="7" dur="500"/>
+                                        <p:tgtEl>
+                                          <p:spTgt spid="51"/>
+                                        </p:tgtEl>
+                                      </p:cBhvr>
+                                    </p:animEffect>
+                                  </p:childTnLst>
+                                </p:cTn>
+                              </p:par>
+                              <p:par>
+                                <p:cTn id="8" presetID="22" presetClass="entr" presetSubtype="8" fill="hold" grpId="0" nodeType="withEffect">
+                                  <p:stCondLst>
+                                    <p:cond delay="0"/>
+                                  </p:stCondLst>
+                                  <p:childTnLst>
+                                    <p:set>
+                                      <p:cBhvr>
+                                        <p:cTn id="9" dur="1" fill="hold">
+                                          <p:stCondLst>
+                                            <p:cond delay="0"/>
+                                          </p:stCondLst>
+                                        </p:cTn>
+                                        <p:tgtEl>
+                                          <p:spTgt spid="52"/>
+                                        </p:tgtEl>
+                                        <p:attrNameLst>
+                                          <p:attrName>style.visibility</p:attrName>
+                                        </p:attrNameLst>
+                                      </p:cBhvr>
+                                      <p:to>
+                                        <p:strVal val="visible"/>
+                                      </p:to>
+                                    </p:set>
+                                    <p:animEffect transition="in" filter="wipe(left)">
+                                      <p:cBhvr>
+                                        <p:cTn id="10" dur="500"/>
+                                        <p:tgtEl>
+                                          <p:spTgt spid="52"/>
+                                        </p:tgtEl>
+                                      </p:cBhvr>
+                                    </p:animEffect>
+                                  </p:childTnLst>
+                                </p:cTn>
+                              </p:par>
+                            </p:childTnLst>
+                          </p:cTn>
+                        </p:par>
+                        <p:par>
+                          <p:cTn id="11" fill="hold">
+                            <p:stCondLst>
+                              <p:cond delay="500"/>
+                            </p:stCondLst>
+                            <p:childTnLst>
+                              <p:par>
+                                <p:cTn id="12" presetID="22" presetClass="entr" presetSubtype="8" fill="hold" nodeType="afterEffect">
+                                  <p:stCondLst>
+                                    <p:cond delay="0"/>
+                                  </p:stCondLst>
+                                  <p:childTnLst>
+                                    <p:set>
+                                      <p:cBhvr>
+                                        <p:cTn id="13" dur="1" fill="hold">
+                                          <p:stCondLst>
+                                            <p:cond delay="0"/>
+                                          </p:stCondLst>
+                                        </p:cTn>
+                                        <p:tgtEl>
+                                          <p:spTgt spid="44"/>
+                                        </p:tgtEl>
+                                        <p:attrNameLst>
+                                          <p:attrName>style.visibility</p:attrName>
+                                        </p:attrNameLst>
+                                      </p:cBhvr>
+                                      <p:to>
+                                        <p:strVal val="visible"/>
+                                      </p:to>
+                                    </p:set>
+                                    <p:animEffect transition="in" filter="wipe(left)">
+                                      <p:cBhvr>
+                                        <p:cTn id="14" dur="500"/>
+                                        <p:tgtEl>
+                                          <p:spTgt spid="44"/>
+                                        </p:tgtEl>
+                                      </p:cBhvr>
+                                    </p:animEffect>
+                                  </p:childTnLst>
+                                </p:cTn>
+                              </p:par>
+                              <p:par>
+                                <p:cTn id="15" presetID="22" presetClass="entr" presetSubtype="8" fill="hold" grpId="0" nodeType="withEffect">
+                                  <p:stCondLst>
+                                    <p:cond delay="0"/>
+                                  </p:stCondLst>
+                                  <p:childTnLst>
+                                    <p:set>
+                                      <p:cBhvr>
+                                        <p:cTn id="16" dur="1" fill="hold">
+                                          <p:stCondLst>
+                                            <p:cond delay="0"/>
+                                          </p:stCondLst>
+                                        </p:cTn>
+                                        <p:tgtEl>
+                                          <p:spTgt spid="50"/>
+                                        </p:tgtEl>
+                                        <p:attrNameLst>
+                                          <p:attrName>style.visibility</p:attrName>
+                                        </p:attrNameLst>
+                                      </p:cBhvr>
+                                      <p:to>
+                                        <p:strVal val="visible"/>
+                                      </p:to>
+                                    </p:set>
+                                    <p:animEffect transition="in" filter="wipe(left)">
+                                      <p:cBhvr>
+                                        <p:cTn id="17" dur="500"/>
+                                        <p:tgtEl>
+                                          <p:spTgt spid="50"/>
+                                        </p:tgtEl>
+                                      </p:cBhvr>
+                                    </p:animEffect>
+                                  </p:childTnLst>
+                                </p:cTn>
+                              </p:par>
+                            </p:childTnLst>
+                          </p:cTn>
+                        </p:par>
+                        <p:par>
+                          <p:cTn id="18" fill="hold">
+                            <p:stCondLst>
+                              <p:cond delay="1000"/>
+                            </p:stCondLst>
+                            <p:childTnLst>
+                              <p:par>
+                                <p:cTn id="19" presetID="22" presetClass="entr" presetSubtype="8" fill="hold" grpId="0" nodeType="afterEffect">
+                                  <p:stCondLst>
+                                    <p:cond delay="0"/>
+                                  </p:stCondLst>
+                                  <p:childTnLst>
+                                    <p:set>
+                                      <p:cBhvr>
+                                        <p:cTn id="20" dur="1" fill="hold">
+                                          <p:stCondLst>
+                                            <p:cond delay="0"/>
+                                          </p:stCondLst>
+                                        </p:cTn>
+                                        <p:tgtEl>
+                                          <p:spTgt spid="46"/>
+                                        </p:tgtEl>
+                                        <p:attrNameLst>
+                                          <p:attrName>style.visibility</p:attrName>
+                                        </p:attrNameLst>
+                                      </p:cBhvr>
+                                      <p:to>
+                                        <p:strVal val="visible"/>
+                                      </p:to>
+                                    </p:set>
+                                    <p:animEffect transition="in" filter="wipe(left)">
+                                      <p:cBhvr>
+                                        <p:cTn id="21" dur="500"/>
+                                        <p:tgtEl>
+                                          <p:spTgt spid="46"/>
+                                        </p:tgtEl>
+                                      </p:cBhvr>
+                                    </p:animEffect>
+                                  </p:childTnLst>
+                                </p:cTn>
+                              </p:par>
+                              <p:par>
+                                <p:cTn id="22" presetID="22" presetClass="entr" presetSubtype="8" fill="hold" nodeType="withEffect">
+                                  <p:stCondLst>
+                                    <p:cond delay="0"/>
+                                  </p:stCondLst>
+                                  <p:childTnLst>
+                                    <p:set>
+                                      <p:cBhvr>
+                                        <p:cTn id="23" dur="1" fill="hold">
+                                          <p:stCondLst>
+                                            <p:cond delay="0"/>
+                                          </p:stCondLst>
+                                        </p:cTn>
+                                        <p:tgtEl>
+                                          <p:spTgt spid="40"/>
+                                        </p:tgtEl>
+                                        <p:attrNameLst>
+                                          <p:attrName>style.visibility</p:attrName>
+                                        </p:attrNameLst>
+                                      </p:cBhvr>
+                                      <p:to>
+                                        <p:strVal val="visible"/>
+                                      </p:to>
+                                    </p:set>
+                                    <p:animEffect transition="in" filter="wipe(left)">
+                                      <p:cBhvr>
+                                        <p:cTn id="24" dur="500"/>
+                                        <p:tgtEl>
+                                          <p:spTgt spid="40"/>
+                                        </p:tgtEl>
+                                      </p:cBhvr>
+                                    </p:animEffect>
+                                  </p:childTnLst>
+                                </p:cTn>
+                              </p:par>
+                            </p:childTnLst>
+                          </p:cTn>
+                        </p:par>
+                        <p:par>
+                          <p:cTn id="25" fill="hold">
+                            <p:stCondLst>
+                              <p:cond delay="1500"/>
+                            </p:stCondLst>
+                            <p:childTnLst>
+                              <p:par>
+                                <p:cTn id="26" presetID="22" presetClass="entr" presetSubtype="1" fill="hold" nodeType="afterEffect">
+                                  <p:stCondLst>
+                                    <p:cond delay="0"/>
+                                  </p:stCondLst>
+                                  <p:childTnLst>
+                                    <p:set>
+                                      <p:cBhvr>
+                                        <p:cTn id="27" dur="1" fill="hold">
+                                          <p:stCondLst>
+                                            <p:cond delay="0"/>
+                                          </p:stCondLst>
+                                        </p:cTn>
+                                        <p:tgtEl>
+                                          <p:spTgt spid="43"/>
+                                        </p:tgtEl>
+                                        <p:attrNameLst>
+                                          <p:attrName>style.visibility</p:attrName>
+                                        </p:attrNameLst>
+                                      </p:cBhvr>
+                                      <p:to>
+                                        <p:strVal val="visible"/>
+                                      </p:to>
+                                    </p:set>
+                                    <p:animEffect transition="in" filter="wipe(up)">
+                                      <p:cBhvr>
+                                        <p:cTn id="28" dur="500"/>
+                                        <p:tgtEl>
+                                          <p:spTgt spid="43"/>
+                                        </p:tgtEl>
+                                      </p:cBhvr>
+                                    </p:animEffect>
+                                  </p:childTnLst>
+                                </p:cTn>
+                              </p:par>
+                              <p:par>
+                                <p:cTn id="29" presetID="22" presetClass="entr" presetSubtype="1" fill="hold" grpId="0" nodeType="withEffect">
+                                  <p:stCondLst>
+                                    <p:cond delay="0"/>
+                                  </p:stCondLst>
+                                  <p:childTnLst>
+                                    <p:set>
+                                      <p:cBhvr>
+                                        <p:cTn id="30" dur="1" fill="hold">
+                                          <p:stCondLst>
+                                            <p:cond delay="0"/>
+                                          </p:stCondLst>
+                                        </p:cTn>
+                                        <p:tgtEl>
+                                          <p:spTgt spid="49"/>
+                                        </p:tgtEl>
+                                        <p:attrNameLst>
+                                          <p:attrName>style.visibility</p:attrName>
+                                        </p:attrNameLst>
+                                      </p:cBhvr>
+                                      <p:to>
+                                        <p:strVal val="visible"/>
+                                      </p:to>
+                                    </p:set>
+                                    <p:animEffect transition="in" filter="wipe(up)">
+                                      <p:cBhvr>
+                                        <p:cTn id="31" dur="500"/>
+                                        <p:tgtEl>
+                                          <p:spTgt spid="49"/>
+                                        </p:tgtEl>
+                                      </p:cBhvr>
+                                    </p:animEffect>
+                                  </p:childTnLst>
+                                </p:cTn>
+                              </p:par>
+                            </p:childTnLst>
+                          </p:cTn>
+                        </p:par>
+                        <p:par>
+                          <p:cTn id="32" fill="hold">
+                            <p:stCondLst>
+                              <p:cond delay="2000"/>
+                            </p:stCondLst>
+                            <p:childTnLst>
+                              <p:par>
+                                <p:cTn id="33" presetID="22" presetClass="entr" presetSubtype="4" fill="hold" grpId="0" nodeType="afterEffect">
+                                  <p:stCondLst>
+                                    <p:cond delay="0"/>
+                                  </p:stCondLst>
+                                  <p:childTnLst>
+                                    <p:set>
+                                      <p:cBhvr>
+                                        <p:cTn id="34" dur="1" fill="hold">
+                                          <p:stCondLst>
+                                            <p:cond delay="0"/>
+                                          </p:stCondLst>
+                                        </p:cTn>
+                                        <p:tgtEl>
+                                          <p:spTgt spid="48"/>
+                                        </p:tgtEl>
+                                        <p:attrNameLst>
+                                          <p:attrName>style.visibility</p:attrName>
+                                        </p:attrNameLst>
+                                      </p:cBhvr>
+                                      <p:to>
+                                        <p:strVal val="visible"/>
+                                      </p:to>
+                                    </p:set>
+                                    <p:animEffect transition="in" filter="wipe(down)">
+                                      <p:cBhvr>
+                                        <p:cTn id="35" dur="500"/>
+                                        <p:tgtEl>
+                                          <p:spTgt spid="48"/>
+                                        </p:tgtEl>
+                                      </p:cBhvr>
+                                    </p:animEffect>
+                                  </p:childTnLst>
+                                </p:cTn>
+                              </p:par>
+                              <p:par>
+                                <p:cTn id="36" presetID="22" presetClass="entr" presetSubtype="4" fill="hold" nodeType="withEffect">
+                                  <p:stCondLst>
+                                    <p:cond delay="0"/>
+                                  </p:stCondLst>
+                                  <p:childTnLst>
+                                    <p:set>
+                                      <p:cBhvr>
+                                        <p:cTn id="37" dur="1" fill="hold">
+                                          <p:stCondLst>
+                                            <p:cond delay="0"/>
+                                          </p:stCondLst>
+                                        </p:cTn>
+                                        <p:tgtEl>
+                                          <p:spTgt spid="45"/>
+                                        </p:tgtEl>
+                                        <p:attrNameLst>
+                                          <p:attrName>style.visibility</p:attrName>
+                                        </p:attrNameLst>
+                                      </p:cBhvr>
+                                      <p:to>
+                                        <p:strVal val="visible"/>
+                                      </p:to>
+                                    </p:set>
+                                    <p:animEffect transition="in" filter="wipe(down)">
+                                      <p:cBhvr>
+                                        <p:cTn id="38" dur="500"/>
+                                        <p:tgtEl>
+                                          <p:spTgt spid="45"/>
+                                        </p:tgtEl>
+                                      </p:cBhvr>
+                                    </p:animEffect>
+                                  </p:childTnLst>
+                                </p:cTn>
+                              </p:par>
+                            </p:childTnLst>
+                          </p:cTn>
+                        </p:par>
+                        <p:par>
+                          <p:cTn id="39" fill="hold">
+                            <p:stCondLst>
+                              <p:cond delay="2500"/>
+                            </p:stCondLst>
+                            <p:childTnLst>
+                              <p:par>
+                                <p:cTn id="40" presetID="22" presetClass="entr" presetSubtype="1" fill="hold" nodeType="afterEffect">
+                                  <p:stCondLst>
+                                    <p:cond delay="0"/>
+                                  </p:stCondLst>
+                                  <p:childTnLst>
+                                    <p:set>
+                                      <p:cBhvr>
+                                        <p:cTn id="41" dur="1" fill="hold">
+                                          <p:stCondLst>
+                                            <p:cond delay="0"/>
+                                          </p:stCondLst>
+                                        </p:cTn>
+                                        <p:tgtEl>
+                                          <p:spTgt spid="43"/>
+                                        </p:tgtEl>
+                                        <p:attrNameLst>
+                                          <p:attrName>style.visibility</p:attrName>
+                                        </p:attrNameLst>
+                                      </p:cBhvr>
+                                      <p:to>
+                                        <p:strVal val="visible"/>
+                                      </p:to>
+                                    </p:set>
+                                    <p:animEffect transition="in" filter="wipe(up)">
+                                      <p:cBhvr>
+                                        <p:cTn id="42" dur="500"/>
+                                        <p:tgtEl>
+                                          <p:spTgt spid="43"/>
+                                        </p:tgtEl>
+                                      </p:cBhvr>
+                                    </p:animEffect>
+                                  </p:childTnLst>
+                                </p:cTn>
+                              </p:par>
+                              <p:par>
+                                <p:cTn id="43" presetID="22" presetClass="entr" presetSubtype="1" fill="hold" grpId="1" nodeType="withEffect">
+                                  <p:stCondLst>
+                                    <p:cond delay="0"/>
+                                  </p:stCondLst>
+                                  <p:childTnLst>
+                                    <p:set>
+                                      <p:cBhvr>
+                                        <p:cTn id="44" dur="1" fill="hold">
+                                          <p:stCondLst>
+                                            <p:cond delay="0"/>
+                                          </p:stCondLst>
+                                        </p:cTn>
+                                        <p:tgtEl>
+                                          <p:spTgt spid="49"/>
+                                        </p:tgtEl>
+                                        <p:attrNameLst>
+                                          <p:attrName>style.visibility</p:attrName>
+                                        </p:attrNameLst>
+                                      </p:cBhvr>
+                                      <p:to>
+                                        <p:strVal val="visible"/>
+                                      </p:to>
+                                    </p:set>
+                                    <p:animEffect transition="in" filter="wipe(up)">
+                                      <p:cBhvr>
+                                        <p:cTn id="45" dur="500"/>
+                                        <p:tgtEl>
+                                          <p:spTgt spid="49"/>
+                                        </p:tgtEl>
+                                      </p:cBhvr>
+                                    </p:animEffect>
+                                  </p:childTnLst>
+                                </p:cTn>
+                              </p:par>
+                            </p:childTnLst>
+                          </p:cTn>
+                        </p:par>
+                        <p:par>
+                          <p:cTn id="46" fill="hold">
+                            <p:stCondLst>
+                              <p:cond delay="3000"/>
+                            </p:stCondLst>
+                            <p:childTnLst>
+                              <p:par>
+                                <p:cTn id="47" presetID="22" presetClass="entr" presetSubtype="4" fill="hold" grpId="1" nodeType="afterEffect">
+                                  <p:stCondLst>
+                                    <p:cond delay="0"/>
+                                  </p:stCondLst>
+                                  <p:childTnLst>
+                                    <p:set>
+                                      <p:cBhvr>
+                                        <p:cTn id="48" dur="1" fill="hold">
+                                          <p:stCondLst>
+                                            <p:cond delay="0"/>
+                                          </p:stCondLst>
+                                        </p:cTn>
+                                        <p:tgtEl>
+                                          <p:spTgt spid="48"/>
+                                        </p:tgtEl>
+                                        <p:attrNameLst>
+                                          <p:attrName>style.visibility</p:attrName>
+                                        </p:attrNameLst>
+                                      </p:cBhvr>
+                                      <p:to>
+                                        <p:strVal val="visible"/>
+                                      </p:to>
+                                    </p:set>
+                                    <p:animEffect transition="in" filter="wipe(down)">
+                                      <p:cBhvr>
+                                        <p:cTn id="49" dur="500"/>
+                                        <p:tgtEl>
+                                          <p:spTgt spid="48"/>
+                                        </p:tgtEl>
+                                      </p:cBhvr>
+                                    </p:animEffect>
+                                  </p:childTnLst>
+                                </p:cTn>
+                              </p:par>
+                              <p:par>
+                                <p:cTn id="50" presetID="22" presetClass="entr" presetSubtype="4" fill="hold" nodeType="withEffect">
+                                  <p:stCondLst>
+                                    <p:cond delay="0"/>
+                                  </p:stCondLst>
+                                  <p:childTnLst>
+                                    <p:set>
+                                      <p:cBhvr>
+                                        <p:cTn id="51" dur="1" fill="hold">
+                                          <p:stCondLst>
+                                            <p:cond delay="0"/>
+                                          </p:stCondLst>
+                                        </p:cTn>
+                                        <p:tgtEl>
+                                          <p:spTgt spid="45"/>
+                                        </p:tgtEl>
+                                        <p:attrNameLst>
+                                          <p:attrName>style.visibility</p:attrName>
+                                        </p:attrNameLst>
+                                      </p:cBhvr>
+                                      <p:to>
+                                        <p:strVal val="visible"/>
+                                      </p:to>
+                                    </p:set>
+                                    <p:animEffect transition="in" filter="wipe(down)">
+                                      <p:cBhvr>
+                                        <p:cTn id="52" dur="500"/>
+                                        <p:tgtEl>
+                                          <p:spTgt spid="45"/>
+                                        </p:tgtEl>
+                                      </p:cBhvr>
+                                    </p:animEffect>
+                                  </p:childTnLst>
+                                </p:cTn>
+                              </p:par>
+                            </p:childTnLst>
+                          </p:cTn>
+                        </p:par>
+                      </p:childTnLst>
+                    </p:cTn>
+                  </p:par>
+                </p:childTnLst>
+              </p:cTn>
+              <p:prevCondLst>
+                <p:cond evt="onPrev" delay="0">
+                  <p:tgtEl>
+                    <p:sldTgt/>
+                  </p:tgtEl>
+                </p:cond>
+              </p:prevCondLst>
+              <p:nextCondLst>
+                <p:cond evt="onNext" delay="0">
+                  <p:tgtEl>
+                    <p:sldTgt/>
+                  </p:tgtEl>
+                </p:cond>
+              </p:nextCondLst>
+            </p:seq>
+          </p:childTnLst>
+        </p:cTn>
+      </p:par>
+    </p:tnLst>
+    <p:bldLst>
+      <p:bldP spid="46" grpId="0"/>
+      <p:bldP spid="48" grpId="0"/>
+      <p:bldP spid="48" grpId="1"/>
+      <p:bldP spid="49" grpId="0"/>
+      <p:bldP spid="49" grpId="1"/>
+      <p:bldP spid="50" grpId="0"/>
+      <p:bldP spid="52" grpId="0"/>
+    </p:bldLst>
+  </p:timing>
 </p:sld>
 </file>
 

--- a/project.pptx
+++ b/project.pptx
@@ -6819,7 +6819,10 @@
           <a:bodyPr/>
           <a:lstStyle/>
           <a:p>
-            <a:endParaRPr lang="en-US"/>
+            <a:r>
+              <a:rPr lang="en-US"/>
+              <a:t>https://github.com/Jacobsma/CS477-Project</a:t>
+            </a:r>
           </a:p>
         </p:txBody>
       </p:sp>

--- a/project.pptx
+++ b/project.pptx
@@ -4995,10 +4995,15 @@
                 <p:ph idx="1"/>
               </p:nvPr>
             </p:nvSpPr>
-            <p:spPr/>
+            <p:spPr>
+              <a:xfrm>
+                <a:off x="1202919" y="2011680"/>
+                <a:ext cx="9869408" cy="4206240"/>
+              </a:xfrm>
+            </p:spPr>
             <p:txBody>
               <a:bodyPr>
-                <a:normAutofit fontScale="92500"/>
+                <a:normAutofit fontScale="92500" lnSpcReduction="10000"/>
               </a:bodyPr>
               <a:lstStyle/>
               <a:p>
@@ -5049,7 +5054,7 @@
                 </a:r>
                 <a:r>
                   <a:rPr lang="en-US" dirty="0"/>
-                  <a:t> is a potential path through</a:t>
+                  <a:t> is the set of all the shortest</a:t>
                 </a:r>
               </a:p>
               <a:p>
@@ -5162,7 +5167,15 @@
                 </a:r>
                 <a:r>
                   <a:rPr lang="en-US" dirty="0"/>
-                  <a:t>the remaining states.</a:t>
+                  <a:t>words for each cardinality of </a:t>
+                </a:r>
+                <a:r>
+                  <a:rPr lang="en-US" i="1" dirty="0"/>
+                  <a:t>T</a:t>
+                </a:r>
+                <a:r>
+                  <a:rPr lang="en-US" dirty="0"/>
+                  <a:t>.</a:t>
                 </a:r>
                 <a:endParaRPr lang="en-US" i="1" dirty="0"/>
               </a:p>
@@ -5321,7 +5334,46 @@
                 <a:pPr marL="0" indent="0">
                   <a:buNone/>
                 </a:pPr>
-                <a:endParaRPr lang="en-US" i="1" dirty="0"/>
+                <a:r>
+                  <a:rPr lang="en-US"/>
+                  <a:t>Examples- </a:t>
+                </a:r>
+                <a:r>
+                  <a:rPr lang="en-US" dirty="0"/>
+                  <a:t>	</a:t>
+                </a:r>
+                <a:r>
+                  <a:rPr lang="en-US" i="1" dirty="0"/>
+                  <a:t>P</a:t>
+                </a:r>
+                <a:r>
+                  <a:rPr lang="en-US" dirty="0"/>
+                  <a:t>: ((0, “”) , (1, ”</a:t>
+                </a:r>
+                <a:r>
+                  <a:rPr lang="el-GR" dirty="0"/>
+                  <a:t> β</a:t>
+                </a:r>
+                <a:r>
+                  <a:rPr lang="en-US" dirty="0"/>
+                  <a:t>”), (2, “</a:t>
+                </a:r>
+                <a:r>
+                  <a:rPr lang="el-GR" dirty="0"/>
+                  <a:t>βα</a:t>
+                </a:r>
+                <a:r>
+                  <a:rPr lang="en-US" dirty="0"/>
+                  <a:t>”))	</a:t>
+                </a:r>
+                <a:r>
+                  <a:rPr lang="en-US" i="1" dirty="0"/>
+                  <a:t>T</a:t>
+                </a:r>
+                <a:r>
+                  <a:rPr lang="en-US" dirty="0"/>
+                  <a:t>: (2,3)</a:t>
+                </a:r>
               </a:p>
             </p:txBody>
           </p:sp>
@@ -5344,10 +5396,14 @@
               </p:nvPr>
             </p:nvSpPr>
             <p:spPr>
+              <a:xfrm>
+                <a:off x="1202919" y="2011680"/>
+                <a:ext cx="9869408" cy="4206240"/>
+              </a:xfrm>
               <a:blipFill>
                 <a:blip r:embed="rId2"/>
                 <a:stretch>
-                  <a:fillRect l="-623" t="-1449"/>
+                  <a:fillRect l="-618" t="-2029" r="-865"/>
                 </a:stretch>
               </a:blipFill>
             </p:spPr>
@@ -5424,8 +5480,8 @@
           </a:p>
         </p:txBody>
       </p:sp>
-      <mc:AlternateContent xmlns:mc="http://schemas.openxmlformats.org/markup-compatibility/2006">
-        <mc:Choice xmlns:a14="http://schemas.microsoft.com/office/drawing/2010/main" Requires="a14">
+      <mc:AlternateContent xmlns:mc="http://schemas.openxmlformats.org/markup-compatibility/2006" xmlns:a14="http://schemas.microsoft.com/office/drawing/2010/main">
+        <mc:Choice Requires="a14">
           <p:sp>
             <p:nvSpPr>
               <p:cNvPr id="3" name="Content Placeholder 2">
@@ -5768,7 +5824,7 @@
             </p:txBody>
           </p:sp>
         </mc:Choice>
-        <mc:Fallback>
+        <mc:Fallback xmlns="">
           <p:sp>
             <p:nvSpPr>
               <p:cNvPr id="3" name="Content Placeholder 2">
@@ -5866,8 +5922,8 @@
           </a:p>
         </p:txBody>
       </p:sp>
-      <mc:AlternateContent xmlns:mc="http://schemas.openxmlformats.org/markup-compatibility/2006">
-        <mc:Choice xmlns:a14="http://schemas.microsoft.com/office/drawing/2010/main" Requires="a14">
+      <mc:AlternateContent xmlns:mc="http://schemas.openxmlformats.org/markup-compatibility/2006" xmlns:a14="http://schemas.microsoft.com/office/drawing/2010/main">
+        <mc:Choice Requires="a14">
           <p:sp>
             <p:nvSpPr>
               <p:cNvPr id="3" name="Content Placeholder 2">
@@ -6213,7 +6269,7 @@
             </p:txBody>
           </p:sp>
         </mc:Choice>
-        <mc:Fallback>
+        <mc:Fallback xmlns="">
           <p:sp>
             <p:nvSpPr>
               <p:cNvPr id="3" name="Content Placeholder 2">
@@ -6311,8 +6367,8 @@
           </a:p>
         </p:txBody>
       </p:sp>
-      <mc:AlternateContent xmlns:mc="http://schemas.openxmlformats.org/markup-compatibility/2006">
-        <mc:Choice xmlns:a14="http://schemas.microsoft.com/office/drawing/2010/main" Requires="a14">
+      <mc:AlternateContent xmlns:mc="http://schemas.openxmlformats.org/markup-compatibility/2006" xmlns:a14="http://schemas.microsoft.com/office/drawing/2010/main">
+        <mc:Choice Requires="a14">
           <p:sp>
             <p:nvSpPr>
               <p:cNvPr id="3" name="Content Placeholder 2">
@@ -6700,7 +6756,7 @@
             </p:txBody>
           </p:sp>
         </mc:Choice>
-        <mc:Fallback>
+        <mc:Fallback xmlns="">
           <p:sp>
             <p:nvSpPr>
               <p:cNvPr id="3" name="Content Placeholder 2">

--- a/project.pptx
+++ b/project.pptx
@@ -5335,12 +5335,8 @@
                   <a:buNone/>
                 </a:pPr>
                 <a:r>
-                  <a:rPr lang="en-US"/>
-                  <a:t>Examples- </a:t>
-                </a:r>
-                <a:r>
                   <a:rPr lang="en-US" dirty="0"/>
-                  <a:t>	</a:t>
+                  <a:t>Examples- 	</a:t>
                 </a:r>
                 <a:r>
                   <a:rPr lang="en-US" i="1" dirty="0"/>
@@ -7356,7 +7352,22 @@
             </a:r>
             <a:r>
               <a:rPr lang="en-US" dirty="0"/>
-              <a:t> [a-</a:t>
+              <a:t> </a:t>
+            </a:r>
+            <a:r>
+              <a:rPr lang="en-US" dirty="0">
+                <a:solidFill>
+                  <a:schemeClr val="bg2">
+                    <a:lumMod val="60000"/>
+                    <a:lumOff val="40000"/>
+                  </a:schemeClr>
+                </a:solidFill>
+              </a:rPr>
+              <a:t>[</a:t>
+            </a:r>
+            <a:r>
+              <a:rPr lang="en-US" dirty="0"/>
+              <a:t>a-</a:t>
             </a:r>
             <a:r>
               <a:rPr lang="en-US" dirty="0" err="1"/>
@@ -7364,7 +7375,22 @@
             </a:r>
             <a:r>
               <a:rPr lang="en-US" dirty="0"/>
-              <a:t>-Z].</a:t>
+              <a:t>-Z</a:t>
+            </a:r>
+            <a:r>
+              <a:rPr lang="en-US" dirty="0">
+                <a:solidFill>
+                  <a:schemeClr val="bg2">
+                    <a:lumMod val="60000"/>
+                    <a:lumOff val="40000"/>
+                  </a:schemeClr>
+                </a:solidFill>
+              </a:rPr>
+              <a:t>]</a:t>
+            </a:r>
+            <a:r>
+              <a:rPr lang="en-US" dirty="0"/>
+              <a:t>.</a:t>
             </a:r>
           </a:p>
           <a:p>

--- a/project.pptx
+++ b/project.pptx
@@ -5,29 +5,30 @@
     <p:sldMasterId id="2147483660" r:id="rId1"/>
   </p:sldMasterIdLst>
   <p:notesMasterIdLst>
-    <p:notesMasterId r:id="rId22"/>
+    <p:notesMasterId r:id="rId23"/>
   </p:notesMasterIdLst>
   <p:sldIdLst>
     <p:sldId id="256" r:id="rId2"/>
     <p:sldId id="257" r:id="rId3"/>
     <p:sldId id="258" r:id="rId4"/>
     <p:sldId id="259" r:id="rId5"/>
-    <p:sldId id="260" r:id="rId6"/>
-    <p:sldId id="277" r:id="rId7"/>
-    <p:sldId id="262" r:id="rId8"/>
-    <p:sldId id="263" r:id="rId9"/>
-    <p:sldId id="265" r:id="rId10"/>
-    <p:sldId id="266" r:id="rId11"/>
-    <p:sldId id="267" r:id="rId12"/>
-    <p:sldId id="268" r:id="rId13"/>
-    <p:sldId id="269" r:id="rId14"/>
-    <p:sldId id="270" r:id="rId15"/>
-    <p:sldId id="271" r:id="rId16"/>
-    <p:sldId id="272" r:id="rId17"/>
-    <p:sldId id="273" r:id="rId18"/>
-    <p:sldId id="274" r:id="rId19"/>
-    <p:sldId id="275" r:id="rId20"/>
-    <p:sldId id="276" r:id="rId21"/>
+    <p:sldId id="278" r:id="rId6"/>
+    <p:sldId id="260" r:id="rId7"/>
+    <p:sldId id="277" r:id="rId8"/>
+    <p:sldId id="262" r:id="rId9"/>
+    <p:sldId id="263" r:id="rId10"/>
+    <p:sldId id="265" r:id="rId11"/>
+    <p:sldId id="266" r:id="rId12"/>
+    <p:sldId id="267" r:id="rId13"/>
+    <p:sldId id="268" r:id="rId14"/>
+    <p:sldId id="269" r:id="rId15"/>
+    <p:sldId id="270" r:id="rId16"/>
+    <p:sldId id="271" r:id="rId17"/>
+    <p:sldId id="272" r:id="rId18"/>
+    <p:sldId id="273" r:id="rId19"/>
+    <p:sldId id="274" r:id="rId20"/>
+    <p:sldId id="275" r:id="rId21"/>
+    <p:sldId id="276" r:id="rId22"/>
   </p:sldIdLst>
   <p:sldSz cx="12192000" cy="6858000"/>
   <p:notesSz cx="6858000" cy="9144000"/>
@@ -216,7 +217,7 @@
           <a:p>
             <a:fld id="{7A3ADE21-563B-4639-8C0E-9C6D492494E5}" type="datetimeFigureOut">
               <a:rPr lang="en-US" smtClean="0"/>
-              <a:t>4/12/2021</a:t>
+              <a:t>4/14/2021</a:t>
             </a:fld>
             <a:endParaRPr lang="en-US"/>
           </a:p>
@@ -548,7 +549,7 @@
           <a:p>
             <a:fld id="{881FCCE4-283F-4621-9454-1613896DD231}" type="slidenum">
               <a:rPr lang="en-US" smtClean="0"/>
-              <a:t>6</a:t>
+              <a:t>7</a:t>
             </a:fld>
             <a:endParaRPr lang="en-US"/>
           </a:p>
@@ -632,7 +633,7 @@
           <a:p>
             <a:fld id="{881FCCE4-283F-4621-9454-1613896DD231}" type="slidenum">
               <a:rPr lang="en-US" smtClean="0"/>
-              <a:t>7</a:t>
+              <a:t>8</a:t>
             </a:fld>
             <a:endParaRPr lang="en-US"/>
           </a:p>
@@ -716,7 +717,7 @@
           <a:p>
             <a:fld id="{881FCCE4-283F-4621-9454-1613896DD231}" type="slidenum">
               <a:rPr lang="en-US" smtClean="0"/>
-              <a:t>8</a:t>
+              <a:t>9</a:t>
             </a:fld>
             <a:endParaRPr lang="en-US"/>
           </a:p>
@@ -800,7 +801,7 @@
           <a:p>
             <a:fld id="{881FCCE4-283F-4621-9454-1613896DD231}" type="slidenum">
               <a:rPr lang="en-US" smtClean="0"/>
-              <a:t>13</a:t>
+              <a:t>14</a:t>
             </a:fld>
             <a:endParaRPr lang="en-US"/>
           </a:p>
@@ -995,7 +996,7 @@
           <a:p>
             <a:fld id="{1EA177B0-755E-40F8-87BF-30E6A8219060}" type="datetimeFigureOut">
               <a:rPr lang="en-US" smtClean="0"/>
-              <a:t>4/12/2021</a:t>
+              <a:t>4/14/2021</a:t>
             </a:fld>
             <a:endParaRPr lang="en-US"/>
           </a:p>
@@ -1165,7 +1166,7 @@
           <a:p>
             <a:fld id="{1EA177B0-755E-40F8-87BF-30E6A8219060}" type="datetimeFigureOut">
               <a:rPr lang="en-US" smtClean="0"/>
-              <a:t>4/12/2021</a:t>
+              <a:t>4/14/2021</a:t>
             </a:fld>
             <a:endParaRPr lang="en-US"/>
           </a:p>
@@ -1388,7 +1389,7 @@
           <a:p>
             <a:fld id="{1EA177B0-755E-40F8-87BF-30E6A8219060}" type="datetimeFigureOut">
               <a:rPr lang="en-US" smtClean="0"/>
-              <a:t>4/12/2021</a:t>
+              <a:t>4/14/2021</a:t>
             </a:fld>
             <a:endParaRPr lang="en-US"/>
           </a:p>
@@ -1568,7 +1569,7 @@
           <a:p>
             <a:fld id="{1EA177B0-755E-40F8-87BF-30E6A8219060}" type="datetimeFigureOut">
               <a:rPr lang="en-US" smtClean="0"/>
-              <a:t>4/12/2021</a:t>
+              <a:t>4/14/2021</a:t>
             </a:fld>
             <a:endParaRPr lang="en-US"/>
           </a:p>
@@ -1874,7 +1875,7 @@
           <a:p>
             <a:fld id="{1EA177B0-755E-40F8-87BF-30E6A8219060}" type="datetimeFigureOut">
               <a:rPr lang="en-US" smtClean="0"/>
-              <a:t>4/12/2021</a:t>
+              <a:t>4/14/2021</a:t>
             </a:fld>
             <a:endParaRPr lang="en-US"/>
           </a:p>
@@ -2178,7 +2179,7 @@
           <a:p>
             <a:fld id="{1EA177B0-755E-40F8-87BF-30E6A8219060}" type="datetimeFigureOut">
               <a:rPr lang="en-US" smtClean="0"/>
-              <a:t>4/12/2021</a:t>
+              <a:t>4/14/2021</a:t>
             </a:fld>
             <a:endParaRPr lang="en-US"/>
           </a:p>
@@ -2600,7 +2601,7 @@
           <a:p>
             <a:fld id="{1EA177B0-755E-40F8-87BF-30E6A8219060}" type="datetimeFigureOut">
               <a:rPr lang="en-US" smtClean="0"/>
-              <a:t>4/12/2021</a:t>
+              <a:t>4/14/2021</a:t>
             </a:fld>
             <a:endParaRPr lang="en-US"/>
           </a:p>
@@ -2718,7 +2719,7 @@
           <a:p>
             <a:fld id="{1EA177B0-755E-40F8-87BF-30E6A8219060}" type="datetimeFigureOut">
               <a:rPr lang="en-US" smtClean="0"/>
-              <a:t>4/12/2021</a:t>
+              <a:t>4/14/2021</a:t>
             </a:fld>
             <a:endParaRPr lang="en-US"/>
           </a:p>
@@ -2813,7 +2814,7 @@
           <a:p>
             <a:fld id="{1EA177B0-755E-40F8-87BF-30E6A8219060}" type="datetimeFigureOut">
               <a:rPr lang="en-US" smtClean="0"/>
-              <a:t>4/12/2021</a:t>
+              <a:t>4/14/2021</a:t>
             </a:fld>
             <a:endParaRPr lang="en-US"/>
           </a:p>
@@ -3086,7 +3087,7 @@
           <a:p>
             <a:fld id="{1EA177B0-755E-40F8-87BF-30E6A8219060}" type="datetimeFigureOut">
               <a:rPr lang="en-US" smtClean="0"/>
-              <a:t>4/12/2021</a:t>
+              <a:t>4/14/2021</a:t>
             </a:fld>
             <a:endParaRPr lang="en-US"/>
           </a:p>
@@ -3351,7 +3352,7 @@
           <a:p>
             <a:fld id="{1EA177B0-755E-40F8-87BF-30E6A8219060}" type="datetimeFigureOut">
               <a:rPr lang="en-US" smtClean="0"/>
-              <a:t>4/12/2021</a:t>
+              <a:t>4/14/2021</a:t>
             </a:fld>
             <a:endParaRPr lang="en-US"/>
           </a:p>
@@ -3600,7 +3601,7 @@
           <a:p>
             <a:fld id="{1EA177B0-755E-40F8-87BF-30E6A8219060}" type="datetimeFigureOut">
               <a:rPr lang="en-US" smtClean="0"/>
-              <a:t>4/12/2021</a:t>
+              <a:t>4/14/2021</a:t>
             </a:fld>
             <a:endParaRPr lang="en-US"/>
           </a:p>
@@ -4155,6 +4156,184 @@
           <p:cNvPr id="2" name="Title 1">
             <a:extLst>
               <a:ext uri="{FF2B5EF4-FFF2-40B4-BE49-F238E27FC236}">
+                <a16:creationId xmlns:a16="http://schemas.microsoft.com/office/drawing/2014/main" id="{4E136526-8B60-4B8E-8B6C-1D495824882E}"/>
+              </a:ext>
+            </a:extLst>
+          </p:cNvPr>
+          <p:cNvSpPr>
+            <a:spLocks noGrp="1"/>
+          </p:cNvSpPr>
+          <p:nvPr>
+            <p:ph type="title"/>
+          </p:nvPr>
+        </p:nvSpPr>
+        <p:spPr/>
+        <p:txBody>
+          <a:bodyPr/>
+          <a:lstStyle/>
+          <a:p>
+            <a:r>
+              <a:rPr lang="en-US" dirty="0"/>
+              <a:t>Synchronizing words</a:t>
+            </a:r>
+          </a:p>
+        </p:txBody>
+      </p:sp>
+      <p:sp>
+        <p:nvSpPr>
+          <p:cNvPr id="3" name="Content Placeholder 2">
+            <a:extLst>
+              <a:ext uri="{FF2B5EF4-FFF2-40B4-BE49-F238E27FC236}">
+                <a16:creationId xmlns:a16="http://schemas.microsoft.com/office/drawing/2014/main" id="{3EB6BCDC-57D3-4744-B892-7A436654A29C}"/>
+              </a:ext>
+            </a:extLst>
+          </p:cNvPr>
+          <p:cNvSpPr>
+            <a:spLocks noGrp="1"/>
+          </p:cNvSpPr>
+          <p:nvPr>
+            <p:ph idx="1"/>
+          </p:nvPr>
+        </p:nvSpPr>
+        <p:spPr/>
+        <p:txBody>
+          <a:bodyPr/>
+          <a:lstStyle/>
+          <a:p>
+            <a:r>
+              <a:rPr lang="en-US" dirty="0"/>
+              <a:t>As seen in the previous example, series of symbols can return two values:</a:t>
+            </a:r>
+          </a:p>
+          <a:p>
+            <a:pPr lvl="1"/>
+            <a:r>
+              <a:rPr lang="en-US" dirty="0"/>
+              <a:t>If we return to the starting state – </a:t>
+            </a:r>
+            <a:r>
+              <a:rPr lang="en-US" dirty="0">
+                <a:solidFill>
+                  <a:schemeClr val="accent3">
+                    <a:lumMod val="60000"/>
+                    <a:lumOff val="40000"/>
+                  </a:schemeClr>
+                </a:solidFill>
+              </a:rPr>
+              <a:t>True</a:t>
+            </a:r>
+            <a:r>
+              <a:rPr lang="en-US" dirty="0"/>
+              <a:t> </a:t>
+            </a:r>
+          </a:p>
+          <a:p>
+            <a:pPr lvl="1"/>
+            <a:r>
+              <a:rPr lang="en-US" dirty="0"/>
+              <a:t>If we don’t return to the starting state – </a:t>
+            </a:r>
+            <a:r>
+              <a:rPr lang="en-US" dirty="0">
+                <a:solidFill>
+                  <a:schemeClr val="accent4">
+                    <a:lumMod val="50000"/>
+                  </a:schemeClr>
+                </a:solidFill>
+              </a:rPr>
+              <a:t>False</a:t>
+            </a:r>
+          </a:p>
+          <a:p>
+            <a:r>
+              <a:rPr lang="en-US" dirty="0"/>
+              <a:t>A series of symbols </a:t>
+            </a:r>
+            <a:r>
+              <a:rPr lang="en-US" dirty="0">
+                <a:solidFill>
+                  <a:schemeClr val="bg2">
+                    <a:lumMod val="60000"/>
+                    <a:lumOff val="40000"/>
+                  </a:schemeClr>
+                </a:solidFill>
+              </a:rPr>
+              <a:t>[</a:t>
+            </a:r>
+            <a:r>
+              <a:rPr lang="en-US" dirty="0"/>
+              <a:t>words</a:t>
+            </a:r>
+            <a:r>
+              <a:rPr lang="en-US" dirty="0">
+                <a:solidFill>
+                  <a:schemeClr val="bg2">
+                    <a:lumMod val="60000"/>
+                    <a:lumOff val="40000"/>
+                  </a:schemeClr>
+                </a:solidFill>
+              </a:rPr>
+              <a:t>]</a:t>
+            </a:r>
+            <a:r>
+              <a:rPr lang="en-US" dirty="0"/>
+              <a:t> that reaches an end state is considered synchronizing.</a:t>
+            </a:r>
+          </a:p>
+          <a:p>
+            <a:pPr lvl="1"/>
+            <a:r>
+              <a:rPr lang="en-US" dirty="0"/>
+              <a:t>For our example, the end state is the starting state.</a:t>
+            </a:r>
+          </a:p>
+          <a:p>
+            <a:r>
+              <a:rPr lang="en-US" dirty="0"/>
+              <a:t>Also as seen in the previous example, synchronizing words can be of variable length.</a:t>
+            </a:r>
+          </a:p>
+          <a:p>
+            <a:pPr lvl="1"/>
+            <a:endParaRPr lang="en-US" dirty="0"/>
+          </a:p>
+        </p:txBody>
+      </p:sp>
+    </p:spTree>
+    <p:extLst>
+      <p:ext uri="{BB962C8B-B14F-4D97-AF65-F5344CB8AC3E}">
+        <p14:creationId xmlns:p14="http://schemas.microsoft.com/office/powerpoint/2010/main" val="998234888"/>
+      </p:ext>
+    </p:extLst>
+  </p:cSld>
+  <p:clrMapOvr>
+    <a:masterClrMapping/>
+  </p:clrMapOvr>
+</p:sld>
+</file>
+
+<file path=ppt/slides/slide11.xml><?xml version="1.0" encoding="utf-8"?>
+<p:sld xmlns:a="http://schemas.openxmlformats.org/drawingml/2006/main" xmlns:r="http://schemas.openxmlformats.org/officeDocument/2006/relationships" xmlns:p="http://schemas.openxmlformats.org/presentationml/2006/main">
+  <p:cSld>
+    <p:spTree>
+      <p:nvGrpSpPr>
+        <p:cNvPr id="1" name=""/>
+        <p:cNvGrpSpPr/>
+        <p:nvPr/>
+      </p:nvGrpSpPr>
+      <p:grpSpPr>
+        <a:xfrm>
+          <a:off x="0" y="0"/>
+          <a:ext cx="0" cy="0"/>
+          <a:chOff x="0" y="0"/>
+          <a:chExt cx="0" cy="0"/>
+        </a:xfrm>
+      </p:grpSpPr>
+      <p:sp>
+        <p:nvSpPr>
+          <p:cNvPr id="2" name="Title 1">
+            <a:extLst>
+              <a:ext uri="{FF2B5EF4-FFF2-40B4-BE49-F238E27FC236}">
                 <a16:creationId xmlns:a16="http://schemas.microsoft.com/office/drawing/2014/main" id="{CA6AD2FA-5246-4078-83E2-983BEF74181C}"/>
               </a:ext>
             </a:extLst>
@@ -4246,7 +4425,7 @@
 </p:sld>
 </file>
 
-<file path=ppt/slides/slide11.xml><?xml version="1.0" encoding="utf-8"?>
+<file path=ppt/slides/slide12.xml><?xml version="1.0" encoding="utf-8"?>
 <p:sld xmlns:a="http://schemas.openxmlformats.org/drawingml/2006/main" xmlns:r="http://schemas.openxmlformats.org/officeDocument/2006/relationships" xmlns:p="http://schemas.openxmlformats.org/presentationml/2006/main">
   <p:cSld>
     <p:spTree>
@@ -4332,7 +4511,7 @@
 </p:sld>
 </file>
 
-<file path=ppt/slides/slide12.xml><?xml version="1.0" encoding="utf-8"?>
+<file path=ppt/slides/slide13.xml><?xml version="1.0" encoding="utf-8"?>
 <p:sld xmlns:a="http://schemas.openxmlformats.org/drawingml/2006/main" xmlns:r="http://schemas.openxmlformats.org/officeDocument/2006/relationships" xmlns:p="http://schemas.openxmlformats.org/presentationml/2006/main">
   <p:cSld>
     <p:spTree>
@@ -4617,7 +4796,7 @@
 </p:sld>
 </file>
 
-<file path=ppt/slides/slide13.xml><?xml version="1.0" encoding="utf-8"?>
+<file path=ppt/slides/slide14.xml><?xml version="1.0" encoding="utf-8"?>
 <p:sld xmlns:a="http://schemas.openxmlformats.org/drawingml/2006/main" xmlns:r="http://schemas.openxmlformats.org/officeDocument/2006/relationships" xmlns:p="http://schemas.openxmlformats.org/presentationml/2006/main">
   <p:cSld>
     <p:spTree>
@@ -4833,7 +5012,7 @@
 </p:sld>
 </file>
 
-<file path=ppt/slides/slide14.xml><?xml version="1.0" encoding="utf-8"?>
+<file path=ppt/slides/slide15.xml><?xml version="1.0" encoding="utf-8"?>
 <p:sld xmlns:a="http://schemas.openxmlformats.org/drawingml/2006/main" xmlns:r="http://schemas.openxmlformats.org/officeDocument/2006/relationships" xmlns:p="http://schemas.openxmlformats.org/presentationml/2006/main">
   <p:cSld>
     <p:spTree>
@@ -4932,7 +5111,7 @@
 </p:sld>
 </file>
 
-<file path=ppt/slides/slide15.xml><?xml version="1.0" encoding="utf-8"?>
+<file path=ppt/slides/slide16.xml><?xml version="1.0" encoding="utf-8"?>
 <p:sld xmlns:a="http://schemas.openxmlformats.org/drawingml/2006/main" xmlns:r="http://schemas.openxmlformats.org/officeDocument/2006/relationships" xmlns:p="http://schemas.openxmlformats.org/presentationml/2006/main">
   <p:cSld>
     <p:spTree>
@@ -4977,8 +5156,8 @@
           </a:p>
         </p:txBody>
       </p:sp>
-      <mc:AlternateContent xmlns:mc="http://schemas.openxmlformats.org/markup-compatibility/2006">
-        <mc:Choice xmlns:a14="http://schemas.microsoft.com/office/drawing/2010/main" Requires="a14">
+      <mc:AlternateContent xmlns:mc="http://schemas.openxmlformats.org/markup-compatibility/2006" xmlns:a14="http://schemas.microsoft.com/office/drawing/2010/main">
+        <mc:Choice Requires="a14">
           <p:sp>
             <p:nvSpPr>
               <p:cNvPr id="3" name="Content Placeholder 2">
@@ -5374,7 +5553,7 @@
             </p:txBody>
           </p:sp>
         </mc:Choice>
-        <mc:Fallback>
+        <mc:Fallback xmlns="">
           <p:sp>
             <p:nvSpPr>
               <p:cNvPr id="3" name="Content Placeholder 2">
@@ -5431,7 +5610,7 @@
 </p:sld>
 </file>
 
-<file path=ppt/slides/slide16.xml><?xml version="1.0" encoding="utf-8"?>
+<file path=ppt/slides/slide17.xml><?xml version="1.0" encoding="utf-8"?>
 <p:sld xmlns:a="http://schemas.openxmlformats.org/drawingml/2006/main" xmlns:r="http://schemas.openxmlformats.org/officeDocument/2006/relationships" xmlns:p="http://schemas.openxmlformats.org/presentationml/2006/main">
   <p:cSld>
     <p:spTree>
@@ -5873,7 +6052,7 @@
 </p:sld>
 </file>
 
-<file path=ppt/slides/slide17.xml><?xml version="1.0" encoding="utf-8"?>
+<file path=ppt/slides/slide18.xml><?xml version="1.0" encoding="utf-8"?>
 <p:sld xmlns:a="http://schemas.openxmlformats.org/drawingml/2006/main" xmlns:r="http://schemas.openxmlformats.org/officeDocument/2006/relationships" xmlns:p="http://schemas.openxmlformats.org/presentationml/2006/main">
   <p:cSld>
     <p:spTree>
@@ -6318,7 +6497,7 @@
 </p:sld>
 </file>
 
-<file path=ppt/slides/slide18.xml><?xml version="1.0" encoding="utf-8"?>
+<file path=ppt/slides/slide19.xml><?xml version="1.0" encoding="utf-8"?>
 <p:sld xmlns:a="http://schemas.openxmlformats.org/drawingml/2006/main" xmlns:r="http://schemas.openxmlformats.org/officeDocument/2006/relationships" xmlns:p="http://schemas.openxmlformats.org/presentationml/2006/main">
   <p:cSld>
     <p:spTree>
@@ -6805,92 +6984,6 @@
 </p:sld>
 </file>
 
-<file path=ppt/slides/slide19.xml><?xml version="1.0" encoding="utf-8"?>
-<p:sld xmlns:a="http://schemas.openxmlformats.org/drawingml/2006/main" xmlns:r="http://schemas.openxmlformats.org/officeDocument/2006/relationships" xmlns:p="http://schemas.openxmlformats.org/presentationml/2006/main">
-  <p:cSld>
-    <p:spTree>
-      <p:nvGrpSpPr>
-        <p:cNvPr id="1" name=""/>
-        <p:cNvGrpSpPr/>
-        <p:nvPr/>
-      </p:nvGrpSpPr>
-      <p:grpSpPr>
-        <a:xfrm>
-          <a:off x="0" y="0"/>
-          <a:ext cx="0" cy="0"/>
-          <a:chOff x="0" y="0"/>
-          <a:chExt cx="0" cy="0"/>
-        </a:xfrm>
-      </p:grpSpPr>
-      <p:sp>
-        <p:nvSpPr>
-          <p:cNvPr id="2" name="Title 1">
-            <a:extLst>
-              <a:ext uri="{FF2B5EF4-FFF2-40B4-BE49-F238E27FC236}">
-                <a16:creationId xmlns:a16="http://schemas.microsoft.com/office/drawing/2014/main" id="{E22C5187-99F7-4FBA-8A1D-EB8E52077EED}"/>
-              </a:ext>
-            </a:extLst>
-          </p:cNvPr>
-          <p:cNvSpPr>
-            <a:spLocks noGrp="1"/>
-          </p:cNvSpPr>
-          <p:nvPr>
-            <p:ph type="title"/>
-          </p:nvPr>
-        </p:nvSpPr>
-        <p:spPr/>
-        <p:txBody>
-          <a:bodyPr/>
-          <a:lstStyle/>
-          <a:p>
-            <a:r>
-              <a:rPr lang="en-US" dirty="0"/>
-              <a:t>My additions</a:t>
-            </a:r>
-          </a:p>
-        </p:txBody>
-      </p:sp>
-      <p:sp>
-        <p:nvSpPr>
-          <p:cNvPr id="3" name="Text Placeholder 2">
-            <a:extLst>
-              <a:ext uri="{FF2B5EF4-FFF2-40B4-BE49-F238E27FC236}">
-                <a16:creationId xmlns:a16="http://schemas.microsoft.com/office/drawing/2014/main" id="{2501AE1D-96D5-47B9-B279-DE9643C0BF0B}"/>
-              </a:ext>
-            </a:extLst>
-          </p:cNvPr>
-          <p:cNvSpPr>
-            <a:spLocks noGrp="1"/>
-          </p:cNvSpPr>
-          <p:nvPr>
-            <p:ph type="body" idx="1"/>
-          </p:nvPr>
-        </p:nvSpPr>
-        <p:spPr/>
-        <p:txBody>
-          <a:bodyPr/>
-          <a:lstStyle/>
-          <a:p>
-            <a:r>
-              <a:rPr lang="en-US"/>
-              <a:t>https://github.com/Jacobsma/CS477-Project</a:t>
-            </a:r>
-          </a:p>
-        </p:txBody>
-      </p:sp>
-    </p:spTree>
-    <p:extLst>
-      <p:ext uri="{BB962C8B-B14F-4D97-AF65-F5344CB8AC3E}">
-        <p14:creationId xmlns:p14="http://schemas.microsoft.com/office/powerpoint/2010/main" val="188527863"/>
-      </p:ext>
-    </p:extLst>
-  </p:cSld>
-  <p:clrMapOvr>
-    <a:masterClrMapping/>
-  </p:clrMapOvr>
-</p:sld>
-</file>
-
 <file path=ppt/slides/slide2.xml><?xml version="1.0" encoding="utf-8"?>
 <p:sld xmlns:a="http://schemas.openxmlformats.org/drawingml/2006/main" xmlns:r="http://schemas.openxmlformats.org/officeDocument/2006/relationships" xmlns:p="http://schemas.openxmlformats.org/presentationml/2006/main">
   <p:cSld>
@@ -6999,6 +7092,92 @@
           <p:cNvPr id="2" name="Title 1">
             <a:extLst>
               <a:ext uri="{FF2B5EF4-FFF2-40B4-BE49-F238E27FC236}">
+                <a16:creationId xmlns:a16="http://schemas.microsoft.com/office/drawing/2014/main" id="{E22C5187-99F7-4FBA-8A1D-EB8E52077EED}"/>
+              </a:ext>
+            </a:extLst>
+          </p:cNvPr>
+          <p:cNvSpPr>
+            <a:spLocks noGrp="1"/>
+          </p:cNvSpPr>
+          <p:nvPr>
+            <p:ph type="title"/>
+          </p:nvPr>
+        </p:nvSpPr>
+        <p:spPr/>
+        <p:txBody>
+          <a:bodyPr/>
+          <a:lstStyle/>
+          <a:p>
+            <a:r>
+              <a:rPr lang="en-US" dirty="0"/>
+              <a:t>My additions</a:t>
+            </a:r>
+          </a:p>
+        </p:txBody>
+      </p:sp>
+      <p:sp>
+        <p:nvSpPr>
+          <p:cNvPr id="3" name="Text Placeholder 2">
+            <a:extLst>
+              <a:ext uri="{FF2B5EF4-FFF2-40B4-BE49-F238E27FC236}">
+                <a16:creationId xmlns:a16="http://schemas.microsoft.com/office/drawing/2014/main" id="{2501AE1D-96D5-47B9-B279-DE9643C0BF0B}"/>
+              </a:ext>
+            </a:extLst>
+          </p:cNvPr>
+          <p:cNvSpPr>
+            <a:spLocks noGrp="1"/>
+          </p:cNvSpPr>
+          <p:nvPr>
+            <p:ph type="body" idx="1"/>
+          </p:nvPr>
+        </p:nvSpPr>
+        <p:spPr/>
+        <p:txBody>
+          <a:bodyPr/>
+          <a:lstStyle/>
+          <a:p>
+            <a:r>
+              <a:rPr lang="en-US"/>
+              <a:t>https://github.com/Jacobsma/CS477-Project</a:t>
+            </a:r>
+          </a:p>
+        </p:txBody>
+      </p:sp>
+    </p:spTree>
+    <p:extLst>
+      <p:ext uri="{BB962C8B-B14F-4D97-AF65-F5344CB8AC3E}">
+        <p14:creationId xmlns:p14="http://schemas.microsoft.com/office/powerpoint/2010/main" val="188527863"/>
+      </p:ext>
+    </p:extLst>
+  </p:cSld>
+  <p:clrMapOvr>
+    <a:masterClrMapping/>
+  </p:clrMapOvr>
+</p:sld>
+</file>
+
+<file path=ppt/slides/slide21.xml><?xml version="1.0" encoding="utf-8"?>
+<p:sld xmlns:a="http://schemas.openxmlformats.org/drawingml/2006/main" xmlns:r="http://schemas.openxmlformats.org/officeDocument/2006/relationships" xmlns:p="http://schemas.openxmlformats.org/presentationml/2006/main">
+  <p:cSld>
+    <p:spTree>
+      <p:nvGrpSpPr>
+        <p:cNvPr id="1" name=""/>
+        <p:cNvGrpSpPr/>
+        <p:nvPr/>
+      </p:nvGrpSpPr>
+      <p:grpSpPr>
+        <a:xfrm>
+          <a:off x="0" y="0"/>
+          <a:ext cx="0" cy="0"/>
+          <a:chOff x="0" y="0"/>
+          <a:chExt cx="0" cy="0"/>
+        </a:xfrm>
+      </p:grpSpPr>
+      <p:sp>
+        <p:nvSpPr>
+          <p:cNvPr id="2" name="Title 1">
+            <a:extLst>
+              <a:ext uri="{FF2B5EF4-FFF2-40B4-BE49-F238E27FC236}">
                 <a16:creationId xmlns:a16="http://schemas.microsoft.com/office/drawing/2014/main" id="{D75ABDFB-764F-4D7C-9706-5F49AAFA9216}"/>
               </a:ext>
             </a:extLst>
@@ -7040,7 +7219,9 @@
         </p:nvSpPr>
         <p:spPr/>
         <p:txBody>
-          <a:bodyPr/>
+          <a:bodyPr>
+            <a:normAutofit fontScale="92500" lnSpcReduction="10000"/>
+          </a:bodyPr>
           <a:lstStyle/>
           <a:p>
             <a:r>
@@ -7080,6 +7261,26 @@
             <a:r>
               <a:rPr lang="en-US" dirty="0"/>
               <a:t>Comparing results from each automata</a:t>
+            </a:r>
+          </a:p>
+          <a:p>
+            <a:r>
+              <a:rPr lang="en-US" dirty="0"/>
+              <a:t>Optimization</a:t>
+            </a:r>
+          </a:p>
+          <a:p>
+            <a:pPr lvl="1"/>
+            <a:r>
+              <a:rPr lang="en-US" dirty="0"/>
+              <a:t>Optimizing the current algorithms implementation</a:t>
+            </a:r>
+          </a:p>
+          <a:p>
+            <a:pPr lvl="1"/>
+            <a:r>
+              <a:rPr lang="en-US" dirty="0"/>
+              <a:t>Refactoring the current algorithm implementation</a:t>
             </a:r>
           </a:p>
           <a:p>
@@ -7460,6 +7661,167 @@
           <p:cNvPr id="2" name="Title 1">
             <a:extLst>
               <a:ext uri="{FF2B5EF4-FFF2-40B4-BE49-F238E27FC236}">
+                <a16:creationId xmlns:a16="http://schemas.microsoft.com/office/drawing/2014/main" id="{F1011648-11D3-4921-9AE2-C3D3106396E4}"/>
+              </a:ext>
+            </a:extLst>
+          </p:cNvPr>
+          <p:cNvSpPr>
+            <a:spLocks noGrp="1"/>
+          </p:cNvSpPr>
+          <p:nvPr>
+            <p:ph type="title"/>
+          </p:nvPr>
+        </p:nvSpPr>
+        <p:spPr/>
+        <p:txBody>
+          <a:bodyPr/>
+          <a:lstStyle/>
+          <a:p>
+            <a:r>
+              <a:rPr lang="en-US" dirty="0"/>
+              <a:t>Applications of finite automata</a:t>
+            </a:r>
+          </a:p>
+        </p:txBody>
+      </p:sp>
+      <p:sp>
+        <p:nvSpPr>
+          <p:cNvPr id="4" name="Content Placeholder 3">
+            <a:extLst>
+              <a:ext uri="{FF2B5EF4-FFF2-40B4-BE49-F238E27FC236}">
+                <a16:creationId xmlns:a16="http://schemas.microsoft.com/office/drawing/2014/main" id="{F2183AE4-019C-4262-99A5-D45FD68B21AA}"/>
+              </a:ext>
+            </a:extLst>
+          </p:cNvPr>
+          <p:cNvSpPr>
+            <a:spLocks noGrp="1"/>
+          </p:cNvSpPr>
+          <p:nvPr>
+            <p:ph idx="1"/>
+          </p:nvPr>
+        </p:nvSpPr>
+        <p:spPr/>
+        <p:txBody>
+          <a:bodyPr/>
+          <a:lstStyle/>
+          <a:p>
+            <a:r>
+              <a:rPr lang="en-US" dirty="0"/>
+              <a:t>Finite automata are used in many applications</a:t>
+            </a:r>
+          </a:p>
+          <a:p>
+            <a:pPr lvl="1"/>
+            <a:r>
+              <a:rPr lang="en-US" dirty="0"/>
+              <a:t>Text processing</a:t>
+            </a:r>
+          </a:p>
+          <a:p>
+            <a:pPr lvl="1"/>
+            <a:r>
+              <a:rPr lang="en-US" dirty="0"/>
+              <a:t>Compilers</a:t>
+            </a:r>
+          </a:p>
+          <a:p>
+            <a:pPr lvl="1"/>
+            <a:r>
+              <a:rPr lang="en-US" dirty="0"/>
+              <a:t>Hardware design</a:t>
+            </a:r>
+          </a:p>
+          <a:p>
+            <a:pPr lvl="1"/>
+            <a:r>
+              <a:rPr lang="en-US" dirty="0"/>
+              <a:t>Network protocols</a:t>
+            </a:r>
+          </a:p>
+          <a:p>
+            <a:r>
+              <a:rPr lang="en-US" dirty="0"/>
+              <a:t>Automata theory is present in many fields</a:t>
+            </a:r>
+          </a:p>
+          <a:p>
+            <a:pPr lvl="1"/>
+            <a:r>
+              <a:rPr lang="en-US" dirty="0"/>
+              <a:t>Computer Science (duh)</a:t>
+            </a:r>
+          </a:p>
+          <a:p>
+            <a:pPr lvl="1"/>
+            <a:r>
+              <a:rPr lang="en-US" dirty="0"/>
+              <a:t>Linguistics</a:t>
+            </a:r>
+          </a:p>
+          <a:p>
+            <a:pPr lvl="1"/>
+            <a:r>
+              <a:rPr lang="en-US" dirty="0"/>
+              <a:t>Philosophy</a:t>
+            </a:r>
+          </a:p>
+          <a:p>
+            <a:pPr lvl="1"/>
+            <a:r>
+              <a:rPr lang="en-US" dirty="0"/>
+              <a:t>Biology</a:t>
+            </a:r>
+          </a:p>
+          <a:p>
+            <a:pPr lvl="1"/>
+            <a:r>
+              <a:rPr lang="en-US" dirty="0"/>
+              <a:t>Electrical Engineering</a:t>
+            </a:r>
+          </a:p>
+          <a:p>
+            <a:pPr marL="228600" lvl="1" indent="0">
+              <a:buNone/>
+            </a:pPr>
+            <a:endParaRPr lang="en-US" dirty="0"/>
+          </a:p>
+        </p:txBody>
+      </p:sp>
+    </p:spTree>
+    <p:extLst>
+      <p:ext uri="{BB962C8B-B14F-4D97-AF65-F5344CB8AC3E}">
+        <p14:creationId xmlns:p14="http://schemas.microsoft.com/office/powerpoint/2010/main" val="3903697591"/>
+      </p:ext>
+    </p:extLst>
+  </p:cSld>
+  <p:clrMapOvr>
+    <a:masterClrMapping/>
+  </p:clrMapOvr>
+</p:sld>
+</file>
+
+<file path=ppt/slides/slide6.xml><?xml version="1.0" encoding="utf-8"?>
+<p:sld xmlns:a="http://schemas.openxmlformats.org/drawingml/2006/main" xmlns:r="http://schemas.openxmlformats.org/officeDocument/2006/relationships" xmlns:p="http://schemas.openxmlformats.org/presentationml/2006/main">
+  <p:cSld>
+    <p:spTree>
+      <p:nvGrpSpPr>
+        <p:cNvPr id="1" name=""/>
+        <p:cNvGrpSpPr/>
+        <p:nvPr/>
+      </p:nvGrpSpPr>
+      <p:grpSpPr>
+        <a:xfrm>
+          <a:off x="0" y="0"/>
+          <a:ext cx="0" cy="0"/>
+          <a:chOff x="0" y="0"/>
+          <a:chExt cx="0" cy="0"/>
+        </a:xfrm>
+      </p:grpSpPr>
+      <p:sp>
+        <p:nvSpPr>
+          <p:cNvPr id="2" name="Title 1">
+            <a:extLst>
+              <a:ext uri="{FF2B5EF4-FFF2-40B4-BE49-F238E27FC236}">
                 <a16:creationId xmlns:a16="http://schemas.microsoft.com/office/drawing/2014/main" id="{FD59727A-21BA-4976-96C7-DEE371FF4E35}"/>
               </a:ext>
             </a:extLst>
@@ -7521,7 +7883,7 @@
 </p:sld>
 </file>
 
-<file path=ppt/slides/slide6.xml><?xml version="1.0" encoding="utf-8"?>
+<file path=ppt/slides/slide7.xml><?xml version="1.0" encoding="utf-8"?>
 <p:sld xmlns:a="http://schemas.openxmlformats.org/drawingml/2006/main" xmlns:r="http://schemas.openxmlformats.org/officeDocument/2006/relationships" xmlns:p="http://schemas.openxmlformats.org/presentationml/2006/main">
   <p:cSld>
     <p:spTree>
@@ -9693,7 +10055,7 @@
 </p:sld>
 </file>
 
-<file path=ppt/slides/slide7.xml><?xml version="1.0" encoding="utf-8"?>
+<file path=ppt/slides/slide8.xml><?xml version="1.0" encoding="utf-8"?>
 <p:sld xmlns:a="http://schemas.openxmlformats.org/drawingml/2006/main" xmlns:r="http://schemas.openxmlformats.org/officeDocument/2006/relationships" xmlns:p="http://schemas.openxmlformats.org/presentationml/2006/main">
   <p:cSld>
     <p:spTree>
@@ -12191,7 +12553,7 @@
 </p:sld>
 </file>
 
-<file path=ppt/slides/slide8.xml><?xml version="1.0" encoding="utf-8"?>
+<file path=ppt/slides/slide9.xml><?xml version="1.0" encoding="utf-8"?>
 <p:sld xmlns:a="http://schemas.openxmlformats.org/drawingml/2006/main" xmlns:r="http://schemas.openxmlformats.org/officeDocument/2006/relationships" xmlns:p="http://schemas.openxmlformats.org/presentationml/2006/main">
   <p:cSld>
     <p:spTree>
@@ -14382,184 +14744,6 @@
 </p:sld>
 </file>
 
-<file path=ppt/slides/slide9.xml><?xml version="1.0" encoding="utf-8"?>
-<p:sld xmlns:a="http://schemas.openxmlformats.org/drawingml/2006/main" xmlns:r="http://schemas.openxmlformats.org/officeDocument/2006/relationships" xmlns:p="http://schemas.openxmlformats.org/presentationml/2006/main">
-  <p:cSld>
-    <p:spTree>
-      <p:nvGrpSpPr>
-        <p:cNvPr id="1" name=""/>
-        <p:cNvGrpSpPr/>
-        <p:nvPr/>
-      </p:nvGrpSpPr>
-      <p:grpSpPr>
-        <a:xfrm>
-          <a:off x="0" y="0"/>
-          <a:ext cx="0" cy="0"/>
-          <a:chOff x="0" y="0"/>
-          <a:chExt cx="0" cy="0"/>
-        </a:xfrm>
-      </p:grpSpPr>
-      <p:sp>
-        <p:nvSpPr>
-          <p:cNvPr id="2" name="Title 1">
-            <a:extLst>
-              <a:ext uri="{FF2B5EF4-FFF2-40B4-BE49-F238E27FC236}">
-                <a16:creationId xmlns:a16="http://schemas.microsoft.com/office/drawing/2014/main" id="{4E136526-8B60-4B8E-8B6C-1D495824882E}"/>
-              </a:ext>
-            </a:extLst>
-          </p:cNvPr>
-          <p:cNvSpPr>
-            <a:spLocks noGrp="1"/>
-          </p:cNvSpPr>
-          <p:nvPr>
-            <p:ph type="title"/>
-          </p:nvPr>
-        </p:nvSpPr>
-        <p:spPr/>
-        <p:txBody>
-          <a:bodyPr/>
-          <a:lstStyle/>
-          <a:p>
-            <a:r>
-              <a:rPr lang="en-US" dirty="0"/>
-              <a:t>Synchronizing words</a:t>
-            </a:r>
-          </a:p>
-        </p:txBody>
-      </p:sp>
-      <p:sp>
-        <p:nvSpPr>
-          <p:cNvPr id="3" name="Content Placeholder 2">
-            <a:extLst>
-              <a:ext uri="{FF2B5EF4-FFF2-40B4-BE49-F238E27FC236}">
-                <a16:creationId xmlns:a16="http://schemas.microsoft.com/office/drawing/2014/main" id="{3EB6BCDC-57D3-4744-B892-7A436654A29C}"/>
-              </a:ext>
-            </a:extLst>
-          </p:cNvPr>
-          <p:cNvSpPr>
-            <a:spLocks noGrp="1"/>
-          </p:cNvSpPr>
-          <p:nvPr>
-            <p:ph idx="1"/>
-          </p:nvPr>
-        </p:nvSpPr>
-        <p:spPr/>
-        <p:txBody>
-          <a:bodyPr/>
-          <a:lstStyle/>
-          <a:p>
-            <a:r>
-              <a:rPr lang="en-US" dirty="0"/>
-              <a:t>As seen in the previous example, series of symbols can return two values:</a:t>
-            </a:r>
-          </a:p>
-          <a:p>
-            <a:pPr lvl="1"/>
-            <a:r>
-              <a:rPr lang="en-US" dirty="0"/>
-              <a:t>If we return to the starting state – </a:t>
-            </a:r>
-            <a:r>
-              <a:rPr lang="en-US" dirty="0">
-                <a:solidFill>
-                  <a:schemeClr val="accent3">
-                    <a:lumMod val="60000"/>
-                    <a:lumOff val="40000"/>
-                  </a:schemeClr>
-                </a:solidFill>
-              </a:rPr>
-              <a:t>True</a:t>
-            </a:r>
-            <a:r>
-              <a:rPr lang="en-US" dirty="0"/>
-              <a:t> </a:t>
-            </a:r>
-          </a:p>
-          <a:p>
-            <a:pPr lvl="1"/>
-            <a:r>
-              <a:rPr lang="en-US" dirty="0"/>
-              <a:t>If we don’t return to the starting state – </a:t>
-            </a:r>
-            <a:r>
-              <a:rPr lang="en-US" dirty="0">
-                <a:solidFill>
-                  <a:schemeClr val="accent4">
-                    <a:lumMod val="50000"/>
-                  </a:schemeClr>
-                </a:solidFill>
-              </a:rPr>
-              <a:t>False</a:t>
-            </a:r>
-          </a:p>
-          <a:p>
-            <a:r>
-              <a:rPr lang="en-US" dirty="0"/>
-              <a:t>A series of symbols </a:t>
-            </a:r>
-            <a:r>
-              <a:rPr lang="en-US" dirty="0">
-                <a:solidFill>
-                  <a:schemeClr val="bg2">
-                    <a:lumMod val="60000"/>
-                    <a:lumOff val="40000"/>
-                  </a:schemeClr>
-                </a:solidFill>
-              </a:rPr>
-              <a:t>[</a:t>
-            </a:r>
-            <a:r>
-              <a:rPr lang="en-US" dirty="0"/>
-              <a:t>words</a:t>
-            </a:r>
-            <a:r>
-              <a:rPr lang="en-US" dirty="0">
-                <a:solidFill>
-                  <a:schemeClr val="bg2">
-                    <a:lumMod val="60000"/>
-                    <a:lumOff val="40000"/>
-                  </a:schemeClr>
-                </a:solidFill>
-              </a:rPr>
-              <a:t>]</a:t>
-            </a:r>
-            <a:r>
-              <a:rPr lang="en-US" dirty="0"/>
-              <a:t> that reaches an end state is considered synchronizing.</a:t>
-            </a:r>
-          </a:p>
-          <a:p>
-            <a:pPr lvl="1"/>
-            <a:r>
-              <a:rPr lang="en-US" dirty="0"/>
-              <a:t>For our example, the end state is the starting state.</a:t>
-            </a:r>
-          </a:p>
-          <a:p>
-            <a:r>
-              <a:rPr lang="en-US" dirty="0"/>
-              <a:t>Also as seen in the previous example, synchronizing words can be of variable length.</a:t>
-            </a:r>
-          </a:p>
-          <a:p>
-            <a:pPr lvl="1"/>
-            <a:endParaRPr lang="en-US" dirty="0"/>
-          </a:p>
-        </p:txBody>
-      </p:sp>
-    </p:spTree>
-    <p:extLst>
-      <p:ext uri="{BB962C8B-B14F-4D97-AF65-F5344CB8AC3E}">
-        <p14:creationId xmlns:p14="http://schemas.microsoft.com/office/powerpoint/2010/main" val="998234888"/>
-      </p:ext>
-    </p:extLst>
-  </p:cSld>
-  <p:clrMapOvr>
-    <a:masterClrMapping/>
-  </p:clrMapOvr>
-</p:sld>
-</file>
-
 <file path=ppt/theme/theme1.xml><?xml version="1.0" encoding="utf-8"?>
 <a:theme xmlns:a="http://schemas.openxmlformats.org/drawingml/2006/main" name="Banded">
   <a:themeElements>
